--- a/day 4/Day 4 whiteboard.pptx
+++ b/day 4/Day 4 whiteboard.pptx
@@ -13,6 +13,12 @@
     <p:sldId id="261" r:id="rId7"/>
     <p:sldId id="262" r:id="rId8"/>
     <p:sldId id="263" r:id="rId9"/>
+    <p:sldId id="264" r:id="rId10"/>
+    <p:sldId id="265" r:id="rId11"/>
+    <p:sldId id="266" r:id="rId12"/>
+    <p:sldId id="267" r:id="rId13"/>
+    <p:sldId id="268" r:id="rId14"/>
+    <p:sldId id="269" r:id="rId15"/>
   </p:sldIdLst>
   <p:sldSz cx="12192000" cy="6858000"/>
   <p:notesSz cx="6858000" cy="9144000"/>
@@ -111,6 +117,11 @@
       </a:defRPr>
     </a:lvl9pPr>
   </p:defaultTextStyle>
+  <p:extLst>
+    <p:ext uri="{EFAFB233-063F-42B5-8137-9DF3F51BA10A}">
+      <p15:sldGuideLst xmlns:p15="http://schemas.microsoft.com/office/powerpoint/2012/main"/>
+    </p:ext>
+  </p:extLst>
 </p:presentation>
 </file>
 
@@ -178,6 +189,410 @@
 </inkml:ink>
 </file>
 
+<file path=ppt/ink/ink100.xml><?xml version="1.0" encoding="utf-8"?>
+<inkml:ink xmlns:inkml="http://www.w3.org/2003/InkML">
+  <inkml:definitions>
+    <inkml:context xml:id="ctx0">
+      <inkml:inkSource xml:id="inkSrc0">
+        <inkml:traceFormat>
+          <inkml:channel name="X" type="integer" max="1920" units="cm"/>
+          <inkml:channel name="Y" type="integer" max="1080" units="cm"/>
+          <inkml:channel name="T" type="integer" max="2.14748E9" units="dev"/>
+        </inkml:traceFormat>
+        <inkml:channelProperties>
+          <inkml:channelProperty channel="X" name="resolution" value="55.81395" units="1/cm"/>
+          <inkml:channelProperty channel="Y" name="resolution" value="55.6701" units="1/cm"/>
+          <inkml:channelProperty channel="T" name="resolution" value="1" units="1/dev"/>
+        </inkml:channelProperties>
+      </inkml:inkSource>
+      <inkml:timestamp xml:id="ts0" timeString="2020-11-20T15:22:42.291"/>
+    </inkml:context>
+    <inkml:brush xml:id="br0">
+      <inkml:brushProperty name="width" value="0.05" units="cm"/>
+      <inkml:brushProperty name="height" value="0.05" units="cm"/>
+      <inkml:brushProperty name="fitToCurve" value="1"/>
+    </inkml:brush>
+  </inkml:definitions>
+  <inkml:trace contextRef="#ctx0" brushRef="#br0">593 0 0,'-24'0'0,"24"24"15,0 1 1,0-1-16,0 1 16,0 23-16,0-23 15,0-1-15,0 1 16,0-1 0,0 0-16,0 1 15,-25-25-15,25 24 0,-24 1 16,-1-1-16,25 1 15,-24-25-15,0 24 0,-1 0 16,1 1-16,-1-25 16,1 24-16,0-24 15,-1 0-15,1-24 16,-1-1 0,25 1-16,-24 0 15,24-1-15,0 1 16,24-1-16,1 1 0,-25-1 15,24-23-15,1 23 0,-1 25 16,0-24-16,1-1 16,-1 25-16,25 0 0,-25 0 15,1 0-15,-1 0 16,1 25-16,-1-1 0,-24 1 16,25-1-16,-1 0 0,-24 25 15,0 0-15,0 0 16,0 0-16,-24 0 0,24 0 15,-25-1-15,1-23 16,-1 24-16,1 0 0,-1-1 16,1-23-16,-25-1 0,25 1 15,-25 24-15,0-49 16,0 24-16,25 0 0,-25-24 16,25 0-16,-25 0 0,24 0 15,1 0-15,-1-24 16,25 0-16,-24 24 0,24-25 15,0 1-15,0-1 16,24 1-16,-24-1 0,25 1 16,-1 24-16,1 0 0,24-24 15,-25 24-15,0 0 16,25 0-16,-24 24 0,-1 0 16,1-24-16,23 25 15,-23-1-15,-1 1 0,-24-1 16,25-24-16,-1 25 0,-24-1 15,24 0-15,-24 1 16,25-25-16,-25 24 0,24 1 16</inkml:trace>
+  <inkml:trace contextRef="#ctx0" brushRef="#br0" timeOffset="433">836 268 0,'0'-24'0,"0"0"15,0-1 1,0 50 15,0-1-15,0 0-16,0 1 0,25-1 15,-25 25-15,0-24 0,24 23 16,-24 1-16,0 25 16,0-26-16,0 1 0,0 0 15,0 0-15,0 0 16,0 0-16,-24 0 0,24-1 15,-25-23-15,1 24 0,0-25 16,24 0-16,-25 25 16,1-24-16,-1-1 0,1-24 15,-1 25-15,1-25 16,24 24-16,-24-24 0,-1 0 16,1 0-16,-1 0 15,1-24 1</inkml:trace>
+  <inkml:trace contextRef="#ctx0" brushRef="#br0" timeOffset="1062">1545 268 0,'0'-24'0,"0"0"0,-25 24 16,25 24 15,0 0-16,0 25-15,0-24 0,0 24 16,25-1-16,-25 1 0,0 0 16,0 24-16,0-24 15,0 0-15,0 0 0,0 0 16,0 0-16,0 0 16,0-25-16,0 25 0,0-25 15,0 1-15,0-1 0,0 25 16,24-49 15,0 0-15,1 0-16,-1 0 0,25-25 15,-24 25-15,23 0 0,1-24 16,-24 24-16,24 0 16,-25 0-16,25 0 0,-25 0 15,1-24-15,-1 24 0</inkml:trace>
+  <inkml:trace contextRef="#ctx0" brushRef="#br0" timeOffset="1543">2229 733 0,'0'-25'0,"0"1"16,0-1-1,-25 25 17,1 25-32,-1-25 15,25 24-15,-24 1 16,-1-1-16,25 0 0,-24 1 15,24 24-15,-24-25 16,24 0-16,0 25 0,24-24 16,-24-1-16,24 1 0,1-1 15,-1 0-15,1-24 16,24 0-16,-25 25 0,0-25 16,1 0-16,24-25 15,-25 1-15,0 24 0,-24-24 16,25-1-16,-25-24 0,24 25 15,-24-25-15,0 25 16,-24-25-16,24 24 0,-25 1 16,25 0-16,-24-1 15,0 1-15,-1 24 16,1 0-16,-1 0 16,25 24-1</inkml:trace>
+  <inkml:trace contextRef="#ctx0" brushRef="#br0" timeOffset="2166">2839 806 0,'24'0'16,"-24"-25"-1,25 25-15,-25-24 0,0 0 16,0-1 0,0 1-16,-25 24 15,25-25-15,-24 25 16,0-24-16,-1 24 0,1 0 15,-1 0-15,1 0 0,0 0 16,-1 24-16,1-24 16,-1 25-16,1-1 0,-1 1 15,1-1-15,24 25 16,-24-25-16,24 25 0,-25-24 16,25-1-16,0 25 0,0-25 15,25 1-15,-25-1 16,24-24-16,0 24 0,1-24 15,-25 25-15,24-25 16,1 0-16,-1-25 0,1 25 16,-1-24-16,25 0 0,-49-1 15,24 1-15,1-25 16,-1 25-16,-24-25 0,24 24 16,-24-24-16,25 25 0,-25 0 15,0-1-15,0 1 16,24 24-16,-24 24 31,0 1-31,0-1 16,0 0-16,25 1 0,-25 24 15,0-25-15,0 1 16,0 23-16,24-23 0,-24-1 16,0 1-16</inkml:trace>
+  <inkml:trace contextRef="#ctx0" brushRef="#br0" timeOffset="2917">3352 781 0,'0'-24'0,"0"0"16,24 24-1,-24-25-15,0 1 16,-24-1 0,0 1-16,-1 24 15,1-25-15,-1 25 0,1 0 16,-1 0-16,1 0 15,0 0-15,-1 0 0,25 25 16,-24-1-16,-1 1 16,1-1-16,24 1 0,0-1 15,-25 0-15,25 25 0,0-24 16,0 24-16,25-25 16,-25 0-16,24 1 0,1-1 15,-1 1-15,1-25 16,-1 24-16,0-24 0,25 0 15,-24 0-15,-1-24 0,25-1 16,-25 1-16,1-1 16,-1 1-16,1-25 0,-1 25 15,-24-25-15,24 0 16,-24-24-16,0 24 0,0 0 16,0-24-16,0 24 0,0 0 15,0 0-15,0 0 16,0 25-16,0-25 0,0 25 15,-24 24 1,24 24 0,0 0-1,0 1-15,0-1 16,0 25-16,0 0 0,0 0 16,0 0-16,0 0 0,0-1 15,0 1-15,24 25 16,-24-26-16,0 1 0,25-24 15,-25 24-15,24-1 16,-24-23-16,25-1 0,-25 1 16,24-1-16,-24 0 15,25 1-15,-1-25 16,0 0 0,-24-25-16,0 1 15</inkml:trace>
+</inkml:ink>
+</file>
+
+<file path=ppt/ink/ink101.xml><?xml version="1.0" encoding="utf-8"?>
+<inkml:ink xmlns:inkml="http://www.w3.org/2003/InkML">
+  <inkml:definitions>
+    <inkml:context xml:id="ctx0">
+      <inkml:inkSource xml:id="inkSrc0">
+        <inkml:traceFormat>
+          <inkml:channel name="X" type="integer" max="1920" units="cm"/>
+          <inkml:channel name="Y" type="integer" max="1080" units="cm"/>
+          <inkml:channel name="T" type="integer" max="2.14748E9" units="dev"/>
+        </inkml:traceFormat>
+        <inkml:channelProperties>
+          <inkml:channelProperty channel="X" name="resolution" value="55.81395" units="1/cm"/>
+          <inkml:channelProperty channel="Y" name="resolution" value="55.6701" units="1/cm"/>
+          <inkml:channelProperty channel="T" name="resolution" value="1" units="1/dev"/>
+        </inkml:channelProperties>
+      </inkml:inkSource>
+      <inkml:timestamp xml:id="ts0" timeString="2020-11-20T15:23:03.218"/>
+    </inkml:context>
+    <inkml:brush xml:id="br0">
+      <inkml:brushProperty name="width" value="0.05" units="cm"/>
+      <inkml:brushProperty name="height" value="0.05" units="cm"/>
+      <inkml:brushProperty name="fitToCurve" value="1"/>
+    </inkml:brush>
+  </inkml:definitions>
+  <inkml:trace contextRef="#ctx0" brushRef="#br0">0 276 0,'0'25'31,"25"-1"-31,-25 1 0,24-1 16,-24 1-16,25-1 15,-25 0-15,0 1 0,0 24 16,24-25-16,-24 25 15,0-25-15,0 25 0,0-24 16,0-1-16,0 25 0,25-25 16,-25 1-16,0-1 15,0 1-15,0-1 16,0-48 15,0-1-31,-25 1 16,25-1-16,0-24 15,-24 1-15,24-1 0,0 0 16,0 0-16,0-24 16,0 0-16,0 24 0,0-25 15,0 26-15,0-1 0,24 0 16,-24 24-16,25-23 16,-1 48-16,25-25 0,-25 1 15,1 24-15,24 0 16,-1 0-16,-23 24 0,24 1 15,-25-1-15,25 0 0,-49 1 16,24-1-16,-24 25 16,0-24-16,0 23 0,-24-23 15,-1-1-15,1 25 16,-25-24-16,25-1 0,-25 0 16,25-24-16,-25 25 0,24-1 15,1-24-15</inkml:trace>
+  <inkml:trace contextRef="#ctx0" brushRef="#br0" timeOffset="666">1026 618 0,'0'-24'15,"0"0"-15,0-1 16,-24 1-16,24-1 15,-25 1-15,1 24 16,24-25-16,-25 1 0,1 24 16,0-24-16,-1 24 15,1 0-15,-1 0 0,1 24 16,0-24-16,-1 24 0,1 1 16,24-1-16,-25 1 15,25-1-15,-24 25 0,24-25 16,0 1-16,0-1 15,0 1-15,0-1 0,24 0 16,-24 1-16,25-25 0,-25 24 16,24-24-16,1 25 15,-1-25-15,0 0 16,1-25 0,-1 25-16,-24-24 0,25-1 15,-1 1-15,-24 0 0,24-1 16,-24 1-16,25-25 15,-25 25-15,24-1 0,-24 1 16,25-1-16,-25 1 16,24 24-16,1 24 15,-25 1-15,0-1 16,24 1-16,-24-1 16,0 0-16,24 1 0,-24-1 15,25 1-15,-25 23 16,0-23-16,24-25 0,-24 24 15,0 1-15,0-1 16</inkml:trace>
+  <inkml:trace contextRef="#ctx0" brushRef="#br0" timeOffset="1183">1686 545 0,'24'-24'16,"-24"-1"0,24 1-16,-24-1 0,0 1 15,-24 0 1,0-1-16,-1 25 15,-24 0-15,25 0 16,-1 0-16,1 0 0,-25 25 16,25-25-16,-1 24 0,1 0 15,0 1-15,-1-1 16,25 1-16,0-1 0,0 0 16,0 1-16,0-1 15,25 1-15,-1-1 16,0 1-16,1-25 0,24 24 15,-25-24-15,25 24 16,-25-24-16,25 0 0,-24 25 16,-1-25-16,0 0 15,1 24-15,-25 1 16,-25-25 0,1 0-1,0 24-15,-1-24 0,-24 0 16,0 0-16,25 0 15,-25 0-15,0 0 0,1 0 16,-1 0-16,24 0 0,1 0 16</inkml:trace>
+  <inkml:trace contextRef="#ctx0" brushRef="#br0" timeOffset="1680">2394 521 0,'24'0'15,"-24"-25"-15,25 1 16,-25-1-16,0 1 15,-25 0 1,1 24 0,-1-25-16,1 25 0,0 0 15,-1 0-15,1 25 16,-1-25-16,-24 24 0,25-24 16,0 24-16,-1-24 0,1 25 15,-1-1 1,25 1-16,0-1 0,25 1 15,-1-25-15,1 24 0,23 0 16,-23 1-16,24-1 16,0 1-16,-1-1 0,-23-24 15,24 24-15,0 1 16,-25-25-16,0 24 0,1 1 16,-25-1-1,-25-24-15,1 25 16,0-25-16,-25 0 0,24 24 15,-24-24-15,1 0 16,-1 0-16,24 0 0,-24 0 16</inkml:trace>
+</inkml:ink>
+</file>
+
+<file path=ppt/ink/ink102.xml><?xml version="1.0" encoding="utf-8"?>
+<inkml:ink xmlns:inkml="http://www.w3.org/2003/InkML">
+  <inkml:definitions>
+    <inkml:context xml:id="ctx0">
+      <inkml:inkSource xml:id="inkSrc0">
+        <inkml:traceFormat>
+          <inkml:channel name="X" type="integer" max="1920" units="cm"/>
+          <inkml:channel name="Y" type="integer" max="1080" units="cm"/>
+          <inkml:channel name="T" type="integer" max="2.14748E9" units="dev"/>
+        </inkml:traceFormat>
+        <inkml:channelProperties>
+          <inkml:channelProperty channel="X" name="resolution" value="55.81395" units="1/cm"/>
+          <inkml:channelProperty channel="Y" name="resolution" value="55.6701" units="1/cm"/>
+          <inkml:channelProperty channel="T" name="resolution" value="1" units="1/dev"/>
+        </inkml:channelProperties>
+      </inkml:inkSource>
+      <inkml:timestamp xml:id="ts0" timeString="2020-11-20T15:23:06.056"/>
+    </inkml:context>
+    <inkml:brush xml:id="br0">
+      <inkml:brushProperty name="width" value="0.05" units="cm"/>
+      <inkml:brushProperty name="height" value="0.05" units="cm"/>
+      <inkml:brushProperty name="fitToCurve" value="1"/>
+    </inkml:brush>
+  </inkml:definitions>
+  <inkml:trace contextRef="#ctx0" brushRef="#br0">488 124 0,'25'-24'15,"-25"-1"-15,0 1 0,0 0 16,-25-1-1,1 25-15,-1 0 16,1 0-16,0 0 0,-25 0 16,24 25-16,-24-25 15,25 24-15,-25 25 0,25-25 16,-25 25-16,24-24 16,1 23-16,-25 1 0,25 0 15,24 0-15,0 24 0,0-24 16,0 0-16,0-25 15,24 25-15,1 0 0,23-25 16,-23 1-16,24-1 16,0 1-16,-25-1 0,25-24 15,0 25-15,-25-25 0,25 0 16</inkml:trace>
+  <inkml:trace contextRef="#ctx0" brushRef="#br0" timeOffset="522">1050 515 0,'-24'-24'0,"24"-1"16,0 1-1,0-1 1,0 1-16,-25 24 0,25-24 15,-24 24-15,24-25 16,-25 25-16,1 0 0,-1 0 16,1 0-16,0 0 0,-25 25 15,24-1-15,1 0 16,-1 1-16,-23-1 0,23 1 16,25 23-16,-24-23 0,-1-1 15,25 1-15,0-1 16,0 1-16,25-1 0,-1 0 15,1-24-15,-1 25 16,0-25-16,1 0 0,24 0 16,-25 0-16,1-25 0,-1 25 15,0-24-15,1 0 16,-1-25-16,-24 24 0,25-24 16,-25 25-16,0-25 15,24 25-15,-24-1 0,0 1 16,25 0-16,-1 48 31,-24 0-31,0 1 0,0-1 16,24 1-16,-24 23 15,0-23-15,25 24 0,-25-25 16,24 1-16,-24-1 0,25 0 16,-1 1-16</inkml:trace>
+  <inkml:trace contextRef="#ctx0" brushRef="#br0" timeOffset="977">1223 442 0,'0'-25'15,"-25"25"-15,25-24 0,0 0 16,25-1-16,-1 25 15,-24-24-15,25 24 0,-1 0 16,1 0-16,-1 0 16,0 0-16,1 24 0,24 1 15,-25-1-15,1 0 0,-1 25 16,0-24-16,1-1 16,-1 25-16,1-25 0,-25 1 15,24-1 1,-24 1-16,-24-25 15,-1 0-15,1 0 16,-1-25 0,1 1-16,0-1 15,24 1 1,0-25-16,24 25 0,0-1 16,1-24-16,-1 25 0,1 0 15,-1-1-15,1 1 16,23-1-16,-23 25 0,-1 0 15,1 0 1,-25 25 0</inkml:trace>
+  <inkml:trace contextRef="#ctx0" brushRef="#br0" timeOffset="1751">2296 442 0,'24'0'15,"0"-25"-15,-24 1 16,0 0-1,0-1-15,-24 1 16,24-1-16,-24 1 0,-1-1 16,1 25-16,-1-24 15,1 24-15,-1 0 0,1 0 16,-25 24-16,25 1 0,-1-1 16,1 1-16,-1 24 15,1-1-15,24-23 0,0 24 16,0 0-16,0-25 15,0 0-15,24 1 0,1-1 16,-1 1-16,1-1 0,24-24 16,-25 0-16,0 0 15,25 0-15,-24-24 0,-1 24 16,-24-25-16,25 1 16,-1-1-16,0 1 0,-24 0 15,25-1-15,-25 1 0,0-1 16,24 1-16,1 48 31,-25 1-31,24-1 16,-24 1-16,25 23 0,-1 1 15,0 24-15,1-24 0,-1 0 16,25 24-16,-25-24 16,1 25-16,-1-26 0,1 1 15,-1 0-15,-24-25 16,0 25-16,0-24 0,-24-1 15,-1-24-15,-24 0 16,25 0-16,-25 0 16,0-24-16,1 24 0,-1-25 15,24 1-15,1-25 16,-1 25-16,1-25 0,0 0 16,24 0-16,0 25 0,0-25 15,0 0-15,0 25 16,24-1-16,0 1 15,1 24-15,-1-25 16,1 25-16,-1 0 16,25 0-16,-25 0 0,1 0 15,-1 0-15,25 0 16,-25-24-16</inkml:trace>
+  <inkml:trace contextRef="#ctx0" brushRef="#br0" timeOffset="2196">3248 442 0,'0'-25'0,"0"1"16,0 0-1,-24 24-15,-1-25 16,1 25-1,-1 0-15,1 0 16,0 25-16,24-1 0,-25-24 16,25 24-16,-24 1 15,24-1-15,0 25 0,0-24 16,0 23-16,0-23 0,24 24 16,-24-25-16,25 0 15,-1 1-15,0-1 0,1 1 16,-1-25-16,1 0 15,-1 0-15,0 0 0,1 0 16,24 0-16,-25-25 0,1 1 16,-1-1-16,0-23 15,-24 23-15,0-24 0,25 1 16,-25-1-16,-25 0 16,1 24-16,0-23 0,-1 23 15,1 1-15,-25-1 0,0 25 16,25 0-16,-25 0 15,0 0-15,25 0 0</inkml:trace>
+</inkml:ink>
+</file>
+
+<file path=ppt/ink/ink103.xml><?xml version="1.0" encoding="utf-8"?>
+<inkml:ink xmlns:inkml="http://www.w3.org/2003/InkML">
+  <inkml:definitions>
+    <inkml:context xml:id="ctx0">
+      <inkml:inkSource xml:id="inkSrc0">
+        <inkml:traceFormat>
+          <inkml:channel name="X" type="integer" max="1920" units="cm"/>
+          <inkml:channel name="Y" type="integer" max="1080" units="cm"/>
+          <inkml:channel name="T" type="integer" max="2.14748E9" units="dev"/>
+        </inkml:traceFormat>
+        <inkml:channelProperties>
+          <inkml:channelProperty channel="X" name="resolution" value="55.81395" units="1/cm"/>
+          <inkml:channelProperty channel="Y" name="resolution" value="55.6701" units="1/cm"/>
+          <inkml:channelProperty channel="T" name="resolution" value="1" units="1/dev"/>
+        </inkml:channelProperties>
+      </inkml:inkSource>
+      <inkml:timestamp xml:id="ts0" timeString="2020-11-20T15:23:10.464"/>
+    </inkml:context>
+    <inkml:brush xml:id="br0">
+      <inkml:brushProperty name="width" value="0.05" units="cm"/>
+      <inkml:brushProperty name="height" value="0.05" units="cm"/>
+      <inkml:brushProperty name="fitToCurve" value="1"/>
+    </inkml:brush>
+  </inkml:definitions>
+  <inkml:trace contextRef="#ctx0" brushRef="#br0">293 4 0,'-25'0'31,"1"0"-16,-1 0-15,25 25 16,-24-25-16,-1 0 16,1 24-16,0 0 15,-1-24-15,1 25 0,-1-1 16,1 25-16,24-24 16,-24-1-16,24 25 0,0-25 15,0 1-15,0 23 16,0-23-16,0-1 0,24 1 15,-24-1-15,24 1 0,1-1 16,-1 0-16,1 1 16,-1-25-16,0 24 0,1-24 15,-1 0-15,25 25 16,-24-25-16,-1 0 0,0 0 16,1-25-16,-1 25 0,1 0 15,-1-24-15,1 24 16,-1-25-16,-24 1 0,24 0 15,1-25 1,-25 24-16,0 1 0,24-1 16,-24-23-16,0 23 0,0 1 15,0-25-15,0 25 16,0-1-16,0 1 0,0-1 16,0 1-16,0-1 0,-24 25 15,24-24-15,-25 24 16,25-24-16,-24 24 0,0 0 15,-1-25-15,1 25 16,-25 0-16,24 0 0,1 0 16,0 0-16,-1 0 0,1 0 15,-1 0 1,25 25 0,0-1-1,25-24-15</inkml:trace>
+  <inkml:trace contextRef="#ctx0" brushRef="#br0" timeOffset="809">268 712 0,'0'-24'0,"25"24"15,-25-24-15,-25 48 31,1-24-15,24 24 0,-25-24-16,1 25 0,-1-1 15,25 1-15,-24-1 0,0 0 16,24 1-16,0-1 16,-25 25-16,25-24 0,0-1 15,0 0-15,0 1 16,0-1-16,0 1 15,0-1-15,0 1 16,25-1-16,-25 0 31,24-24-15,0 0 0,1 0-1,-25-24-15,24 24 16,1 0-16,-1 0 0,1-24 15,-1 24-15,0 0 16,1-25-16,-1 25 16,1 0-16,-1 0 31,-24-24-31,0-1 16,0 1-1,0-1 1,-24 1-16,24 0 15,0-25 1,-25 24-16,25 1 0,0-1 16,0 1-16,0 0 0,0-1 15,0 1 1,-24 24-16,24-25 16,-25 25 30</inkml:trace>
+  <inkml:trace contextRef="#ctx0" brushRef="#br0" timeOffset="1536">1196 126 0,'-24'-24'0,"-1"24"31,1 0-16,0 0-15,-1 0 16,1 24-16,-1-24 16,1 25-16,-1-25 0,25 24 15,-24 1-15,0-25 16,24 24-16,-25 0 0,25 1 16,-24-1-16,24 25 0,0-25 15,0 1-15,0-1 16,24 1-16,1 24 0,-25-25 15,24 0-15,0-24 16,1 25-16,-1-1 0,1-24 16,-1 0-16,1 25 0,23-25 15,-23 0-15,-1 0 16,1 0-16,-1 0 0,1 0 16,-1 0-16,-24-25 0,24 25 15,-24-24-15,25-1 16,-25 1-16,0 0 0,0-1 15,0 1-15,0-1 16,0-24-16,0 25 0,0-25 16,0 25-16,-25-1 0,25-23 15,-24 23-15,24 1 16,-24 24-16,-1-25 0,1 25 16,-1 0-1,1 0 1,24 25-1</inkml:trace>
+  <inkml:trace contextRef="#ctx0" brushRef="#br0" timeOffset="2363">1123 639 0,'24'0'0,"-24"-24"32,0 48-1,-24 1-16,0-25-15,24 24 16,-25-24-16,25 24 16,-24 1-16,24-1 0,-25 1 15,25-1-15,0 1 0,0-1 16,-24 0-16,24 1 16,0-1-16,0 1 15,0-1-15,0 0 16,0 1-16,24-25 15,-24 24-15,25 1 16,-1-1 15,1 1-15,-1-25 0,0 0-1,1 0 1,-1 0-16,1 0 15,-1-25-15,0 25 16,1-24-16,-1 24 16,-24-25-16,25 25 15,-25-24-15,0-1 16,24 1 0,-24 0-1,0-1-15,0 1 16,0-1-1,0 1 1,-24 24 0,24-24-16,-25-1 15,1 1 1,-1-1-16,25 1 16,-24-1-1,24 1-15,0 0 16,0-1-1,0 1 17</inkml:trace>
+  <inkml:trace contextRef="#ctx0" brushRef="#br0" timeOffset="3203">2173 126 0,'0'-24'15,"0"-1"1,-24 25-1,-1 0 1,1 0-16,-1 0 16,1 0-16,0 25 0,-1-25 15,1 24-15,-1-24 16,-24 49-16,25-49 16,0 24-16,24 1 15,-25-1-15,1 1 0,-1-1 16,25 1-16,-24 23 0,24-23 15,-24-1-15,24 25 16,0-24-16,0-1 0,0 0 16,24 1-16,-24-1 0,24 1 15,1-1-15,-1-24 16,25 25-16,-25-1 16,1-24-16,24 0 15,-25 0-15,1 0 0,-1 0 16,0 0-16,1 0 15,24-24-15,-25 24 0,1-25 16,-1 1-16,0-1 0,-24 1 16,25-1-16,-1 1 15,-24 0-15,0-25 0,25 24 16,-25-24-16,0 25 0,0-25 16,-25 25-16,25-1 15,-24 1-15,24-1 0,-25 1 16,1 24-16,0 0 15,-1 0-15,1 0 16,-1 0-16,25 24 16,-24-24-16,24 25 15</inkml:trace>
+  <inkml:trace contextRef="#ctx0" brushRef="#br0" timeOffset="3929">2051 664 0,'24'0'15,"-24"24"1,-24-24 15,24 24-31,-24-24 16,24 25-16,-25-1 0,1-24 15,24 25-15,-25-1 16,25 0-16,-24-24 0,24 25 16,-25-1-16,25 1 0,0-1 15,0 1 1,0-1-16,0 0 15,0 1-15,0-1 16,25-24-16,-25 25 16,24-25-16,-24 24 15,25-24 1,-1 0-16,1 0 16,-25 25-1,24-25-15,0 0 16,1 0-1,-1-25 1,1 25-16,-1 0 16,1-24-16,-1 24 15,-24-25-15,24 25 16,-24-24-16,0-1 31,0 1-31,0 0 16,0-1-16,0 1 15,0-1-15,0 1 16,-24 24-16,24-25 0,0 1 16,-24 0-16,24-1 15,-25 25-15,25-24 16,0-1 0,-24 25-16</inkml:trace>
+  <inkml:trace contextRef="#ctx0" brushRef="#br0" timeOffset="4734">3223 126 0,'-24'-24'15,"0"24"1,-1 0-1,1 0 1,-1 0 0,1 0-16,-1 0 15,1 24 1,0-24-16,-1 0 16,25 25-16,-24-25 0,-1 24 15,25 1-15,-24-25 16,24 24-16,-25 0 0,25 1 15,-24-1-15,24 1 16,0-1-16,-24 25 0,24-25 16,0 1-16,0-1 0,0 1 15,0-1-15,0 0 16,0 1-16,24-1 0,-24 1 16,24-25-16,-24 24 15,25-24-15,-1 25 0,1-25 16,-1 24-16,1-24 15,23 0-15,-23 0 0,-1 0 16,1 0-16,24 0 0,-25-24 16,0 24-16,1-25 15,-1 25-15,-24-24 0,25 24 16,-25-25-16,0 1 0,0-1 16,0 1-16,0 0 15,0-25-15,0 24 0,-25 1 16,25-25-16,-24 25 15,-1-1-15,25-24 0,-24 25 16,24 0-16,-24 24 16,-1 24-1,25 0 17,-24-24-32</inkml:trace>
+  <inkml:trace contextRef="#ctx0" brushRef="#br0" timeOffset="5479">2955 712 0,'-25'0'15,"25"25"-15,0-1 32,0 1-17,0-1-15,-24 0 16,24 1-16,-25-1 16,1 1-16,24-1 0,-24 1 15,-1-1-15,25 0 16,-24 1-16,24-1 0,0 1 15,-25-1-15,25 1 16,0-1 0,0 0-16,25-24 15,-25 25-15,24-25 16,1 0 0,-1 0-16,0 24 15,1-24-15,-1 0 16,1 0-16,-1 0 15,1 0 1,-1 0-16,0 0 16,1 0-16,-1 0 15,1 0 1,-1 0-16,1 0 31,-1 0-15,-24-24-16,24-1 15,-24 1 1,25 0 0,-25-1-16,0 1 15,0-1-15,0 1 0,0-25 16,0 25-16,0-25 0,0 24 16,-25-24-16,25 25 15,0 0-15,-24-1 0,24 1 16,0-1-16,-24 25 15,24-24-15,-25 24 16,1 0-16,-1 0 16,1 0-1,-1 24 1,1 1 0</inkml:trace>
+</inkml:ink>
+</file>
+
+<file path=ppt/ink/ink104.xml><?xml version="1.0" encoding="utf-8"?>
+<inkml:ink xmlns:inkml="http://www.w3.org/2003/InkML">
+  <inkml:definitions>
+    <inkml:context xml:id="ctx0">
+      <inkml:inkSource xml:id="inkSrc0">
+        <inkml:traceFormat>
+          <inkml:channel name="X" type="integer" max="1920" units="cm"/>
+          <inkml:channel name="Y" type="integer" max="1080" units="cm"/>
+          <inkml:channel name="T" type="integer" max="2.14748E9" units="dev"/>
+        </inkml:traceFormat>
+        <inkml:channelProperties>
+          <inkml:channelProperty channel="X" name="resolution" value="55.81395" units="1/cm"/>
+          <inkml:channelProperty channel="Y" name="resolution" value="55.6701" units="1/cm"/>
+          <inkml:channelProperty channel="T" name="resolution" value="1" units="1/dev"/>
+        </inkml:channelProperties>
+      </inkml:inkSource>
+      <inkml:timestamp xml:id="ts0" timeString="2020-11-20T15:23:17.429"/>
+    </inkml:context>
+    <inkml:brush xml:id="br0">
+      <inkml:brushProperty name="width" value="0.05" units="cm"/>
+      <inkml:brushProperty name="height" value="0.05" units="cm"/>
+      <inkml:brushProperty name="fitToCurve" value="1"/>
+    </inkml:brush>
+  </inkml:definitions>
+  <inkml:trace contextRef="#ctx0" brushRef="#br0">24 492 0,'0'-25'0,"0"1"15,-24 24-15,48 0 31,-24 24-15,0 1 0,25-1-16,-25 0 0,0 25 15,24-24-15,-24-1 0,0 25 16,0-25-16,25 1 16,-25-1-16,0 1 0,0-1 15,24-24 1,-24 25-16,0-50 15,-24 1 1,24-1 0,-25 1-16,25-1 0,0 1 15,0-25-15,-24 25 0,24-25 16,0 0-16,0-24 16,0 24-16,0-24 0,24 24 15,-24 0-15,25-24 16,-1 24-16,1 24 0,23 1 15,-23 0-15,24-1 16,0 25-16,-1 0 0,26 0 16,-26 0-16,1 25 0,0-1 15,-24 0-15,23 1 16,-23-1-16,-25 1 0,0 24 16,0-25-16,0 0 0,-25 25 15,1-24-15,0-1 16,-1 1-16,-24-1 0,25 0 15,-1 1-15,-23-25 16,23 24-16,1-24 0,-1 25 16,1-25-16,48 0 31,1 24-15,24-24-1,-25 0-15,25 0 0,-25 0 16,25 24-16,0 1 0,-25-25 15,25 24-15,0 1 16,-24-25-16,-1 24 0,0 1 16,-24-1-16,0 0 15,0 1-15,-24-1 0,0 1 16,-1-1 0,-24-24-16,25 25 0,-25-25 15,25 0-15,-25 24 0,0-24 16,24 0-16,-23 0 15,-1 0-15,24 0 0,1-24 16,-25 24-16,25 0 0,24-25 16,-25 25-16,1 0 15,24-24-15</inkml:trace>
+  <inkml:trace contextRef="#ctx0" brushRef="#br0" timeOffset="577">1270 443 0,'0'-25'16,"-24"1"0,-1 24-16,1-24 15,-1 24-15,1 24 16,-1-24-16,1 24 16,0 1-16,-1-1 0,25 1 15,-24-1-15,-1 25 16,25-25-16,0 25 0,0-24 15,0-1-15,0 25 16,0-25-16,25 1 0,-1-25 16,1 24-16,-1-24 0,0 0 15,1 0-15,-1 0 16,25 0-16,-24 0 0,-25-24 16,24-1-16,0 25 0,-24-24 15,0-1-15,0 1 16,0 0-16,0-25 0,0 24 15,0 1-15,-24 0 16,24-1-16,0 1 16,0 48-1,24-24-15,-24 25 16,25-1-16,-25 0 0,24 1 16,-24 24-16,25-25 15,-25 0-15,24 25 0,-24-24 16,25-1-16,-1-24 0,-24 25 15,24-1-15</inkml:trace>
+  <inkml:trace contextRef="#ctx0" brushRef="#br0" timeOffset="1711">1270 516 0,'0'-24'0,"-24"24"31,24-25-15,-25 25-16,1 0 16,-1 0-16,1 0 15,-1 0-15,25 25 16,-24-25-16,0 0 0,24 24 16,-25-24-16,25 24 15,-24-24-15,24 25 16,-25-1-16,1 1 15,24-1 1,0 1-16,0-1 0,0 0 16,0 1-1,0-1-15,24 1 16,1-25-16,-25 24 0,24 1 16,1-25-16,-1 24 15,0-24-15,25 0 0,-24 0 16,-1 0-16,25 0 15,-25 0-15,1 0 0,-1 0 16,1-24-16,-1 24 0,-24-25 16,25 25-16,-25-24 15,24 24-15,-24-25 0,0 1 16,0-1 0,0 1-16,0 0 0,0-1 15,-24 1-15,24-1 0,-25-24 16,25 25-16,0 0 15,-24-1-15,24 1 0,0-1 16,-25 25-16,1-24 16,-1 24-16,1 0 15,0 0-15,-1 0 0,1 0 16,-1 0 0,1 24-16,-1-24 15,25 25 1</inkml:trace>
+  <inkml:trace contextRef="#ctx0" brushRef="#br0" timeOffset="2408">1783 540 0,'24'0'0,"1"0"15,-25-24 1,0 0 15,0-1-15,-25 25-16,1 0 0,0 0 15,-1 0 1,1 0-16,-1 0 0,1 0 16,-1 0-16,1 0 15,0 25-15,24-1 0,-25-24 16,25 24-16,-24 1 0,24 24 16,0-25-16,0 1 15,24-1-15,-24 0 0,25 1 16,-1-1-16,-24 1 15,24-1-15,1-24 0,-1 25 16,1-25-16,-1 0 0,1 0 16,-1 0-16,0 0 15,1-25-15,-25 1 0,24 24 16,-24-25-16,0 1 16,0-1-16,25 1 0,-25 0 15,0-1-15,0 1 0,0-1 16,0 1-16,0-1 15,24 50 17,-24-1-32,0 1 0,24-1 15,-24 1-15,25-1 0,-25 0 16,24 1-16,-24 24 16,25-49-16,-25 24 0,24 1 15</inkml:trace>
+  <inkml:trace contextRef="#ctx0" brushRef="#br0" timeOffset="2810">2076 467 0,'0'-24'0,"-24"24"15,48 0 1,0 0-1,1 24-15,-1 1 16,1-1-16,24 1 16,-25-1-16,0 0 0,1 1 15,-25-1-15,24 1 16,-24-1-16,0 0 0,0 1 16,0-1-16,-24-24 31,-1-24-16,25-1 1,0 1-16,0 0 16,0-25-16,0 24 0,25-23 15,-25 23-15,24 1 16,1-1-16,-1 1 0,1-1 16,-1 25-16,0 0 15,1 0-15,-1 0 0,-24 25 16,25-25-1</inkml:trace>
+  <inkml:trace contextRef="#ctx0" brushRef="#br0" timeOffset="3456">2882 614 0,'24'0'16,"-24"-25"-1,0 1 1,0 0 0,0-1-16,-24 25 0,24-24 15,-24-1-15,-1 1 0,1 24 16,-1-25-16,-24 25 15,25-24-15,0 24 0,-1 0 16,1 24-16,-1 1 16,25-1-16,-24 1 0,-1-1 15,25 25-15,0 0 16,0-25-16,0 25 0,0-25 16,0 1-16,25-1 0,-1 1 15,1-1-15,-1 1 16,1-25-16,23 0 0,-23 0 15,-1 0-15,1 0 0,-1-25 16,1 1-16,-1-1 16,0 1-16,1-25 0,-25 25 15,24-25-15,-24 0 16,0 0-16,0 0 0,0-24 16,0 24-16,-24 0 0,24 0 15,0 1-15,0-1 16,-25 0-16,25 24 0,0 50 31,0-1-31,0 25 16,25-24-16,-25 23 0,24 26 15,-24-25-15,25-1 16,-1 26-16,-24-25 0,24-1 16,1 1-16,-25 0 0,24-25 15,-24 1-15,25 24 16,-1-25-16,1-24 15</inkml:trace>
+  <inkml:trace contextRef="#ctx0" brushRef="#br0" timeOffset="3702">3248 467 0,'25'0'47,"-25"25"-32,0-1-15,24 1 16,-24-1-16,0 0 16,0 1-16,25-1 0,-25 25 15,0-25-15,0 1 0,0-1 16,0 1-16,0-1 15,24-24-15</inkml:trace>
+  <inkml:trace contextRef="#ctx0" brushRef="#br0" timeOffset="3878">3346 247 0,'0'-24'15,"-24"24"-15,24-24 0,-25 24 32,25 24-17,0 0 1</inkml:trace>
+  <inkml:trace contextRef="#ctx0" brushRef="#br0" timeOffset="4357">3468 492 0,'-24'0'0,"24"-25"16,24 25-1,1 0 1,-1 0-16,0 25 15,1-1 1,-25 1-16,24-1 0,-24 0 16,25 25-16,-25-24 0,24-1 15,-24 0-15,0 1 16,0-1-16,0 1 16,0-50 15,0 1-16,0-1-15,0 1 16,0 0-16,0-25 0,0 24 16,0-23-16,24 23 0,-24 1 15,25-25-15,-1 24 16,1 25-16,-25-24 0,24 24 16,1 0-16,-1 24 15,0 1-15,1-25 0,-1 24 16,-24 25-16,25-24 0,-25-1 15,24 25-15,-24-25 16,0 1-16,0-1 0,0 0 16,0 1-1</inkml:trace>
+  <inkml:trace contextRef="#ctx0" brushRef="#br0" timeOffset="5173">4372 614 0,'0'-25'16,"0"1"-16,0 0 16,0-1-16,0 1 15,-25-1-15,25 1 0,-24-1 16,0 1-16,24 0 15,-25-1-15,1 1 0,-1 24 16,1 0 0,-1 0-16,1 24 0,0 1 15,-1-1-15,1 0 0,24 25 16,-25-24-16,25 24 16,0-25-16,0 25 0,0-25 15,25 1-15,-25-1 16,24 0-16,1-24 0,-1 25 15,0-25-15,25 0 0,-24 0 16,-1-25-16,1 25 16,-1-24-16,0 0 0,1-1 15,-1 1-15,-24-1 16,0-23-16,25 23 0,-25 1 16,0-1-16,0 1 0,0-1 15,0 1-15,0 48 31,0 1-31,0-1 16,0 25-16,0-24 0,0 23 16,24 1-16,-24 24 0,0-24 15,24 25-15,1-26 16,-25 26-16,24-25 0,1-1 16,-1 26-16,1-26 0,-25 1 15,24 0-15,0 0 16,-24 0-16,0 0 0,0-25 15,0 1-15,0-1 16,-24-24-16,0 24 0,-1-24 16,1-24-16,-25 0 15,24-1-15,1 1 16,-25-1-16,25-24 0,-25 1 16,25 23-16,-25-24 15,24 0-15,1-24 0,24 49 16,0-25-16,0 0 0,0 25 15,0-1-15,24 1 16,1-1-16,24 1 0,-25 24 16,0 0-16,25-24 15,0 24-15,-25 0 0,1 0 16,-1-25-16,1 25 0,-1 0 16,1 0-16,-50 0 15,1 0 1</inkml:trace>
+</inkml:ink>
+</file>
+
+<file path=ppt/ink/ink105.xml><?xml version="1.0" encoding="utf-8"?>
+<inkml:ink xmlns:inkml="http://www.w3.org/2003/InkML">
+  <inkml:definitions>
+    <inkml:context xml:id="ctx0">
+      <inkml:inkSource xml:id="inkSrc0">
+        <inkml:traceFormat>
+          <inkml:channel name="X" type="integer" max="1920" units="cm"/>
+          <inkml:channel name="Y" type="integer" max="1080" units="cm"/>
+          <inkml:channel name="T" type="integer" max="2.14748E9" units="dev"/>
+        </inkml:traceFormat>
+        <inkml:channelProperties>
+          <inkml:channelProperty channel="X" name="resolution" value="55.81395" units="1/cm"/>
+          <inkml:channelProperty channel="Y" name="resolution" value="55.6701" units="1/cm"/>
+          <inkml:channelProperty channel="T" name="resolution" value="1" units="1/dev"/>
+        </inkml:channelProperties>
+      </inkml:inkSource>
+      <inkml:timestamp xml:id="ts0" timeString="2020-11-20T15:23:34.502"/>
+    </inkml:context>
+    <inkml:brush xml:id="br0">
+      <inkml:brushProperty name="width" value="0.05" units="cm"/>
+      <inkml:brushProperty name="height" value="0.05" units="cm"/>
+      <inkml:brushProperty name="fitToCurve" value="1"/>
+    </inkml:brush>
+  </inkml:definitions>
+  <inkml:trace contextRef="#ctx0" brushRef="#br0">519 519 0,'49'0'15,"-25"0"-15,1 0 0,23 0 16,-23 24-16,24-24 16,-25 0-16,25 25 0,0-25 15,0 0-15,-1 0 16,26 24-16,-25-24 0,24 0 16,0 0-16,0 25 0,1-25 15,-1 0-15,0 0 16,25 24-16,-25-24 0,25 0 15,0 0-15,-25 25 16,24-25-16,26 24 0,-26-24 16,1 24-16,0-24 0,24 25 15,-25-1-15,1-24 16,24 25-16,-24-25 0,24 24 16,-24-24-16,-1 25 0,1-25 15,0 0-15,-25 24 16,25-24-16,-1 0 0,1 0 15,0 0-15,0 24 16,-25-24-16,25 0 0,-1 0 16,1 0-16,-25 25 15,0-25-15,25 0 0,-49 0 16,24 0-16,-24 0 0,24 24 16,-24-24-16,0 0 15,0 0-15,24 0 0,-24 0 16,0 25-16,24-25 0,-24 0 15,24 24-15,-24-24 16,0 0-16,24 24 0,-24-24 16,0 25-16,0-25 15,24 0-15,-24 24 0,0-24 16,0 25-16,-1-25 0,1 0 16,0 24-16,0-24 15,0 25-15,0-25 0,-1 0 16,1 24-16,-24-24 15,24 24-15,-25-24 0,0 0 16,1 0-16,-1 25 0,1-25 16,-1 0-16,1 0 15,-25 24-15,24-24 0,0 0 16,1 25-16,-1-25 16,1 24-16,-1 1 15,1-25-15,-25 24 16,24 0-1,-24 1-15,0-1 16,0 1 0,0-1-16,0 0 15,0 1-15,0-1 16,0 1-16,0-1 16,0 1-16,0-1 0,-24 0 15,24 1 1,0-1-16,0 1 0,0-1 15,0 1-15,-25-25 16,25 24-16,0 0 16,0 1-1,-24-25-15,24 24 16,-25-24-16,1 25 16,-1-25-16,1 0 15,0 0 1,-1 0-16,1 0 0,-25 0 15,24 0-15,-23 0 16,23 0-16,-24 0 0,0-25 16,1 25-16,-1 0 0,0 0 15,-24-24-15,24 24 16,-24 0-16,-1-25 0,1 25 16,0 0-16,0-24 15,-1 24-15,-23-24 0,23 24 16,-23 0-16,23 0 0,-23 0 15,-1-25-15,25 25 16,-25 0-16,0 0 0,25 0 16,-25 0-16,1-24 0,23 24 15,-23 0-15,-1 0 16,25 0-16,-25 0 0,0-25 16,25 25-16,0 0 15,-25 0-15,49-24 0,-24 24 16,0 0-16,-1 0 0,1-25 15,24 25-15,-24 0 16,0 0-16,0-24 0,-1 24 16,1 0-16,0-24 15,-1 24-15,1 0 0,24-25 16,-24 25-16,0-24 0,24 24 16,-24-25-16,24 25 15,0 0-15,0-24 0,-24 24 16,24 0-16,0-25 15,0 25-15,-24 0 0,24 0 16,0-24-16,1 24 0,-1 0 16,0 0-16,0-24 15,0 24-15,0 0 0,0 0 16,1-25-16,-1 25 16,0 0-16,0 0 0,25-24 15,-25 24-15,0 0 0,24 0 16,-23-25-16,-1 25 15,24 0-15,-23 0 0</inkml:trace>
+  <inkml:trace contextRef="#ctx0" brushRef="#br0" timeOffset="576">104 1056 0,'24'-24'0,"-24"-1"15,24 1-15,-24 0 16,0-1-16,25 1 0,-25-1 16,24 1-16,-24-25 0,25 25 15,-25-1-15,24 1 16,-24-1-16,25 1 0,-25 0 15,24-1 1,0 25-16,1 0 16,-1-24-16,1 24 15,-1 0 1,1 0-16,-1 0 16,0 0-16,1 0 15,-1 0 1,1 0-16,-1-25 31,-24 1 16</inkml:trace>
+  <inkml:trace contextRef="#ctx0" brushRef="#br0" timeOffset="1260">568 470 0,'-25'0'0,"1"0"16,-1 0-16,1 0 0,0 0 15,-1 25-15,1-25 16,-25 0-16,24 24 0,1-24 15,0 0-15,-25 24 0,24 1 16,1-25-16,-1 24 16,1 1-16,0-25 0,-1 24 15,1 1-15,-1-1 16,25 0-16,-24 1 0,24-1 16,0 1-16,0-1 0,0 25 15,0-25-15,0 1 16,0-1-16,24 1 0,-24 23 15,25-23-15,-25-1 16,24 1-16,-24-1 0,25 1 16,-1-1-16,0 0 0,1 1 15,-1-1-15,1-24 16,-1 25-16,1-1 0,-1-24 16,0 25-16,1-25 15,24 24-15,-25-24 0,25 0 16,-25 24-16,1-24 0,24 0 15,-1 25-15,-23-25 16,24 0-16,-25 24 0,25-24 16,-25 0-16,1 0 0,-1 25 15,1-25-15,-1 0 16,1 0-16,-1 0 16,0 0-16,1 0 15,-1 0-15,1 0 16,-1 0-16,-48-25 31</inkml:trace>
+  <inkml:trace contextRef="#ctx0" brushRef="#br0" timeOffset="1835">568 788 0,'-25'0'15,"1"24"1,-1 0 0,1 1-1,0-25-15,24 24 16,-25 1-16,25-1 0,-24 1 15,24-1-15,0 0 16,24 1-16,1-1 16,-25 1-16,24-25 15,0 0-15,1 24 16,-1-24-16,1 0 16,-1-24-16,0 24 0,1-25 15,-1 25-15,1-24 16,-25-1-16,0 1 15,0 0-15,0-1 16,0 1-16,-25-1 0,1 1 16,-1 24-16,1-25 0,-25 25 15,25-24-15,-1 24 16,1 0-16,0 0 0,-1 0 16,1 24-16</inkml:trace>
+  <inkml:trace contextRef="#ctx0" brushRef="#br0" timeOffset="3383">6356 1496 0,'0'-25'16,"0"1"15,-25 24 0,25-24-15,-24 24-16,0 0 16,-1 0-1,1 0-15,-1 0 16,1 0 0,24 24-16,-24-24 0,-1 0 15,25 24-15,-24 1 16,-1-1-16,25 1 15,-24-25-15,24 24 0,0 1 16,0-1-16,0 0 16,0 1-16,0-1 15,24 1-15,1-1 16,-1-24-16,1 25 16,-1-25-16,0 0 0,1 0 15,24 0-15,-25 0 16,0 0-16,1 0 0,-1-25 15,1 25-15,-1-24 16,1-1-16,-25 1 16,0-1-16,-25 1 15,25 0-15,-24-1 16,24 1-16,-25-1 0,25 1 16,-24-1-16,24 1 0,-25 0 15,1 24 1,24-25-16,-24 25 0,-1 0 15,1 0 1</inkml:trace>
+  <inkml:trace contextRef="#ctx0" brushRef="#br0" timeOffset="5317">1129 31 0,'0'24'47,"-24"-24"-32,24 24-15,-24-24 16,24 25-16,-25-1 16,25 1-16,0-1 0,-24-24 15,24 25-15,0-1 16,0 0-16,-25 1 0,25-1 16,0 1-1,0-1-15,0 0 16,-24-24-16,24 25 0,0-1 15,0 1 1,0-1 15,24-24-31,-24 25 47,25-25 0,-1 24-31,1-24-1,-1 0-15,0 0 0,1 0 16,-1 0-16,1 0 16,-1 24-16,25-24 0,-25 0 15,1 0-15,24 25 0,-25-25 16,0 0-16,1 0 15,-1 0-15,1 0 0,-1 24 16,1-24-16,-1 0 16,0 0-16,1 25 15,-1-25 1,1 0 0,-1 0-1,1 0 16,-25-25 1,0 1-17,-25 24-15,25-25 16,0 1 0,0 0-16,-24-1 15,24 1-15,0-1 16,0 1-16,24-1 15,-24 1-15,25 0 0,-25-1 16,0 1-16,24-1 16,-24 1-16,24 0 15,-24-1-15,0 1 16,25-1 0,-25 1-16,24 24 15,-24-25 1,0 1-1,25 24 1,-50 0 15,1 0-15,-1 0 0,1 0-16,0 0 15,-1 0 1,1 0-16,-1 0 15,1 0-15,-1-24 16,1 24-16,-25 0 16,25 0-16,-1 0 15,1 0-15,-1-25 0,1 25 16,0 0-16,-1 0 16,1 0-1,-1 0 1,1 0-1,24 25-15,-25-25 0,1 0 16,0 0 0,24 24 31,-25-24-1,25 24 33</inkml:trace>
+  <inkml:trace contextRef="#ctx0" brushRef="#br0" timeOffset="6791">2570 153 0,'-24'0'16,"24"-25"0,-24 25-1,-1 0 1,25 25 15,0-1 0,0 1-31,0-1 16,-24 0-16,24 1 0,0-1 16,0 1-1,-25-1-15,25 0 0,0 1 16,0-1-16,0 1 16,0-1-16,0 1 0,0-1 15,0 0-15,0 1 16,0-1-1,-24-24-15,24 25 0,0-1 32,24-24-1,1 0-15,-1 0-1,1 0 1,-1 0-16,0 0 0,25 0 15,-24 0-15,-1 0 16,0 0-16,25 25 16,-24-25-16,24 0 0,-25 0 15,25 0-15,-25 0 16,25 0-16,-24 0 0,-1 0 16,0 24-16,1-24 0,-1 0 15,1 0 16,-25-24 32,24 24-63,-24-25 16,0 1 15,0-1-31,24 25 0,-24-24 15,0-1-15,0 1 16,0 0-16,0-1 0,0 1 16,25-1-16,-25 1 0,0-1 15,24 1-15,-24 0 16,0-1-16,25 1 0,-25-1 16,24 25-1,-24-24-15,0 0 16,0-1 15,-24 25 16,24-24-47,-25 24 0,1 0 31,-1 0-31,25-25 0,-24 25 16,0 0-16,-1 0 15,1 0-15,-1 0 0,-23-24 16,23 24-16,1 0 0,-1 0 16,1 0-16,-1 0 15,1 0-15,0-25 16,-1 25 0,1 0-1,-1 0-15,1 0 16,-1 25-1,1-25-15,0 0 16,-1 0-16,1 24 16</inkml:trace>
+  <inkml:trace contextRef="#ctx0" brushRef="#br0" timeOffset="8318">4011 348 0,'0'-24'15,"-24"24"17,24-25-17,-25 25 1,25 25-1,0-1 1,-24-24 0,24 24-16,0 1 15,0-1-15,0 1 0,0-1 16,0 1-16,0-1 0,0 25 16,-24-25-16,24 1 15,0-1-15,0 1 0,0-1 16,0 0-1,0 1-15,0-1 16,0 1 0,0-1-1,24-24 63,0 0-62,1 0-16,-1 0 16,1 0-16,-1 0 15,25 0-15,-25 0 0,1 25 16,24-25-16,-25 0 16,1 0-16,-1 0 0,25 0 15,-25 24-15,1-24 16,-1 0-16,0 0 0,25 0 15,-24 24-15,-1-24 0,1 0 16,-1 0 0,0 0-16,1 0 15,-1 0 1,1 0 15,-1 0 0,1 0-15,-25-24 0,24 24-1,-24-24-15,0-1 16,0 1 0,24-1-16,-24 1 15,0-1-15,0 1 16,25 0-16,-25-1 0,0 1 15,0-1-15,24 25 16,-24-24-16,0-1 0,0 1 16,0 0-16,0-1 15,0 1 1,0-1 15,0 1 16,-24 24 0,24-25-47,-25 25 16,1 0-1,0 0-15,-1 0 16,1 0-16,-1 0 15,-24-24-15,25 24 0,0 0 16,-25 0-16,24 0 0,1-24 16,-1 24-16,-23 0 15,23 0-15,1 0 0,-1 0 16,1-25-16,0 25 16,-1 0-16,1 0 0,-1 0 15,1 0-15,-1 0 16,1 0-16,0 0 15,-1 0-15,1 0 16,-1 0 0,50 0 31</inkml:trace>
+  <inkml:trace contextRef="#ctx0" brushRef="#br0" timeOffset="9906">5501 446 0,'0'-25'16,"0"50"62,0-1-47,-24 1-31,24-1 0,-25 0 16,25 1-16,0-1 16,0 1-16,-24-1 15,24 1-15,-25-1 16,25 0-16,0 1 16,-24-1-16,24 1 15,0-1-15,0 0 16,24-24 15,-24 25-15,25-25-16,-1 0 15,1 0 1,-1 24 0,1-24-1,-1 0-15,0 0 16,1 0-16,-1 0 0,25 0 15,-24 0-15,-1 0 0,25 25 16,-25-25-16,1 0 16,23 0-16,-23 0 0,-1 24 15,1-24-15,-1 0 0,1 0 16,-1 25-16,0-25 16,1 0-16,-1 0 15,1 0-15,-1 0 31,-24-25 1,0 1-1,0-1-15,25 1-16,-25-1 15,0 1-15,24 0 16,-24-1-16,24 1 15,-24-1-15,0 1 16,25 0-16,-25-1 0,24 25 16,-24-24-16,25-1 0,-25 1 15,24-1 1,-24 1-16,0 0 16,0-1-1,0 1 1,-24 24-1,24-25 1,-25 25 15,1 0-15,-1 0 0,1-24-1,0 24-15,-1 0 16,1 0-16,-1 0 15,1 0-15,-1 0 16,1 0-16,0 0 0,-1 0 16,1 0-16,-1 0 15,1 0-15,-1-25 0,1 25 16,0 0-16,-1 0 16,1 0-16,-1 0 15,1 0-15,0 0 0,-1 0 16,1 0-1,24-24 1,-25 24 0,1 0-1,-1 0 17,25 24 46,-24-24-78</inkml:trace>
+</inkml:ink>
+</file>
+
+<file path=ppt/ink/ink106.xml><?xml version="1.0" encoding="utf-8"?>
+<inkml:ink xmlns:inkml="http://www.w3.org/2003/InkML">
+  <inkml:definitions>
+    <inkml:context xml:id="ctx0">
+      <inkml:inkSource xml:id="inkSrc0">
+        <inkml:traceFormat>
+          <inkml:channel name="X" type="integer" max="1920" units="cm"/>
+          <inkml:channel name="Y" type="integer" max="1080" units="cm"/>
+          <inkml:channel name="T" type="integer" max="2.14748E9" units="dev"/>
+        </inkml:traceFormat>
+        <inkml:channelProperties>
+          <inkml:channelProperty channel="X" name="resolution" value="55.81395" units="1/cm"/>
+          <inkml:channelProperty channel="Y" name="resolution" value="55.6701" units="1/cm"/>
+          <inkml:channelProperty channel="T" name="resolution" value="1" units="1/dev"/>
+        </inkml:channelProperties>
+      </inkml:inkSource>
+      <inkml:timestamp xml:id="ts0" timeString="2020-11-20T15:24:13.112"/>
+    </inkml:context>
+    <inkml:brush xml:id="br0">
+      <inkml:brushProperty name="width" value="0.05" units="cm"/>
+      <inkml:brushProperty name="height" value="0.05" units="cm"/>
+      <inkml:brushProperty name="fitToCurve" value="1"/>
+    </inkml:brush>
+  </inkml:definitions>
+  <inkml:trace contextRef="#ctx0" brushRef="#br0">122 49 0,'0'-25'16,"0"1"-1,-24 24 1,24 24-1,-25 1 1,25 24-16,0-25 16,0 25-16,0-25 0,0 25 15,0 0-15,0 0 16,0 0-16,0 0 0,-24-25 16,24 25-16,0-25 0,0 25 15,-24-24-15,24-1 16,0 0-16,-25 1 15,25-1 1,25-24 0,-1 0-16,0 0 15,1 0-15,-1 0 16,25 0-16,-24 0 0,23-24 16,-23 24-16,24 0 15,-25 0-15,25 0 0,-25 0 16,1-25-16,-1 25 0</inkml:trace>
+  <inkml:trace contextRef="#ctx0" brushRef="#br0" timeOffset="409">782 440 0,'24'0'16,"-24"-25"-16,25 25 15,-25-24 1,-25 24 0,1 0-16,-1 24 15,1-24-15,-1 25 0,1-1 16,0-24-16,-1 24 16,1 1-16,24-1 0,0 1 15,0-1-15,0 1 0,0-1 16,24 0-16,1 1 0,-1-25 15,0 24-15,1 1 16,-1-25-16,1 0 0,-1 0 16,1 0-16,-1 0 15,-24-25-15,24 25 0,-24-24 16,25-1-16,-25 1 16,0 0-16,-25-1 0,25 1 15,-24-1-15,0 1 0,-1-1 16,1 1-1,-1 24-15,25-24 0,-24 24 16,24-25 0</inkml:trace>
+  <inkml:trace contextRef="#ctx0" brushRef="#br0" timeOffset="984">1270 562 0,'25'0'16,"-1"0"0,0 0-16,1 0 15,-25-25-15,24 25 16,-24-24-1,-24 24 1,-1 0-16,1-25 16,0 25-16,-1 0 0,1 0 15,-1 0-15,1 25 16,-1-25-16,1 24 0,0-24 16,-1 25-16,1-1 15,24 1-15,-25 23 0,25-23 16,0-1-16,0 1 0,0-1 15,0 1-15,0-1 16,25-24-16,-1 24 0,1-24 16,-1 0-16,0 0 15,25 0-15,-24-24 16,-1 24-16,1-24 16,-1-1-16,0 1 15,-24-1-15,25 1 0,-1-1 16,-24 1-1,25 0-15,-25 48 16,0 0 0,24 1-1,-24-1-15,0 1 0,0 48 16,0-49 0,25 1-16,-25-1 0,0 1 15,24-25-15,0 24 0</inkml:trace>
+  <inkml:trace contextRef="#ctx0" brushRef="#br0" timeOffset="1573">1954 782 0,'0'-25'16,"0"1"-1,0-1 1,0 1 0,0-1-16,0 1 15,-24 0-15,-1 24 16,1 0 0,-25 0-16,24 0 0,1 0 15,0 0-15,-1 24 16,1 0-16,-1-24 0,1 25 15,0-1-15,-1 1 0,25-1 16,0 1-16,0-1 16,0 0-16,0 1 0,25-1 15,-25 1-15,24-1 16,0-24-16,25 25 0,-24-25 16,-1 0-16,25 0 0,-25-25 15,1 25-15,-1-24 16,25-1-16,-49 1 0,24-25 15,1 25-15,-1-25 16,-24 0-16,25 0 0,-25 0 16,24 0-16,-24 25 0,0-25 15,0 25-15,25-1 16,-25 50 0,0-1-16,0 0 15,-25 1-15,25-1 16,0 25-16,0 0 0,0 0 15,0 0-15,0 0 16,0-1-16,0-23 0,0 24 16,0-25-16,0 1 0,25-1 15,-25 0-15,24-24 16</inkml:trace>
+  <inkml:trace contextRef="#ctx0" brushRef="#br0" timeOffset="1812">2320 684 0,'-24'0'15,"0"24"17,24 1-32,0-1 15,0 25-15,0-25 16,0 1-16,0-1 15,0 25-15,0-25 0,24 1 16,-24-1-16,0 1 0,24-1 16,1-24-1</inkml:trace>
+  <inkml:trace contextRef="#ctx0" brushRef="#br0" timeOffset="1974">2418 537 0,'0'-24'16,"-24"-1"-16,-1 25 15,25 25 1,-24-1 0,24 1-1</inkml:trace>
+  <inkml:trace contextRef="#ctx0" brushRef="#br0" timeOffset="3000">2418 782 0,'24'0'0,"-24"24"16,25-24-16,-1 0 15,1 0 1,-1 0-1,1 24-15,-25 1 16,24-1-16,-24 1 16,0-1-16,24 0 15,-24 1-15,0-1 16,0 1-16,0-1 16,0 1-1,0-50 32,25 25-47,-25-24 0,24-1 16,1 1-16,-1-1 0,1 1 15,-25 0-15,24-1 16,0 1-16,1-1 0,-1 25 16,1 0-1,-25 25-15,0-1 16,24 1-1,-24-1-15,24 0 16,1 1 0,-1-25-16,1 24 15,-1-24-15,1 0 0,-1 0 16,0 0-16,1-24 0,-1 24 16,1-25-16,-1 25 15,1-24-15,-1 0 0,0-1 16,1 1-16,-25-1 15,0-23-15,0 23 0,0 1 16,0-1-16,0 1 0,-25-1 16,1 25-16,0 0 15,-1 0-15,-24 0 0,25 25 16,-1-1-16,25 1 16,-24-1-16,0 1 0,24-1 15,0 25-15,0-25 0,0 1 16,24-1-1,0 0-15,1-24 16,-1 0 0,1-24-16,-1 24 15,-24-24-15,25-1 0,-1 25 16,-24-24-16,24-1 16,1 1-16,-1 24 15,-24 24 1,0 1-16,0-1 15,0 25-15,0 0 0,0 0 16,-24 24-16,24 0 16,0-24-16,0 24 0,0 1 15,0-1-15,0-24 16,0 0-16,0-25 0,0 25 16,0-25-16,-25 1 15,1-25-15,0-25 16,-1 1-16,1 0 15,-1-1-15,25-24 16,-24 0-16,24 1 0,0-1 16,0 0-16,0 0 0,24-24 15,1 48-15,-1-24 16,1 25-16,-1 0 0,0 24 16,25 0-16,-24 0 0,24 0 15,-25 0 1</inkml:trace>
+</inkml:ink>
+</file>
+
+<file path=ppt/ink/ink107.xml><?xml version="1.0" encoding="utf-8"?>
+<inkml:ink xmlns:inkml="http://www.w3.org/2003/InkML">
+  <inkml:definitions>
+    <inkml:context xml:id="ctx0">
+      <inkml:inkSource xml:id="inkSrc0">
+        <inkml:traceFormat>
+          <inkml:channel name="X" type="integer" max="1920" units="cm"/>
+          <inkml:channel name="Y" type="integer" max="1080" units="cm"/>
+          <inkml:channel name="T" type="integer" max="2.14748E9" units="dev"/>
+        </inkml:traceFormat>
+        <inkml:channelProperties>
+          <inkml:channelProperty channel="X" name="resolution" value="55.81395" units="1/cm"/>
+          <inkml:channelProperty channel="Y" name="resolution" value="55.6701" units="1/cm"/>
+          <inkml:channelProperty channel="T" name="resolution" value="1" units="1/dev"/>
+        </inkml:channelProperties>
+      </inkml:inkSource>
+      <inkml:timestamp xml:id="ts0" timeString="2020-11-20T15:19:39.168"/>
+    </inkml:context>
+    <inkml:brush xml:id="br0">
+      <inkml:brushProperty name="width" value="0.05" units="cm"/>
+      <inkml:brushProperty name="height" value="0.05" units="cm"/>
+      <inkml:brushProperty name="fitToCurve" value="1"/>
+    </inkml:brush>
+  </inkml:definitions>
+  <inkml:trace contextRef="#ctx0" brushRef="#br0">2756 1002 0,'0'-25'0,"0"1"15,-24 24-15,24-25 16,0 50 31,0-1-16,0 1-31,0-1 16,0 0-16,0 1 15,-24 24-15,24-25 0,0 25 16,0-25-16,0 25 16,0 0-16,0 0 0,0 24 15,0-24-15,0 0 16,0 0-16,24 24 0,-24-24 15,0 0-15,0 0 0,0-1 16,24 1-16,-24 0 16,0 0-16,0 0 0,0 0 15,0-1-15,-24 1 0,24 0 16,0 0-16,-24 0 16,24-25-16,0 25 0,-25 0 15,25-25-15,-24 1 16,24 24-16,0-25 0,0 1 15,0-1-15,-25-24 0,25 24 16,0 1 0,0-1-16,0 1 31,25-25-15,-25 24 15,24-24-16,-24 25 1,25-25 0,-25 24-16,24 0 15,-24 1 1,0-1 0,24-24-1,-24 25 1,25-25 15,-1 0-31,1 0 16,-1 0-16,1 0 15,-1 0-15,0-25 0,25 25 16,-24 0-16,23 0 0,1 0 16,0 0-16,24 0 15,-24 0-15,49-24 0,-25 24 16,25 0-16,0-25 15,-1 25-15,25 0 0,-24 0 16,0-24-16,24 24 0,-24 0 16,24 0-16,-25-24 15,1 24-15,0 0 0,0 0 16,-1 0-16,1 0 16,0-25-16,-25 25 0,25 0 15,-1 0-15,1 0 0,-25 0 16,25-24-16,0 24 15,-1 0-15,1 0 0,-25 0 16,25 0-16,0 0 16,-1 0-16,1 0 0,-25 0 15,1 0-15,-1 0 0,0 0 16,-24 0-16,0 0 16,-25 0-16,25 0 0,-25 0 15,1 0-15,-1 0 16,1 0 31,-25-25-32,0 1 17,-25 24-17,25-25-15,-24 1 16,24 0-16,0-1 15,0 1 1,0-25-16,0 24 0,0 1 16,0-25-16,0 0 0,0 0 15,-25 1-15,25-1 16,0 0-16,0 0 0,0-24 16,0 24-16,0 0 0,0 0 15,0 0-15,0 1 16,0-1-16,0 0 0,0-24 15,0 24-15,0 0 16,25 0-16,-25-24 0,0 24 16,0 0-16,0 25 0,0-25 15,0 24-15,0 1 16,0 0-16,0-1 0,0 1 16,-25 24-16,25-25 15,0 1-15,0-1 16,0 1-16,-24 0 15,24-1 1,-24 1-16,24-1 16,-25 1-1,1-1 1,24 1-16,-25 0 31,1-1-15,24 1-1,-24 24 1,-1 0 15,25-25-31,-24 25 32,-1 0-17,1 0-15,-1 0 16,1 0-16,0 0 15,-1 0-15,1 0 0,-1 0 16,-24 0-16,1 0 16,23 0-16,-24-24 0,1 24 15,-1 0-15,0 0 0,0 0 16,0 0-16,-24 0 16,24 0-16,-24-24 0,24 24 15,-24 0-15,24 0 16,-25 0-16,26 0 0,-1 0 15,0 0-15,-24 0 0,24 0 16,0 0-16,0 0 16,0 24-16,0-24 0,1 0 15,-26 0-15,26 0 16,-1 0-16,-25 0 0,26 0 16,-1 0-16,0 0 0,0 0 15,-24 24-15,24-24 16,0 0-16,25 0 0,-25 0 15,0 0-15,0 25 0,25-25 16,-25 0-16,0 0 16,25 0-16,-25 0 0,24 0 15,-24 24-15,25-24 16,-25 0-16,0 0 0,0 0 16,1 0-16,-1 0 0,0 25 15,25-25-15,-25 0 16,0 0-16,24 0 0,-23 0 15,23 24-15,-24-24 16,0 0-16,25 0 0,0 0 16,-25 0-16,24 24 0,1-24 15,-1 0-15,1 0 16,0 0-16,-1 25 0,1-25 16,-1 24-1,1-24-15,-1 25 16,1-25-16,0 0 15,-1 24 1,1-24-16,-1 0 16,1 0-16,0 25 15,-25-25-15,24 0 0,1 0 16,-1 0-16,-23 24 0,23-24 16,1 0-1,24 24 16,24-24-15,1 0 0,-25 25-16,24-25 15</inkml:trace>
+  <inkml:trace contextRef="#ctx0" brushRef="#br0" timeOffset="449">3269 391 0,'-24'0'16,"48"24"31,-24 1-47,0-1 15,0 1-15,0-1 16,0 1-16,25-1 0,-25 25 16,0-25-16,0 1 0,0-1 15,0 1-15,0-1 16,0 0-16</inkml:trace>
+  <inkml:trace contextRef="#ctx0" brushRef="#br0" timeOffset="684">3294 196 0,'-25'0'31,"25"24"16,0 0-31</inkml:trace>
+  <inkml:trace contextRef="#ctx0" brushRef="#br0" timeOffset="1271">3416 318 0,'24'0'32,"-24"24"-32,0 1 15,25-25-15,-25 24 16,0 0-16,24 1 16,-24-1-16,0 1 0,0-1 15,0 1-15,0-1 16,0 0-16,0 1 0,0-1 15,0 1-15,0-1 16,0 1-16,0-1 16,0-48 31,0-1-47,0 1 15,25-25 1,-25 24-16,0-23 0,0-1 15,0 0-15,0 0 16,0 0-16,0 0 0,0 0 16,0 25-16,0-25 0,24 25 15,-24-25-15,0 25 16,0-1-16,24 25 0,-24-24 16,0-1-16,25 25 0,-1 0 31,1 0-16,-25 25-15,0-1 16,24 1-16,-24-1 0,24 0 16,-24 1-16,25-1 0,-25 1 15,24-1-15,-24 0 16,0 1-16</inkml:trace>
+  <inkml:trace contextRef="#ctx0" brushRef="#br0" timeOffset="1517">3489 415 0,'25'0'62,"-1"0"-46,0 0-16,1-24 16,-1 24-1,1 0-15,-1-24 16</inkml:trace>
+  <inkml:trace contextRef="#ctx0" brushRef="#br0" timeOffset="2465">3489 1075 0,'-24'0'15,"24"24"32,-25 1-31,25-1 0,0 1-16,-24 23 0,24-23 15,-25 24-15,25-25 16,0 25-16,-24-25 0,24 1 15,0 24-15,0-25 0,0 1 16,0-1-16,24 0 16,1 1-1,-1-25-15,1 24 16,-1-24-16,1 0 16,-1 0-16,0-24 0,1 24 15,-1-25-15,1 25 16,-1 0-16,0-24 0,1 24 15,-25-24-15,24 24 0,1-25 16</inkml:trace>
+  <inkml:trace contextRef="#ctx0" brushRef="#br0" timeOffset="2909">3904 1246 0,'0'-25'31,"-24"25"-15,-1 25-16,1-1 15,0 1 1,24-1-1,0 1-15,-25-1 16,25 0-16,0 1 0,25-1 16,-1-24-16,-24 25 0,24-1 15,1-24-15,-1 0 16,1 0-16,-1 0 0,1 0 16,-1-24-1,0 24-15,-24-25 0,0 1 16,0-1-16,0 1 0,0 0 15,0-1-15,-24 25 16,24-24-16,-24-1 0,-1 25 16,25-24-16,-24 24 15,-1 0-15,1 0 16</inkml:trace>
+  <inkml:trace contextRef="#ctx0" brushRef="#br0" timeOffset="3504">4344 1197 0,'0'-24'16,"0"-1"-1,-24 25 17,-1 25-17,25-1 1,-24-24-16,24 24 0,0 1 15,-25-25-15,25 24 0,0 1 16,0-1-16,0 1 16,0-1-16,25 0 15,-1-24 1,1 0 15,-25-24-31,24 0 16,0-1-1,-24 1-15,0-1 16,0 1-16,25-1 0,-25 1 16,0 0-16,0-1 15,0 1 1,24 24-16,-24 24 16,0 1-1,0-1 1,25 0-16,-25 1 0,24-25 15,-24 24-15,0 1 16,24 24-16,1-25 16,-25 0-16,0 1 0,24-1 15</inkml:trace>
+  <inkml:trace contextRef="#ctx0" brushRef="#br0" timeOffset="4128">4906 1148 0,'0'-24'16,"-25"24"-1,1 0-15,-1 0 16,1 24 0,0-24-16,-1 25 15,25-1 1,-24-24-16,24 24 15,0 1-15,0-1 0,0 1 16,0-1 0,0 1-16,24-25 0,-24 24 15,25-24-15,-25 24 0,24-24 16,0 0 0,1-24-16,-1 24 15,-24-24-15,25 24 16,-25-25-16,24 1 0,-24-25 15,0 24-15,0 1 0,0-25 16,0 25-16,0-1 16,0-24-16,0 25 0,0 0 15,0-1-15,-24 1 0,24-1 16,0 50 15,0-1-15,0 1-16,0-1 0,24 0 15,-24 25-15,0-24 16,24 24-16,-24-1 0,0 1 16,25 0-16,-25 0 0,0-25 15,0 25-15</inkml:trace>
+  <inkml:trace contextRef="#ctx0" brushRef="#br0" timeOffset="4943">3807 2027 0,'24'-24'0,"-24"0"31,0-1-31,0 1 15,0-1 1,0 1 0,-24 24-16,-1-25 15,1 25 1,24 25-16,-25-25 16,1 24-16,24 1 0,-24-1 15,24 1-15,0-1 16,0 25-16,0-25 0,0 25 15,24 0-15,-24-25 0,24 25 16,-24 0-16,0-25 16,25 25-16,-25-24 0,0-1 15,0 25-15,0-25 16,0 1-16,0-1 0,0 1 16,0-1-16,-25 1 15,1-25 1,0-25-16</inkml:trace>
+  <inkml:trace contextRef="#ctx0" brushRef="#br0" timeOffset="5160">3538 2320 0,'0'-24'16,"24"0"-1,1 24 1,-1 0-1,1 0 1,-1 0-16,0 0 0,1 0 16,-1-25-16,25 25 15,-24 0-15,-1 0 0,0 0 16,1 0-16,-1 0 0,1 0 16</inkml:trace>
+  <inkml:trace contextRef="#ctx0" brushRef="#br0" timeOffset="5453">4026 2027 0,'0'-24'0,"25"24"16,-25-24-1,0 48 17,0 0-17,0 1-15,24-1 16,-24 1-16,0-1 16,25 0-16,-25 1 0,0-1 15,0 1-15,24-1 16,-24 1-16,0-1 0,0 0 15</inkml:trace>
+  <inkml:trace contextRef="#ctx0" brushRef="#br0" timeOffset="6156">4417 2076 0,'0'-24'16,"-24"24"-16,24 24 47,0 1-32,0-1-15,0 0 16,0 1-16,0-1 15,0 1 1,24-1-16,1 1 16,-1-25-16,0 0 15,1 0-15,-1 0 16,1 0-16,-1 0 16,-24-25-16,25 25 15,-1-24-15,-24-1 16,24 1-16,-24-1 0,0 1 15,0 0 1,0-1-16,-24 1 16,24 48 15,0 1-15,0 23-16,0-23 15,24-1-15,-24 25 0,25 0 16,-25 0-16,24 0 0,-24-25 15,25 25-15,-25 0 16,0-25-16,0 1 0,0-1 16,-25 1-16,25-1 15,-24 0-15,-1-24 0,1 0 16,0 0-16,-1 0 16,1 0-16,-1-24 0,25 0 15,-24 24-15,-1-25 0,25 1 16,0-1-16,0 1 15,0-1-15,0 1 0,25 0 16,-25-1-16,24 1 16,1-1-16,-1 25 0,1-24 15,-1-1-15,0 25 0,1 0 16,-1 0-16,-24-24 16,25 24-16</inkml:trace>
+  <inkml:trace contextRef="#ctx0" brushRef="#br0" timeOffset="7979">4295 2955 0,'24'-24'0,"-24"0"15,25 24-15,-25-25 16,24 25 0,-48 0 15,24 25-16,-25-25-15,25 24 0,-24 0 16,24 1-16,-24-1 16,24 1-16,-25-1 0,25 1 15,-24-1-15,24 0 0,-25 1 16,25-1-16,0 1 16,0-1-16,-24 1 0,24-1 15,0 0 1,0-48 15,24 24-15</inkml:trace>
+  <inkml:trace contextRef="#ctx0" brushRef="#br0" timeOffset="8361">4368 2931 0,'0'-24'15,"0"48"32,25-24-47,-25 24 16,24 1-1,-24-1-15,25 1 0,-25 24 16,24-25-16,-24 25 0,24-25 16,1 1-16,-25-1 15,24 25-15,-24-25 0,25-24 16,-25 25-16,24-1 0,-24 1 15,25-25 1</inkml:trace>
+  <inkml:trace contextRef="#ctx0" brushRef="#br0" timeOffset="9034">4368 3004 0,'0'25'62,"0"-1"-31,0 1-31,0-1 16,0 0 0,0 1-16,0-1 0,0 25 15,0-24-15,0-1 16,0 25-16,0-25 0,0 25 16,0-24-16,0 23 0,0-23 15,0 24-15,25-25 16,-25 0-16,0 25 0,0-24 15,0-1-15,0 25 16,0-25-16,0 1 0,0 24 16,0-25-16,0 1 0,0 23 15,0-23-15,0-1 16,0 25-16,0-25 0,0 1 16,0-1-16,0 1 0,0-1 15,0 1-15,0-1 16,0 0-1,0 1 1,24-25 0,-24 24-16</inkml:trace>
+  <inkml:trace contextRef="#ctx0" brushRef="#br0" timeOffset="11997">2268 4787 0,'0'25'47,"0"-1"-31,0 0-16,0 1 16,0-1-16,0 25 0,0-24 15,0 23-15,0-23 16,0 24-16,0 0 0,24-1 15,-24 1-15,0 0 16,0 0-16,0 0 0,0 0 16,-24-25-16,24 25 0,0 0 15,-24 0-15,24 24 16,0-24-16,0 0 0,0-1 16,0 1-16,0 24 15,0-24-15,0 0 0,-25 0 16,25 24-16,0-24 0,0 0 15,0 0-15,0 0 16,0 0-16,0-1 0,0 1 16,0-24-16,0 24 15,0-25-15,0 0 0,0 1 16,0-1-16,0 1 0,0-1 16,0 0-1,0 1 16,25-25 32,-1 0-47,-24-25-1,24 25-15,1 0 0,-1-24 16,1 24-1,-1 0-15,25 0 0,-25 0 16,25-24-16,-24 24 16,23 0-16,1-25 0,0 25 15,24 0-15,1-24 0,-25 24 16,48 0-16,-24 0 16,1-25-16,23 25 0,1 0 15,0 0-15,0-24 16,-1 24-16,1 0 0,0 0 15,-1 0-15,1 0 0,0 0 16,-1 0-16,1 0 16,-25-24-16,25 24 0,-25 0 15,1 0-15,-1 0 16,0 0-16,-24 0 0,24 0 16,1 0-16,-26 0 0,26 0 15,-26 0-15,26 0 16,-25 0-16,24 0 0,0-25 15,-24 25-15,24 0 16,0 0-16,1 0 0,-1 0 16,25-24-16,-25 24 0,0 0 15,25 0-15,-25 0 16,25 0-16,-25-25 0,0 25 16,1 0-16,-1 0 0,0 0 15,1 0-15,-26 0 16,26-24-16,-1 24 0,0 0 15,-24 0-15,24 0 16,-24-25-16,24 25 0,-24 0 16,0 0-16,-24 0 0,23 0 15,-23 0-15,-25-24 16,24 24-16,1 0 0,-25-24 31,0-1-15,-25 25 15,25-24-31,0-1 31,0 1-15,0-1 0,25 1-1,-25 0-15,0-1 16,0-24-1,0 25-15,0-1 0,0-23 16,0-1-16,0 24 0,0-24 16,0-24-16,24 24 15,-24 1-15,0-26 0,25 1 16,-25 24-16,0-24 16,0 24-16,0-24 0,24 24 15,-24-24-15,0 24 0,0-24 16,0 24-16,0 0 15,0 0-15,0 0 0,0 0 16,0 0-16,0 25 16,-24 0-16,24-1 0,-25-24 15,25 25-15,-24-1 0,-1 1 16,1 0 0,24-1-16,-25 1 0,25-1 15,0 1-15,-24 0 16,24-1-16,-24 25 15,24-24-15,-25-1 16,25 1 0,0-1-16,-24 25 15,24-24 1,0 0 31,-25 24-32,1 0 17,-1 0-1,1 0-31,0 0 16,-1 0-16,1 0 0,-1 0 15,-24 0-15,25 24 16,-49-24-16,24 0 0,0 0 15,-24 0-15,0 0 16,-25 0-16,25 0 0,-25 0 16,-24 0-16,24 0 0,0 0 15,-24 0-15,25 0 16,-26 0-16,1 0 0,25 24 16,-1-24-16,0 0 15,1 0-15,-1 0 0,0 25 16,1-25-16,-1 24 0,25-24 15,-1 25-15,1-25 16,0 24-16,-1-24 0,1 0 16,24 25-16,-24-25 15,24 0-15,0 24 0,1-24 16,-26 24-16,25-24 0,1 0 16,-1 25-16,0-25 15,0 0-15,0 0 0,0 24 16,1-24-16,-1 0 15,0 0-15,0 25 0,0-25 16,25 0-16,-25 0 0,0 0 16,0 0-16,0 24 15,0-24-15,25 0 0,-25 0 16,25 0-16,-25 24 16,24-24-16,-23 0 0,23 0 15,-24 0-15,25 0 0,0 25 16,-1-25-16,1 0 15,-1 0-15,1 0 0,-1 0 16,1 0 0,0 0-1,-1 24-15,1-24 16,-1 0 0,1 0-1,-1 0 1,1 0-1,0 0 1,-1 0 0,1 0-16,-1 0 15,1 0 1,0 0 0,-1 0-1,1 0 1,-1 0 15,25 25-15,-24-25 31,24 24-16,0 1 0,-25-1-15,1 0-16</inkml:trace>
+  <inkml:trace contextRef="#ctx0" brushRef="#br0" timeOffset="12717">3391 5202 0,'-24'-24'15,"0"24"1,-1 0-16,1 24 16,-1-24-16,1 25 0,-25-1 15,25-24-15,-1 25 16,1-1-16,-1 0 0,1 1 16,-1 24-16,1-25 0,24 1 15,0-1-15,0 0 16,0 1-16,24-1 0,-24 1 15,25-1-15,-1-24 0,1 25 16,-1-25-16,1 24 16,23-24-16,-23 0 0,24 0 15,-25 0-15,1 0 16,23-24-16,-23 24 0,-1 0 16,1 0-16,-25-25 0,24 25 15,-24-24 32</inkml:trace>
+  <inkml:trace contextRef="#ctx0" brushRef="#br0" timeOffset="13197">3660 5154 0,'24'0'31,"-24"-25"-31,25 25 16,-25 25-1,0-1-15,0 0 16,0 1-16,0 24 16,0-25-16,0 0 15,0 1-15,0 24 0,0-25 16,0 1-16,-25-1 16,25 0-16,0 1 0,0-1 15,0 1-15,0-1 16,25-24-1,-1 0-15,1 0 16,-1 0 0,1 0-16,-1 0 0,25-24 15,-25 24-15,1 0 0,24-25 16,-25 25-16,0 0 16,1 0-16,-1 0 0,1-24 31</inkml:trace>
+  <inkml:trace contextRef="#ctx0" brushRef="#br0" timeOffset="13516">4295 5520 0,'24'0'16,"-24"24"-16,25-24 31,-1 0-15,1-24-16,-1 24 0,1 0 15,-1 0-15,25-25 16,-25 25-16,1 0 0,-1 0 15,-24-24-15,25 24 16,-1 0-16,-48 0 31,-1 0-15</inkml:trace>
+  <inkml:trace contextRef="#ctx0" brushRef="#br0" timeOffset="14163">4735 5129 0,'0'25'47,"0"-1"-32,0 0-15,24-24 0,-24 25 16,0-1-16,0 1 16,25-1-16,-25 1 0,0-1 15,0 0-15,0 1 0,0-1 16,0 1-16,0-1 15,0-48 32,0-1-47,0 1 16,0-25 0,-25 25-16,25-25 0,0 24 15,-24-24-15,24 1 16,0 23-16,0-24 0,0 0 15,24 25-15,-24 0 0,25-1 16,-25 1-16,24-1 16,0 25-16,1-24 0,-1 24 15,1 0 1,-1 0-16,-24 24 0,24-24 16,-24 25-16,25-1 0,-25 1 15,0-1 1,0 0-16,0 1 0,-25-1 15,1 1-15,24-1 16,-24-24-16,-1 0 16,1 25-16,-1-1 15,1-24 1,0 0-16</inkml:trace>
+  <inkml:trace contextRef="#ctx0" brushRef="#br0" timeOffset="14590">5125 4958 0,'0'25'31,"0"-1"-15,-24 0-16,24 25 16,-24-24-16,24-1 15,0 1-15,0-1 0,0 25 16,-25-25-16,25 1 15,0-1-15,0 0 0,0 1 16,0-1-16,0 1 16,25-1-1,-1-24 1,0 0 0,1 0-16,-1 0 15,1-24-15,-1 24 0,1 0 16,-1-25-16,0 25 15,1 0-15,-1-24 16</inkml:trace>
+  <inkml:trace contextRef="#ctx0" brushRef="#br0" timeOffset="15147">5419 4983 0,'0'24'32,"0"0"-32,0 1 15,0-1 1,0 1-16,24-1 0,-24 1 15,0 23-15,0-23 0,0-1 16,0 1-16,0-1 16,0 1-16,0-1 15,0-48 32,0-1-47,0 1 16,0-1-16,0-24 15,0 25-15,24-25 16,-24 25-16,0-25 0,25 24 16,-25-23-16,24 23 15,-24-24-15,0 25 0,25 24 16,-25-25-16,24 25 16,0 25-1,-24-1-15,0 1 16,25-1-16,-25 1 0,24 23 15,-24-23-15,25 24 16,-1-25-16,-24 1 0,25-1 16,-25 0-16,0 1 15,24-1-15,-24 1 0,0-1 16</inkml:trace>
+  <inkml:trace contextRef="#ctx0" brushRef="#br0" timeOffset="15376">5492 5178 0,'0'-24'31,"24"24"-16,1 0-15,-1 0 16,1-25 0,-1 25-16,0 0 0,1-24 15,-1 24-15</inkml:trace>
+  <inkml:trace contextRef="#ctx0" brushRef="#br0" timeOffset="15669">5931 4934 0,'-24'0'0,"24"24"47,0 1-32,0-1-15,0 0 16,0 1-16,0-1 16,0 1-16,0-1 0,-24 1 15,24-1-15,0 0 16,-25 1-16,25-1 0,0 1 16</inkml:trace>
+  <inkml:trace contextRef="#ctx0" brushRef="#br0" timeOffset="16101">5883 4909 0,'0'25'31,"24"-1"-16,-24 1 1,24-1-16,1 0 0,-25 1 16,24 24-16,1-25 15,-1 1-15,1-1 0,-1 0 16,0 1-16,1-1 16,-1-24-1,1 0-15,-1 0 16,1-24-1,-25-1-15,24 25 0,-24-24 16,0-25-16,0 25 0,0-1 16,0 1-16,-24-25 15,24 25-15,-25-1 0,25 1 16,-24-1-16,24 1 16,-25 24-16,25-25 0,0 50 46,25-25-30,-25 24-16</inkml:trace>
+  <inkml:trace contextRef="#ctx0" brushRef="#br0" timeOffset="16606">6615 4787 0,'25'0'31,"-1"0"-31,-24-24 31,-24 24-15,-1 0-1,1 0-15,-1 0 16,1 0-16,0 24 0,-1-24 16,1 25-16,-1-1 0,1-24 15,24 24-15,-25 1 16,1-1-16,24 1 0,-24-1 15,24 1-15,0-1 16,0 0-16,0 1 0,0-1 16,0 1-16,0-1 0,24 1 15,-24-1-15,24 0 16,1 1-16,-1-25 16,-24 24-16,25-24 15,-1 0-15,25 25 0,-25-25 16,1 0-16,-1-25 0,1 25 15,-1 0-15,1-24 16,-1 24-16,0-25 0,-24 1 16</inkml:trace>
+  <inkml:trace contextRef="#ctx0" brushRef="#br0" timeOffset="16852">6371 5105 0,'-24'0'16,"48"0"15,0 0-15,1 0-16,-1-25 0,1 25 15,24 0-15,-25-24 0,0 24 16,1 0-16,-1 0 15,1-25-15,-1 25 0,1 0 16</inkml:trace>
+  <inkml:trace contextRef="#ctx0" brushRef="#br0" timeOffset="18731">4735 6717 0,'-25'0'47,"25"24"-32,-24 0-15,24 1 16,-25-1-16,1 1 0,0-1 16,-1 1-16,1 23 0,24-23 15,-25-1-15,1 25 16,24-24-16,0-1 0,0 0 15,0 1 1,24-25 0</inkml:trace>
+  <inkml:trace contextRef="#ctx0" brushRef="#br0" timeOffset="19113">4710 6765 0,'0'-24'15,"0"48"32,0 1-31,25-25-16,-25 24 15,24 1-15,-24-1 16,25 1-16,-1-1 16,0 0-16,-24 25 0,25-24 15,-1-1-15,1 1 0,-1-1 16,-24 0-1,25 1-15</inkml:trace>
+  <inkml:trace contextRef="#ctx0" brushRef="#br0" timeOffset="19989">4759 6888 0,'0'-25'31,"0"1"16,0 48 62,0 1-109,0 23 31,0-23-31,0-1 0,0 1 16,0 24-16,0-25 0,0 0 16,0 1-16,25 24 15,-25-25-15,0 0 0,0 1 16,0 24-16,0-25 0,24 1 16,-24-1-16,0 25 15,0-25-15,0 1 0,0 24 16,0-25-16,0 0 15,0 25-15,-24-24 0,24-1 16,0 1-16,0-1 16,0 0-16,0 1 0,0-1 15,-25 1-15,25-1 0,0 1 16,0-1-16,0 0 16,0 1-1,0-1 1</inkml:trace>
+  <inkml:trace contextRef="#ctx0" brushRef="#br0" timeOffset="21285">1853 8182 0,'24'0'0,"1"0"15,-1 0-15,0-24 16,1 24-16,24 0 15,-25 0-15,25 0 0,0 0 16,-25 0-16,50 0 16,-26 0-16,1-25 0,25 25 15,-1 0-15,0 0 0,0-24 16,1 24-16,-1 0 16,0-25-16,0 25 0,1 0 15,-1-24-15,0 24 16,0 0-16,1 0 0,-1-25 15,0 25-15,1 0 0,23 0 16,-23-24-16,-1 24 16,0 0-16,25 0 0,-25-24 15,0 24-15,1 0 16,-1 0-16,0 0 0,-24-25 16,24 25-16,0 0 0,1 0 15,-1 0-15,0-24 16,1 24-16,-1 0 0,0 0 15,0-25-15,1 25 16,-1 0-16,-24 0 0,24 0 16,0 0-16,-24 0 0,24-24 15,-24 24-15,24 0 16,-24 0-16,25 0 0,-1-24 16,25 24-16,-25 0 0,25 0 15,-1-25-15,1 25 16,-25 0-16,25 0 0,0-24 15,-1 24-15,-23 0 16,-1 0-16,0 0 0,0 0 16,-24 0-16,0 0 15,0-25-15,24 25 0,-24 0 16,-25 0-16,25-24 0,0 24 16,0-25-16,24 25 15,-24-24-15,0 24 0,24 0 16,-24-24-16,0 24 0,24 0 15,-24 0-15,-25 0 16,25 0-16,-24 0 0,-1 0 16,1 0-16,-1 0 15,0 0-15,1 0 16,-1 0-16,1 0 16,-1 0-1,0 0-15,1 0 16,-1 0 31</inkml:trace>
+  <inkml:trace contextRef="#ctx0" brushRef="#br0" timeOffset="22425">1828 8206 0,'0'25'31,"0"-1"-16,0 1 1,0-1-16,0 1 16,0 23-16,0-23 15,0 24-15,0-25 16,0 25-16,0-25 0,0 25 16,25 0-16,-25-25 0,0 25 15,0-24-15,24 24 16,-24-1-16,0-23 0,0 24 15,0-25-15,0 25 0,0-25 16,0 25-16,0-24 16,0-1-16,0 25 0,0-25 15,25 1-15,-25-1 16,0 1-16,0-1 0,0 0 16,0 1-16</inkml:trace>
+  <inkml:trace contextRef="#ctx0" brushRef="#br0" timeOffset="24652">192 9501 0,'0'24'63,"0"1"-63,0-1 0,24 1 15,-24 23-15,0 1 0,0 0 16,25 0-16,-25 0 16,0 0-16,0 24 0,0 0 15,0-24-15,0 24 16,0-24-16,0 24 0,0-24 16,-25 25-16,25-26 0,-24 26 15,24-26-15,-24 1 16,24 25-16,0-26 0,-25 1 15,25 0-15,0 0 16,-24 24-16,24-24 0,0 0 16,0-25-16,0 25 15,24-24-15,-24 23 0,0-23 16,25-25-16,-25 24 0,0 1 31,0-1 32,24-24-48,-24 25 1,24-25-16,1 0 16,-1 0-16,1 0 15,-1-25-15,1 25 0,-1 0 16,25 0-16,0-24 15,-25 24-15,25 0 0,24 0 16,-24-25-16,24 25 0,1 0 16,-1-24-16,25-1 15,-25 25-15,24-24 0,26 24 16,-26-24-16,1-1 16,24 25-16,0-24 0,-24 24 15,24-25-15,-24 25 0,24-24 16,0-1-16,-24 25 15,24-24-15,-25 24 0,1-24 16,0 24-16,-25 0 16,0 0-16,1 0 0,-1 0 15,-24 0-15,0 0 0,-1-25 16,1 25-16,-24 0 16,24 0-16,-25 0 0,0 0 15,1 0-15,-1-24 16,1 24-16,-1 0 0,1 0 15,-25-25 17,0 1-17,-25 24 1,25-24-16,0-1 16,0 1-16,0-1 15,-24 1-15,24-1 16,0 1-16,0-25 0,-25 0 15,25 25-15,0-25 0,0 0 16,0 0-16,-24 1 16,24-26-16,0 25 0,0 1 15,0-26-15,0 1 16,0 24-16,0-24 0,0 0 16,0 24-16,0-25 0,0 26 15,0-1-15,0 24 16,0-23-16,0 23 0,0 1 15,0-1-15,0 1 16,0-1-16,0 1 16,0 0-1,0-1-15,0 1 16,0-1 0,0 1-1,0-1 1,-25 25 46,1-24-46,0 24-16,-1 0 16,1 0-1,-1 0-15,-24 0 0,25 24 16,-25-24-16,0 0 15,1 0-15,-1 0 0,0 25 16,-24-25-16,-1 0 0,1 0 16,0 0-16,-25 24 15,25-24-15,-25 0 0,0 25 16,25-25-16,-25 24 16,25-24-16,-25 25 0,25-25 15,-24 24-15,23-24 0,1 24 16,0-24-16,-1 0 15,1 25-15,0-25 0,24 24 16,-24-24-16,24 25 16,-24-25-16,24 0 0,-24 24 15,24-24-15,0 25 0,-24-25 16,24 0-16,0 24 16,0-24-16,0 0 0,0 0 15,1 24-15,-1-24 16,0 0-16,0 0 0,25 0 15,-25 25-15,24-25 0,-24 0 16,25 24-16,-25-24 16,25 0-16,-1 0 0,1 0 15,-1 25-15,1-25 0,0 0 32,48 0-1</inkml:trace>
+  <inkml:trace contextRef="#ctx0" brushRef="#br0" timeOffset="25918">949 10111 0,'0'25'125,"0"-1"-110,0 1-15,0-1 0,25 25 16,-25-25-16,0 25 16,24-24-16,-24 24 0,24-25 15,-24 25-15,0-25 16,25 1-16,-25-1 0,24 0 16</inkml:trace>
+  <inkml:trace contextRef="#ctx0" brushRef="#br0" timeOffset="26309">925 10111 0,'-25'-24'15,"25"0"-15,0-1 0,0 1 16,25 24-16,-25-25 16,24 1-16,1 24 0,-25-25 15,24 25-15,0 0 16,1 0-16,-1 0 0,1 0 16,-1 0-16,0 0 0,1 25 15,-1-1-15,-24 1 16,25-1-16,-25 1 0,0-1 15,0 0-15,0 1 16,0-1-16,-25 1 0,25-1 16,-24 1-16,-1-25 15,1 24-15,0 0 0,-1-24 16,1 0-16,-1 0 0,1 25 16,0-25-1,24-25 1</inkml:trace>
+  <inkml:trace contextRef="#ctx0" brushRef="#br0" timeOffset="26908">1462 10136 0,'-24'0'16,"24"24"-1,0 1-15,0-1 16,0 1-1,0-1-15,0 0 0,0 1 16,0-1-16,0 1 16,0-1-1,0-48 17,0-1-17,0 1 1,0-1-1,0 1-15,0 0 0,0-1 16,0-24-16,0 25 16,0-25-16,24 25 0,-24-25 15,0 24-15,24 1 16,-24-1-16,25 1 0,-1 24 16,1 0-1,-1 0 1,-24 24-16,25-24 0,-25 25 15,24-1-15,-24 1 16,24 24-16,-24-25 0,0 0 16,25 1-16,-25 24 15,0-25-15,24 1 0,-24-1 16,0 0-16,25 1 0,-25-1 16</inkml:trace>
+  <inkml:trace contextRef="#ctx0" brushRef="#br0" timeOffset="27130">1486 10234 0,'-24'-25'15,"48"25"1,1 0-16,-25-24 15,24 24-15,1 0 16,-1 0-16,1-25 0,-1 25 16,0 0-1,1-24-15</inkml:trace>
+  <inkml:trace contextRef="#ctx0" brushRef="#br0" timeOffset="27663">2195 9940 0,'0'-24'0,"0"0"16,0-1 0,-25 25-16,1 0 15,-1 0-15,1 0 0,0 25 16,-1-25-16,1 0 16,-1 24-16,1-24 0,-1 24 15,1 1-15,0-25 16,24 24-16,0 1 15,0-1-15,24 1 16,0-1 0,1-24-16,-1 24 0,1-24 15,-1 0-15,1 25 0,-1-25 16,25 0-16,-25 0 16,1 24-16,-1-24 0,1 0 15,-1 25 1,0-25-16,-24 24 15,0 1 1,-24-25-16,0 24 0,-1-24 16,1 24-16,-1-24 0,1 0 15,-1 25-15,1-25 16,0 0-16,-1 0 0,1 0 16</inkml:trace>
+  <inkml:trace contextRef="#ctx0" brushRef="#br0" timeOffset="28174">2634 9818 0,'0'-24'15,"-24"24"1,-1 0 0,1 0-16,0 24 15,-1-24-15,1 25 0,-1-25 16,1 24-16,0 1 15,-1-25-15,25 24 16,0 0-16,0 1 16,25-25-1,-1 24-15,0 1 16,1-25-16,-1 24 16,1-24-16,-1 0 0,0 0 15,1 25-15,-1-25 0,1 0 16,-1 24-16,1-24 15,-25 24-15,0 1 16,0-1 0,0 1-16,-25-1 15,1-24-15,-1 25 0,1-25 16,24 24-16,-25-24 16,1 0-16,0 0 0,-1 0 15,1 0-15</inkml:trace>
+  <inkml:trace contextRef="#ctx0" brushRef="#br0" timeOffset="29649">8154 7840 0,'24'-24'0,"-24"-1"47,0 1-31,25-1-1,-25 50 79,0-1-78,0 1-16,0-1 15,0 25-15,0 0 0,0 0 16,24-1-16,-24 26 15,0-25-15,0 24 0,25 0 16,-25-24-16,0 24 0,24-24 16,-24 0-16,0 0 15,24 0-15,-24-1 0,25 1 16,-25-24-16,0 24 16,0-25-16,24 0 0,-24 25 15,0-24-15,0-1 0,0 1 16,0-1-1,0 0-15,-24 1 16,24-1 15,-25-24-15</inkml:trace>
+  <inkml:trace contextRef="#ctx0" brushRef="#br0" timeOffset="30219">7275 9183 0,'-25'0'15,"25"25"17,25-1-17,-25 1-15,0 23 0,0-23 16,0 24-16,24 0 0,-24 24 15,0-24-15,0 24 16,0 0-16,0 25 0,25-25 16,-25 0-16,0 25 15,24-25-15,-24 1 0,24-1 16,-24 0-16,0-24 16,25 24-16,-25-24 0,0 0 15,24 0-15,-24-25 0,0 1 16,0-1-16,0 1 15,0-1-15,-24-48 16</inkml:trace>
+  <inkml:trace contextRef="#ctx0" brushRef="#br0" timeOffset="31822">7226 9232 0,'24'-24'16,"1"24"0,-1-25-16,1 25 0,23-24 15,-23 24-15,48-25 16,-24 25-16,24-24 0,0 24 16,25-24-16,0-1 0,24 25 15,-24-24-15,24 24 16,0-25-16,24 1 0,-23 24 15,-1-24-15,24-1 0,-24 25 16,25-24-16,-1 24 16,1 0-16,-1-25 0,-23 25 15,23-24-15,1 24 16,-25 0-16,0-25 0,-24 25 16,24 0-16,-25 0 0,-23 0 15,23 0-15,-23 0 16,-26 0-16,26-24 0,-25 24 15,-1 0-15,1 0 16,-24 0-16,-1 0 0,1-24 16,-1 24-16,0 0 0,1 0 15,-1 0 1,-24 24 62,0 0-78,0 1 16,0-1-1,0 1-15,0 24 16,0-25-16,0 0 0,0 25 16,0-24-16,0 23 15,0 1-15,0 0 0,0 0 16,0 0-16,0 0 15,0 0-15,0-1 0,0 1 16,0 0-16,0 0 0,0 24 16,0-24-16,0 0 15,0 0-15,0 0 0,0-1 16,0 1-16,0 0 16,0 0-16,0 0 0,0 0 15,0 0-15,0-25 0,0 25 16,0 0-16,0-25 15,0 25-15,0-25 0,0 1 16,25-1-16,-25 25 16,0-25-16,0 1 15,0-1-15,0 1 0,0-1 32,-25-24-32,1 0 15,-1 25 1,1-25-1,0 0-15,-1 0 16,1 0 0,-1 0-16,1 24 0,-1-24 15,-23 0-15,-1 0 0,0 0 16,0 24-16,0-24 16,-24 0-16,-25 0 0,25 0 15,-25 25-15,1-25 16,-1 0-16,0 24 0,0-24 15,1 0-15,-25 25 0,24-25 16,0 0-16,1 24 16,23-24-16,-23 0 0,23 25 15,-23-25-15,23 0 16,1 24-16,0-24 0,0 0 16,-1 24-16,1-24 0,24 0 15,-24 0-15,24 25 16,-24-25-16,24 0 0,0 0 15,0 24-15,-24-24 16,24 0-16,0 0 0,25 0 16,-25 0-16,0 0 0,25-24 15,-1 24-15,1 0 16,0 0-16,-1-25 0,1 25 16,-1 0-16,25-24 15,-24 24-15,-1 0 0,1 0 16,-25 0-16,25-24 0,-1 24 15,1 0-15,-1 0 16,1 0-16,0 0 0,-1-25 16,1 25-16,24-24 15,-25 24-15,25-25 0,0 1 16,0-1-16,0 1 16,-24 0-16,24-1 15,0 1-15,0-1 16,0 1-16,0-1 15,0 1-15,0 0 16,0-1-16,0 1 16,0-1-1,0 1-15,-25-1 16,25 1 0,-24 24-16,0 0 15</inkml:trace>
+  <inkml:trace contextRef="#ctx0" brushRef="#br0" timeOffset="32339">8471 9940 0,'-24'0'0,"24"-24"15,-24 24-15,-1 0 16,1 0-1,-1 0-15,-24 24 16,25 1-16,-25-1 0,25 1 16,-1-1-16,1 25 0,0-25 15,-1 25-15,25-24 16,0 24-16,25-25 0,-1 25 16,0-25-16,1 1 15,24-1-15,-25 0 0,25-24 16,0 25-16,0-25 0,-1 0 15,-23 0-15,24-25 16</inkml:trace>
+  <inkml:trace contextRef="#ctx0" brushRef="#br0" timeOffset="32847">8740 9989 0,'0'25'47,"0"-1"-31,0 1-16,0-1 0,0 0 15,0 1-15,0-1 0,0 1 16,0-1-16,0 1 15,0-1-15,0 0 0,0 1 16,0-50 15,0 1-15,0 0 0,-24-1-16,24 1 0,0-25 15,0 24-15,0-23 16,0-1-16,0 0 0,0-24 15,0 24-15,24 24 0,-24-24 16,25 25-16,-1 0 16,0 24-16,1 0 15,-1 24-15,1 0 16,-1 25-16,0-24 0,-24 24 16,25-1-16,-1 1 0,-24-24 15,25 24-15,-25-1 16,24-23-16,-24-1 0,0 1 15,0-1-15,0 1 0,0-1 16</inkml:trace>
+  <inkml:trace contextRef="#ctx0" brushRef="#br0" timeOffset="33027">8740 10063 0,'0'-25'47,"24"25"-47,1 0 0,-1-24 16,1 24-16,-1-25 0,25 25 16</inkml:trace>
+  <inkml:trace contextRef="#ctx0" brushRef="#br0" timeOffset="33693">9155 9818 0,'0'-24'0,"0"-1"16,0 1-1,0 48 17,0 1-17,0-1-15,25 1 0,-25-1 16,0 1-16,24-1 15,-24 25-15,0-25 0,25 1 16,-25 24-16,0-25 0,24 0 16,-24 1-16,0-1 15,0 1-15,24-25 16,-48-25 15,24 1-15,-24-1-16,24 1 15,-25 0-15,25-1 0,0-24 16,-24 25-16,24-25 16,0 0-16,0 0 0,0 0 15,0 1-15,24-1 0,-24 0 16,25 25-16,-1-1 16,0 1-16,1-1 0,-1 25 15,1 0-15,-1 25 16,0-25-16,1 24 15,-1 1-15,-24-1 0,25 0 16,-25 1-16,0 24 16,0-25-16,-25 0 0,25 1 15,-24-1-15,-1 1 16,1-1-16,0 1 0,-1-25 16,25 24-16,-24-24 0,-1 0 15,1 0 1,48 0 15,1 0-15,-1 0-16,-24 24 0,25 1 15,-1-25-15,0 24 16,1 1-16,-1-25 0,-24 24 16,25 1-16,-1-25 0,-24 24 15,25-24-15,-1 24 16</inkml:trace>
+  <inkml:trace contextRef="#ctx0" brushRef="#br0" timeOffset="34222">9888 9599 0,'-24'0'16,"24"-25"-16,0 1 15,-25 24-15,25-25 16,-24 25-16,-1 25 16,25-1-1,-24-24-15,24 25 0,-25 23 16,25-23-16,-24 24 15,24-25-15,0 25 0,0 0 16,0-25-16,0 25 0,24-25 16,1 1-16,-25-1 15,24 1-15,1-25 0,-1 24 16,1-24-16,-1 0 16,0 0-16,1 0 0,-1-24 15,1-1-15,-1 1 16,-24-1-16,0 1 15,25 0-15,-25-1 0,0 1 16,0-1 0,0 1-16,0-1 15,0 50 1,0-1 0,0 1-16,24-1 0,-24 1 15,0-1-15,0 0 16,24 1-16,-24-1 0,0 1 15,0-1-15,25 1 0</inkml:trace>
+  <inkml:trace contextRef="#ctx0" brushRef="#br0" timeOffset="34655">10352 9623 0,'0'-24'15,"0"-1"1,-24 25 15,24 25-31,0-1 16,0 0-16,0 1 15,-25 24-15,25-25 16,0 25-16,0-25 0,0 25 16,25-24-16,-25-1 0,24 0 15,0 1-15,-24-1 16,25-24-16,-1 25 0,1-25 16,-1 0-16,1-25 15,-1 25-15,0-24 0,1-1 16,-1 1-16,-24 0 0,0-25 15,0 24-15,0-24 16,0 25-16,-24-25 0,-1 25 16,25-25-16,-24 25 15,0-1-15,-1 25 0,1 0 16,-1 0-16,-24 0 0,25 0 16</inkml:trace>
+  <inkml:trace contextRef="#ctx0" brushRef="#br0" timeOffset="140792">8252 4738 0,'0'-24'0,"24"24"16,0 0 0,-24-25-16,25 25 15,-25-24 1,24 24-1,-24-24 1,0-1 0,-24 1-1,-1-1 1,1 25 15,0 0-15,-1 0-16,25 25 15,-24-25-15,24 24 16,0 1-16,0-1 0,-25-24 16,25 49-16,0-25 15,0 1-15,0-1 0,0 1 16,25-1-16,-25 0 0,0 25 16,24-24-16,-24-1 15,0 1-15,0-1 0,25 25 16,-25-25-16,0 1 15,0-1-15,0 25 0,0-25 16,0 1-16,-25-1 0,25 1 16,0-1-16,-24-24 15,24 25-15,-25-1 0,1 0 32</inkml:trace>
+  <inkml:trace contextRef="#ctx0" brushRef="#br0" timeOffset="141042">8081 5129 0,'24'0'15,"0"0"1,-24-24 0,25 24-16,-1 0 0,1 0 15,-1-25-15,1 25 16,-1 0-16,0 0 0,1-24 16,-1 24-16</inkml:trace>
+  <inkml:trace contextRef="#ctx0" brushRef="#br0" timeOffset="141433">8594 4738 0,'0'25'62,"0"-1"-46,0 1-16,0-1 15,0 0-15,0 1 16,0-1-16,0 1 0,0-1 16,0 25-16,0-25 15,0 1-15,0-1 16,0 1-16,0-1 0,0 1 16,0-1-1</inkml:trace>
+  <inkml:trace contextRef="#ctx0" brushRef="#br0" timeOffset="142147">8813 4909 0,'-24'0'31,"24"25"0,0-1 1,0 1-32,0-1 15,24 0 1,1-24-16,-25 25 15,24-25-15,-24 24 16,25-24-16,-1 0 16,0 0-16,1-24 15,-25-1 1,24 25-16,-24-24 16,0 0-16,0-1 15,0 50 32,0-1-31,25 0-16,-25 1 15,0-1-15,24 1 16,-24 24-16,25-25 0,-25 25 16,0 0-16,0-25 0,0 25 15,0 0-15,0-25 16,0 1-16,0-1 0,-25 0 15,25 1-15,-24-1 16,-1-24-16,1 0 16,-1 0-16,1 0 0,0-24 15,-1 24-15,25-25 16,-24 1-16,24-25 0,0 25 16,0-1-16,0-23 15,0 23-15,24 1 0,1-1 16,-1 1-16,0 24 15,1-25-15,-1 25 16,1 0-16,-1 0 16,1-24-1,-1 24-15</inkml:trace>
+  <inkml:trace contextRef="#ctx0" brushRef="#br0" timeOffset="142591">9424 4787 0,'0'-24'16,"0"-1"-16,-25 25 15,25 25 32,0-1-31,0 1-1,-24-1-15,24 0 0,0 1 16,0-1-16,0 1 16,0-1-16,0 1 0,0 23 15,24-23-15,-24-1 16,0 1-16,0 24 0,25-25 16,-25 0-16,24 1 0,-24-1 15,25 1 1,-1-25-1,-24 24-15</inkml:trace>
+  <inkml:trace contextRef="#ctx0" brushRef="#br0" timeOffset="142982">9790 4763 0,'-24'0'31,"48"0"-15,1 0-1,-25 24 1,24-24-16,-24 25 0,25-25 16,-25 24-16,24 0 15,-24 1-15,24-1 0,-24 1 16,0-1-16,0 25 0,0-25 16,0 1-16,0-1 15,0 25-15,0-24 0,0-1 16,-24-24-16,24 24 15,-24 1-15,-1-1 16,1-24-16,-1 0 16</inkml:trace>
+  <inkml:trace contextRef="#ctx0" brushRef="#br0" timeOffset="143695">10645 4812 0,'-24'0'16,"24"24"62,24-24-78,-24 24 15,0 1 1,24-25-16,-24 24 0,0 1 16,25-1-16,-25 1 15,24-1-15,-24 0 16,25 1-16,-25-1 15,0 1 1,24-25 0,-24-25-1,25 1 1,-1-1 0,0 1-1,-24 0-15,25-1 0,-1 1 16,25-1-16,-24 1 0,-1-25 15,0 25-15,1-1 16,-1 25-16,1-24 0,-1-1 16,1 25-1,-1 0 1,-48 0 31</inkml:trace>
+  <inkml:trace contextRef="#ctx0" brushRef="#br0" timeOffset="144505">11134 4421 0,'0'-25'16,"-25"25"-16,1 0 16,-1 0-16,1-24 15,-1 24-15,1 0 16,0 0-16,-1 0 0,1 0 15,-25 0-15,24 0 0,1 24 16,-25-24-16,25 25 16,-1-25-16,1 24 0,0 1 15,-1-1-15,1 25 16,-1-25-16,25 25 0,-24-24 16,24 24-16,-25-1 0,25-23 15,-24 24-15,24-1 16,0 1-16,0-24 0,0 24 15,0-25-15,0 25 16,0-25-16,0 25 0,0-24 16,24-1-16,-24 0 0,25 1 15,-1-1 1,-24 1-16,25-25 0,-1 24 16,1 0-1,-1-24-15,0 0 0,1 0 16,24 0-16,-25 0 0,0 0 15,25-24-15,-24 24 16,24 0-16,-25-24 0,0 24 16,25-25-16,-24 25 15,-1-24-15,1 24 0,-1-25 16,0 1-16,1 0 16,-25-1-16,24 1 15,-24-1-15,25 1 0,-1-1 16,-24 1-16,0 0 15,24-25-15,-24 24 0,25 1 16,-25-25-16,0 25 0,0-1 16,0-24-1,0 25-15,0 0 0,-25-1 16,25 1-16,-24-1 0,24 1 16,-24-1-16,-1 1 15,1 0-15,-1 24 0,1-25 16,0 1-16,-1-1 15,1 25-15,-25 0 0,24-24 16,1 24-16,0 0 16,-1 0-1</inkml:trace>
+  <inkml:trace contextRef="#ctx0" brushRef="#br0" timeOffset="297545">8032 5886 0,'24'0'16,"1"0"15,-25 25-31,0-1 31,0 1-31,0-1 16,0 25-16,-25-25 0,25 1 15,-24 23-15,24 1 16,-25-24-16,25 24 0,-24-25 16,24 0-16,-24 25 15,24-24-15,0-1 16,0 1-16,24-25 0,0 24 15,1-24 1,-1 0-16,1 0 0,-1 0 16,25 0-16,-25 0 15,1 0-15,24-24 0,-25 24 16,0 0-16,1 0 0,-1 0 16,1 0-16,-25-25 15</inkml:trace>
+  <inkml:trace contextRef="#ctx0" brushRef="#br0" timeOffset="298027">8618 6179 0,'0'-24'0,"24"24"16,-24-25-1,-24 25 1,0 0 0,-1 0-16,1 0 15,-1 25-15,1-1 16,-1 1-1,25-1-15,0 1 0,0-1 16,-24 0-16,24 1 16,0-1-16,0 1 0,24-25 15,-24 24-15,25-24 0,-1 0 16,1 0 0,-1 0-16,1 0 15,-1-24-15,-24-1 16,24 25-16,1-24 0,-25-1 15,0 1-15,0 0 0,0-1 16,0 1-16,0-1 16,0 1-16,-25 24 15,1 0 1,0 0 0</inkml:trace>
+  <inkml:trace contextRef="#ctx0" brushRef="#br0" timeOffset="298620">9106 6204 0,'0'-25'31,"-24"25"-15,0 0-16,24-24 15,-25 24-15,1 0 0,-1 0 16,1-25-16,-1 25 15,1 0-15,0 25 16,24-1-16,-25-24 0,25 25 16,-24-1-16,24 1 15,0-1-15,0 0 0,0 1 16,0-1-16,0 1 16,24-1-16,1 1 15,-1-25-15,0 0 16,1-25-1,-1 25-15,-24-24 16,25 24-16,-25-25 0,24 1 16,-24-1-1,25 1-15,-25 0 0,0-1 16,24 1-16,-24-1 16,0 50-1,0-1 1,24-24-1,-24 25-15,0-1 0,25 0 16,-25 1-16,0-1 16,24 1-16,-24-1 15</inkml:trace>
+  <inkml:trace contextRef="#ctx0" brushRef="#br0" timeOffset="299232">9546 6253 0,'0'-25'16,"0"1"-1,-24 24 1,-1-25-16,1 1 31,-1 24-31,1 0 16,0 0-1,-1 0-15,25 24 16,-24-24-16,-1 25 0,25-1 16,-24 1-16,24-1 15,0 0-15,0 1 16,0-1-16,24-24 15,-24 25-15,25-25 16,-1 0-16,1 0 0,-1 0 16,0 0-16,1-25 15,-1 1 1,-24-1-16,0 1 16,25 0-16,-25-25 15,0 24-15,0-24 0,0 25 16,0-25-16,0 25 15,0-25-15,0 24 0,0 1 16,0 0-16,0-1 0,0 1 16,0 48-1,0 1 1,0-1-16,0 0 0,0 25 16,0-24-16,24 24 15,-24-1-15,24-23 0,-24 24 16,25 0-16,-25-25 15,0 0-15,24 25 0,-24-24 16,25-1-16,-25 1 16</inkml:trace>
+  <inkml:trace contextRef="#ctx0" brushRef="#br0" timeOffset="299593">9961 6008 0,'0'-24'16,"0"-1"-16,0 1 15,-24 24 16,-1 24-15,1 1 0,0-1-16,24 1 0,0-1 15,0 25-15,0-25 16,0 25-16,0-24 0,0 24 16,24-1-16,-24-23 0,24-1 15,1 1-15,-1-1 16,-24 1-16,25-1 0,-1-24 15,0 0-15,1 0 16,-1 0-16</inkml:trace>
+  <inkml:trace contextRef="#ctx0" brushRef="#br0" timeOffset="299910">10303 5935 0,'25'0'16,"-1"24"15,0 1-15,-24-1-16,25-24 15,-25 25-15,24 24 0,1-25 16,-25 0-16,24 25 0,-24-24 15,25 24-15,-25-25 16,24 0-16,-24 1 0,0 24 16,-24-25-1,-1 1-15,25-1 0,-24-24 16,-25 0-16,24 0 0,1 0 16,0 0-16</inkml:trace>
+  <inkml:trace contextRef="#ctx0" brushRef="#br0" timeOffset="300395">11256 6008 0,'-25'0'0,"25"-24"16,-24 24-1,24-24-15,24 24 16,-24 24 0,25-24-16,-1 24 0,-24 1 15,25-25-15,-1 49 16,0-25-16,1 0 0,-1 1 15,1 24-15,-1-25 16,0 1-16,1-1 0,-25 0 16,24 1-16,1-1 0,-25 1 15,24-25-15</inkml:trace>
+  <inkml:trace contextRef="#ctx0" brushRef="#br0" timeOffset="300702">11524 5935 0,'-24'0'31,"24"24"-31,-25 1 15,1-1 1,0 1-16,24-1 0,-25 25 16,1-25-16,-1 1 15,1 24-15,24-25 0,-24 25 16,24-25-16,-25 1 0,25 24 16,0-25-16,-24 1 15,24-1-15,0 0 16,0 1-1</inkml:trace>
+  <inkml:trace contextRef="#ctx0" brushRef="#br0" timeOffset="301415">11793 5740 0,'0'-25'16,"0"1"-16,-24 24 0,-1-25 15,1 1-15,-1 24 16,1-24-16,-25 24 0,25 0 15,-25 0-15,0 0 0,24 0 16,-23 0-16,-1 0 16,0 24-16,0 0 0,25 1 15,-25-1-15,0 1 16,25-1-16,-1 1 0,1 23 16,-1 1-16,1-24 0,-1 24 15,25-1-15,-24 1 16,24 0-16,-24 0 0,24 0 15,0 0-15,0-1 16,0-23-16,0 24 0,0 0 16,24-25-16,0 25 0,1-25 15,-1 1-15,1 23 16,-1-23-16,1-1 0,23 1 16,-23-25-16,24 24 0,0 1 15,-1-25-15,1 0 16,0 24-16,0-24 0,0 0 15,24 0-15,-24-24 16,24-1-16,-24 25 0,0-24 16,0-1-16,-1 1 15,1-25-15,0 25 0,-24-25 16,-1-24-16,0 24 0,1-25 16,-1 1-16,-24 24 15,0-24-15,0 0 0,0 24 16,0 0-16,0 0 0,-24 25 15,-1-25-15,-23 25 16,-1 24-16,0-25 0,0 1 16,-24 24-16,24 0 15,-24-25-15,-1 25 0,26 0 16,-1 0-16,0 0 0,0 0 16,25 0-16</inkml:trace>
+  <inkml:trace contextRef="#ctx0" brushRef="#br0" timeOffset="323992">8496 6717 0,'0'-25'15,"-25"25"79,25 25-47,25-25-32,-1 0 1,1 0-16,24 0 0,-25 0 16,25 24-16,0-24 0,0 0 15,-25 0-15,25 0 16,0 0-16,-1 0 0,-23 0 16,24 0-16,-25 0 0,1-24 15,-1 24-15,0 0 16,-48 0 15,0 0-31,-1 0 16,1 0-16</inkml:trace>
+  <inkml:trace contextRef="#ctx0" brushRef="#br0" timeOffset="324328">8496 6790 0,'-25'0'15,"25"24"1,25-24 15,-1 0-31,1 0 16,-1 0-16,25 0 15,0-24-15,0 24 0,-1 0 16,1 0-16,0-25 0,24 25 16,-24 0-16,0 0 15,0-24-15,-25 24 0,25 0 16,-24 0-16,-1 0 16,-48 0-1,-1 0 1,1 0-1</inkml:trace>
+  <inkml:trace contextRef="#ctx0" brushRef="#br0" timeOffset="326193">8935 6741 0,'-24'0'15,"0"0"-15,-1 24 16,1-24-1,-1 25-15,1-25 16,-1 24-16,1 1 0,0-1 16,-25 1-16,24-1 15,-23 0-15,-26 25 0,25-24 16,-24 24-16,0-1 16,0 1-16,-25 0 0,0 0 15,-24 0-15,0 0 0,0 24 16,0 0-16,-25 0 15,-24 1-15,25 23 0,-25-23 16,0 23-16,0 1 16,0 0-16,0-1 0,24 1 15,1 0-15,-1-25 0,25 0 16,0 1-16,24-1 16,1 0-16,-1-24 0,25 24 15,-1-24-15,1 0 16,24-25-16,-24 25 0,24 0 15,0-24-15,1 23 0,23-23 16,-24-1-16,25 1 16,-1-1-16,1 0 0,0-24 15,-1 25-15,1-25 16</inkml:trace>
+  <inkml:trace contextRef="#ctx0" brushRef="#br0" timeOffset="326816">4564 8939 0,'-25'0'15,"25"25"17,0-1-17,0 0 1,0 1-1,-24-25-15,24 24 16,0 1-16,0-1 16,0 1-1,0-1-15,0 0 0,-25 1 16,25-1-16,0 1 16,0 23-16,-24-23 15,24-1-15,0 1 0,-24-1 16,24 1-16,-25-1 15,25 0-15,-24 1 0,24-1 16,0 1-16,0-1 16,0 1-16,0-1 31,24-24-15,1-24-1,-1 24 1,25-25-16,-25 25 0,25 0 15,-24-24-15,23 24 0,1 0 16,-24 0-16,24-25 16,-25 25-16,25 0 0,-25 0 15,1 0-15,-1 0 16,1 0-16,-1 0 16,0 0-16,25 0 31</inkml:trace>
+  <inkml:trace contextRef="#ctx0" brushRef="#br0" timeOffset="328114">8790 6717 0,'-25'0'31,"25"24"-15,0 0 0,25-24-16,-25 25 15,24-25-15,1 24 16,-1-24-16,1 25 0,-1-1 16,25 1-16,-25-25 15,25 48-15,0-23 0,0-1 16,24 1-16,-24-1 0,24 25 15,-24-25-15,24 25 16,1-24-16,-1 23 0,-24-23 16,24 24-16,0-25 15,1 25-15,-1 0 0,0 0 16,0 0-16,1-1 0,-1 1 16,0 0-16,0 0 15,1 0-15,-1 0 0,0-25 16,25 25-16,48 49 15,-48-74-15,-25 25 16,1-25-16,-1 25 0,0-24 16,-24-1-16,0 0 15,24 1-15,-24-1 0,-25 1 16,25-1-16,-24 1 16,24-1-16,-25 0 0,25 1 15,-25-1-15,25-24 0,-24 25 16,23-1-16,-23-24 15,24 24-15,-25-24 0,1 25 16,-1-25-16,0 24 0,1-24 16,-1 0-16,1 0 15,-25 25-15,24-25 16,0 0 0,1 0-1,-1 0 1,1 0-1,-25-25 1,0 1 0,-25 24-16</inkml:trace>
+  <inkml:trace contextRef="#ctx0" brushRef="#br0" timeOffset="328876">12037 8158 0,'-24'0'16,"24"24"62,0 0-62,24 1-16,1-1 15,-25 1 1,24-1-16,0-24 0,-24 25 16,25-1-16,-1 0 15,1 1-15,-25-1 0,24 1 16,1-1-16,-25 1 0,24-1 15,0 0-15,-24 1 16,0-1-16,25-24 0,-25 25 16,24-1-16,-24 0 15,25-24-15,-25 25 16,24-25 0,-24 24-16,0 1 31,-24-25 16,24 24-47,-25-24 15,1 0-15,-1 25 16,1-25-16,0 0 0,-1 24 16,-24-24-16,25 0 15,-25 24-15,0-24 0,25 0 16,-98 0-1,97 25-15,1-25 16,-1 0-16,1 0 16,0 0-16,-1 0 15,1 0 32,24 24-31</inkml:trace>
+</inkml:ink>
+</file>
+
+<file path=ppt/ink/ink108.xml><?xml version="1.0" encoding="utf-8"?>
+<inkml:ink xmlns:inkml="http://www.w3.org/2003/InkML">
+  <inkml:definitions>
+    <inkml:context xml:id="ctx0">
+      <inkml:inkSource xml:id="inkSrc0">
+        <inkml:traceFormat>
+          <inkml:channel name="X" type="integer" max="1920" units="cm"/>
+          <inkml:channel name="Y" type="integer" max="1080" units="cm"/>
+          <inkml:channel name="T" type="integer" max="2.14748E9" units="dev"/>
+        </inkml:traceFormat>
+        <inkml:channelProperties>
+          <inkml:channelProperty channel="X" name="resolution" value="55.81395" units="1/cm"/>
+          <inkml:channelProperty channel="Y" name="resolution" value="55.6701" units="1/cm"/>
+          <inkml:channelProperty channel="T" name="resolution" value="1" units="1/dev"/>
+        </inkml:channelProperties>
+      </inkml:inkSource>
+      <inkml:timestamp xml:id="ts0" timeString="2020-11-20T15:25:14.974"/>
+    </inkml:context>
+    <inkml:brush xml:id="br0">
+      <inkml:brushProperty name="width" value="0.05" units="cm"/>
+      <inkml:brushProperty name="height" value="0.05" units="cm"/>
+      <inkml:brushProperty name="fitToCurve" value="1"/>
+    </inkml:brush>
+  </inkml:definitions>
+  <inkml:trace contextRef="#ctx0" brushRef="#br0">80 112 0,'0'-24'16,"0"-1"-16,0 1 0,0-1 16,0 1-1,0 48 16,0 1-15,0-1-16,0 25 0,0 0 16,0 0-16,0 0 15,-25 0-15,25 24 0,0 0 16,-24 0-16,24 1 16,0-25-16,0 24 0,0 0 15,0-24-15,0 0 0,0 24 16,0-24-16,0 0 15,-25-25-15,25 25 0,0-25 16,0 25-16,0-24 16,0-1-16,0 0 15,25-24-15,-25 25 0,24-25 32,1-25-17,-1 25-15,0-24 16,25 24-16,-24-24 0,24 24 15,-1-25-15,1 25 0,0-24 16,24 24-16,-24-25 16,0 25-16,0 0 0,-25 0 15,1 0-15,-1 0 16,1 0-16</inkml:trace>
+  <inkml:trace contextRef="#ctx0" brushRef="#br0" timeOffset="498">1179 650 0,'0'-25'16,"0"1"-16,0-1 15,-25 25-15,1 0 16,-1 0-16,1 0 16,0 0-16,-1 25 15,1-25-15,-1 24 0,1 1 16,24 23-16,-25-23 0,1 24 15,24-1-15,0-23 16,0 24-16,0 0 0,0-1 16,24-23-16,1 24 15,-1-25-15,1-24 0,24 25 16,-25-1-16,25-24 0,0 0 16,0-24-16,-1 24 15,1-25-15,-24 1 0,23-1 16,-23-24-16,-25 25 15,24-25-15,-24 0 0,0 25 16,-24-25-16,-1 0 0,1 25 16,-25-1-16,25 1 15,-25 0-15,25-1 0,-1 25 16,1 0-16,-1 0 16,1 0-16,24 25 0,0-1 15,0 0-15</inkml:trace>
+  <inkml:trace contextRef="#ctx0" brushRef="#br0" timeOffset="1075">1960 625 0,'-24'0'0,"24"-24"16,-25 24-16,1 24 31,24 1-31,-24-1 16,24 0-16,0 25 0,-25-24 15,25 23-15,-24-23 16,24 24-16,0-25 0,-25 1 15,25 23-15,0-23 16,0-1-16,0 1 16,0-50 15,0 1-31,0-1 16,25 1-16,-25-25 15,0 25-15,0-25 0,24-24 16,-24 24-16,0-24 0,25 24 15,-1-25-15,-24 26 16,24-1-16,1 0 0,-1 24 16,1 25-16,-1 0 15,0 0-15,1 25 0,-1-1 16,1 1-16,-25 24 0,24-1 16,1 1-16,-1 0 15,-24 24-15,24-24 0,-24 0 16,25 0-16,-1 0 15,-24 0-15,25-25 0,-25 0 16,24 25-16,-24-24 0,0-1 16,-24-24-1</inkml:trace>
+  <inkml:trace contextRef="#ctx0" brushRef="#br0" timeOffset="1303">1887 845 0,'-24'0'0,"-1"0"16,25-25-1,25 25-15,-1 0 16,0 0-16,1 0 16,-1-24-16,1 24 0,24 0 15,-1 0-15,-23 0 0,24 0 16,-1 0-16,-23-24 15,24 24-15,-25 0 0,1 0 16,-1 0 0</inkml:trace>
+  <inkml:trace contextRef="#ctx0" brushRef="#br0" timeOffset="1668">2766 527 0,'-24'-24'15,"-1"24"1,25-24-16,0 48 31,0 0-15,0 25-16,25-24 0,-25 23 16,0 1-16,24 0 15,-24 0-15,0 0 0,0 0 16,25 0-16,-25-1 0,0-23 15,0 24-15,0-25 16,0 1-16</inkml:trace>
+  <inkml:trace contextRef="#ctx0" brushRef="#br0" timeOffset="2082">2668 625 0,'-24'-24'16,"24"-25"-16,0 24 0,0-23 16,0 23-16,0 1 15,24-1-15,-24 1 0,25 24 16,-1-25-16,25 25 0,-24 0 16,-1 0-16,25 25 15,0-1-15,-25 1 0,25-1 16,0 25-16,0-25 15,0 25-15,-25 0 0,25 0 16,-25 0-16,1 0 0,-25-1 16,0 1-16,0 0 15,0-24-15,-25-1 0,1 0 16,-1 1-16,-23-1 16,-1-24-16,24 25 0,-24-1 15,1-24-15,-1 25 0,24-25 16,-24 0-16,25 0 15,0 0-15,-1 24 0,1-24 16,24-24 0,0-1-1,24 25-15,-24-24 0,25 24 16</inkml:trace>
+  <inkml:trace contextRef="#ctx0" brushRef="#br0" timeOffset="2436">3841 772 0,'24'0'32,"1"0"-32,-1 0 15,1 0-15,23 0 16,-23 0-16,24 0 0,-25 0 16,25 0-16,0 0 15,-25 0-15,25 0 0,-25 0 16,25 0-16,-24 0 0,-1 0 15,1 0 1,-50 0 0</inkml:trace>
+</inkml:ink>
+</file>
+
+<file path=ppt/ink/ink109.xml><?xml version="1.0" encoding="utf-8"?>
+<inkml:ink xmlns:inkml="http://www.w3.org/2003/InkML">
+  <inkml:definitions>
+    <inkml:context xml:id="ctx0">
+      <inkml:inkSource xml:id="inkSrc0">
+        <inkml:traceFormat>
+          <inkml:channel name="X" type="integer" max="1920" units="cm"/>
+          <inkml:channel name="Y" type="integer" max="1080" units="cm"/>
+          <inkml:channel name="T" type="integer" max="2.14748E9" units="dev"/>
+        </inkml:traceFormat>
+        <inkml:channelProperties>
+          <inkml:channelProperty channel="X" name="resolution" value="55.81395" units="1/cm"/>
+          <inkml:channelProperty channel="Y" name="resolution" value="55.6701" units="1/cm"/>
+          <inkml:channelProperty channel="T" name="resolution" value="1" units="1/dev"/>
+        </inkml:channelProperties>
+      </inkml:inkSource>
+      <inkml:timestamp xml:id="ts0" timeString="2020-11-20T15:25:18.491"/>
+    </inkml:context>
+    <inkml:brush xml:id="br0">
+      <inkml:brushProperty name="width" value="0.05" units="cm"/>
+      <inkml:brushProperty name="height" value="0.05" units="cm"/>
+      <inkml:brushProperty name="fitToCurve" value="1"/>
+    </inkml:brush>
+  </inkml:definitions>
+  <inkml:trace contextRef="#ctx0" brushRef="#br0">833 31 0,'-24'0'16,"-1"0"15,1 0-15,-1 0-1,-23-25-15,23 25 16,-24 0-16,0 0 0,1 0 15,-1 0-15,0 0 16,0 0-16,0 25 0,0-25 16,1 24-16,23 1 0,-24-1 15,25 0-15,-1 25 16,25-24-16,0 23 0,0 1 16,25-24-16,-25 24 15,49-1-15,-25-23 0,25 24 16,0-25-16,-25 1 0,25 23 15,0-23-15,0-1 16,0 1-16,-1-1 0,-23 0 16,-1 25-16,1-24 15,-1-1-15,1 1 0,-1-1 16,-24 0-16,0 25 0,0-24 16,0-1-16,-24 1 15,-1-1-15,1 0 0,-1 1 16,1-1-16,-25 1 15,0-25-15,25 24 0,-25-24 16,0 0-16,0 0 0,0 0 16,1 0-16,23 0 15,-24 0-15,25 0 0,-1-24 16,1 24-16,0-25 16,-1 1-16,1-1 15,24 1-15,0 0 16,24 24-1</inkml:trace>
+  <inkml:trace contextRef="#ctx0" brushRef="#br0" timeOffset="564">1346 812 0,'0'-24'16,"24"-1"-16,-24 1 0,0 0 15,0-1-15,-24 1 16,0-1-16,-1 1 0,1-1 16,-1 25-16,1-24 0,-25 24 15,25 0-15,-25 0 16,0 0-16,25 24 0,-25-24 15,24 49-15,1-24 16,-1 24-16,1-25 0,0 25 16,24 0-16,0-25 0,0 25 15,0 0-15,24-25 16,0 1-16,-24-1 0,25 0 16,24 1-16,-25-1 15,1-24-15,-1 0 0,0 0 16,1 0-16,-1 0 0,1-24 15,-1-1-15,1-23 16,-25 23-16,0-24 16,24 25-16,-24-25 15,0 0-15,0 0 0,0 25 16,0 0-16,0-1 0,0 1 16,24 24-16,-24 24 15,0 1-15,25-1 16,-25 0-16,24 25 0,-24 0 15,25-25-15,-25 25 16,0 0-16,24-24 0,-24-1 16,24 25-16,-24-25 15,25 1-15,-25-1 16</inkml:trace>
+  <inkml:trace contextRef="#ctx0" brushRef="#br0" timeOffset="1626">1541 813 0,'-24'0'0,"24"-24"0,0-1 16,0 1 0,0 0-16,24 24 15,-24 24 1,25-24-1,-25 24-15,24 1 0,-24 24 16,25-25-16,-25 25 16,0-25-16,24 25 0,-24 0 15,0-25-15,0 1 0,0 24 16,25-49-16,-25 24 16,0 1-16,0-50 46,0 1-46,0-1 0,0-24 16,0 25-16,0-25 16,0 0-16,0 0 0,24 25 15,0-25-15,1 0 16,-1 25-16,1 0 0,-1-1 16,1 25-16,-1 0 0,0 0 15,1 0-15,-1 25 16,-24-1-16,25 0 0,-25 25 15,24-24-15,-24 23 16,0-23-16,0 24 0,0 0 16,0-25-16,0 0 0,0 1 15,0-1-15,0 1 16,-24-1 0,24-48-1,0-1-15,24 1 16,-24-1-16,24 1 0,-24-25 15,25 0-15,-25 25 16,24-25-16,1 0 0,-1 25 16,1-1-16,-1 1 15,0 24-15,25 0 0,-24 0 16,-1 0-16,-24 24 0,25 1 16,-1-1-16,-24 25 15,0-25-15,24 1 0,-24 24 16,25-25-16,-25 1 15,0 23-15,24-23 0,1-1 16,-25 1-16,24-25 0,0 24 16,1-24-16,24 25 15,-25-25-15,25 0 0,-25 0 16,25 0-16,-24-25 0,24 25 16,-25-24-16,0-1 15,1 1-15,-1-1 0,1 1 16,-1-25-16,-24 25 15,0-25-15,0 0 0,0 25 16,0-25-16,-24 24 0,24 1 16,-25 24-16,1-24 15,-25 24-15,25 0 0,-1 0 16,1 24-16,-25-24 16,49 24-16,-25 25 0,1-24 15,24-1-15,0 25 0,0 0 16,49 0-1,-25-1-15,1-23 0,-1-1 16,25-24-16,-25 25 16,25-25-16,0 24 0,-24-24 15,23 0-15,-23 0 0,-1 0 16,1-24-16,-1 24 16,1 0-16,-25-25 0,0 1 31,-25 24-31,25-25 15</inkml:trace>
+  <inkml:trace contextRef="#ctx0" brushRef="#br0" timeOffset="2302">3764 348 0,'-24'-24'0,"-1"-1"15,1 1 1,24-1-16,0 1 15,-25 24-15,25 24 16,0 1-16,0-1 16,0 1-16,25 24 15,-25-1-15,0 26 0,24-1 16,-24 0-16,25 1 0,-25-1 16,0 0-16,24 0 15,-24 1-15,24-26 0,-24 1 16,0-24-16,25 24 0,-25-25 15,0 0-15,0 1 16,-25-25 15,25-25-31,0 1 16,0 0-16,0-1 0,0-24 16,0 25-16,25-25 15,-1 25-15,1-25 0,-1 24 16,0 1-16,25-1 15,0 1-15,0 24 0,0 0 16,0 24-16,0-24 0,-25 25 16,25 24-16,-25-25 15,1 25-15,-1-25 0,0 25 16,-24 0-16,0-24 16,-24 23-16,24-23 0,-24-1 15,-25-24-15,24 25 0,-23-25 16,-1 0-16,0 0 15,0 0-15,0-25 0,0 1 16,25 24-16,-1-25 16,1-23-16,24 23 0,0 1 15,0-1-15</inkml:trace>
+  <inkml:trace contextRef="#ctx0" brushRef="#br0" timeOffset="3106">4521 910 0,'24'0'0,"1"0"0,-1 0 15,1-25 1,-1 25-16,1-24 16,-25 48-1,-25-24 1,25 25-16,-24-1 0,24 1 15,-25 24-15,1-25 16,24 25-16,0-25 0,0 25 16,0 0-16,0-25 0,24 25 15,-24-24-15,25-1 16,-1 0-16,25 1 0,-25-25 16,1 24-16,-1-24 15,25 0-15,-24 0 0,-1-24 16,0 24-16,1-25 0,-1 1 15,1-25-15,-1 25 16,-24-25-16,24 25 0,-24-25 16,0 0-16,0 24 15,0 1-15,0 0 0,0-1 16,0 1-16,-24 24 0,24 24 31,0 1-31,0-1 0,0 0 16,0 1-16,0 24 0,0-25 15,24 1-15,-24-1 16,25 25-16,-25-25 0,24 1 16,1-25-16,-1 24 15,1 0-15,-1-24 0,0 25 16,1-25-16,24 0 0,-25 0 16,1-25-16,23 1 15,-23 0-15,24-1 0,-25 1 16,1-25-16,-1 0 15,-24 0-15,24 0 0,-24-24 16,0 0-16,-24 24 0,24-24 16,-24 0-16,-1 24 15,1 0-15,24 0 0,-25 25 16,1-1-16,-1 1 16,1 24-16,24 24 15,-24 1-15,24-1 0,0 25 16,0 0-16,24 0 15,-24-1-15,24 1 0,-24 24 16,25-24-16,-1 0 16,-24 0-16,25 0 0,-1 0 15,-24 0-15,25-25 0,-1 25 16,-24-25-16,0 1 16,24-25-16,-24 24 0</inkml:trace>
+  <inkml:trace contextRef="#ctx0" brushRef="#br0" timeOffset="3335">5376 1008 0,'-25'-25'16,"1"1"-16,24-1 16,24 25-16,-24-24 15,25 24-15,-1 0 16,1 0-16,24 0 0,-1-25 15,1 25-15,-24 0 16,24 0-16,-1 0 0,1 0 16,0 0-16,0-24 0,0 24 15,-25 0-15,1 0 16,-1 0-16,-48 0 16</inkml:trace>
+</inkml:ink>
+</file>
+
 <file path=ppt/ink/ink11.xml><?xml version="1.0" encoding="utf-8"?>
 <inkml:ink xmlns:inkml="http://www.w3.org/2003/InkML">
   <inkml:definitions>
@@ -220,6 +635,399 @@
 </inkml:ink>
 </file>
 
+<file path=ppt/ink/ink110.xml><?xml version="1.0" encoding="utf-8"?>
+<inkml:ink xmlns:inkml="http://www.w3.org/2003/InkML">
+  <inkml:definitions>
+    <inkml:context xml:id="ctx0">
+      <inkml:inkSource xml:id="inkSrc0">
+        <inkml:traceFormat>
+          <inkml:channel name="X" type="integer" max="1920" units="cm"/>
+          <inkml:channel name="Y" type="integer" max="1080" units="cm"/>
+          <inkml:channel name="T" type="integer" max="2.14748E9" units="dev"/>
+        </inkml:traceFormat>
+        <inkml:channelProperties>
+          <inkml:channelProperty channel="X" name="resolution" value="55.81395" units="1/cm"/>
+          <inkml:channelProperty channel="Y" name="resolution" value="55.6701" units="1/cm"/>
+          <inkml:channelProperty channel="T" name="resolution" value="1" units="1/dev"/>
+        </inkml:channelProperties>
+      </inkml:inkSource>
+      <inkml:timestamp xml:id="ts0" timeString="2020-11-20T15:21:34.615"/>
+    </inkml:context>
+    <inkml:brush xml:id="br0">
+      <inkml:brushProperty name="width" value="0.05" units="cm"/>
+      <inkml:brushProperty name="height" value="0.05" units="cm"/>
+      <inkml:brushProperty name="fitToCurve" value="1"/>
+    </inkml:brush>
+  </inkml:definitions>
+  <inkml:trace contextRef="#ctx0" brushRef="#br0">318 569 0,'0'-24'16,"24"24"124,1 0-124,-1 0 0,0 0-1,1-24-15,-1 24 0,1 0 16,-1-25-16,1 25 15,-1 0 1,-24-24-16,24 24 16,-48 0 46,24 24-62,-24-24 16</inkml:trace>
+  <inkml:trace contextRef="#ctx0" brushRef="#br0" timeOffset="1085">7791 154 0,'-24'0'0,"48"0"141,1 0-126,-1 0-15,0 0 0,1 0 16,-1 0-16,1-24 16,-1 24-16,1 0 15,-1 0 1,0 0-16,1 0 47,-50 0-16</inkml:trace>
+  <inkml:trace contextRef="#ctx0" brushRef="#br0" timeOffset="15141">855 472 0,'0'-25'47,"-24"1"-16,-1 24 1,1 0-17,-1 0 1,1 0-16,0 24 15,-1-24-15,1 0 16,-1 25 0,1-25-1,-1 24-15,1-24 16,0 25-16,-1-1 16,1-24-16,-1 24 15,1-24-15,-1 25 16,1-25-1,24 24-15,-24 1 16,24-1 0,-25 1-1,25-1 1,0 0 0,0 1-16,0-1 15,0 1 1,25-25-16,-1 24 15,0 0-15,1-24 16,-1 25 0,1-25-16,-1 0 15,1 0-15,-1 0 16,25-25-16,-25 25 0,25-24 16,-24 24-16,23-24 0,1-1 15,-24 25-15,23-24 16,-23-1-16,-1 1 0,1 24 15,-1-24-15,1-1 16,-1 25-16,-24-24 0,24-1 16,-24 1-16,0-1 15,0 1 1,0 0-16,0-1 16,0 1-16,-24 24 0,24-25 15,0 1-15,-24-1 16,24 1-16,-25 24 0,25-24 15,-24 24-15,-1 0 16,1 0-16,-1 0 16,1 0-16,0 0 15,-1 24 1,1-24-16,-1 24 16,1-24-16,0 25 15,-1-1-15,1-24 16,24 25-1</inkml:trace>
+  <inkml:trace contextRef="#ctx0" brushRef="#br0" timeOffset="17078">7840 81 0,'24'0'16,"-48"0"62,0 0-62,-1 0-1,1 24 1,-1 1 0,1-25-1,0 0 1,24 24-16,-25-24 0,25 25 15,-24-25-15,24 24 16,-25-24-16,25 24 16,0 1-16,-24-25 15,24 24-15,0 1 16,0-1-16,0 1 16,0-1-16,0 0 15,0 1-15,24-1 0,-24 1 16,25-1-16,-25 1 15,24-25-15,-24 24 16,25-24-16,-1 24 0,0-24 16,1 0-16,-1 0 15,1 0-15,-1 0 16,25 0-16,-25-24 0,25 24 16,0 0-16,-25-24 15,25 24-15,0 0 0,-24-25 16,-1 25-16,25 0 0,-25-24 15,1 24-15,23 0 16,-23-25-16,-1 25 0,1 0 16,-1 0-16,1-24 15,-1 24-15,0-25 16,1 25-16,-25-24 0,0 0 16,24 24-16,-24-25 15,0 1-15,0-1 16,25 1-1,-25-1-15,0 1 16,0 0-16,0-1 16,0 1-1,-25-1-15,25 1 16,-24 24 0,24-25-16,-25 25 0,1-24 15,0 24-15,-1 0 16,1-24-16,-1 24 15,1 0-15,-1 0 0,-23 0 16,23 0-16,1 0 16,-1 0-16,1 0 0,0 0 15,-1 0-15,1 0 16,-1 0 0,1 0-16,-1 0 15,1 0 1,0 0-16,-1 24 15,1-24-15,-1 0 16,1 24 0,-1-24-16,1 25 15,0-25 1</inkml:trace>
+  <inkml:trace contextRef="#ctx0" brushRef="#br0" timeOffset="176347">0 1375 0,'0'-24'16,"0"0"-1,0-1 1,25 50 31,-25-1-32,24 0-15,-24 1 16,25-1 0,-25 1-16,24-25 0,-24 24 15,24 0-15,1-24 16,-1 0 0,1 0-16,-1-24 0,0 0 15,1-1-15,-1 1 16,1-1-16,-1-23 0,1 23 15,23-24-15,-23 25 0,-1-25 16,1 25-16,-25-1 16,24 1-16,1-1 0,-25 1 15,24 24-15,-24-25 16,24 25-16</inkml:trace>
+  <inkml:trace contextRef="#ctx0" brushRef="#br0" timeOffset="177414">7669 1033 0,'0'25'16,"24"-25"30,1 24-14,-25 1-17,0-1 1,0 1 0,0-1-1,24-24 1,1 0 15,-25-24-31,24-1 16,1 1-1,-1-1-15,0-24 0,1 25 16,-1 0-16,1-1 0,24 1 16,-25-1-16,0 1 15,1-1-15,-1 1 0,1 24 16,-1-24-16,1 24 0,-1 0 15,0 0-15,1 0 16</inkml:trace>
+  <inkml:trace contextRef="#ctx0" brushRef="#br0" timeOffset="228200">16095 2157 0,'-24'0'0,"24"-25"16,0 1-16,0 0 15,0-1 1,0 50 15,0-1-15,24 25-16,-24-25 0,0 25 15,0 0-15,0 24 16,0-24-16,0 0 0,0 24 16,0-24-16,0 0 0,0 0 15,0 0-15,-24-1 16,24-23-16,0-1 0,-25 1 15,25-1-15,0 1 16,-24-25-16,24-25 31,0 1-31,0-1 16,0-48 0,0 49-16,24-25 0,1 0 15,-25 24-15,24-23 0,25 23 16,-25 1-16,25-1 0,-24 25 15,23 0-15,1 0 16,0 25-16,0-25 0,0 24 16,0 25-16,24-25 0,-24 1 15,-25-1-15,25 25 16,-25-24-16,1-1 0,-25 25 16,0-25-16,0 1 15,-25-1-15,1 1 0,0-1 16,-1 0-16,-24 1 0,1-1 15,-1-24-15,0 0 16,0 25-16,-24-25 0,24 0 16,0 0-16,0 0 15,0 0-15,0-25 0,25 25 16,0-24-16</inkml:trace>
+  <inkml:trace contextRef="#ctx0" brushRef="#br0" timeOffset="228729">17023 2816 0,'25'0'15,"-25"-24"-15,24-1 16,0 25-1,-24-24-15,25 24 16,-1 0 0,-24 24-1,25-24-15,-1 0 0,1 0 16,-1 0-16,0 0 16,1 0-16,24 0 0,-25 0 15,25 0-15,-25-24 16,25 24-16,-24-24 0,-1 24 15,0-25-15,-24 1 0,0-1 16,0 1-16,0 0 16,-24-1-16,0 25 0,-25-24 15,24-1-15,-24 25 16,1 0-16,-1 0 0,-24 0 16,24 0-16,24 25 0,-24-1 15,25 1-15,0-1 16,24 25-16,0 0 0,0-25 15,24 25-15,-24 0 16,24 0-16,25-25 0,-24 25 16,24-25-16,-25 1 0,25-1 15,0 1-15,-1-1 16,26-24-16,-25 0 0,-1 0 16,1-24-16,25-1 0,-26 1 15,1-1-15</inkml:trace>
+  <inkml:trace contextRef="#ctx0" brushRef="#br0" timeOffset="229185">17878 2426 0,'0'-49'0,"-25"24"0,25 1 16,0-1-16,0 50 31,25-1-31,-25 1 16,0-1-16,24 1 15,-24 23-15,0 1 0,0 0 16,25 24-16,-25-24 0,24 0 16,-24 24-16,25-24 15,-25 0-15,24-25 0,-24 25 16,24-24-16,-24-1 0,0 1 16,25-1-16,-25 0 15,0-48 1,0 0-1,0-1-15,0-24 16,0 25-16,0-25 0,0 25 16,24-25-16,1 24 15,-1-24-15,1 25 0,23 0 16,-23 24-16,24-25 16,-25 25-16,25 0 0,-25 25 15,1-25-15,24 24 0,-25 0 16,1 1-16,-25 24 15,24-25-15,0 1 0,-24-1 16,0 0-16,0 1 16,0-1-16,0 1 0,0-1 15,0 1-15</inkml:trace>
+  <inkml:trace contextRef="#ctx0" brushRef="#br0" timeOffset="229798">19148 2841 0,'0'-25'16,"0"1"-16,0-1 16,-25 1-16,25 0 0,-24-1 15,0 1-15,-1-1 16,-24 1-16,25 0 0,-25-1 15,25 25-15,-25 0 16,24 0-16,-23 25 0,23-25 16,1 24-16,-1 0 0,25 25 15,-24-24-15,24 23 16,0 1-16,24-24 0,-24 24 16,25-1-16,-1-23 15,1 24-15,23-25 0,-23 1 16,24-25-16,-25 24 0,1-24 15,23 0-15,-23-24 16,-1 24-16,1-49 0,-1 24 16,0-24-16,-24 1 15,0 23-15,25-24 0,-25 0 16,0 1-16,0 23 0,0-24 16,0 25-1,-25 24-15,25 24 0,-24 1 16,24-1-16,-24 1 0,24 23 15,0 1-15,0-24 16,24 24-16,0-1 0,-24 1 16,25-24-16,24-1 15,-25 1-15,1-1 0,23 0 16,-23 1-16,24-1 0,-25-24 16,1 25-16,23-25 15,-23 0-15,-1 0 0,1 0 16,-25-25-1,0 1 1,-25-1 0,1 1-1</inkml:trace>
+  <inkml:trace contextRef="#ctx0" brushRef="#br0" timeOffset="230763">19490 2743 0,'24'0'15,"-24"-24"48,25 24-63,-25-25 0,0 1 15,24-1 1,-24 1-16,0 0 16,0-1-1,25 50 17,-25-1-32,0 0 15,0 1-15,0 24 0,24-25 16,0 25-16,-24 24 15,25-24-15,-1 0 0,1 0 16,-1 0-16,0-1 0,-24 1 16,25 0-16,-1-25 15,1 1-15,-1 24 0,1-25 16,-1-24 0,-24-24-1,24 24-15,-24-25 0,25 1 16,-25-25-16,24 25 15,-24-25-15,25 0 0,-1 0 16,-24-24-16,25 24 16,-1-24-16,-24 24 0,24 0 15,1 0-15,-25 0 0,24 25 16,-24 0-16,25-1 16,-1 25-1,-24 25 1,0-1-1,25 0-15</inkml:trace>
+  <inkml:trace contextRef="#ctx0" brushRef="#br0" timeOffset="231593">20491 2719 0,'-24'24'16,"24"0"15,0 1-15,24-25-1,-24 24-15,0 1 0,25-25 16,-25 24-16,24-24 0,0 25 15,1-25-15,-1 0 16,1 24-16,-1-24 0,25 0 16,-25-24-16,25 24 15,-24-25-15,-1 1 0,1 24 16,-1-25-16,0 1 0,1-25 16,-25 25-16,0-1 15,0 1-15,0-1 0,-25 1 16,1-1-16,0 1 0,-25 0 15,24 24-15,-24 0 16,1 0-16,-1 24 0,24 0 16,-24 1-16,25-1 15,0 25-15,-1 0 0,25-25 16,0 25-16,0 0 0,0 0 16,0 0-16,25-25 15,-1 25-15,0-24 0,1-1 16,24 0-16,0 1 15,-1-25-15,1 0 0,0 0 16,0 0-16,0 0 0,24 0 16,-24-25-16,0 1 15,24 0-15,-24-25 0,0 24 16,0-24-16,-1 1 16,1-1-16,0 0 0,-24 0 15,23 25-15,-23-25 0,-1 24 16,-24-24-16,0 25 15,0 0-15,-24 24 16,-1 0-16,-23 0 16,23 0-16,1 24 0,-1-24 15,1 24-15,-1 1 0,25-1 16,0 1-16,0-1 16,25 25-16,-1-25 0,1 25 15,-1-24-15,25 24 16,0-25-16,-25 0 0,25 25 15,-24-24-15,-1-1 0,0 1 16,1-1-16,-25 0 16,0 1-16,-25-25 0,1 24 15,0-24-15,-25 0 16,0 25-16,0-25 0,0 0 16,-24 0-16,0-25 0</inkml:trace>
+  <inkml:trace contextRef="#ctx0" brushRef="#br0" timeOffset="232630">17463 4208 0,'24'0'16,"-24"-24"15,0 0-15,25-1-16,-25-24 31,0 0-31,-25 25 0,1 0 16,-1-1-16,1 1 0,-1-1 15,-23 1-15,-1 24 0,24 0 16,-24 0-16,1 0 16,-1 24-16,0-24 0,25 49 15,-1-24-15,1-1 16,-1 25-16,1 0 0,24-25 16,0 25-16,24-25 0,1 25 15,-1-24-15,1-1 16,-1-24-16,25 25 0,0-25 15,-1 0-15,1 0 16,0 0-16,-24-25 0,23 1 16,-23-25-16,24 24 0,-25-23 15,1-1-15,-1 0 16,0-24-16,-24-1 0,25 1 16,-1 0-16,-24 0 15,25-1-15,-25 25 0,24 1 16,-24-1-16,0 73 31,0 25-31,0 0 0,0 0 16,0 0-16,0 24 0,0 0 15,0 0-15,0-24 16,0 24-16,0-24 0,25 0 16,-25 0-16,24 0 15,-24-25-15,0 1 0,24-1 16,1-24-1</inkml:trace>
+  <inkml:trace contextRef="#ctx0" brushRef="#br0" timeOffset="232875">18024 4037 0,'0'-24'15,"0"0"-15,0-1 31,25 50-15,-25-1 0,24 0-1,-24 25-15,0-24 0,25 24 16,-25-1-16,0-23 16,24 24-16,-24-25 0,0 1 15,25-1-15,-25 0 0,24-24 16</inkml:trace>
+  <inkml:trace contextRef="#ctx0" brushRef="#br0" timeOffset="233032">18269 3622 0,'-25'-49'15,"25"25"1,-24 24-16,-1 0 15,25 24-15,0 1 16,0-1-16,0 1 16</inkml:trace>
+  <inkml:trace contextRef="#ctx0" brushRef="#br0" timeOffset="233361">18733 3818 0,'49'0'15,"-1"-25"-15,-23 1 16,-1 24-16,1-25 0,-1 1 16,1 24-16,-25-24 0,0-1 15,-25 1 1,1 24-16,-1 0 0,1 0 16,-25 0-16,0 24 15,25 1-15,-25-1 0,0 25 16,25 0-16,-25 0 0,24-1 15,1 1-15,24 24 16,-24 1-16,24-25 0,0 24 16,24-24-16,0 0 0,-24-1 15,25 1-15,-1 0 16,1-25-16,-25 25 0,24-24 16,-24-1-16,24 1 15,-24-1-15</inkml:trace>
+  <inkml:trace contextRef="#ctx0" brushRef="#br0" timeOffset="233666">19246 3818 0,'-25'0'0,"1"-25"15,-1 1-15,1 24 16,-1-25-16,1 25 16,0 25-1,-1 24-15,25-25 16,0 25-16,-24 0 16,24 0-16,0-1 0,0 26 15,-25-1-15,25-24 0,0 24 16,0 0-16,0-24 15,25 0-15,-25 0 0,0-25 16,0 1-16,24-1 16,-24 1-16</inkml:trace>
+  <inkml:trace contextRef="#ctx0" brushRef="#br0" timeOffset="233883">18586 4135 0,'-49'-24'0,"1"24"16,23-25-16,1 25 16,-1 0-16,25-24 0,25 24 15,24 0 1,-1 0-16,1 0 0,24 0 16,1 0-16,-1 0 0,25 0 15,-25 24-15,0-24 16,0 0-16,1 0 0,-25 0 15,-25 0-15</inkml:trace>
+  <inkml:trace contextRef="#ctx0" brushRef="#br0" timeOffset="234130">19783 4233 0,'0'24'15,"24"-24"-15,1 0 16,-1 0-16,1 0 16,-1 25-16,0-25 15,1 0-15,-25 24 16,-25-24-1</inkml:trace>
+  <inkml:trace contextRef="#ctx0" brushRef="#br0" timeOffset="243447">6130 4184 0,'-24'0'16,"0"0"-16,24-24 15,24 24 1,-24 24 15,0 0-15,0 1-16,0-1 15,0 1-15,0-1 16,0 1-16,0 23 0,0 1 16,0-24-16,24 24 15,-24-1-15,0 1 0,25 0 16,-25 0-16,0-25 0,0 25 15,24 0-15,-24-25 16,0 1-16,0-1 0,0 1 16,0-1-16,0 1 31,-24-25-31,24-25 16,0 1-16,0-1 15,-25 1-15,25-1 0,0-23 16,-24 23-16,24-24 15,-24 0-15,24-24 0,-25 24 16,1-24-16,24 0 0,-25 0 16,25 24-16,0-25 15,0 1-15,0 0 0,0 0 16,25 24-16,-1 0 0,1 0 16,-1 0-16,0 25 15,25-25-15,-24 25 0,24 24 16,-1-25-16,1 25 15,24 0-15,-24 0 0,0 0 16,0 25-16,0-25 0,-25 48 16,25-23-16,-24-1 15,-25 25-15,0 0 0,0-25 16,0 25-16,-25 0 16,1 0-16,-1-25 0,-24 25 15,25 0-15,-25-25 0,0 25 16,0-24-16,1 24 15,23-25-15,-24 0 0,25-24 16,0 25-16,-1-25 16,1 0-16,-1 0 15,25-25 1</inkml:trace>
+  <inkml:trace contextRef="#ctx0" brushRef="#br0" timeOffset="243987">7107 4428 0,'0'-24'16,"-24"24"0,24-25-16,-24 25 15,-1 0 1,1 0-16,-1 25 0,1-1 16,-1-24-16,-23 25 0,23-1 15,1 1-15,-1-1 16,1 0-16,-1 25 0,1-24 15,24-1-15,0 25 16,0-25-16,0 25 0,24-24 16,1-1-16,24 0 15,-25 1-15,25-25 0,0 24 16,0-24-16,0 0 0,-1-24 16,-23-1-16,24 25 15,-25-48-15,0 23 0,1 1 16,-25-25-16,0 24 15,0-23-15,-25 23 0,25 1 16,-24-1-16,-25-23 0,25 48 16,-1-25-16,-23 1 15,23 24-15,1 0 0,-1-25 16,1 25-16,24 25 31,24-25-15</inkml:trace>
+  <inkml:trace contextRef="#ctx0" brushRef="#br0" timeOffset="244478">7596 4111 0,'0'-25'0,"0"1"15,0-1-15,-25 25 16,25-24-16,0 48 31,0 1-31,0 24 16,25-25-16,-25 25 0,0 0 15,24 24-15,-24-24 16,0 0-16,25 0 0,-25 0 16,0-1-16,24 1 0,-24 0 15,25 0-15,-25-25 16,24 1-16,-24-1 0,0 1 16,24-25-16,-24 24 15</inkml:trace>
+  <inkml:trace contextRef="#ctx0" brushRef="#br0" timeOffset="245151">8109 4428 0,'0'-24'16,"-25"-1"-16,1 25 15,-1 0 1,1 0-16,24 25 31,0-1-31,0 1 0,0-1 16,0 0-16,24 1 0,-24-1 16,25 1-16,-1-1 15,1-24-15,-1 25 0,1-25 16,-1 24-16,25-24 15,-25 0-15,25 0 0,-24 0 16,23 0-16,-23-24 0,-1-1 16,1 25-16,-25-24 15,0-1-15,0 1 0,0-1 16,0 1-16,-25 0 16,25-1-16,-24 1 0,-1 24 15,1 0-15,24 24 16,0 1-1,0 23-15,0-23 0,0 48 16,0 0-16,0 1 16,24-1-16,-24 0 0,25 25 15,-1 0-15,-24-25 0,25 25 16,-1-25-16,0 0 16,1-24-16,-25 24 0,24-48 15,-24 24-15,0-25 16,-24 0-16,-1 1 0,1-25 15,0 0-15,-25 0 0,0-25 16,0 1-16,0 0 16,0-1-16,1-24 0,-1 0 15,0 1-15,24-1 16,1 0-16,0 0 0,24 0 16,0 0-16,24 1 0,0 23 15,1-24-15,-1 25 16,1-1-16,24 1 0,-25 24 15,0-24-15,25-1 16,-24 25-16,-1-24 0</inkml:trace>
+  <inkml:trace contextRef="#ctx0" brushRef="#br0" timeOffset="245931">8915 4501 0,'0'-24'0,"-25"0"16,25-1-16,0 1 0,-24-1 16,24 1-1,24 48 1,-24 1-1,25-1-15,-1 1 16,-24 23-16,25-23 0,-25 24 16,24 0-16,-24-25 15,24 25-15,-24-25 0,0 25 16,25-24-16,-25-1 0,0 0 16,24 1-16,-24-1 15,0-48 1,0-1-1,0-23-15,0 23 16,0-24-16,0 0 0,0 1 16,0-1-16,25 0 15,-25 0-15,0 0 0,24 0 16,-24 1-16,24 23 16,1 1-16,-1-1 0,1 25 15,-1 0-15,25 25 0,-25-25 16,1 24-16,-1 25 15,1-25-15,-1 1 0,1 24 16,-1-1-16,-24-23 16,0 24-16,0-25 0,0 25 15,0-25-15,0 1 0,0-1 16,-24 1-16,24-1 16,-25-24-1,25-24 1,0-1-16,0 1 0,25-1 15,-1 1-15,-24-25 0,24 0 16,1 0-16,24 1 16,-25 23-16,0-24 0,1 25 15,-1 24-15,1-24 16,-1 24-16,1 0 0,-25 24 16,24 0-16,-24 1 0,0-1 15,24 25-15,-24-25 16,0 25-16,25-24 0,-25 24 15,0-1-15,0-23 16,0-1-16,0 25 0,0-24 16,0-1-16,0 0 0</inkml:trace>
+  <inkml:trace contextRef="#ctx0" brushRef="#br0" timeOffset="246369">10307 4428 0,'0'-24'15,"-25"-1"-15,1 1 16,0 0-16,-1 24 16,1 0-16,-1 0 15,1 0-15,-1 24 0,1 0 16,24 1-16,-24-1 15,24 25-15,-25-25 0,25 25 16,0 0-16,0 0 0,0 0 16,25-25-16,-1 25 15,-24-24-15,49 23 0,-25-23 16,1-1-16,24-24 0,-25 25 16,25-25-16,-25 0 15,25-25-15,-25 1 0,1-1 16,-25-23-16,24 23 15,-24-24-15,0 0 0,0 1 16,-24-1-16,-1 0 0,25 0 16,-24 0-16,0 0 15,-1 25-15,1 24 0,-1 0 16,1 0-16,0 0 16,-1 0-16,1 24 0,24 1 15,0-1-15,0 1 0,0-1 16</inkml:trace>
+  <inkml:trace contextRef="#ctx0" brushRef="#br0" timeOffset="246767">10551 4428 0,'24'0'15,"-24"-24"-15,25 24 16,-1-25-16,-24 1 0,25 24 15,-1-24-15,1 24 0,-1 0 16,0 0-16,25 0 16,-24 24-16,-1 0 0,25 1 15,-25-1-15,1 25 16,-1 0-16,-24-25 0,25 25 16,-25 0-16,0 0 0,0-25 15,0 1-15,0-1 16,0 1-16,-25-1 0,1-24 15,-1 0 1,25-24-16,-24 24 0,24-25 16,0-24-16,0 25 0,0-25 15,0 0-15,24-24 16,1 24-16,-1 0 0,25-24 16,-25 24-16,25 0 0,0 25 15,-24-1-15,23 1 16,-23 0-16,24 24 0,-25 0 15,1 0 1</inkml:trace>
+  <inkml:trace contextRef="#ctx0" brushRef="#br0" timeOffset="247383">11626 4135 0,'-25'-24'16,"1"-1"-16,24 1 16,-25-1-16,1 1 15,-1 24 1,25 24 0,0 1-16,0 24 15,0 0-15,0-1 0,0 26 16,25-25-16,-25 48 15,24-24-15,-24 1 0,25 23 16,-1-23-16,-24 23 0,25-23 16,-1 23-16,0-23 15,-24-1-15,25 0 0,-1-24 16,-24 0-16,0 0 16,25 0-16,-25-25 0,0 0 15,-25-24-15,1 0 16,24-24-1,0 0-15,-25-1 0,25-24 16,0 0-16,-24-24 16,24 0-16,0 0 0,0-1 15,0-23-15,0 23 0,0 1 16,24 0-16,1 0 16,-1 24-16,1 0 0,-1 0 15,1 25-15,23 24 16,-23-25-16,24 25 0,0 0 15,-25 0-15,25 25 0,-25-1 16,25 0-16,-24 1 16,-25-1-16,0 1 0,0-1 15,-25 1-15,1-1 16,-1 0-16,-24 1 0,25-1 16,-25-24-16,0 0 0,0 0 15,1 0-15,23 0 16,-24-24-16,25-1 15,24 1-15</inkml:trace>
+  <inkml:trace contextRef="#ctx0" brushRef="#br0" timeOffset="247875">12236 4037 0,'25'-24'16,"-25"0"-16,0-1 0,0 1 15,0 48 1,0 1 0,0-1-16,0 25 0,24 0 15,-24 0-15,24-1 16,1 26-16,-1-25 0,1 24 16,-1 0-16,1-24 15,-25 24-15,24-24 0,0 0 16,1 0-16,-25 0 0,0-25 15,24 0-15,-24 1 16,0-50 15,0 1-31,0-25 0,0 25 16,0-25-16,0 0 0,0 0 16,0 0-16,25 1 15,-25-1-15,24 24 0,1 1 16,-1-1-16,0 25 15,1 0-15,-1 0 0,25 0 16,-24 25-16,-1-1 0,0 1 16,1-1-16,24 1 15,-25 23-15,-24-23 0,24 24 16,1-25-16,-25 25 16,24-25-16,-24 1 0,0-1 15,0 1-15,0-1 0</inkml:trace>
+  <inkml:trace contextRef="#ctx0" brushRef="#br0" timeOffset="248145">13042 4257 0,'0'-24'15,"0"48"17,0 1-17,0-1-15,0 1 16,25 23-16,-25-23 0,24 24 16,0-1-16,-24-23 15,25 24-15,-1-25 0,-24 1 16,25-1-16,-25 0 0,24 1 15,-24-50 1</inkml:trace>
+  <inkml:trace contextRef="#ctx0" brushRef="#br0" timeOffset="248307">13091 3989 0,'-24'0'16,"24"-25"-1</inkml:trace>
+  <inkml:trace contextRef="#ctx0" brushRef="#br0" timeOffset="248770">13799 4282 0,'25'0'16,"-1"-25"-16,-24 1 31,-24 24-31,24-25 0,-25 1 16,1 24-16,-25 0 15,25 0-15,-25 0 0,0 0 16,0 0-16,25 0 0,-25 0 16,24 24-16,1 1 15,-1-25-15,1 24 0,24 1 16,0-1-16,24 1 16,1 23-16,-1-23 15,25-1-15,-24 1 0,-1-1 16,25 0-16,0-24 15,-25 49-15,25-24 0,-25-1 16,25 1-16,-24-1 16,-1 0-16,1 1 0,-1-1 15,-24 1-15,0-1 0,-24-24 16,-1 25-16,1-25 16,-1 0-16,-24 0 0,1 0 15,-1 0-15,0 0 16,-24 0-16,48-25 0,-24 25 15,0-24-15,25-1 0,0 25 16</inkml:trace>
+  <inkml:trace contextRef="#ctx0" brushRef="#br0" timeOffset="249640">14092 4306 0,'-24'0'16,"24"-24"-16,-24 24 0,24-25 15,-25 25-15,25 25 32,0-1-17,0 1-15,0-1 0,0 0 16,25 25-16,-1-24 0,-24 24 15,24-1-15,-24-23 16,25 24-16,-1-1 0,-24-23 16,25 24-16,-25-25 15,24 1-15,-24-1 0,24-24 16,-24-24 15,0-1-31,0 1 16,25-1-16,-25 1 0,0-25 15,24 0-15,-24 0 16,25 1-16,-25-1 0,24 0 16,1 0-16,-1 25 15,-24-25-15,24 24 0,1 25 16,-1 0-16,1 0 16,-25 25-16,24-1 15,-24 1-15,25 23 0,-1-23 16,-24 24-16,24 0 15,-24-25-15,25 25 0,-25 0 16,24-25-16,-24 25 0,0-25 16,25 1-16,-25-1 15,0 1-15,0-50 32,24 25-32,-24-24 15,0-1-15,24 1 0,-24-25 16,25 25-16,-25-25 15,24 0-15,1 0 0,-25 0 16,24 0-16,1 1 16,-1 23-16,0 1 0,1-1 15,-1 25-15,1 25 16,-1-1 0,1 25-16,-25-25 0,24 25 15,0-24-15,-24 24 16,25-25-16,-1 25 0,-24 0 15,25-25-15,-1 25 0,1 0 16,-25-25-16,24 1 16,-24 23-16,24-23 0,1-1 15,-1-24-15,-24 25 16,25-25-16,-1 0 0,1 0 16,-1 0-16,0-25 0,1 25 15,-25-24-15,24-25 16,1 25-16,-1-1 0,-24 1 15,0-1-15,0 1 16</inkml:trace>
+  <inkml:trace contextRef="#ctx0" brushRef="#br0" timeOffset="251991">5447 3305 0,'-25'0'0,"25"24"31,0 1-15,0-1-16,0 0 15,0 1-15,25 24 0,-25 0 16,0-1-16,0 1 16,0 0-16,24 24 0,-24-24 15,0 25-15,0-26 16,24 1-16,-24 0 0,0-25 16,0 25-16,0-24 0,0-1 15</inkml:trace>
+  <inkml:trace contextRef="#ctx0" brushRef="#br0" timeOffset="252626">5373 3329 0,'-24'-24'0,"-1"-1"15,25 1-15,-24 24 16,24-25-16,0 1 16,24 0-16,1 24 15,-1-25-15,25 25 0,0-24 16,0-1-16,0 25 0,24-24 16,0 0-16,25-1 15,0 25-15,24-24 0,0-1 16,24 1-16,1 24 15,-1-25-15,25 25 0,0-24 16,-24 24-16,24 0 0,-25 0 16,1 0-16,0 0 15,-1 0-15,-24 0 0,0 0 16,-24 0-16,0 24 16,-25-24-16,0 0 0,-24 25 15,-25-25-15,1 0 0,-25 24 16,0 1 15,0-1 0,0 1-15,-25-25 0,25 24-16,0 0 15,-24 1 1,24-1-16,0 1 0,0-1 15,0 0-15,0 25 0,0 0 16,0 0-16,0 24 16,24-24-16,-24 24 0,0 1 15,0-25-15,25 24 16,-25-24-16,0 24 0,0-24 16,0-25-16,0 25 0,0-25 15,0 1-15,0-1 16,0 1-16</inkml:trace>
+  <inkml:trace contextRef="#ctx0" brushRef="#br0" timeOffset="253191">6888 2572 0,'0'-24'16,"-25"-1"-16,1 1 16,-1 24-1,25 24 1,0 1-16,0 24 15,0-25-15,0 25 0,0 0 16,0-1-16,25-23 16,-25 24-16,0 0 0,0-1 15,0-23-15,0-1 0,0 25 16</inkml:trace>
+  <inkml:trace contextRef="#ctx0" brushRef="#br0" timeOffset="254150">4958 2255 0,'0'-25'16,"0"1"-16,0-1 15,0 50 1,0-1 0,0 1-16,0-1 15,0 0-15,25 25 0,-25-24 16,0 24-16,0-25 15,0 25-15,0-25 0,0 1 16,0-1-16,0 0 0,24 1 16,-24-1-1,0-48 17,-24-1-32,24 1 15,0 0-15,0-25 0,-25 0 16,25 25-16,0-50 15,0 25-15,0 1 0,0-26 16,0 25-16,0-24 0,0 0 16,0 24-16,0 0 15,0 0-15,25 25 0,-25 0 16,0-1-16,24 25 16,-24 25-16,24-1 0,1 0 15,-1 1-15,1 24 0,-1 0 16,1-1-16,-1-23 15,-24 24-15,24-1 0,1 1 16,-1-24-16,-24-1 16,25 1-16,-25-1 0,24 0 15,-24 1-15,0-50 32,0 1-17,0 0-15,0-1 16,0-24-16,0 25 0,24-25 15,-24 0-15,0-24 0,25 24 16,-25 0-16,24 0 16,1 25-16,-25 0 0,24-1 15,1 25-15,-1 25 16,0-1-16,1 0 0,-1 25 16,1-24-16,-25 24 0,24-1 15,1 1-15,-25 0 16,48 49-1,-48-49-15,25-25 0,-25 0 16,24 25-16</inkml:trace>
+  <inkml:trace contextRef="#ctx0" brushRef="#br0" timeOffset="254655">6057 2157 0,'0'-25'0,"0"1"0,0 0 16,0-1-16,0 1 15,-24-1-15,24 1 0,-25-1 16,25 1-16,-24 0 0,-1-1 16,1 25-16,0 0 15,-1 0-15,1 0 0,-1 25 16,1-1-16,0 0 0,-1 1 15,25 24-15,-24 0 16,24-25-16,0 25 0,0 0 16,24-25-16,-24 25 15,25 0-15,-25-25 0,24 1 16,0-1-16,1-24 0,-1 25 16,1-25-1,-1 0-15,0 0 0,1-25 16,-25 1-1,24-1-15,-24 1 0,0-1 16,25-23-16,-25 23 0,0-24 16,0 0-16,24 25 15,-24-25-15,0 25 0,25-1 16,-1 25 0,0 25-1,-24 24-15,25-25 0,-25 0 16,24 25-16,-24-24 15,25-1-15,-25 25 0,0-25 16,24-24-16,-24 25 16</inkml:trace>
+  <inkml:trace contextRef="#ctx0" brushRef="#br0" timeOffset="255819">6301 2010 0,'-24'-49'0,"24"25"0,0-25 16,0 25-16,0-1 16,0 50-1,24-25 1,-24 24-16,0 25 0,25-25 16,-25 25-16,24-24 0,-24 24 15,25-25-15,-25 0 16,24 1-16,-24-1 0,0 1 15,0-1-15,0 1 16,24-25-16,-24-25 31,0 1-31,0-1 16,0 1-16,0-1 0,0-23 16,0 23-16,0-24 0,0 0 15,0 1-15,25 23 16,-25-24-16,24 25 0,-24 0 15,25 24-15,-1 0 16,-24 24-16,25-24 16,-25 24-16,0 1 15,24 24-15,-24-25 0,0 0 16,24 25-16,-24-24 0,25-1 16,-25 1-16,24-1 15,1 0-15,-1 1 16,1-25-16,-1 0 15,0-25 1,1 25-16,-1-24 0,1 24 16,-1-24-16,-24-1 15,25 1-15,-1-1 0,-24 1 16,0-25-16,0 25 0,0-1 16,0-24-16,0 25 15,-24-25-15,24 25 0,0-1 16,-25 25-16,1 25 15,24-1 1,0 1-16,0-1 0,0 25 16,0-25-16,24 1 15,-24-1-15,25 0 0,-25 1 16,24-1-16,0-24 16,1 0-16,-1 0 15,1 0-15,-1 0 0,1-24 16,-1-1-1,0 1-15,-24 0 0,25-1 16,-25 1-16,24-1 16,-24 1-16,0 0 0,0-1 15,0 1-15,-24-1 0,-1 25 16,25 25 0,0 24-16,0-1 15,0 1-15,25 24 16,-1 1-16,1 23 0,23 1 15,1 0-15,0 0 0,0 24 16,0-25-16,24 1 16,-48-25-16,23 25 0,-23-25 15,-25 1-15,0-26 16,0 1-16,-25 0 0,1-25 16,-25 1-16,0-1 15,-48-24-15,23-24 16,25-1-16,1 1 0,-1 0 15,0-25-15,0 0 16,25 0-16,-1-24 0,1 0 16,24 24-16,0-25 0,24 26 15,1-1-15,24 0 16,-25 25-16,25-25 0,-25 49 16,25-25-16,-25 1 15,1 24-15,-1-25 0,1 25 16,-1 0-16,1 25 31,-25-1-15,0 1-1,24-1-15,0 1 16,-24-1-16</inkml:trace>
+  <inkml:trace contextRef="#ctx0" brushRef="#br0" timeOffset="257684">9281 3598 0,'-24'0'16,"24"24"31,0 1-16,0-1-31,0 1 16,0-1-1,-25-24 1,25-24 15,0-1 1,0 1-17,0-1-15,0-24 16,0 25-1,25 0-15,-25-25 0,0 24 16,0-24-16,0 1 16,0 23-16,24-24 0,-24 0 15,0 25-15,0-25 0,24 25 16,-24-25-16,0 25 16,0-1-16,25 25 0,-25-24 15,24 24 1,-24 24-1,25-24-15,-25 25 16,24-1 0,1-24-16,-1 24 15,0-24-15,1 25 16,-1-25-16,25 0 0,-24 0 16,23 0-16,1 24 0,0-24 15,0 0-15,0 0 16,24 0-16,0 0 0,25-24 15,0 24-15,-1 0 16,1 0-16,0 0 0,24 0 16,0 0-16,0 0 0,0 0 15,25 0-15,-25 0 16,24 24-16,1-24 0,-1 0 16,1 0-16,0 0 15,-1 0-15,1 0 0,-1 0 16,-24 0-16,0 0 0,0 0 15,-24 0-15,0 0 16,0 0-16,-25 0 0,0 0 16,-24 0-16,24 0 0,-24 0 15,0 0-15,0 0 16,0-24-16,-1 24 0,1 0 16,0 0-16,0-25 15,0 25-15,0 0 0,0 0 16,-25 0-16,25 0 15,-25 0-15,1 0 16,-1 0-16,-24-24 16,-24 24 15,48 0-15,0 0-1,1 0 1,-25 24-1,0 1 1,0-1 15,24 1-31,-24-1 16,25 0 0,-1 1-16,-24-1 0,25 1 15,-25-1-15,24 1 0,-24 23 16,0-23-16,0 24 15,0-25-15,0 25 0,0-25 16,0 25-16,-24-24 16,24-1-16,-25 1 0,25-1 15,-24-24-15</inkml:trace>
+  <inkml:trace contextRef="#ctx0" brushRef="#br0" timeOffset="258123">11870 2914 0,'0'-24'16,"0"-1"15,0 50-15,0-1-1,0 0 1,24 1-16,-24-1 0,0 1 16,25 24-16,-25-25 15,24 0-15,-24 1 0,0-1 16,0 1-16,0-1 0</inkml:trace>
+  <inkml:trace contextRef="#ctx0" brushRef="#br0" timeOffset="258862">11015 2010 0,'24'0'16,"1"0"-1,-25-24-15,24 24 16,1-25-16,-25 1 0,24 0 15,-24-1-15,25 1 16,-25-1-16,24-48 16,-24 49-16,-24-1 0,-1-24 15,25 25-15,-49 0 16,25-1-16,-1 25 0,-23 0 16,-1 0-16,24 0 0,-23 0 15,23 25-15,1 23 16,-1-23-16,25 48 0,0-24 15,0 24-15,0 0 16,25 25-16,-1 0 0,1-25 16,-1 25-16,0 0 0,1-1 15,24-23-15,-25-1 16,-24 0-16,24-24 0,-24 0 16,0 0-16,-24-25 15,0 0-15,-1 1 0,1-25 16</inkml:trace>
+  <inkml:trace contextRef="#ctx0" brushRef="#br0" timeOffset="259401">10722 2426 0,'24'0'0,"-24"-25"0,25 25 16,-1-24-1,1 24-15,23 0 0,-23 0 16,24 0-16,0 0 16,-1 0-16,1 0 0,0 0 15,0 0-15,-25 0 0,25 0 16,0 0-16,-24 0 16,-1-25-16,0 25 15,-24-24-15,-24 24 16,0 0-16,-1-25 15,-24 25-15,25 0 16,-1 25-16,1-1 16,0-24-16,-1 25 0,1-1 15,24 25-15,0-25 0,0 1 16,0-1-16,24 25 16,-24-25-16,25 1 0,23-25 15,-23 24-15,-1-24 16,25 0-16,-24 0 0,23 0 15,-23 0-15,-1 0 0,1-24 16,-1-1-16,-24 1 16,25 0-16,-25-1 0,0-24 15,-25 25-15,25 0 16,-24-25-16,-1 24 0,25 1 16,-24-1-16,-1 1 0,1 24 15,0 0 1,24 24-1,0 1 1,24-25-16</inkml:trace>
+  <inkml:trace contextRef="#ctx0" brushRef="#br0" timeOffset="260753">11577 2352 0,'24'-24'0,"-24"-1"31,25 1-15,-1 24 0,0 0-1,1 0-15,-1 24 16,1 1-16,-25-1 0,24 1 16,1-1-16,-1 25 15,-24-25-15,24 1 0,-24-1 16,0 1-16,0-1 15,0 1-15,0-1 16,-24-24-16,24-24 16,-24-1-1,24 1-15,0-1 0,0 1 16,0-25-16,0 25 0,24-25 16,-24 24-16,24-24 15,1 1-15,-25 23 0,24 1 16,1-1-16,-1 1 15,-24-1-15,25 25 0,-1 0 16,0 25-16,1-25 16,-25 24-16,24-24 15,-24 25-15,25-25 0,-25 24 16,24 1 0,-24-50 30,25 25-14,-25 25-17,0-1-15,24 0 16,-24 1-16,0 24 16,24-25-16,-24 1 0,0-1 15,0 25-15,0-25 16,25-24-16,-25 25 0,0-1 15,0-48 32,0-1-47,0 1 16,0-25-16,0 25 16,24-1-16,-24-24 0,25 25 15,-25-25-15,0 25 16,24-25-16,-24 24 0,24 25 15,-24-24-15,25 24 16,-25 24-16,24 1 16,-24-1-16,0 1 0,25-1 15,-25 25-15,0-25 16,24 25-16,-24-24 0,0-1 16,25 25-16,-25-25 15,0 1-15,0-1 16,0-48 15,0-1-15,24 1-16,-24-1 0,24 1 15,-24 0-15,25-25 16,-25 24-16,24 1 0,-24-25 16,25 25-1,-1-1-15,-24 50 16,25-25-16,-25 24 15,0 0-15,0 1 16,24-1-16,-24 25 0,24-24 16,-24-1-16,25 0 15,-25 1-15,24-1 0,1 1 16,-1-25 0,0 0-16,1 0 0,-1 0 15,1 0-15,-1 0 0,1-25 16,23 1-16,-23-1 15,-1 1-15,1 0 0,-1-1 16,1-24-16,-1 0 0,-24 25 16,0-25-16,0 25 15,0-1-15,-24 1 0,24-1 16,-25 1-16,1 24 16,-1 0-16,1 0 0,-1 24 15,1-24-15,24 25 0,-24-1 16,24 1-16,0-1 15,24 1-15,0 23 0,1-23 16,-1-1-16,1 1 16,24-1-16,-25 1 0,25-1 15,-25 0-15,1 1 0,-1-1 16,-24 1-16,0-1 16,-24 1-16,-25-1 15,0-24-15,0 24 16,-24-24-16,0 0 0,-25 0 15</inkml:trace>
+</inkml:ink>
+</file>
+
+<file path=ppt/ink/ink111.xml><?xml version="1.0" encoding="utf-8"?>
+<inkml:ink xmlns:inkml="http://www.w3.org/2003/InkML">
+  <inkml:definitions>
+    <inkml:context xml:id="ctx0">
+      <inkml:inkSource xml:id="inkSrc0">
+        <inkml:traceFormat>
+          <inkml:channel name="X" type="integer" max="1920" units="cm"/>
+          <inkml:channel name="Y" type="integer" max="1080" units="cm"/>
+          <inkml:channel name="T" type="integer" max="2.14748E9" units="dev"/>
+        </inkml:traceFormat>
+        <inkml:channelProperties>
+          <inkml:channelProperty channel="X" name="resolution" value="55.81395" units="1/cm"/>
+          <inkml:channelProperty channel="Y" name="resolution" value="55.6701" units="1/cm"/>
+          <inkml:channelProperty channel="T" name="resolution" value="1" units="1/dev"/>
+        </inkml:channelProperties>
+      </inkml:inkSource>
+      <inkml:timestamp xml:id="ts0" timeString="2020-11-20T15:26:27.856"/>
+    </inkml:context>
+    <inkml:brush xml:id="br0">
+      <inkml:brushProperty name="width" value="0.05" units="cm"/>
+      <inkml:brushProperty name="height" value="0.05" units="cm"/>
+      <inkml:brushProperty name="fitToCurve" value="1"/>
+    </inkml:brush>
+  </inkml:definitions>
+  <inkml:trace contextRef="#ctx0" brushRef="#br0">170 1116 0,'25'0'16,"-1"0"15,1 0 1,-1 0-17,1 0 1,-1 0-16,0 0 15,1 25-15,-1-25 16,25 0-16,-24 0 16,23 0-16,-23 0 0,24 0 15,-1 0-15,1 0 0,0 0 16,0 0-16,-25 0 16,25 0-16,0 0 0,-24 0 15,23 0-15,-23 0 16,24 0-16,-25 0 0,1 0 15,23 0-15,-23 0 0,-1 24 16,25-24-16,-24 0 16,23 0-16,-23 0 0,24 0 15,-25 0-15,25 0 16,0 0-16,-25 0 0,25 0 16,-25 0-16,1 0 0,24 0 15,-25 0-15,1 0 16,23 0-16,-23-24 0,-1 24 15,1 0-15,-1 0 16,25 0-16,-25 0 0,1 0 16,-1 0-16,25 0 0,-25 0 15,1 0-15,24 0 16,-25-25-16,25 25 0,-25 0 16,25 0-16,-24 0 0,-1 0 15,1 0-15,-1-24 16,0 24-16,25 0 0,-24 0 15,-1 0-15,1 0 16,-1 0-16,0 0 0,1-24 16,24 24-16,-25 0 15,0 0-15,25 0 0,-24 0 16,24 0-16,-25 0 0,0 0 16,25-25-16,-24 25 15,-1 0-15,1 0 0,-1 0 16,0 0-16,1 0 15,-1 0-15,1 0 16,-1 0 0,0-24-1,-24-1 95,0 1-63,25 24-32,-25-24 1,0-1 15,0 1-15,0-1-1,0 1 1,0-1-16,0 1 16,0 0-16,0-1 15,0 1 1,0-1-16,0 1 0,0-1 15,0 1-15,0 0 0,0-1 16,0 1-16,0-1 16,0 1-16,0-1 0,0 1 15,0 0-15,0-1 16,0 1-16,0-1 16,-25 1-16,25-1 15,0 1 1,-24 24-16,24-24 0,0-1 15,-24 25 1,24-24-16,0-1 16,-25 25-16,25-24 0,0 0 15,0-1 1,0 1 0,-24 24-16,24-25 15,0 1 16,-25 24-31,25-25 63,-24 25-16,0 0-32,-1 0 1,1 0 0,-1 0-1,1 0-15,-1 0 16,1 0-16,-25 0 16,25 0-16,-25 0 0,24 0 15,-23 0-15,-1 0 0,0 0 16,0 0-16,0 0 15,0 0-15,1 25 0,-1-25 16,0 0-16,0 0 16,0 0-16,0 0 0,0 0 15,1 0-15,-1 0 0,24 0 16,-24 0-16,1 0 16,-1 0-16,0 0 0,0 24 15,-24-24-15,24 0 0,0 0 16,0 0-16,0 0 15,1 0-15,-1 0 0,0 0 16,0 0-16,0 0 16,0 0-16,1 0 0,-1 0 15,24 25-15,-24-25 0,25 0 16,-25 0-16,25 0 16,-25 0-16,24 0 0,-23 0 15,23 0-15,-24 24 16,25-24-16,-1 0 0,-23 0 15,23 0-15,1 0 0,-1 0 16,1 0-16,0 0 16,-1 0-16,1 0 0,-1 0 15,1 0-15,-1 0 16,1 0 0,0 0-1,-1 0 1,1 0-1,-1 0-15,1 0 16,-1 0-16,25 25 16,-24-25-16,0 0 0,-1 0 15,1 0-15,-1 0 16,1 0 0,0 0 77,24 24-77,0 0 15,0 1-31,0-1 16,24-24-16,-24 25 15,0-1-15,0 0 16,0 1-16,0-1 16,0 1-1,0-1-15,0 1 16,0-1-16,0 0 0,0 1 16,0-1-16,0 1 15,0-1-15,0 25 0,0-25 16,0 1-16,0-1 15,0 1-15,0-1 0,0 1 16,0-1-16,0 0 0,0 1 16,0-1-16,24 1 15,-24-1-15,0 1 0,0-1 16,0 0-16,25 1 16,-25-1-16,0 1 15,24-25-15,-24 24 16,0 0-1,0 1-15,0-1 32,0 1-1,25-25 63,-1 0-63,0 0-15,1 0-16,-1 0 0,1-25 15,-1 25-15,1 0 16,-1 0-16,25 0 0,-25-24 15,1 24-15,24 0 16,-25 0-16,0 0 0,1 0 16,-25-25-16,24 25 0,1 0 15,-25 25 48,-25-25-63</inkml:trace>
+</inkml:ink>
+</file>
+
+<file path=ppt/ink/ink112.xml><?xml version="1.0" encoding="utf-8"?>
+<inkml:ink xmlns:inkml="http://www.w3.org/2003/InkML">
+  <inkml:definitions>
+    <inkml:context xml:id="ctx0">
+      <inkml:inkSource xml:id="inkSrc0">
+        <inkml:traceFormat>
+          <inkml:channel name="X" type="integer" max="1920" units="cm"/>
+          <inkml:channel name="Y" type="integer" max="1080" units="cm"/>
+          <inkml:channel name="T" type="integer" max="2.14748E9" units="dev"/>
+        </inkml:traceFormat>
+        <inkml:channelProperties>
+          <inkml:channelProperty channel="X" name="resolution" value="55.81395" units="1/cm"/>
+          <inkml:channelProperty channel="Y" name="resolution" value="55.6701" units="1/cm"/>
+          <inkml:channelProperty channel="T" name="resolution" value="1" units="1/dev"/>
+        </inkml:channelProperties>
+      </inkml:inkSource>
+      <inkml:timestamp xml:id="ts0" timeString="2020-11-20T15:26:35.601"/>
+    </inkml:context>
+    <inkml:brush xml:id="br0">
+      <inkml:brushProperty name="width" value="0.05" units="cm"/>
+      <inkml:brushProperty name="height" value="0.05" units="cm"/>
+      <inkml:brushProperty name="color" value="#ED1C24"/>
+      <inkml:brushProperty name="fitToCurve" value="1"/>
+    </inkml:brush>
+  </inkml:definitions>
+  <inkml:trace contextRef="#ctx0" brushRef="#br0">46 253 0,'0'-25'78,"0"50"16,0-1-78,0 1-16,0-1 15,0 0-15,0 1 16,0-1-16,0 1 16,0-1-16,0 25 0,0-25 15,0 1-15,0-1 0,0 25 16,0-24-16,0-1 16,0 25-16,0-25 0,0 1 15,0-1-15,0 1 16,0-1-16,0 0 0,0 1 15,0-1-15,24 1 0,-24-1 16,0 1-16,0-1 16,0 0-16,0 1 15,0-1 1,0 1-16,0-1 16,0 0-16,0 1 15,0-1 1,0 1 15,25-25 16,-1 0-31,1 0-1,-1 0 1,0 0-16,1 0 15,24 0-15,-25 0 16,1 0-16,23 0 0,-23 0 16,24 0-16,-25 0 0,25 0 15,-25 0-15,1 0 16,24 0-16,-25 0 0,25 0 16,0 0-16,0 0 15,-1 0-15,26 0 0,-25 0 16,-1 0-16,26 0 0,-25 0 15,-1 0-15,1 0 16,0 0-16,0 0 0,0 0 16,0-25-16,-1 25 15,-23 0-15,24 0 0,0 0 16,-1 0-16,1 0 16,0-24-16,0 24 0,-25 0 15,25 0-15,0 0 0,0 0 16,0-25-16,0 25 15,-25 0-15,25 0 0,0 0 16,0 0-16,-1 0 16,-23 0-16,24-24 0,0 24 15,-1 0-15,-23 0 0,24 0 16,-25 0-16,1 0 16,-1 0-16,25 0 0,-25 0 15,1 0-15,-1 0 0,0-24 16,1 24-1,-1 0-15,1 0 0,-1 0 16,1 0-16,-1 0 16,0 0-16,1 0 15,-1 0-15,1 0 0,-1 0 16,25 0-16,-25 0 16,1 0-16,-1 0 0,1 0 15,-1 0-15,0-25 16,1 25-16,-1 0 15,1 0 1,-1-24 0,1 24-16,-1 0 15,0 0 1,1 0 0,-1 0-16,1 0 15,-1 0 1,1 0-1,-1 0 1,0 0 31,1 0-31,-25-25-1,-25 1 32,1 24-16,24-24-31,-24 24 16,24-25 0,-25 25-16,25-24 15,-24-1 1,24 1-16,0-1 15,-25 1-15,25 0 16,0-1-16,0 1 0,0-1 16,0 1-16,0-1 15,0 1-15,0 0 0,0-1 16,0 1-16,0-1 0,0 1 16,0-1-16,0 1 15,0 0-15,0-1 16,0 1-16,0-1 15,0 1-15,0-1 16,0 1 0,0 0-16,0-1 15,0 1 1,0-1 0,0 1-1,-24 24-15,24-24 31,0-1-15,-25 1 0,25-1 15,0 1 0,-24 24-15,24-25 15,-24 25-31,-1 0 31,25-24-15,-24 24 0,-1 0-1,25-24 1,-24 24-16,-1 0 15,1 0 1,0 0 0,-1 0-16,1 0 15,-1 0 1,1 0-16,0 0 16,-1 0-16,1 0 15,-1 0-15,1 0 16,-25 0-16,25 0 0,-1 0 15,-24 0-15,25 0 16,-25 0-16,0 0 0,25 0 16,-25 0-16,25 0 15,-25 0-15,24 0 0,-24 0 16,25 0-16,-25 0 0,25 0 16,-25 0-16,24 0 15,-23 0-15,23 0 0,-24 0 16,25 0-16,-25 24 0,25-24 15,-25 0-15,24 0 16,1 0-16,-25 0 0,25 0 16,-25 0-16,24 0 15,1 0-15,-25 0 0,25 0 16,-1 0-16,1 0 16,-25 0-16,25 0 0,-1 0 15,1 0-15,-1 0 0,1 0 16,-1 0-16,1 24 15,-25-24-15,25 0 0,-1 0 16,1 0-16,0 25 16,-1-25-16,1 0 0,-1 0 15,-24 0-15,25 0 0,0 0 16,-1 24-16,1-24 16,-1 0-16,-24 0 0,25 0 15,0 0-15,-1 0 0,1 0 16,-1 0-16,1 0 15,-1 0-15,-23 0 0,23 0 16,1 25-16,-1-25 16,1 0-16,-1 0 0,1 0 15,0 0-15,-1 0 16,1 0-16,-1 0 16,1 0-16,0 0 15,-1 0 1,1 0-16,-1 0 0,1 0 15,-1 0-15,1 0 16,0 0 0,-1 0-16,1 0 15,-1 0 1,1 0-16,-1 0 16,1 0-16,0 0 15,-1 0 1,1 0-1,-1 0 1,1 0 0,0 0-16,24 24 15,-25-24 1,50 0 15</inkml:trace>
+</inkml:ink>
+</file>
+
+<file path=ppt/ink/ink113.xml><?xml version="1.0" encoding="utf-8"?>
+<inkml:ink xmlns:inkml="http://www.w3.org/2003/InkML">
+  <inkml:definitions>
+    <inkml:context xml:id="ctx0">
+      <inkml:inkSource xml:id="inkSrc0">
+        <inkml:traceFormat>
+          <inkml:channel name="X" type="integer" max="1920" units="cm"/>
+          <inkml:channel name="Y" type="integer" max="1080" units="cm"/>
+          <inkml:channel name="T" type="integer" max="2.14748E9" units="dev"/>
+        </inkml:traceFormat>
+        <inkml:channelProperties>
+          <inkml:channelProperty channel="X" name="resolution" value="55.81395" units="1/cm"/>
+          <inkml:channelProperty channel="Y" name="resolution" value="55.6701" units="1/cm"/>
+          <inkml:channelProperty channel="T" name="resolution" value="1" units="1/dev"/>
+        </inkml:channelProperties>
+      </inkml:inkSource>
+      <inkml:timestamp xml:id="ts0" timeString="2020-11-20T15:26:38.392"/>
+    </inkml:context>
+    <inkml:brush xml:id="br0">
+      <inkml:brushProperty name="width" value="0.05" units="cm"/>
+      <inkml:brushProperty name="height" value="0.05" units="cm"/>
+      <inkml:brushProperty name="color" value="#ED1C24"/>
+      <inkml:brushProperty name="fitToCurve" value="1"/>
+    </inkml:brush>
+  </inkml:definitions>
+  <inkml:trace contextRef="#ctx0" brushRef="#br0">1529 711 0,'-24'0'15,"48"0"1,1-25 0,-1 25-16,1 25 15,-1-25 1,-24 24-16,24 0 0,1-24 15,-1 49-15,25-24 16,-24-1-16,23 25 0,1-25 16,-24 25-16,23 0 0,1 0 15,0 0-15,-24 0 16,23-25-16,-23 25 0,-1-25 16,1 1-16,-1-1 0,-24 1 15,25-1-15,-1-24 16,-24 24-16,0-48 31,0 0-31,0-1 0</inkml:trace>
+  <inkml:trace contextRef="#ctx0" brushRef="#br0" timeOffset="402">2213 540 0,'-24'24'16,"-1"0"0,1 1-1,-1-1-15,25 1 0,-24-25 16,24 49-16,-24-25 15,24 0-15,-25 1 0,1 24 16,24 0-16,-25-25 0,1 25 16,0 24-16,-1-24 15,1 0-15,-1 24 0,1-24 16,24 0-16,-25 0 16,1-1-16,24 1 0,-24-24 15,-1-1-15,25 0 0,0 1 16,-24-1-16,24 1 15,0-50 32</inkml:trace>
+  <inkml:trace contextRef="#ctx0" brushRef="#br0" timeOffset="-1482">3459 1004 0,'24'0'78,"1"0"-78,-1 0 15,0 0-15,25 0 16,0 0-16,0 0 0,49 0 16,-25-25-16,25 25 0,-1 0 15,1 0-15,0-24 16,-25 24-16,0 0 0,1 0 16,-26 0-16,1 0 0,0 0 15,-25 0-15,1 0 16</inkml:trace>
+  <inkml:trace contextRef="#ctx0" brushRef="#br0" timeOffset="-859">4387 613 0,'-25'0'15,"50"0"32,-1 0-47,1 24 16,-1-24-16,0 25 16,25-25-16,-24 24 0,-1-24 15,1 25-15,-1-25 0,0 24 16,1-24-16,-1 24 15,1-24-15,-1 25 0,1-25 16,-25 24 0,24-24-16,0 25 15,1-1 1,-25 0 0,0 1-1,0-1 1,0 1-1,-25-1-15,1-24 16,0 25-16,-1-1 16,1 0-16,-1 1 0,-24-1 15,25 1-15,-25-1 16,25 1-16,-1-1 0,-24 0 16,25-24-16,24 25 0,-24-1 15,-1-24-15,25 25 16,-24-1-16,24 1 31</inkml:trace>
+  <inkml:trace contextRef="#ctx0" brushRef="#br0" timeOffset="1314">2579 271 0,'-24'-25'0,"24"1"16,-49 0-16,25-1 0,-1 25 15,1-24-15,0-1 16,-25 25-16,24 0 0,-24 0 16,1 0-16,-1 0 15,0 0-15,-24 0 0,24 25 16,-24-1-16,-1 1 0,25-1 16,-24 25-16,0-25 15,0 25-15,24 0 0,-25 0 16,26 0-16,-26 0 0,25 24 15,1-24-15,23 24 16,-24 0-16,25 1 0,0-1 16,-1 0-16,1 0 15,-1 1-15,25-1 0,0 0 16,0 0-16,0 1 0,0-26 16,25 1-16,-1 0 15,25 0-15,0 0 0,122 49 31,-98-50-31,0-48 0,1 25 16,-1-25-16,25 0 0,-25 0 16,0 0-16,0 0 15,1-25-15,23 1 0,-48 0 16,24-1-16,1-24 16,-25 25-16,-1-1 0,1-23 15,0 23-15,0 1 0,-25-1 16,1 1-16,24-25 15,-49 25-15,24-1 0,0-24 16,-24 1-16,25-1 16,-25-25-16,0 1 0,0-25 15,-25 1-15,25-1 0,-24 0 16,0 1-16,-1-1 16,1 25-16,-1-25 0,1 25 15,24 24-15,-25 0 16,1 0-16,24 25 0,-24-25 15,-1 25-15,1 24 0,-1-25 16,1 25-16,0-24 16,-25 24-16,24 0 0,-24-25 15,1 25-15,-26 0 16,25 0-16,-24 0 0,24 25 16,-24-25-16,24 24 0</inkml:trace>
+  <inkml:trace contextRef="#ctx0" brushRef="#br0" timeOffset="8603">84 2493 0,'0'-24'15,"-24"0"1,24-1-16,0 1 16,24 24-1,-24 24 1,0 1 0,0-1-1,0 25-15,0 0 0,-24 0 16,24-1-16,0 1 0,-24 24 15,24-24-15,0 25 16,0-1-16,0-24 0,0 24 16,0-24-16,0 0 15,0-25-15,0 1 0,0-1 16,0 0-16,0 1 16,0-50-1,0 1-15,0-25 16,0 0-16,0 0 0,0-24 15,0 0-15,0-25 16,0 0-16,0 1 0,0 24 16,0-25-16,0 25 15,0-1-15,0 1 0,0 24 16,0 25-16,0-25 0,24 49 16,0-24-16,1 24 15,-1 24-15,25 0 16,-25 1-16,1-1 15,-1 25-15,1 0 0,-1 0 16,1 0-16,-1 24 0,0-24 16,1 24-16,-25-24 15,24 0-15,-24 24 0,0-24 16,25 0-16,-25-1 16,0 1-16,0-24 0,24 24 15,-24-25-15,0 0 0,0 1 16,0-1-1</inkml:trace>
+  <inkml:trace contextRef="#ctx0" brushRef="#br0" timeOffset="8808">137 2860 0,'-24'-25'0,"-1"25"0,1 0 15,24-24-15,0-1 16,24 25-16,1-24 16,-1 0-16,1 24 0,-1-25 15,25 1-15,-25 24 16,25-25-16,0 1 0,-25 24 16,1-24-16</inkml:trace>
+  <inkml:trace contextRef="#ctx0" brushRef="#br0" timeOffset="9432">601 2249 0,'0'-24'0,"-24"-1"16,24 1-1,24 48 32,-24 1-47,0-1 16,0 25-16,0-25 15,25 25-15,-25 0 0,0 24 16,0-24-16,0 25 0,0-26 16,0 26-16,24-26 15,-24 1-15,0 25 0,0-50 16,0 25-16,0 0 15,0-25-15,25 1 0,-25-1 16,0 0-16,0-48 31,0 0-15,0-1-16,-25 1 0,25-1 16,0-24-16,0 1 15,0-1-15,0 0 0,0 24 16,0-23-16,0-1 15,0 24-15,0 1 0,25 0 16,-25-1-16,24 1 0,0 24 16,-24-25-16,25 25 15,-1 0-15,1 0 0,23 0 16,-23 0-16,-1 0 16,1 0-16,-1 25 0,1-1 15,-1 1-15,0-1 0,-24 0 16,0 25-16,0-24 15,0-1-15,0 25 0,-24-25 16,0 1-16,-1-1 16,-24 1-16,25-1 0,-1 0 15,1-24-15,-25 0 0,25 0 16,-1 0 0,1-24-16</inkml:trace>
+  <inkml:trace contextRef="#ctx0" brushRef="#br0" timeOffset="9930">1603 2493 0,'24'-24'0,"-24"0"16,24 24-16,-24-25 0,0 1 16,0-1-16,0 1 0,-24-1 15,0 25 1,-1 0-16,1 0 0,-25 25 16,24-25-16,-23 24 15,23 1-15,1-25 0,-1 24 16,1 1-16,-1-1 0,25 0 15,0 1-15,0-1 16,0 1-16,25-1 0,-1 1 16,1-1-16,-1 0 15,1-24-15,-1 25 0,0-1 16,-24 1-16,25-1 0,-1 0 16,1 1-1,-25-1-15,0 1 0,-25-1 16,1 1-16,24-1 15,-49-24-15,25 24 16,-1-24-16,-24 25 0,25-25 16,-25 0-16,25 0 15,-25 0-15,24 0 0,1-25 16,0 1-16,24 0 16</inkml:trace>
+  <inkml:trace contextRef="#ctx0" brushRef="#br0" timeOffset="10656">1774 2298 0,'0'-24'15,"0"-1"-15,-25 25 16,25-24-16,0-1 15,25 25 1,-1 0 0,-24 25-1,0-1-15,24 1 0,-24-1 16,25 25-16,-25 0 16,24 0-16,1-1 0,-25 26 15,0-25-15,24-1 16,-24 1-16,0 0 0,0 0 15,0-25-15,0 25 0,0-24 16,0-1-16,0 0 16,-24-24-16,24-24 15,-25 0 1,25-1-16,-24 1 0,24-25 16,0 24-16,-25-23 0,25-1 15,0 0-15,0 0 16,0 25-16,0-1 0,0 1 15,25-25-15,-1 25 16,1-1-16,-1 1 16,25 24-16,-25 0 15,1 0-15,-1 0 16,1 24-16,23-24 0,-23 25 16,-1-1-16,1 0 15,-1 1-15,1-1 0,-25 1 16,0 24-16,24-25 0,-24 0 15,0 1-15,0-1 16,-24 1-16,-1-1 16,1-24-1,-1-24 1,25-1-16,-24 1 16,24-1-16,0-23 15,24 23-15,-24-24 0,25 0 16,-1 25-16,1-25 0,23 0 15,-23 25-15,-1-1 16,25 1-16,-24 24 0,-1 0 16,0-24-16,1 24 15,-1 0-15</inkml:trace>
+  <inkml:trace contextRef="#ctx0" brushRef="#br0" timeOffset="11202">2897 2420 0,'0'-24'47,"24"24"-47,-24-25 15,0 1-15,-24-1 16,0 1-1,-1 24-15,25-24 16,-24 24-16,-1 0 16,1 0-16,-25 0 0,25 0 15,-1 24-15,1 0 16,-1 1-16,25-1 16,-24 1-16,24 24 0,-25-25 15,25 0-15,0 25 16,0-24-16,25-1 0,-25 1 15,24-1-15,1 0 16,-1-24-16,1 25 16,-1-25-16,0-25 15,1 1-15,-1 24 16,1-24-16,-1-25 0,-24 24 16,25 1-16,-25-25 0,24 25 15,-24-25-15,24 24 16,-24 1-16,0-1 0,0 1 15,25 24-15,-1 24 16,-24 1 0,25-1-16,-25 1 0,0-1 15,24 1-15,-24-1 16,25 25-16,-25-25 0,0 1 16,24-1-16</inkml:trace>
+  <inkml:trace contextRef="#ctx0" brushRef="#br0" timeOffset="11551">3312 2274 0,'25'0'15,"-25"-25"-15,24 25 16,-24-24-16,0-1 31,-24 50 0,-1-25-31,25 24 0,-24-24 16,-1 25-16,1-1 0,24 0 16,-24 1-16,24-1 15,0 1-15,0-1 0,0 25 16,24-25-16,0 1 15,1-1-15,-1-24 0,1 25 16,23-25-16,1 24 0,-24-24 16,24 0-16,-25-24 15,25 24-15,-25-25 0,1 1 16,-25-1-16,24-23 16</inkml:trace>
+  <inkml:trace contextRef="#ctx0" brushRef="#br0" timeOffset="11856">3679 1907 0,'0'-24'0,"0"-1"16,0 50 15,0-1-31,0 1 15,24-1-15,-24 1 0,0 23 16,24-23-16,-24 24 16,25 0-16,-25-1 0,24 1 15,-24 0-15,25-25 0,-25 25 16,24 0-16,-24-24 16,24-1-16,-24 0 0,25 1 15,-25-1-15,24-24 16,1-24-1</inkml:trace>
+  <inkml:trace contextRef="#ctx0" brushRef="#br0" timeOffset="12096">3556 2200 0,'-24'0'0,"0"0"16,-1 0-16,50 0 31,-1 0-31,0 0 16,1-24-16,24 24 0,0 0 15,-1-25-15,-23 25 16,24 0-16,-1-24 0,-23 24 16,-1 0-16,1-24 15,-1 24-15,1 0 16</inkml:trace>
+</inkml:ink>
+</file>
+
+<file path=ppt/ink/ink114.xml><?xml version="1.0" encoding="utf-8"?>
+<inkml:ink xmlns:inkml="http://www.w3.org/2003/InkML">
+  <inkml:definitions>
+    <inkml:context xml:id="ctx0">
+      <inkml:inkSource xml:id="inkSrc0">
+        <inkml:traceFormat>
+          <inkml:channel name="X" type="integer" max="1920" units="cm"/>
+          <inkml:channel name="Y" type="integer" max="1080" units="cm"/>
+          <inkml:channel name="T" type="integer" max="2.14748E9" units="dev"/>
+        </inkml:traceFormat>
+        <inkml:channelProperties>
+          <inkml:channelProperty channel="X" name="resolution" value="55.81395" units="1/cm"/>
+          <inkml:channelProperty channel="Y" name="resolution" value="55.6701" units="1/cm"/>
+          <inkml:channelProperty channel="T" name="resolution" value="1" units="1/dev"/>
+        </inkml:channelProperties>
+      </inkml:inkSource>
+      <inkml:timestamp xml:id="ts0" timeString="2020-11-20T15:26:59.572"/>
+    </inkml:context>
+    <inkml:brush xml:id="br0">
+      <inkml:brushProperty name="width" value="0.05" units="cm"/>
+      <inkml:brushProperty name="height" value="0.05" units="cm"/>
+      <inkml:brushProperty name="color" value="#ED1C24"/>
+      <inkml:brushProperty name="fitToCurve" value="1"/>
+    </inkml:brush>
+  </inkml:definitions>
+  <inkml:trace contextRef="#ctx0" brushRef="#br0">12 220 0,'-24'0'31,"48"0"16,0 0-47,25 0 16,-24 0-16,24-25 0,24 25 16,0-24-16,0 24 15,1-25-15,-1 1 0,0-1 16,0 25-16,1-24 15,-1 0-15,0 24 0,-24-25 16,-24 25-16,-1 0 0,0-24 16,-48 24-1,0 0-15,-1 24 0,1-24 16,-25 25-16,0-25 16,25 0-16</inkml:trace>
+  <inkml:trace contextRef="#ctx0" brushRef="#br0" timeOffset="443">256 391 0,'25'0'47,"-1"0"-32,1 0 1,23 0-16,1 0 0,0 0 15,24-25-15,1 25 0,23-24 16,1-1-16,0 1 16,-1 24-16,1-25 0,-25 1 15,1 24-15,-26-24 16,1 24-16,0 0 0,-24-25 16,-1 25-16</inkml:trace>
+</inkml:ink>
+</file>
+
+<file path=ppt/ink/ink115.xml><?xml version="1.0" encoding="utf-8"?>
+<inkml:ink xmlns:inkml="http://www.w3.org/2003/InkML">
+  <inkml:definitions>
+    <inkml:context xml:id="ctx0">
+      <inkml:inkSource xml:id="inkSrc0">
+        <inkml:traceFormat>
+          <inkml:channel name="X" type="integer" max="1920" units="cm"/>
+          <inkml:channel name="Y" type="integer" max="1080" units="cm"/>
+          <inkml:channel name="T" type="integer" max="2.14748E9" units="dev"/>
+        </inkml:traceFormat>
+        <inkml:channelProperties>
+          <inkml:channelProperty channel="X" name="resolution" value="55.81395" units="1/cm"/>
+          <inkml:channelProperty channel="Y" name="resolution" value="55.6701" units="1/cm"/>
+          <inkml:channelProperty channel="T" name="resolution" value="1" units="1/dev"/>
+        </inkml:channelProperties>
+      </inkml:inkSource>
+      <inkml:timestamp xml:id="ts0" timeString="2020-11-20T15:27:05.164"/>
+    </inkml:context>
+    <inkml:brush xml:id="br0">
+      <inkml:brushProperty name="width" value="0.05" units="cm"/>
+      <inkml:brushProperty name="height" value="0.05" units="cm"/>
+      <inkml:brushProperty name="color" value="#ED1C24"/>
+      <inkml:brushProperty name="fitToCurve" value="1"/>
+    </inkml:brush>
+  </inkml:definitions>
+  <inkml:trace contextRef="#ctx0" brushRef="#br0">0 172 0,'24'0'31,"1"0"1,-1 0-32,0 0 0,25 0 15,-24 0-15,24 0 16,-1-25-16,1 25 16,0 0-16,24 0 0,1 0 15,23 0-15,-23-24 0,23 24 16,-24 0-16,25 0 15,-25 0-15,25-24 0,0 24 16,-25 0-16,25-25 16,-25 25-16,25-24 0,-25 24 15,0 0-15,1-25 0,-26 25 16,1 0-16,0 0 16,0 0-16,0-24 0,-25 24 15,1 0-15,-1 0 16,-48 0 31,-1 0-47,1 0 15</inkml:trace>
+  <inkml:trace contextRef="#ctx0" brushRef="#br0" timeOffset="569">342 343 0,'24'0'0,"25"0"0,24 0 16,-24 0-16,24 0 0,25 0 16,0 0-16,-1 0 15,25-25-15,-24 25 0,24 0 16,-24-24-16,0 24 0,-1 0 16,-23-24-16,-1 24 15,0 0-15,-24-25 0,24 25 16,-24 0-16,-24-24 15,23 24-15,-23 0 0,-1 0 16,1 0-16,-1 0 0,0 0 16,-24-25 46</inkml:trace>
+  <inkml:trace contextRef="#ctx0" brushRef="#br0" timeOffset="2561">97 514 0,'0'24'47,"0"1"-32,0-1-15,0 0 16,0 1-16,0 24 16,0-25-16,0 25 0,0-25 15,0 1-15,0-1 16,0 1-16,0-1 0,0 1 16,0-1-16,0-48 46,0-1-30,0 1-16,0-1 0,0 1 16,0-25-16,0 25 0,0-25 15,0 0-15,0 0 16,0 0-16,0 0 0,25 0 16,-25 25-16,0 0 15,24-1-15,-24 1 0,25 24 16,-1 24-1,-24 1 1,25-1-16,-1 25 0,0-25 16,25 25-16,-24 0 15,-1 0-15,0 0 0,1-25 16,-25 25-16,24-25 0,-24 25 16,25-24-16,-25-1 15,0 1-15,0-1 0</inkml:trace>
+  <inkml:trace contextRef="#ctx0" brushRef="#br0" timeOffset="2754">146 734 0,'0'-25'15,"25"25"-15,-25-24 16,24 24-16,1-25 0,23 25 16,-23-24-16,24-1 15,-1 25-15</inkml:trace>
+  <inkml:trace contextRef="#ctx0" brushRef="#br0" timeOffset="3241">610 392 0,'-24'-25'0,"-1"1"15,50 48 17,-25 1-32,0-1 15,24 0-15,-24 1 16,0-1-16,25 25 0,-25 0 15,0 0-15,24-25 0,-24 25 16,0-24-16,25 23 16,-25-23-16,0-1 0,0 1 15,24-1-15,-24 1 16,0-1-16,-24-24 47,24-24-47,0-1 15,0 1 1,24-1-16,-24 1 0,24-1 16,1-23-16,-1 23 0,1 25 15,-1-24-15,1-1 16,-1 25-16,0 0 0,1 0 16,-1 0-16,1 25 0,-25-1 15,0 1-15,0-1 16,0 0-16,-25 1 0,25-1 15,-24 1-15,-1-1 16,-23-24-16,23 25 0,1-1 16,-1-24-16</inkml:trace>
+  <inkml:trace contextRef="#ctx0" brushRef="#br0" timeOffset="3672">1367 611 0,'0'-24'0,"25"0"15,-25-1-15,-25 25 16,1-24-1,0 24-15,-1 0 16,1 24-16,-1-24 16,1 25-16,-1-25 0,1 24 15,24 0 1,0 1-16,24-1 16,-24 1-16,25-1 15,-1-24-15,1 25 0,-1-1 16,1 0-16,-1 1 15,0-1-15,1 1 16,-25-1 0,0 0-16,-25-24 15,1 0-15,0 25 0,-1-25 16,1 0-16,-1 0 16,1 0-16,-1 0 0,1 0 15</inkml:trace>
+  <inkml:trace contextRef="#ctx0" brushRef="#br0" timeOffset="4825">1441 367 0,'0'-24'0,"24"-1"15,0 1 1,1 24-1,-1 24 1,1 1-16,-25-1 16,24 1-16,1 23 0,-25-23 15,24 24-15,-24 0 16,24-1-16,-24-23 0,25 24 16,-25-25-16,0 25 15,0-25-15,0 1 0,0-1 16,0 1-16,0-1 15,-25-24 1,1 0-16,0 0 31,24-24-31,-25 24 16,25-25-16,0 1 0,0-1 16,0 1-16,0 0 15,0-1-15,0-24 0,0 25 16,25-1-16,-25 1 0,24 0 15,0-1-15,-24 1 16,25-1-16,-1 25 0,1 0 16,-1 0-16,1 0 15,-1 25-15,0-25 16,1 24-16,-1 1 0,-24-1 16,25 0-16,-25 1 15,0 24-15,0-25 0,0 1 16,0-1-1,0 0-15,-25 1 16,1-25-16,-1 0 16,25-25-1,0 1 1,0 0-16,0-1 16,0 1-16,25-25 0,-1 0 15,1 25-15,-1-25 0,1 0 16,23 24-16,-23 1 15,-1 0-15,1-1 0,-1 25 16,1-24-16,-1 24 16,0 0-16,1 0 15,-1 0-15,1 24 16,-50-48 46,1 24-46,-1 0 0,1 0-16,0 24 15,-1 1 1,25-1-16,0 0 16,-24 1-16,24 24 0,0-25 15,0 1-15,0-1 16,0 0-16,0 1 0,0-1 15,24-24-15,-24 25 0,25-1 16,-1-24 0,0 0-1,1 0-15,-1-24 16,1-1-16,-1 25 16,-24-24-16,0-1 15,0 1-15,0 0 16,0-1-16,0 1 0,0-1 15,0 1-15,0-1 16,24 1-16,1 0 16,-1 48-1,-24 0-15,0 1 16,25-1-16,-25 1 16,24-1-16,-24 1 15,0-1-15,0 0 0,25 1 16,-25-1-1</inkml:trace>
+  <inkml:trace contextRef="#ctx0" brushRef="#br0" timeOffset="5148">2711 295 0,'0'-25'16,"-25"25"-16,1 0 16,24 25-16,-25-25 15,1 24-15,0 1 16,24-1-16,-25 1 16,25-1-16,0 0 15,25 25-15,-25-24 0,24-1 16,-24 1-16,24-1 15,1 0-15,-1 1 0,1-1 16,-1 1-16,1-25 16,-1 0-16,25 0 0,-25 0 15,1 0-15,23 0 0,-23-25 16,-1 1-16</inkml:trace>
+  <inkml:trace contextRef="#ctx0" brushRef="#br0" timeOffset="5376">2979 172 0,'-24'-25'0,"24"1"15,0 48 1,24 1 0,-24-1-16,0 1 15,25 24-15,-25-1 16,24-23-16,1 24 0,-1-1 15,-24 1-15,24-24 16,-24 24-16,25-1 0,-1-23 16,-24-1-16,0 1 0,0-1 15</inkml:trace>
+  <inkml:trace contextRef="#ctx0" brushRef="#br0" timeOffset="5550">3028 490 0,'-24'-49'16,"24"25"-16,0 0 0,0-1 16,0 1-16,24-1 15,1 25-15,-1-24 0,0 24 16,1 0-16,24-25 0,-25 25 16,25 0-16,-25 0 15,1 0-15</inkml:trace>
+</inkml:ink>
+</file>
+
+<file path=ppt/ink/ink116.xml><?xml version="1.0" encoding="utf-8"?>
+<inkml:ink xmlns:inkml="http://www.w3.org/2003/InkML">
+  <inkml:definitions>
+    <inkml:context xml:id="ctx0">
+      <inkml:inkSource xml:id="inkSrc0">
+        <inkml:traceFormat>
+          <inkml:channel name="X" type="integer" max="1920" units="cm"/>
+          <inkml:channel name="Y" type="integer" max="1080" units="cm"/>
+          <inkml:channel name="T" type="integer" max="2.14748E9" units="dev"/>
+        </inkml:traceFormat>
+        <inkml:channelProperties>
+          <inkml:channelProperty channel="X" name="resolution" value="55.81395" units="1/cm"/>
+          <inkml:channelProperty channel="Y" name="resolution" value="55.6701" units="1/cm"/>
+          <inkml:channelProperty channel="T" name="resolution" value="1" units="1/dev"/>
+        </inkml:channelProperties>
+      </inkml:inkSource>
+      <inkml:timestamp xml:id="ts0" timeString="2020-11-20T15:27:11.790"/>
+    </inkml:context>
+    <inkml:brush xml:id="br0">
+      <inkml:brushProperty name="width" value="0.05" units="cm"/>
+      <inkml:brushProperty name="height" value="0.05" units="cm"/>
+      <inkml:brushProperty name="color" value="#ED1C24"/>
+      <inkml:brushProperty name="fitToCurve" value="1"/>
+    </inkml:brush>
+  </inkml:definitions>
+  <inkml:trace contextRef="#ctx0" brushRef="#br0">2250 4778 0,'0'-25'15,"0"1"1,0-1-16,25 25 31,-1 0-31,1 25 16,-1-1-16,25 1 0,24-1 15,0 25-15,1 0 16,-1 0-16,25 0 0,-25 24 16,25-24-16,-1 24 0,-23-24 15,-1 0-15,-24 0 16,24-1-16,-24 1 0,-25-24 15,25 23-15,-25-23 16,1-1-16,-25 1 0,24-25 16,-24 24-16</inkml:trace>
+  <inkml:trace contextRef="#ctx0" brushRef="#br0" timeOffset="366">3569 5144 0,'0'-24'15,"0"48"32,0 1-31,25-25-16,-25 24 0,24 25 15,-24-25-15,0 1 16,24 24-16,-24-25 0,0 25 16,0-25-16,0 1 15,0 23-15,0-23 0,0-1 16,0 1-16,-24-1 0,0-24 16,24 25-16,-25-1 15,1-24-15,-1 0 0,1 24 16,-1-24-16,-23 0 15,23 0-15,1 0 0,-1 0 16,1 0-16,-1 0 0,1-24 16,0 24-16</inkml:trace>
+  <inkml:trace contextRef="#ctx0" brushRef="#br0" timeOffset="1482">883 3581 0,'-25'-24'16,"1"-1"0,-1 25-16,1 0 15,-1 0-15,1-24 0,0 24 16,-1 0-16,1 24 15,-25-24-15,0 25 0,0-25 16,0 24-16,1 0 16,-1 25-16,0-24 0,0 24 15,0-1-15,0-23 0,25 24 16,-25 24-16,25-24 16,-1 0-16,1-1 0,24 1 15,-25 0-15,25 0 16,0-25-16,25 25 0,-1 0 15,1-24-15,-1 23 0,1-23 16,23-1-16,1 1 16,24-25-16,-24 24 0,25-24 15,-26 0-15,1 0 16,25 0-16,-26 0 0,1 0 16,0 0-16,0 0 0,-25-24 15,1 24-15,-1 0 16,1-25-16,-1 25 15,-24-24 1,0-1-16,-24 25 16</inkml:trace>
+  <inkml:trace contextRef="#ctx0" brushRef="#br0" timeOffset="2328">565 3386 0,'-24'-25'16,"24"1"-1,-25-1-15,25 1 0,-24 0 16,24-25-16,0 24 0,0 1 16,0-25-16,0 25 15,24-1-15,-24-24 0,25 25 16,-1-1-16,1 1 15,23 0-15,-23-1 0,24 25 16,-25-24-16,25-1 16,0 25-16,0 0 0,-1 0 15,1 0-15,0 0 0,0 0 16,0 0-16,-25 25 16,25-1-16,-24 1 0,-1 23 15,-24-23-15,24 24 0,-24 24 16,25-24-16,-25 0 15,0 24-15,0 0 0,24 0 16,-24 1-16,0-1 16,25 0-16,-25 1 0,24-1 15,-24 0-15,0-24 0,25 24 16,-25-24-16,0 24 16,24-24-16,-24 24 0,0-24 15,0 0-15,0 0 16,0-25-16,0 25 0,0 0 15,0-24-15,0 23 0,0-23 16,0 24-16,0-25 16,0 0-16,0 1 0,-24-1 15,24 1-15,0-1 16,-25 1-16,25-1 0,-24 0 16,-1 1-16,25-1 15,-24-24-15,-1 25 16,1-25-1,0 0-15,-1 0 16,1 0 0,-1 0-16,1 0 0,-1-25 15,1 1 1,0-1-16,-1 25 0,25-24 16,-24 0-16,24-1 15,-25 1-15,25-1 0,0 1 16,-24-1-16,24 1 0,0 0 15</inkml:trace>
+  <inkml:trace contextRef="#ctx0" brushRef="#br0" timeOffset="3192">1005 2922 0,'0'-25'16,"24"1"-1,1-1 1,-1 25-16,25-24 16,-25 24-16,25-25 0,0 25 15,0 0-15,0-24 0,24 24 16,-24-24-16,24 24 15,0 0-15,1 0 0,-1 0 16,0 0-16,-24 0 16,24 24-16,-24 0 0,0 1 15,24-1-15,-24 1 0,0-1 16,0 25-16,0-25 16,-1 25-16,-23-24 0,24 24 15,-25-1-15,25-23 16,-25 24-16,1 0 0,-1 24 15,1-24-15,-1 0 0,0 24 16,1-24-16,-1 24 16,-24-24-16,0 24 0,25-24 15,-25 0-15,0 0 16,0-1-16,0 1 0,0 0 16,0 0-16,-25 0 0,25 0 15,-24-1-15,24-23 16,-49 48-16,25-24 15,-1-25-15,1 25 16,-1-24-16,1 24 0,0-25 16,-25 0-16,24 1 0,-24 24 15,1-25-15,23 1 16,-24-1-16,0 0 0,1 1 16,23-1-16,-24-24 15,1 25-15,23-1 0,-24-24 16,25 24-16,-25-24 0,25 25 15,-25-25-15,24 0 16,1 0-16,-1 24 0,1-24 16,0 0-16,-1 0 15,1 0-15,-1 0 0,1 0 16,-1 0 0,1-24-1,24-1-15,0 1 16</inkml:trace>
+  <inkml:trace contextRef="#ctx0" brushRef="#br0" timeOffset="3745">590 2873 0,'24'0'0,"0"49"16,1-25-16,-1 25 0,25-25 15,0 50-15,24-26 0,0 26 16,1-1-16,23 0 16,-23 25-16,23 0 0,1-25 15,0 25-15,-1-1 16,1-23-16,0 23 0,-25-23 15,0-1-15,1-24 0,-1 24 16,-24-24-16,0 0 16,-1-1-16,1-23 0,0 24 15,-24-25-15,23 1 16,-23 23-16,-1-23 0,1-25 16,-1 24-16,1 1 0,-1-1 15,0 0 1,-634-1074 15,1220 2100-31,-2319-4615 0,3418 7130 16,-3540-7790-16,3662 8426 0,-1831-4225 0</inkml:trace>
+  <inkml:trace contextRef="#ctx0" brushRef="#br0" timeOffset="4451">2274 2530 0,'-25'49'0,"1"-24"15,-25 23-15,25-23 0,-1 24 16,1-49-16,24 49 0,-49-49 0,49 48 0,-73 1 16,97 0-16,-73-49 0,49 49 15,-97-49-15,170 73 0,-220-73 0,196 122 16,-220-146-16,318 122 0,-367-196 0,391 269 15,-244-98-15,48 25 0,-24-25 16,0 0-16,1 25 0,-26-25 16,25 1-16,1-1 15,-1 0-15,0-24 0,25 24 16,-25-24-16,24 0 16,1 0-16,-25 0 0,49-25 15,-24 25-15,-1-25 0,1 1 16,24 24-16,-25-25 15,1 1-15,24-1 0,-25-24 16,25 24-16,-24 1 16,0-1-16,24 1 15,-25-25-15,1 24 16,-1 0 0,25 1-1,-24-25 1,24 24-16,0 1 31,0-1 0,0-48 16,-24 24-31,24-25-16</inkml:trace>
+</inkml:ink>
+</file>
+
+<file path=ppt/ink/ink117.xml><?xml version="1.0" encoding="utf-8"?>
+<inkml:ink xmlns:inkml="http://www.w3.org/2003/InkML">
+  <inkml:definitions>
+    <inkml:context xml:id="ctx0">
+      <inkml:inkSource xml:id="inkSrc0">
+        <inkml:traceFormat>
+          <inkml:channel name="X" type="integer" max="1920" units="cm"/>
+          <inkml:channel name="Y" type="integer" max="1080" units="cm"/>
+          <inkml:channel name="T" type="integer" max="2.14748E9" units="dev"/>
+        </inkml:traceFormat>
+        <inkml:channelProperties>
+          <inkml:channelProperty channel="X" name="resolution" value="55.81395" units="1/cm"/>
+          <inkml:channelProperty channel="Y" name="resolution" value="55.6701" units="1/cm"/>
+          <inkml:channelProperty channel="T" name="resolution" value="1" units="1/dev"/>
+        </inkml:channelProperties>
+      </inkml:inkSource>
+      <inkml:timestamp xml:id="ts0" timeString="2020-11-20T16:11:42.040"/>
+    </inkml:context>
+    <inkml:brush xml:id="br0">
+      <inkml:brushProperty name="width" value="0.05" units="cm"/>
+      <inkml:brushProperty name="height" value="0.05" units="cm"/>
+      <inkml:brushProperty name="fitToCurve" value="1"/>
+    </inkml:brush>
+  </inkml:definitions>
+  <inkml:trace contextRef="#ctx0" brushRef="#br0">3785 3688 0,'25'-24'31,"-25"-1"-15,0 1-1,0-1 1,0 1 0,0 0-1,0-1-15,0 1 16,0-1 0,0 1-16,0-1 0,0 1 15,0 0 1,0-1-16,0 1 0,0-1 15,0-24-15,0 25 0,0 0 16,0-1-16,0-24 16,-25 25-16,25-25 0,0 25 15,0-1-15,0 1 16,0-25-16,0 25 0,-24-1 16,24 1-16,0-1 0,0 1 15,0-1-15,-25 1 16,25 0-16,0-1 0,0 1 15,-24-1-15,24 1 16,-24 0-16,24-1 0,-25 1 16,25-1-16,0 1 0,-24-1 15,24 1 1,-25 0-16,1-1 16,24 1-16,-25 24 15,1-25-15,0 1 0,-1-1 16,1 25-16,-1-24 0,1 0 15,-1-1-15,1 1 16,0-1-16,-1 1 0,-24-1 16,25 1-16,0 0 15,-1-1-15,1 1 0,-25-1 16,24 1-16,1-1 0,0 1 16,-25 24-16,24-24 15,1-1-15,-1 1 0,-23-1 16,23 1-16,1 0 15,-1-1-15,1 25 0,-25-24 16,25-1-16,-1 1 0,1 24 16,-25-25-16,25 1 15,-1 24-15,1-24 0,-1-1 16,1 25-16,-1-24 0,1-1 16,0 1-16,-1 24 15,1-25-15,-1 1 0,1 0 16,-1 24-16,1-25 15,0 1-15,-1-1 0,1 1 16,-1 0-16,1-1 0,-25 1 16,25 24-16,-1-25 15,1 1-15,-25-1 0,25 1 16,-25 0-16,0-1 16,24 1-16,-23-1 0,23-24 15,-24 25-15,25 0 0,-25-1 16,0 1-16,0-25 15,25 24-15,-25 1 0,0 0 16,0-1-16,25 1 16,-25-1-16,0 25 0,0-24 15,25-1-15,-25 1 0,25 0 16,-25-1-16,24 1 16,-23 24-16,23-25 0,1 1 15,-25 0-15,24-1 16,1 25-16,-25-24 0,25 24 15,-1-25-15,1 25 0,0-24 16,-1 24-16,-24 0 16,25-25-16,-1 25 0,1-24 15,-25 24-15,25 0 16,-25-24-16,24 24 0,-23-25 16,23 1-16,1 24 0,-25-25 15,25 25-15,-1-24 16,1 24-16,-1-25 0,1 25 15,24-24 1</inkml:trace>
+  <inkml:trace contextRef="#ctx0" brushRef="#br0" timeOffset="582">708 0 0,'-24'0'0,"-1"0"15,1 0-15,-1 0 16,1 0-16,-1 0 0,-23 0 16,23 0-16,-24 25 15,0-25-15,1 0 0,-1 24 16,0-24-16,25 25 15,-25-25-15,24 0 0,1 0 16,-1 24-16,1-24 0,0 0 16,-1 0-1,25 24-15,-24-24 32,24 25-32,0-1 31,0 1-16,0-1-15,24-24 16,-24 24-16,0 1 16,25-1-16,-25 1 15,24-1-15,-24 1 16,0-1-16,24 0 0,-24 1 16,25-1-16,-25 1 0,24-1 15,-24 1 1,25-1-16,-25 0 15,24-24-15</inkml:trace>
+</inkml:ink>
+</file>
+
+<file path=ppt/ink/ink118.xml><?xml version="1.0" encoding="utf-8"?>
+<inkml:ink xmlns:inkml="http://www.w3.org/2003/InkML">
+  <inkml:definitions>
+    <inkml:context xml:id="ctx0">
+      <inkml:inkSource xml:id="inkSrc0">
+        <inkml:traceFormat>
+          <inkml:channel name="X" type="integer" max="1920" units="cm"/>
+          <inkml:channel name="Y" type="integer" max="1080" units="cm"/>
+          <inkml:channel name="T" type="integer" max="2.14748E9" units="dev"/>
+        </inkml:traceFormat>
+        <inkml:channelProperties>
+          <inkml:channelProperty channel="X" name="resolution" value="55.81395" units="1/cm"/>
+          <inkml:channelProperty channel="Y" name="resolution" value="55.6701" units="1/cm"/>
+          <inkml:channelProperty channel="T" name="resolution" value="1" units="1/dev"/>
+        </inkml:channelProperties>
+      </inkml:inkSource>
+      <inkml:timestamp xml:id="ts0" timeString="2020-11-20T16:11:45.874"/>
+    </inkml:context>
+    <inkml:brush xml:id="br0">
+      <inkml:brushProperty name="width" value="0.05" units="cm"/>
+      <inkml:brushProperty name="height" value="0.05" units="cm"/>
+      <inkml:brushProperty name="fitToCurve" value="1"/>
+    </inkml:brush>
+  </inkml:definitions>
+  <inkml:trace contextRef="#ctx0" brushRef="#br0">0 342 0,'-25'0'31,"50"0"0,-1 0-15,1 0-16,23 0 0,26 0 15,-1 0-15,25 0 16,-1 0-16,25 0 0,1 0 16,-1-25-16,-25 25 0,26 0 15,-1-24-15,-25 24 16,-23-25-16,-1 25 0,0 0 16,-24 0-16,-25 0 15,1 0-15,-25-24 0,-25 24 16,1 0-1</inkml:trace>
+  <inkml:trace contextRef="#ctx0" brushRef="#br0" timeOffset="342">1221 0 0,'-25'0'15,"25"24"17,25-24-32,-1 0 15,1 25-15,-1-25 0,25 24 16,-25 0-16,25-24 15,0 25-15,-24-1 0,23 1 16,-23-1-16,-1 1 0,1 23 16,-25-23-16,0-1 15,0 1-15,0-1 0,-25 0 16,1 1-16,-25-1 16,25 1-16,-25-1 0,0 1 15,24-1-15</inkml:trace>
+</inkml:ink>
+</file>
+
+<file path=ppt/ink/ink119.xml><?xml version="1.0" encoding="utf-8"?>
+<inkml:ink xmlns:inkml="http://www.w3.org/2003/InkML">
+  <inkml:definitions>
+    <inkml:context xml:id="ctx0">
+      <inkml:inkSource xml:id="inkSrc0">
+        <inkml:traceFormat>
+          <inkml:channel name="X" type="integer" max="1920" units="cm"/>
+          <inkml:channel name="Y" type="integer" max="1080" units="cm"/>
+          <inkml:channel name="T" type="integer" max="2.14748E9" units="dev"/>
+        </inkml:traceFormat>
+        <inkml:channelProperties>
+          <inkml:channelProperty channel="X" name="resolution" value="55.81395" units="1/cm"/>
+          <inkml:channelProperty channel="Y" name="resolution" value="55.6701" units="1/cm"/>
+          <inkml:channelProperty channel="T" name="resolution" value="1" units="1/dev"/>
+        </inkml:channelProperties>
+      </inkml:inkSource>
+      <inkml:timestamp xml:id="ts0" timeString="2020-11-20T16:11:16.517"/>
+    </inkml:context>
+    <inkml:brush xml:id="br0">
+      <inkml:brushProperty name="width" value="0.05" units="cm"/>
+      <inkml:brushProperty name="height" value="0.05" units="cm"/>
+      <inkml:brushProperty name="fitToCurve" value="1"/>
+    </inkml:brush>
+  </inkml:definitions>
+  <inkml:trace contextRef="#ctx0" brushRef="#br0">5671 1345 0,'-24'0'0,"24"-24"16,0-1-1,0 1-15,0 0 32,-25 24-1,25 24-31,0 0 16,0 1-16,0 24 15,-24-25-15,24 25 0,0 0 16,0 24-16,0 0 15,0 1-15,-25 23 0,25-23 16,0 23-16,0-24 16,-24 25-16,24 0 0,0 0 15,0-25-15,0 25 0,0-25 16,0 0-16,0 25 16,0-25-16,0 0 0,0-24 15,-24 24-15,24 1 0,0-25 16,-25-1-16,25 26 15,0-50-15,0 25 0,-24-25 16,24 25-16,0-24 16,0-1-16,24-24 47,-24-24-32,25 24 1,-1-25-16,0 25 0,1 0 15,-1-24-15,1 24 16,24-25-16,-1 25 0,1 0 16,25-24-16,-26 24 0,50-25 15,-25 25-15,49-24 16,1 24-16,-1 0 0,49-24 16,-25 24-16,50 0 0,-1 0 15,0 0-15,25 0 16,0 0-16,-25 0 0,1 0 15,24 0-15,-25 0 16,0 0-16,-24 0 0,25 0 16,-25 0-16,0 24 0,0-24 15,-1 0-15,-23 0 16,-25 0-16,25 0 0,-25 0 16,-24 0-16,-1 0 15,1 0-15,-49 0 0,24 0 16,-24 0-16,-25 0 0,1 0 15,-1 0-15,-24-24 32,-24-1-17,-1 25 1,25-24-16,-24 24 16,-1 0-1,25-25-15,0 1 31,-24 24-15,24-24 0,0-1-1,0 1-15,0-1 16,0 1-16,-24-1 0,24 1 16,0-25-16,0 25 15,0-25-15,0-24 0,0 24 16,24-24-16,-24-1 15,0 1-15,0 0 0,0-1 16,24-23-16,-24 23 0,0 26 16,0-26-16,0 25 15,25-24-15,-25 24 0,0 1 16,0-1-16,0 0 16,0 0-16,0 0 0,0 0 15,0 0-15,0 1 16,0-1-16,0 0 0,0 25 15,0-25-15,0 24 0,0 1 16,0-1-16,0 1 16,0 0-16,0-1 15,0 1-15,0-1 32,0 1-17,0-1 1,0 1 31,-25 24-16,1 0-15,24 24-16,-24-24 15,-1 0 1,1 0-1,-1 0-15,1 0 16,-1 0-16,1 0 0,0 0 16,-25 0-16,0 0 0,0 0 15,0 0-15,-24 25 16,0-25-16,-25 0 0,0 0 16,1 0-16,-26 0 15,26 0-15,-25 0 0,-25 0 16,25 0-16,0 24 0,-25-24 15,25 0-15,0 0 16,0 0-16,0 25 0,24-25 16,1 0-16,-1 0 15,0 24-15,0-24 0,1 0 16,24 25-16,-25-25 0,25 0 16,-1 0-16,-23 0 15,23 0-15,1 0 0,0 24 16,-1-24-16,26 0 15,-26 0-15,26 0 0,-26 0 16,25 0-16,1 24 0,-1-24 16,-25 0-16,26 0 15,-1 0-15,0 0 0,0 0 16,0 25-16,25-25 0,-25 0 16,0 0-16,25 0 15,-1-25-15,-24 25 0,25 0 16,0 0-1,-1 0 1,1 0 0,-1 0-1,1 0 1,-1 0-16,1 0 16,0 0-16,-1 0 15,1 0 1,-1 0-1,25-24-15,-24 24 16,-1 0 0,1 0-16,24-24 15,-24 24-15,-1 0 32,1 0-17,-1 0 1,1 0-1,0 0 1,24 24-16,-25-24 16,1 0-16,-1 0 15,25 24 1,-24-24-16,-1 0 16,1 0-1,0 0 1,-1 0-1,1 0 1,-1 0 0,1 0 31,-1 25 46,1-1-61,0-24-17,24 25-15,-25-25 16,1 0-16,-1 0 31</inkml:trace>
+  <inkml:trace contextRef="#ctx0" brushRef="#br0" timeOffset="800">6868 1809 0,'0'25'31,"0"-1"-31,0 1 16,0-1-16,0 25 15,-25-25-15,25 49 0,0-24 16,0 0-16,25 24 15,-25-24-15,24 0 0,-24 0 16,25 0-16,-25 0 0,0-25 16,24 25-16,-24-25 15,0 1-15,25-1 0,-1-24 16</inkml:trace>
+  <inkml:trace contextRef="#ctx0" brushRef="#br0" timeOffset="1171">7601 1834 0,'-25'0'15,"1"24"17,24 1-17,0-1-15,0 0 16,0 25-16,0-24 0,0 24 16,0-1-16,0 1 0,0 0 15,0 0-15,0-25 16,0 25-16,0-24 0,0 23 15,0-23-15,0-1 0,0 1 16,0-1 0,0-48-1,0-1 1,0 1-16</inkml:trace>
+  <inkml:trace contextRef="#ctx0" brushRef="#br0" timeOffset="1375">7552 1712 0,'0'-25'0,"24"1"0,-24-1 15,0 1 1,25 24-16,-1 0 16,0 0-16,1 0 15,-1 0-15,1 0 0,24 0 16,-25 0-16,25 0 0,0 0 15,-25 0-15,0 0 16,1 0-16,-1 0 0</inkml:trace>
+  <inkml:trace contextRef="#ctx0" brushRef="#br0" timeOffset="1628">7552 2005 0,'0'24'16,"24"0"-1,1-24 1,-1 0-16,0 0 16,1 0-16,24 0 15,0 0-15,-1 0 0,-23 0 16,24 0-16,-1 0 15,1-24-15,0 24 0,-24 0 16,-1-24-16,0 24 16</inkml:trace>
+  <inkml:trace contextRef="#ctx0" brushRef="#br0" timeOffset="2960">7430 3275 0,'-25'0'0,"1"0"16,24 24-1,0 25-15,-25-25 16,25 25-16,0 0 0,0 24 16,-24-24-16,24 24 15,0-24-15,0 25 0,0-26 16,-24 1-16,24-24 0,0 24 16,0-25-16,0 0 15,0 1-15</inkml:trace>
+  <inkml:trace contextRef="#ctx0" brushRef="#br0" timeOffset="3325">7430 3250 0,'0'-24'0,"24"24"15,-24 24-15,24 1 16,-24-1-16,25 1 15,-1 23-15,1 1 0,24 0 16,-25 24-16,0 1 16,25-26-16,-24 26 0,24-1 15,-25-24-15,0 0 16,1-1-16,24-23 0,-49-1 16,24 1-16,0-1 0,1-24 15</inkml:trace>
+  <inkml:trace contextRef="#ctx0" brushRef="#br0" timeOffset="3913">7576 3348 0,'-24'0'15,"24"24"17,0 1-17,0-1 1,-25 1-16,25-1 0,0 25 16,0 0-16,0 0 15,0-1-15,0 1 0,25 25 16,-1-26-16,-24 26 0,25-1 15,-1 0-15,-24 0 16,24 1-16,-24-1 0,25 25 16,-1-25-16,-24 0 15,0 25-15,0-25 0,0 25 16,0 0-16,0-1 16,0 1-16,0 0 0,0-1 15,0 1-15,0 0 0,-24-25 16,24 25-16,0-25 15,0 0-15,0-24 0,0 24 16,24-24-16,-24 0 0,0 0 16,25-25-16,-25 1 15,0-1-15,24-24 0</inkml:trace>
+  <inkml:trace contextRef="#ctx0" brushRef="#br0" timeOffset="5651">4474 6328 0,'25'0'16,"-1"0"-16,1 0 15,-1 0-15,25 0 16,0 0-16,24 0 0,25 0 16,-1 0-16,26-25 15,23 25-15,-24 0 0,49 0 16,-24 0-16,24 0 0,-25-24 16,25 24-16,0 0 15,0 0-15,24 0 0,25 0 16,-24-25-16,48 25 15,0 0-15,0-24 0,25 24 16,0-25-16,-25 25 0,25-24 16,-1 24-16,-24-24 15,1-1-15,-25 25 0,-25-24 16,-24 24-16,-25 0 0,-24-25 16,1 25-16,-26-24 15,-23 24-15,-26 0 0,1 0 16,0-25-16,-24 25 15,-1 0-15</inkml:trace>
+  <inkml:trace contextRef="#ctx0" brushRef="#br0" timeOffset="6185">10751 6034 0,'0'25'47,"0"-1"-32,0 1-15,0-1 0,0 25 16,0 24-16,0 1 0,0-1 15,0 49-15,0-24 16,0 24-16,0 0 0,25 0 16,-1 25-16,0-25 0,1 0 15,-1 0-15,25 0 16,-24 0-16,23 0 0,-23-24 16,24 24-16</inkml:trace>
+  <inkml:trace contextRef="#ctx0" brushRef="#br0" timeOffset="7968">10141 8330 0,'-25'0'16,"25"25"0,0-1-16,-24 25 15,24-25-15,0 50 0,0-1 16,0 0-16,0 25 15,0 0-15,0-1 0,0 1 16,0 24-16,0-24 0,0-1 16,-25 26-16,25-26 15,0 1-15,0-25 0,-24 0 16,24 1-16,0-1 16,0-24-16,0 0 0,-25 0 15,25-25-15,0 0 0,0 1 16,-24-25-1,48-25 17,1 1-17,-1 24 1,1-24-16,24 24 16,-1-25-16,1 25 0,25-24 15,-1 24-15,25 0 16,24 0-16,24-25 0,1 25 15,48 0-15,-24-24 0,49 24 16,0 0-16,-1-25 16,26 25-16,-26-24 0,26 0 15,-25 24-15,24-25 16,-49 25-16,25-24 0,-25-1 16,-24 25-16,0-24 0,-24 24 15,-25-25-15,-24 25 16,-25-24-16,0 24 0,-24-24 15,-25-1-15,-24 1 16,-24-1-16,0 1 16,-1-1-16,1 1 15,-1 24-15,1-24 16,-1 24-16,25-25 0,-24 1 16,24-1-16,0 1 15,-24 0-15,24-1 0,-25-24 16,25 25-16,0-25 0,-24 0 15,24 0-15,-25-24 16,25 24-16,-24-24 0,24 0 16,-24-1-16,24 1 15,-25 0-15,25 0 0,0-1 16,0 1-16,-24 0 0,24-1 16,0 1-16,0 24 15,0 1-15,0-1 0,0 24 16,0-24-16,0 25 15,0 0-15,-25 24 16,25-25 0,-24 25 15,-1 0-15,-23 0-16,23 0 15,-24 0-15,-24 0 0,0-24 16,-25 24-16,-49 0 15,1 0-15,-25 0 0,-24 0 16,-25 0-16,0 0 0,-49 0 16,1 0-16,-1 0 15,0 24-15,-24-24 0,25 25 16,-1-1-16,0-24 16,25 24-16,49 1 0,-1-1 15,50 1-15,-1-1 0,50 1 16,48-25-16</inkml:trace>
+  <inkml:trace contextRef="#ctx0" brushRef="#br0" timeOffset="8789">10971 8794 0,'-24'0'0,"24"-24"15,-25 24-15,25 24 16,-24 1-16,24-1 15,0 25-15,0-25 0,0 50 16,0-26-16,0 1 16,0 0-16,0 24 0,24-24 15,-24 0-15,25 0 0,-25-25 16</inkml:trace>
+  <inkml:trace contextRef="#ctx0" brushRef="#br0" timeOffset="9083">10800 8745 0,'0'-24'16,"0"-25"-16,0 25 0,24-1 15,1 25 1,-1-24-16,25 24 0,-24 0 15,23 0-15,-23 24 16,24-24-16,-25 25 0,1-1 16,-1 1-16,0 23 0,-24-23 15,0 24-15,-24-25 16,-25 1-16,25 23 0,-25-23 16,0-1-16,0-24 15,0 25-15,0-1 0,25-24 16</inkml:trace>
+  <inkml:trace contextRef="#ctx0" brushRef="#br0" timeOffset="10645">11704 8990 0,'0'-25'0,"0"1"0,0-1 15,0 1 1,-25 24-16,25-24 0,-24-1 15,-1 25-15,1-24 16,-25 24-16,25 0 0,-25 24 16,24 1-16,-23-25 0,-1 48 15,24-23-15,-24 24 16,49-25-16,-24 25 0,24 0 16,0-25-16,0 25 0,24-25 15,1 1-15,-1-1 16,1 1-16,-1-25 0,25 0 15,0 0-15,-25 0 16,25 0-16,-24-25 0,23 25 16,-23-24-16,-1-1 15,-24 1-15,25 0 0,-25-1 16,0 1-16,0-1 0,0 1 16,0 0-16,0-1 15,0 50 16,0-1-31,0 0 16,0 1-16,24-1 0,-24 1 16,24 23-16,1-23 15,-25-1-15,24-24 0,1 25 16,-1-1-16,1-24 0,-1 0 16,0 0-16,1 0 15,24 0-15,-25-24 0,1-1 16,23 25-16,-23-24 15,-1-25-15,25 25 0,-24-1 16,-1-24-16,-24 1 16,24 23-16,1-24 0,-25 25 15,0-25-15,0 25 0,0-1 16,-25 25 0,1 0-16,0 25 0,-1-25 15,1 24-15,-1 0 16,1 1-16,-1-1 0,25 1 15,0-1-15,0 1 16,25-1-16,-1-24 16,25 24-16,-24-24 0,-1 25 15,25-25-15,-25 0 0,1 24 16,-1-24-16,-24 25 16,25-25-16,-25 24 0,-25 0 15,1 1 1,-1-25-16,1 24 15,-1-24-15,25-24 32,25-1-17,-1 1-15,25 0 16,-24-1-16,-1 1 0,25-25 16,-25 25-16,25-25 0,-25 0 15,25 24-15,-24-23 16,-1-1-16,1 24 0,-1 1 15,0-1-15,-24 1 16,-24 24 0,0 24-16,-25-24 15,24 25-15,1-1 16,24 1-16,0-1 0,0 25 16,0-25-16,24 1 0,1-1 15,24 1-15,-1 24 16,1-25-16,0 0 0,0 1 15,-25-1-15,1 1 16,-50-1-16,1 0 0,-49 25 16,-49-24-16,-25-1 15</inkml:trace>
+  <inkml:trace contextRef="#ctx0" brushRef="#br0" timeOffset="11706">4548 6230 0,'0'24'0,"0"1"0,0-1 16,0 1-16,0-1 15,0 49-15,0-24 0,0 49 16,0-1-16,24 1 0,-24 49 16,25-25-16,-25 24 15,0-24-15,24 25 0,-24-25 16,24 0-16,-24 0 16,25-24-16,-25 0 0,24-25 15,-24 25-15,0-49 16</inkml:trace>
+  <inkml:trace contextRef="#ctx0" brushRef="#br0" timeOffset="13464">5158 8550 0,'-49'0'0,"25"0"15,-49 0-15,24 0 0,-24 0 16,-1 24-16,-23-24 15,23 25-15,-23-25 0,23 24 16,-23-24-16,-1 0 0,0 25 16,1-25-16,-1 24 15,0-24-15,-24 0 0,0 25 16,0-25-16,0 24 16,-25-24-16,25 24 0,0-24 15,0 25-15,24-25 0,-24 0 16,24 24-16,25-24 15,0 0-15,0 0 0,24 25 16,0-25-16,0 0 16,25 0-16,-1 0 0,1 0 15,24 24-15,0 1 32,24-1-32,-24 0 15,0 1-15,25-1 16,-25 1-16,0-1 0,24 0 15,-24 25-15,25 0 0,-25 0 16,24 0-16,0 0 16,-24 24-16,25-24 0,-25 24 15,24 0-15,-24 1 0,0-1 16,0 25-16,0-25 16,0 0-16,0 25 0,0-25 15,0 0-15,-24 1 16,24-26-16,0 1 0,-25 25 15,25-50-15,0 25 16,-24-25-16,24 25 0,0-24 16,0-1-16,-24-24 15,24 24-15,0 1 16,24-25 0,0 0-1,1 0 1,-1 0-16,25 0 0,-25 0 15,25 0-15,0 0 16,0 0-16,24 0 0,25 0 16,-25-25-16,49 25 15,0 0-15,1 0 0,48-24 16,0 24-16,24 0 0,0 0 16,25-24-16,0 24 15,24 0-15,-24 0 0,-25 0 16,25 0-16,-49 0 0,0 0 15,-24 0-15,-1 0 16,-24 0-16,-24 0 0,0 0 16,-25-25-16,-24 25 0,24 0 15,-24-24-15,0 24 16,-25-25-16,1 25 0,-1-24 16,0 24-16,-24-25 15,25 25-15,-25-24 0,0 0 16,0-1-1,0 1 1,0-1-16,0 1 16,0-1-16,-25 1 15,25 0-15,0-25 0,0 0 16,0 0-16,0-24 0,0 0 16,-24-1-16,24-23 15,0 23-15,0-23 0,-24-25 16,24 24-16,0 0 15,0 0-15,0 1 0,0 23 16,0 1-16,0 0 16,0 0-16,0 24 0,-25 0 15,25 0-15,0 25 0,0-1 16,0 1-16,0-1 16,0 1-16,0 0 0,0-1 15,-24 25-15,24-24 0,0-1 31,0 1-15,0 0 0,0-1-1,-25 25 1,25-24-16,-24 24 16,-1 0-16,1-25 0,0 25 15,-25 0-15,0 0 16,0 0-16,-49 0 0,25 25 15,-49-25-15,0 24 0,-25-24 16,-24 25-16,0-25 16,0 24-16,0 0 0,1 1 15,-1-25-15,0 24 16,48-24-16,1 0 0,0 25 16,49-25-16,0 0 0,24 0 15,24 0-15,1 0 16,0 0-16</inkml:trace>
+  <inkml:trace contextRef="#ctx0" brushRef="#br0" timeOffset="14387">3351 9332 0,'-24'-25'0,"-1"25"0,-24 0 16,-24 0-16,24 0 0,0 25 15,-24 23-15,24-23 16,0 24-16,1 0 0,23 24 16,1-24-16,24 24 15,0 0-15,24-24 0,1 24 16,-1-24-16,25 0 0,24 0 15,-24-25-15,24 1 16,0-1-16,1-24 0,-1 0 16,0 0-16</inkml:trace>
+  <inkml:trace contextRef="#ctx0" brushRef="#br0" timeOffset="14765">3742 9698 0,'0'-49'0,"0"25"0,0-1 16,0 1-16,0-1 16,-25 25-16,1 0 15,-1 25-15,1-25 16,0 24-16,24 1 16,-25 23-16,1-23 0,24-1 15,0 25-15,0-24 0,0-1 16,0 25-16,24-25 15,-24 1-15,25-25 0,-1 24 16,0-24-16,1 0 16,-1-24-16,1 24 15,-25-25-15,24 25 0,-24-24 16,25-1-16,-25 1 16,24 0-16,-24-1 15,24 25-15,1 0 16,-1 25-1,-24-1-15,25 0 0,-25 25 16,24-24-16,1-1 16,-25 1-16,24-1 0</inkml:trace>
+  <inkml:trace contextRef="#ctx0" brushRef="#br0" timeOffset="15402">4035 9698 0,'-25'-25'0,"25"1"16,0 0-16,25 24 15,-25-25 1,24 25-16,1 0 0,-1 25 16,-24-1-16,24 0 0,1 1 15,-1-1-15,-24 1 16,25-1-16,-25 25 0,0-25 15,0 1-15,0-1 16,-25-24 0,25-24-1,0-25-15,-24 25 16,24-1-16,0-24 0,24 25 16,-24-1-16,25 1 15,-1 0-15,1-1 0,-1 1 16,0 24-16,1 0 0,-1 0 15,1 0-15,-1 0 16,1 0-16,-1 0 0,0 0 16,1 0-16,-1 0 15,1 0-15,-1 0 0,-24-25 16,25 25-16,-1-24 0,-24 0 31,-24 24-15,-1 0-16,1 0 15,-1 24-15,1-24 0,-1 0 16,1 24-16,0-24 0,24 25 16,-25-1-16,25 1 15,0-1-15,25 0 0,-25 1 16,24-1-16,0 1 0,1 24 16,24-25-16,-25 25 15,1-25-15,-1 25 0,0-24 16,1-1-16,-1 0 15,-24 25-15,0-24 0,0-1 16,-24 1-16,-1-25 16,1 24-16,-25-24 0,25 0 15,-1 0-15</inkml:trace>
+  <inkml:trace contextRef="#ctx0" brushRef="#br0" timeOffset="15768">4865 9625 0,'25'-25'15,"-1"25"-15,-24-24 16,-24 24 31,24 24-47,-25 1 15,25-1-15,0 0 16,0 1-16,0-1 16,0 1-16,0-1 0,25-24 15,-1 25-15,0-1 16,1-24-16,-1 0 0,25 0 16,-24-24-16,-1 24 0,0-25 15,1 1-15,-1-1 16,-24 1-16,0-1 0,0 1 15,-24-25-15,-1 25 16,-23 24-16,23-25 0,-24 25 16,0 0-16,1 0 15</inkml:trace>
+  <inkml:trace contextRef="#ctx0" brushRef="#br0" timeOffset="17508">616 9747 0,'-49'0'0,"0"24"16,-24 1-16,24-1 0,-25 0 15,26 25-15,-26 0 16,26 0-16,-1 0 0,0 0 16,24 0-16,1-1 15,24 1-15,0 0 0,0-24 16,24 23-16,1-23 0,24-1 16,0 1-16,-1-1 15,26-24-15,-26 0 0,26 0 16,-25-24-16,24 24 15,-24-25-15,-25 25 0,25-24 16,-25-1-16,1 25 0,-1-24 16</inkml:trace>
+  <inkml:trace contextRef="#ctx0" brushRef="#br0" timeOffset="18371">323 9625 0,'-25'-25'0,"25"1"15,-24-1-15,24 1 0,0 0 16,0-1-16,0 1 16,0-1-16,0 1 0,0-1 15,24 1-15,1 0 16,-25-1-16,24 1 0,0 24 16,25-25-16,-24 25 0,-1 0 15,0 0-15,1 0 16,24 0-16,-25 0 0,25 25 15,-25-1-15,1 1 16,-1-1-16,25 25 0,-24-25 16,-1 25-16,0 0 0,1 0 15,-1 0-15,1 24 16,-1-24-16,0 0 0,-24-1 16,25 26-16,-1-25 15,1-1-15,-25 1 0,24 0 16,-24 24-16,25-24 0,-25 0 15,24 0-15,-24 0 16,0 0-16,24-25 0,-24 25 16,0 0-16,0 0 15,25-25-15,-25 25 0,0-25 16,0 1-16,0 24 0,0-25 16,24 0-16,-24 1 15,0-1-15,0 1 16,-24-25-1,-1 0-15,1 0 16,0 0-16,-1-25 16,1 25-16,-25 0 15,24-24-15,-23 24 0,-1-25 16,24 25-16,-23-24 0,23 0 16,-24 24-16,25-25 15,-1 25-15,1-24 0,0 24 16,24-25-1,0 1 1</inkml:trace>
+  <inkml:trace contextRef="#ctx0" brushRef="#br0" timeOffset="19116">640 9209 0,'49'-24'16,"24"24"-16,0 0 0,1 0 16,-1 0-16,0 0 15,0 0-15,1 0 0,-1 24 16,0 1-16,1-1 0,-26 1 15,26-1-15,-26 25 16,1-25-16,-24 25 0,24 0 16,-25-24-16,0 23 15,1 1-15,-25 0 0,24 0 16,-24 0-16,25 0 0,-25 24 16,0-24-16,0 0 15,0-1-15,0 26 0,-25-25 16,25-1-16,0 1 15,-24 0-15,24 0 0,-25 0 16,25 0-16,-24-1 0,0-23 16,24 24-16,-25-25 15,1 25-15,-1-25 0,1 1 16,-1 24-16,1-25 0,0 1 16,-1-1-16,-24 0 15,25 1-15,-25-1 0,25-24 16,-25 25-16,24-1 15,-23-24-15,23 24 0,-24-24 16</inkml:trace>
+  <inkml:trace contextRef="#ctx0" brushRef="#br0" timeOffset="20263">16295 8550 0,'0'-24'16,"-24"24"-1,-1 0-15,1 0 0,-25 0 16,0 0-16,0 0 0,1 24 15,-26-24-15,25 24 16,1 1-16,-26-1 0,25 1 16,1-1-16,-1 1 0,24-1 15,1 0-15,-1 25 16,25-24-16,0-1 0,25 1 16,-1 23-16,1-23 15,-1-1-15,25-24 0,24 25 16,-24-1-16,24-24 15,-24 0-15,25 0 0,-26 0 16,26-24-16,-25-1 0,-1 1 16,1 24-16</inkml:trace>
+  <inkml:trace contextRef="#ctx0" brushRef="#br0" timeOffset="21001">15953 8330 0,'0'-24'0,"0"-25"16,0 0-16,0 25 16,0-25-16,25 0 0,-25 25 15,24-1-15,1-24 16,-1 25-16,25 24 0,-25-25 15,25 25-15,0 0 0,-25 0 16,25 25-16,0-25 16,0 24-16,0 1 0,0-1 15,-1 1-15,-23 23 16,24 1-16,-25 0 0,1 0 16,-1 24-16,0-24 0,1 0 15,-25 24-15,24-24 16,-24 0-16,0 24 0,25-24 15,-25 0-15,0 0 16,0 0-16,24-1 0,-24 26 16,0-26-16,24 1 15,-24 0-15,0 0 0,25 0 16,-25 0-16,0-25 0,0 25 16,0 0-16,0-25 15,0 25-15,0-24 0,-25-1 16,25 0-16,-24 1 0,0-25 15,-1 24-15,1-24 16,-1 0-16,1 0 0,0 25 16,-1-25-16,1 0 15,-25 0-15,24-25 0,1 25 16,-25-24-16,25 24 0,-1-25 16,-24 1-16,25 24 15,0-24-15,-25-1 0,24 1 16,1 24-16,0-25 15,24 1-15,0-1 16,0 1-16</inkml:trace>
+  <inkml:trace contextRef="#ctx0" brushRef="#br0" timeOffset="21902">16027 7964 0,'24'0'0,"0"-25"15,1 25-15,-1 0 16,25-24-16,0 24 0,0-24 15,0 24-15,-1 0 0,26-25 16,-25 25-16,24 0 16,0 0-16,0 0 0,25 0 15,-25 25-15,25-25 16,-25 0-16,25 24 0,0-24 16,-25 0-16,0 24 0,0-24 15,1 25-15,-25-1 16,24-24-16,-24 25 0,0-1 15,-25 1-15,25-1 16,-25 0-16,1 25 0,-1-24 16,1 24-16,-1-1 0,0-23 15,1 24-15,-25-1 16,24 1-16,-24 0 0,0 0 16,25-25-16,-25 25 15,0 0-15,24 0 0,-24 0 16,0 0-16,0 0 0,0-25 15,0 25-15,0 0 16,0 0-16,0-25 0,0 25 16,0 0-16,-24-25 15,24 25-15,0-25 0,-25 25 16,1-24-16,24 23 0,-25-23 16,25-1-16,-24 1 15,0-1-15,24 25 0,-25-25 16,1 1-16,-1-25 15,1 24-15,-1 1 0,1-1 16,0 0-16,-25 1 0,24-1 16,1-24-16,-25 25 15,25-25-15,-1 24 0,-24-24 16,0 0-16,25 0 16,-25 0-16,0 0 0,25 0 15,-25 0-15,0-24 0,0 24 16,1 0-16,-1 0 15,0-25-15,0 25 0,0 0 16,25-24-16,-25 24 16,25 0-16,-1 0 0,1-25 15,-1 25-15</inkml:trace>
+  <inkml:trace contextRef="#ctx0" brushRef="#br0" timeOffset="34217">1251 8574 0,'-25'-24'16,"1"24"0,24-24-1,-25 24 1,25-25-16,0 1 15,-24-1-15,24 1 16,0 0 0,0-1-16,0-24 0,0 25 15,-25-25-15,25 25 16,0-25-16,0 0 0,-24 0 16,24-24-16,0 24 0,-24-24 15,24 24-15,-25-25 16,25 26-16,-24-26 0,24 1 15,0 0-15,-25-25 16,25 25-16,0-25 0,0 25 16,0-25-16,25 1 0,-1-26 15,1 26-15,-1-25 16,0 24-16,25-24 0,0 24 16,-24-24-16,23 24 0,1 1 15,0-1-15,0 25 16,-25-25-16,25 25 0,-24-1 15,-1 1-15,25 0 16,-25 24-16,1-24 0,-1 24 16,1-24-16,-1-1 15,0 26-15,1-26 0,-1 25 16,1-24-16,24 24 0,-25-24 16,25 24-16,0 0 15,0-24-15,-25 24 0,49 0 16,-24-24-16,0 24 15,0 0-15,24 1 0,-24-1 16,24 0-16,-24 0 0,0 0 16,0 0-16,0 25 15,-1-25-15,-23 0 0,24 25 16,0-25-16,-25 25 16,0-25-16,25 24 0,-24 1 15,23-25-15,-23 25 0,-1-1 16,1 1-16,-1 24 15,1-25-15,-1 1 0,0 24 16,-24-25-16,25 25 0,-25-24 16,24 24-16,1-24 15</inkml:trace>
+  <inkml:trace contextRef="#ctx0" brushRef="#br0" timeOffset="34631">3424 3348 0,'25'24'16,"-25"1"-16,0-1 0,24 1 16,-24-1-16,0 0 15,0 1-15,25-1 0,-25 1 16,0-1-16,0 1 0,0-1 15,0 0-15,0 1 16,0-1-16,0 1 0</inkml:trace>
+  <inkml:trace contextRef="#ctx0" brushRef="#br0" timeOffset="35915">2740 3543 0,'0'-24'16,"0"-1"-1,0 1 1,25 0 0,-1 24-1,1-25-15,-1 25 0,0-24 16,25 24-16,-24-25 16,24 1-16,-1 24 0,1-24 15,0-1-15,24 25 16,-24-24-16,-24 24 0,24-25 15,-25 25-15,0 0 0,1 0 16,-1 0-16,1 0 16,-25 25-1,0-1 17,0 1-32,0-1 15,0 0-15,0 1 16,24 24-16,-24-25 0,0 0 15,0 1-15,25-1 0,-25 1 16,0-1-16,0 1 16,24-25-16,-24 24 0,0 0 15,0 1 1</inkml:trace>
+  <inkml:trace contextRef="#ctx0" brushRef="#br0" timeOffset="40665">12534 148 0,'0'-24'0,"0"0"15,0-1 1,0 1 0,-24-1-1,-1 25 1,25-24-16,-24 24 0,-1 0 16,1 0-16,0 24 15,-1-24-15,1 0 16,-1 25-16,25-1 0,-24 1 15,24-1-15,-25 0 16,25 1-16,-24-1 0,24 1 16,-24 24-16,24-25 0,-25 25 15,25 0-15,-24 0 16,24-25-16,-25 25 0,25 0 16,0 0-16,-24-25 15,24 25-15,0 0 0,-25-25 16,25 1-16,-24 23 0,24-23 15,0-1-15,-24 1 16,24-1-16,-25-24 0,1 24 16,24 1-16,-25-25 15,1 0-15,-1 24 0,1-24 16,0 0-16,-1 0 16,25-24-16,-24 24 15,-1-25-15,1 1 16,24 0-16,0-1 15,0-24-15,0 25 0,0 0 16,0-25-16,0 24 0,24 1 16,-24-1-16,25 1 15,-1 0-15,-24-1 0,25 1 16,-1 24-16,0-25 16,1 25-16,-1 0 0,1-24 15,-1 24-15,1 0 0,-1 0 16,0 24-1,1-24-15,-25 25 0,24-1 16,1 1-16,-25-1 0,24 0 16,-24 1-16,25-1 15,-25 1-15,0-1 0,24 1 16,-24-1-16,24-24 16,-24 24-16,25 1 0,-1-25 15,1 24-15,-1-24 0,1 0 16,-1 25-16,0-25 15,1 0-15,-1 0 0,1 0 16,-1-25-16,0 25 16,1-24-16,-1 24 15,-24-25-15,25 25 16,-25-24-16,24 0 0,-24-1 16,0 1-16,0-25 15,-24 24-15,24 1 16,-25 0-16,25-1 0,-24 1 15,24-1-15,0 1 16,-25 24-16,25 24 47</inkml:trace>
+  <inkml:trace contextRef="#ctx0" brushRef="#br0" timeOffset="43060">5232 11090 0,'-25'-24'0,"25"-1"32,0 1-17,25 24 1,-1 0-16,0-25 16,1 25-16,-1 0 0,1 0 15,-1 0-15,1 0 16,-1 0-16,0 0 0,1 25 15,-1-1-15,1-24 0,-25 49 16,0-25-16,0 1 16,0-1-16,-25 1 0,1 24 15,-1-25-15,-23 0 16,23 1-16,-24-1 0,0 1 16,1-1-16,23 1 15,-24-1-15,25-24 0,-1 0 16,50-24-1,-25-1 1,49 25-16,-25-24 0,25-1 16,0 1-16,0-25 0,0 25 15,-1-1-15,1 1 16,24-1-16,-24 1 0,-24-1 16,24 1-16,-25 0 0,0-1 15,1 25-15,-25-24 16,-25 24-1,1 0-15,0 0 16,-1 24-16,1-24 0,-1 25 16,1-25-16,-25 24 15,25 0-15,24 1 0,-25-1 16,25 1-16,-24-1 0,24 1 16,24-1-1,1 0-15,-1-24 16,0 25-16,1-1 15,-1-24-15,1 0 16,24 0-16,-25 0 0,0 0 16,1 0-16,-1 0 15,1 0-15,-1 0 0,-24 25 16,25-25-16,-1 0 0,0 0 16</inkml:trace>
+  <inkml:trace contextRef="#ctx0" brushRef="#br0" timeOffset="44255">12168 10431 0,'0'-25'0,"0"1"16,0-1-1,-25 25 1,25 25 15,0-1-31,0 1 16,25-1-16,-25 0 16,24 25-16,1-24 0,-1-1 15,0 1-15,1-1 0,-1-24 16,1 24-16,23 1 15,-23-25-15,-1 0 0,1 0 16,-1 0-16,1 0 0,-1-25 16,0 25-16,-24-24 15,0 0-15,25-1 0,-25 1 16,0-1-16,0 1 16,-25-1-16,25 1 0,0 0 15,-24-1-15,24 50 31,0-1-31,0 0 16,0 25-16,0 0 16,0 0-16,24 0 0,-24 24 15,25-24-15,-25 0 16,24 24-16,-24-24 0,25 0 16,-25 0-16,0-1 0,0-23 15,0-1-15,-25 1 16,1-1-16,24 1 0,-49-25 15,25 0-15,-1 0 0,-24-25 16,25 25-16,-25-24 16,0-25-16,25 24 0,-25-23 15,25 23-15,24-24 16,0 25-16,0-1 0,0-23 16,24 48-16,25-25 0,-25 1 15,25-1-15,0 25 16,24 0-16,-24-24 0,0 24 15,-25 0-15,25 0 16,-24 0-16</inkml:trace>
+  <inkml:trace contextRef="#ctx0" brushRef="#br0" timeOffset="46889">4645 11310 0,'-24'0'47,"0"24"-47,-1-24 16,25 25-16,-24-25 15,-1 24-15,1 1 16,-25-1-16,25-24 0,-25 24 15,0 1-15,0-1 16,-24 25-16,-1-25 0,1 1 16,0-1-16,0 1 0,-25-1 15,0 1-15,1-25 16,-1 24-16,0 0 0,1-24 16,-1 25-16,0-25 15,0 24-15,1-24 0,-25 0 16,24 0-16,0 0 0,25 0 15,-25 0-15,1 0 16,23-24-16,1 24 0,0-25 16,0 1-16,-1 0 0,1-1 15,24 1-15,0-1 16,0 1-16,1-25 0,23 0 16,1 25-16,-25-25 15,49 0-15,-25 25 0,1-25 16,24 24-16,0 1 15,-24 0-15,24-1 0,0 1 16,-25 24 47,1 0-48,48 0 48</inkml:trace>
+  <inkml:trace contextRef="#ctx0" brushRef="#br0" timeOffset="47551">1837 11041 0,'-25'0'32,"1"0"-17,-1 0-15,1 0 16,0 0-16,-1 0 0,1 0 16,-1 0-16,-24 0 15,25 0-15,-25-24 0,25 24 16,-1 0-16,1 0 0,0 0 15,-1 0-15,1 0 16,-1 0 0,50 24-1,-25 1 1,24-25-16,-24 24 16,0 0-16,25 1 15,-25-1-15,0 1 0,0-1 16,24 1-16,-24-1 15,0 0-15,0 25 0,0-24 16,0 24-16,0-25 0,0 25 16,0-25-16,0 1 15,0-1-15,24 0 0,-24 1 16,25-1-16</inkml:trace>
+  <inkml:trace contextRef="#ctx0" brushRef="#br0" timeOffset="48913">13291 10675 0,'-24'0'16,"24"24"-1,24-24 1,1 25-16,-1-1 15,0 1 1,1-1-16,-1 0 0,1-24 16,24 25-16,-1-1 0,1 1 15,24-1-15,-24-24 16,25 25-16,-1-1 0,0-24 16,0 24-16,1-24 15,23 0-15,-23 0 0,23 0 16,1 0-16,0 0 0,24 0 15,-24 0-15,24-24 16,0 24-16,0-24 0,0-1 16,0 1-16,-24-1 15,24 1-15,-24-1 0,-25-23 16,25 23-16,-25-24 0,0 0 16,0 25-16,-24-25 15,24 0-15,1 25 0,-25-25 16,-1 0-16,26 25 15,-25-1-15,-1-24 0,-23 25 16,24 0-16,-25-1 0,1 1 16,-1-1-16,0 1 15,-24 0-15,25-1 0,-25 1 16,0-1-16,24 25 0,-24-24 16,-24 24 30,-1 0-14,25 24-17</inkml:trace>
+  <inkml:trace contextRef="#ctx0" brushRef="#br0" timeOffset="49508">16368 10064 0,'25'0'63,"-1"0"-63,1-24 15,24 24 1,-25 0-16,0 0 0,25-25 16,-24 25-16,24 0 0,-25 0 15,0 0-15,1 0 16,-1 0-16,1 25 15,-25-1 1,24-24-16,-24 25 0,0-1 16,0 1-16,24-1 0,-24 0 15,25 1-15,-25-1 16,0 1-16,0-1 0,0 0 16,0 1-16,0-1 15,0 1-15,0-1 0,0 1 16,0-1-16,-25-24 0,25 24 15,0 1 1,0-50 31,0 1-31,-24 0 62</inkml:trace>
+</inkml:ink>
+</file>
+
 <file path=ppt/ink/ink12.xml><?xml version="1.0" encoding="utf-8"?>
 <inkml:ink xmlns:inkml="http://www.w3.org/2003/InkML">
   <inkml:definitions>
@@ -247,6 +1055,315 @@
   <inkml:trace contextRef="#ctx0" brushRef="#br0">53 326 0,'0'-25'15,"0"1"17,0 48 14,0 1-46,0-1 16,0 1 0,25 23-16,-25-23 0,24-1 15,-24 25-15,0-25 16,25 25-16,-25-24 0,24-1 16,-24 1-16,0-1 15,25 0-15,-25 1 16,0-50 15,0 1-31,-25 0 16,1-1-1</inkml:trace>
   <inkml:trace contextRef="#ctx0" brushRef="#br0" timeOffset="810">54 375 0,'0'-25'0,"0"1"16,0-1-1,-25 25-15,25-24 16,0-1-16,0 1 0,0 0 16,-24 24-16,24-25 0,0 1 15,0-1-15,24 1 16,1 24-16,-25-25 15,24 25-15,0 0 0,1 0 16,-1-24-16,1 24 16,-1 0-16,0 24 0,1-24 15,-1 25-15,1-25 0,-1 24 16,1 1-16,-1-1 16,-24 1-16,0-1 15,0 0-15,-24-24 16,24 25-16,-25-1 0,1 1 15,-1-1-15,1-24 16,-1 25-16,1-25 16,0 24-16,-1-24 15,50 0 17,-1 0-17,0 0 1,-24-24-16,49 24 0,-24 0 15,-1 0-15,25 0 0,-25 0 16,1 0-16,24 0 16,-25 24-16,1 0 0,-1 1 15,0-25-15,-24 24 16,25 1-16,-25-1 0,0 1 16,0-1-16,0 0 0,-25 1 15,25-1-15,-24 1 16,0-1-16,-1-24 0,1 24 15,-1-24-15,1 25 16,-1-25-16,1 0 0,0 24 16,-1-24-16,1 0 15,-1 0-15,1 0 16,-1 0 0,25-24-1,25 24 1</inkml:trace>
   <inkml:trace contextRef="#ctx0" brushRef="#br0" timeOffset="1512">640 155 0,'0'-25'16,"24"25"-1,-24 25 17,0-1-32,0 1 15,0-1-15,24 0 16,-24 1-16,25 24 15,-25-25-15,24 1 0,1-1 16,-25 25-16,24-25 16,-24 1-16,25-1 0,-25 1 15,0-1-15,0 0 0,0 1 16,0-1 0,0-48 15,0-1-16,0 1-15,-25 0 16,25-1-16,-24-24 16,24 25-16,-25-25 0,25 0 15,-24 0-15,24 0 16,-25 1-16,25 23 0,0-24 16,0 25-16,0-1 0,0 1 15,0 0-15,25-1 16,-1 25-1,1 0-15,-1 0 16,1 0-16,-1 0 16,0 25-16,1-25 0,-1 24 15,1-24-15,-1 24 16,1 1-16,-25-1 0,24-24 16,-24 25-16,0-1 15,-24 1-15,-1-1 16,1 0-16,-1-24 15,1 25-15,-1-25 16,1 0-16,0 0 0,24 24 16,-25-24-16,1 0 15,24 25 1</inkml:trace>
+</inkml:ink>
+</file>
+
+<file path=ppt/ink/ink120.xml><?xml version="1.0" encoding="utf-8"?>
+<inkml:ink xmlns:inkml="http://www.w3.org/2003/InkML">
+  <inkml:definitions>
+    <inkml:context xml:id="ctx0">
+      <inkml:inkSource xml:id="inkSrc0">
+        <inkml:traceFormat>
+          <inkml:channel name="X" type="integer" max="1920" units="cm"/>
+          <inkml:channel name="Y" type="integer" max="1080" units="cm"/>
+          <inkml:channel name="T" type="integer" max="2.14748E9" units="dev"/>
+        </inkml:traceFormat>
+        <inkml:channelProperties>
+          <inkml:channelProperty channel="X" name="resolution" value="55.81395" units="1/cm"/>
+          <inkml:channelProperty channel="Y" name="resolution" value="55.6701" units="1/cm"/>
+          <inkml:channelProperty channel="T" name="resolution" value="1" units="1/dev"/>
+        </inkml:channelProperties>
+      </inkml:inkSource>
+      <inkml:timestamp xml:id="ts0" timeString="2020-11-20T16:12:11.488"/>
+    </inkml:context>
+    <inkml:brush xml:id="br0">
+      <inkml:brushProperty name="width" value="0.05" units="cm"/>
+      <inkml:brushProperty name="height" value="0.05" units="cm"/>
+      <inkml:brushProperty name="fitToCurve" value="1"/>
+    </inkml:brush>
+  </inkml:definitions>
+  <inkml:trace contextRef="#ctx0" brushRef="#br0">710 247 0,'24'0'0,"-24"-25"16,0 1 0,25-1-16,-25 1 15,0 0-15,0-1 16,-25 1-1,25-1-15,-24 1 16,-1-1-16,1 25 16,-1 0-1,1 0-15,0 25 16,-1-1-16,1 1 16,24 24-16,-25-25 0,1 25 15,24 0-15,-24 0 16,-1-25-16,25 25 0,-24 0 15,24-1-15,-25 1 0,1 0 16,24 0-16,-25 0 16,1-25-16,0 25 0,-1 0 15,1-25-15,-1 1 16,1-1-16,-1 1 0,1-1 16,0 0-16,-1-24 15,1 0-15,-1 0 16,25-24-16,-24 24 0,24-24 15,-25-1-15,25 1 0,0-1 16,0 1-16,0 0 16,0-25-16,0 24 0,25 1 15,-1-25-15,1 25 16,-1-1-16,1 25 0,23-24 16,-23-1-16,-1 25 0,1 0 15,24 0-15,-25 25 16,0-25-16,-24 24 0,25 1 15,-1-1-15,-24 0 16,0 1-16,25-1 0,-25 1 16,24-1-16,-24 25 0,0-25 15,25 1-15,-25-1 16,0 1-16,24-1 0,-24 0 16,24 1-16,-24-1 15,25-24-15,-25 25 0,24-25 16,-24 24-16,25-24 0,-1 25 15,0-25 1,1 0-16,-1 0 16,1-25-16,-1 25 15,1 0-15,-1-24 0,0 24 16,-24-25-16,25 25 16,-25-24-16,24 24 15,-24-25-15</inkml:trace>
+  <inkml:trace contextRef="#ctx0" brushRef="#br0" timeOffset="324">1345 564 0,'0'-24'15,"0"-1"1,24 25 31,1 0-47,-1 0 0,0 0 15,1 0-15,-1 0 16,1 0-16</inkml:trace>
+  <inkml:trace contextRef="#ctx0" brushRef="#br0" timeOffset="541">1271 760 0,'-24'0'0,"24"24"16,24-24-1,1 0-15,-1 0 16,1 0-16,-1 0 15,25 24-15,-25-24 16,1 0-16,-1 0 0,1 0 16,-1 0-16</inkml:trace>
+  <inkml:trace contextRef="#ctx0" brushRef="#br0" timeOffset="1391">2395 637 0,'0'-24'16,"-24"24"-16,24-24 15,0-1-15,0 1 16,0-1-16,0 1 16,24-1-16,-24 1 0,24 0 15,1-1-15,-25 1 0,24-1 16,1 25-16,23 0 15,-23 0-15,-1 0 0,1 0 16,-1 25-16,1-25 0,-1 24 16,0 1-16,1-1 15,-1 0-15,-24 25 0,0-24 16,0-1-16,-24 25 16,-1-25-16,1 1 0,0-1 15,-1 1-15,-24-25 0,25 24 16,-25 1-16,25-25 15,-25 24-15,24-24 0,1 0 16,0 0-16,-1 0 16,50 0-1,-1 0 1,0-24-16,25 24 0,0-25 16,0 1-16,0 24 0,24-25 15,-24 1-15,24-1 16,0-23-16,-24 23 0,24 1 15,-24-1-15,0 1 0,0-1 16,-25 1-16,1 0 16,-1-1-16,1 25 0,-25-24 15,-25 24 1,1 0 0,-25 24-16,25-24 0,-25 25 15,24-1-15,-24 0 16,25 1-16,-25-1 0,25 1 15,-1-1-15,25 25 16,-24-25-16,24 1 0,0-1 16,24 1-16,-24-1 0,25 1 15,-1-25-15,25 24 16,-25-24-16,25 0 0,0 0 16,0 0-16,0 0 15,0 0-15,0 0 0,-25 0 16,0 0-16,1-24 15,-1 24-15</inkml:trace>
+</inkml:ink>
+</file>
+
+<file path=ppt/ink/ink121.xml><?xml version="1.0" encoding="utf-8"?>
+<inkml:ink xmlns:inkml="http://www.w3.org/2003/InkML">
+  <inkml:definitions>
+    <inkml:context xml:id="ctx0">
+      <inkml:inkSource xml:id="inkSrc0">
+        <inkml:traceFormat>
+          <inkml:channel name="X" type="integer" max="1920" units="cm"/>
+          <inkml:channel name="Y" type="integer" max="1080" units="cm"/>
+          <inkml:channel name="T" type="integer" max="2.14748E9" units="dev"/>
+        </inkml:traceFormat>
+        <inkml:channelProperties>
+          <inkml:channelProperty channel="X" name="resolution" value="55.81395" units="1/cm"/>
+          <inkml:channelProperty channel="Y" name="resolution" value="55.6701" units="1/cm"/>
+          <inkml:channelProperty channel="T" name="resolution" value="1" units="1/dev"/>
+        </inkml:channelProperties>
+      </inkml:inkSource>
+      <inkml:timestamp xml:id="ts0" timeString="2020-11-20T16:12:14.092"/>
+    </inkml:context>
+    <inkml:brush xml:id="br0">
+      <inkml:brushProperty name="width" value="0.05" units="cm"/>
+      <inkml:brushProperty name="height" value="0.05" units="cm"/>
+      <inkml:brushProperty name="fitToCurve" value="1"/>
+    </inkml:brush>
+  </inkml:definitions>
+  <inkml:trace contextRef="#ctx0" brushRef="#br0">586 318 0,'0'-25'0,"24"1"0,1-1 15,-25 1-15,24 0 16,0-25-16,-24 24 0,25 1 15,-25 0-15,24-1 16,-24 1-16,0-1 16,-24 25 15,-1 0-15,1 25-16,0-1 15,-1 1-15,1-1 16,-1 0-16,1 25 0,-1-24 15,1 23-15,24 1 16,-24 0-16,-1-24 0,1 23 16,24 1-16,-25 0 15,1 0-15,24-25 0,-24 25 16,-1-24-16,1 23 0,-1-23 16,1-1-16,-25 1 15,25-1-15,-25-24 0,24 25 16,1-25-16,-1 0 15,1 0-15,0 0 0,24-25 16,0 1-16,0-1 0,0 1 16,0-1-16,24-23 15,-24-1-15,24 0 0,1 25 16,24-25-16,-25 24 16,1 1-16,-1-1 0,25 25 15,-25-24-15,25 24 0,-24 0 16,23 0-16,-23 0 15,-1 24-15,25 1 0,-25-25 16,1 24-16,-1 1 16,1-1-16,-1 1 0,-24 23 15,25-23-15,-1-1 0,0 1 16,-24 23-16,25-23 16,-1-1-16,-24 1 0,25-25 15,-1 24-15,1-24 0,-25 25 16,24-25-16,0 0 15,1 0-15,-25-25 0,24 25 16,1-24-16,-1-1 16,1 1-1,-25-1-15,0 1 16,24 24 0,-24-24-1</inkml:trace>
+  <inkml:trace contextRef="#ctx0" brushRef="#br0" timeOffset="301">1587 367 0,'-24'0'16,"-1"0"0,50-25-1,-1 25 1,1 0-16,-1 0 15,0 0-15,1 0 16,-1 0-16,1 0 0</inkml:trace>
+  <inkml:trace contextRef="#ctx0" brushRef="#br0" timeOffset="476">1587 489 0,'-24'24'15,"24"1"-15,24-25 16,1 0 0,23 24-1,-23-24-15,-1 0 0,25 0 16,0 0-16,0-24 16</inkml:trace>
+  <inkml:trace contextRef="#ctx0" brushRef="#br0" timeOffset="1284">3077 318 0,'0'-25'0,"-25"1"16,25-1 0,0 1-16,-24 0 15,24-1-15,-24 25 16,24 25 0,-25-1-1,25 0 1,0 1-16,0-1 0,0 1 15,25-1-15,-25 25 0,24-25 16,0 25-16,1-24 16,-1-1-16,1 1 0,24-1 15,-25 0-15,25 1 16,-25-25-16,25 24 0,-24-24 16,23 0-16,-23-24 0,-1 24 15,1-25-15,-1 1 16,1 0-16,-1-1 0,-24 1 15,24-1-15,-24 1 16,0-1-16,0 1 0,0 0 16,-24 24-16,0 0 31,24 24-31,-25 0 16,25 1-16,0 24 15,0 0-15,25-1 0,-25 1 16,24 0-16,0 24 0,-24 1 15,25-26-15,-1 26 16,1-25-16,-1 24 0,-24-24 16,25-25-16,-25 25 15,0-25-15,0 1 0,0-1 16,-25 1-16,1-25 0,-1 0 16,-24 0-16,25 0 15,-25-25-15,0 1 0,0-1 16,1 1-16,-1-25 15,24 25-15,1-25 0,-1 24 16,25-23-16,0 23 0,25-24 16,-1 25-16,1-1 15,-1 1-15,25 0 0,-25-1 16,25 1-16,-24 24 0,24-25 16,-25 25-16,0 0 15,1 0-15,-1 0 0,1-24 16,-50 24-1</inkml:trace>
+</inkml:ink>
+</file>
+
+<file path=ppt/ink/ink122.xml><?xml version="1.0" encoding="utf-8"?>
+<inkml:ink xmlns:inkml="http://www.w3.org/2003/InkML">
+  <inkml:definitions>
+    <inkml:context xml:id="ctx0">
+      <inkml:inkSource xml:id="inkSrc0">
+        <inkml:traceFormat>
+          <inkml:channel name="X" type="integer" max="1920" units="cm"/>
+          <inkml:channel name="Y" type="integer" max="1080" units="cm"/>
+          <inkml:channel name="T" type="integer" max="2.14748E9" units="dev"/>
+        </inkml:traceFormat>
+        <inkml:channelProperties>
+          <inkml:channelProperty channel="X" name="resolution" value="55.81395" units="1/cm"/>
+          <inkml:channelProperty channel="Y" name="resolution" value="55.6701" units="1/cm"/>
+          <inkml:channelProperty channel="T" name="resolution" value="1" units="1/dev"/>
+        </inkml:channelProperties>
+      </inkml:inkSource>
+      <inkml:timestamp xml:id="ts0" timeString="2020-11-20T16:12:20.478"/>
+    </inkml:context>
+    <inkml:brush xml:id="br0">
+      <inkml:brushProperty name="width" value="0.05" units="cm"/>
+      <inkml:brushProperty name="height" value="0.05" units="cm"/>
+      <inkml:brushProperty name="fitToCurve" value="1"/>
+    </inkml:brush>
+  </inkml:definitions>
+  <inkml:trace contextRef="#ctx0" brushRef="#br0">1539 221 0,'0'-24'16,"-24"24"-16,-1-25 15,1 1-15,0 24 0,-1-24 16,-24 24-16,25-25 16,0 25-16,-1-24 0,1 24 15,-25-25-15,24 25 0,-23-24 16,23 24-16,-24 0 16,0 0-16,1-24 0,-1 24 15,0 0-15,-24 24 0,24-24 16,0 24-16,0 1 15,-24-25-15,24 49 0,0-25 16,0 0-16,0 1 16,1 24-16,-1-25 0,0 25 15,24-25-15,-23 1 0,23 24 16,1-25-16,-25 1 16,25 23-16,24-23 0,-25 24 15,1 0-15,24-25 16,0 25-16,0 0 0,0 0 15,0-1-15,0 1 16,0 0-16,0 0 0,24 0 16,-24 0-16,25-1 0,-1 1 15,0 0-15,-24-24 16,49 23-16,-24 1 0,-1-24 16,25 23-16,-25-23 0,25 24 15,24-25-15,-24 1 16,0-1-16,24-24 0,-24 24 15,24 1-15,-24-25 16,25 0-16,-26 24 0,26-24 16,-25 0-16,24 0 0,-24 25 15,0-25-15,-1 0 16,1 0-16,0-25 0,0 25 16,0-24-16,0 24 15,-1-25-15,-23 1 0,24 0 16,-25-1-16,25-24 0,-25 25 15,1-1-15,-1-23 16,1 23-16,-1-24 0,1 25 16,-1-25-16,0 0 15,1 25-15,-1-25 0,-24 25 16,25-25-16,-25 0 0,24 24 16,-24-23-16,0-1 15,0 24-15,24-23 0,-24-1 16,0 24-16,0-24 15,0 25-15,0 0 0,0-25 16,0 24-16,0 1 0,-24-1 16,0 1-1,24 0-15,-25-1 0,25 1 16,-24-1-16,-1 1 0,1-1 16,24 1-1,-24 0-15,24-1 0,0 1 16,-25-1-16,25 1 15,0-1 1,-24 25-16,24-24 0,-25 24 47,1 0-31,-1 0-16,1 0 15,0 0-15,-1 0 16</inkml:trace>
+</inkml:ink>
+</file>
+
+<file path=ppt/ink/ink123.xml><?xml version="1.0" encoding="utf-8"?>
+<inkml:ink xmlns:inkml="http://www.w3.org/2003/InkML">
+  <inkml:definitions>
+    <inkml:context xml:id="ctx0">
+      <inkml:inkSource xml:id="inkSrc0">
+        <inkml:traceFormat>
+          <inkml:channel name="X" type="integer" max="1920" units="cm"/>
+          <inkml:channel name="Y" type="integer" max="1080" units="cm"/>
+          <inkml:channel name="T" type="integer" max="2.14748E9" units="dev"/>
+        </inkml:traceFormat>
+        <inkml:channelProperties>
+          <inkml:channelProperty channel="X" name="resolution" value="55.81395" units="1/cm"/>
+          <inkml:channelProperty channel="Y" name="resolution" value="55.6701" units="1/cm"/>
+          <inkml:channelProperty channel="T" name="resolution" value="1" units="1/dev"/>
+        </inkml:channelProperties>
+      </inkml:inkSource>
+      <inkml:timestamp xml:id="ts0" timeString="2020-11-20T16:12:21.937"/>
+    </inkml:context>
+    <inkml:brush xml:id="br0">
+      <inkml:brushProperty name="width" value="0.05" units="cm"/>
+      <inkml:brushProperty name="height" value="0.05" units="cm"/>
+      <inkml:brushProperty name="fitToCurve" value="1"/>
+    </inkml:brush>
+  </inkml:definitions>
+  <inkml:trace contextRef="#ctx0" brushRef="#br0">1619 223 0,'0'-24'0,"-24"-1"0,24 1 15,-25 24-15,1-25 0,-1 25 16,-23-24-16,23 24 15,-24-25-15,0 25 0,1-24 16,-1 24-16,-25-24 0,26 24 16,-26 0-16,25-25 15,-24 25-15,0 0 0,24 0 16,-24 25-16,0-25 16,24 24-16,-25 0 0,26 1 15,-1-1-15,0 1 0,-24 24 16,24-1-16,24 1 15,-23 0-15,-1 0 0,24 24 16,1-24-16,-1 0 16,1 0-16,0 0 0,24-1 15,-25 1-15,25 0 16,0 0-16,0 0 0,0 0 16,0 0-16,0-1 0,25 1 15,-25-24-15,24 24 16,-24-1-16,0-23 0,24 24 15,-24-25-15,0 0 0,25 25 16,-25-24-16,24-1 16,1 1-16,-1-1 0,1 0 15,-1 1-15,25-1 16,24 1-16,-24-1 0,24-24 16,0 25-16,1-25 0,-1 0 15,0 0-15,1 24 16,-1-24-16,0 0 0,0 0 15,-24-24-15,24 24 16,-24-25-16,25 25 0,-26-24 16,1 24-16,0-25 0,0 1 15,0-1-15,0 1 16,0-25-16,-1 25 0,1-25 16,0 24-16,-25-23 15,25 23-15,0-24 0,-24 25 16,-1-25-16,0 25 0,1-25 15,-1 24-15,-24 1 16,25-25-16,-25 25 0,0-1 16,0-24-16,0 25 15,0-25-15,-25 0 0,25 25 16,0-25-16,-24 0 0,24 0 16,-25 25-16,25-25 15,-24 25-15,24-25 0,-24 24 16,-1 1-16,1 0 15,24-1-15,-25 1 0,1 24 16,24-25-16,-25 1 0,1-1 16,0 1-1,-1 24-15,1-24 0,-1-1 16,1 25-16,0-24 0,-1 24 16,1 0-16,-1-25 15,1 25-15,-1 0 0,1 0 16,0 0-16,-1-24 15,1 24-15,-1 0 32,1 0-1</inkml:trace>
+</inkml:ink>
+</file>
+
+<file path=ppt/ink/ink124.xml><?xml version="1.0" encoding="utf-8"?>
+<inkml:ink xmlns:inkml="http://www.w3.org/2003/InkML">
+  <inkml:definitions>
+    <inkml:context xml:id="ctx0">
+      <inkml:inkSource xml:id="inkSrc0">
+        <inkml:traceFormat>
+          <inkml:channel name="X" type="integer" max="1920" units="cm"/>
+          <inkml:channel name="Y" type="integer" max="1080" units="cm"/>
+          <inkml:channel name="T" type="integer" max="2.14748E9" units="dev"/>
+        </inkml:traceFormat>
+        <inkml:channelProperties>
+          <inkml:channelProperty channel="X" name="resolution" value="55.81395" units="1/cm"/>
+          <inkml:channelProperty channel="Y" name="resolution" value="55.6701" units="1/cm"/>
+          <inkml:channelProperty channel="T" name="resolution" value="1" units="1/dev"/>
+        </inkml:channelProperties>
+      </inkml:inkSource>
+      <inkml:timestamp xml:id="ts0" timeString="2020-11-20T16:12:29.082"/>
+    </inkml:context>
+    <inkml:brush xml:id="br0">
+      <inkml:brushProperty name="width" value="0.05" units="cm"/>
+      <inkml:brushProperty name="height" value="0.05" units="cm"/>
+      <inkml:brushProperty name="fitToCurve" value="1"/>
+    </inkml:brush>
+  </inkml:definitions>
+  <inkml:trace contextRef="#ctx0" brushRef="#br0">783 562 0,'0'-25'15,"0"1"-15,0-1 0,0 1 16,0 0-16,0-1 15,0 1-15,-24 24 16,24-25-16,-25 25 16,1 0-1,-1 0 1,1 25-16,0-25 16,-1 24-16,1 1 0,-1-1 15,25 25-15,-24-25 0,-1 25 16,25 0-16,-24 0 15,24 0-15,0-1 0,0 1 16,-24 0-16,24-24 0,0 23 16,-25 1-16,1-24 15,-1 24-15,1-25 0,0 0 16,-1 1-16,1-1 16,-1 1-16,-24-25 0,25 24 15,0-24-15,-1 0 0,1 0 16,-1 0-16,1 0 15,-1 0-15,25-24 0,-24-1 16,24 1-16,-24-1 16,24 1-16,0 0 0,0-1 15,24-24-15,0 25 0,-24-25 16,25 25-16,24-1 16,-49 1-16,49-1 0,-25 1 15,0 24-15,1 0 16,-1 0-16,1 0 0,-1 0 15,1 24-15,-1 1 0,0-1 16,-24 1-16,25-1 16,-1 0-16,-24 1 0,0-1 15,25 1-15,-25-1 16,24 1-16,-24-1 0,24-24 16,-24 24-16,25 1 0,-1-1 15,1 1 1,-1-25-1,1 24 1,-1-24-16,0 0 16,1 0-16,-1 0 15,1 0-15,-1 0 16,1-24-16,-1 24 16,0-25-1</inkml:trace>
+  <inkml:trace contextRef="#ctx0" brushRef="#br0" timeOffset="414">1345 879 0,'-25'0'16,"50"0"15,-1 0-16,1-24-15,-1 24 0,1 0 16,23 0-16,1 0 16,-24 0-16,24 0 0,-1 0 15,1 0-15,-24 0 0,23 0 16,-23 0-16,-1 0 16,1 0-16,-1 0 0,-24-25 15,25 25-15,-50 0 31</inkml:trace>
+  <inkml:trace contextRef="#ctx0" brushRef="#br0" timeOffset="733">1687 635 0,'-25'0'15,"25"24"17,25-24-32,-1 0 15,1 25-15,-1-25 16,1 24-16,23 1 0,-23-1 16,24 0-16,-1 1 0,-23-1 15,24 1-15,-25-1 16,1 1-16,-25-1 0,24 0 15,-24 1-15,0-1 16,-24 1-16,-1-25 0,1 24 16,-25 1-16,24-25 0,-23 24 15,23-24-15,1 0 16,-1 0-16</inkml:trace>
+  <inkml:trace contextRef="#ctx0" brushRef="#br0" timeOffset="1200">2835 440 0,'24'-25'15,"-24"-24"-15,0 25 0,0-25 16,25 0-16,-25 25 16,0-25-16,0 0 0,24 25 15,-24-1-15,0-24 0,-24 25 16,-1 24-1,1 24-15,-1-24 16,1 25-16,-1 24 16,1-25-16,0 25 0,24 0 15,-25 24-15,25-24 0,0 49 16,0-25-16,25 24 16,-25 1-16,0-25 0,24 25 15,-24 0-15,0-25 0,24 25 16,-24-49-16,0 24 15,0-24-15,-24-25 0,24 1 16,-24-1-16,-1-24 16,1 0-16</inkml:trace>
+  <inkml:trace contextRef="#ctx0" brushRef="#br0" timeOffset="1415">2566 806 0,'24'0'16,"1"0"-1,-1 0-15,1 0 16,-1 24-16,25-24 0,0 0 16,0 0-16,24 25 0,-24-25 15,0 0-15,-1 0 16,1 0-16,-24 0 0,-1 0 15,1 0-15</inkml:trace>
+  <inkml:trace contextRef="#ctx0" brushRef="#br0" timeOffset="1650">3201 610 0,'0'25'0,"0"-1"15,24 1 1,1-25-16,-1 24 0,-24 1 16,49-1-16,-24 0 15,-1 1-15,0-1 0,1 1 16,-1-1-16,1 1 0,-1-1 16</inkml:trace>
+  <inkml:trace contextRef="#ctx0" brushRef="#br0" timeOffset="1855">3494 586 0,'-24'0'16,"24"-24"-16,-25 24 15,1 0-15,-1 24 16,25 0-16,-24 1 15,0-1-15,-1 25 0,1-24 16,24-1-16,-25 25 16,25-25-16,-24 25 0,24-24 15,-25-1-15,25 0 0,0 1 16,0-1-16</inkml:trace>
+  <inkml:trace contextRef="#ctx0" brushRef="#br0" timeOffset="2300">4105 366 0,'0'-24'0,"-25"-1"16,1 25-1,-1 0 1,25 25-16,-24-25 15,24 24-15,-24 1 16,-1 24-16,25-25 0,-24 25 16,-1 0-16,25-1 0,0 1 15,0 0-15,0 0 16,0 0-16,25 0 0,-25-25 16,24 1-16,1 23 15,-1-23-15,0-1 0,1-24 16,-1 25-16,1-25 0,24 0 15,-25 0-15,25 0 16</inkml:trace>
+  <inkml:trace contextRef="#ctx0" brushRef="#br0" timeOffset="2652">4642 366 0,'0'-24'0,"24"24"47,1 0-31,-1 24-16,-24 1 15,25-25-15,-1 24 0,1 25 16,-1-25-16,0 25 0,1 0 16,-1-25-16,-24 25 15,0 0-15,0 0 0,0-25 16,0 1-16,0-1 16,-24 1-16,-1-1 0,1-24 15,0 0-15,-1 0 0,1 0 16,-1-24-16</inkml:trace>
+  <inkml:trace contextRef="#ctx0" brushRef="#br0" timeOffset="2928">5350 342 0,'25'0'15,"-1"-25"1,1 25 0,-25 25-1,24-25 1,0 24-1</inkml:trace>
+  <inkml:trace contextRef="#ctx0" brushRef="#br0" timeOffset="3284">5570 855 0,'0'-25'0,"0"1"16,24 24 0,-48 0 31,24 24-47,-24 1 0,24-1 15,-25 25-15,25-25 0,-24 25 16,-1 0-16,1 0 15</inkml:trace>
+</inkml:ink>
+</file>
+
+<file path=ppt/ink/ink125.xml><?xml version="1.0" encoding="utf-8"?>
+<inkml:ink xmlns:inkml="http://www.w3.org/2003/InkML">
+  <inkml:definitions>
+    <inkml:context xml:id="ctx0">
+      <inkml:inkSource xml:id="inkSrc0">
+        <inkml:traceFormat>
+          <inkml:channel name="X" type="integer" max="1920" units="cm"/>
+          <inkml:channel name="Y" type="integer" max="1080" units="cm"/>
+          <inkml:channel name="T" type="integer" max="2.14748E9" units="dev"/>
+        </inkml:traceFormat>
+        <inkml:channelProperties>
+          <inkml:channelProperty channel="X" name="resolution" value="55.81395" units="1/cm"/>
+          <inkml:channelProperty channel="Y" name="resolution" value="55.6701" units="1/cm"/>
+          <inkml:channelProperty channel="T" name="resolution" value="1" units="1/dev"/>
+        </inkml:channelProperties>
+      </inkml:inkSource>
+      <inkml:timestamp xml:id="ts0" timeString="2020-11-20T16:12:57.161"/>
+    </inkml:context>
+    <inkml:brush xml:id="br0">
+      <inkml:brushProperty name="width" value="0.05" units="cm"/>
+      <inkml:brushProperty name="height" value="0.05" units="cm"/>
+      <inkml:brushProperty name="fitToCurve" value="1"/>
+    </inkml:brush>
+  </inkml:definitions>
+  <inkml:trace contextRef="#ctx0" brushRef="#br0">0 197 0,'0'-25'47,"0"1"-16,25 24-31,-25-25 16,24 25-16,1-24 16,-1 24-16,0 0 0,25-25 15,-24 25-15,-1 0 0,25 0 16,-25 0-16,1 0 16,-1 0-16,-24 25 0,25-1 15,-1-24-15,-24 25 16,0-1-16,0 1 0,-24-25 15,24 24-15,-25 0 0,1 1 16,-1-25-16,1 24 16,-1 1-16,1-25 0,0 0 15,-1 24-15,1-24 0,-1 0 16,50 0 0,-25-24-1,24-1-15,1 25 16,23-24-16,-23-1 0,24 1 15,-25 0-15,25-1 0,-25 1 16,25-1-16,-24 1 16,-1-1-16,25 1 0,-25 0 15,1-1 1,-1 25-16,-48 0 16,-1 25-1,1-25-15,0 24 16,-1-24-16,-24 24 0,25 1 15,-1-1-15,1 1 16,24-1-16,-24 1 0,24-1 16,0 0-16,0 1 0,24-25 15,0 24-15,-24 1 16,25-25-16,24 0 0,-25 24 16,1-24-16,-1 0 15,25 0-15,-25 0 0,1 0 16,-1 0-16,0-24 0,1 24 15,-1 0-15,1 0 16,-1-25-16</inkml:trace>
+  <inkml:trace contextRef="#ctx0" brushRef="#br0" timeOffset="455">1197 172 0,'-24'0'0,"-1"0"16,25-24-16,-24 24 16,-1 0-16,50 0 46,-1 0-30,25 0 0,-25 0-16,1 0 0,24 0 15,0 0-15,-1 0 16,1 0-16,0-25 0,-25 25 16,25 0-16,-24 0 0,-1 0 15,-24-24 1</inkml:trace>
+  <inkml:trace contextRef="#ctx0" brushRef="#br0" timeOffset="815">1490 1 0,'-24'0'16,"48"0"31,-24 25-32,24-25-15,1 0 16,-1 0-16,1 24 0,24-24 16,-25 24-16,0-24 15,25 25-15,-24-25 0,-1 24 16,1-24-16,-1 0 0,-24 25 15,0-1 1,0 0-16,-24-24 16,-1 25-16,1-25 15,24 24-15,-25-24 0,1 25 16,-1-25-16,1 24 16,0-24-1</inkml:trace>
+</inkml:ink>
+</file>
+
+<file path=ppt/ink/ink126.xml><?xml version="1.0" encoding="utf-8"?>
+<inkml:ink xmlns:inkml="http://www.w3.org/2003/InkML">
+  <inkml:definitions>
+    <inkml:context xml:id="ctx0">
+      <inkml:inkSource xml:id="inkSrc0">
+        <inkml:traceFormat>
+          <inkml:channel name="X" type="integer" max="1920" units="cm"/>
+          <inkml:channel name="Y" type="integer" max="1080" units="cm"/>
+          <inkml:channel name="T" type="integer" max="2.14748E9" units="dev"/>
+        </inkml:traceFormat>
+        <inkml:channelProperties>
+          <inkml:channelProperty channel="X" name="resolution" value="55.81395" units="1/cm"/>
+          <inkml:channelProperty channel="Y" name="resolution" value="55.6701" units="1/cm"/>
+          <inkml:channelProperty channel="T" name="resolution" value="1" units="1/dev"/>
+        </inkml:channelProperties>
+      </inkml:inkSource>
+      <inkml:timestamp xml:id="ts0" timeString="2020-11-20T16:13:00.958"/>
+    </inkml:context>
+    <inkml:brush xml:id="br0">
+      <inkml:brushProperty name="width" value="0.05" units="cm"/>
+      <inkml:brushProperty name="height" value="0.05" units="cm"/>
+      <inkml:brushProperty name="fitToCurve" value="1"/>
+    </inkml:brush>
+  </inkml:definitions>
+  <inkml:trace contextRef="#ctx0" brushRef="#br0">98 373 0,'-25'0'0,"25"24"47,0 1-47,0-1 0,0 1 15,0-1-15,25 25 16,-25-25-16,0 25 0,0 0 16,0-25-16,0 1 15,24 24-15,-24-25 0,0 1 16,0-1-16,24-24 16</inkml:trace>
+  <inkml:trace contextRef="#ctx0" brushRef="#br0" timeOffset="204">24 202 0,'0'-24'0,"0"-1"16,-24 25-1,24 25 17</inkml:trace>
+  <inkml:trace contextRef="#ctx0" brushRef="#br0" timeOffset="702">415 324 0,'0'24'16,"0"1"-1,0-1 1,0 1-16,0-1 15,0 1-15,0-1 0,0 0 16,0 25-16,0-24 16,0-1-16,0 1 0,25-1 15,-25 0-15,0 1 16,0-1-16,0-48 47,0-1-47,0 1 15,0-25-15,0 25 16,0-25-16,0 24 0,0-23 16,-25-1-16,25 0 0,0-24 15,0 24-15,0 0 16,0 0-16,0 0 0,0 0 16,0 25-16,25 0 15,-1 24-15,0 0 16,1 0-16,-1 0 0,1 24 15,-1 0-15,0 1 16,1-1-16,-1 1 0,1-1 16,-1 1-16</inkml:trace>
+  <inkml:trace contextRef="#ctx0" brushRef="#br0" timeOffset="888">415 471 0,'-24'0'0,"24"24"16,24-24-1,1 0-15,-1 0 16,25 0-16,0-24 16,-25 24-16,25 0 0,0 0 15,0 0-15,-1 0 0</inkml:trace>
+</inkml:ink>
+</file>
+
+<file path=ppt/ink/ink127.xml><?xml version="1.0" encoding="utf-8"?>
+<inkml:ink xmlns:inkml="http://www.w3.org/2003/InkML">
+  <inkml:definitions>
+    <inkml:context xml:id="ctx0">
+      <inkml:inkSource xml:id="inkSrc0">
+        <inkml:traceFormat>
+          <inkml:channel name="X" type="integer" max="1920" units="cm"/>
+          <inkml:channel name="Y" type="integer" max="1080" units="cm"/>
+          <inkml:channel name="T" type="integer" max="2.14748E9" units="dev"/>
+        </inkml:traceFormat>
+        <inkml:channelProperties>
+          <inkml:channelProperty channel="X" name="resolution" value="55.81395" units="1/cm"/>
+          <inkml:channelProperty channel="Y" name="resolution" value="55.6701" units="1/cm"/>
+          <inkml:channelProperty channel="T" name="resolution" value="1" units="1/dev"/>
+        </inkml:channelProperties>
+      </inkml:inkSource>
+      <inkml:timestamp xml:id="ts0" timeString="2020-11-20T16:12:59.398"/>
+    </inkml:context>
+    <inkml:brush xml:id="br0">
+      <inkml:brushProperty name="width" value="0.05" units="cm"/>
+      <inkml:brushProperty name="height" value="0.05" units="cm"/>
+      <inkml:brushProperty name="fitToCurve" value="1"/>
+    </inkml:brush>
+  </inkml:definitions>
+  <inkml:trace contextRef="#ctx0" brushRef="#br0">49 73 0,'0'-24'15,"0"-1"-15,0 1 16,-25 24 15,25 24-15,-24-24-16,24 25 16,0-1-16,0 1 0,0-1 15,0 0-15,24-24 16,-24 25-16,25-1 0,-1 1 15,1-25-15,-1 24 0,25-24 16,-25 0-16,1 0 16,-1 0-16,0 0 0,1-24 15,-1 24-15,1-25 0,-25 1 16,0-1-16,24 1 16,-24 0-16,0-1 0,0 1 15,-24-1-15,-1 1 16,1 24-1,24 24-15,0 1 0,0-1 16,0 25-16,0 0 16,0 0-16,0 0 0,24-1 15,1 26-15,-1-25 16,1-1-16,-25 1 0,24 0 16,-24-25-16,24 25 0,-24-24 15,0-1-15,-24-24 16,0 25-16,-1-25 0,1 0 15,-25 0-15,0-25 16,25 25-16,-25-24 0,0-25 16,25 24-16,-1 1 0,1 0 15,24-25-15,0 24 16,0 1-16,0 0 0,24 24 16,1-25-16,23 25 15,-23 0-15,-1 0 0,25 0 16,-25 0-16,25 0 0,-24 0 15,-1 0-15,1 0 16,-1 0-16</inkml:trace>
+  <inkml:trace contextRef="#ctx0" brushRef="#br0" timeOffset="439">977 293 0,'0'-24'16,"-25"24"-16,1 0 0,-1 0 16,25-25 15,25 25 0,-1 0-31,25 0 16,-24 0-16,23 0 0,1 0 15,25 0-15,-26 0 0,1-24 16,0 24-16,0 0 16,-25 0-16,1 0 0,-1 0 15,1 0-15,-50-25 16,1 25-16,-1 0 16,1 0-16,0-24 0,-1 24 15</inkml:trace>
+  <inkml:trace contextRef="#ctx0" brushRef="#br0" timeOffset="696">1245 49 0,'0'-25'15,"0"50"17,25-1-17,-1 1 1,1-1-16,-1-24 15,1 24-15,-1 1 16,25-1-16,-25 1 0,1-1 16,-1 25-16,1-25 0,-25 1 15,0-1-15,0 1 16,0-1-16,-25 1 0,1-25 16,-1 24-16,1-24 15,-25 24-15,25-24 0</inkml:trace>
+</inkml:ink>
+</file>
+
+<file path=ppt/ink/ink128.xml><?xml version="1.0" encoding="utf-8"?>
+<inkml:ink xmlns:inkml="http://www.w3.org/2003/InkML">
+  <inkml:definitions>
+    <inkml:context xml:id="ctx0">
+      <inkml:inkSource xml:id="inkSrc0">
+        <inkml:traceFormat>
+          <inkml:channel name="X" type="integer" max="1920" units="cm"/>
+          <inkml:channel name="Y" type="integer" max="1080" units="cm"/>
+          <inkml:channel name="T" type="integer" max="2.14748E9" units="dev"/>
+        </inkml:traceFormat>
+        <inkml:channelProperties>
+          <inkml:channelProperty channel="X" name="resolution" value="55.81395" units="1/cm"/>
+          <inkml:channelProperty channel="Y" name="resolution" value="55.6701" units="1/cm"/>
+          <inkml:channelProperty channel="T" name="resolution" value="1" units="1/dev"/>
+        </inkml:channelProperties>
+      </inkml:inkSource>
+      <inkml:timestamp xml:id="ts0" timeString="2020-11-20T16:13:03.100"/>
+    </inkml:context>
+    <inkml:brush xml:id="br0">
+      <inkml:brushProperty name="width" value="0.05" units="cm"/>
+      <inkml:brushProperty name="height" value="0.05" units="cm"/>
+      <inkml:brushProperty name="fitToCurve" value="1"/>
+    </inkml:brush>
+  </inkml:definitions>
+  <inkml:trace contextRef="#ctx0" brushRef="#br0">50 587 0,'-24'0'15,"48"24"1,-24 1 0,25-1-16,-25 25 15,0-25-15,0 1 16,0 24-16,0-25 0,0 1 16,0-1-16,24 0 15,-24 1-15,0-1 16</inkml:trace>
+  <inkml:trace contextRef="#ctx0" brushRef="#br0" timeOffset="198">26 343 0,'-25'-25'15,"25"1"1,25 24 0</inkml:trace>
+  <inkml:trace contextRef="#ctx0" brushRef="#br0" timeOffset="696">416 538 0,'0'24'0,"0"1"31,0-1-16,0 1-15,0-1 16,0 1-16,0-1 16,0 0-16,0 1 0,0-1 15,0 1-15,0-1 0,0 1 16,25-1 0,-25 0-16,0-48 31,0 0-16,0-1-15,0 1 16,0-1-16,0-24 16,0 1-16,-25-1 0,25 0 15,0 0-15,0-24 16,0 0-16,0-1 0,0 1 16,0 0-16,25 24 0,-25 0 15,24 0-15,-24 25 16,25 24-16,-1 0 0,1 0 15,-1 24-15,0 1 16,1-1-16,-1 25 0,25-25 16,-24 25-16,-1-24 0,-24-1 15,24 25-15</inkml:trace>
+  <inkml:trace contextRef="#ctx0" brushRef="#br0" timeOffset="913">392 660 0,'-24'0'16,"48"0"0,0 0-1,1 0-15,-1-24 16,25 24-16,-24 0 15,-1 0-15,25 0 0,-25 0 16,25 0-16</inkml:trace>
+</inkml:ink>
+</file>
+
+<file path=ppt/ink/ink129.xml><?xml version="1.0" encoding="utf-8"?>
+<inkml:ink xmlns:inkml="http://www.w3.org/2003/InkML">
+  <inkml:definitions>
+    <inkml:context xml:id="ctx0">
+      <inkml:inkSource xml:id="inkSrc0">
+        <inkml:traceFormat>
+          <inkml:channel name="X" type="integer" max="1920" units="cm"/>
+          <inkml:channel name="Y" type="integer" max="1080" units="cm"/>
+          <inkml:channel name="T" type="integer" max="2.14748E9" units="dev"/>
+        </inkml:traceFormat>
+        <inkml:channelProperties>
+          <inkml:channelProperty channel="X" name="resolution" value="55.81395" units="1/cm"/>
+          <inkml:channelProperty channel="Y" name="resolution" value="55.6701" units="1/cm"/>
+          <inkml:channelProperty channel="T" name="resolution" value="1" units="1/dev"/>
+        </inkml:channelProperties>
+      </inkml:inkSource>
+      <inkml:timestamp xml:id="ts0" timeString="2020-11-20T16:13:04.912"/>
+    </inkml:context>
+    <inkml:brush xml:id="br0">
+      <inkml:brushProperty name="width" value="0.05" units="cm"/>
+      <inkml:brushProperty name="height" value="0.05" units="cm"/>
+      <inkml:brushProperty name="fitToCurve" value="1"/>
+    </inkml:brush>
+  </inkml:definitions>
+  <inkml:trace contextRef="#ctx0" brushRef="#br0">0 514 0,'0'-24'0,"0"-1"16,24 25 0,-24-24-16,0 48 31,0 1-15,0-1-1,0 0-15,0 1 0,0-1 16,0 1-16,25-1 15,-25 1-15,0-1 0,0 0 16,0 1-16,0-1 0,24-24 16</inkml:trace>
+  <inkml:trace contextRef="#ctx0" brushRef="#br0" timeOffset="200">122 172 0,'-24'0'0,"24"-24"32,24 48-1</inkml:trace>
+  <inkml:trace contextRef="#ctx0" brushRef="#br0" timeOffset="631">488 465 0,'0'25'15,"0"-1"1,0 0 0,0 1-1,0-1-15,0 1 16,-24-1-16,24 1 16,0-1-16,0 0 15,0 1-15,0-1 16,0-48 15,0-1-15,0 1-1,0 0-15,0-25 0,0 24 16,0-24-16,0 1 0,0-1 16,0-25-16,0 26 15,0-26-15,0 25 0,0 1 16,24-1-16,1 0 15,-25 25-15,24-1 0,1 25 16,-1 0-16,1 0 16,-1 25-16,-24-1 15,24 0-15</inkml:trace>
+  <inkml:trace contextRef="#ctx0" brushRef="#br0" timeOffset="835">488 538 0,'0'25'16,"-24"-25"-16,48 0 16,1 0-1,-25-25-15,24 25 0,1 0 16,24 0-16,-25 0 15,25 0-15</inkml:trace>
 </inkml:ink>
 </file>
 
@@ -281,6 +1398,327 @@
 </inkml:ink>
 </file>
 
+<file path=ppt/ink/ink130.xml><?xml version="1.0" encoding="utf-8"?>
+<inkml:ink xmlns:inkml="http://www.w3.org/2003/InkML">
+  <inkml:definitions>
+    <inkml:context xml:id="ctx0">
+      <inkml:inkSource xml:id="inkSrc0">
+        <inkml:traceFormat>
+          <inkml:channel name="X" type="integer" max="1920" units="cm"/>
+          <inkml:channel name="Y" type="integer" max="1080" units="cm"/>
+          <inkml:channel name="T" type="integer" max="2.14748E9" units="dev"/>
+        </inkml:traceFormat>
+        <inkml:channelProperties>
+          <inkml:channelProperty channel="X" name="resolution" value="55.81395" units="1/cm"/>
+          <inkml:channelProperty channel="Y" name="resolution" value="55.6701" units="1/cm"/>
+          <inkml:channelProperty channel="T" name="resolution" value="1" units="1/dev"/>
+        </inkml:channelProperties>
+      </inkml:inkSource>
+      <inkml:timestamp xml:id="ts0" timeString="2020-11-20T16:13:10.468"/>
+    </inkml:context>
+    <inkml:brush xml:id="br0">
+      <inkml:brushProperty name="width" value="0.05" units="cm"/>
+      <inkml:brushProperty name="height" value="0.05" units="cm"/>
+      <inkml:brushProperty name="fitToCurve" value="1"/>
+    </inkml:brush>
+  </inkml:definitions>
+  <inkml:trace contextRef="#ctx0" brushRef="#br0">73 220 0,'-24'-24'16,"-1"-1"-1,25 1-15,-24 24 16,24-25-16,24 1 16,1 24-16,-1-24 15,0 24-15,1 0 16,-1 0-16,25 0 16,-24 0-16,-1 0 0,-24 24 15,24 0-15,1 1 0,-25-1 16,0 1-16,0-1 15,0 1-15,0 23 0,-25-23 16,1-1-16,0 25 0,-1-25 16,1-24-16,-1 25 15,1-1-15,-1-24 0,1 0 16,0 0 0,48 0-1,0-24-15,1 24 16,-1-25-16,25 1 0,-24 0 15,23-25-15,-23 24 0,24 1 16,-25-25-16,1 25 16,-1-1-16,0 1 0,1-1 15,-1 1-15,-24 0 0,0-1 16,-24 25 0,-1 0-16,1 25 15,0-25-15,-1 24 16,1 0-16,-1 1 0,1 24 15,24-25-15,0 1 0,0-1 16,0 0-16,0 1 16,0-1-16,24 1 0,-24-1 15,25-24-15,-1 0 16,1 24-16,-1-24 0,0 0 16,25 0-16,-24 0 0,24-24 15,-25 24-15</inkml:trace>
+  <inkml:trace contextRef="#ctx0" brushRef="#br0" timeOffset="312">1001 220 0,'-24'0'0,"-1"0"32,50 0-1,-1 0-15,1-24-16,-1 24 0,25 0 15,-25 0-15,25-25 0,0 25 16,-25 0-16,25 0 15,-24-24-15,-1 24 0,0 0 16,-24-25 0</inkml:trace>
+  <inkml:trace contextRef="#ctx0" brushRef="#br0" timeOffset="528">1220 25 0,'-24'0'0,"24"-25"16,0 50 15,24-25-31,0 24 16,1 1-16,-1-25 15,1 24-15,-1 0 0,-24 1 16,24-1-16,1 1 16,-25-1-16,0 1 15,0-1-15,0 0 0,-25 1 16,1-1-1,0-24-15</inkml:trace>
+</inkml:ink>
+</file>
+
+<file path=ppt/ink/ink131.xml><?xml version="1.0" encoding="utf-8"?>
+<inkml:ink xmlns:inkml="http://www.w3.org/2003/InkML">
+  <inkml:definitions>
+    <inkml:context xml:id="ctx0">
+      <inkml:inkSource xml:id="inkSrc0">
+        <inkml:traceFormat>
+          <inkml:channel name="X" type="integer" max="1920" units="cm"/>
+          <inkml:channel name="Y" type="integer" max="1080" units="cm"/>
+          <inkml:channel name="T" type="integer" max="2.14748E9" units="dev"/>
+        </inkml:traceFormat>
+        <inkml:channelProperties>
+          <inkml:channelProperty channel="X" name="resolution" value="55.81395" units="1/cm"/>
+          <inkml:channelProperty channel="Y" name="resolution" value="55.6701" units="1/cm"/>
+          <inkml:channelProperty channel="T" name="resolution" value="1" units="1/dev"/>
+        </inkml:channelProperties>
+      </inkml:inkSource>
+      <inkml:timestamp xml:id="ts0" timeString="2020-11-20T16:13:12.359"/>
+    </inkml:context>
+    <inkml:brush xml:id="br0">
+      <inkml:brushProperty name="width" value="0.05" units="cm"/>
+      <inkml:brushProperty name="height" value="0.05" units="cm"/>
+      <inkml:brushProperty name="fitToCurve" value="1"/>
+    </inkml:brush>
+  </inkml:definitions>
+  <inkml:trace contextRef="#ctx0" brushRef="#br0">170 98 0,'-24'-25'0,"0"25"16,-1 0-16,1 0 16,-1 0-16,1 0 15,0 0 1,24 25-16,0-1 16,0 1-16,24-1 15,-24 0-15,0 1 16,24-1-16,-24 1 0,25-1 15,-1 0-15,1-24 16,-1 25-16,0-25 0,-24 24 16,25-24-16,-1 0 0,1 0 15,-1-24-15,1 24 16,-1-25-16,0 1 16,-24 0-16,0-1 15,0 1-15,0-1 0,0 1 16,0 0-16,-24-1 15,24 50 1,0-1-16,24 0 16,-24 1-16,0 24 15,25-25-15,-1 25 0,-24 0 16,25-25-16,-25 25 0,24-25 16,-24 1-16,0-1 15,0 1-15,-24-1 0,24 1 16,-25-25-16,1 0 15,-1 0-15,1 0 0,0 0 16,-1 0-16,1 0 0,-1-25 16,1 1-16,24-1 15,0 1-15,0-1 16,24 25 0,1-24-16,-1 0 0,1 24 15,-1-25-15,0 25 0,25-24 16,-24 24-16</inkml:trace>
+  <inkml:trace contextRef="#ctx0" brushRef="#br0" timeOffset="293">830 171 0,'-25'0'16,"50"0"31,-1 0-31,1 0-16,-1 0 15,25 0-15,-25 0 16,1-24-16,24 24 0,-25 0 15,1 0-15,-25-25 16,24 25-16</inkml:trace>
+  <inkml:trace contextRef="#ctx0" brushRef="#br0" timeOffset="570">1001 0 0,'24'0'47,"1"24"-31,-1 1-1,25-25-15,-25 24 0,25 25 16,-24-24-16,-1-1 0,1 0 15,-1 1-15,0-1 16,-24 25-16,-24-24 0,0-25 16,-1 24-16,-24 0 15,25-24-15,-25 25 0,0-25 16</inkml:trace>
+</inkml:ink>
+</file>
+
+<file path=ppt/ink/ink132.xml><?xml version="1.0" encoding="utf-8"?>
+<inkml:ink xmlns:inkml="http://www.w3.org/2003/InkML">
+  <inkml:definitions>
+    <inkml:context xml:id="ctx0">
+      <inkml:inkSource xml:id="inkSrc0">
+        <inkml:traceFormat>
+          <inkml:channel name="X" type="integer" max="1920" units="cm"/>
+          <inkml:channel name="Y" type="integer" max="1080" units="cm"/>
+          <inkml:channel name="T" type="integer" max="2.14748E9" units="dev"/>
+        </inkml:traceFormat>
+        <inkml:channelProperties>
+          <inkml:channelProperty channel="X" name="resolution" value="55.81395" units="1/cm"/>
+          <inkml:channelProperty channel="Y" name="resolution" value="55.6701" units="1/cm"/>
+          <inkml:channelProperty channel="T" name="resolution" value="1" units="1/dev"/>
+        </inkml:channelProperties>
+      </inkml:inkSource>
+      <inkml:timestamp xml:id="ts0" timeString="2020-11-20T16:13:14.134"/>
+    </inkml:context>
+    <inkml:brush xml:id="br0">
+      <inkml:brushProperty name="width" value="0.05" units="cm"/>
+      <inkml:brushProperty name="height" value="0.05" units="cm"/>
+      <inkml:brushProperty name="fitToCurve" value="1"/>
+    </inkml:brush>
+  </inkml:definitions>
+  <inkml:trace contextRef="#ctx0" brushRef="#br0">26 270 0,'-24'0'0,"24"-24"0,0-1 16,0 1-1,0 0-15,0-1 0,24 25 16,0-24-16,-24-1 15,25 25-15,-1 0 16,1 0-16,-1 25 16,-24-1-1,0 1-15,0-1 16,0 0-16,0 1 16,-24-1-16,-1 1 0,25-1 15,-24-24-15,24 25 0,-25-25 16,25 24-16,-24-24 15,48 0 1,1 0 0,-1-24-16,1 24 15,24-25-15,-25 1 0,25-1 16,-25 1-16,25-1 16,-24 1-16,-1 0 0,0-1 15,1 1-15,-25-1 0,0 1 16,0-1-1,-25 25-15,1 25 16,0-1 0,-1-24-16,1 25 0,-1-1 15,1 25-15,24-25 16,-25 1-16,25-1 0,0 1 16,0-1-16,25 1 0,-1-25 15,1 24-15,-1-24 16,1 0-16,23 0 0,-23 0 15,24 0-15,-25-24 16,25 24-16</inkml:trace>
+  <inkml:trace contextRef="#ctx0" brushRef="#br0" timeOffset="516">832 148 0,'0'25'0,"-24"-25"16,-1 0 0,25 24-1,25-24 1,-1 0-16,0 0 15,1 0 1,-1 0-16,25-24 0,-24 24 16,-1 0-16,0 0 15,-24-25-15,25 25 0,-1 0 16,-24-24-16,-24-1 16,-1 1-1,1 24-15,24-25 16,-24 25-16,24-24 15,-25 24-15,25-24 0,-24 24 32,48 0-17,-24 24-15,25-24 16,-1 24-16,0 1 16,1-1-16,-1 1 0,1-1 15,-1 1-15,1-1 0,-1 0 16,-24 1-16,24-1 15,-24 1-15,0-1 0,-24 1 16,0-25-16,-1 24 16,1 0-16</inkml:trace>
+</inkml:ink>
+</file>
+
+<file path=ppt/ink/ink133.xml><?xml version="1.0" encoding="utf-8"?>
+<inkml:ink xmlns:inkml="http://www.w3.org/2003/InkML">
+  <inkml:definitions>
+    <inkml:context xml:id="ctx0">
+      <inkml:inkSource xml:id="inkSrc0">
+        <inkml:traceFormat>
+          <inkml:channel name="X" type="integer" max="1920" units="cm"/>
+          <inkml:channel name="Y" type="integer" max="1080" units="cm"/>
+          <inkml:channel name="T" type="integer" max="2.14748E9" units="dev"/>
+        </inkml:traceFormat>
+        <inkml:channelProperties>
+          <inkml:channelProperty channel="X" name="resolution" value="55.81395" units="1/cm"/>
+          <inkml:channelProperty channel="Y" name="resolution" value="55.6701" units="1/cm"/>
+          <inkml:channelProperty channel="T" name="resolution" value="1" units="1/dev"/>
+        </inkml:channelProperties>
+      </inkml:inkSource>
+      <inkml:timestamp xml:id="ts0" timeString="2020-11-20T16:13:15.887"/>
+    </inkml:context>
+    <inkml:brush xml:id="br0">
+      <inkml:brushProperty name="width" value="0.05" units="cm"/>
+      <inkml:brushProperty name="height" value="0.05" units="cm"/>
+      <inkml:brushProperty name="fitToCurve" value="1"/>
+    </inkml:brush>
+  </inkml:definitions>
+  <inkml:trace contextRef="#ctx0" brushRef="#br0">24 101 0,'0'-25'0,"-24"25"0,24-24 15,0 0 1,24 24 62,0 0-47,1 0 1,-25 24-17,24-24 17,-24-24-1,0-1 0,25 25 0,-25 25 1,0-1-17,24-24-15,-24 24 0,0 1 16,24-1-16,-24 1 15,25-1-15,-1 0 0,1 1 16,-1-1-16,25 1 16,-25-25-16,1 24 0,24-24 15,-25 0-15,1 0 0,-1-24 16,0-1 0,-24 1-16,25-1 0,-25 1 15,0 0-15,0-1 16,0 1-16,-25-1 15,25 1 1,-24 24-16,24 24 16,0 1-16,0-1 15,0 1-15,0-1 16,0 0-16,24 25 0,-24-24 16,25 24-16,-1-1 0,-24 1 15,25 0-15,-25 0 16,24 0-16,-24-25 0,0 1 15,0 24-15,-24-49 16,-1 0-16,1 0 16,-1-25-16,25 1 0,-24-1 15,0 1-15,-1-25 16,25 25-16,0-1 0,0-24 16,0 25-16,25-1 15,-1 25-15,0 0 16,25 0-16,-24 0 0,23 0 15,-23 0-15,24 0 16,-25-24-16</inkml:trace>
+  <inkml:trace contextRef="#ctx0" brushRef="#br0" timeOffset="494">1124 223 0,'-24'0'15,"24"-25"1,-25 25-16,1 0 16,-1 0-1,50 0 16,-1 0-15,1-24-16,-1 24 0,0 0 16,1 0-16,24 0 15,-25-24-15,1 24 0,-1 0 16,0-25-16,1 1 16,-25-1-1,-25 25 1,25-24-16,-24 24 0,0-24 15,-1 24-15,1 0 16,-1 0 0,25 24-16,0 0 15,0 1-15,25-1 16,-1 1-16,1-1 16,-1 0-16,0 1 0,-24-1 15,25 1-15,-25-1 16,0 1-16,-25-1 15,-23-24-15,-1 0 16</inkml:trace>
+</inkml:ink>
+</file>
+
+<file path=ppt/ink/ink134.xml><?xml version="1.0" encoding="utf-8"?>
+<inkml:ink xmlns:inkml="http://www.w3.org/2003/InkML">
+  <inkml:definitions>
+    <inkml:context xml:id="ctx0">
+      <inkml:inkSource xml:id="inkSrc0">
+        <inkml:traceFormat>
+          <inkml:channel name="X" type="integer" max="1920" units="cm"/>
+          <inkml:channel name="Y" type="integer" max="1080" units="cm"/>
+          <inkml:channel name="T" type="integer" max="2.14748E9" units="dev"/>
+        </inkml:traceFormat>
+        <inkml:channelProperties>
+          <inkml:channelProperty channel="X" name="resolution" value="55.81395" units="1/cm"/>
+          <inkml:channelProperty channel="Y" name="resolution" value="55.6701" units="1/cm"/>
+          <inkml:channelProperty channel="T" name="resolution" value="1" units="1/dev"/>
+        </inkml:channelProperties>
+      </inkml:inkSource>
+      <inkml:timestamp xml:id="ts0" timeString="2020-11-20T16:13:17.362"/>
+    </inkml:context>
+    <inkml:brush xml:id="br0">
+      <inkml:brushProperty name="width" value="0.05" units="cm"/>
+      <inkml:brushProperty name="height" value="0.05" units="cm"/>
+      <inkml:brushProperty name="fitToCurve" value="1"/>
+    </inkml:brush>
+  </inkml:definitions>
+  <inkml:trace contextRef="#ctx0" brushRef="#br0">0 73 0,'0'25'15,"24"-25"1,1 0 0,-1 0-16,1-25 15,-1 25-15,0-24 16,25 24-16,-24-24 0,24 24 16,-1-25-16,-23 25 0,-1 0 15,1 0-15,-1 0 16,1 0-16</inkml:trace>
+</inkml:ink>
+</file>
+
+<file path=ppt/ink/ink135.xml><?xml version="1.0" encoding="utf-8"?>
+<inkml:ink xmlns:inkml="http://www.w3.org/2003/InkML">
+  <inkml:definitions>
+    <inkml:context xml:id="ctx0">
+      <inkml:inkSource xml:id="inkSrc0">
+        <inkml:traceFormat>
+          <inkml:channel name="X" type="integer" max="1920" units="cm"/>
+          <inkml:channel name="Y" type="integer" max="1080" units="cm"/>
+          <inkml:channel name="T" type="integer" max="2.14748E9" units="dev"/>
+        </inkml:traceFormat>
+        <inkml:channelProperties>
+          <inkml:channelProperty channel="X" name="resolution" value="55.81395" units="1/cm"/>
+          <inkml:channelProperty channel="Y" name="resolution" value="55.6701" units="1/cm"/>
+          <inkml:channelProperty channel="T" name="resolution" value="1" units="1/dev"/>
+        </inkml:channelProperties>
+      </inkml:inkSource>
+      <inkml:timestamp xml:id="ts0" timeString="2020-11-20T16:13:18.077"/>
+    </inkml:context>
+    <inkml:brush xml:id="br0">
+      <inkml:brushProperty name="width" value="0.05" units="cm"/>
+      <inkml:brushProperty name="height" value="0.05" units="cm"/>
+      <inkml:brushProperty name="fitToCurve" value="1"/>
+    </inkml:brush>
+  </inkml:definitions>
+  <inkml:trace contextRef="#ctx0" brushRef="#br0">0 25 0,'0'24'16,"24"-24"0,0 0-16,1 0 0,-1 0 15,1 0-15,23 0 16,-23 0-16,24-24 0,0 24 16,-1-25-16</inkml:trace>
+</inkml:ink>
+</file>
+
+<file path=ppt/ink/ink136.xml><?xml version="1.0" encoding="utf-8"?>
+<inkml:ink xmlns:inkml="http://www.w3.org/2003/InkML">
+  <inkml:definitions>
+    <inkml:context xml:id="ctx0">
+      <inkml:inkSource xml:id="inkSrc0">
+        <inkml:traceFormat>
+          <inkml:channel name="X" type="integer" max="1920" units="cm"/>
+          <inkml:channel name="Y" type="integer" max="1080" units="cm"/>
+          <inkml:channel name="T" type="integer" max="2.14748E9" units="dev"/>
+        </inkml:traceFormat>
+        <inkml:channelProperties>
+          <inkml:channelProperty channel="X" name="resolution" value="55.81395" units="1/cm"/>
+          <inkml:channelProperty channel="Y" name="resolution" value="55.6701" units="1/cm"/>
+          <inkml:channelProperty channel="T" name="resolution" value="1" units="1/dev"/>
+        </inkml:channelProperties>
+      </inkml:inkSource>
+      <inkml:timestamp xml:id="ts0" timeString="2020-11-20T16:13:19.252"/>
+    </inkml:context>
+    <inkml:brush xml:id="br0">
+      <inkml:brushProperty name="width" value="0.05" units="cm"/>
+      <inkml:brushProperty name="height" value="0.05" units="cm"/>
+      <inkml:brushProperty name="fitToCurve" value="1"/>
+    </inkml:brush>
+  </inkml:definitions>
+  <inkml:trace contextRef="#ctx0" brushRef="#br0">0 29 0,'24'0'0,"1"0"16,-1 0-16,1 0 16,-1 0-16,25 0 0,-25 0 15,25 0-15,-24 0 0,23 0 16,-23-25-16,-1 25 15,25 0-15,-24 0 0</inkml:trace>
+</inkml:ink>
+</file>
+
+<file path=ppt/ink/ink137.xml><?xml version="1.0" encoding="utf-8"?>
+<inkml:ink xmlns:inkml="http://www.w3.org/2003/InkML">
+  <inkml:definitions>
+    <inkml:context xml:id="ctx0">
+      <inkml:inkSource xml:id="inkSrc0">
+        <inkml:traceFormat>
+          <inkml:channel name="X" type="integer" max="1920" units="cm"/>
+          <inkml:channel name="Y" type="integer" max="1080" units="cm"/>
+          <inkml:channel name="T" type="integer" max="2.14748E9" units="dev"/>
+        </inkml:traceFormat>
+        <inkml:channelProperties>
+          <inkml:channelProperty channel="X" name="resolution" value="55.81395" units="1/cm"/>
+          <inkml:channelProperty channel="Y" name="resolution" value="55.6701" units="1/cm"/>
+          <inkml:channelProperty channel="T" name="resolution" value="1" units="1/dev"/>
+        </inkml:channelProperties>
+      </inkml:inkSource>
+      <inkml:timestamp xml:id="ts0" timeString="2020-11-20T16:45:47.651"/>
+    </inkml:context>
+    <inkml:brush xml:id="br0">
+      <inkml:brushProperty name="width" value="0.05" units="cm"/>
+      <inkml:brushProperty name="height" value="0.05" units="cm"/>
+      <inkml:brushProperty name="fitToCurve" value="1"/>
+    </inkml:brush>
+  </inkml:definitions>
+  <inkml:trace contextRef="#ctx0" brushRef="#br0">587 147 0,'0'-24'16,"-24"24"0,24-25-1,-25 25-15,1 0 16,0 0-1,-1 0 1,1 0-16,-1 0 16,1 25-16,-1-25 0,1 0 15,0 24-15,-25-24 16,24 24-16,1 1 0,-1-1 16,-23 1-16,23-1 0,1 1 15,-1-1-15,1 25 16,0-25-16,-1 25 0,25-24 15,0-1-15,0 25 16,0-25-16,0 1 0,25-1 16,-1-24-16,0 24 0,1-24 15,24 0-15,-1 0 16,-23 0-16,24-24 0,0 24 16,-1-24-16,1 24 15,0-25-15,-24 25 0,23-24 16,-23-1-16,-1 25 0,1-24 15,-50 24 32,1 0-47,-1 0 16,-23 24-16,23-24 0,-24 25 16,0-1-16,1 1 15,-1-1-15,0 0 0,0 25 16,0-24-16,25-1 0,-25 25 15,49 0-15,-24 0 16,-1 0-16,25-1 0,0-23 16,0 24-16,0 0 15,25-1-15,-25-23 0,24 24 16,0-25-16,1-24 0,24 25 16,-25-25-16,25 24 15,-25-24-15,25 0 0,0-24 16,0 24-16,-25-25 15,25 1-15,0-1 0,0 1 16,-25-1-16,25 1 0,-24 0 16</inkml:trace>
+  <inkml:trace contextRef="#ctx0" brushRef="#br0" timeOffset="366">931 513 0,'-24'0'0,"24"-24"15,24 48 17,1 1-32,-1-1 0,0-24 15,1 49-15,24-25 16,-25 1-16,25-1 0,-25 25 16,25-24-16,-24-1 0,24 0 15,-25 1-15,0-1 16,1 1-16,-1-1 0,1-24 15,-25 25-15,24-25 16,-24 24-16,24-24 0</inkml:trace>
+  <inkml:trace contextRef="#ctx0" brushRef="#br0" timeOffset="671">1346 391 0,'0'-24'16,"-24"24"-16,0 0 15,24 24-15,-25-24 16,25 25-16,-24-25 0,24 24 16,-25 1-16,25-1 15,-24 0-15,24 25 0,0-24 16,-25 24-16,25-1 0,0 1 15,-24 0-15,24 0 16,0 0-16,-24 0 0,24-25 16,0 25-16,0 0 15,0-25-15,-25 1 0,25-1 16,0 0-16,0 1 16</inkml:trace>
+  <inkml:trace contextRef="#ctx0" brushRef="#br0" timeOffset="1079">2079 342 0,'-24'0'16,"-1"0"-16,25-24 0,-24 24 15,-1 0-15,1 0 0,0 0 16,-1 0 0,1 24-16,-1-24 0,1 25 15,-1-1-15,1 1 16,0-1-16,24 25 0,-25-25 15,1 25-15,-1-24 0,25 24 16,0-1-16,0-23 16,0 24-16,0-25 0,25 0 15,-25 25-15,24-24 16,1-25-16,-1 24 0,0 1 16,1-25-16,24 0 0,-25 0 15,25 0-15,0-25 16,0 25-16</inkml:trace>
+  <inkml:trace contextRef="#ctx0" brushRef="#br0" timeOffset="1614">2543 489 0,'-24'0'0,"-1"0"16,1 0-16,-1 0 0,1 24 16,0-24-16,-1 0 15,1 0-15,24 25 16,24-25 0,1 0-1,-1-25-15,0 25 16,1 0-16,-1-24 15,1 24-15,-1 0 16,-24-24-16,25 24 0,-25-25 16,24 25-16,-24-24 15,0-1 1,0 1 0,-24 24-16,24-25 15,-25 25-15,1 0 0,-1 0 16,1 0-16,-25 0 15,25 25-15,-1-25 0,-24 24 16,25 1-16,24-1 16,-25 1-16,25-1 0,0 0 15,0 25-15,0-24 0,0 24 16,25-25-16,-1 25 16,1-25-16,-1 1 0,1-1 15,-1-24-15,25 24 0,-25-24 16,25 25-16,-24-25 15,23 0-15,1-25 0,0 25 16,-25-24-16</inkml:trace>
+  <inkml:trace contextRef="#ctx0" brushRef="#br0" timeOffset="2185">2934 123 0,'-49'-25'0,"25"1"16,-1-1-16,25 1 16,-24 24-16,24 24 31,0 1-31,24-1 0,-24 25 16,25 0-16,-1 0 0,0 0 15,1 24-15,-1-24 16,1 24-16,-1-24 0,1 24 15,-1 0-15,0-24 16,1 24-16,-1 1 0,1-25 16,-25 24-16,24-24 0,1 0 15,-25-1-15,0-23 16,24-1-16,-24 1 0,0-1 16,0-48-1,-24-1-15,24-24 16,-25 1-16,1-1 0,-1-25 15,1 1-15,24-25 16,-25 25-16,1 0 0,24 0 16,0-1-16,0 26 15,0-1-15,24 24 0,1 1 16,-1-1-16,1 25 0,-1 0 16,1 0-16,-1 0 15,25 0-15,-25 25 0,1-25 16,-1 24-16,1 1 15,-1-1-15,-24 25 0,24-25 16,-24 1-16,0-1 0,-24 25 16,0-25-16,-1 1 15,1-1-15,-1 1 0,1-25 16,-1 0-16,1 0 0,0 0 16,24-25-1</inkml:trace>
+  <inkml:trace contextRef="#ctx0" brushRef="#br0" timeOffset="2472">3520 123 0,'0'-25'0,"-24"25"15,24-24-15,0-1 16,-25 1-16,25-1 15,25 50 1,-1-1 0,0 1-16,1 24 0,-1-1 15,1 1-15,24 0 0,-25 24 16,0-24-16,25 0 16,-24 0-16,-1 24 0,-24-24 15,25-24-15,-25 23 16,24-23-16,-24-1 0,0 1 15,0-1-15</inkml:trace>
+  <inkml:trace contextRef="#ctx0" brushRef="#br0" timeOffset="2886">3593 440 0,'25'0'47,"-1"0"-31,1-24-16,-1 24 0,0 0 15,25-25-15,-24 25 16,24 0-16,-1-24 0,-23 24 16,-1 0-16,25 0 15,-24-25-15,-1 25 16,0 0-16,-48-24 47,24 48-32,24 1 1,-24-1-16,25 1 16,-25-1-16,24 1 15,-24-1-15,25 25 0,-25-25 16,24 1-16,-24-1 15,24 1-15,1-1 16,-25 0-16</inkml:trace>
+  <inkml:trace contextRef="#ctx0" brushRef="#br0" timeOffset="3077">3911 25 0,'-25'0'15,"50"0"32,-25 24-31,24-24-16</inkml:trace>
+  <inkml:trace contextRef="#ctx0" brushRef="#br0" timeOffset="4044">4473 294 0,'24'0'0,"-24"24"78,0 0-63,0 1 1,-24-1-16,24 1 0,0-1 16,0 1-16,24 23 0,-24-23 15,0-1-15,24 1 16,1-1-16,-1 0 15,1-24-15,-1 0 16,0 0-16,1 0 0,-1 0 16,1 0-16,-1-24 0,-24 0 15,25-1-15,-25-24 16,0 25-16,0-25 0,0 0 16,-25 0-16,1 1 15,-1-1-15,1 24 0,-1-24 16,1 25-16,0 0 0,-1 24 15,1 0-15,-1 0 16,1 24-16,24 0 16,-24-24-16,24 25 15,0 24-15,0-25 0,0 1 16,0-1-16,0 0 0,0 1 16,0-1-16,24 1 15,0-1-15,1-24 16,-1 0-1,1 0-15,-1-24 16,0 24-16,1-25 0,-1 1 16,1-1-16,-1 1 15,1-25-15,-25 25 0,24-1 16,0 1-16,1 24 16,-25-25-16,24 25 0,1 0 15,-1 0-15,-24 25 16,25-25-16,-1 24 15,-24 1-15,24-1 0,1 25 16,-1-25-16,-24 1 16,25-1-16,-25 1 0,24-1 15,-24 1-15,0-1 0,25 0 16,-25 1 0,0-1-16,0-48 31,24-1-31,-24 1 15,0 0-15,0-25 16,0 24-16,24-24 16,-24 25-16,25 0 0,-25-25 15,24 24-15,-24 1 16,25 24-16,-25-25 0,24 25 16,1 0-16,-1 25 15,0-1-15,1 1 16,-25-1-16,24 1 0,1-1 15,-1 25-15,0-25 0,1 1 16,-25 24-16,24-25 16,1 0-16,-25 1 0,0-1 15,24 1-15,-24-1 16,0 0-16,-24-24 16</inkml:trace>
+</inkml:ink>
+</file>
+
+<file path=ppt/ink/ink138.xml><?xml version="1.0" encoding="utf-8"?>
+<inkml:ink xmlns:inkml="http://www.w3.org/2003/InkML">
+  <inkml:definitions>
+    <inkml:context xml:id="ctx0">
+      <inkml:inkSource xml:id="inkSrc0">
+        <inkml:traceFormat>
+          <inkml:channel name="X" type="integer" max="1920" units="cm"/>
+          <inkml:channel name="Y" type="integer" max="1080" units="cm"/>
+          <inkml:channel name="T" type="integer" max="2.14748E9" units="dev"/>
+        </inkml:traceFormat>
+        <inkml:channelProperties>
+          <inkml:channelProperty channel="X" name="resolution" value="55.81395" units="1/cm"/>
+          <inkml:channelProperty channel="Y" name="resolution" value="55.6701" units="1/cm"/>
+          <inkml:channelProperty channel="T" name="resolution" value="1" units="1/dev"/>
+        </inkml:channelProperties>
+      </inkml:inkSource>
+      <inkml:timestamp xml:id="ts0" timeString="2020-11-20T16:45:52.073"/>
+    </inkml:context>
+    <inkml:brush xml:id="br0">
+      <inkml:brushProperty name="width" value="0.05" units="cm"/>
+      <inkml:brushProperty name="height" value="0.05" units="cm"/>
+      <inkml:brushProperty name="fitToCurve" value="1"/>
+    </inkml:brush>
+  </inkml:definitions>
+  <inkml:trace contextRef="#ctx0" brushRef="#br0">49 25 0,'-24'0'15,"24"-25"1,-25 25-16,25 25 16,25-1-1,-25 1-15,0 23 16,24-23-16,-24 48 15,0-24-15,0 24 0,25-24 16,-25 24-16,0-24 16,24 25-16,-24-26 0,0 1 15,24 0-15,-24 0 0,0-25 16,0 1-16,0-1 16,0 1-16</inkml:trace>
+  <inkml:trace contextRef="#ctx0" brushRef="#br0" timeOffset="433">49 562 0,'0'-24'0,"-24"-1"15,24 1 1,24 24 15,1 0-31,-1 0 16,25 0-16,-25 0 15,25-25-15,0 25 0,-25 0 16,25-24-16,0 24 16,-24 0-16,23-24 0,-23 24 15,-25-25-15,24 25 0,-24-24 16,25 24-16,-25-25 16,0 1-16,-25 24 0,25-49 15,-24 25-15,24-1 16,-25 25-16,25-24 0,-24-1 15,24 50 17,0-1-32,0 1 0,24 23 15,-24 1-15,0 0 16,25 0-16,-25 0 0,0 0 16,24 0-16,-24-1 0,0 1 15,25 0-15,-25-25 16,0 25-16,0-24 0,24-1 15,-24 1-15</inkml:trace>
+  <inkml:trace contextRef="#ctx0" brushRef="#br0" timeOffset="995">1148 587 0,'0'-25'16,"0"1"-1,0-1-15,0 1 16,-24-1-16,24 1 16,-25 0-1,1 24-15,24-25 0,-24 25 16,-1 0-16,1 0 15,-1 0-15,1 0 0,-1 25 16,1-1-16,0 0 0,-1 1 16,25-1-16,-24 25 15,24-24-15,0 23 0,0 1 16,0-24-16,0 23 0,24-23 16,1 24-16,-1-25 15,-24 1-15,24-25 0,1 24 16,24-24-16,-25 0 15,1 0-15,-1-24 0,0-1 16,1 1-16,-25-25 0,24 24 16,-24-23-16,25-1 15,-25 0-15,0 0 0,0 0 16,0 0-16,0 25 16,0 0-16,0-1 0,0 50 15,0-1 1,0 0-16,24 1 15,-24 24-15,25-25 0,-1 25 16,-24 0-16,24-25 16,-24 1-16,25 23 0,-25-23 15,24-1-15,-24 1 16,25-25-16</inkml:trace>
+  <inkml:trace contextRef="#ctx0" brushRef="#br0" timeOffset="1457">1392 391 0,'-24'-24'15,"24"-1"1,0 50 0,24-1-1,1 1 1,-25-1-16,24 0 15,1 1-15,-25-1 16,24 25-16,1-24 0,-25 23 16,24-23-16,0-1 0,-24 25 15,0-24-15,25-1 16,-25 0 0,0-48-1,0 0 1,0-1-16,0 1 0,0-25 15,24 24-15,-24-23 16,25-1-16,-1 0 0,1 0 16,-1 25-16,0-1 0,1 1 15,-1 24-15,1 0 16,-1 24-16,1 25 16,-1-25-16,-24 25 15,0-24-15,0 24 0,0-1 16,0 1-16,0-24 15,0 24-15,0-25 0,0 0 16,0 1-16,0-1 0,24-24 16</inkml:trace>
+  <inkml:trace contextRef="#ctx0" brushRef="#br0" timeOffset="2015">2369 587 0,'0'-25'0,"25"1"16,-25-1-16,0 1 16,0-1-16,0 1 15,-25 24-15,25-24 0,-24 24 16,0 0 0,-1 0-16,1 0 0,-1 0 15,1 0-15,-1 24 0,1-24 16,-25 24-16,25 1 15,24-1-15,-25 1 0,1 24 16,24-25-16,0 0 16,0 25-16,0-24 0,0 23 15,24-23-15,1-1 16,-1 1-16,1-1 0,23-24 16,-23 25-16,24-25 0,-25 0 15,25-25-15,-25 25 16,25-24-16,-24-1 0,-25-24 15,24 1-15,-24-1 0,0 0 16,0 0-16,0-24 16,0 0-16,0-1 0,-24 1 15,-1 0-15,25 24 16,0 0-16,-24 0 0,24 25 16,0 48-1,0 1-15,24 24 16,-24-1-16,25 1 0,-25 0 15,24 24-15,1-24 16,-25 0-16,24 24 0,0-24 16,1 0-16,-1 0 0,1 0 15,-25-25-15,24 25 16,0-25-16,1 1 0,-1-25 16,1 0-16</inkml:trace>
+  <inkml:trace contextRef="#ctx0" brushRef="#br0" timeOffset="2321">2931 147 0,'0'-24'15,"-24"24"-15,24-25 16,0 50 15,0-1-31,24 0 16,-24 1-16,25 24 15,-1-1-15,-24 1 0,24 0 16,1 0-16,-25 0 0,24 0 16,1 0-16,-25-25 15,24 25-15,-24-25 0,0 25 16,25-25-16,-25 1 15,24-25-15,0-25 16</inkml:trace>
+  <inkml:trace contextRef="#ctx0" brushRef="#br0" timeOffset="2548">3346 464 0,'25'-24'0,"-25"0"16,0 48 15,0 0-31,0 1 16,0-1-16,0 1 15,0-1-15,24 25 16,-24-25-16,0 1 0,25 24 16,-25-25-16,24 1 0,-24-1 15,0 25-15,24-49 16,-24 24-16,25-24 0</inkml:trace>
+  <inkml:trace contextRef="#ctx0" brushRef="#br0" timeOffset="2730">3444 196 0,'-24'-25'0,"-1"25"15,25 25 17,0-1-17</inkml:trace>
+  <inkml:trace contextRef="#ctx0" brushRef="#br0" timeOffset="3900">3639 489 0,'0'24'0,"0"1"47,25-25-31,-25 24-16,24 1 0,1-1 15,-25 0-15,24 1 16,1 24-16,-25-25 0,24 25 16,-24-25-16,24 25 15,-24-24-15,0-1 0,25 0 16,-25 1 0,0-50-1,24 1 1,-24 0-16,25-1 15,-25-24-15,24 1 0,1-1 16,-25 24-16,24-24 16,-24 25-16,24 0 0,-24-1 15,25 1-15,-1 24 16,1 24-16,-1 1 16,-24-1-16,24 0 15,1 1-15,-25 24 0,24-25 16,1 1-16,-25-1 15,24 0-15,1 1 0,-1-1 16,25-24-16,-25 0 16,25 25-16,-24-25 0,23 0 15,-23-25-15,24 25 0,-25-24 16,25-1-16,-25 1 16,1 0-16,-1-25 0,-24 24 15,25-24-15,-25 1 16,0-1-16,0 24 0,0-24 15,0 25-15,0 0 0,-25-1 16,1 25-16,-1 0 16,1 0-16,-1 0 0,-23 25 15,23-1-15,-24 0 16,25 1-16,-25-1 0,25 1 16,24-1-16,-25 1 0,25-1 15,0 0-15,0 1 16,0-1-16,25 1 15,-1-25-15,1 0 16,-1 24-16,25-24 0,-25 0 16,1 0-16,-1-24 0,25 24 15,-25-25-15,1 25 16,-1-24-16,-24-1 0,25 25 16,-25-24-16,24 0 15,-24-1-15,24 25 16,-24 25 15,0-1-31,0 0 0,25 25 16,-25 0-16,0 0 15,24 24-15,1 0 0,-25 1 16,24-1-16,1 25 0,-1-25 16,0 25-16,1-25 15,-25 0-15,24 0 0,1 1 16,-25-1-16,0-24 15,24 0-15,-24-25 0,-24 1 16,-1-1-16,1-24 16,-25 0-16,25 0 15,-25-24-15,0-1 0,24-24 16,-23 25-16,-1-49 16,24 24-16,1-25 0,-1 1 15,25 0-15,0 0 0,0-1 16,0 1-16,25 0 15,-1 24-15,1 0 0,24 25 16,-1-1-16,1 1 16,0-1-16,-24 25 0,23-24 15,1 24-15,-24-24 0,-1 24 16,1 0-16,-1 0 16,-48 0-1,-25 0-15</inkml:trace>
+</inkml:ink>
+</file>
+
+<file path=ppt/ink/ink139.xml><?xml version="1.0" encoding="utf-8"?>
+<inkml:ink xmlns:inkml="http://www.w3.org/2003/InkML">
+  <inkml:definitions>
+    <inkml:context xml:id="ctx0">
+      <inkml:inkSource xml:id="inkSrc0">
+        <inkml:traceFormat>
+          <inkml:channel name="X" type="integer" max="1920" units="cm"/>
+          <inkml:channel name="Y" type="integer" max="1080" units="cm"/>
+          <inkml:channel name="T" type="integer" max="2.14748E9" units="dev"/>
+        </inkml:traceFormat>
+        <inkml:channelProperties>
+          <inkml:channelProperty channel="X" name="resolution" value="55.81395" units="1/cm"/>
+          <inkml:channelProperty channel="Y" name="resolution" value="55.6701" units="1/cm"/>
+          <inkml:channelProperty channel="T" name="resolution" value="1" units="1/dev"/>
+        </inkml:channelProperties>
+      </inkml:inkSource>
+      <inkml:timestamp xml:id="ts0" timeString="2020-11-20T16:46:23.434"/>
+    </inkml:context>
+    <inkml:brush xml:id="br0">
+      <inkml:brushProperty name="width" value="0.05" units="cm"/>
+      <inkml:brushProperty name="height" value="0.05" units="cm"/>
+      <inkml:brushProperty name="fitToCurve" value="1"/>
+    </inkml:brush>
+  </inkml:definitions>
+  <inkml:trace contextRef="#ctx0" brushRef="#br0">0 708 0,'24'0'15,"-24"-24"-15,25 24 32,-1-24-32,1 24 0,-1 0 15,0 24-15,1 0 16,-1 1-16,1 48 0,-1 0 16,1 1-16,-1 23 15,0 1-15,1 24 0,-1 0 16,1-24-16,-1 24 0,-24 0 15,0-24-15,0 0 16,0-1-16,-24-23 0,-1 23 16,25-48-16,-24 24 15,24-24-15,-25-24 0,25-1 16,0 0-16</inkml:trace>
+  <inkml:trace contextRef="#ctx0" brushRef="#br0" timeOffset="715">195 782 0,'0'-49'0,"-24"24"0,24-23 15,-25-1-15,25 24 0,25-24 16,-1 25-16,1 0 15,-1-25-15,49 24 0,1-24 16,-1 25-16,25-25 0,-1 25 16,25-25-16,1 25 15,-1-25-15,24 24 0,1 1 16,-25-1-16,24 1 16,1 0-16,-25-1 0,-24 25 15,24 0-15,-49 0 0,25 0 16,-49 0-16,-1 25 15,1-1-15,-24 0 0,-1 25 16,1-24-16,-25 24 16,24-1-16,-24 26 0,24-26 15,1 26-15,-1-1 0,1 25 16,-1-25-16,1 25 16,23-1-16,-23-23 0,24 23 15,0 1-15,-25 0 16,25-1-16,0 1 0,-25 0 15,25-25-15,-25 25 16,1-25-16,-1 0 0,1 1 16,-1-26-16,-24 26 0,0-26 15,0 1-15,0 0 16,0-24-16,0 23 0,-24-23 16,-1-1-16,1-24 0,-1 25 15,-23-25-15,-1 0 16,0-25-16,-24 25 0,-25-24 15,25-1-15,-50 1 16,26 24-16,-25-24 0,-25 24 16,25 0-16,-25 0 15,1 24-15,-1-24 0,1 24 16,24 25-16,-25-24 0,25-1 16,0 1-16,0-1 15,24 0-15,25-24 0,24 25 16,0-25-16,0 0 0,74 0 31,-1 0-31,25-25 16</inkml:trace>
+  <inkml:trace contextRef="#ctx0" brushRef="#br0" timeOffset="1230">2027 1075 0,'-24'0'16,"48"0"0,0 0-16,1 0 15,24 0-15,0 0 16,24 0-16,0 0 0,25 0 15,-1 0-15,50 0 0,0 0 16,48-25-16,0 25 16,25-24-16,24 24 0,25-25 15,0 25-15,-1-24 0,1 0 16,-25 24-16,-24-25 16,0 25-16,-49 0 0,0 0 15,-49 0-15,-24-24 16,-25 24-16,-24 0 0,0 0 15,-74 24 1,1-24 0,-25 0-16,0 0 0,25 0 15</inkml:trace>
+  <inkml:trace contextRef="#ctx0" brushRef="#br0" timeOffset="1584">5495 660 0,'-24'0'0,"-1"-25"16,1 25-16,-1 0 15,25 25 1,25-25-1,-1 0-15,25 24 16,-25 0-16,25-24 0,0 25 16,0-1-16,-25 1 15,25-1-15,-24 25 0,-1-25 16,1 1-16,-25 24 0,0-1 16,0-23-16,-25 24 15,1 0-15,-25-25 0,24 25 16,-23-25-16,23 25 15,-24-24-15,25-1 0,-1-24 16,1 24-16</inkml:trace>
+  <inkml:trace contextRef="#ctx0" brushRef="#br0" timeOffset="1933">5959 537 0,'-24'-24'0,"-1"0"0,1-1 15,48 50 16,-24-1-31,25 25 0,-25 0 16,24 24-16,-24 0 16,25 25-16,-1 0 0,0-1 15,-24 25-15,25-24 0,-25 24 16,24 0-16,-24-24 16,0 0-16,0-25 0,0 25 15,0-49-15,-24-1 16,24 1-16,-25-24 0,25-1 15</inkml:trace>
+  <inkml:trace contextRef="#ctx0" brushRef="#br0" timeOffset="2539">5861 537 0,'0'-73'0,"-24"24"0,24 0 15,0 1-15,24 23 16,1-24-16,-1 25 0,25 0 16,0-1-16,0 1 0,48-1 15,-23 25-15,23-24 16,26 24-16,-26 0 0,50-25 16,-25 25-16,0 0 15,0 0-15,0 0 0,0 0 16,0 0-16,-24 25 0,24-25 15,-48 24-15,23 1 16,-23-25-16,-26 24 0,1 1 16,0 23-16,-24-23 15,-1 24-15,0-25 0,1 25 16,-25 24-16,0-24 0,24 24 16,-24 1-16,0-1 15,25 24-15,-25-23 0,0 23 16,24-23-16,-24 23 15,24-23-15,-24-1 0,25 0 16,-25 1-16,24-1 0,-24 0 16,25-24-16,-25 0 15,0 0-15,0-1 0,0-23 16,-25-1-16,1 1 16,-1-1-16,-23 1 0,-1-25 15,0 0-15,-49 0 0,1 0 16,-1 0-16,-49 0 15,25 0-15,-24 0 0,-25 0 16,24 0-16,25 0 16,-24 0-16,23 24 0,26-24 15,-1 0-15,25 24 0,24-24 16,0 0-16,0 25 16,25-25-16,-1 0 0,25-25 15</inkml:trace>
+  <inkml:trace contextRef="#ctx0" brushRef="#br0" timeOffset="2929">7425 1319 0,'-25'0'0,"50"0"15,-1 0 1,25 0-16,0 0 16,-1 0-16,26 0 0,23 0 15,26 0-15,-1 0 16,49 0-16,0 0 0,0 0 15,0 0-15,24 0 16,-24 0-16,0 0 0,0 0 16,-25 0-16,-24 0 0,-24 0 15,-25 0-15,1 0 16,-25 0-16,-1 0 0,-23 0 16,-25-24-1,-25 24 1,1-25-16,0 25 0</inkml:trace>
+  <inkml:trace contextRef="#ctx0" brushRef="#br0" timeOffset="3260">9623 1099 0,'-25'0'0,"1"-24"15,-1 24 1,50 0 15,-1 0-31,1 24 0,-1-24 16,25 25-16,0-1 16,0 0-16,-1 1 0,1-1 15,0 1-15,0-1 0,0 25 16,-25-25-16,1 1 15,-25 24-15,0-25 0,-25 0 16,1 1-16,-25 24 16,25-25-16,-25 1 0,0-1 15,0 0-15,0 1 0,25-25 16,-1 24-16,1-24 16</inkml:trace>
+  <inkml:trace contextRef="#ctx0" brushRef="#br0" timeOffset="4056">10502 904 0,'-25'-25'0,"25"1"16,0 48-1,0 1-15,0-1 16,0 25-16,0 24 15,0-24-15,0 24 0,0 25 16,25 0-16,-25-1 0,24 1 16,-24 0-16,0 0 15,0-1-15,0-23 0,0 23 16,0-23-16,0-1 16,0 0-16,0 0 0,0-48 15,0 24-15,0-25 16,0 0-16</inkml:trace>
+  <inkml:trace contextRef="#ctx0" brushRef="#br0" timeOffset="4657">10477 1319 0,'-24'-49'0,"0"0"16,24 0-16,-25 1 0,25 23 15,0-24-15,0 25 0,25-1 16,-1 1-16,25 0 16,0-1-16,0 1 0,24-1 15,24 1-15,1 24 16,24-24-16,0 24 0,0-25 16,1 25-16,23 0 0,-24-24 15,0 24-15,1 0 16,-1 0-16,-25 24 0,1-24 15,-25 0-15,1 25 16,-26-1-16,1-24 0,-24 24 16,-1 25-16,0-24 0,1 23 15,-25 1-15,0 25 16,0-26-16,0 26 0,0-1 16,0 0-16,-25 0 15,25 25-15,0-25 0,0 1 16,0 23-16,0-23 0,0-1 15,25 0-15,-25 1 16,0-1-16,24 0 0,-24-24 16,0 24-16,0-24 15,0-25-15,0 25 0,-24-24 16,-1 24-16,1-25 0,0 0 16,-25-24-16,-24 0 15,24 25-15,-49-25 0,25 0 16,-49-25-16,24 1 0,-24 24 15,0-24-15,0-1 16,-1 25-16,1-24 0,25 24 16,-1-25-16,0 25 15,25 0-15,24 0 0,0 0 16,0-24-16,25 24 16</inkml:trace>
+  <inkml:trace contextRef="#ctx0" brushRef="#br0" timeOffset="5070">12040 2027 0,'-24'0'15,"48"0"1,1 0-16,24-24 16,0 24-16,-1 0 0,26 0 15,23 0-15,1 0 16,24 0-16,0 0 0,0 0 15,25 0-15,0 0 0,-1 0 16,1 0-16,-1 0 16,-24 0-16,0 0 0,0 0 15,-24 0-15,-25 0 16,1 0-16,-25 0 0,-1 0 16,-23 0-16,-50-25 31,1 25-31,0 0 15</inkml:trace>
+  <inkml:trace contextRef="#ctx0" brushRef="#br0" timeOffset="5442">14263 1783 0,'-24'24'0,"-1"-24"0,1 0 16,24 25 0,24-25-1,25 24-15,-25-24 16,25 0-16,0 25 15,0-1-15,0-24 0,0 25 16,-1-1-16,1 0 0,0 1 16,-24-1-16,-1 1 15,0-1-15,-24 1 0,0-1 16,-24-24-16,0 24 16,-25 1-16,0-1 0,0-24 15,0 25-15,0-1 0,25-24 16,-25 24-16,25-24 15,-1 25-15,1-25 0</inkml:trace>
+  <inkml:trace contextRef="#ctx0" brushRef="#br0" timeOffset="6649">15362 1710 0,'0'-25'15,"-24"25"17,24-24-1,-25 24-15,25-25-1,-24 25 1,-1 0-1,25-24-15,-24 24 16,-1 0-16,-23 0 0,23 0 16,1 0-16,-25 24 0,25-24 15,-25 0-15,24 25 16,1-25-16,-1 24 0,1 1 16,0-1-16,-1 1 15,1-1-15,24 0 0,-25 25 16,25-24-16,-24 24 0,24-1 15,0 1-15,-25-24 16,25 24-16,0-1 0,0 1 16,25 0-16,-25-25 15,24 25-15,1 0 0,-25 0 16,24 0-16,1 0 0,-1-25 16,0 25-16,1 0 15,-1 0-15,1-25 0,-1 25 16,1 0-16,23-25 15,-23 25-15,-1-25 0,25 25 16,0-24-16,0-1 0,0 1 16,-1-1-16,1 0 15,25-24-15,-1 0 0,0 0 16,0 0-16,1 0 16,23-24-16,-23 0 0,-1-1 15,0 1-15,0-1 0,1 1 16,-1-1-16,-24 1 15,0 0-15,-1-1 0,-23-24 16,24 25-16,-25-1 0,1-23 16,-25-1-16,0 0 15,24 25-15,-24-50 0,0 25 16,0 1-16,0-1 16,0 0-16,0 0 0,0 0 15,-24 0-15,24 1 0,-25-1 16,1 0-16,-1 24 15,1-23-15,-25 23 0,0-24 16,-24 25-16,24-1 16,-24 1-16,0 0 0,24-1 15,0 1-15,-24-1 0,48 1 16,-24-1-16,25 25 16,-25-24-16,25 24 0,-1-24 15,-24 24-15,25 0 16,-1 0-16,-23-25 0,23 25 15,-24 0-15,25 0 0,-25 0 16,25 0-16,-1 25 16,1-25-16,-1 0 0,1 24 15,0 0 1,-1-24 15,25 25-15,0-1 31,25-24-16</inkml:trace>
+  <inkml:trace contextRef="#ctx0" brushRef="#br0" timeOffset="9624">16070 2540 0,'-24'0'31,"24"-24"1,0-1-1,24 25-16,1-24 1,-1 24 0,1 0-16,-1 0 15,-24 24-15,24-24 16,-24 25-16,25-1 16,-25 1-1,0-1 1,-25 0-16,1-24 15,0 25-15,-1-25 16,1 24-16,-1-24 16,1 0-16,-1 0 15,1-24 1,0 24-16,24-25 16,0 1-16,0 0 15,0-1-15,0 1 16,24-1-16,0 1 15,1 24 1,-1 0-16,1 0 16,-25 24-16,24-24 15,1 0-15,-25 25 0,24-1 16,0 1-16,-24-1 16,0 0-1,0 1-15,0-1 16,0 1-1,-24-1-15,0-24 16,-1 24-16,1-24 16,-1 25-16,1-25 15,-1 0-15,1-25 16,0 25 0,24-24-16,0 0 15,0-1-15,0 1 16,0-1-16,0 1 15,24 0-15,-24-1 0,24 1 16,-24-1-16,25 25 0,-1-24 16,1 48-1,-25 1 1,24-25 0,-24 24-16,0 1 15,0-1-15,0 0 16,0 1-16,0-1 15,-24 1 1,-1-1 0,1-24-1,-1 0 1,1 0 0,24-24-16,-24-1 15,24 1 1,0-1-16,0 1 15,24 24-15,-24-24 16,24 24-16,1 0 16,-1 0-1,1 0 1,-25 24-16,24 0 0,-24 1 16,25-25-16,-25 24 15,0 1 1,-25-1-16,1-24 15,-1 24-15,1-24 16,-1 0-16,1 0 16,0 0-16,-1 0 15,25-24 1,0 0 0,0-1-16,0 1 15,25-1-15,-1 1 16,-24 0-16,24 24 15,1 0 1,-1 0-16,-24 24 16,25-24-1,-25 24-15,0 1 16,-25-1 0,1-24-1,24 25-15,-25-25 0,1 0 16,0 0-16,-1 0 15,1 0 1,24-25 0,24 25-1,-24-24-15,25 24 16,-25-25-16,24 25 16,0 0-16,1 0 0,-1-24 15,1 24-15,-25 24 16,0 1-1,-25-1 1,1 1 0,-1-1-1,1 0-15,0-24 16,-1 0 31,25-24-47,25 0 15,-1-1 17,0 25-17,-24 25 17,0-1-17,0 0 1,-24-24 15,0 0-15,24-24-16,0 0 31,-25 24-31,25-25 0,0 1 16,25-1-1,-1 25 16,-24 25-15,0-1 0,-24 1 15</inkml:trace>
+  <inkml:trace contextRef="#ctx0" brushRef="#br0" timeOffset="19513">16070 2638 0,'25'0'0,"-1"0"0,-24 24 16,25 1-16,-1-1 0,0 1 16,25-1-16,-24 0 15,23 1-15,-23-1 0,24 25 16,0-25-16,-25 1 0,25-1 15,-25 1-15,25-1 16,-24 1-16,-1-25 0,0 24 16,1 0-16,-1-24 15,-24 25 1,0-50 0</inkml:trace>
+  <inkml:trace contextRef="#ctx0" brushRef="#br0" timeOffset="20202">17096 3029 0,'-24'0'32,"-1"0"-32,1 0 31,24 24-16,24 0 17,1-24-17,-1 25 1,0-25 0,1 0-1,-1 0 1,-24-25-16,25 25 15,-25-24-15,0 0 16,0-1 0,0 1-1,-25-1 1,1 1-16,-1 24 16,1 0-16,0 0 0,-1 24 15,1-24 1,-1 25-16,25-1 0,-24 1 15,24-1-15,-25 0 16,25 1-16,0-1 0,0 1 16,0-1-16,0 1 0,25-1 15,-25 0-15,24 1 16,1-1-16,-1-24 16,1 25-16,-1-1 15,0-24-15,1 0 16,-1 0-16,1 0 0,-1 0 15,1 0 1,-1 0-16</inkml:trace>
+  <inkml:trace contextRef="#ctx0" brushRef="#br0" timeOffset="20520">17340 3053 0,'25'0'47,"-1"0"-16,-24 24-31,25-24 0,-25 25 16,24-25-16,-24 24 15,24-24-15,1 25 0,-25-1 16,24-24-16,1 25 0,-25-1 16,24 0-1,-24 1-15,24-25 16,-24 24-16</inkml:trace>
+  <inkml:trace contextRef="#ctx0" brushRef="#br0" timeOffset="20857">17560 3004 0,'0'-24'0,"-24"48"31,-1 1-16,25-1-15,-24-24 0,24 24 16,-25 1-16,1-1 16,24 1-16,-24-1 0,24 1 15,-25-1-15,25 0 16,-24 1-16,24-1 0,0 1 16,-25-25-16,25 24 15,0 0-15,-24 1 16,24-50 46</inkml:trace>
+  <inkml:trace contextRef="#ctx0" brushRef="#br0" timeOffset="21721">17731 3370 0,'-24'0'16,"24"25"62,24-25-62,0 0-1,1 0 1,-1 0 0,1-25-1,-1 25 1,-48 0 31,-1 0-47,1 0 15,-1 0 1,1 0-16,0 0 16,-1 0-1,50 25 1,-1-25-1,0 0 1,1 0-16,-1 0 0,1 0 16,-1 0-16</inkml:trace>
+</inkml:ink>
+</file>
+
 <file path=ppt/ink/ink14.xml><?xml version="1.0" encoding="utf-8"?>
 <inkml:ink xmlns:inkml="http://www.w3.org/2003/InkML">
   <inkml:definitions>
@@ -308,6 +1746,141 @@
   <inkml:trace contextRef="#ctx0" brushRef="#br0">562 188 0,'0'-25'15,"-24"25"1,24-24 0,-25 0-1,1 24-15,-1 0 16,1 0-16,0 0 15,-1 0-15,1 0 0,-25 0 16,0 24-16,0 0 0,0 1 16,0-1-16,25 1 15,-25-25-15,25 24 0,24 1 16,-25-25-16,25 24 16,0 0-16,25-24 0,-25 25 15,24-25-15,25 24 0,-25-24 16,25 25-16,-24-25 15,24 0-15,-1 24 0,1-24 16,0 0-16,0 0 16,-25 25-16,25-25 0,-24 24 15,-1 0-15,-24 1 16,0-1-16,0 1 16,-24-1-16,-25 1 15,24-1-15,1 0 16,-25 1-16,25-1 0,-25-24 15,24 25-15,-23-25 0,23 0 16,1 0-16,-1 0 16,1 24-16,-1-24 15</inkml:trace>
   <inkml:trace contextRef="#ctx0" brushRef="#br0" timeOffset="486">855 212 0,'0'-24'16,"-24"24"-1,-1 24 1,1 1 0,-1-1-16,25 1 15,-24-1-15,24 0 16,-24 25-16,24-24 0,0-1 16,0 25-16,24-25 15,0 1-15,1-1 0,24-24 16,-25 25-16,25-25 0,-25 0 15,25 0-15,0 0 16,-24-25-16,-1 25 0,0-24 16,1-1-16,-1 1 15,-24 0-15,0-25 0,0 24 16,0 1-16,-24-25 0,-1 25 16,1-1-16,0 1 15,-25-1-15,24 1 0,1 24 16,-25 0-16,25 0 15,-1 0-15,1 0 0,-1 0 16</inkml:trace>
   <inkml:trace contextRef="#ctx0" brushRef="#br0" timeOffset="1380">1466 300 0,'0'-25'78,"0"1"-47,0-1-15,0 1-1,0 0 1,24 24-16,-24-25 0,25 1 16,-1 24-1,-24-25 1,24 25-16,1 0 15,-1 0 1,1 0-16,-1 0 16,-24 25-16,25-25 15,-1 0-15,-24 24 16,24-24-16,1 0 0,-25 25 16,24-25-16,1 24 15,-1-24-15,0 24 16,1-24-1,-1 0-15,1 0 16,-1-24 0,1 24-1,-1-24-15,0 24 16,-24-25-16,0 1 31,0-1-15,-24 1-1,24-1 1,0 1 0,-24 24-1,24-24 17,0 48 46,24-24-63</inkml:trace>
+</inkml:ink>
+</file>
+
+<file path=ppt/ink/ink140.xml><?xml version="1.0" encoding="utf-8"?>
+<inkml:ink xmlns:inkml="http://www.w3.org/2003/InkML">
+  <inkml:definitions>
+    <inkml:context xml:id="ctx0">
+      <inkml:inkSource xml:id="inkSrc0">
+        <inkml:traceFormat>
+          <inkml:channel name="X" type="integer" max="1920" units="cm"/>
+          <inkml:channel name="Y" type="integer" max="1080" units="cm"/>
+          <inkml:channel name="T" type="integer" max="2.14748E9" units="dev"/>
+        </inkml:traceFormat>
+        <inkml:channelProperties>
+          <inkml:channelProperty channel="X" name="resolution" value="55.81395" units="1/cm"/>
+          <inkml:channelProperty channel="Y" name="resolution" value="55.6701" units="1/cm"/>
+          <inkml:channelProperty channel="T" name="resolution" value="1" units="1/dev"/>
+        </inkml:channelProperties>
+      </inkml:inkSource>
+      <inkml:timestamp xml:id="ts0" timeString="2020-11-20T16:46:49.164"/>
+    </inkml:context>
+    <inkml:brush xml:id="br0">
+      <inkml:brushProperty name="width" value="0.05" units="cm"/>
+      <inkml:brushProperty name="height" value="0.05" units="cm"/>
+      <inkml:brushProperty name="fitToCurve" value="1"/>
+    </inkml:brush>
+  </inkml:definitions>
+  <inkml:trace contextRef="#ctx0" brushRef="#br0">15268 1075 0,'0'24'63,"0"0"-32,0 1-15,0-1-1,0 1 1,0-1-16,0 1 0,0-1 16,0 0-16,0 1 15,0-1-15,0 1 16,0-1-16,0 1 0,0-1 15,-25 0 1,25 1-16,0-1 16,0 1-16,0-1 15,0 0-15,-24 1 16,24-1 0,-25-24-16,25 25 15,-24-25-15,0 0 16,-1 24-1,1-24-15,-1 0 0,1 0 16,-1 0-16,1 0 0,0 25 16,-1-25-16,1 0 15,-25 0-15,24 0 0,-23 0 16,23 24-16,-24-24 0,1 0 16,-1 0-16,-25 0 15,26 0-15,-26 24 0,25-24 16,-24 0-16,0 0 15,0 25-15,24-25 0,-24 0 16,24 24-16,-25-24 0,26 0 16,-1 25-16,0-25 15,-24 0-15,24 24 0,0-24 16,-24 0-16,24 25 16,0-25-16,-24 0 0,-1 24 15,26-24-15,-26 0 16,1 0-16,0 24 0,0-24 15,-1 0-15,1 0 0,0 25 16,-1-25-16,-23 0 16,23 0-16,1 0 0,-25 0 15,25 0-15,0-25 16,0 25-16,-1 0 0,-23 0 16,23 0-16,1-24 0,0 24 15,-25 0-15,25 0 16,0 0-16,-1-24 0,-23 24 15,23 0-15,1 0 0,0 0 16,0 0-16,-25 0 16,25-25-16,-1 25 0,1 0 15,0 0-15,0 0 16,24-24-16,-24 24 0,-1 0 16,1 0-16,0 0 0,24 0 15,-24 0-15,-1-25 16,1 25-16,0 0 0,-1 0 15,-23 0-15,24 0 16,-1-24-16,1 24 0,-25 0 16,25 0-16,0 0 0,0 0 15,-25 0-15,25 0 16,-1-25-16,-23 25 0,23 0 16,1 0-16,24 0 15,-24 0-15,0 0 0,-1 0 16,1 0-16,0 0 0,0 0 15,24 0-15,-25 0 16,1 0-16,0-24 0,0 24 16,-1 0-16,1 0 0,0 0 15,0 0-15,-1 0 16,1 0-16,0 0 0,24 0 16,-24 0-16,-1 0 15,-23 0-15,23 0 0,1 0 16,0 0-16,-25 0 15,25 0-15,-25 0 0,1 0 16,23 0-16,-23 0 0,-1 0 16,0 0-16,25 24 15,-25-24-15,1 0 0,-1 0 16,25 0-16,-25 0 16,25 0-16,-1 25 0,1-25 15,0 0-15,0 0 0,-1 0 16,1 0-16,24 24 15,-24-24-15,0 0 0,24 0 16,0 0-16,-24 25 0,24-25 16,0 0-16,-24 24 15,24-24-15,0 0 0,0 0 16,-24 25-16,24-25 16,0 0-16,0 0 0,-24 24 15,24-24-15,-24 0 0,24 0 16,0 0-16,0 24 15,-24-24-15,24 0 0,25 0 16,-25 0-16,0 0 16,0 25-16,0-25 0,25 0 15,-25 0-15,0 0 16,1 24-16,-1-24 0,0 0 16,0 0-16,25 0 0,-25 25 15,0-25-15,24 0 16,-23 0-16,-1 0 0,24 0 15,-23 0-15,-1 0 0,0 0 16,0 0-16,25 0 16,-25 24-16,0-24 0,0 0 15,0 0-15,0 0 16,0 0-16,1 0 0,-1 0 16,24 0-16,-24 0 15,1 0-15,-1 0 0,0 0 16,25 0-16,-25 0 0,0 0 15,24 0-15,-23 0 16,-1 0-16,24 25 0,-24-25 16,1 0-16,23 0 0,1 0 15,-25 24-15,25-24 16,-1 0-16,1 0 0,-25 0 16,24 24-16,1-24 15,-25 0-15,25 0 0,-1 0 16,1 0-16,-25 0 0,25 25 15,-1-25-15,1 0 16,-1 0-16,1 0 0,-1 0 16,1 0-1,0 0-15,-1 0 16,1 0-16,-1 0 16,25 24-1,-24-24-15,-1 0 0,1 0 31,0 0-31,-1-24 63,25-1-16,-24 1-32,24 0 1,0-1 0,0 1-1,0-1-15,0 1 16,0-1 0,0 1-16,0 0 0,-25 24 15,25-25-15,0 1 16,-24-1-16,24 1 0,0-1 15,-24 1-15,24 0 0,0-1 16,-25-24-16,25 25 16,0-1-16,0 1 0,-24 0 15,24-1-15,0-24 0,-25 25 16,25 0-16,0-1 16,-24-24-16,24 25 0,-25-1 15,25 1-15,-24 0 16,24-1-16,-24-24 0,24 25 15,-25-1-15,1 1 0,24 0 16,-25-1-16,25 1 16,-24-1-16,24 1 0,0 0 15,-25 24-15,25-25 16,-24 1-16,24-1 16,-24 25-16,24-24 0,-25-1 15,25 1-15,-24 0 16,24-1-16,0 1 15,-25 24-15,25-25 16,0 1-16,0-1 0,0 1 16,0 0-16,0-1 15,0 1 1,0-1 0,0 1-1,0-1-15,0 1 16,0 0-1,0-1 1,0 1-16,0-1 16,0 1-1,0-1 1,0 1-16,25 24 16,-25-24-1,0-1-15,0 1 16,0-1-1,0 1 1,0 0-16,0-1 31,0 1-15,0-1 15,0 1 47</inkml:trace>
+  <inkml:trace contextRef="#ctx0" brushRef="#br0" timeOffset="963">272 0 0,'-24'0'47,"-1"0"-15,1 24-32,-1 1 15,1-25 1,24 24-16,-25 1 0,1-1 15,24 1-15,-24-1 16,24 0-16,-25 1 0,25-1 16,-24 1-16,24-1 15,0 1-15,-25-25 16,25 24-16,25-24 62,-25-24-46,24-1 0,-24 1-1,25-1-15,-25 1 0,24-1 16,-24 1-16,24 0 16,-24-1-16,0 1 15,0-1-15,0 1 16,0-1-1,0 1 1,25 24 47,-1 0-48,1 0 1,-1 0-1,1 0-15,-1 0 16,0 24-16,1-24 16,-1 0-16,1 25 15,-1-25-15,-24 24 0,24-24 16,1 25-16,-25-1 16,24 1-16,-24-1 0,25 0 15,-1 1-15,-24-1 16,25-24-16,-25 25 15,0-1-15,24-24 0,-24 25 32,24-25-17,1 0 48</inkml:trace>
+</inkml:ink>
+</file>
+
+<file path=ppt/ink/ink141.xml><?xml version="1.0" encoding="utf-8"?>
+<inkml:ink xmlns:inkml="http://www.w3.org/2003/InkML">
+  <inkml:definitions>
+    <inkml:context xml:id="ctx0">
+      <inkml:inkSource xml:id="inkSrc0">
+        <inkml:traceFormat>
+          <inkml:channel name="X" type="integer" max="1920" units="cm"/>
+          <inkml:channel name="Y" type="integer" max="1080" units="cm"/>
+          <inkml:channel name="T" type="integer" max="2.14748E9" units="dev"/>
+        </inkml:traceFormat>
+        <inkml:channelProperties>
+          <inkml:channelProperty channel="X" name="resolution" value="55.81395" units="1/cm"/>
+          <inkml:channelProperty channel="Y" name="resolution" value="55.6701" units="1/cm"/>
+          <inkml:channelProperty channel="T" name="resolution" value="1" units="1/dev"/>
+        </inkml:channelProperties>
+      </inkml:inkSource>
+      <inkml:timestamp xml:id="ts0" timeString="2020-11-20T16:47:01.798"/>
+    </inkml:context>
+    <inkml:brush xml:id="br0">
+      <inkml:brushProperty name="width" value="0.05" units="cm"/>
+      <inkml:brushProperty name="height" value="0.05" units="cm"/>
+      <inkml:brushProperty name="fitToCurve" value="1"/>
+    </inkml:brush>
+  </inkml:definitions>
+  <inkml:trace contextRef="#ctx0" brushRef="#br0">928 195 0,'24'0'16,"1"0"-16,-25-25 16,24 25-16,-24-24 31,-24 0 0,-1 24-15,1 0 15,-1 0-31,25 24 0,-24-24 16,0 0-16,24 24 15,-25-24-15,1 25 0,-1-1 16,1 1-16,24-1 0,-25 1 15,1-1-15,24 0 16,-24 25-16,24-24 0,-25-1 16,25 1-16,0-1 15,0 0-15,25 1 0,-1-1 16,0 1 0,1-25-16,-1 0 15,1 0-15,-1 0 16,1 0-1,-1 0-15,0 0 16,1-25-16</inkml:trace>
+  <inkml:trace contextRef="#ctx0" brushRef="#br0" timeOffset="677">1148 244 0,'-25'0'0,"25"-25"31,25 50 16,-1-25-47,-24 24 15,24-24-15,1 25 16,-1-25-16,1 24 0,-1 0 16,1-24-16,23 25 15,-23-1-15,-1-24 0,1 25 16,-25-1-16,24-24 0,1 25 16,-1-1-1</inkml:trace>
+  <inkml:trace contextRef="#ctx0" brushRef="#br0" timeOffset="1188">1514 146 0,'-24'0'15,"24"24"17,0 1-17,-25-25-15,25 24 16,-24 1-16,-1-25 16,1 24-16,-1 1 0,1-1 15,0 0-15,-1 1 16,1-1-16,-25 1 0,24-1 15,1-24-15,0 25 0,-1-1 16,25 0-16,-24-24 16,24 25-16,-25-25 0,25 24 15</inkml:trace>
+  <inkml:trace contextRef="#ctx0" brushRef="#br0" timeOffset="2136">1807 512 0,'-24'0'109,"48"0"-31,0 0-62,1 0-1,-1 0-15,1 0 16,-1 0-16,1 0 16,-1 0-16,0 0 15,1 0-15,-1 0 0,1 0 16,-1 0-16,-24-24 0,25 24 16,-50 0 46,1 0-62,-1 0 16,25 24-1,-24-24-15,-1 0 16</inkml:trace>
+  <inkml:trace contextRef="#ctx0" brushRef="#br0" timeOffset="4525">24 122 0,'0'-25'0,"-24"25"0,48-24 63,1 24-48,-1 0-15,0-25 16,1 25-16,-1 0 16,1-24-16,-1 24 0,1 0 15,-1-24-15,0 24 16,1 0-16,-1 0 16,1 0-16,-1 24 31,-24 0-16,0 1 1,0-1-16,-24 1 16,24-1-16,-25 0 15,25 1-15,-24-1 16,24 1-16,-25-1 0,1 1 16,0 23-16,24-23 15,-25-1-15,1 1 0,24-1 16,-25 1-16,25-1 0,0 0 15,-24 1-15,24-1 16,0 1 0,0-1 15,24-24-15,1 0-1,-1 0 1,1 25-16,-1-25 15,0 0-15,1 0 16,-1 0-16,1 0 0,-1 0 16,0-25-1</inkml:trace>
+  <inkml:trace contextRef="#ctx0" brushRef="#br0" timeOffset="4836">73 415 0,'24'0'47,"1"0"-32,-1 0-15,1 0 16,-25-25-16,24 25 16,1 0-16,-1 0 0,0-24 15,1 24 1,-1 0-1</inkml:trace>
+</inkml:ink>
+</file>
+
+<file path=ppt/ink/ink142.xml><?xml version="1.0" encoding="utf-8"?>
+<inkml:ink xmlns:inkml="http://www.w3.org/2003/InkML">
+  <inkml:definitions>
+    <inkml:context xml:id="ctx0">
+      <inkml:inkSource xml:id="inkSrc0">
+        <inkml:traceFormat>
+          <inkml:channel name="X" type="integer" max="1920" units="cm"/>
+          <inkml:channel name="Y" type="integer" max="1080" units="cm"/>
+          <inkml:channel name="T" type="integer" max="2.14748E9" units="dev"/>
+        </inkml:traceFormat>
+        <inkml:channelProperties>
+          <inkml:channelProperty channel="X" name="resolution" value="55.81395" units="1/cm"/>
+          <inkml:channelProperty channel="Y" name="resolution" value="55.6701" units="1/cm"/>
+          <inkml:channelProperty channel="T" name="resolution" value="1" units="1/dev"/>
+        </inkml:channelProperties>
+      </inkml:inkSource>
+      <inkml:timestamp xml:id="ts0" timeString="2020-11-20T16:47:08.578"/>
+    </inkml:context>
+    <inkml:brush xml:id="br0">
+      <inkml:brushProperty name="width" value="0.05" units="cm"/>
+      <inkml:brushProperty name="height" value="0.05" units="cm"/>
+      <inkml:brushProperty name="fitToCurve" value="1"/>
+    </inkml:brush>
+  </inkml:definitions>
+  <inkml:trace contextRef="#ctx0" brushRef="#br0">317 0 0,'0'24'47,"0"0"-47,25 1 0,-25 24 16,24 0-16,-24-1 15,0 1-15,25 0 0,-25 24 16,24 1-16,-24-1 15,0 0-15,25 0 0,-25-24 16,0 25-16,0-26 0,0 1 16,0 0-16,0 0 15,0-25-15,0 1 0,0-1 16</inkml:trace>
+  <inkml:trace contextRef="#ctx0" brushRef="#br0" timeOffset="462">244 24 0,'-24'0'16,"-1"0"-1,25 24 1,-24-24 0,24 25-16,-25-25 0,25 24 15,-24 1-15,0-25 16,-1 24-16,1 1 0,24-1 15,-25-24-15,1 0 0,24 24 16,0-48 31,24 24-47,1-24 16,-1-1-16,1 25 15,-1-24-15,0-1 16,1 25-16,-1 0 15,1 0-15,-1 0 16,1 25-16,-1-25 0,0 24 16,1 1-16,24-25 0,-25 24 15</inkml:trace>
+</inkml:ink>
+</file>
+
+<file path=ppt/ink/ink143.xml><?xml version="1.0" encoding="utf-8"?>
+<inkml:ink xmlns:inkml="http://www.w3.org/2003/InkML">
+  <inkml:definitions>
+    <inkml:context xml:id="ctx0">
+      <inkml:inkSource xml:id="inkSrc0">
+        <inkml:traceFormat>
+          <inkml:channel name="X" type="integer" max="1920" units="cm"/>
+          <inkml:channel name="Y" type="integer" max="1080" units="cm"/>
+          <inkml:channel name="T" type="integer" max="2.14748E9" units="dev"/>
+        </inkml:traceFormat>
+        <inkml:channelProperties>
+          <inkml:channelProperty channel="X" name="resolution" value="55.81395" units="1/cm"/>
+          <inkml:channelProperty channel="Y" name="resolution" value="55.6701" units="1/cm"/>
+          <inkml:channelProperty channel="T" name="resolution" value="1" units="1/dev"/>
+        </inkml:channelProperties>
+      </inkml:inkSource>
+      <inkml:timestamp xml:id="ts0" timeString="2020-11-20T16:47:11.193"/>
+    </inkml:context>
+    <inkml:brush xml:id="br0">
+      <inkml:brushProperty name="width" value="0.05" units="cm"/>
+      <inkml:brushProperty name="height" value="0.05" units="cm"/>
+      <inkml:brushProperty name="fitToCurve" value="1"/>
+    </inkml:brush>
+  </inkml:definitions>
+  <inkml:trace contextRef="#ctx0" brushRef="#br0">294 687 0,'0'-25'0,"0"1"32,-25 24-1,1 0-16,-1 0-15,25 24 16,-24-24-16,-1 25 0,1-1 16,-25 0-16,25 1 15,-1-1-15,25 25 0,-24-24 16,24 23-16,-25-23 0,25 24 16,0-1-16,0-23 15,25 24-15,-1-25 0,-24 1 16,25-1-16,-1-24 15,1 24-15,-1-24 0,25 0 16,-25 0-16,25 0 0,0 0 16,-25-24-16,25 24 15,-24-24-15,-1 24 0,0-25 16,1 1-16,-1 24 16</inkml:trace>
+  <inkml:trace contextRef="#ctx0" brushRef="#br0" timeOffset="455">587 638 0,'-25'0'15,"25"-25"-15,-24 25 16,48 0 15,1 25-15,-1-25-16,0 24 15,1 1-15,-1-1 16,1 0-16,-1 25 0,1-24 16,23-1-16,-23 25 15,-1-25-15,1 1 0,-1-1 16,-24 1-16,25-1 0,-25 0 15,24-24-15,-24 25 16</inkml:trace>
+  <inkml:trace contextRef="#ctx0" brushRef="#br0" timeOffset="731">904 564 0,'0'-24'16,"-24"24"-16,24 24 31,-25 1-15,25-1-16,-24 1 0,24-1 16,-25 25-16,1 0 15,24-25-15,-24 25 0,24 0 16,-25-25-16,25 25 15,-24-24-15,24-1 0,0 0 16,0 1-16,0-1 16,24-24-1</inkml:trace>
+  <inkml:trace contextRef="#ctx0" brushRef="#br0" timeOffset="1109">1368 1004 0,'-24'0'0,"-1"0"16,25 24-16,-24-24 0,-1 0 15,50 0 17,-1 0-1,1 0-15,-1 0-16,1 0 0,-1-24 15,0 24-15,1 0 16,-1 0-16,1-24 0,-1 24 15,1 0-15,-1 0 16,-24-25 0,-24 25-1,-1 0 1</inkml:trace>
+  <inkml:trace contextRef="#ctx0" brushRef="#br0" timeOffset="1632">2003 540 0,'0'-24'15,"0"-1"1,0 1 0,-24 24-16,-1-25 0,1 25 15,-1-24-15,1 24 16,0 0-16,-1 0 0,-24 24 16,25-24-16,0 25 15,-1-25-15,1 24 0,24 1 16,-25-25-16,25 24 15,0 0-15,0 1 16,25-1-16,-1 1 16,1-1-16,23 1 15,-23-25-15,-1 24 0,25 0 16,-25-24-16,1 25 16,24-25-16,-25 24 0,1-24 15,-1 25-15,-24-1 16,0 0-1,-24 1-15,-1-25 16,1 24-16,-1 1 16,-24-25-16,25 24 0,0-24 15,-25 0-15,24 0 0,1 0 16,0 0-16,24-24 16</inkml:trace>
+  <inkml:trace contextRef="#ctx0" brushRef="#br0" timeOffset="1921">2223 271 0,'24'0'0,"-24"-24"15,-24 24 16,24 24-15,0 25-16,0-24 16,0-1-16,0 25 0,0-25 15,0 25-15,24 0 16,-24 0-16,0 0 0,25-25 16,-25 25-16,0 0 15,0-25-15,24 1 0,-24-1 16,0 0-16</inkml:trace>
+  <inkml:trace contextRef="#ctx0" brushRef="#br0" timeOffset="2537">2174 687 0,'-24'-25'16,"24"1"-16,0-1 15,24 1 16,1 24-31,-1 0 0,25 0 16,-25-25-16,25 25 0,0 0 16,0-24-16,0 24 15,-1 0-15,1 0 0,-24-24 16,-1 24-16,25 0 16,-25 0-16,-24-25 15,0 1 1,-24 24-1,0 0-15,24-25 0,-25 25 16,1 0-16,-1 0 16,1 0-16,-1 25 15,1-1-15,0 1 16,-1-1-16,25 0 16,-24 25-16,24-24 0,0-1 15,0 25-15,0-25 0,0 1 16,0-1-16,24 1 15,-24-1-15,25 1 0,-1-25 16,0 0 0,1 0-16,-1 0 0,1 0 15,-1-25-15,-24 1 0,25-1 16,-1 1-16,-24-1 16,24 1-16,-24 0 0,0-25 15,0 24-15,0 1 16,0-1-16,0 1 15,0 48 17,25 1-32,-1-1 15,-24 1 1,25 24-16,-25-25 0,24 0 16,-24 25-16,0-24 0,25-1 15,-25 1 1</inkml:trace>
+  <inkml:trace contextRef="#ctx0" brushRef="#br0" timeOffset="2819">2931 271 0,'-24'0'0,"-1"-24"0,1 24 15,0 0 17,24 24-32,0 1 15,0-1-15,24 1 0,-24-1 16,24 25-16,-24 0 0,25 0 16,-25-1-16,24 1 15,1 0-15,-25 0 0,24 0 16,-24-25-16,0 25 15,0-25-15,24 1 0,-24-1 16</inkml:trace>
+  <inkml:trace contextRef="#ctx0" brushRef="#br0" timeOffset="3185">2907 638 0,'0'-25'0,"0"1"0,0-1 31,24 25-31,1 0 16,-1 0 0,1 0-16,-1 0 15,0 0-15,1 0 0,-1 0 16,25 0-16,-25-24 16,1 24-16,-1 0 0,1 0 15,-1 0 1,-24-24-16,0 48 47,0 0-32,0 1-15,25-25 16,-25 49-16,0-25 16,24 1-16,-24 23 0,0-23 15,24-1-15,-24 1 16,0-1-16,25 1 0</inkml:trace>
+  <inkml:trace contextRef="#ctx0" brushRef="#br0" timeOffset="3346">3249 271 0,'0'-24'16,"-25"-1"-16,25 50 47,25-1-47</inkml:trace>
+  <inkml:trace contextRef="#ctx0" brushRef="#br0" timeOffset="3720">3737 418 0,'-24'0'47,"-1"0"-32,1 0 1,0 24-16,-1-24 0,1 25 16,-1-1-1,1 1-15,-1-1 0,25 0 16,-24 25-16,24-24 16,0-1-16,0 1 0,24 23 15,1-23-15,-1-1 0,1 1 16,-1-25-16,25 24 15,-25-24-15,25 0 0,-24 0 16,23-24-16,-23 24 16,-1-25-16,1 1 0</inkml:trace>
+  <inkml:trace contextRef="#ctx0" brushRef="#br0" timeOffset="4037">3957 857 0,'0'25'0,"24"-25"31,1 0-15,-1 0-16,1 0 15,24 0-15,-25 0 16,0 0-16,25-25 0,-24 25 16,-1 0-1,1-24-15</inkml:trace>
+  <inkml:trace contextRef="#ctx0" brushRef="#br0" timeOffset="4487">4323 418 0,'-24'0'0,"-1"0"16,1 0-16,48 24 47,1-24-47,24 25 16,-25-1-16,1-24 15,23 25-15,-23-1 0,-1 0 16,1 1-16,-1-1 15,1 1-15,-1-1 0,-24 1 16,0-1-16,0 0 16,-24-24-16,-1 25 15,1-25-15,-1 0 16,1-25-16,-1 25 16,25-24-16,0 0 0,0-1 15,0 1-15,0-1 0,0-24 16,25 25-16,-1-25 15,1 25-15,-1-1 0,1 1 16,-1-1-16,0 1 16,1 24-16,-25-24 0,24 24 15,1 0-15,-25-25 0</inkml:trace>
+  <inkml:trace contextRef="#ctx0" brushRef="#br0" timeOffset="4950">4983 369 0,'0'24'16,"-25"-24"-16,1 0 15,-1 25 1,1-25-16,0 24 15,-1 1-15,1-1 16,24 1-16,-25-1 16,25 0-16,0 1 15,0-1-15,0 1 16,0-1-16,0 1 0,0-1 16,25-24-16,-25 24 0,24-24 15,1 0-15,-1 0 16,0 0-16,1-24 0,-1 0 15,25 24-15,-24-25 16,-1 1-16,0-1 0,1 1 16,-25-1-16,0-23 0,0 23 15,-25 1-15,25-1 16,-24 1-16,0 24 0,-25-25 16,24 25-16,1-24 15,-1 24-15,1 0 0,24 24 16,-24-24-16,-1 25 0,25-1 15,25 1 1</inkml:trace>
+  <inkml:trace contextRef="#ctx0" brushRef="#br0" timeOffset="5387">5276 393 0,'24'0'0,"1"0"15,-1 0-15,1 0 16,-50 0 15,1 25-31,-1-25 16,25 24 0,-24-24-16,24 25 0,0-1 15,0 1-15,-25-1 0,25 0 16,0 1-16,0-1 15,25 1-15,-25-1 0,24-24 16,1 25-16,-1-25 0,1 0 16,-1 0-16,0 0 15,1 0-15,-1 0 0,1-25 16,-1 1-16,1-1 16,-1 1-16,-24-1 15,0 1-15,0 0 16,-24-1-16,24 1 0,-25-1 15,1 1-15,-25-1 0,24 1 16,1 24-16,0-24 16,-1 24-16,1 0 0,-1 0 15,25 24 1,0 0 0,25-24-16</inkml:trace>
+  <inkml:trace contextRef="#ctx0" brushRef="#br0" timeOffset="5742">5715 174 0,'0'-25'16,"0"1"-16,0-1 15,0 1-15,0 0 16,0-1-16,25 25 0,-25-24 15,24 24 1,-24 24 0,0 1-16,0-1 0,0 0 15,0 1-15,0 24 16,0-1-16,0 1 0,-24 0 16,24 0-16,0 0 15,0 0-15,0 0 0,0-1 16,0 1-16,24 0 0,1-24 15,-25-1-15,24 0 16,1 1-16,-1-1 0,0-24 16,1 0-16,-1 0 15,1 0-15,-1-24 0,1-1 16,-25-23-16</inkml:trace>
+  <inkml:trace contextRef="#ctx0" brushRef="#br0" timeOffset="5941">5642 320 0,'-24'25'15,"-1"-25"-15,25 24 16,25-24 0,-1 0-16,1 0 15,-1 0-15,0 0 0,25-24 16,-24 24-16,24 0 15,-25 0-15,25-25 0,-25 25 16</inkml:trace>
 </inkml:ink>
 </file>
 
@@ -746,16 +2319,16 @@
   <inkml:trace contextRef="#ctx0" brushRef="#br0" timeOffset="89416">6367 2735 0,'25'-24'31,"-1"24"-31,0-25 0,1 25 16,24 0-16,-25-24 0,25-1 16,-25 25-16,25 0 15,-24-24-15,24 24 0,-25 0 16</inkml:trace>
   <inkml:trace contextRef="#ctx0" brushRef="#br0" timeOffset="89740">6660 3590 0,'25'0'16,"-1"0"-16,1-25 15,-1 25-15,0 0 16,1-24-16,-1 24 0,25 0 16,-25 0-16,1 0 0,-1 0 15,1 0-15,-1 0 16</inkml:trace>
   <inkml:trace contextRef="#ctx0" brushRef="#br0" timeOffset="90010">7271 4542 0,'24'0'0,"1"25"0,24-1 16,-25-24-16,0 0 15,1 0-15,24 0 0,-25 0 16,25-24-16,-25 24 0,1-25 16</inkml:trace>
-  <inkml:trace contextRef="#ctx0" brushRef="#br0" timeOffset="232277">628 6521 0,'0'24'46,"24"-24"-30,-24 25 0,0-1-16,25-24 15,-25 24-15,0 1 0,0-1 16,0 1 0,0-1-1,0-48 16,0-1-15,0 1-16,-25-1 16,25 1-16,-24 0 15,24-25-15,-25 24 16,1 1-16,24-25 0,-24 0 16,24 25-16,0-25 0,-25 0 15,25 25-15,0-25 16,0 24-16,25 1 0,-1-1 15,25 25 1,-25 0-16,1 25 0,-1-25 16,0 24-16,1 1 0,-1-1 15,1 1-15,-25-1 16,24 0-16,-24 1 0,0-1 16,-24 1-16,-1-1 15,1 1 1,-1-25-16,1 24 15,48-24 32,1 0-31,-1 0-16,1 0 0,-1 0 16,25 0-16,-25 24 15,1-24-15,-1 25 0,1-25 16,-1 24-16,1 1 15,-25-1-15,-25 1 16,1-25-16,-1 0 16,1 24-16,-1-24 15,-23 0-15,23 0 0,1 0 16,-1 0-16,1 0 0,-1 0 16,1 0-16,24-24 15</inkml:trace>
-  <inkml:trace contextRef="#ctx0" brushRef="#br0" timeOffset="232847">1092 6252 0,'24'-24'16,"1"24"-1,-1 24 17,-24 0-32,0 1 15,24-1-15,-24 1 0,0-1 16,0 1-16,25-1 16,-25 0-16,0 1 0,24-1 15,-24 1 1,0-1-1,0-48 17,-24-1-32,-1 1 15,1-1 1,0 1-16,24 0 16,-25-25-16,1 24 0,24-24 15,-25 25-15,25-25 16,0 25-16,0-25 0,0 24 15,0 1-15,0 0 0,0-1 16,25 25-16,-1 0 16,1 0-16,-1 0 15,0 25-15,1-1 16,-25 0-16,24 1 16,-24-1-16,0 1 15,0-1-15,-24-24 16,-1 25-16,25-1 0,-24-24 15,0 0 1,24 24-16,-25-24 16</inkml:trace>
-  <inkml:trace contextRef="#ctx0" brushRef="#br0" timeOffset="233561">1629 6350 0,'0'24'16,"-24"-48"93,24-1-78,-25 25-31,25-24 0,0-1 16,0 1 0,0 0-16,25-1 15,-1 1-15,1-1 16,-1 25 0,0 0-16,1 0 15,-1 25 1,1-25-16,-25 24 15,24 1-15,1-1 16,-25 0-16,24 1 16,0-25-16,-24 24 0,25 1 15,-1-25-15,1 24 16,-1-24-16,0 0 16,1 0-1,-25-24-15,24-1 16,-24 1-16,0-1 15,0 1 1,0 0-16,0-1 16,0 1-16,-24-1 15,-1 1 1,1 24-16,0 0 16,-1 0 15</inkml:trace>
-  <inkml:trace contextRef="#ctx0" brushRef="#br0" timeOffset="233977">2582 5910 0,'0'-24'16,"0"-1"-1,-25 1-15,1 24 16,24-25-16,-25 25 15,1 0-15,0 0 0,-1 25 16,1-25-16,-1 24 0,1 1 16,-1-1-16,1 25 15,0-25-15,24 25 0,-25-24 16,25 24-16,0-25 16,0 25-16,0-25 0,0 1 15,25 23-15,-25-23 0,24-25 16,0 24-16,1 1 15,-1-25-15,25 0 0,-24 0 16,23 0-16,-23 0 16,-1-25-16,25 25 0,-25-24 15</inkml:trace>
-  <inkml:trace contextRef="#ctx0" brushRef="#br0" timeOffset="234413">2801 5983 0,'0'-24'15,"-24"24"1,24 24 0,-24-24-16,24 25 15,0-1 1,-25-24-16,25 25 0,0-1 15,0 1-15,0-1 0,0 0 16,25 1-16,-25-1 16,24-24-16,-24 25 0,24-25 15,1 24-15,-1-24 16,1 0-16,-1 0 0,1 0 16,-1-24-16,0-1 15,1 25-15,-25-24 16,24-1-16,-24 1 0,0 0 15,0-1-15,0 1 16,-24-1-16,-1 1 0,1 24 16,0-25-16,-1 1 0,1 24 15,-1 0-15,1 0 16,-1 0-16,1 0 0,0 0 16,24 24-1</inkml:trace>
-  <inkml:trace contextRef="#ctx0" brushRef="#br0" timeOffset="235110">3046 5959 0,'0'-24'16,"0"-1"-1,24 25 1,0 0-16,1 25 16,-1-1-1,1 0-15,-25 1 16,24-1-16,1 1 16,-25-1-16,24 0 0,-24 1 15,24-25-15,-24 24 0,0 1 31,0-50 1,-24 25-17,24-24-15,-24-1 16,24 1-16,0 0 16,0-1-16,0 1 0,0-1 15,0 1-15,24-25 16,-24 25-16,24 24 0,-24-25 15,25 25-15,-1 0 0,1 0 16,-1 25 0,-24-1-16,25 1 0,-25-1 15,24 0-15,-24 1 0,0-1 16,24-24-16,-24 25 16,0-1-16,0-48 46,0-1-30,25 1 0,-25-1-16,0-23 15,24 23-15,1 1 16,-25-1-16,24 1 0,-24-1 16,25 1-16,-1 24 0,-24-24 15,24 24-15,1 0 16,-25 24-16,24 0 0,-24 1 15,25-1-15,-25 1 16,24-1-16,1 1 0,-25-1 16,24 0-16,-24 1 0,24-25 15,-24 24-15</inkml:trace>
-  <inkml:trace contextRef="#ctx0" brushRef="#br0" timeOffset="235403">3925 5617 0,'0'24'31,"24"-24"-31,-24 25 16,25-1-16,-25 1 0,24-1 16,-24 1-16,25-1 15,-1 25-15,-24-25 0,24 25 16,-24-24-16,0-1 16,25 0-16,-25 1 0,0-1 15</inkml:trace>
-  <inkml:trace contextRef="#ctx0" brushRef="#br0" timeOffset="235871">3925 5690 0,'0'-24'15,"0"-1"-15,0 1 16,24 24-1,1 24-15,-1 1 16,1-1-16,-1-24 16,25 25-16,0-1 0,-25 1 15,25-1-15,0 0 16,-25-24-16,25 25 0,-24-25 16,-1 24-16,0-24 0,-24-24 31,-24-1-16,24 1-15,0 0 16,-24-1-16,24 1 16,-25-1-16,25-24 0,0 25 15,-24-25-15,24 25 16,-25-1-16,25 1 0,0 0 16,0-1-16,0 50 31,25-1-31,-25 0 0,24 25 15,1-24-15,-1 23 16,0 1-16,1-24 0,-1 24 16,1-25-16,-1 0 0,0 1 15,-24-1-15,25 1 16</inkml:trace>
-  <inkml:trace contextRef="#ctx0" brushRef="#br0" timeOffset="236406">4804 5690 0,'0'-24'15,"25"24"-15,-25-25 16,0 1-1,0 0-15,-25 24 16,25-25-16,-24 25 0,24-24 16,-25 24-16,1 0 15,-1 24-15,1-24 16,24 25-16,-24-1 16,24 0-16,-25 1 0,25 24 15,0-25-15,0 1 0,0-1 16,0 0-16,25 1 15,-25-1-15,24 1 0,0-25 16,-24 24-16,25-24 16,-1 0-16,1-24 15,-1 24-15,1-25 16,-25 1-16,24-1 16,-24 1-16,0 0 0,24-25 15,-24 24-15,0 1 16,0-1-16,0-23 0,0 23 15,25 1-15,-1 48 32,-24 1-17,25-1-15,-25 0 16,24 1-16,0 24 0,1-25 16,-1 1-16,-24-1 0,25 0 15,-1 1-15</inkml:trace>
-  <inkml:trace contextRef="#ctx0" brushRef="#br0" timeOffset="237359">5170 5666 0,'0'-25'0,"-24"1"0,24 0 16,0-1-16,0 1 0,0-1 15,24 25 16,-24 25-15,0-1-16,25 1 16,-25-1-16,0 0 0,0 1 15,24-1-15,-24 1 16,25 24-16,-25-25 16,0 0-16,24-24 15,-24-24 16,0 0-15,0-1-16,0 1 0,0-1 16,0 1-16,25-1 15,-25 1-15,0 0 0,24-1 16,-24 1-16,24 24 16,1 0-1,-1 0 1,-24 24-16,25-24 15,-25 25-15,24-1 16,-24 0-16,25 1 16,-25-1-1,24 1-15,-24-50 47,24 25-31,-24-24-16,0-1 15,0 1-15,25 0 16,-25-1-16,0 1 16,24 24-16,-24-25 0,25 1 15,-1 24 1,-24 24 0,24-24-1,-24 25-15,0-1 16,25 1-16,-25-1 15,24 0-15,-24 1 0,25-1 16,-1 1 0,1-1-16,-1-24 15,0 0-15,1 0 16,-1 0-16,1-24 16,-1 24-16,1-25 0,-1 25 15,0-24-15,1-1 16,-25 1-16,24 0 0,-24-1 15,0 1-15,0-1 0,0 1 16,0 0-16,-24-1 16,24 1-16,-25 24 0,25-25 15,-24 25 1,0 25 0,24-1-16,0 1 15,0-1-15,-25 0 16,25 1-16,0-1 0,25-24 15,-25 25-15,24-1 16,0 0-16,1-24 0,24 25 16,-25-25-16,25 0 0,0 0 15</inkml:trace>
+  <inkml:trace contextRef="#ctx0" brushRef="#br0" timeOffset="-197219.73">628 6521 0,'0'24'46,"24"-24"-30,-24 25 0,0-1-16,25-24 15,-25 24-15,0 1 0,0-1 16,0 1 0,0-1-1,0-48 16,0-1-15,0 1-16,-25-1 16,25 1-16,-24 0 15,24-25-15,-25 24 16,1 1-16,24-25 0,-24 0 16,24 25-16,0-25 0,-25 0 15,25 25-15,0-25 16,0 24-16,25 1 0,-1-1 15,25 25 1,-25 0-16,1 25 0,-1-25 16,0 24-16,1 1 0,-1-1 15,1 1-15,-25-1 16,24 0-16,-24 1 0,0-1 16,-24 1-16,-1-1 15,1 1 1,-1-25-16,1 24 15,48-24 32,1 0-31,-1 0-16,1 0 0,-1 0 16,25 0-16,-25 24 15,1-24-15,-1 25 0,1-25 16,-1 24-16,1 1 15,-25-1-15,-25 1 16,1-25-16,-1 0 16,1 24-16,-1-24 15,-23 0-15,23 0 0,1 0 16,-1 0-16,1 0 0,-1 0 16,1 0-16,24-24 15</inkml:trace>
+  <inkml:trace contextRef="#ctx0" brushRef="#br0" timeOffset="-196649.73">1092 6252 0,'24'-24'16,"1"24"-1,-1 24 17,-24 0-32,0 1 15,24-1-15,-24 1 0,0-1 16,0 1-16,25-1 16,-25 0-16,0 1 0,24-1 15,-24 1 1,0-1-1,0-48 17,-24-1-32,-1 1 15,1-1 1,0 1-16,24 0 16,-25-25-16,1 24 0,24-24 15,-25 25-15,25-25 16,0 25-16,0-25 0,0 24 15,0 1-15,0 0 0,0-1 16,25 25-16,-1 0 16,1 0-16,-1 0 15,0 25-15,1-1 16,-25 0-16,24 1 16,-24-1-16,0 1 15,0-1-15,-24-24 16,-1 25-16,25-1 0,-24-24 15,0 0 1,24 24-16,-25-24 16</inkml:trace>
+  <inkml:trace contextRef="#ctx0" brushRef="#br0" timeOffset="-195935.73">1629 6350 0,'0'24'16,"-24"-48"93,24-1-78,-25 25-31,25-24 0,0-1 16,0 1 0,0 0-16,25-1 15,-1 1-15,1-1 16,-1 25 0,0 0-16,1 0 15,-1 25 1,1-25-16,-25 24 15,24 1-15,1-1 16,-25 0-16,24 1 16,0-25-16,-24 24 0,25 1 15,-1-25-15,1 24 16,-1-24-16,0 0 16,1 0-1,-25-24-15,24-1 16,-24 1-16,0-1 15,0 1 1,0 0-16,0-1 16,0 1-16,-24-1 15,-1 1 1,1 24-16,0 0 16,-1 0 15</inkml:trace>
+  <inkml:trace contextRef="#ctx0" brushRef="#br0" timeOffset="-195519.73">2582 5910 0,'0'-24'16,"0"-1"-1,-25 1-15,1 24 16,24-25-16,-25 25 15,1 0-15,0 0 0,-1 25 16,1-25-16,-1 24 0,1 1 16,-1-1-16,1 25 15,0-25-15,24 25 0,-25-24 16,25 24-16,0-25 16,0 25-16,0-25 0,0 1 15,25 23-15,-25-23 0,24-25 16,0 24-16,1 1 15,-1-25-15,25 0 0,-24 0 16,23 0-16,-23 0 16,-1-25-16,25 25 0,-25-24 15</inkml:trace>
+  <inkml:trace contextRef="#ctx0" brushRef="#br0" timeOffset="-195083.73">2801 5983 0,'0'-24'15,"-24"24"1,24 24 0,-24-24-16,24 25 15,0-1 1,-25-24-16,25 25 0,0-1 15,0 1-15,0-1 0,0 0 16,25 1-16,-25-1 16,24-24-16,-24 25 0,24-25 15,1 24-15,-1-24 16,1 0-16,-1 0 0,1 0 16,-1-24-16,0-1 15,1 25-15,-25-24 16,24-1-16,-24 1 0,0 0 15,0-1-15,0 1 16,-24-1-16,-1 1 0,1 24 16,0-25-16,-1 1 0,1 24 15,-1 0-15,1 0 16,-1 0-16,1 0 0,0 0 16,24 24-1</inkml:trace>
+  <inkml:trace contextRef="#ctx0" brushRef="#br0" timeOffset="-194386.73">3046 5959 0,'0'-24'16,"0"-1"-1,24 25 1,0 0-16,1 25 16,-1-1-1,1 0-15,-25 1 16,24-1-16,1 1 16,-25-1-16,24 0 0,-24 1 15,24-25-15,-24 24 0,0 1 31,0-50 1,-24 25-17,24-24-15,-24-1 16,24 1-16,0 0 16,0-1-16,0 1 0,0-1 15,0 1-15,24-25 16,-24 25-16,24 24 0,-24-25 15,25 25-15,-1 0 0,1 0 16,-1 25 0,-24-1-16,25 1 0,-25-1 15,24 0-15,-24 1 0,0-1 16,24-24-16,-24 25 16,0-1-16,0-48 46,0-1-30,25 1 0,-25-1-16,0-23 15,24 23-15,1 1 16,-25-1-16,24 1 0,-24-1 16,25 1-16,-1 24 0,-24-24 15,24 24-15,1 0 16,-25 24-16,24 0 0,-24 1 15,25-1-15,-25 1 16,24-1-16,1 1 0,-25-1 16,24 0-16,-24 1 0,24-25 15,-24 24-15</inkml:trace>
+  <inkml:trace contextRef="#ctx0" brushRef="#br0" timeOffset="-194093.73">3925 5617 0,'0'24'31,"24"-24"-31,-24 25 16,25-1-16,-25 1 0,24-1 16,-24 1-16,25-1 15,-1 25-15,-24-25 0,24 25 16,-24-24-16,0-1 16,25 0-16,-25 1 0,0-1 15</inkml:trace>
+  <inkml:trace contextRef="#ctx0" brushRef="#br0" timeOffset="-193625.73">3925 5690 0,'0'-24'15,"0"-1"-15,0 1 16,24 24-1,1 24-15,-1 1 16,1-1-16,-1-24 16,25 25-16,0-1 0,-25 1 15,25-1-15,0 0 16,-25-24-16,25 25 0,-24-25 16,-1 24-16,0-24 0,-24-24 31,-24-1-16,24 1-15,0 0 16,-24-1-16,24 1 16,-25-1-16,25-24 0,0 25 15,-24-25-15,24 25 16,-25-1-16,25 1 0,0 0 16,0-1-16,0 50 31,25-1-31,-25 0 0,24 25 15,1-24-15,-1 23 16,0 1-16,1-24 0,-1 24 16,1-25-16,-1 0 0,0 1 15,-24-1-15,25 1 16</inkml:trace>
+  <inkml:trace contextRef="#ctx0" brushRef="#br0" timeOffset="-193090.73">4804 5690 0,'0'-24'15,"25"24"-15,-25-25 16,0 1-1,0 0-15,-25 24 16,25-25-16,-24 25 0,24-24 16,-25 24-16,1 0 15,-1 24-15,1-24 16,24 25-16,-24-1 16,24 0-16,-25 1 0,25 24 15,0-25-15,0 1 0,0-1 16,0 0-16,25 1 15,-25-1-15,24 1 0,0-25 16,-24 24-16,25-24 16,-1 0-16,1-24 15,-1 24-15,1-25 16,-25 1-16,24-1 16,-24 1-16,0 0 0,24-25 15,-24 24-15,0 1 16,0-1-16,0-23 0,0 23 15,25 1-15,-1 48 32,-24 1-17,25-1-15,-25 0 16,24 1-16,0 24 0,1-25 16,-1 1-16,-24-1 0,25 0 15,-1 1-15</inkml:trace>
+  <inkml:trace contextRef="#ctx0" brushRef="#br0" timeOffset="-192137.73">5170 5666 0,'0'-25'0,"-24"1"0,24 0 16,0-1-16,0 1 0,0-1 15,24 25 16,-24 25-15,0-1-16,25 1 16,-25-1-16,0 0 0,0 1 15,24-1-15,-24 1 16,25 24-16,-25-25 16,0 0-16,24-24 15,-24-24 16,0 0-15,0-1-16,0 1 0,0-1 16,0 1-16,25-1 15,-25 1-15,0 0 0,24-1 16,-24 1-16,24 24 16,1 0-1,-1 0 1,-24 24-16,25-24 15,-25 25-15,24-1 16,-24 0-16,25 1 16,-25-1-1,24 1-15,-24-50 47,24 25-31,-24-24-16,0-1 15,0 1-15,25 0 16,-25-1-16,0 1 16,24 24-16,-24-25 0,25 1 15,-1 24 1,-24 24 0,24-24-1,-24 25-15,0-1 16,25 1-16,-25-1 15,24 0-15,-24 1 0,25-1 16,-1 1 0,1-1-16,-1-24 15,0 0-15,1 0 16,-1 0-16,1-24 16,-1 24-16,1-25 0,-1 25 15,0-24-15,1-1 16,-25 1-16,24 0 0,-24-1 15,0 1-15,0-1 0,0 1 16,0 0-16,-24-1 16,24 1-16,-25 24 0,25-25 15,-24 25 1,0 25 0,24-1-16,0 1 15,0-1-15,-25 0 16,25 1-16,0-1 0,25-24 15,-25 25-15,24-1 16,0 0-16,1-24 0,24 25 16,-25-25-16,25 0 0,0 0 15</inkml:trace>
 </inkml:ink>
 </file>
 
@@ -2855,30 +4428,30 @@
   <inkml:trace contextRef="#ctx0" brushRef="#br0" timeOffset="191640">15170 11674 0,'-25'0'16,"1"0"-16,0 0 0,48-24 47,0 24-47,1-25 0,-1 25 15,25-24-15,0-1 16,-25 25-16,25-24 0</inkml:trace>
   <inkml:trace contextRef="#ctx0" brushRef="#br0" timeOffset="192455">15683 11381 0,'24'0'0,"-24"24"31,25 1-15,-25-1-16,24 1 16,-24 24-16,24-25 0,1 25 15,-25-25-15,24 25 16,1 0-16,-1 0 0,1 0 16,-1 0-16,-24-1 0,24 1 15,-24-24-15,25-1 16,-25 0-16,0 1 0,24-1 15,-24-48 17,-24 24-32,24-25 15,-25 1-15,25-25 16,-24 25-16,24-25 0,-24 0 16,24-24-16,-25 24 15,25-24-15,0 24 0,-24-24 16,24-1-16,0 25 0,0 1 15,0-1-15,24 0 16,-24 0-16,25 25 0,-25-1 16,24 25-16,0 0 15,1 0-15,-1 0 0,25 0 16,-24 25-16,-1-1 0,0 0 16,1 1-16,-1 24 15,1-25-15,-25 25 0,0-25 16,0 25-16,0-24 15,-25 24-15,1-25 0,-1 0 16,1 1-16,-25-1 0,25 1 16,-1-25-16,1 0 15,-1 24-15,1-24 0,0 0 16,24-24 0,24 24-1,0-25-15,1 25 0,-1 0 16,1 0-16,-1 0 15,1 25-15,-1-25 0,0 0 16,25 24-16,-24 1 16,-1-25-16,25 24 0,-25 0 15,1 1-15,24-1 0,-25 1 16,0-25-16,1 24 16,-1 1-16,1-25 0,-1 24 15,1-24 1,-25 24-16,24-24 0,0-24 31,-24 0-15,0-1-1</inkml:trace>
   <inkml:trace contextRef="#ctx0" brushRef="#br0" timeOffset="192852">16928 11625 0,'-24'0'31,"24"25"0,24-25-31,1 0 32,-25 24-32,24 1 15,1-1 1,-1 0-1,-24 1-15,24-1 0,-24 1 16,0-1-16,25 0 0,-25 1 16,0-1-16,0 1 15,0-1-15,-25-24 16,1 0 0</inkml:trace>
-  <inkml:trace contextRef="#ctx0" brushRef="#br0" timeOffset="238464">9015 6325 0,'0'-24'16,"0"0"-16,-24-1 15,24 1-15,-49 24 16,25 0-16,-1 0 16,-24 0-16,25 24 0,-25 1 15,25-25-15,-1 24 16,-24 0-16,49 1 0,-24-1 16,-1 1-16,25-1 0,0 1 15,0-1 1,25 0-16,-1 1 0,25-25 15,-24 24-15,48-24 16,-24 25-16,0-25 0,24 24 16,-24-24-16,24 25 0,-24-25 15,0 24-15,-25-24 16,1 24-16,-1 1 0,0-1 16,-24 1-16,0-1 0,-24 0 15,-25 1-15,25-1 16,-25 1-16,-24-1 0,24 1 15,0-1-15,-24-24 16,24 0-16,0 0 0,24-24 16,1 24-16,24-25 0,0 1 15,0-25-15,0 24 16,24 1-16</inkml:trace>
-  <inkml:trace contextRef="#ctx0" brushRef="#br0" timeOffset="238907">9455 6325 0,'0'-24'0,"0"0"31,-25 24-15,25 24-16,0 0 16,0 1-16,0-1 15,0 1-15,0 24 0,25-25 16,-25 25-16,24-25 16,1 25-16,-1-24 0,-24-1 15,25 0-15,-1 1 0,25-25 16,-25 24-16,1-24 15,-1 0-15,1 0 0,-1-24 16,-24-1-16,24 25 16,1-24-16,-25 0 0,0-1 15,0-24-15,0 25 0,0-25 16,0 25-16,-25-25 16,1 0-16,0 24 0,-1 1 15,25-25-15,-24 49 16,-1-24-16,1 24 0,-1 0 15</inkml:trace>
-  <inkml:trace contextRef="#ctx0" brushRef="#br0" timeOffset="239599">9943 6301 0,'0'-24'0,"-24"24"16,-1 0 0,25-25-16,0 50 15,25-25 1,-25 24-16,24 0 0,-24 1 16,25-1-16,-25 25 0,0-24 15,24-1-15,-24 25 16,0-25-16,25 1 0,-25-1 15,0 1 1,0-1-16,-25-48 31,25-1-31,0 1 16,0-1-16,0 1 0,-24-25 16,24 25-16,0-25 15,0 0-15,0 0 0,0 0 16,24 0-16,-24 1 0,25 23 15,-25 1-15,24-1 16,0 1-16,1 24 16,-1 24-16,1-24 15,-1 25-15,-24-1 0,25 1 16,-1-1-16,-24 0 0,0 1 16,24-1-16,-24 1 15,0-1-15,0 0 0,0 1 16,0-74 31,0 25-32,0-1-15,0-24 0,0 25 16,0-25-16,25 25 16,-25-25-16,24 24 0,1 1 15,-1 0-15,1 24 0,-1 0 16,0 0-16,1 24 15,-1 0-15,1 1 0,-1-1 16,1 1-16,-25 24 16,24-25-16,-24 0 0,0 25 15,0-24-15,0-1 0,0 0 16,0 1-16,0-1 16</inkml:trace>
-  <inkml:trace contextRef="#ctx0" brushRef="#br0" timeOffset="239872">11042 6203 0,'-24'25'15,"0"-25"-15,-25 24 16,24-24-16,1 25 15,24-1 1,0 0 0,0 1-16,24-25 15,-24 24-15,0 1 16,0-1-16,0 1 16,0-1-16,0 0 15</inkml:trace>
-  <inkml:trace contextRef="#ctx0" brushRef="#br0" timeOffset="240618">11213 6008 0,'-24'0'15,"-1"0"-15,1 0 16,48 24 15,1 1-15,-25-1-16,24 1 0,1 23 16,-25-23-16,0-1 15,24 1-15,-24 24 0,0-25 16,0 0-16,25-24 15,-25 25-15,0-1 0,-25-48 47,25-1-47,0 1 16,0 0-16,0-25 16,0 24-16,0-24 0,25 1 15,-25-1-15,24 0 0,-24 0 16,24 0-16,1 25 15,-1-25-15,-24 25 0,25 24 16,-1 0-16,1 0 16,-1 0-16,0 24 0,1 0 15,-1 25-15,1-24 0,-1 24 16,-24-25-16,25 25 16,-1-25-16,-24 1 0,24-1 15,-24 0-15,0 1 16,0-1-16,0 1 15,0-50 1,0 1 0,0-1-16,0 1 15,0-25-15,0 25 16,0-25-16,25 0 0,-25 0 16,24 0-16,-24 1 0,25 23 15,-1-24-15,1 49 16,-1 0-16,0 0 0,1 0 15,-1 25-15,-24 24 16,25-25-16,-1 25 0,0 24 16,25 25-1,-24-49 1,-25-25-16,24-24 0,-24 24 16,0 1-16,25-25 15</inkml:trace>
-  <inkml:trace contextRef="#ctx0" brushRef="#br0" timeOffset="240894">12190 5739 0,'0'25'62,"0"-1"-62,25-24 0,-25 25 16,0 23-16,0-23 15,24-1-15,-24 25 0,0-24 16,0-1-16,0 25 16,0-25-16,0 1 0,25-1 15,-25 1-15,0-1 16,0 0-1</inkml:trace>
-  <inkml:trace contextRef="#ctx0" brushRef="#br0" timeOffset="241169">12532 5642 0,'0'-25'0,"0"50"32,0-1-32,0 0 15,0 1-15,0-1 0,0 1 16,0 24-16,0-25 16,0 25-16,0-25 0,25 25 15,-25-24-15,0-1 16,24 25-16,-24-25 0,0 1 15,0-1-15,0 1 0,-24-25 16,24 24-16</inkml:trace>
-  <inkml:trace contextRef="#ctx0" brushRef="#br0" timeOffset="241584">12532 5715 0,'0'-25'0,"0"1"16,0 0-16,25 24 16,-1 24-1,0 0-15,-24 1 16,49-1-16,-24 25 0,-1-24 16,25-1-16,-25 0 15,25 25-15,0-24 0,0-1 16,-25-24-16,25 25 0,-24-1 15,-1-24-15,1 0 16,-1 0-16,0 0 0,1-24 31,-25-1-31,0 1 16,0-25-16,0 24 0,0-23 16,0-1-16,-25 0 15,25 0-15,-24 0 0,0 0 16,24 1-16,-25 23 0,1-24 15,-1 25 1,1 24-16,24 24 16,0 1-1,0-1-15,0 25 0,0-25 16</inkml:trace>
-  <inkml:trace contextRef="#ctx0" brushRef="#br0" timeOffset="243587">9186 7644 0,'-24'0'16,"24"-24"-16,-25 24 15,50 24 16,-25 1-31,0-1 16,24 1-16,-24-1 0,0 25 16,0-25-16,0 25 15,0-24-15,0-1 0,0 0 16,0 25-16,0-24 0,0-1 16,0 0-1,0-48 16,0 0-15,0-25-16,0 24 16,-24 1-16,24-25 15,0 0-15,0 0 0,-25 1 16,25 23-16,0-24 16,0 0-16,0 1 0,0 23 15,25 1-15,-25-1 0,24 25 16,1 0-16,-1 0 15,1 0-15,-1 25 0,0-1 16,1 1-16,-1-1 16,25 0-16,-25 25 0,1 0 15,-1-24-15,1 23 0,-25-23 16,24-1-16,-24 25 16,25-24-16,-25-1 15,0 0-15,-25-24 31,25-24-31,-24 24 16,24-24-16,0-1 16,0-24-16,0 25 0,0-25 15,0 0-15,0 0 16,0 25-16,0-25 0,24 25 16,-24-1-16,0 1 0,25 24 15,-1 0 1,-24 24-16,24 1 0,1-1 15,-25 25-15,24-25 16,1 1-16,-25 24 0,24-25 16,1 0-16,-25 1 0,24-1 15,-24 1-15,24-1 16</inkml:trace>
-  <inkml:trace contextRef="#ctx0" brushRef="#br0" timeOffset="244122">10017 7425 0,'-25'0'16,"25"24"-16,0 0 15,0 1 1,25-1-16,-25 1 0,0-1 16,24 25-16,-24-25 15,24 25-15,1-24 0,-25 23 16,0-23-16,24-1 0,-24 1 16,0-1-16,0 1 15,0-1-15,0-48 31,-24 24-31,24-25 0,-25 1 16,25-1-16,0-24 0,-24 25 16,24-25-16,0-24 15,-24 24-15,24 0 0,0-24 16,0 0-16,0 24 16,24 0-16,-24 0 0,24 25 15,1-1-15,-1 25 16,1 0-16,-1 25 15,1-1-15,-1 25 0,25 0 16,-25 0-16,1 24 16,-1-24-16,1 0 0,-1-1 15,0 26-15,1-50 0,-1 25 16,-24 0-16,0-25 16,25 1-16,-25-1 0,0 1 15</inkml:trace>
-  <inkml:trace contextRef="#ctx0" brushRef="#br0" timeOffset="244314">10114 7718 0,'-24'-25'0,"-1"25"0,25-24 16,25 24-1,24-25 1,-25 25-16,1 0 15,23 0-15,1-24 16,-24 24-16,24 0 0,-1-25 16,-23 25-16,24 0 0</inkml:trace>
-  <inkml:trace contextRef="#ctx0" brushRef="#br0" timeOffset="244553">10554 7302 0,'-25'0'0,"25"-24"16,0 0-16,-24 24 15,48 0 1,-24 24-16,25 0 0,-1 1 16,1-1-16,24 25 15,-25 0-15,25-25 0,-25 25 16,1 0-16,24-25 0,-25 1 15,0-1-15,-24 1 16,25-1-16</inkml:trace>
-  <inkml:trace contextRef="#ctx0" brushRef="#br0" timeOffset="244770">10774 7205 0,'-25'-49'0,"25"24"16,0 50 0,0-1-16,0 25 15,0-24-15,0 48 0,0-24 16,0 0-16,0-1 16,0 26-16,-24-26 0,24 1 15,-25 0-15,25 0 0,0-25 16,-24 1-16,24-1 15</inkml:trace>
-  <inkml:trace contextRef="#ctx0" brushRef="#br0" timeOffset="245044">11458 7522 0,'0'25'16,"0"-1"0,0 0-16,24 1 15,-24-1-15,24 1 16,-24-1-16,25 1 15,-25-1-15,0 0 16</inkml:trace>
-  <inkml:trace contextRef="#ctx0" brushRef="#br0" timeOffset="245574">11873 7180 0,'0'25'47,"0"-1"-47,0 1 16,24 23-16,-24-23 0,0 24 15,25-25-15,-25 25 16,24-25-16,-24 1 0,0-1 16,0 1-16,0-1 15,0-48 17,0-1-17,0 1-15,0-25 0,0 25 16,0-25-16,-24 0 15,24 0-15,0-24 0,0 24 16,0-24-16,0 24 0,0-25 16,0 26-16,0-1 15,24 24-15,0 1 0,1 24 16,-1 0 0,1 49-16,-1-25 0,25 25 15,-25 24-15,25-24 0,0 0 16,-24 24-16,23-24 15,1 0-15,-24 0 0,48 49 16,-49-50 0,-24-23-16,0-1 15</inkml:trace>
-  <inkml:trace contextRef="#ctx0" brushRef="#br0" timeOffset="245760">12019 7254 0,'-24'0'0,"24"-25"16,-25 25-16,50-24 31,24 24-15,-25-25-16,1 25 0,23-24 15,-23-1-15,24 1 16,0 24-16</inkml:trace>
-  <inkml:trace contextRef="#ctx0" brushRef="#br0" timeOffset="246137">12410 6936 0,'0'-24'15,"0"-1"1,0 1-16,0-1 16,0 50 15,24-1-31,-24 1 15,25 23-15,-1-23 16,-24 24-16,25 0 0,-1-25 16,-24 25-16,25 0 0,-1-25 15,0 25-15,-24-25 16,25 1-16,-1-1 0,1-24 16,-1 25-16,1-25 15,-1-25 1,-24 1-1,0-25-15,0 25 16,0-25-16,-24 0 0,24-24 16,0 24-16,-25 0 15,25 0-15,-24 0 0,24 0 16,0 25-16,0-1 0,0 1 16</inkml:trace>
-  <inkml:trace contextRef="#ctx0" brushRef="#br0" timeOffset="246594">13021 6692 0,'0'-25'0,"-25"50"47,25-1-47,-24 1 15,24 23-15,0-23 0,-25 24 16,25 0-16,0-1 16,0 1-16,0 25 0,0-50 15,25 25-15,-25 0 0,24-25 16,1 1-16,-1-25 15,1 24-15,23-24 0,-23 0 16,-1-24-16,1-1 16,-1 1-16,0-1 0,-24 1 15,25-1-15,-25-23 16,0 23-16,0-24 0,0 25 16,0-25-16,0 25 0,0-1 15,0 1-15,0-1 16,0 1-16,24 24 0,1 0 15,-25 24-15,24 1 16,1-1-16,-1 1 16,0 23-16,-24 1 0,25-24 15,-1 24-15,1-1 16,-1 1-16,-24-24 0</inkml:trace>
-  <inkml:trace contextRef="#ctx0" brushRef="#br0" timeOffset="247266">9479 8524 0,'0'-25'15,"25"25"-15,-25-24 0,0-1 16,24 25 0,-24-24-16,-24 48 31,-1 1-16,1-1-15,-1 1 0,1 23 16,0 1-16,-1-24 16,25 23-16,-24 1 0,24 0 15,0 0-15,0 0 0,24 0 16,1-25-16,-1 1 16,0-1-16,25 0 0,0 1 15,-24-25-15,23 0 16,1 0-16,0-25 0</inkml:trace>
-  <inkml:trace contextRef="#ctx0" brushRef="#br0" timeOffset="247709">10090 8475 0,'0'-25'15,"0"1"1,-25 24-16,1 24 16,0 1-1,24-1 1,-25 25-16,25-25 0,0 1 16,-24 24-16,24-25 15,0 1-15,0 23 0,0-23 16,0 24-16,24-25 0,1 0 15,-25 1-15,24-1 16,0-24-16,1 25 0,24-25 16,-25 0-16,1 0 15,-1-25-15,0 25 0,-24-24 16,25-1-16,-25-23 0,24 23 16,-24-24-16,0 25 15,0-25-15,-24 0 0,24 0 16,-25 25-16,1-25 15,0 25-15,-1-1 0,1 1 16,-1-1-16,1 25 0,-1 0 16,25 25-16,-24-25 15,0 24-15,24 1 16</inkml:trace>
-  <inkml:trace contextRef="#ctx0" brushRef="#br0" timeOffset="248136">10505 8377 0,'0'-24'16,"0"48"46,0 0-62,0 1 0,0-1 16,0 1-16,0 24 16,0-25-16,24 25 0,-24-25 15,0 25-15,25-24 16,-1-1-16,-24 0 0,25 1 16,-1-25-16,1 0 0,23 0 15,-23 0-15,-1-25 16,1 1-16,24 0 0,-25-25 15,-24 24-15,24-24 16,-24 1-16,0-1 0,0 24 16,0-24-16,0 1 0,0 23 15,-24-24-15,0 25 16,-1-1-16,1 25 16,-1 0-1,1 25-15,24-1 16</inkml:trace>
-  <inkml:trace contextRef="#ctx0" brushRef="#br0" timeOffset="248447">11018 8230 0,'0'-24'0,"24"0"31,1 48 0,-25 0-31,0 1 16,0-1-16,0 1 0,0 24 16,0-25-16,0 25 15,0-25-15,24 25 0,-24-24 16,0-1-16,0 0 15,0 1-15,0-1 0,0 1 16,-24-25 0,24-25-1</inkml:trace>
-  <inkml:trace contextRef="#ctx0" brushRef="#br0" timeOffset="248807">11067 8353 0,'0'-49'0,"0"24"16,0 1-16,0-1 15,0 1-15,0 0 0,24 24 16,1 0 0,-1 24-1,1 0-15,-1-24 0,0 25 16,25-1-16,-24 1 16,-1-1-16,25 1 0,-25-1 15,1 0-15,-1 1 16,25-25-16,-49 24 0,24-24 15,1 25-15,-1-25 16,-24-25-16,0 1 16,0-1-16,0 1 15,0 0-15,0-1 16,0-24-16,0 25 0,-24-25 16,24 0-16,-25 25 0,25-25 15,0 25-15,0-1 16,-24 25-16,24-24 0,0 48 31,0 1-15</inkml:trace>
-  <inkml:trace contextRef="#ctx0" brushRef="#br0" timeOffset="249275">11800 8035 0,'0'-24'31,"0"-1"-15,24 25 0,-24-24-16,24 24 15,1-25-15,-1 25 0,25 0 16,-25-24-16,25 24 0,-24-24 15,-1 24-15,1 0 16,-1 0-16,0-25 0,1 25 16,-50 0-1,1 0 1,0 25-16,-1-25 16,1 0-16,-1 24 15,1-24-15,-1 0 0,25 24 16,-24-24-16,24 25 15,0-1-15,0 1 16,0-1-16,0 1 0,0-1 16,24 25-16,-24-25 15,25 25-15,-1-25 0,-24 1 16,25 24-16,-25-25 16,24 1-16,-24-1 0,25 0 15,-25 1-15,24-25 16</inkml:trace>
+  <inkml:trace contextRef="#ctx0" brushRef="#br0" timeOffset="-191032.73">9015 6325 0,'0'-24'16,"0"0"-16,-24-1 15,24 1-15,-49 24 16,25 0-16,-1 0 16,-24 0-16,25 24 0,-25 1 15,25-25-15,-1 24 16,-24 0-16,49 1 0,-24-1 16,-1 1-16,25-1 0,0 1 15,0-1 1,25 0-16,-1 1 0,25-25 15,-24 24-15,48-24 16,-24 25-16,0-25 0,24 24 16,-24-24-16,24 25 0,-24-25 15,0 24-15,-25-24 16,1 24-16,-1 1 0,0-1 16,-24 1-16,0-1 0,-24 0 15,-25 1-15,25-1 16,-25 1-16,-24-1 0,24 1 15,0-1-15,-24-24 16,24 0-16,0 0 0,24-24 16,1 24-16,24-25 0,0 1 15,0-25-15,0 24 16,24 1-16</inkml:trace>
+  <inkml:trace contextRef="#ctx0" brushRef="#br0" timeOffset="-190589.73">9455 6325 0,'0'-24'0,"0"0"31,-25 24-15,25 24-16,0 0 16,0 1-16,0-1 15,0 1-15,0 24 0,25-25 16,-25 25-16,24-25 16,1 25-16,-1-24 0,-24-1 15,25 0-15,-1 1 0,25-25 16,-25 24-16,1-24 15,-1 0-15,1 0 0,-1-24 16,-24-1-16,24 25 16,1-24-16,-25 0 0,0-1 15,0-24-15,0 25 0,0-25 16,0 25-16,-25-25 16,1 0-16,0 24 0,-1 1 15,25-25-15,-24 49 16,-1-24-16,1 24 0,-1 0 15</inkml:trace>
+  <inkml:trace contextRef="#ctx0" brushRef="#br0" timeOffset="-189897.73">9943 6301 0,'0'-24'0,"-24"24"16,-1 0 0,25-25-16,0 50 15,25-25 1,-25 24-16,24 0 0,-24 1 16,25-1-16,-25 25 0,0-24 15,24-1-15,-24 25 16,0-25-16,25 1 0,-25-1 15,0 1 1,0-1-16,-25-48 31,25-1-31,0 1 16,0-1-16,0 1 0,-24-25 16,24 25-16,0-25 15,0 0-15,0 0 0,0 0 16,24 0-16,-24 1 0,25 23 15,-25 1-15,24-1 16,0 1-16,1 24 16,-1 24-16,1-24 15,-1 25-15,-24-1 0,25 1 16,-1-1-16,-24 0 0,0 1 16,24-1-16,-24 1 15,0-1-15,0 0 0,0 1 16,0-74 31,0 25-32,0-1-15,0-24 0,0 25 16,0-25-16,25 25 16,-25-25-16,24 24 0,1 1 15,-1 0-15,1 24 0,-1 0 16,0 0-16,1 24 15,-1 0-15,1 1 0,-1-1 16,1 1-16,-25 24 16,24-25-16,-24 0 0,0 25 15,0-24-15,0-1 0,0 0 16,0 1-16,0-1 16</inkml:trace>
+  <inkml:trace contextRef="#ctx0" brushRef="#br0" timeOffset="-189624.73">11042 6203 0,'-24'25'15,"0"-25"-15,-25 24 16,24-24-16,1 25 15,24-1 1,0 0 0,0 1-16,24-25 15,-24 24-15,0 1 16,0-1-16,0 1 16,0-1-16,0 0 15</inkml:trace>
+  <inkml:trace contextRef="#ctx0" brushRef="#br0" timeOffset="-188878.73">11213 6008 0,'-24'0'15,"-1"0"-15,1 0 16,48 24 15,1 1-15,-25-1-16,24 1 0,1 23 16,-25-23-16,0-1 15,24 1-15,-24 24 0,0-25 16,0 0-16,25-24 15,-25 25-15,0-1 0,-25-48 47,25-1-47,0 1 16,0 0-16,0-25 16,0 24-16,0-24 0,25 1 15,-25-1-15,24 0 0,-24 0 16,24 0-16,1 25 15,-1-25-15,-24 25 0,25 24 16,-1 0-16,1 0 16,-1 0-16,0 24 0,1 0 15,-1 25-15,1-24 0,-1 24 16,-24-25-16,25 25 16,-1-25-16,-24 1 0,24-1 15,-24 0-15,0 1 16,0-1-16,0 1 15,0-50 1,0 1 0,0-1-16,0 1 15,0-25-15,0 25 16,0-25-16,25 0 0,-25 0 16,24 0-16,-24 1 0,25 23 15,-1-24-15,1 49 16,-1 0-16,0 0 0,1 0 15,-1 25-15,-24 24 16,25-25-16,-1 25 0,0 24 16,25 25-1,-24-49 1,-25-25-16,24-24 0,-24 24 16,0 1-16,25-25 15</inkml:trace>
+  <inkml:trace contextRef="#ctx0" brushRef="#br0" timeOffset="-188602.73">12190 5739 0,'0'25'62,"0"-1"-62,25-24 0,-25 25 16,0 23-16,0-23 15,24-1-15,-24 25 0,0-24 16,0-1-16,0 25 16,0-25-16,0 1 0,25-1 15,-25 1-15,0-1 16,0 0-1</inkml:trace>
+  <inkml:trace contextRef="#ctx0" brushRef="#br0" timeOffset="-188327.73">12532 5642 0,'0'-25'0,"0"50"32,0-1-32,0 0 15,0 1-15,0-1 0,0 1 16,0 24-16,0-25 16,0 25-16,0-25 0,25 25 15,-25-24-15,0-1 16,24 25-16,-24-25 0,0 1 15,0-1-15,0 1 0,-24-25 16,24 24-16</inkml:trace>
+  <inkml:trace contextRef="#ctx0" brushRef="#br0" timeOffset="-187912.73">12532 5715 0,'0'-25'0,"0"1"16,0 0-16,25 24 16,-1 24-1,0 0-15,-24 1 16,49-1-16,-24 25 0,-1-24 16,25-1-16,-25 0 15,25 25-15,0-24 0,0-1 16,-25-24-16,25 25 0,-24-1 15,-1-24-15,1 0 16,-1 0-16,0 0 0,1-24 31,-25-1-31,0 1 16,0-25-16,0 24 0,0-23 16,0-1-16,-25 0 15,25 0-15,-24 0 0,0 0 16,24 1-16,-25 23 0,1-24 15,-1 25 1,1 24-16,24 24 16,0 1-1,0-1-15,0 25 0,0-25 16</inkml:trace>
+  <inkml:trace contextRef="#ctx0" brushRef="#br0" timeOffset="-185909.73">9186 7644 0,'-24'0'16,"24"-24"-16,-25 24 15,50 24 16,-25 1-31,0-1 16,24 1-16,-24-1 0,0 25 16,0-25-16,0 25 15,0-24-15,0-1 0,0 0 16,0 25-16,0-24 0,0-1 16,0 0-1,0-48 16,0 0-15,0-25-16,0 24 16,-24 1-16,24-25 15,0 0-15,0 0 0,-25 1 16,25 23-16,0-24 16,0 0-16,0 1 0,0 23 15,25 1-15,-25-1 0,24 25 16,1 0-16,-1 0 15,1 0-15,-1 25 0,0-1 16,1 1-16,-1-1 16,25 0-16,-25 25 0,1 0 15,-1-24-15,1 23 0,-25-23 16,24-1-16,-24 25 16,25-24-16,-25-1 15,0 0-15,-25-24 31,25-24-31,-24 24 16,24-24-16,0-1 16,0-24-16,0 25 0,0-25 15,0 0-15,0 0 16,0 25-16,0-25 0,24 25 16,-24-1-16,0 1 0,25 24 15,-1 0 1,-24 24-16,24 1 0,1-1 15,-25 25-15,24-25 16,1 1-16,-25 24 0,24-25 16,1 0-16,-25 1 0,24-1 15,-24 1-15,24-1 16</inkml:trace>
+  <inkml:trace contextRef="#ctx0" brushRef="#br0" timeOffset="-185374.73">10017 7425 0,'-25'0'16,"25"24"-16,0 0 15,0 1 1,25-1-16,-25 1 0,0-1 16,24 25-16,-24-25 15,24 25-15,1-24 0,-25 23 16,0-23-16,24-1 0,-24 1 16,0-1-16,0 1 15,0-1-15,0-48 31,-24 24-31,24-25 0,-25 1 16,25-1-16,0-24 0,-24 25 16,24-25-16,0-24 15,-24 24-15,24 0 0,0-24 16,0 0-16,0 24 16,24 0-16,-24 0 0,24 25 15,1-1-15,-1 25 16,1 0-16,-1 25 15,1-1-15,-1 25 0,25 0 16,-25 0-16,1 24 16,-1-24-16,1 0 0,-1-1 15,0 26-15,1-50 0,-1 25 16,-24 0-16,0-25 16,25 1-16,-25-1 0,0 1 15</inkml:trace>
+  <inkml:trace contextRef="#ctx0" brushRef="#br0" timeOffset="-185182.73">10114 7718 0,'-24'-25'0,"-1"25"0,25-24 16,25 24-1,24-25 1,-25 25-16,1 0 15,23 0-15,1-24 16,-24 24-16,24 0 0,-1-25 16,-23 25-16,24 0 0</inkml:trace>
+  <inkml:trace contextRef="#ctx0" brushRef="#br0" timeOffset="-184943.73">10554 7302 0,'-25'0'0,"25"-24"16,0 0-16,-24 24 15,48 0 1,-24 24-16,25 0 0,-1 1 16,1-1-16,24 25 15,-25 0-15,25-25 0,-25 25 16,1 0-16,24-25 0,-25 1 15,0-1-15,-24 1 16,25-1-16</inkml:trace>
+  <inkml:trace contextRef="#ctx0" brushRef="#br0" timeOffset="-184726.73">10774 7205 0,'-25'-49'0,"25"24"16,0 50 0,0-1-16,0 25 15,0-24-15,0 48 0,0-24 16,0 0-16,0-1 16,0 26-16,-24-26 0,24 1 15,-25 0-15,25 0 0,0-25 16,-24 1-16,24-1 15</inkml:trace>
+  <inkml:trace contextRef="#ctx0" brushRef="#br0" timeOffset="-184452.73">11458 7522 0,'0'25'16,"0"-1"0,0 0-16,24 1 15,-24-1-15,24 1 16,-24-1-16,25 1 15,-25-1-15,0 0 16</inkml:trace>
+  <inkml:trace contextRef="#ctx0" brushRef="#br0" timeOffset="-183922.73">11873 7180 0,'0'25'47,"0"-1"-47,0 1 16,24 23-16,-24-23 0,0 24 15,25-25-15,-25 25 16,24-25-16,-24 1 0,0-1 16,0 1-16,0-1 15,0-48 17,0-1-17,0 1-15,0-25 0,0 25 16,0-25-16,-24 0 15,24 0-15,0-24 0,0 24 16,0-24-16,0 24 0,0-25 16,0 26-16,0-1 15,24 24-15,0 1 0,1 24 16,-1 0 0,1 49-16,-1-25 0,25 25 15,-25 24-15,25-24 0,0 0 16,-24 24-16,23-24 15,1 0-15,-24 0 0,48 49 16,-49-50 0,-24-23-16,0-1 15</inkml:trace>
+  <inkml:trace contextRef="#ctx0" brushRef="#br0" timeOffset="-183736.73">12019 7254 0,'-24'0'0,"24"-25"16,-25 25-16,50-24 31,24 24-15,-25-25-16,1 25 0,23-24 15,-23-1-15,24 1 16,0 24-16</inkml:trace>
+  <inkml:trace contextRef="#ctx0" brushRef="#br0" timeOffset="-183359.73">12410 6936 0,'0'-24'15,"0"-1"1,0 1-16,0-1 16,0 50 15,24-1-31,-24 1 15,25 23-15,-1-23 16,-24 24-16,25 0 0,-1-25 16,-24 25-16,25 0 0,-1-25 15,0 25-15,-24-25 16,25 1-16,-1-1 0,1-24 16,-1 25-16,1-25 15,-1-25 1,-24 1-1,0-25-15,0 25 16,0-25-16,-24 0 0,24-24 16,0 24-16,-25 0 15,25 0-15,-24 0 0,24 0 16,0 25-16,0-1 0,0 1 16</inkml:trace>
+  <inkml:trace contextRef="#ctx0" brushRef="#br0" timeOffset="-182902.73">13021 6692 0,'0'-25'0,"-25"50"47,25-1-47,-24 1 15,24 23-15,0-23 0,-25 24 16,25 0-16,0-1 16,0 1-16,0 25 0,0-50 15,25 25-15,-25 0 0,24-25 16,1 1-16,-1-25 15,1 24-15,23-24 0,-23 0 16,-1-24-16,1-1 16,-1 1-16,0-1 0,-24 1 15,25-1-15,-25-23 16,0 23-16,0-24 0,0 25 16,0-25-16,0 25 0,0-1 15,0 1-15,0-1 16,0 1-16,24 24 0,1 0 15,-25 24-15,24 1 16,1-1-16,-1 1 16,0 23-16,-24 1 0,25-24 15,-1 24-15,1-1 16,-1 1-16,-24-24 0</inkml:trace>
+  <inkml:trace contextRef="#ctx0" brushRef="#br0" timeOffset="-182230.73">9479 8524 0,'0'-25'15,"25"25"-15,-25-24 0,0-1 16,24 25 0,-24-24-16,-24 48 31,-1 1-16,1-1-15,-1 1 0,1 23 16,0 1-16,-1-24 16,25 23-16,-24 1 0,24 0 15,0 0-15,0 0 0,24 0 16,1-25-16,-1 1 16,0-1-16,25 0 0,0 1 15,-24-25-15,23 0 16,1 0-16,0-25 0</inkml:trace>
+  <inkml:trace contextRef="#ctx0" brushRef="#br0" timeOffset="-181787.73">10090 8475 0,'0'-25'15,"0"1"1,-25 24-16,1 24 16,0 1-1,24-1 1,-25 25-16,25-25 0,0 1 16,-24 24-16,24-25 15,0 1-15,0 23 0,0-23 16,0 24-16,24-25 0,1 0 15,-25 1-15,24-1 16,0-24-16,1 25 0,24-25 16,-25 0-16,1 0 15,-1-25-15,0 25 0,-24-24 16,25-1-16,-25-23 0,24 23 16,-24-24-16,0 25 15,0-25-15,-24 0 0,24 0 16,-25 25-16,1-25 15,0 25-15,-1-1 0,1 1 16,-1-1-16,1 25 0,-1 0 16,25 25-16,-24-25 15,0 24-15,24 1 16</inkml:trace>
+  <inkml:trace contextRef="#ctx0" brushRef="#br0" timeOffset="-181360.73">10505 8377 0,'0'-24'16,"0"48"46,0 0-62,0 1 0,0-1 16,0 1-16,0 24 16,0-25-16,24 25 0,-24-25 15,0 25-15,25-24 16,-1-1-16,-24 0 0,25 1 16,-1-25-16,1 0 0,23 0 15,-23 0-15,-1-25 16,1 1-16,24 0 0,-25-25 15,-24 24-15,24-24 16,-24 1-16,0-1 0,0 24 16,0-24-16,0 1 0,0 23 15,-24-24-15,0 25 16,-1-1-16,1 25 16,-1 0-1,1 25-15,24-1 16</inkml:trace>
+  <inkml:trace contextRef="#ctx0" brushRef="#br0" timeOffset="-181049.73">11018 8230 0,'0'-24'0,"24"0"31,1 48 0,-25 0-31,0 1 16,0-1-16,0 1 0,0 24 16,0-25-16,0 25 15,0-25-15,24 25 0,-24-24 16,0-1-16,0 0 15,0 1-15,0-1 0,0 1 16,-24-25 0,24-25-1</inkml:trace>
+  <inkml:trace contextRef="#ctx0" brushRef="#br0" timeOffset="-180689.73">11067 8353 0,'0'-49'0,"0"24"16,0 1-16,0-1 15,0 1-15,0 0 0,24 24 16,1 0 0,-1 24-1,1 0-15,-1-24 0,0 25 16,25-1-16,-24 1 16,-1-1-16,25 1 0,-25-1 15,1 0-15,-1 1 16,25-25-16,-49 24 0,24-24 15,1 25-15,-1-25 16,-24-25-16,0 1 16,0-1-16,0 1 15,0 0-15,0-1 16,0-24-16,0 25 0,-24-25 16,24 0-16,-25 25 0,25-25 15,0 25-15,0-1 16,-24 25-16,24-24 0,0 48 31,0 1-15</inkml:trace>
+  <inkml:trace contextRef="#ctx0" brushRef="#br0" timeOffset="-180221.73">11800 8035 0,'0'-24'31,"0"-1"-15,24 25 0,-24-24-16,24 24 15,1-25-15,-1 25 0,25 0 16,-25-24-16,25 24 0,-24-24 15,-1 24-15,1 0 16,-1 0-16,0-25 0,1 25 16,-50 0-1,1 0 1,0 25-16,-1-25 16,1 0-16,-1 24 15,1-24-15,-1 0 0,25 24 16,-24-24-16,24 25 15,0-1-15,0 1 16,0-1-16,0 1 0,0-1 16,24 25-16,-24-25 15,25 25-15,-1-25 0,-24 1 16,25 24-16,-25-25 16,24 1-16,-24-1 0,25 0 15,-25 1-15,24-25 16</inkml:trace>
 </inkml:ink>
 </file>
 
@@ -3420,6 +4993,124 @@
 </inkml:ink>
 </file>
 
+<file path=ppt/ink/ink86.xml><?xml version="1.0" encoding="utf-8"?>
+<inkml:ink xmlns:inkml="http://www.w3.org/2003/InkML">
+  <inkml:definitions>
+    <inkml:context xml:id="ctx0">
+      <inkml:inkSource xml:id="inkSrc0">
+        <inkml:traceFormat>
+          <inkml:channel name="X" type="integer" max="1920" units="cm"/>
+          <inkml:channel name="Y" type="integer" max="1080" units="cm"/>
+          <inkml:channel name="T" type="integer" max="2.14748E9" units="dev"/>
+        </inkml:traceFormat>
+        <inkml:channelProperties>
+          <inkml:channelProperty channel="X" name="resolution" value="55.81395" units="1/cm"/>
+          <inkml:channelProperty channel="Y" name="resolution" value="55.6701" units="1/cm"/>
+          <inkml:channelProperty channel="T" name="resolution" value="1" units="1/dev"/>
+        </inkml:channelProperties>
+      </inkml:inkSource>
+      <inkml:timestamp xml:id="ts0" timeString="2020-11-20T14:08:18.268"/>
+    </inkml:context>
+    <inkml:brush xml:id="br0">
+      <inkml:brushProperty name="width" value="0.05" units="cm"/>
+      <inkml:brushProperty name="height" value="0.05" units="cm"/>
+      <inkml:brushProperty name="fitToCurve" value="1"/>
+    </inkml:brush>
+  </inkml:definitions>
+  <inkml:trace contextRef="#ctx0" brushRef="#br0">294 368 0,'0'-24'15,"0"0"17,25 24-32,-25 24 78,0 0-78,0 1 15,-25-1-15,25 1 16,0 24-16,0-1 0,-24 1 16,24 0-16,0 0 15,-25 24-15,25-24 0,0 24 16,-24-24-16,0 25 0,24-1 16,-25-24-16,1 24 15,24 0-15,-25-24 0,25 24 16,-24 1-16,-1-26 15,25 1-15,-24 24 0,24-24 16,0 0-16,-24 0 16,24 0-16,-25-25 0,25 25 15,0-24-15,0-1 0,0 0 16,0 1 0,0-1-16,25-24 15,-1 0 16,0 0-15,1-24 0,-1 24-16,25 0 15,-24-25-15,23 25 16,-23 0-16,24-24 0,0 24 16,-1-24-16,1 24 0,0 0 15,0 0-15,0-25 16,0 25-16,-25 0 0,25-24 15,-25 24-15,25 0 0,-24 0 16,-1-25-16,0 25 16,1 0-16,-25-24 15,24 24-15,1-25 32,-25 1-32,24 0 15,-24-1 1,0 1-16,0-1 0,0 1 15,25-1-15,-25-23 16,0 23-16,0-24 0,0 1 16,0-1-16,0-25 0,-25 26 15,25-26-15,0-23 16,0 23-16,0 1 0,0 0 16,0-25-16,25 25 0,-25 0 15,24-1-15,0 1 16,-24 24-16,25-24 0,-25 24 15,0 0-15,24 0 16,-24 25-16,0-25 0,0 25 16,-24-1-16,24 1 15,-25-1-15,1 1 16,0 24 0,24-24-16,-25 24 15,1 0-15,-1 0 16,1-25-1,-1 25 1,1 0-16,0 0 16,-25 0-16,24 25 15,1-25-15,-25 24 0,25 0 16,-25-24-16,0 25 0,25-1 16,-25 1-16,24-1 15,-24 1-15,25-1 0,0 0 16,-1 1-1,1-1-15</inkml:trace>
+  <inkml:trace contextRef="#ctx0" brushRef="#br0" timeOffset="770">465 1174 0,'0'-24'16,"0"48"15,0 1 0,0-1-31,25 1 16,-1-1-16,-24 1 15,25-1 1,-25 0-16,24 1 16,-24-1-1,0 1-15,24-25 16,-24 24-16,25-48 47,-1-1-32,-24 1 1,0-1 0,25 25-16,-25-24 15,24 0 1,-24-1-1,24 25-15,1 0 16,-1 0 15,1 25-15,-1-1 0,-24 0-1,0 1 1,25-1-1,-25 1-15,0-1 16</inkml:trace>
+  <inkml:trace contextRef="#ctx0" brushRef="#br0" timeOffset="1316">563 686 0,'0'-24'15,"-24"24"1,24 24 0,0 0-16,0 1 15,0-1 1,0 1-16,24 24 0,-24-25 15,24 0-15,-24 1 16,25-1-16,-25 1 0,24-1 16,-24 0-16,25-24 0,-25 25 15,24-25-15,0 0 16,1 0-16,-1-25 16,1 1-1,-25 0-15,0-1 16,0 1-16,0-1 0,0-23 15,-25 23-15,1 1 16,24-1-16,-25 1 0,1 24 16,24-25-16,-24 25 15,-1 0-15,1 0 16,24 25-16,-25-25 0,25 24 16,0 1-16,0-1 15</inkml:trace>
+</inkml:ink>
+</file>
+
+<file path=ppt/ink/ink87.xml><?xml version="1.0" encoding="utf-8"?>
+<inkml:ink xmlns:inkml="http://www.w3.org/2003/InkML">
+  <inkml:definitions>
+    <inkml:context xml:id="ctx0">
+      <inkml:inkSource xml:id="inkSrc0">
+        <inkml:traceFormat>
+          <inkml:channel name="X" type="integer" max="1920" units="cm"/>
+          <inkml:channel name="Y" type="integer" max="1080" units="cm"/>
+          <inkml:channel name="T" type="integer" max="2.14748E9" units="dev"/>
+        </inkml:traceFormat>
+        <inkml:channelProperties>
+          <inkml:channelProperty channel="X" name="resolution" value="55.81395" units="1/cm"/>
+          <inkml:channelProperty channel="Y" name="resolution" value="55.6701" units="1/cm"/>
+          <inkml:channelProperty channel="T" name="resolution" value="1" units="1/dev"/>
+        </inkml:channelProperties>
+      </inkml:inkSource>
+      <inkml:timestamp xml:id="ts0" timeString="2020-11-20T14:08:23.856"/>
+    </inkml:context>
+    <inkml:brush xml:id="br0">
+      <inkml:brushProperty name="width" value="0.05" units="cm"/>
+      <inkml:brushProperty name="height" value="0.05" units="cm"/>
+      <inkml:brushProperty name="fitToCurve" value="1"/>
+    </inkml:brush>
+  </inkml:definitions>
+  <inkml:trace contextRef="#ctx0" brushRef="#br0">98 49 0,'0'-24'15,"-25"24"-15,1-25 0,-1 25 16,1 0-16,24 25 31,24-1-31,1 1 16,24-1-16,-1 25 16,1 0-16,0 24 0,24 0 15,-24 1-15,25 23 16,-1 1-16,0-25 0,0 25 15,1-25-15,-1 0 16,-24 1-16,24-1 0,-49-24 16,25 0-16,-24-25 0,-1 1 15,0-1-15,1 0 16,-25 1-16,0-50 31,0 1-15,0 0-16</inkml:trace>
+  <inkml:trace contextRef="#ctx0" brushRef="#br0" timeOffset="449">1026 74 0,'-25'-25'0,"1"25"0,-1-24 16,1 24-1,0 0-15,-1 24 16,25 1-16,-24-1 0,-1 25 16,1 24-16,-25-24 15,25 24-15,-25 1 0,0 23 16,-24-23-16,24-1 15,0 0-15,0 0 0,0 1 16,0-1-16,1-24 0,-1 24 16,0-24-16,24 0 15,1-1-15,-25-23 0,49 24 16,-24-25-16,-1 1 0,25-1 16,0 0-16,-24-24 15,24 25-15,0-1 16,24-24 46,-24-24-46</inkml:trace>
+</inkml:ink>
+</file>
+
+<file path=ppt/ink/ink88.xml><?xml version="1.0" encoding="utf-8"?>
+<inkml:ink xmlns:inkml="http://www.w3.org/2003/InkML">
+  <inkml:definitions>
+    <inkml:context xml:id="ctx0">
+      <inkml:inkSource xml:id="inkSrc0">
+        <inkml:traceFormat>
+          <inkml:channel name="X" type="integer" max="1920" units="cm"/>
+          <inkml:channel name="Y" type="integer" max="1080" units="cm"/>
+          <inkml:channel name="T" type="integer" max="2.14748E9" units="dev"/>
+        </inkml:traceFormat>
+        <inkml:channelProperties>
+          <inkml:channelProperty channel="X" name="resolution" value="55.81395" units="1/cm"/>
+          <inkml:channelProperty channel="Y" name="resolution" value="55.6701" units="1/cm"/>
+          <inkml:channelProperty channel="T" name="resolution" value="1" units="1/dev"/>
+        </inkml:channelProperties>
+      </inkml:inkSource>
+      <inkml:timestamp xml:id="ts0" timeString="2020-11-20T14:08:30.881"/>
+    </inkml:context>
+    <inkml:brush xml:id="br0">
+      <inkml:brushProperty name="width" value="0.05" units="cm"/>
+      <inkml:brushProperty name="height" value="0.05" units="cm"/>
+      <inkml:brushProperty name="fitToCurve" value="1"/>
+    </inkml:brush>
+  </inkml:definitions>
+  <inkml:trace contextRef="#ctx0" brushRef="#br0">0 111 0,'0'25'31,"25"-25"63,-1-25-78,1 25-16,-1 0 0,1 0 15,23-24-15,-23 24 16,24-25-16,-25 25 0,1-24 15,-1 24-15,0 0 0,1 0 16,-25-24 0,24 24 93</inkml:trace>
+  <inkml:trace contextRef="#ctx0" brushRef="#br0" timeOffset="1396">758 87 0,'24'0'16,"-24"24"-1,24-24-15,1 0 16,-25-24 0,24 24-16,1 0 0,-1-25 15,1 25 1,-1-24-16,0 24 0,1 0 16,-1-24-16,1 24 0,-1-25 15,-24 50 48</inkml:trace>
+</inkml:ink>
+</file>
+
+<file path=ppt/ink/ink89.xml><?xml version="1.0" encoding="utf-8"?>
+<inkml:ink xmlns:inkml="http://www.w3.org/2003/InkML">
+  <inkml:definitions>
+    <inkml:context xml:id="ctx0">
+      <inkml:inkSource xml:id="inkSrc0">
+        <inkml:traceFormat>
+          <inkml:channel name="X" type="integer" max="1920" units="cm"/>
+          <inkml:channel name="Y" type="integer" max="1080" units="cm"/>
+          <inkml:channel name="T" type="integer" max="2.14748E9" units="dev"/>
+        </inkml:traceFormat>
+        <inkml:channelProperties>
+          <inkml:channelProperty channel="X" name="resolution" value="55.81395" units="1/cm"/>
+          <inkml:channelProperty channel="Y" name="resolution" value="55.6701" units="1/cm"/>
+          <inkml:channelProperty channel="T" name="resolution" value="1" units="1/dev"/>
+        </inkml:channelProperties>
+      </inkml:inkSource>
+      <inkml:timestamp xml:id="ts0" timeString="2020-11-20T14:08:40.974"/>
+    </inkml:context>
+    <inkml:brush xml:id="br0">
+      <inkml:brushProperty name="width" value="0.05" units="cm"/>
+      <inkml:brushProperty name="height" value="0.05" units="cm"/>
+      <inkml:brushProperty name="fitToCurve" value="1"/>
+    </inkml:brush>
+  </inkml:definitions>
+  <inkml:trace contextRef="#ctx0" brushRef="#br0">52 73 0,'0'-24'0,"0"-1"15,0 1 1,24 24 15,-24 24-15,0 25 0,0-24-16,0 24 15,0-1-15,0 1 0,0 0 16,0 24-16,0 1 15,-24-26-15,24 26 0,0-1 16,0-24-16,-24 0 0,24 0 16,0-1-16,0 1 15,-25-24-15,25-1 0,0 0 16,0 1 0,25-25-16,-1-25 15,25 25-15,-25-24 16,25 24-16,0-24 15,0 24-15,0-25 0,-1 25 16,-23 0-16,24 0 16,-25-24-16,1 24 0,-1 0 15,-48 0 32,24-25-31</inkml:trace>
+  <inkml:trace contextRef="#ctx0" brushRef="#br0" timeOffset="498">834 342 0,'0'-25'0,"0"1"16,0 0 0,0 48-1,0 0 1,0 1-16,0-1 16,0 25-16,0-24 15,0 23-15,0 1 0,0 0 16,0 0-16,0 24 0,0-24 15,0 0-15,24 0 16,-24 0-16,24-25 0,-24 1 16,25-1-16,-1 0 15,25-24-15,-25 0 0,25 0 16,-24 0-16,24-24 0,-1-25 16,1 25-16,0-25 15,-24-24-15,-1 24 0,0-25 16,1 26-16,-25-26 0,0 1 15,0 24-15,0 0 16,0 0-16,0 1 0,-25 23 16,25 1-16,-24-1 15,0 25-15,24 25 32,0-1-32,0 1 15,24-1-15</inkml:trace>
+  <inkml:trace contextRef="#ctx0" brushRef="#br0" timeOffset="1301">1737 317 0,'0'-24'16,"25"24"-1,-1 0 1,-24 24 0,0 1-16,0-1 15,0 1-15,0-1 0,24 25 16,-24-25-16,0 25 16,0 0-16,0 0 0,25 0 15,-25 0-15,0 0 16,0-25-16,24 25 0,-24-25 15,0 1-15,0-1 0,0 1 16,25-25-16,-1 0 31,-24-25-31,25 1 16,-1-25-16,-24 24 0,24-23 16,1-1-16,-1 0 0,1 0 15,-25 0-15,24 25 16,0-25-16,-24 24 0,25 1 15,-25 0-15,24 24 16,1 0 0,-1 24-16,-24 0 15,25-24-15,-25 49 16,24-24-16,0-1 0,-24 1 16,25 23-16,-1-23 15,1 24-15,-25-25 0,24 1 16,1-25-16,-1 24 0,0-24 15,1 0 1,-1 0-16,1-24 0,-1-1 16,1 1-16,-1-25 15,0 0-15,1 0 0,-1 0 16,1 0-16,-25 1 0,0-26 16,24 50-16,-24-25 15,0 0-15,0 25 0,0-1 16,0 1-16,-24 24 15,24-24-15,24 24 79,-24 24-64,25-24 16,-25 24-15,0 1-16,-25-25 16</inkml:trace>
+</inkml:ink>
+</file>
+
 <file path=ppt/ink/ink9.xml><?xml version="1.0" encoding="utf-8"?>
 <inkml:ink xmlns:inkml="http://www.w3.org/2003/InkML">
   <inkml:definitions>
@@ -3445,6 +5136,452 @@
     </inkml:brush>
   </inkml:definitions>
   <inkml:trace contextRef="#ctx0" brushRef="#br0">1 49 0,'0'-24'78,"0"-1"141,25 25-188</inkml:trace>
+</inkml:ink>
+</file>
+
+<file path=ppt/ink/ink90.xml><?xml version="1.0" encoding="utf-8"?>
+<inkml:ink xmlns:inkml="http://www.w3.org/2003/InkML">
+  <inkml:definitions>
+    <inkml:context xml:id="ctx0">
+      <inkml:inkSource xml:id="inkSrc0">
+        <inkml:traceFormat>
+          <inkml:channel name="X" type="integer" max="1920" units="cm"/>
+          <inkml:channel name="Y" type="integer" max="1080" units="cm"/>
+          <inkml:channel name="T" type="integer" max="2.14748E9" units="dev"/>
+        </inkml:traceFormat>
+        <inkml:channelProperties>
+          <inkml:channelProperty channel="X" name="resolution" value="55.81395" units="1/cm"/>
+          <inkml:channelProperty channel="Y" name="resolution" value="55.6701" units="1/cm"/>
+          <inkml:channelProperty channel="T" name="resolution" value="1" units="1/dev"/>
+        </inkml:channelProperties>
+      </inkml:inkSource>
+      <inkml:timestamp xml:id="ts0" timeString="2020-11-20T14:08:46.998"/>
+    </inkml:context>
+    <inkml:brush xml:id="br0">
+      <inkml:brushProperty name="width" value="0.05" units="cm"/>
+      <inkml:brushProperty name="height" value="0.05" units="cm"/>
+      <inkml:brushProperty name="fitToCurve" value="1"/>
+    </inkml:brush>
+  </inkml:definitions>
+  <inkml:trace contextRef="#ctx0" brushRef="#br0">0 25 0,'24'0'47,"1"0"-32,-1 0-15,0 0 0,25 0 16,25 0-16,23 0 16,1 0-16,24 24 0,25-24 15,24 0-15,0 0 0,24 0 16,-24 25-16,0-25 15,0 0-15,0 0 0,-25 0 16,-24 0-16,1 0 16,-26 0-16,-24-25 0,1 25 15,-25 0-15,-1 0 0,-23 0 16,-1 0-16,1-24 16,-1 24-16,-48 0 31,-1-25-16</inkml:trace>
+  <inkml:trace contextRef="#ctx0" brushRef="#br0" timeOffset="545">513 269 0,'24'0'15,"0"0"1,1 0-16,-1 0 0,1 0 15,24 0-15,-1 0 16,26 0-16,-1 0 0,25 24 16,24-24-16,24 0 15,1 0-15,24 0 0,0 25 16,0-25-16,0 24 0,0-24 16,-25 0-16,1 0 15,-25 25-15,-24-25 0,-25 0 16,0 0-16,-48 0 15,-1 0-15,0 0 0,-24-25 16,-24 25 0,0 0-1</inkml:trace>
+</inkml:ink>
+</file>
+
+<file path=ppt/ink/ink91.xml><?xml version="1.0" encoding="utf-8"?>
+<inkml:ink xmlns:inkml="http://www.w3.org/2003/InkML">
+  <inkml:definitions>
+    <inkml:context xml:id="ctx0">
+      <inkml:inkSource xml:id="inkSrc0">
+        <inkml:traceFormat>
+          <inkml:channel name="X" type="integer" max="1920" units="cm"/>
+          <inkml:channel name="Y" type="integer" max="1080" units="cm"/>
+          <inkml:channel name="T" type="integer" max="2.14748E9" units="dev"/>
+        </inkml:traceFormat>
+        <inkml:channelProperties>
+          <inkml:channelProperty channel="X" name="resolution" value="55.81395" units="1/cm"/>
+          <inkml:channelProperty channel="Y" name="resolution" value="55.6701" units="1/cm"/>
+          <inkml:channelProperty channel="T" name="resolution" value="1" units="1/dev"/>
+        </inkml:channelProperties>
+      </inkml:inkSource>
+      <inkml:timestamp xml:id="ts0" timeString="2020-11-20T14:06:23.170"/>
+    </inkml:context>
+    <inkml:brush xml:id="br0">
+      <inkml:brushProperty name="width" value="0.05" units="cm"/>
+      <inkml:brushProperty name="height" value="0.05" units="cm"/>
+      <inkml:brushProperty name="fitToCurve" value="1"/>
+    </inkml:brush>
+  </inkml:definitions>
+  <inkml:trace contextRef="#ctx0" brushRef="#br0">1734 1881 0,'-25'-24'0,"25"0"0,-24-1 0,24 1 16,-24 24-16,24-25 15,-25 25-15,1 0 16,-25 0-16,24 25 16,-23-25-16,-1 24 0,0 1 15,0-1-15,-24 0 16,-1 25-16,1-24 0,0 24 16,0-1-16,-1 1 0,1 0 15,24 0-15,0 0 16,1 24-16,-1 0 0,24 1 15,1 23-15,0 1 0,-1 0 16,1 24-16,-1 0 16,25-24-16,-24 24 0,24 0 15,0 0-15,-25 0 16,25-24-16,0 24 0,0 0 16,0-24-16,25-1 0,-25 25 15,24-24-15,1 0 16,-1 0-16,1-1 0,23-23 15,1 23-15,24 1 16,1-25-16,-1 25 0,0-25 16,49 0-16,-24 1 0,49-25 15,-1-1-15,1 1 16,24 0-16,24-25 0,0 1 16,1-1-16,48-24 15,-24 0-15,24-24 0,0-1 16,-24 1-16,0-25 0,0 0 15,-25 1-15,1-26 16,-50 1-16,1 0 0,-25-1 16,0-23-16,-25-25 15,-23 24-15,-1-24 0,0 0 16,-24-25-16,0 1 0,-25-1 16,1-24-16,-1 25 15,-24-1-15,0 1 0,-24-1 16,-1 0-16,1 25 15,-25 25-15,25-1 0,-25 0 16,0 1-16,0 23 0,-24 1 16,0 0-16,-1 0 15,-23-1-15,-25 1 0,24 24 16,-24 0-16,-25 0 16,25 1-16,-24 23 0,-1 1 15,25-1-15,0 1 0,-25-1 16,25 25-16,0 0 15,0 0-15,24 0 0,-24 0 16,24 0-16,-24 0 0,25 0 16,23 0-16,-23 0 15,23 0-15,1 0 0,0 0 16,0 25-16,24-25 16,-25 0-16,26 0 0,23 24 15,-24-24-15,1 0 0,23 0 16,1 25-16,-1-25 15,1 0-15,-1 0 0,1 0 16,24 24-16,-24-24 16,-1 0-16,1 25 0,-1-25 15</inkml:trace>
+  <inkml:trace contextRef="#ctx0" brushRef="#br0" timeOffset="684">2247 3298 0,'0'-24'0,"0"-1"31,0 50-15,0-1-16,0 0 0,0 1 16,0 24-16,0 0 0,24 24 15,-24-24-15,0 48 16,0-23-16,25-1 0,-25 0 15,0 0-15,0 1 16,24-1-16,-24 0 0,0-24 16,0 0-16,24-25 0,-24 1 15,0-1-15,0-48 16,0-1-16,0 1 16,-24-25-16,24-24 15,-24-25-15,-1 0 0,1 1 16,-25-25-16,24 24 0,1-24 15,0 24-15,24 0 16,-25 1-16,25 23 0,0 1 16,25 24-16,-25 1 15,24-1-15,25 24 0,0 1 16,0 24-16,-1 0 16,1 0-16,0 0 0,24 24 15,-24 25-15,0 0 0,0 0 16,-25 0-16,1-1 15,-1 1-15,-24 0 0,0-24 16,-24 23-16,-1-23 0,1-1 16,-25 1-16,0-1 15,-24-24-15,0 0 0,-1 0 16,1 0-16,24 0 16,-24 0-16,49 0 0,-25 0 15,49 25 1</inkml:trace>
+  <inkml:trace contextRef="#ctx0" brushRef="#br0" timeOffset="1656">5544 3151 0,'-25'-24'16,"1"24"15,48 0 16,25-24-47,-24 24 15,48 0-15,0 0 16,0-25-16,50 25 0,-1-24 16,49 24-16,-25 0 0,50-25 15,-25 25-15,24-24 16,25 24-16,0 0 0,-25-24 16,25 24-16,24 0 15,-24 0-15,0-25 0,-1 25 16,1 0-16,0 0 0,-25 0 15,1 0-15,-25-24 16,-25 24-16,1 0 0,-50 0 16,1 0-16,-49-25 15,0 25-15,-25 0 0,1 0 16,-25-24-16,-25 24 16</inkml:trace>
+  <inkml:trace contextRef="#ctx0" brushRef="#br0" timeOffset="2017">9696 2590 0,'-25'-25'0,"-24"1"0,25 24 16,0-25-16,-1 25 15,50 0 1,-1 0 0,25 25-16,0-1 15,24-24-15,0 25 0,1-1 16,-1 1-16,0 23 16,0-23-16,1-1 0,-26 25 15,1-24-15,0 23 16,-24-23-16,-1 24 0,0-25 15,-24 25-15,0-25 0,-24 25 16,0-24-16,-1 23 16,1-23-16,-25 24 0,24-25 15,-23 1-15,23 23 0,1-23 16,-1-1-16</inkml:trace>
+  <inkml:trace contextRef="#ctx0" brushRef="#br0" timeOffset="3565">10795 2102 0,'0'-24'0,"-25"-1"0,25 1 15,0 48 17,0 25-32,0 0 0,0 24 15,0 1-15,0-1 16,0 49-16,-24-24 0,24 24 16,0 0-16,0 25 0,0-1 15,0 1-15,0-1 16,0 25-16,0-24 0,0-1 15,0 1-15,24-25 16,-24 0-16,0 0 0,0 0 16,0 0-16,0-24 0,0 0 15,0-1-15,0 1 16,0-25-16,-24 25 0,24-25 16,-24 1-16,24-1 15,-25-24-15,25 0 0,0-25 16,0 0-16,0 1 15,0-1-15,0 1 16,25-25-16,-1 0 16,0 0-16,1 0 15,24 0-15,-1 0 0,1 0 16,25 0-16,-1 0 0,0-25 16,25 25-16,24 0 15,0-24-15,0-1 0,49 25 16,0 0-16,0-24 15,24 24-15,1 0 0,24 0 16,-1 0-16,1 0 0,24 0 16,1 0-16,-1 0 15,0 0-15,0 0 0,1 0 16,-1-24-16,0 24 16,-24 0-16,-25-25 0,1 25 15,-25 0-15,-25-24 0,1 24 16,-50-25-16,-23 25 15,-1-24-15,-49-1 0,1 1 16,-25-25-16,0 25 16,-25-25-16,1-24 0,-25 24 15,0 0-15,0-24 0,1-1 16,-1 1-16,24 0 16,-24-25-16,25 25 0,0-25 15,-1 0-15,25-24 16,0 0-16,-24 0 0,24 0 15,0-25-15,0 1 0,-25-1 16,25 1-16,0-1 16,-24-24-16,24 25 0,0-1 15,-25-24-15,25 25 16,0-1-16,0 1 0,0-1 16,25 25-16,-25 0 0,24 0 15,-24 49-15,0-25 16,25 25-16,-25 24 0,0 0 15,0 0-15,-25 25 16,25-1-16,-24 1 0,24-1 16,-25 1-16,1-1 0,0 25 15,-1 0 1,1 0-16,-1 0 0,1 0 16,-25 0-16,25 0 0,-25 0 15,0 0-15,0 0 16,0 0-16,-24 0 0,0 0 15,-25 0-15,-24 0 16,0 0-16,-25 0 0,1 0 16,-50 0-16,1 0 15,0 0-15,-25 0 0,0 0 16,0 25-16,-24-25 0,24 0 16,0 0-16,-24 24 15,24-24-15,0 0 0,-24 25 16,24-25-16,25 24 15,0-24-15,24 25 0,24-25 16,1 24-16,48-24 0,0 24 16,25 1-16,24-25 15,0 24-15,0-24 0,25 25 16,0-25-16,-1 0 0,25 24 16,-24-24-16,-1 0 15,25 25-15,-24-25 16,-1 0-16,1 0 15,0 24-15,-1-24 0,1 24 16,-1-24-16,1 0 0,-1 25 16,-23-25-16,23 24 15,1-24-15,24 25 0,-25-25 16,1 24-16,24 1 16,-24-1-16,24 0 0,0 25 15,0 0-15,24 24 0,-24-24 16,24 49-16,-24-25 15,25 25-15,-1-25 0,1 25 16,-25-25-16,24 0 16,0 1-16,1-1 0,-1 0 15,-24-24-15,25 24 16,-1-24-16,1 0 0,-25-25 16,24 25-16,-24-24 0,24-1 15,-24 1-15,0-1 16,0 0-16</inkml:trace>
+  <inkml:trace contextRef="#ctx0" brushRef="#br0" timeOffset="4118">12017 2492 0,'0'-24'0,"-25"24"16,25 24-1,0 0 1,0 1-16,0 24 0,0 0 16,0-1-16,0 1 0,25 25 15,-25-1-15,0 0 16,24 0-16,-24 1 0,0-1 16,25-24-16,-25 0 15,0-25-15,24 0 0,-24 1 16,0-1-16,0-48 15,0-1 1,0-23-16,0-1 0,0-25 16,0 1-16,-24-24 15,24-1-15,-25 0 0,25 0 16,0 1-16,0-1 0,25 25 16,-25-1-16,24 26 15,25-1-15,0 24 0,-25 1 16,50 0-16,-26 24 15,26 0-15,-1 0 0,-24 24 16,24 0-16,-24 1 0,0-1 16,-25 1-16,1-1 15</inkml:trace>
+  <inkml:trace contextRef="#ctx0" brushRef="#br0" timeOffset="4292">12065 2761 0,'-25'24'0,"1"1"16,24-1-16,-24-24 16,24 24-16,24-24 0,25 0 15,-25 0-15,25-24 16,0 24-16,0-24 16,24 24-16,-24-25 0,24 1 15</inkml:trace>
+  <inkml:trace contextRef="#ctx0" brushRef="#br0" timeOffset="4993">12993 2591 0,'0'-25'16,"-25"25"-1,25-24-15,0 48 31,0 1-15,0-1-16,0 1 0,0 23 16,0 1-16,0 0 0,25 24 15,-25-24-15,0 0 16,0 0-16,24 0 0,-24-25 16,0 25-16,0-25 15,0 1-15,0-50 31,-24 1-31,24 0 16,0-25-16,0 0 0,0 0 16,0-24-16,24 0 0,-24-1 15,25 1-15,-1 0 16,1-1-16,-1 26 0,0-1 16,1 0-16,24 24 15,-25 25-15,1 0 0,-1 0 16,0 25-16,1 24 0,-1 0 15,1-1-15,-1 1 16,-24 0-16,24 24 0,-24-24 16,0 25-16,0-26 15,0 1-15,0-24 0,0-1 16,0 1-16,0-1 16,0-48-1,0-1-15,25 1 16,-1-25-16,1-24 15,-1 24-15,25-25 0,0 1 16,0 0-16,-25 24 0,25 0 16,0 0-16,0 25 15,-1 24-15,-23 0 0,24 24 16,-25 25-16,1 0 16,-1 0-16,0 24 0,-24-24 15,25 24-15,-25 1 0,0-1 16,0-24-16,0 24 15,24-24-15,-24 0 0,0-1 16,0 1-16,0-24 16,0-1-16,0 1 0</inkml:trace>
+  <inkml:trace contextRef="#ctx0" brushRef="#br0" timeOffset="5257">14556 2297 0,'0'-25'0,"0"-24"0,0 25 15,0 48 1,0 25 0,0 0-16,0 0 0,0 24 15,0 0-15,0 1 16,0 23-16,24 1 0,-24-25 15,25 25-15,-1-25 16,-24 1-16,25-1 0,-1-24 16,-24 24-16,24-24 0,-24-25 15,0 1-15,0-1 16</inkml:trace>
+  <inkml:trace contextRef="#ctx0" brushRef="#br0" timeOffset="6950">16046 4397 0,'-25'0'0,"25"-24"16,0-1-16,25 1 15,-1 24 1,1 0-16,-1 0 0,25 0 16,24 0-16,0-25 0,1 25 15,48 0-15,24 0 16,1 0-16,48-24 0,25 24 16,0 0-16,48-24 0,26 24 15,23-25-15,25 25 16,24 0-16,1-24 0,-1 24 15,0-25-15,1 25 16,-1 0-16,-48-24 0,-1 24 16,-48 0-16,-1 0 15,-72 0-15,-1-25 0,-73 25 16,0 0-16,-48 0 0,-26 0 16,1-24-16,-49 0 15,-24 24 1,24-25-16,-25 25 0,1-24 15</inkml:trace>
+  <inkml:trace contextRef="#ctx0" brushRef="#br0" timeOffset="7274">22420 3762 0,'-49'-24'0,"25"24"15,-25-25-15,25 1 0,-1 24 16,1-25-16,48 25 31,1 0-31,-1 0 0,49 25 16,-24-25-16,24 49 16,1-25-16,-1 0 0,25 25 15,-25 0-15,-24 0 0,24 0 16,-24 0-16,-25 0 15,1-1-15,-25 1 0,0 0 16,-25-25-16,1 25 16,-1-24-16,1 24 0,-25-25 15,25 0-15,-25 1 0,25-1 16,-1-24-16,1 25 16</inkml:trace>
+  <inkml:trace contextRef="#ctx0" brushRef="#br0" timeOffset="7657">23275 3493 0,'-24'-24'16,"-1"0"-16,1 24 0,-1 0 15,25 48 1,25-23 0,-1 48-16,1-24 0,-1 49 15,0-1-15,1 1 16,24 24-16,-25 25 0,0-25 16,1 24-16,-1 1 15,1 24-15,-1-25 0,1 1 16,-25-1-16,24-23 0,0 23 15,-24-24-15,25 0 16,-25-24-16,24 0 0,-24-25 16,25 0-16,-25-24 0,0 0 15,24 0-15,-24-25 16,0 1-16,0-1 0,0-48 16</inkml:trace>
+  <inkml:trace contextRef="#ctx0" brushRef="#br0" timeOffset="8720">23592 4138 0,'-48'-73'0,"23"-1"15,-24 1-15,0 0 0,25-1 16,0 1-16,24 0 15,0 24-15,0-24 0,24 0 16,25-1-16,0 1 0,24 24 16,25 0-16,24-24 15,24 49-15,50-25 0,-1 24 16,25 1-16,24 0 16,0-1-16,25 25 0,24-24 15,-24 24-15,-1 0 0,26 0 16,-50 0-16,24 0 15,-23 0-15,-26 0 0,1 0 16,-24 0-16,-25 0 16,-25 24-16,1-24 0,-50 0 15,1 25-15,-25-25 0,-24 24 16,-24-24-16,-1 24 16,-24 1-16,0 24 0,0-25 15,0 25-15,-24 24 16,24 0-16,0 1 0,-25 23 15,25 25-15,0 1 0,0-1 16,25 0-16,-25 24 16,24-23-16,-24 23 0,24-24 15,-24 25-15,25-25 16,-1 24-16,1-24 0,-25 25 16,24-25-16,1 0 0,-25 0 15,24-24-15,-24 0 16,24-1-16,-24 1 0,0-25 15,25 1-15,-25-1 16,0 0-16,-25-24 0,1 0 16,0 0-16,-1 0 0,1-25 15,-1 25-15,-24-25 16,25 1-16,-25 24 0,0-25 16,0-24-16,1 24 0,-1 1 15,0-1-15,-24-24 16,-1 25-16,-23-25 0,-1 24 15,-24-24-15,-25 25 16,-24-25-16,0 0 0,-24 0 16,0 0-16,-25 0 15,0 0-15,25 0 0,-25 24 16,24-24-16,1 0 0,0 24 16,24-24-16,0 25 15,24-25-15,1 24 0,24-24 16,-1 0-16,26 25 0,-1-25 15,0 0-15,25 0 16,24 0-16,0 0 0,1 0 16,23 0-16,-24 0 15,25 0-15,0 0 0,-1 0 16,1 0-16,-1-25 16,1 25-16,-25-24 0,25 24 15,-1-25-15,-24 1 0,25-25 16,-1 25-16,1-25 15,24 0-15,-24 0 0,24-24 16,0 0-16,0-1 16,0 1-16,24 0 0,-24-25 15,0 25-15,24 24 0,-24 0 16,0 0-16,0 25 16,0-1-16,0 1 0,0 0 15</inkml:trace>
+  <inkml:trace contextRef="#ctx0" brushRef="#br0" timeOffset="9079">24667 4886 0,'-24'-25'15,"24"1"-15,-25-1 16,25 1-1,0 48 1,0 1-16,0-1 16,0 1-16,0 23 0,25 26 15,-25-1-15,0 0 16,24 0-16,-24 1 0,25-1 16,-25 25-16,0-25 0,24-24 15,-24 0-15,0-1 16,0 1-16,0-24 0,24-25 15</inkml:trace>
+  <inkml:trace contextRef="#ctx0" brushRef="#br0" timeOffset="9290">24767 4910 0,'-25'-49'15,"1"25"-15,24-1 0,-25-24 16,25 25-16,0 0 15,0-1-15,0 1 16,0-1-16,25 1 0,-1 24 16,25-25-16,0 1 15,0 24-15,0 0 0,24-24 16,-24 24-16,24 0 0,-24 24 16,0 0-16,0-24 15</inkml:trace>
+  <inkml:trace contextRef="#ctx0" brushRef="#br0" timeOffset="9476">24789 5105 0,'-49'49'0,"25"-24"0,0-25 16,24 24-16,24-24 31,0-24-31,25 24 16,0-25-16,0 1 0,0-1 15,24 25-15,-24-24 0,24-1 16,-24 25-16,24 0 16</inkml:trace>
+  <inkml:trace contextRef="#ctx0" brushRef="#br0" timeOffset="10165">25644 4934 0,'0'-24'16,"0"0"-16,0-25 15,0 24-15,0 1 0,-24-25 16,24 25-16,0-1 16,-25 25-16,25 25 31,-24-1-31,24 25 0,0 0 16,0 0-16,24 24 0,-24 0 15,25 0-15,-25 1 16,0-1-16,24-24 0,-24 24 15,0-49-15,24 25 0,-24-24 16,0-50 15,0-24-31,0 1 16,-24-26-16,24 1 0,0 0 16,-24-1-16,24-23 15,0 24-15,0-1 0,0 1 16,24 24-16,-24 0 0,24 0 15,-24 25-15,25 24 16,-1 0-16,1 0 16,-1 24-16,1 25 0,23-24 15,-23 24-15,-1-1 16,1 26-16,-1-25 0,1 24 16,-1 0-16,0 0 15,-24-24-15,25 24 0,-25-48 16,0 24-16,0-25 0,0 1 15,24-25-15,-24-25 16,0 1-16,0-25 16,0 0-16,25-24 15,-25-1-15,24 1 0,-24 0 16,24-25-16,1 25 0,-1 0 16,1-1-16,-25 26 15,24-1-15,1 24 0,-1 25 16,0 0-16,1 25 15,-1 24-15,1-1 0,-1 1 16,1 0-16,-1 24 0,0 1 16,-24 23-16,25-23 15,-1-26-15,-24 26 0,0-25 16,25-1-16,-25 1 16,0-24-16,0-1 0</inkml:trace>
+  <inkml:trace contextRef="#ctx0" brushRef="#br0" timeOffset="10597">26645 4837 0,'0'-49'0,"25"24"16,-25-23-16,24 23 0,-24-24 16,25 0-16,-1 25 0,0-25 15,1 25-15,-1-1 16,1 1-16,-1-1 0,1 25 15,23 0-15,-23 0 0,-1 25 16,1-1-16,-1 1 16,1 24-16,-25-1 0,0 1 15,24 25-15,-24-26 0,0 1 16,-24 0-16,-1 24 16,1-24-16,-1 0 0,1 0 15,-25 0-15,25-25 16,-25 25-16,24-25 0,1 1 15,-1-1-15,25 1 16,0-1-16,25-24 16,-1 0-16,25 0 0,24 0 15,1 0-15,-1-24 16,25 24-16,-1 0 0,1 0 16,-25 0-16,25 0 15,-25 0-15,-24 0 0,0 0 16,-25 0-16,1 0 0,-1 0 15,-48 0 1,-1 24-16,1-24 0</inkml:trace>
+  <inkml:trace contextRef="#ctx0" brushRef="#br0" timeOffset="11588">26596 5985 0,'0'-25'0,"25"1"0,-25-1 15,0 1 1,-25-1-16,1 25 15,24-24-15,-49 24 16,25 0-16,-1 0 0,-23 0 16,23 0-16,-24 24 0,25 1 15,-25-1-15,25 25 16,-1-24-16,25 23 0,0 1 16,25 0-16,-25 0 15,48 0-15,1 0 0,0-25 16,0 0-16,24 1 15,0-25-15,1 0 0,-1 0 16,-24-25-16,24 1 0,-24 0 16,0-1-16,-25-24 15,1 0-15,-25 1 0,0-1 16,-25 0-16,1 25 0,-25-25 16,0 24-16,0-24 15,0 49-15,1-24 0,23 24 16,-24 0-16,25 24 15,-1-24-15,25 25 0,0-1 16</inkml:trace>
+  <inkml:trace contextRef="#ctx0" brushRef="#br0" timeOffset="12038">26694 6424 0,'25'-24'0,"-1"24"16,-24-25 0,0 50 15,0-1-16,0 1-15,0-1 16,0 25-16,0 24 16,0 0-16,0 1 0,24 23 15,-24 1-15,0 24 16,25-24-16,-25 24 0,0 0 16,0-24-16,24-1 0,-24 1 15,0 0-15,0 0 16,0-25-16,0-24 0,0 24 15,0-24-15,25-25 16,-25 1-16,0-1 0,0 0 16,24-24-16,-24-24 15,0 0 1,0-1-16,0 1 0,0-25 16,0 24-16,-24 1 15</inkml:trace>
+  <inkml:trace contextRef="#ctx0" brushRef="#br0" timeOffset="12265">26572 7890 0,'-24'0'15,"48"0"17,0 24-17,1-24 1,-1 24-16,1-24 15,-1 25-15,1-1 16,-1 1-16,0-25 0,1 24 16,-1 0-16,-24 1 15,25-25-15,-1 0 0,1 0 16,-1 0-16</inkml:trace>
+  <inkml:trace contextRef="#ctx0" brushRef="#br0" timeOffset="12469">27036 7987 0,'25'-24'15,"-25"-1"-15,0 1 0,24 24 16,-24-24-16,24-1 16,1 25-1,-25 25 1,-25-1 0,25 0-16,0 1 15,-24-25-15,24 24 0,0 1 16,-24-1-16,24 1 15,-25-1-15,25 0 0,-49 1 16,25-1-16</inkml:trace>
+  <inkml:trace contextRef="#ctx0" brushRef="#br0" timeOffset="13201">27012 8427 0,'24'0'0,"1"0"16,-1 0-16,-24-25 0,-49 1 31,25 24-15,-25 0-16,0 0 0,-24 0 16,-1 0-16,1 0 15,0 24-15,-25-24 0,25 25 16,-25-25-16,25 24 0,0 25 15,-1-24-15,26-1 16,-1 25-16,0 0 0,25-25 16,24 25-16,0 0 15,24-25-15,25 1 0,24 23 16,25-23-16,24-25 16,24 24-16,1-24 0,24 0 15,0 0-15,0-24 0,24-1 16,-24 1-16,-24 0 15,-1-1-15,-24-24 0,-24 0 16,0 1-16,-49-1 0,-49 0 16,0 0-16,-25 0 15,-48 25-15,0-25 0,-50 25 16,1-1-16,0 25 16,0 0-16,0 0 0,0 0 15,24 25-15,1-25 0,23 24 16,25 0-16,1 1 15,23 24-15</inkml:trace>
+  <inkml:trace contextRef="#ctx0" brushRef="#br0" timeOffset="13957">26157 8720 0,'0'-25'16,"-25"25"-16,25 25 31,25-25-31,-25 24 0,24 1 16,-24-1-16,25 1 0,-1 23 15,-24 1-15,25 0 16,-25 24-16,0-24 0,24 25 15,-24-26-15,0 26 16,0-25-16,0 24 0,0-24 16,0-1-16,0 1 0,0-24 15,0-1-15,0 25 16,0-25-16,0 1 0,0-1 16,0 1-1,24-50 16,1 25-15,-1-24-16,1 24 0,24 0 16,-25 0-16,25-25 15,24 25-15,0 0 0,1 0 16,23 0-16,1 0 0,24-24 16,-24 24-16,48 0 15,-24 0-15,1 0 0,23 0 16,-24 0-16,0 0 15,-24 0-15,0 0 0,-25 0 16,0 0-16,-48 0 0,-1-24 16,1 24-16,-50-25 15,1 1 1,-1-1-16,1 25 0,-1-24 16,25-1-16,-24 25 15,24-24-15,0 0 0,0-1 16,0 1-1,0-1-15,0-23 0,0 23 16,0-24-16,0 0 0,0-24 16,0 0-16,0 24 15,-24-24-15,24-1 0,0 1 16,0 24-16,0 0 16,0 1-16,0 23 0,0 1 15,0-1-15,-25 25 31,1 0-31,-1 0 0</inkml:trace>
+  <inkml:trace contextRef="#ctx0" brushRef="#br0" timeOffset="15837">14458 4763 0,'0'-24'16,"0"0"-16,-24 24 0,24-25 15,-25 1-15,-23-1 16,23 25-16,-24 0 0,0 0 16,25 0-16,-25 25 15,0 24-15,25-25 0,-25 25 16,25 0-16,24 0 0,0-1 16,0 1-16,0 0 15,24 0-15,25-25 0,0 1 16,0-1-16,24-24 15,0-24-15,0 24 0,1-49 16,-1 24-16,0-23 0,-24-1 16,0 0-16,-25-24 15,1 24-15,-25 0 0,-25 0 16,1 25-16,-25-1 0,-24 1 16,0-1-16,-1 25 15,1 0-15,0 25 0,-1-1 16,26 1-16,-1-1 15,24 1-15,1-1 0,24 0 16</inkml:trace>
+  <inkml:trace contextRef="#ctx0" brushRef="#br0" timeOffset="16324">14458 5374 0,'0'-24'0,"25"24"0,-25-25 15,24 25-15,-24-24 16,25-1-16,-25 1 15,0-1 1,24 25-16,-24-24 16,0 0-16,0-1 31,-24 50-15,24-1-1,0 0-15,0 1 16,-25 24-16,25 0 0,0-1 15,0 26-15,0 23 16,25-23-16,-25 23 0,0 1 16,24 0-16,0 24 0,1-24 15,-25-1-15,24-24 16,1 25-16,-1-25 0,-24-24 16,24 0-16,-24 0 15,25-25-15,-25 1 0,0-1 16,0-48-1</inkml:trace>
+  <inkml:trace contextRef="#ctx0" brushRef="#br0" timeOffset="16671">14409 6473 0,'0'-24'15,"25"-1"1,-1 25-1,-24 25 1,25-25-16,-1 24 0,0 0 16,1 1-1,-1-1-15,1-24 0,-25 25 16,24-25-16,1 0 0,-1 24 16,0-24-16,1 0 15,-1-24-15,1 24 0,-25-25 16,24 1-16,1-1 15,-1 1-15,0 0 0,-24-1 16,25-24-16,-1 49 0,-24-24 16,25-1-16,-25 50 15,-25-1 1,25 25 0,-24-24-16,-1-1 0,-23 25 15,23 0-15</inkml:trace>
+  <inkml:trace contextRef="#ctx0" brushRef="#br0" timeOffset="17524">14873 7059 0,'25'0'16,"-1"-24"-16,1-1 16,-25 1-1,0-1-15,-25 25 16,1 0-16,-1 0 0,-23 0 15,-1 0-15,-25 0 16,1 25-16,0-1 0,-25-24 16,1 25-16,-1-1 0,0 1 15,0-1-15,1-24 16,-1 24-16,25 1 0,0-25 16,24 24-16,0-24 15,24 0-15,1 0 0,24 25 16,0-1-1,24 1-15,-24-1 16,25 0-16,-1 1 0,1-1 16,-1 25-16,1-24 15,-1-1-15,0 0 0,25 1 16,0-1-16,24 1 0,1-1 16,23-24-16,25 24 15,1-24-15,-1 0 0,49 0 16,-25 0-16,25-24 15,25 24-15,-1-24 0,-24-1 16,0 25-16,0-24 0,-25-1 16,-24 1-16,-24-25 15,-25 25-15,-24-1 0,-24-24 16,-25 25-16,0-25 16,-49 0-16,0 25 0,-49-25 15,1 25-15,-1-1 0,-24 1 16,-25-1-16,25 1 15,-24 24-15,-25 0 0,24 24 16,25 1-16,-25-25 16,25 24-16,0 1 0,0-1 15,24 25-15,25-49 0,0 24 16,24 1-16,0-1 16</inkml:trace>
+  <inkml:trace contextRef="#ctx0" brushRef="#br0" timeOffset="18436">13628 7352 0,'24'0'31,"-24"25"16,0-1-47,0 25 16,-24-25-16,24 25 0,0 0 15,0 0-15,-25 0 16,25 0-16,0 24 0,0 0 15,0 0-15,0-24 16,0 24-16,0 1 0,25-25 16,-25 24-16,0 0 0,24 0 15,-24-24-15,0 25 16,25-26-16,-25 26 0,0-25 16,0 24-16,0-24 15,0-25-15,0 25 0,0-25 16,0 1-16,0-1 0,0 1 15,0-1-15,24-24 16,1 0 0,-1 0-16,0 0 15,1 0-15,24 0 0,0-24 16,-1 24-16,26 0 16,-1 0-16,0-25 0,0 25 15,25 0-15,24 0 0,-24-24 16,48 24-16,-23 0 15,23-25-15,1 25 0,-1 0 16,1 0-16,-25 0 0,0-24 16,-24 24-16,-25 0 15,0 0-15,-24 0 0,-25 0 16,1 0-16,-25-25 16,0 1-1,-25 0-15,25-1 0,-24 1 16,24-1-16,-24 1 15,24 0-15,0-1 0,0-24 16,0 25-16,0-25 16,0 0-16,0 0 0,0 0 15,0 1-15,0-1 0,0 0 16,0-24-16,0 24 16,0-25-16,0 1 0,0-24 15,24 23-15,-24-23 16,0-1-16,0 25 0,0-25 15,0 0-15,0 25 0,0 0 16,0 24-16,0 0 16,24 0-16,-24 25 0,0-1 15,-24 50 17,24-1-17,-24 1-15,24 23 0,-25-23 16,25 24-16</inkml:trace>
+  <inkml:trace contextRef="#ctx0" brushRef="#br0" timeOffset="23479">25449 7645 0,'0'-24'0,"0"-1"47,0 50 31,0-1-62,0 1-1,0-1-15,0 1 16,0-1-16,0 0 15,0 1-15,0-1 16,0 1-16,0-1 16,24-24-16,-24 25 15,24-25 1,1 0-16,-1-25 16,1 1-1,24-1-15,-25 1 0,0-1 16,25 1-16,-24 0 0,24-1 15,-25-24-15,0 25 16,25-1-16,-24 1 0,-1 0 16,0-1-16,1 1 15,-1 24-15,-24-25 0,25 25 16,-25-24-16,24 24 16,-48 0 30</inkml:trace>
+  <inkml:trace contextRef="#ctx0" brushRef="#br0" timeOffset="24187">26181 7279 0,'0'-24'16,"-24"24"-16,-1-25 0,1 1 15,0 24-15,-1-25 0,1 25 16,-25-24-16,0 24 15,25-25-15,-25 25 0,0 0 16,0 0-16,0 0 16,0 0-16,-24 25 0,24-25 15,0 24-15,1 1 0,-26-1 16,26 25-16,-1-25 16,0 25-16,24-24 0,-23 24 15,23-25-15,1 25 0,-1-25 16,1 25-16,-1-25 15,25 25-15,-24-24 0,24 24 16,0-25-16,0 25 16,0-25-16,24 25 0,1-24 15,-25-1-15,24 25 16,1-25-16,-1 1 0,25-1 16,-25 0-16,25 1 0,0-1 15,0 1-15,0-25 16,0 0-16,24 24 0,-24-24 15,24 0-15,0 0 16,1-24-16,-1 24 0,0 0 16,0-25-16,1 1 0,-26-1 15,26 1-15,-1 0 16,-24-1-16,0 1 0,24-25 16,-49 25-16,25-25 15,-24 24-15,-1-24 0,1 1 16,-25-1-16,0 24 0,0-24 15,0 1-15,0 23 16,0 1-16,-25-1 0,25 1 16,-24 0-16,-25-1 15,24 1-15,-23-1 0,-1 1 16,-25-1-16,26 1 0,-26 24 16,1-24-16,24-1 15,-24 25-15,24-24 0,0 24 16,0 0-16</inkml:trace>
+  <inkml:trace contextRef="#ctx0" brushRef="#br0" timeOffset="27137">23275 4641 0,'-24'0'16,"-1"0"0,1 0-16,-1 0 15,1 0 1,-25 0-16,25 0 0,-25 0 16,0 0-16,0 0 0,0 0 15,0 0-15,-24 0 16,-25 0-16,25 0 0,-49 0 15,24 0-15,-24 0 16,-24 0-16,24 0 0,-25 0 16,0 0-16,1 0 0,-1 0 15,-24 0-15,25 0 16,-25 0-16,0 0 0,24 0 16,-24 0-16,1 0 15,-1 0-15,24 0 0,-24 0 16,49 0-16,-25 0 15,25 0-15,0 25 0,24-25 16,1 0-16,-1 0 0,25 0 16,0 0-16,-1 0 15,1 24-15,0-24 0,24 0 16,-24 0-16,24 0 16,-25 0-16,26 25 0,-26-25 15,26 0-15,-26 0 0,25 0 16,-24 0-16,24 0 15,-24 24-15,24-24 0,0 0 16,1 0-16,-1 0 16,0 24-16,0-24 0,25 0 15,-1 0-15,-24 0 0,25 25 16,-1-25-16,1 0 16,0 0-16,-1 0 15,1 0-15,-1 0 0,1 0 16,-1 0-1,1 0-15,0 0 0,-1 0 16,1 0-16,-1 0 16,1 0-16,-1 0 15,1 0 79,0 0-78,-1 24-16,1-24 15,-1 0 1</inkml:trace>
+  <inkml:trace contextRef="#ctx0" brushRef="#br0" timeOffset="27839">17023 4592 0,'-25'0'78,"25"25"-78,-24-25 15,-1 24-15,1 1 0,0-1 16,-1 1-16,-24-1 0,25 0 16,-25 1-16,25-1 15,-25-24-15,24 25 0,1-1 16,-1 1-16,1-25 0,24 24 15,0 0 1,0 1-16,24-1 16,-24 1-1,25-25-15,-1 24 0,1 0 16,-1 1-16,25-1 16,-25-24-16,25 25 0,0-1 15,-24 1-15,23-25 0,-23 24 16,24-24-16,-25 24 15,1-24-15,-1 25 16,0-1 218</inkml:trace>
+  <inkml:trace contextRef="#ctx0" brushRef="#br0" timeOffset="28946">14873 4959 0,'0'24'0,"0"1"16,25-1-1,-25 0-15,0 1 0,0 24 16,24-25-16,-24 25 0,0 0 16,0 0-16,0 24 15,25-24-15,-25 24 0,0-24 16,0 24-16,0-24 15,0 0-15,24 0 0,-24 24 16,0-24-16,0 0 0,25 0 16,-25-1-16,0 1 15,0 0-15,24 0 0,-24-25 16,0 25-16,0-24 16,0 23-16,24-23 0,-24 24 15,0-25-15,25 1 0,-25-1 16,0 0-16,24 1 15,-24-1-15,0 1 0,25-1 16,-25 1 0,0-1-16,24-24 0,-24 24 15,0 1 1,0-50 15,0 1-15,0 0-1</inkml:trace>
+  <inkml:trace contextRef="#ctx0" brushRef="#br0" timeOffset="29252">14922 6400 0,'-24'0'16,"48"24"31,1-24-47,-1 0 16,1 25-16,-1-25 15,-24 24-15,24 0 16,1-24-16,-25 25 0,24-1 15,1 1 1,-1-1-16,0-24 16,1 0-1</inkml:trace>
+  <inkml:trace contextRef="#ctx0" brushRef="#br0" timeOffset="29479">15313 6473 0,'24'-24'0,"-24"-1"15,0 1 1,-24 24 0,24 24-1,-24-24-15,24 25 16,-25-1-16,25 0 0,-24 1 16,-1-1-16,25 1 15,-24-1-15,24 1 0,-25-25 16,25 24-16,-24 0 15,24 1-15,0-1 16</inkml:trace>
+  <inkml:trace contextRef="#ctx0" brushRef="#br0" timeOffset="29995">15924 6131 0,'24'24'63,"0"-24"-48,1 25-15,-1-25 16,1 24-16,-1 1 0,25-1 16,-25 1-16,25-1 0,0 0 15,-24 25-15,-1-24 16,25-1-16,-25 1 0,1-1 15,-1 0-15,-24 1 0,24-25 16,1 24 0,-25-48-16</inkml:trace>
+  <inkml:trace contextRef="#ctx0" brushRef="#br0" timeOffset="30326">16388 6107 0,'24'0'0,"-48"0"47,24 24-32,-25-24-15,25 24 16,-24-24-16,-1 25 15,25-1-15,-24 1 0,0-1 16,-1 1-16,1-1 0,-1 0 16,1 1-16,24-1 15,-25 1-15,1-1 0,24 1 16,-24-1-16,24 0 0,0 1 16,0-1-1,0 1-15,0-50 31</inkml:trace>
+  <inkml:trace contextRef="#ctx0" brushRef="#br0" timeOffset="30986">16363 5936 0,'0'-25'0,"0"1"15,-24 24-15,24-25 16,-25 25-16,1 0 16,0 0-16,-25 0 15,24 0-15,1 0 16,-25 0-16,0 0 0,25 25 15,-25-25-15,24 0 0,-23 24 16,-1-24-16,24 25 16,1-1-16,-25 1 0,25-1 15,-25 0-15,24 25 16,1-24-16,0 23 0,-1-23 16,25 24-16,-24 0 0,24-1 15,0 1-15,24-24 16,1 24-16,-1-1 0,0 1 15,1 0-15,-1-24 0,25 23 16,0 1-16,-25-24 16,25-1-16,0 25 0,0-25 15,0-24-15,0 25 16,-1-25-16,26 0 0,-25 0 16,-1 0-16,26-25 15,-26 25-15,26-24 0,-25 0 16,24-1-16,-24 1 0,0-25 15,-1 24-15,-23-23 16,-1 23-16,1-24 0,-1 25 16,-24-25-16,0 0 15,0 0-15,0 0 0,-24 1 16,-1-1-16,1 0 0,-1 0 16,-23 25-16,23-25 15,-24 24-15,0-23 0,1 23 16,-1 25-16,0-24 0,0-1 15,0 25-15,-24 0 16,24 0-16,0 0 0,-24 0 16,24 0-16</inkml:trace>
+  <inkml:trace contextRef="#ctx0" brushRef="#br0" timeOffset="35775">24325 1515 0,'-24'0'16,"-1"-24"0,1 24-1,-1 0 1,25 24-16,0 1 0,0-1 15,-24 0-15,24 25 16,0 0-16,0-24 0,-24 23 16,24-23-16,0 24 15,-25-25-15,25 0 0,0 1 16,0-1-16,0 1 16,0-50-1,25 25 1,-25-24-16,24-25 15,0 25-15,1-25 0,-1 0 16,1 0-16,-1-24 16,1 24-16,-1 0 0,0 0 15,1 0-15,-1 1 0,1 23 16,-1 1-16,-24-1 16,25 25-16,-25 25 15,24-1-15,-24 1 0,24 23 16,-24 1-16,25 0 15,-25 0-15,24 0 0,-24 0 16,25 24-16,-25-24 16,24-25-16,-24 25 0,0-25 15,0 1-15,0-1 0,-24-24 16,-1 0 0</inkml:trace>
+  <inkml:trace contextRef="#ctx0" brushRef="#br0" timeOffset="35936">24423 1735 0,'-25'-25'15,"1"1"-15,0 0 0,-1 24 16,25-25 0,25 1-1,23 24 1,-23 0-16,24 0 0,24 0 16,-24 0-16,0 0 0,24 0 15,-24-25-15,0 25 16,-1 0-16</inkml:trace>
+  <inkml:trace contextRef="#ctx0" brushRef="#br0" timeOffset="36170">25107 1442 0,'0'-25'0,"0"50"62,0-1-46,0 1-16,0 24 0,0-25 16,24 25-16,-24-25 15,0 25-15,25 0 0,-25-25 16,0 25-16,24-24 0,-24-1 16,0 0-16</inkml:trace>
+  <inkml:trace contextRef="#ctx0" brushRef="#br0" timeOffset="36728">25058 1613 0,'0'-25'0,"-25"1"0,25 0 16,0-25-16,0 24 0,0 1 16,0-1-16,25 1 15,-1 0-15,1 24 16,-1 0-16,25 0 15,-25 0-15,25 24 0,0-24 16,0 49-16,0-25 0,24 1 16,-49 24-16,25-1 15,-24 1-15,-1 0 0,-24 0 16,-24 0-16,-1 0 16,1-25-16,-25 25 0,-24-25 15,24 1-15,0-1 0,0 1 16,0-1-16,1-24 15,23 0-15,1 0 0,-1 0 16,1 0-16,48 0 94,-24-24 46,-24 24-124,24-25 0</inkml:trace>
+  <inkml:trace contextRef="#ctx0" brushRef="#br0" timeOffset="38380">13530 172 0,'-24'-25'0,"24"50"47,0-1-32,0 1 1,0 24-16,0-25 15,0 0-15,-25 1 0,25 24 16,0-25-16,0 0 16,0 1-16,25-1 0,-25 1 15,0-1-15,24-24 0,-24-24 32,0-1-17,0 1 1,0-1-16,0 1 0,0-25 15,0 25-15,25-25 16,-25 0-16,0 0 0,0 25 16,24-25-16,-24 25 0,24-1 15,-24 1-15,25-1 16,-1 1-16,1 24 16,-1 0-16,1 0 15,-1 0-15,0 0 16,1 24-16,-25 1 15,0-1-15,0 1 16,0-1-16,-25 0 16,1 1-16,0-1 0,-1 1 15,1-1-15,-1 1 16,1-25-16,24 24 0,-25-24 16,25 24-16,25-24 15,-1 25 1,1-25-16,24 0 15,-1 0-15,-23 24 16,24-24-16,0 0 0,-1 25 16,1-1-16,0 0 15,-25-24-15,1 25 0,-25-1 16,0 1-16,0-1 0,0 1 16,-25-1-16,1 0 15,0 1-15,-1-1 0,-24-24 16,1 0-16,23 25 15,-24-25-15,25 0 0,-1 0 16,1-25-16,0 25 0,-1-24 16,25-1-16,0 1 15,0 0-15,25-25 0</inkml:trace>
+  <inkml:trace contextRef="#ctx0" brushRef="#br0" timeOffset="38948">14287 123 0,'0'-24'15,"0"48"17,0 0-17,0 1 1,25-25-16,-25 24 0,24 25 15,-24-24-15,0 23 0,25-23 16,-25 24-16,0-25 16,0 25-16,0-25 0,0 1 15,0-1-15,0 1 16,0-1-16,0-48 31,0-1-15,-25 1-16,25-1 0,0 1 15,-24-1-15,24-23 16,-25-1-16,25 0 0,0 0 16,0 0-16,0 0 0,0 25 15,25-25-15,-25 25 16,24-1-16,1 25 0,23 0 16,-23 0-16,-1 0 15,25 0-15,-24 25 0,-1-1 16,0 1-16,-24-1 0,25 0 15,-25 25-15,0-24 16,0-1-16,-25 1 0,1-1 16,0-24-16,-1 24 15,1-24-15,-1 25 0,1-25 16,-1 0-16,1 0 0,0 0 16,48 0 30</inkml:trace>
+  <inkml:trace contextRef="#ctx0" brushRef="#br0" timeOffset="40101">15191 1 0,'24'0'16,"-24"24"-1,-24-24 17,-1 0-17,-23 25-15,23-1 16,-24-24-16,25 25 16,0-1-16,-1-24 0,1 24 15,-1-24-15,25 25 0,-24-25 16,48 0 15,1 0-15,-1 0-16,1 24 15,-1-24-15,25 25 0,-25-25 16,1 24-16,23 25 16,-23-25-16,-1 1 0,1 24 15,-1-25-15,1 25 16,-1-25-16,-24 1 0,24-1 15,-24 1-15,0-1 0</inkml:trace>
+  <inkml:trace contextRef="#ctx0" brushRef="#br0" timeOffset="41175">15215 343 0,'0'-25'0,"-24"25"0,-1 0 15,25-24-15,-24 0 16,24-1 15,24 25 0,-24 25-15,25-25-16,-1 0 0,1 24 16,24-24-16,-1 0 15,1 24-15,25-24 0,-26 25 16,26-25-16,23 24 0,1-24 16,0 25-16,-1-1 15,26-24-15,-1 25 0,-25-25 16,25 24-16,25-24 0,-25 24 15,0 1-15,0-25 16,1 24-16,23-24 0,-24 25 16,0-25-16,0 24 15,0 0-15,1-24 0,-1 25 16,0-25-16,0 24 16,0-24-16,-24 25 0,24-1 15,-24-24-15,24 25 0,-25-25 16,1 0-16,0 24 15,-1-24-15,-23 24 0,23-24 16,-23 25-16,-1-25 16,0 24-16,1-24 0,23 25 15,-24-25-15,1 24 0,-1-24 16,0 25-16,1-1 16,-1-24-16,0 0 0,25 24 15,-25-24-15,25 25 0,-25-25 16,0 24-16,1-24 15,-1 25-15,25-25 0,-50 24 16,26-24-16,-1 24 16,0-24-16,0 25 0,-24-25 15,25 0-15,-1 24 0,0-24 16,-24 25-16,24-25 16,-24 24-16,0-24 0,0 0 15,0 25-15,-1-25 16,1 24-16,0-24 0,0 0 15,0 24-15,0-24 0,0 25 16,-1-25-16,1 24 16,0-24-16,0 0 0,0 25 15,-25-25-15,25 0 0,-25 24 16,1-24-16,-1 0 16,25 0-16,-24 25 0,-1-25 15,25 0-15,-25 24 16,1-24-16,23 24 0,-23-24 15,24 0-15,-25 0 16,1 25-16,-1-25 16,0 0-16,1 0 31,-25 24-15,24-24-1,1 0 1,-1 0-1,1 0 17,-25-24 30</inkml:trace>
+  <inkml:trace contextRef="#ctx0" brushRef="#br0" timeOffset="41745">22909 1076 0,'-25'0'15,"1"0"1,24 24 15,24-24-15,-24 24-16,25-24 16,23 25-16,-23-25 0,-1 24 15,25 1-15,-24-1 0,23 0 16,-23-24-16,-1 25 15,1-1-15,-1 1 0,1-1 16,-1-24-16,0 25 16,1-1-16,-25 0 15,0 1-15,-25-25 16,1 24 0,0 1-16,-1-1 15,1 1 1,-1-1-1,25 0 1,-24-24 0,24 25-16,-25-1 31,1-24-15,0 0-16,-1 25 0,1-25 15,-1 0-15,1 0 16,-25 0-16,0 24 0,25-24 15,-25 0-15,24 0 0,1 0 16,-25 0-16,25 0 16,-1 24-16,1-24 15</inkml:trace>
+  <inkml:trace contextRef="#ctx0" brushRef="#br0" timeOffset="51836">25375 978 0,'0'-25'0,"-24"1"15,-1 24 1,25-24-16,-24 24 15,0-25-15,-1 25 16,1-24-16,-25 24 0,25 0 16,-25-25-16,0 25 15,0 0-15,0 0 0,0 0 16,-24 0-16,0 0 0,24 0 16,-24 0-16,-1 25 15,1-1-15,0 1 0,24-1 16,-24 25-16,-1-25 15,26 1-15,-26 24 0,25-25 16,-24 25-16,24-25 0,1 25 16,-1 0-16,24-25 15,-24 25-15,25 0 0,-25 0 16,25-25-16,-1 25 16,1 24-16,-1-24 0,1 0 15,0 0-15,24 0 0,0 0 16,0 24-16,0-24 15,0 0-15,24-1 0,0 26 16,25-25-16,0-1 16,0 1-16,0 0 0,0 0 15,24 0-15,-24-25 0,24 25 16,-24-25-16,0 25 16,24-24-16,-24-1 0,24 1 15,-24-1-15,24 0 16,1-24-16,-26 25 0,26-25 15,-1 0-15,0 24 0,-24-24 16,24 0-16,1 0 16,23 0-16,-23 0 0,-1 0 15,24-24-15,-23-1 16,23 25-16,-23-24 0,23 0 16,1-1-16,-25 1 0,25-25 15,-25 24-15,1-23 16,-26-1-16,1 0 0,0 0 15,0 0-15,0 0 16,-25 1-16,1-26 0,-1 1 16,-24 24-16,25-24 0,-25 0 15,0 24-15,0-25 16,0 1-16,0 24 0,0 1 16,-25-1-16,1 0 0,-1 0 15,1 25-15,-1-1 16,-23-24-16,-1 25 0,0-1 15,-24 1-15,24 24 16,-24-24-16,-1-1 0,1 1 16,0 24-16,24-25 15,0 25-15,0 0 0,0 0 16,0 0-16,25-24 0,0 24 16,-1 0-1,1 0-15,-1 0 16,1 0 15,24-24-31,-25 24 16</inkml:trace>
+  <inkml:trace contextRef="#ctx0" brushRef="#br0" timeOffset="52540">24252 1076 0,'24'0'31,"1"0"-15,-1 0-1,1 0-15,-1 0 16,0 0-16,1 24 0,-1-24 16,25 24-16,0 1 15,0-1-15,0 25 0,0-25 16,-1 25-16,1-24 0,0 24 15,0-1-15,0 1 16,0 0-16,-25 24 0,25-24 16,-25 0-16,25 24 15,-24-24-15,23 24 0,-23-24 16,-1 0-16,25 24 0,-25-24 16,1-24-16,-1 24 15,1-25-15,-25 0 0,24 1 16,1-1-16,-25 1 15,0-1-15,24-24 16,-24-24 31,24 24-31,-24-25-16,0 1 15</inkml:trace>
+  <inkml:trace contextRef="#ctx0" brushRef="#br0" timeOffset="53127">25546 1246 0,'-24'-24'0,"-1"48"31,25 1-16,-24-1-15,0-24 16,-1 25-16,-24 24 16,0-25-16,25 0 0,-25 25 15,0 0-15,1 0 16,-1-25-16,0 25 0,0 0 16,0 0-16,0 0 0,0 0 15,1-1-15,-1 1 16,0-24-16,25 24 0,-25-25 15,24 0-15,1 1 16,-1-1-16,1 1 0,0-25 16,-1 24-16,1 1 0,-1-25 15,25 24-15,-24 0 16,24 1 0,0-1 15,-25-24 31</inkml:trace>
+  <inkml:trace contextRef="#ctx0" brushRef="#br0" timeOffset="55498">11503 9208 0,'0'-24'16,"0"0"0,24 24-1,-24-25 1,25 25-16,-25-24 31,-25 24-31,1 0 16,0 0-16,-25 24 15,24-24-15,-24 25 16,1-1-16,23 0 0,-24-24 16,25 25-16,0-1 0,-1 1 15,25-1-15,0 1 16,0-1-16,25 0 0,-1-24 15,0 25-15,25-1 16,0 1-16,0-1 0,0-24 16,0 24-16,-1 1 15,-23-1-15,24-24 0,-25 25 16,-24-1-16,0 1 16,-24-1-16,-1-24 15,1 24-15,-25-24 0,25 0 16,-25 25-16,0-25 15,24 0-15,-23-25 0,23 25 16,1 0-16,-1-24 0,25 0 16,25 24-1</inkml:trace>
+  <inkml:trace contextRef="#ctx0" brushRef="#br0" timeOffset="55868">11918 9306 0,'25'-24'16,"-50"24"31,25 24-47,0 0 15,-24 1-15,24-1 16,0 1-16,0 24 15,24-25-15,1 0 0,-25 1 16,24-1-16,0 1 16,1-25-16,24 24 0,-25-24 15,1 0-15,23-24 0,-23 24 16,24-25-16,-25 1 16,1-1-16,-1-23 0,-24 23 15,0 1-15,0-25 16,0 24-16,0 1 0,0 0 15,-24-1-15,-1 1 0,1-1 16</inkml:trace>
+  <inkml:trace contextRef="#ctx0" brushRef="#br0" timeOffset="56325">12504 9037 0,'0'-24'16,"0"0"-1,0 48 1,0 0 0,25 1-16,-25-1 15,0 1-15,24 24 16,-24-1-16,0-23 0,0 24 15,0 0-15,0-25 16,0 25-16,0-25 0,0 1 16,0-1-16,0-48 31,0-1-15,0 1-16,25-1 15,-25 1-15,24 0 0,0-1 16,1 1-16,24-1 15,-25 25-15,25 0 0,-25 0 16,1 0-16,24 25 0,-25-1 16,1 1-16,-25-1 15,0 25-15,0-25 0,0 25 16,-25-25-16,1 1 16,-1-1-16,1 1 0,-25-25 15,25 0-15,-25 0 0,24 0 16,1-25-16,-1 1 15,25-1-15</inkml:trace>
+  <inkml:trace contextRef="#ctx0" brushRef="#br0" timeOffset="56662">13066 9233 0,'0'24'0,"0"1"16,25-25-1,-1 0 1,0 0 0,1 0-16,-1 0 0,25 0 15,-24 24-15,-1-24 0,25 25 16,-25-25-16,-24 24 16,25 0-16,-25 1 0,0-1 15,-25-24 1,1 0-16,-1 0 15,1 0-15,24-24 16,0-1 0,0 1-16,0 0 0,24-1 15,1 1-15,-1-1 16,1 25-16,-1-24 16,0 24-16</inkml:trace>
+  <inkml:trace contextRef="#ctx0" brushRef="#br0" timeOffset="56949">13896 9282 0,'25'0'0,"-25"-25"16,0 1 0,-25 24-1,1 0-15,24-25 16,-24 25-16,-1 0 0,1 0 15,-1 25-15,1-1 16,0-24-16,-1 25 0,1-1 16,-1 1-16,25-1 15,0 25-15,0-25 0,0 1 16,25-1-16,24 25 0,-25-49 16,25 24-16,0 1 15,24-25-15,-24 0 0,0 0 16,-1 0-16,1-25 15,-24 1-15</inkml:trace>
+  <inkml:trace contextRef="#ctx0" brushRef="#br0" timeOffset="57249">14434 9355 0,'0'24'15,"0"1"1,24-25 15,1 0-15,-1 0 0,1 0-16,23-25 0,-23 25 15,24 0-15,-25 0 0,0 0 16,1 0-16,-1-24 15,1 24-15,-50 24 32,1-24-17</inkml:trace>
+  <inkml:trace contextRef="#ctx0" brushRef="#br0" timeOffset="57669">14751 9624 0,'0'24'16,"0"0"-16,0-48 47,25 24-32,-1 0-15,1-24 16,23 24-16,-23-25 0,24 25 16,-25-24-16,25 24 0,-25 0 15,1 0-15,-1-25 16</inkml:trace>
+  <inkml:trace contextRef="#ctx0" brushRef="#br0" timeOffset="58150">15362 9233 0,'0'-25'16,"-25"25"-1,1 25 17,24-1-17,0 1-15,24-1 16,-24 0-16,0 1 16,0-1-16,25 1 0,-25-1 15,24 1-15,1-25 0,-1 24 16,1-24-16,-1 24 15,25-24-15,-25 0 0,1 0 16,24-24-16,-25 24 16,0-24-16,1-1 0,-25 1 15,24-1-15,-24-24 0,25 25 16,-25 0-16,0-1 16,0 1-16,0-1 0,0 74 31,0-24-16,0 23-15,24 1 0,-24 25 16,25-26-16,-25 26 16,24-1-16,0-24 0,1 24 15,-25-24-15,24 0 16,-24 0-16,0-25 0,0 1 16</inkml:trace>
+  <inkml:trace contextRef="#ctx0" brushRef="#br0" timeOffset="59399">11967 10210 0,'0'-25'0,"25"25"15,-25-24-15,0-1 16,0 50 15,-25-1-31,1 1 0,-1 24 16,-24-1-16,-24 26 15,0-1-15,0 25 0,-25-1 16,-24 1-16,24 0 0,0-1 16,1-23-16,-1 23 15,25-23-15,-1-1 0,26-24 16,-1 24-16,0-24 15,25-25-15,-1 1 0,1-1 16,24 1-16,-25-25 0,25 24 16,-24-24-1,24-24 1,0-1 0</inkml:trace>
+  <inkml:trace contextRef="#ctx0" brushRef="#br0" timeOffset="59751">10551 11260 0,'0'-25'0,"0"1"15,0 0 1,24 48 31,-24 0-47,0 1 15,0 24-15,0-25 0,-24 25 16,24 0-16,-25 0 16,25 0-16,-24-1 0,24 1 15,0-24-15,-25 24 16,25-25-16,0 0 0,0 1 16,25-1-16,-1 1 0,1-25 15,-1 0-15,0 0 16,25 0-16,-24 0 0,23-25 15,1 25-15,0-24 0,0 24 16,0-25-16,0 25 16,-25 0-16,1 0 0,-1 0 15</inkml:trace>
+  <inkml:trace contextRef="#ctx0" brushRef="#br0" timeOffset="60327">10135 12408 0,'-24'0'16,"24"24"46,0 1-62,24-25 16,-24 24-16,0 1 15,25-25-15,-25 24 0,24 0 16,1-24-16,-1 0 0,0 0 16,1 0-16,24-24 15,-25 24-15,25-24 0,-25-1 16,1 25-16,-1-24 16,1-1-16,-25 1 0,0-1 15,0 1-15,0 0 0,-25 24 16,-24-25-16,25 1 15,-25 24-15,-24 0 0,24 24 16,-24 1-16,24-1 16,0 0-16,0 25 0,0-24 15,25 24-15,24-1 0,0 1 16,0 0-16,24 0 16,1 0-16,-1-25 0,25 25 15,0-25-15,0 1 16,0-25-16,-1 0 0,26 0 15,-25 0-15</inkml:trace>
+  <inkml:trace contextRef="#ctx0" brushRef="#br0" timeOffset="60712">10673 12457 0,'0'-49'16,"0"24"-16,0 1 0,-25 0 15,25 48 16,0 0-15,0 1-16,25-1 0,-25 25 16,0-24-16,0 23 0,0 1 15,0-24-15,0 23 16,0-23-16,0-1 0,0 1 16,-25-25-1,25-25 1,0 1-16,0-25 0,25 0 15,-25 0-15,24 1 16,1-1-16,-1 0 0,0 24 16,25-23-16,0 23 0,-25 25 15,25 0-15,-24 0 16,24 0-16,-25 25 0,25 23 16,-49-23-16,24 24 15,-24-25-15,0 25 0,0 0 16,0-25-16,-24 1 15,24-1-15,-25 0 0,25 1 16</inkml:trace>
+  <inkml:trace contextRef="#ctx0" brushRef="#br0" timeOffset="61210">11625 12579 0,'49'0'16,"-25"-25"-16,1 25 15,-1-24-15,-24-1 16,-24 1-16,-1 0 16,1-1-16,-25 25 15,25-24-15,-25 24 0,24-25 16,-23 25-16,23 0 16,1 0-16,-1 0 0,1 25 15,-1-25-15,1 24 0,0 1 16,24-1-16,-25 25 15,25-25-15,0 1 0,25 24 16,-25-25-16,24 0 16,0 1-16,1-1 0,24-24 15,-25 25-15,1-25 0,23 0 16,-23-25-16,24 1 16,-25-1-16,25-23 0,-25 23 15,1-48-15,-25 24 16,24-24-16,-24 24 0,25-24 15,-25-1-15,0 26 0,24-1 16,-24 0-16,0 24 16,25 25-16,-25 25 15,0-1-15,0 25 16,0 0-16,24 0 0,-24 24 16,0-24-16,24 24 0,-24-24 15,0 0-15,25 0 16,-25 0-16,0-25 0,0 0 15</inkml:trace>
+  <inkml:trace contextRef="#ctx0" brushRef="#br0" timeOffset="63663">24643 6913 0,'24'0'16,"-24"24"31,24 0-1,1-24-14,-25 25-17,24-25 17,1 24-1,-1-24-16,1 0 17,-25 25-32,24-25 15,0 24-15,1 1 16,24-1-16,-25 25 16,25 0-16,0 24 0,24-24 15,-24 48-15,24-23 16,25 23-16,-25-23 0,0 23 15,1-23-15,-1-1 16,0 0-16,1 1 0,-26-26 16,26 1-16,-26 0 0,-23-25 15,24 25-15,-25-24 16,25-1-16,-25 1 0,-24-1 16,25 0-16,-1 1 15,-24-1-15,25 1 0,-25-1 16,24-24-16,-24 25 0,25-1 31,-25-48 0,0-1-15,-25 25-16,1-24 0,24-25 16,-25 24-16,1-23 15</inkml:trace>
+  <inkml:trace contextRef="#ctx0" brushRef="#br0" timeOffset="64269">26279 7255 0,'0'-25'0,"0"1"16,0-1-16,0 1 0,0-1 16,0 1-1,-24 24 32,24 24-47,-25-24 16,25 25-16,-24 24 15,-25-25-15,24 25 0,-23 0 16,-26 24-16,25-24 16,-24 24-16,0 0 0,0 1 15,-1-25-15,1 24 0,-25 0 16,25-24-16,0 24 16,24-24-16,-24 0 0,24 0 15,0 0-15,25-1 16,-25 1-16,24-24 0,1-1 15,0 25-15,24-25 0,-25 1 16,1-1-16,24 1 16,-25-1-16,25 1 0,0-1 15,-24-24 1,24 24-16,0 1 31,0-50 32</inkml:trace>
+  <inkml:trace contextRef="#ctx0" brushRef="#br0" timeOffset="73912">1050 8085 0,'-24'0'15,"-1"0"1,25-24-16,-24 24 16,-1 0-1,50 0 32,-1-25-31,1 25-16,23-24 15,1-1-15,24 1 0,25-1 16,-25 1-16,25 0 16,24-25-16,-24 24 0,0 1 15,-25 24-15,0-25 0,-24 25 16,0 0-16,-25-24 15,1 24-15,-1 0 0,-48 0 32,-1 0-32,25 24 15,-24-24-15,-1 0 16,1 0-16,0 0 0,-1 0 16,-24 0-16,25 0 0</inkml:trace>
+  <inkml:trace contextRef="#ctx0" brushRef="#br0" timeOffset="74350">1490 7938 0,'-25'0'0,"25"25"94,0-1-78,0 1-1,0-1-15,0 0 0,0 25 16,0-24-16,0 24 15,0-1-15,0 26 0,25-25 16,-25-1-16,24 1 0,-24 0 16,24 0-16,-24 0 15,25 0-15,-25-25 0,24 1 16,-24-1-16,25 0 0,-25 1 16,0-1-1,24-24-15,-48-24 47,24-1-31</inkml:trace>
+  <inkml:trace contextRef="#ctx0" brushRef="#br0" timeOffset="75003">2931 7914 0,'0'-24'16,"0"-1"0,0 1-1,0-1 1,-25 1 15,1 24-31,-1 0 0,1 24 16,-25 1-16,25-1 0,-25 1 15,0-1-15,0 25 16,25 0-16,-25 0 0,0-1 16,25 1-16,-1 24 0,25-24 15,0 0-15,0 24 16,0-24-16,25 0 0,-1-24 15,25 23-15,-25 1 16,25-24-16,0-1 0,0-24 16,0 0-16,-1 0 15,1 0-15,25 0 0,-26 0 16,1-24-16,-24-1 0,23 1 16,-23-1-16,-1 25 15,25-24-15,-49 0 0,25 24 16,-1-25-16,-24 1 15,-24 24 32</inkml:trace>
+  <inkml:trace contextRef="#ctx0" brushRef="#br0" timeOffset="75465">3810 8012 0,'-25'0'16,"1"0"-16,48 0 46,25 0-30,-24 0-16,-1 0 16,25-25-16,0 25 0,0 0 15,-1-24-15,1 24 16,0 0-16,0-25 0,-25 25 16,1 0-16,-1-24 0,1 24 15,-50 0 32</inkml:trace>
+  <inkml:trace contextRef="#ctx0" brushRef="#br0" timeOffset="75951">4787 7548 0,'-25'24'16,"1"-24"-16,24 24 31,24-24-31,-24 25 0,25-1 16,-1 25-16,-24-24 15,25 23-15,-1 1 0,-24 0 16,24 0-16,1 24 0,-25-24 16,24 0-16,-24 0 15,0 0-15,0-1 0,0-23 16,0 24-16,0-25 0,0 1 16,0-1-16,0 0 15,0 1-15,25-25 16,-1 0-1,0-25-15,25 1 16,-24 24-16,24-24 0,-1-1 16,26 1-16,-25-1 15,-1 25-15,1-24 0,0 24 16,0 0-16,-25 0 16,1 0-16,-1 0 0,-24-25 46,-24 25-46</inkml:trace>
+  <inkml:trace contextRef="#ctx0" brushRef="#br0" timeOffset="76444">5593 7697 0,'0'-24'15,"0"-1"-15,0 50 63,0-1-63,0 1 16,0-1-16,0 0 0,0 25 15,24-24-15,-24 24 16,24 24-16,1-24 0,-1-1 15,25 1-15,-24 0 16,23-24-16,1 23 0,25-23 16,-26-25-16,1 24 0,0-24 15,0 0-15,0-24 16,0-1-16,0 1 0,-1 0 16,-23-1-16,-1-24 0,1 0 15,-25 1-15,0-1 16,0-24-16,0 24 0,-25-25 15,1 26-15,-1-26 16,1 25-16,0 1 0,-1 23 16,1-24-16,24 25 15,-25 24-15,1-24 0,-1 24 16,25 24 15,0 0 0</inkml:trace>
+  <inkml:trace contextRef="#ctx0" brushRef="#br0" timeOffset="77253">6741 7474 0,'-25'0'15,"1"0"-15,-1 0 16,25-24-16,-24 24 16,24 24 30,0 1-46,0-1 0,0 1 16,24 23-16,-24 1 16,25 0-16,-25 0 0,24 0 15,1 0-15,-25 24 0,24-24 16,0 0-16,1 0 16,24-1-16,-49 1 0,24-24 15,0-1-15,1 0 16,-1-24-16,1 0 0,-1 0 15,-24-24-15,25 24 16,-25-49-16,24 25 16,-24-25-16,24 0 0,-24 0 15,0 0-15,25 1 16,-25-1-16,24 24 0,-24-24 16,0 25-16,25 0 0,-25-1 15,24 25-15,1 0 16,-1 0-1,0 25 1,25 23-16,-24 1 16,-1-24-16,25-1 0,-25 25 15,1-25-15,-1 1 16,25 24-16,-24-25 0,-1-24 16,0 25-16,25-25 15,-24 0-15,23 0 0,-23 0 16,-1-25-16,25 1 0,-24-25 15,-1 24-15,0-23 16,1-1-16,-25-25 0,24 26 16,-24-1-16,0-25 0,-24 1 15,-1 24-15,25 0 16,-24 1-16,0-1 0,-1 24 16,1 1-16,-1 0 15,1-1-15,-1 25 0,25-24 16,-24 24-16,0 0 15,24-25-15,-25 25 16,25 25 15,-24-25-31</inkml:trace>
+  <inkml:trace contextRef="#ctx0" brushRef="#br0" timeOffset="82841">4323 9037 0,'0'-24'31,"24"24"-31,-48 24 31,-25 1-15,24-1-16,-23 1 15,-26 24-15,1-1 16,0 1-16,-25 25 0,0-1 16,1 0-16,-25 0 0,-1 1 15,26 23-15,-25-23 16,-1-1-16,26 24 0,-1-23 16,0-1-16,1 0 15,48-24-15,0 0 0,0 0 16,25 0-16,-1-25 0,25 1 15,-24-1 1</inkml:trace>
+  <inkml:trace contextRef="#ctx0" brushRef="#br0" timeOffset="83190">2515 9941 0,'0'-24'0,"0"-1"16,0 1-16,-24 24 31,24 24-31,-25 1 0,25-1 16,-24 1-16,0-1 16,24 25-16,-25 0 0,1-25 15,24 25-15,-25 0 0,1 0 16,24-25-16,-24 25 15,24-25-15,0 1 0,0-1 16,0 1-16,24-1 0,-24 0 16,24-24-16,1 25 15,24-25-15,-25 0 0,25 0 16,24 0-16,-24 0 16,0-25-16,24 25 0,0-24 15,-24 24-15,0 0 0,0-24 16,0 24-16</inkml:trace>
+  <inkml:trace contextRef="#ctx0" brushRef="#br0" timeOffset="83946">928 11284 0,'0'-24'0,"0"-1"16,0 1 0,0 0-16,0-1 15,0 50 16,-25-1-15,25 25-16,-24-25 0,24 25 16,-24 0-16,24 24 15,-25-24-15,25 24 0,0-24 16,-24 0-16,24 24 0,0-24 16,0 0-16,0-24 15,0 23-15,0-23 0,0-1 16,24-24-1,-24-24 1,0-25-16,25 25 0,-25-50 16,24 1-16,0 0 15,-24-25-15,25 25 0,-1-25 16,-24 0-16,25 1 0,-1 23 16,25-48-1,-25 73-15,1 25 0,-1 0 16,1 24-16,-1 0 15,0 24-15,1 0 0,-1 25 16,1 0-16,-1 0 0,1 24 16,-1 0-16,0 1 15,1 23-15,-1-23 0,1-1 16,-1 0-16,-24 1 16,25-26-16,-25 1 0,0 0 15,0 0-15,0-25 0,-25-24 16,1-24-1</inkml:trace>
+  <inkml:trace contextRef="#ctx0" brushRef="#br0" timeOffset="84198">952 11529 0,'-24'0'0,"-25"0"16,25 0-16,-1 0 15,25 24-15,25-24 31,-1 0-31,0 0 0,1 0 16,24 0-16,24-24 16,-24-1-16,24 25 0,-24-24 15,24-1-15,-24 1 16,24 24-16,-48-25 0,24 25 16,-25 0-16,0 0 0,-48 0 31,0 25-31,-25-25 0,24 24 15</inkml:trace>
+  <inkml:trace contextRef="#ctx0" brushRef="#br0" timeOffset="84905">2222 11162 0,'25'0'15,"-25"-24"-15,24-1 16,-24 1 0,-24 24-1,-1 0 1,1 0-1,-25 24-15,0 1 0,0-1 16,0 1-16,1 23 16,-1-23-16,24 24 0,-24 0 15,25 24-15,0-24 0,24 0 16,0 24-16,24-24 16,0 24-16,1-24 0,24 0 15,0 0-15,24-1 16,-24-23-16,24-1 0,-24 1 15,24-25-15,0 0 0,-24-25 16,25 25-16,-26-24 16,1-25-16,-24 25 0,-1-25 15,0 0-15,1 0 16,-25 25-16,0-25 0,0 24 16,-25 1-16</inkml:trace>
+  <inkml:trace contextRef="#ctx0" brushRef="#br0" timeOffset="85295">2955 11211 0,'0'-24'16,"-24"24"-16,24-25 16,0 1-16,0-1 31,0 50-15,0-1-1,24 1-15,-24-1 16,24 25-16,-24 0 0,0-25 15,25 49-15,-25-24 16,24 0-16,-24 0 0,25 24 16,-25-24-16,0 0 15,0 0-15,24-25 0,-24 25 16,0-24-16,0-1 16,0-48-1,0-1-15</inkml:trace>
+  <inkml:trace contextRef="#ctx0" brushRef="#br0" timeOffset="85636">3566 11089 0,'0'-24'16,"24"48"31,-24 0-31,0 1-16,0 24 0,24-25 15,-24 25-15,0 24 16,25-24-16,-25 0 0,0 24 15,24-24-15,-24 0 0,0 0 16,0 0-16,0-1 16,0-23-16,0-1 0,0 1 15,-24-25 1,24-25-16</inkml:trace>
+  <inkml:trace contextRef="#ctx0" brushRef="#br0" timeOffset="86053">3541 11236 0,'-24'-25'0,"-1"1"0,-24-1 15,49 1-15,-24-1 16,0 1-16,24 0 0,0-1 16,0 1-16,24-1 15,0 1-15,1 24 16,-1 0-16,25-25 0,0 25 15,0 0-15,24 25 16,0-1-16,-24-24 0,24 49 16,1-24-16,-1 23 0,0 1 15,-24 0-15,-24 0 16,23 0-16,-48 24 0,0-24 16,0 24-16,0-24 15,-24 24-15,-25-24 0,0 0 16,0 0-16,-24 0 15,24-1-15,-24 1 0,24-24 16,-24-1-16,24-24 0,0 25 16,25-25-16,-25 0 15,25 0-15,-1 0 0,1 0 16,24-25 0,0 1-1</inkml:trace>
+  <inkml:trace contextRef="#ctx0" brushRef="#br0" timeOffset="86850">391 12652 0,'-25'0'0,"1"0"15,24-24 1,24 24 0,1 0-1,23 0-15,-23 0 16,24 0-16,0-25 0,24 25 15,24 0-15,1 0 16,0-24-16,24 24 0,24-25 16,25 25-16,25-24 15,24-25-15,-1 25 0,50-1 16,-25 1-16,25-25 0,0 25 16,-1-1-16,-23-24 15,-26 25-15,1 24 0,-24-25 16,-50 1-16,1 24 15,-25-24-15,-49 24 0,0 0 16,-24 0-16,-24 0 0,-1 0 16,-24-25-16,24 25 15,1 0 17,-1 0-1,-48 0 0,-1 0-31,1 0 16</inkml:trace>
+  <inkml:trace contextRef="#ctx0" brushRef="#br0" timeOffset="87846">1074 12066 0,'0'-25'15,"25"25"-15,-25-24 16,24 24-16,1 0 16,-25 24-1,0 1-15,0-1 0,0 1 16,0 24-16,0 24 16,0-24-16,-25 24 0,25 25 15,0-25-15,0 0 0,0 25 16,-24-25-16,24 25 15,0 0-15,0-25 0,0 25 16,-25-25-16,25 0 16,0 25-16,-24-25 0,24 0 15,0 1-15,-24-26 16,24 26-16,0-26 0,-25 1 16,25-24-16,0 24 0,0-25 15,-24 0 1,24-48 15,0 0-31</inkml:trace>
+  <inkml:trace contextRef="#ctx0" brushRef="#br0" timeOffset="88391">781 13727 0,'0'24'31,"25"-24"-15,-1 0-1,-24 25 1,25-25-16,-1 24 16,-24 0-16,24-24 15,-24 25-15,25-1 16,-25 1-16,24-25 0,-24 24 15,25 0-15,-1 1 16,-24-1 0,25-24-16,-1 0 15,-24-24-15,24 24 16,-24-25-16,25 1 16,-1 0-16,-24-1 15,25 1-15,-1-1 0,1 1 16,-1 0-16,0-1 15,-24 1-15,25-1 0,-1 1 16,-48 24 15,-1 24-31,25 1 16,-24-1-16,24 1 16,-24-1-16,-1 0 0,25 1 15,-24-1-15,-1 1 0,25-1 16,-24-24-16,24 24 15,-25 1-15,25-1 16,-24-24-16,24 25 16,-24-25-16,24-25 31</inkml:trace>
+  <inkml:trace contextRef="#ctx0" brushRef="#br0" timeOffset="89045">2222 12286 0,'25'0'15,"-25"-25"1,24 25-1,1 25 17,-25-1-17,0 1-15,24-1 0,-24 0 16,24 25-16,1 0 0,-25 0 16,24 24-16,1 0 15,-1 1-15,-24-1 0,24 0 16,1 1-16,-25-1 0,24 25 15,1-25-15,-25 0 16,24 0-16,-24 1 0,25-1 16,-25-24-16,0 24 15,0-24-15,24 0 0,-24-25 16,0 25-16,0-25 16,0 1-16,-24-25 0,-1 0 15</inkml:trace>
+  <inkml:trace contextRef="#ctx0" brushRef="#br0" timeOffset="89323">2271 13580 0,'-24'25'16,"48"-1"30,1-24-46,-1 0 16,0 24 0,1-24-16,-1 25 15,1-25-15,-1 24 0,1 1 16,-1-25-16,25 24 16,-25 1-16,1-25 15,-1 0-15,0 0 16,1 0-1</inkml:trace>
+  <inkml:trace contextRef="#ctx0" brushRef="#br0" timeOffset="89574">2735 13653 0,'0'-24'15,"0"0"-15,25 24 16,-25-25-16,24 25 0,-24-24 16,24 24-16,-24 24 46,0 1-30,0-1-16,-24 0 0,0 1 16,24-1-16,-25 1 15,1-1-15,24 1 16,-25-1-16,25 0 16,-24-24-16,24 25 0,-25-25 31,25-25-16</inkml:trace>
+  <inkml:trace contextRef="#ctx0" brushRef="#br0" timeOffset="90263">3321 12335 0,'-24'0'0,"24"-25"16,-25 1 0,25 48 31,0 1-32,0-1-15,25 0 16,-1 1-16,-24 24 0,25 0 15,-1-1-15,25 26 16,-25-26-16,1 26 0,24-25 16,-25 24-16,1-24 0,-1 24 15,0 0-15,1-24 16,-1 24-16,-24-24 0,25 24 16,-1-24-16,0 25 0,-24-26 15,25 1-15,-25 0 16,24-24-16,-24 23 0,0-23 15,25-1-15,-25 1 16,24-25-16,-24-25 31,-24 25-31,24-24 16,-25-1-16</inkml:trace>
+  <inkml:trace contextRef="#ctx0" brushRef="#br0" timeOffset="90696">3639 13507 0,'-25'0'16,"25"24"31,25-24-47,-1 0 16,1 0-1,-1 0-15,1 25 0,-1-25 16,0 0-16,1 0 15,-1 0-15,1 24 0,-1-24 16,0 0-16,1 0 16,-1 0-16,1 0 15,-1-24-15,1 24 16,-25-25-16,0 1 16,0-1-1,-25 1 1,25 0-1,-24 24 17,24 24-17,-25 0 1,25 1 0,-24-1-16,24 1 0,-25-1 15,1-24-15,24 25 0,0-1 16,-24-24-16</inkml:trace>
+  <inkml:trace contextRef="#ctx0" brushRef="#br0" timeOffset="91272">4371 12041 0,'0'-24'0,"-24"0"15,24 48 17,0 0-32,0 25 15,0-24 1,0-1-16,24 25 0,1 0 15,-25-25-15,24 25 16,1 0-16,24 0 0,-25 0 16,0 24-16,1-24 0,24 0 15,-25-1-15,1 26 16,-1-25-16,25-1 0,-25 1 16,1 0-16,-1 0 15,1 0-15,-1 0 0,-24-25 16,24 25-16,1-25 0,-25 1 15,24-1-15,-24 1 16,25-1-16,-25 0 16,0-48 15,0 0-15</inkml:trace>
+  <inkml:trace contextRef="#ctx0" brushRef="#br0" timeOffset="91577">4542 13214 0,'-24'0'0,"24"24"32,24-24-32,1 0 15,-1 0-15,1 0 0,-1 0 16,1 0-16,23 0 15,-23 25-15,24-25 0,-25 0 16,1 24-16,23-24 16,-23 0-16,-1 24 0,25-24 15,-25 0-15,25 0 0,-24 25 16,24-25-16,-25 0 16,0 0-16,1-25 0,-1 25 15,1 0-15,-25-24 16,-25 0-1</inkml:trace>
+  <inkml:trace contextRef="#ctx0" brushRef="#br0" timeOffset="92040">5202 13018 0,'0'-24'0,"0"0"31,0 48 63,-25-24-79,25 24 1,-24 1-16,0-1 0,24 1 16,-25-1-16,1 0 0,-1 1 15,25-1-15,-24 1 16,24 24-16,0-25 0,-25 0 16,25 1-16,0-1 15,0 1-15,0-1 16,0 1-1,25-25 1,-25 24-16,0-48 31,0-1-15,0 1 0,0-1-16,0 1 15</inkml:trace>
+  <inkml:trace contextRef="#ctx0" brushRef="#br0" timeOffset="98489">366 14459 0,'0'-24'16,"0"-1"0,0 1 15,-24 24-16,-1 0 1,1 0-16,-1 24 16,1-24-16,-25 0 15,25 25-15,-1-1 0,1-24 16,-1 25-16,1-1 16,0 1-16,-1-1 0,1 0 15,24 25-15,0-24 0,0-1 16,0 25-16,0-25 15,24 1-15,-24-1 0,25 25 16,-1-24-16,0-25 16,1 24-16,-1 0 0,1-24 15,-1 0-15,1 0 0,23 0 16,-23 0-16,-1 0 16,1-24-16,-1 0 0,1 24 15,-1-25-15,0 1 16,-24-25-16,0 24 0,25 1 15,-25 0-15,0-25 0,0 24 16,-25 1-16,25-1 16,-24 1-16,24 0 0,-24-1 15,-1 1-15,1 24 16,-1-25-16,1 25 16,-1 0-16,1 0 0,0 0 15,-1 0 1,1 0-16</inkml:trace>
+  <inkml:trace contextRef="#ctx0" brushRef="#br0" timeOffset="99323">1026 14411 0,'-25'0'16,"25"-25"-1,-24 25-15,-1 0 16,1 0-1,-1 0 1,1 0-16,24 25 0,-24-25 16,24 24-16,-25-24 15,1 24-15,24 1 0,-25-25 16,1 24-16,24 1 16,-25-1-16,25 0 0,0 1 15,0-1-15,0 1 16,0-1-16,0 1 15,0-1-15,25 0 0,-1 1 16,1-1 0,-1 1-16,1-1 0,-1 1 15,0-25-15,1 24 16,-1-24-16,25 0 16,-24 0-16,-1 0 0,0-24 15,1 24-15,-1 0 16,-24-25-16,25 1 0,-1 24 15,-24-25-15,25 1 0,-1-1 16,-24 1-16,24 0 16,-24-1-16,0 1 0,0-1 15,0 1-15,0-1 16,0 1-16,0 0 0,-24-1 16,0 1-16,24-25 0,0 25 15,-25 24-15,25-25 16,-24 1-16,-1-1 15,1 25 1,-1 0 0,1 25-16,0-25 15,-1 0 1,1 0-16,24 24 16,-25-24-1,1 0 1</inkml:trace>
+  <inkml:trace contextRef="#ctx0" brushRef="#br0" timeOffset="99835">928 14386 0,'-25'0'63,"25"24"-63,0 1 15,-24-25-15,24 24 16,-24 1-16,24-1 15,-25 1-15,25-1 0,0 0 16,0 1-16,-24-1 16,24 1-16,0-1 0,0 1 15,0-1-15,-25 0 32,50-48 14,-1 0-46</inkml:trace>
+  <inkml:trace contextRef="#ctx0" brushRef="#br0" timeOffset="100199">1050 14386 0,'24'0'0,"-24"24"63,-24-24-63,24 25 15,-24-1-15,24 1 16,-25-1-16,25 1 15,-24-1-15,24 0 16,-25 1-16,25-1 0,0 1 16,-24-1-16,24 1 15,0-1-15,0 0 0,-25-24 16,25 25-16,0-1 16,0 1-1,25-25 16</inkml:trace>
+  <inkml:trace contextRef="#ctx0" brushRef="#br0" timeOffset="100577">1148 14484 0,'0'24'47,"0"1"-31,0-1-1,-25 0 1,25 1-16,0-1 15,-24 1-15,24-1 0,0 1 16,-25-25-16,25 24 16,0 0-16,0 1 0,0-1 15,0 1-15,0-1 16</inkml:trace>
+  <inkml:trace contextRef="#ctx0" brushRef="#br0" timeOffset="102648">220 14630 0,'24'0'47,"0"0"15,-24 25-46,0-1 15,25-24-15,-25 25-1,24-25-15,-24 24 16,25 0-16,-1 1 31,1-1-15,-25-48 15,0-1-15,0 1-1,0 0-15,24 24 16,-24-25-16,0 1 0,24-1 15,-24 1-15,25-1 16,-25-23-16,24 23 0,1-24 16,-1 25-16,-24-1 15,25-23-15,-1 23 0,0 25 16,-24-24-16,25-1 0,-1 25 16</inkml:trace>
+  <inkml:trace contextRef="#ctx0" brushRef="#br0" timeOffset="157929">18806 10381 0,'0'-25'0,"0"1"16,24 24 0,-24-25-16,24 25 0,-24-24 15,25 0-15,-25-1 31,24 25-31,-48-24 32,-1 24-32,1 0 15,0 24-15,-25-24 16,24 25-16,-24-1 0,1 0 16,-1 1-16,24-1 0,-24 25 15,1 0-15,23-25 16,1 25-16,-1 0 0,25 0 15,-24 0-15,24 0 0,0-25 16,0 25-16,24-25 16,1 1-16,-1-1 0,25 1 15,0-1-15,0 0 16,0-24-16,-1 0 0,1 0 16,0 0-16,0 0 0,0-24 15,-25 0-15,1-1 16</inkml:trace>
+  <inkml:trace contextRef="#ctx0" brushRef="#br0" timeOffset="158379">19294 10430 0,'0'-25'16,"-24"25"15,-1 0-15,1 25-16,24-1 15,-25 0-15,1 1 16,-1-1-16,25 1 0,-24 24 16,0-25-16,24 25 15,0-25-15,0 1 0,0-1 16,0 0-16,24 1 0,0-1 15,-24 1-15,25-25 16,24 0-16,-25 0 0,1 0 16,23 0-16,-23-25 15,-1 1-15,1-1 0,-1 1 16,-24 0-16,0-1 16,0-24-16,0 1 0,-24 23 15,24-24-15,-25 25 0,1-25 16,-1 25-16,1-1 15,0 25-15,-1 0 16,25 25 0,0-1-1,0 0-15</inkml:trace>
+  <inkml:trace contextRef="#ctx0" brushRef="#br0" timeOffset="159148">19734 10478 0,'0'-24'0,"24"24"15,-24-24 1,0 48 31,-24-24-32,24 24-15,0 1 0,-25-1 16,25 1-16,0-1 16,-24 25-16,24-25 0,0 25 15,0-24-15,-25-1 16,25 0-16,0 1 0,0-1 16,0 1-16,25-25 31,-25-25-16,0 1-15,0-1 16,0 1-16,0 0 0,0-25 16,0 24-16,0-24 0,0 1 15,0-1-15,24 0 16,-24 0-16,25 0 0,-1 25 16,0 24-16,1-25 15,-1 25-15,1 25 0,-1-25 16,1 24-16,-1 1 0,-24 24 15,24-25-15,-24 25 16,25-25-16,-25 25 0,0-25 16,0 1-16,0-1 15,24 1-15,-24-1 0,0 1 16,0-1-16,0-48 31,0-1-15,0 1-16,25-1 15,-1 1-15,-24-25 0,25 0 16,-1 0-16,0 1 0,1 23 16,-1 1-16,1-25 15,-1 49-15,-24-25 0,24 25 16,1 25-16,-25-1 0,24-24 16,-24 25-16,0 24 15,25-25-15,-25 0 0,0 25 16,0-24-16,0 23 15,0-23-15,0-1 0,0 1 16,0-1-16,0 1 16,0-1-16,0 0 15</inkml:trace>
+  <inkml:trace contextRef="#ctx0" brushRef="#br0" timeOffset="159916">20588 10405 0,'25'-24'0,"-25"-1"0,24 1 15,-24-1-15,0 1 16,25 24-16,-25 24 31,0 1-15,0-1-16,0 1 15,0 24-15,-25-25 0,25 25 16,0-25-16,0 25 16,0-25-16,0 1 0,-24 24 15,24-25-15,0 1 16,0-1-16,0-48 47,0-1-32,0 1 1,0-25-16,0 24 0,0-23 16,0-1-16,24 0 0,-24 0 15,25 0-15,-25 0 16,24 25-16,-24-25 0,25 49 16,-25-24-16,24 24 0,0 0 15,-24 24 1,25 1-16,-25-1 0,0 0 15,24 25-15,-24-24 16,25 24-16,-25-1 0,0-23 16,24-1-16,-24 25 15,0-25-15,0 1 0,0-1 16,0 1-16,0-1 16,0-48 30,0-1-46,0 1 0,25-1 16,-25-23-16,24-1 0,0 0 16,1 25-16,-1-25 15,25 0-15,-25 24 0,1 1 16,-1 0-16,1 24 0,-1 0 16,1 24-16,-1 0 15,-24 25-15,0-24 16,0 24-16,0-25 15,0 25-15,0 0 0,0-25 16,0 25-16,0-25 0,0 1 16,0-1-16,0 1 15,0-1-15,0 0 0,0 1 16,0-50 15</inkml:trace>
+  <inkml:trace contextRef="#ctx0" brushRef="#br0" timeOffset="160251">21565 10307 0,'0'-24'15,"-24"24"-15,24 24 47,24-24-31,-24 25-16,0-1 15,0 1-15,25-25 16,-25 24-16,0 25 0,0-25 16,24 1-16,-24-1 0,0 1 15,0-1-15,0 1 16,25-1-16,-25 0 15,0 1 1,0-1-16,-25-24 16,25 25-16</inkml:trace>
+  <inkml:trace contextRef="#ctx0" brushRef="#br0" timeOffset="160612">22005 10307 0,'-24'0'0,"-1"0"0,1 0 16,-1 0-16,1 0 15,48 0 17,1-24-17,-1 24-15,25 0 0,-25-24 16,25 24-16,25-25 0,-26 25 16,1 0-16,0-24 15,0 24-15,0 0 0,-25-25 16,1 25-16,-1 0 15,-48 0 1,-1 0-16,1 25 0,-1-25 16,-24 0-16</inkml:trace>
+  <inkml:trace contextRef="#ctx0" brushRef="#br0" timeOffset="160810">22200 10259 0,'0'24'15,"0"0"16,0 1-31,0-1 16,0 1-16,0-1 16,0 1-16,0 23 0,0-23 15,25 24-15,-25 0 16,24-25-16,-24 25 0,25-25 16,-25 25-16,0-25 0,0 1 15,0-1-15,0 1 16</inkml:trace>
+  <inkml:trace contextRef="#ctx0" brushRef="#br0" timeOffset="161956">23348 10430 0,'0'-25'0,"0"1"16,0-1 0,0 1-1,-24 24-15,24-25 16,-25 25-1,25 25 17,0-1-32,25 1 0,-25-1 15,0 25-15,24 0 16,-24 0-16,0-1 0,25 1 16,-1 0-16,-24-24 0,24 23 15,-24-23-15,25-1 16,-25 1-16,24-25 0,-24 24 15,25-24 1,-25-24 0,24-1-16,-24 1 15,25-1-15,-25 1 16,24-25-16,-24 0 0,24 0 16,-24 25-16,25-25 0,-25 25 15,24-1-15,-24 1 16,25 48-1,-25 1 1,0 24-16,0-25 0,24 25 16,-24-25-16,25 1 0,-25 24 15,24-25-15,0 0 16,1 1-16,-1-1 0,1-24 16,-1 25-16,25-25 0,-25 0 15,1 0-15,24-25 16,-25 25-16,1-24 0,23-25 15,-48 25-15,25-25 16,-1 24-16,-24-24 0,0 1 16,0-1-16,-24 0 15,24 0-15,-25 25 0,1-1 16,0 1-16,-1 24 0,1 0 16,-1 0-16,1 0 15,-1 0-15,1 0 0,24 24 16,0 1-1</inkml:trace>
+  <inkml:trace contextRef="#ctx0" brushRef="#br0" timeOffset="162453">24496 10430 0,'0'24'0,"-24"0"47,-1-24-31,1 0-16,24 25 0,-25-1 15,1-24-15,0 49 0,-1-25 16,1 1-16,24 24 15,-25-25-15,25 25 0,0-25 16,0 1-16,25 24 16,-25-25-16,24 1 0,1-1 15,23-24-15,-23 24 0,24-24 16,-25 25-16,1-25 16,23 0-16,-23 0 0,-1-25 15,1 25-15,-25-24 16,24 0-16,-24-1 0,25-24 15,-25 0-15,0 25 0,0-25 16,0-24-16,-25 24 16,1 0-16,24 0 0,-25 25 15,1-25-15,-1 25 16,1 24-16,0-25 0,-1 25 16,1 25-1,24-1-15,0 1 16,0-1-16,0 0 15</inkml:trace>
+  <inkml:trace contextRef="#ctx0" brushRef="#br0" timeOffset="163438">25009 10405 0,'0'25'16,"24"-25"-1,1 24-15,-1 0 16,-24 1-16,25-25 16,-25 24-16,0 1 15,0-1-15,0 0 0,24 1 16,-24-1-16,0 25 15,0-24-15,0 23 0,0-23 16,0 24-16,0-25 0,0 1 16,0-1-16,0 0 15,0 1-15,0-1 0,0 1 32,0-50-17,0 1 1,0-1-1,0 1-15,0 0 16,0-25-16,0 24 16,-24-24-16,24 1 0,0 23 15,0-24-15,0 0 0,0 1 16,0 23-16,0-24 16,0 25-16,0-25 0,0 25 15,24 24-15,1-25 16,-1 1-16,25-1 15,-25 25-15,1 0 0,-1 0 16,25 0-16,-25 0 16,1 25-16,-1-25 0,1 24 15,-1 25-15,0-24 16,-24 23-16,0-23 0,0 24 16,-24-1-16,0-23 0,-1 24 15,1-25-15,-25 1 16,25-1-16,-25 0 0,0 1 15,24-25-15,1 24 16,-25-24-16,25 0 16,24-24 15,24 24-31,-24-25 0,25 1 16,-1 24-16,0 0 15,1 0-15,-1 0 0,1 0 16,24 0-16,-25 24 0,0-24 15,-24 25-15,25-1 16,-1 1-16,1-1 0,-1 25 16,0-25-16,1 1 15,-1-1-15,1 1 0,-1-1 16,1-24-16,23 25 16,-23-1-16,-1-24 0,1 0 15,-1 0-15,1-24 16,-25-1-16</inkml:trace>
+  <inkml:trace contextRef="#ctx0" brushRef="#br0" timeOffset="163714">25815 10527 0,'-24'-24'0,"24"-1"0,-25 25 15,25-24-15,0 0 16,0 48-1,25-24 1,-25 24-16,24 1 16,0-1-16,1 1 0,-1 23 15,25 1-15,-25-24 0,1 24 16,-1-1-16,-24-23 16,25 24-16,-1-25 0,-24 1 15,0-1-15,25 0 16,-25 1-16,0-1 15,0-48 1</inkml:trace>
+  <inkml:trace contextRef="#ctx0" brushRef="#br0" timeOffset="164121">26303 10454 0,'0'24'47,"-24"-24"-47,24 25 0,-24-1 15,-1-24-15,1 25 16,-1-1-16,-24 0 0,25 1 16,-25-25-16,0 24 0,25 1 15,-25-25-15,25 24 16,-1-24-16,50 25 31,-1-25-31,25 0 16,-25 0-16,25 24 0,0-24 15,0 24-15,0-24 16,0 25-16,-1-1 0,-23 1 16,-1-1-16,1 1 15,-1-1-15,1-24 0,-25 24 16,24 1-16,-24-1 0,24-24 15,-24 25-15,25-25 16,-25 24-16,0-48 16,24-1-1</inkml:trace>
+  <inkml:trace contextRef="#ctx0" brushRef="#br0" timeOffset="164337">26914 10845 0,'24'0'16,"1"0"-1,-1 0 1,-24-25-16,25 25 31</inkml:trace>
+</inkml:ink>
+</file>
+
+<file path=ppt/ink/ink92.xml><?xml version="1.0" encoding="utf-8"?>
+<inkml:ink xmlns:inkml="http://www.w3.org/2003/InkML">
+  <inkml:definitions>
+    <inkml:context xml:id="ctx0">
+      <inkml:inkSource xml:id="inkSrc0">
+        <inkml:traceFormat>
+          <inkml:channel name="X" type="integer" max="1920" units="cm"/>
+          <inkml:channel name="Y" type="integer" max="1080" units="cm"/>
+          <inkml:channel name="T" type="integer" max="2.14748E9" units="dev"/>
+        </inkml:traceFormat>
+        <inkml:channelProperties>
+          <inkml:channelProperty channel="X" name="resolution" value="55.81395" units="1/cm"/>
+          <inkml:channelProperty channel="Y" name="resolution" value="55.6701" units="1/cm"/>
+          <inkml:channelProperty channel="T" name="resolution" value="1" units="1/dev"/>
+        </inkml:channelProperties>
+      </inkml:inkSource>
+      <inkml:timestamp xml:id="ts0" timeString="2020-11-20T14:09:15.145"/>
+    </inkml:context>
+    <inkml:brush xml:id="br0">
+      <inkml:brushProperty name="width" value="0.05" units="cm"/>
+      <inkml:brushProperty name="height" value="0.05" units="cm"/>
+      <inkml:brushProperty name="fitToCurve" value="1"/>
+    </inkml:brush>
+  </inkml:definitions>
+  <inkml:trace contextRef="#ctx0" brushRef="#br0">98 73 0,'-24'0'47,"24"25"-31,-25-25-16,1 0 31,48 0 0,-24 24 407,0 1-407,0-50 16,0 1 0</inkml:trace>
+  <inkml:trace contextRef="#ctx0" brushRef="#br0" timeOffset="2613">25 98 0,'24'0'0,"-24"-25"31,0 50 32,0-1-48,0 1 1,-24-1-16,24 0 16,0 1-16,0-1 15,0 1-15,0-1 0,0 1 16,0-1-16,0 0 0,24 1 16,-24-1-16,0 1 15,25-1-15,-25 1 16,0-1-1,0 0 1,0 1 0,24-25 31,1 0-32,-1 0-15,0-25 16,1 25-16,-1 0 15,1 0-15,-1-24 0,1 24 16,-1 0-16,0 0 0,1 0 16,-1 0-1,1 0-15,-1 0 0,0 0 16,1 0-16,-1 0 16,1 0-16,-1-24 15,1 24 1,-25-25-1,24 25-15,0 0 16,-24-24 0,25 24-1,-25-25 1,-25 25 0,25-24-1,-24-1 1,24 1-16,-24 0 15,24-1-15,0 1 16,-25-1 0,25 1-16,0-1 0,-24 1 15,24 0 1,-25-1-16,25 1 0,0-1 16,-24 1-16,24-1 15,0 1 16,-25 24 94,1 0-109,0 0 15,-1 0-31,1 24 0,-1-24 16,1 0-16,0 0 16,-1 25-16,1-25 15,-1 0-15,1 0 0,-1 0 16,1 24-16,0-24 0,-1 0 15,1 0-15,-1 0 16,1 0 15,-1 0 1,25 25-17</inkml:trace>
+</inkml:ink>
+</file>
+
+<file path=ppt/ink/ink93.xml><?xml version="1.0" encoding="utf-8"?>
+<inkml:ink xmlns:inkml="http://www.w3.org/2003/InkML">
+  <inkml:definitions>
+    <inkml:context xml:id="ctx0">
+      <inkml:inkSource xml:id="inkSrc0">
+        <inkml:traceFormat>
+          <inkml:channel name="X" type="integer" max="1920" units="cm"/>
+          <inkml:channel name="Y" type="integer" max="1080" units="cm"/>
+          <inkml:channel name="T" type="integer" max="2.14748E9" units="dev"/>
+        </inkml:traceFormat>
+        <inkml:channelProperties>
+          <inkml:channelProperty channel="X" name="resolution" value="55.81395" units="1/cm"/>
+          <inkml:channelProperty channel="Y" name="resolution" value="55.6701" units="1/cm"/>
+          <inkml:channelProperty channel="T" name="resolution" value="1" units="1/dev"/>
+        </inkml:channelProperties>
+      </inkml:inkSource>
+      <inkml:timestamp xml:id="ts0" timeString="2020-11-20T14:09:21.257"/>
+    </inkml:context>
+    <inkml:brush xml:id="br0">
+      <inkml:brushProperty name="width" value="0.05" units="cm"/>
+      <inkml:brushProperty name="height" value="0.05" units="cm"/>
+      <inkml:brushProperty name="fitToCurve" value="1"/>
+    </inkml:brush>
+  </inkml:definitions>
+  <inkml:trace contextRef="#ctx0" brushRef="#br0">1247 82 0,'25'0'16,"-1"0"31,-24 25-31,0-1-1,24 1 1,-24-1-1,0 0-15,0 1 16,25-1-16,-25 1 16,0-1-1,0 0-15,0 1 16,24-1-16,-24 1 16,0-1-16,0 1 15,0-1-15,25-24 0,-25 24 16,0 1-16,24-1 15,-24 1-15,24-1 16,-24 1 15,25-25 32,-25 24-16,0 0 0,0 1-16,24-25-16,-24 24-15,0 1 32,0-1-17,0 0 1,-24-24 15,24 25-31,-25-25 16,1 0 15,0 0-31,-1 0 16,1 24-16,-1-24 15,1 0-15,0 25 16,-1-25-16,-24 24 0,25-24 16,-1 25-16,1-25 15,-25 24-15,25-24 0,-25 24 16,24-24-16,1 25 0,0-25 15,-25 24-15,24-24 16,1 25-16,0-25 0,-1 0 16,1 24-16,-1-24 15,1 25-15,-1-25 16,1 0-16,24 24 0,-24-24 16,-1 0-1,1 0 1,-1 0-1,1 0 1,-1 0 0,1 0 31,24-24-16,-24 24-16,24-25 1,-25 25-16,25-24 31,0-1-31,0 1 16,-24 24 0,24-25-16,0 1 0,-25 0 15,25-1-15,0 1 0,-24-25 16,24 24-16,0-23 15,-25 23-15,25 1 0,0-25 16,0 25-16,0-1 16,0 1-16,-24-1 0,24 1 15,0-1-15,0 1 0,-24 0 16,-1-1 0,25 1-16,-24 24 15,24-25-15,-25 25 16,1-24-16,24-1 31,0 1 0,-25 24 16,1 0-31,0 0 15,-1 0-15,1 0-16,-1 0 15,25 24 1,-24-24-16,0 25 16,24-1 15,0 1 0,0-1 0,0 1-31,0-1 16,0 0-16,24 1 16,-24-1-1,0 1-15,0-1 0,0 1 16,0-1-16,24 0 0,-24 1 15,0-1-15,0 25 16,25-25-16,-25 1 0,24 24 16,-24-25-16,25 1 15,-25 23-15,24-23 0,0-1 16,-24 1-16,25-1 0,-25 1 16,0-1-16,24 25 15,-24-25-15,0 1 0,0-1 16,0 1-16,0-1 15,25 0-15,-25 1 0,0-1 16,0 1 0,0-1-16,24 1 0,-24-1 15,0 0 1,0 1 0,0-1-16,0 1 15,0-1 1,0 0-16,0 1 15,25-25-15,-25 24 16,24-24 0,0 0-1,1 0-15,-1-24 16,1 24 0,-1-25-16,1 25 15,23 0-15,-23-24 16,24 24-16,-25-24 0,25 24 15,0-25-15,0 25 0,0-24 16,-1 24-16,1-25 16,24 25-16,-24-24 0,0 24 15,0-24-15,0 24 16,-25-25-16,25 25 0,0 0 16,-25-24-16,25 24 0,-24 0 15,23-25-15,-23 25 16,24 0-16,-25-24 0,25 24 15,-25 0-15,25 0 16,-24-25-16,-1 25 0,25 0 16,-25-24-16,1 24 0,-1 0 15,25-24-15,-24 24 16,-1-25-16,0 25 16,1 0-16,-1-24 15,1 24-15,-1-25 16,1 25-1,-1 0 1,-24-24-16,0-1 31,0 1-15,-24 24 0,24-24-1,-25 24-15,25-25 0,0 1 16,-24 24-16,24-25 15,0 1-15,0-1 0,-25 1 16,25 0-16,0-1 0,-24 1 16,24-1-16,0 1 15,0-1-15,0 1 0,-25 0 16,25-1-16,0 1 0,0-1 16,-24 1-16,0 0 15,24-1-15,-25 1 16,25-1-16,-24 1 15,-1-25-15,25 25 0,-24-1 16,24 1-16,-25-1 0,25 1 16,0-1-16,-24 1 15,24 0-15,0-1 16,0 1 0,-24-1-1,24 1-15,-25 24 16,25-24-1,-24-1-15,24 1 32,-25-1-32,25 1 31,0-1 0,0 1 16,-24 24 31,-1 0-62,1 0-1,0 0 1,-1 0-16,1 24 16,-1-24-16,1 0 0,-1 0 15,1 25-15,0-25 16,-1 0-16,1 0 16,-1 0 15,25 24-16</inkml:trace>
+</inkml:ink>
+</file>
+
+<file path=ppt/ink/ink94.xml><?xml version="1.0" encoding="utf-8"?>
+<inkml:ink xmlns:inkml="http://www.w3.org/2003/InkML">
+  <inkml:definitions>
+    <inkml:context xml:id="ctx0">
+      <inkml:inkSource xml:id="inkSrc0">
+        <inkml:traceFormat>
+          <inkml:channel name="X" type="integer" max="1920" units="cm"/>
+          <inkml:channel name="Y" type="integer" max="1080" units="cm"/>
+          <inkml:channel name="T" type="integer" max="2.14748E9" units="dev"/>
+        </inkml:traceFormat>
+        <inkml:channelProperties>
+          <inkml:channelProperty channel="X" name="resolution" value="55.81395" units="1/cm"/>
+          <inkml:channelProperty channel="Y" name="resolution" value="55.6701" units="1/cm"/>
+          <inkml:channelProperty channel="T" name="resolution" value="1" units="1/dev"/>
+        </inkml:channelProperties>
+      </inkml:inkSource>
+      <inkml:timestamp xml:id="ts0" timeString="2020-11-20T14:10:45.250"/>
+    </inkml:context>
+    <inkml:brush xml:id="br0">
+      <inkml:brushProperty name="width" value="0.05" units="cm"/>
+      <inkml:brushProperty name="height" value="0.05" units="cm"/>
+      <inkml:brushProperty name="fitToCurve" value="1"/>
+    </inkml:brush>
+  </inkml:definitions>
+  <inkml:trace contextRef="#ctx0" brushRef="#br0">79 471 0,'-24'-25'16,"0"25"-16,-1 0 15,25-24 1,-24 24-16,48 0 47,1 0-32,23 0 1,-23 0-16,24 0 0,24-25 16,0 1-16,25 24 0,0-24 15,24-25-15,24 24 16,-24 1-16,49-25 0,-24 25 15,-1-25-15,-23 24 16,-1 1-16,0-1 0,-25 25 16,-23-24-16,-1 0 0,-24 24 15,-25 0-15,1 0 16,-1 0-16,-48 0 31,-1 0-31,1 24 16,-1-24-16,1 24 0,0-24 15,-1 0-15</inkml:trace>
+  <inkml:trace contextRef="#ctx0" brushRef="#br0" timeOffset="450">641 471 0,'0'24'16,"25"-24"15,-1 0-16,0 0-15,25 0 0,0-24 16,24 24-16,1-25 0,23 1 16,25-1-16,1 1 15,-1 0-15,24-25 0,1 24 16,-25 1-16,24-25 16,-23 25-16,-26-1 0,1 25 15,0-24-15,-50-1 0,26 25 16,-50 0-16,1 0 15,-1-24-15,0 24 0,-48 0 47,0 0-15,24 24-32</inkml:trace>
+</inkml:ink>
+</file>
+
+<file path=ppt/ink/ink95.xml><?xml version="1.0" encoding="utf-8"?>
+<inkml:ink xmlns:inkml="http://www.w3.org/2003/InkML">
+  <inkml:definitions>
+    <inkml:context xml:id="ctx0">
+      <inkml:inkSource xml:id="inkSrc0">
+        <inkml:traceFormat>
+          <inkml:channel name="X" type="integer" max="1920" units="cm"/>
+          <inkml:channel name="Y" type="integer" max="1080" units="cm"/>
+          <inkml:channel name="T" type="integer" max="2.14748E9" units="dev"/>
+        </inkml:traceFormat>
+        <inkml:channelProperties>
+          <inkml:channelProperty channel="X" name="resolution" value="55.81395" units="1/cm"/>
+          <inkml:channelProperty channel="Y" name="resolution" value="55.6701" units="1/cm"/>
+          <inkml:channelProperty channel="T" name="resolution" value="1" units="1/dev"/>
+        </inkml:channelProperties>
+      </inkml:inkSource>
+      <inkml:timestamp xml:id="ts0" timeString="2020-11-20T14:10:37.816"/>
+    </inkml:context>
+    <inkml:brush xml:id="br0">
+      <inkml:brushProperty name="width" value="0.05" units="cm"/>
+      <inkml:brushProperty name="height" value="0.05" units="cm"/>
+      <inkml:brushProperty name="fitToCurve" value="1"/>
+    </inkml:brush>
+  </inkml:definitions>
+  <inkml:trace contextRef="#ctx0" brushRef="#br0">5495 2125 0,'0'-24'15,"0"48"48,0 0-63,0 1 15,0 24-15,0 0 16,0-1-16,0 26 0,0 23 16,24 1-16,-24 24 15,25-24-15,-25 24 0,24-24 16,1 24-16,-1-25 0,1 1 15,-1-25-15,0 1 16,1-25-16,-1-1 0,1 1 16,-1-24-16,-24-1 15,25 1-15,-25-1 0,24-24 16,-24 24-16,0-48 31,0 0 0,24 24-31,1 0 16,-1-25-16,25 25 0,-24 0 16,48-24-16,0 24 15,0-25-15,25 1 0,24-1 16,25 25-16,-1-24 0,25-25 16,0 25-16,25-1 15,-1 1-15,0-25 0,1 25 16,23-25-16,-23 24 15,-1 1-15,1-1 0,-25-23 16,0 23-16,-25 1 16,-24-1-16,0 1 0,-24-25 15,-25 25-15,1-1 0,-26 1 16,1-1-16,-24 1 16,-1 24-16,-24-24 0,0-1 15,0 1 1,-24-1-16,-1 25 0,1-24 15,-1-1-15,1 1 0,0 0 16,-1-1-16,1 1 16,-1-1-16,1 1 0,24-25 15,-25 0-15,25 0 0,0 1 16,0-1-16,0-25 16,-24 1-16,24 0 0,0 0 15,0-1-15,0-23 16,-24 23-16,24 1 0,0 24 15,0-24-15,0 24 0,-25 0 16,25 0-16,-24 25 16,24 0-16,-25-1 0,1 25 15,-1 0-15,1 0 16,0 0-16,-25 0 0,0 0 16,0 25-16,-24-1 0,24 0 15,-24-24-15,-1 25 16,1-1-16,-24-24 0,-1 25 15,0-1-15,-24-24 16,-25 25-16,1-1 0,-1 0 16,-24-24-16,0 25 0,1-1 15,-26 1-15,1 23 16,-1-23-16,1-1 0,0 1 16,-1-1-16,25 1 15,25-1-15,24-24 0,48 24 16,1-24-16,24 25 0,25-25 15,48 0 1,1 24-16,-1-24 0,25 0 16,0 0-16,0 0 15,-1 0-15,26 0 0,-25 0 16,-25 0-16,25 0 0</inkml:trace>
+  <inkml:trace contextRef="#ctx0" brushRef="#br0" timeOffset="366">6765 2003 0,'-24'0'16,"-1"0"-1,25 24-15,25-24 0,-1 25 16,1-1-16,23 1 0,26 23 16,-1 1-16,25 25 15,-25-1-15,25 0 0,-1 25 16,1-25-16,-25 25 16,25-1-16,0 1 0,-25 0 15,0-25-15,0 25 0,1-25 16,-25 0-16,-1 1 15,1-26-15,0-23 0,-25-1 16,1 1-16,-1-1 16,-24 1-16,0-50 15,-24 1 1</inkml:trace>
+  <inkml:trace contextRef="#ctx0" brushRef="#br0" timeOffset="785">7766 1856 0,'0'-24'16,"-24"24"-16,0 0 15,-1 24 1,25 25-16,-24 0 0,-1 0 16,1 24-16,-25 0 0,25 25 15,-1 0-15,1-1 16,-25 26-16,24-1 0,1 0 16,0-24-16,-25 24 15,24-25-15,1 25 0,24-24 16,-24-25-16,-1 1 0,25-1 15,-24 0-15,24-24 16,0 0-16,0-25 0,-25 25 16,25-24-16,0-1 15,0 0 1,0-48 15,25 0-31</inkml:trace>
+  <inkml:trace contextRef="#ctx0" brushRef="#br0" timeOffset="-51606">0 2589 0,'0'-24'15,"24"24"1,1 24 93,-25 0-93,24 1-16,-24-1 16,25 1-16,-25 24 15,0-25-15,24 25 0,-24-25 16,24 25-16,-24 0 0,25-25 16,-25 25-16,24 0 15,-24-25-15,0 25 0,0-24 16,25 24-16,-25-25 0,0 0 15,0 1-15,0-1 16,24 1-16,-24-1 16,0 1-1,25-25 17,-25-25-32,24 25 15,0 0-15,-24-24 0,25 24 16,24 0-16,-25-25 15,1 25-15,-1 0 0,25 0 16,-25-24-16,1 24 0,-1 0 16,0 0-16,1-25 15,-1 25-15,1 0 0,-1-24 16,1 24 0,-25-24 30,0-1-30,0 1 0,0-1-1,0 1-15,-25-1 16,25 1 0,0 0-16,0-1 0,-24 1 15,24-1-15,0-23 16,-25 23-16,25 1 0,-24-25 15,24 24-15,0 1 0,0 0 16,-25-1-16,25 1 16,0-1-16,0 1 0,0-1 15,0 1-15,0 0 16,0-1-16,0 1 16,0-1-1,-24 1-15,24 0 16,-24 24-16,24-25 15,-25 1 1,1 24 0,24-25-1,-25 25 1,1 0 0,0 0-1,-1 25-15,1-25 0,-25 0 16,24 24-16,1-24 15,0 0-15,-1 0 16,1 25-16,-1-25 0,1 0 16,-1 0-16,1 0 15,0 0-15,-1 0 16,25 24-16,-24-24 0,24 24 109,0 1-93,24-25 0,1 0-1</inkml:trace>
+  <inkml:trace contextRef="#ctx0" brushRef="#br0" timeOffset="-51060">757 2174 0,'0'-25'16,"0"50"15,24-25-15,-24 24-16,0 1 15,0-1 1,25-24-16,-25 25 16,0-1-1,24 0-15,-24 1 0,25-1 16,-25 1-16,24-1 15,-24 1-15,25-25 16</inkml:trace>
+  <inkml:trace contextRef="#ctx0" brushRef="#br0" timeOffset="-50718">1026 2687 0,'0'24'15,"24"-24"17,-24 25-17,24-1 16,-24 0-15,0 1 0,0-1-16,0 1 15,25-1-15,-25 1 16,0-1 0,24-24-16,-24 24 0,0 1 15,25-25-15,-25 24 16</inkml:trace>
+  <inkml:trace contextRef="#ctx0" brushRef="#br0" timeOffset="-50419">1245 3322 0,'0'24'0,"0"1"16,0-1 0,25-24-16,-25 24 31,0 1-31,0-1 16,0 1-1,24-1 1,-24 1-16,0-1 31</inkml:trace>
+  <inkml:trace contextRef="#ctx0" brushRef="#br0" timeOffset="-48810">1148 2345 0,'24'0'31,"-24"24"-15,0 1 0,0-1-1,0 0-15,25 1 16,-25-1-16,0 1 16,24-1-16,-24 1 0,0-1 15,24 25-15,-24-25 16,25 1-16,-25-1 0,0 1 15,24-1-15,-24 0 16,0 1-16,0-1 0,25-24 16,-25 25-16,0-1 15,24-24-15,-24 25 16,25-25 0,-25 24-16,0 0 15,24-24 16,-24 25-31,24-25 16,1-25 0,-1 25-1,1 0 1,-1-24-16,1 24 16,-1 0-16,0 0 15,1 0 1,-1 0-16,1 0 15,-1 0 1,1 0-16,-1 0 16,0 0-1,1-24 1,-25-1 15,0 1 0,0-1-15,-25 1 0,25-1-1,-24 1-15,24 0 16,0-1-16,-24 25 16,24-24-16,0-1 0,-25 1 15,25-1-15,0 1 0,0 0 16,-24-1-16,24 1 15,0-1-15,0 1 16,0-1-16,0 1 0,0 0 16,0-1-16,-25 1 15,25-1-15,0 1 16,0 0 0,0-1 15,0 1 16,0-1-16,-24 25 0,-1 0-15,1 0-1,0 0-15,-1 0 16,1 0 0,-1 0-16,1 25 15,-1-25 1,1 0-16,0 0 16,-1 0-1,1 24 1,-1-24-1,1 0 1,-1 0-16,1 0 16,0 0-1,24 25 48,24-25-63,-24 24 15,24-24 1</inkml:trace>
+  <inkml:trace contextRef="#ctx0" brushRef="#br0" timeOffset="-15963">1245 1270 0,'0'-24'0,"0"-1"47,-24 25-16,0 25 0,24-1-15,-25 1 0,25-1 15,0 0 16,-24-24-32,-1 0 64,25 25-64,-24-25 1,24 24-1,-25-24-15,25 25 32,0-1-1,0 1 94,-24-25-109,24 24-16,24-24 62,1 0-62,-1 0 16,1 0-1,-1 0-15,1 0 0,23 0 16,-23 0-16,-1 0 0,25 0 16,-24 0-16,-1 0 15,25 0-15,-25 24 0,25-24 16,0 0-16,-25 25 0,25-25 15,-24 24-15,24-24 16,-1 0-16,-23 25 0,24-25 16,-25 24-16,25-24 15,0 0-15,-25 25 0,25-25 16,-25 0-16,1 0 0,24 0 16,-25 0-16,1 24 15,-1-24-15,0 0 0,1 0 16,-1 0-1,1 0-15,-1 0 0,-24-24 16,24 24-16,1 0 16,-50 0 31,1 0-47,0 0 15,-1 0-15,1-25 0,-1 25 16</inkml:trace>
+  <inkml:trace contextRef="#ctx0" brushRef="#br0" timeOffset="-15152">2174 1392 0,'0'-24'15,"0"-1"1,24 25 47,-24 25-48,24-25 1,-24 24-16,25-24 15,-1 25 1,1-25 0,-25 24-16,24-24 15,-24 25 1,24-25-16,-24 24 16,25-24-16,-25 24 15,24-24-15,1 25 16,-1-1-1,1 1 1,-1-25-16,-24 24 16,24-24-16,1 25 15,-1-1 1,1-24 0,-25 24-1,-25-24 16,1 0-15,-1 25 0,1-25-1,0 24-15,-1-24 16,25 25-16,-24-25 16,-1 24-16,1 0 0,-1-24 15,1 25-15,0-1 16,-1 1-1,1-1 1,24 1 0,0-50 109,24 25-125,1-24 15</inkml:trace>
+  <inkml:trace contextRef="#ctx0" brushRef="#br0" timeOffset="-12507">3541 1490 0,'-24'-24'15,"-1"-1"1,1 25-1,0 0 1,-1 0 0,1 0-16,-1 0 15,1 0-15,-1 25 0,1-25 16,0 24-16,-1 0 16,-24 1-16,25-25 0,-1 24 15,1 1-15,0-1 16,-1 1-16,1-1 0,-1 25 15,25-25-15,-24 1 16,24-1-16,-25 25 0,1-25 16,24 1-16,-24 24 0,24-25 15,-25 25-15,1-25 16,24 25-16,-25-24 0,25-1 16,0 25-16,-24-25 0,24 1 15,0-1-15,0 25 16,0-25-16,0 1 0,24-1 15,-24 25-15,25-25 16,-25 1-16,24-1 0,1 1 16,23-1-1,-23 1-15,-1-1 0,1-24 16,24 24-16,-25 1 0,0-25 16,25 24-16,-24-24 15,-1 25-15,1-25 0,23 24 16,-23-24-16,-1 0 15,1 25-15,24-25 0,-25 0 16,0 0-16,1 0 0,24 0 16,-25 0-16,1 0 15,23-25-15,-23 25 0,24-24 16,-25 24-16,25 0 0,-25-25 16,25 25-16,-24-24 15,23-1-15,-23 25 0,-1-24 16,1 24-16,-1-24 15,1-1-15,-1 25 0,0-24 16,-24-1-16,25 1 0,-1-1 16,-24 1-16,0 0 15,25-1-15,-25 1 0,0-1 16,24 1-16,-24 0 16,0-1-16,0-24 0,0 25 15,0-1-15,0 1 16,-24 0-16,24-1 0,-25 1 15,25-1-15,0 1 0,0-1 16,-24 1-16,24-25 16,0 25-16,-25-1 0,25-23 15,-24 23-15,24 1 0,0-1 16,0 1-16,0-1 16,-24 1-16,24 0 15,-25-1-15,25 1 16,-24 24-16,-1 0 15,25-25-15,-24 25 0,-1-24 16,1-1 0,0 25-16,-1-24 0,1 0 15,-1 24 1,1-25-16,-1 25 16,1 0-16,0 0 0,24-24 15,-25 24-15,1 0 16,24-25-16,-25 25 15,1 0 1,24-24-16,-24 24 0,-1 0 16,1 0-1,24 24 1,-25-24-16,1 25 16,-1-25-16,1 0 0,0 0 15,24 24-15,-25-24 16,1 0-16,24 25 15,-25-25 17</inkml:trace>
+  <inkml:trace contextRef="#ctx0" brushRef="#br0" timeOffset="-11354">3517 1930 0,'0'-25'16,"0"1"-16,0-1 15,-25 25 1,25-24 0,-24 24-16,0 0 31,-1 0-31,1 0 16,24 24-16,-25-24 0,1 25 15,-1-25 1,25 24-16,-24-24 0,24 25 15,-24-25-15,24 24 16,0 0-16,-25-24 0,25 25 16,0-1-16,0 1 0,0-1 15,0 1-15,0-1 16,0 0-16,0 1 0,0-1 16,25 1-1,-25-1-15,24-24 0,-24 25 16,24-25-16,-24 24 0,25-24 15,-1 0-15,1 24 16,-1-24-16,1 0 16,-1 0-16,0 0 15,1 0-15,-1 0 16,1 0-16,-1 0 16,0 0-1,1 0-15,-1-24 16,1 24-16,-1 0 15,1-24-15,-1 24 16,0-25-16,1 25 16,-25-24-16,24 24 15,-24-25-15,0 1 0,25 24 16,-25-25-16,0 1 0,0 0 16,0-1-1,0 1-15,-25-1 16,25 1-16,0-1 15,0 1-15,-24 0 0,-1-1 16,25 1-16,-24-1 16,0 1-1,-1-1 1,1 25 0,-1 0-16,25-24 0,-24 24 15,-1 0-15,1 0 16,24-24-1,-24 24-15,-1 0 32,1 0-32,24 24 15,-25-24-15,25 24 16,-24-24-16,0 0 16,24 25-16</inkml:trace>
+  <inkml:trace contextRef="#ctx0" brushRef="#br0" timeOffset="-7837">6277 2394 0,'0'-25'16,"24"25"-16,-24-24 15,24-1-15,1 1 16,-25 0-16,24 24 15,-24-25-15,-24 50 32,-1-25-17,1 24-15,-25 0 0,25 1 16,-1-1-16,1 1 16,-1 24-16,1-49 0,24 48 15,24-23-15,-24-1 16,49 1-16,-24-1 15,24 0-15,-1-24 0,1 25 16,0-1-16,0 1 16,0-25-16,0 24 0,-25 1 15,1-1-15,-25 0 0,0 1 16,-25-1-16,1 1 16,-25-1-16,0 1 0,0-1 15,-24-24-15,24 24 16,0-24-16</inkml:trace>
+  <inkml:trace contextRef="#ctx0" brushRef="#br0" timeOffset="-7657">6154 2516 0,'0'-49'0,"25"25"0,-1-1 16,-24 1-16,25-1 0,-1 1 15,25 24-15,-25-25 16,25 25-16,0-24 0,0 24 15,0-24-15,0 24 16,0 0-16,-1-25 0,1 25 16,0 0-16,-24 0 0</inkml:trace>
+  <inkml:trace contextRef="#ctx0" brushRef="#br0" timeOffset="-7309">6887 2296 0,'0'24'16,"0"1"-16,0-1 16,0 1-16,0-1 15,0 0-15,0 1 16,0-1-16,-24 25 0,24-24 16,0 23-16,0-23 15,24-1-15,-24 25 0,25-24 16,-1-1-16,0-24 15,1 24-15,-1-24 0,25 0 16,-24 0-16,-1-24 0,25 24 16,-25-24-16,25-1 15,-24 1-15,-1-25 0,-24 24 16,24-23-16,-24 23 0,-24-24 16,24 25-16,-24-1 15,-1 1-15,-24 0 0,25-1 16,-25 1-16,25 24 15,-1 0-15,1 0 0,-1 24 16</inkml:trace>
+  <inkml:trace contextRef="#ctx0" brushRef="#br0" timeOffset="-7039">7718 2589 0,'-25'0'0,"1"0"15,-1 0-15,1 0 16,24 24 0,0 1-1,0-1-15,0 1 16,0-1-16,0 1 0,0-1 15,0 0-15,0 1 0,0-1 16,0 1 0</inkml:trace>
+  <inkml:trace contextRef="#ctx0" brushRef="#br0" timeOffset="-6379">7962 2296 0,'-25'0'0,"1"-24"0,24-1 16,-24 1-16,-1-1 15,25 1-15,25 24 32,-1 24-17,-24 1-15,24-1 16,-24 25-16,25-25 0,-1 25 16,-24-24-16,0 23 15,25-23-15,-25 24 0,0-25 16,0 25-16,0-25 15,0 1-15,24-50 32,1 25-17,-25-24-15,24-25 0,0 25 16,1-1-16,-1-24 0,-24 25 16,25 0-16,-1-1 15,0 1-15,1-1 0,-1 1 16,1 24-1,-25 24 1,-25 1-16,1-1 16,-1 1-16,1-1 15,0 0-15,-1-24 0,1 25 16,24-1-16,-25-24 16,50 25-1,-1-25 1,1 0-16,-1 0 15,25 0-15,-25 0 0,25 24 16,0-24-16,0 25 16,0-1-16,0 0 0,-1-24 15,-23 25-15,-1-1 0,1 1 16,-1-1-16</inkml:trace>
+  <inkml:trace contextRef="#ctx0" brushRef="#br0" timeOffset="-5928">6814 3151 0,'-24'24'0,"-1"1"0,1-25 16,-1 0-16,25 24 15,25-24-15,-1 0 16,1 0-16,23 0 0,26 0 15,-1-24-15,25 24 16,-1-25-16,25 1 0,25-1 16,-1 1-16,25-25 15,25 25-15,-1-1 0,-24-24 16,25 25-16,-26-25 0,-23 25 16,-25-1-16,-24 25 15,-25-24-15,0-1 0,-48 25 16,-1 0-16,-48 0 15,-25 25 1,0-25-16</inkml:trace>
+  <inkml:trace contextRef="#ctx0" brushRef="#br0" timeOffset="22604">11650 98 0,'0'-25'16,"0"1"-1,24 0-15,-48 48 47,-1 0-47,25 25 0,-24 0 16,-1 0-16,25 24 15,-24-24-15,24 24 16,0 1-16,0-26 0,0 1 16,0 0-16,24 0 0,-24-25 15,25 1-15</inkml:trace>
+  <inkml:trace contextRef="#ctx0" brushRef="#br0" timeOffset="22933">11210 415 0,'-24'-48'16,"-1"-1"-16,1 0 0,24 0 15,0 0-15,24 25 16,-24-25-16,49 24 0,0 1 16,0 0-16,24-1 15,0 25-15,25 0 16,-25 0-16,25 0 0,0 25 0,-25-1 15,0 25-15,0 0 16,-48 0-16,24 24 0,-49-24 16,0 24-16,-25-24 0,-24 0 15,1 0-15,-26-1 16,-23 1-16,23 0 0,-23-25 16,23 1-16,1-1 15,0 1-15,0-25 0,48 0 16,-24 0-16,49-25 15</inkml:trace>
+  <inkml:trace contextRef="#ctx0" brushRef="#br0" timeOffset="23215">12504 220 0,'25'-24'0,"-1"-1"15,-24-24-15,0 25 16,0-1-16,-24 25 0,-1 0 16,-23 0-1,23 25-15,-24-1 0,25 1 16,-25 24-16,25-1 16,-1 26-16,1-25 0,-1-1 15,25 26-15,0-26 0,0 1 16,25 0-16,-1-24 15,1 23-15,24-23 0,-25-25 16,25 24-16,0-24 16,-1 0-16,1 0 0</inkml:trace>
+  <inkml:trace contextRef="#ctx0" brushRef="#br0" timeOffset="23377">12431 513 0,'-49'-24'15,"25"24"-15,0-25 0,48 1 32,0 24-17,25 0-15,-24-25 0,48 25 16,-24 0-16,0-24 16</inkml:trace>
+  <inkml:trace contextRef="#ctx0" brushRef="#br0" timeOffset="23629">12871 220 0,'0'-24'16,"0"-1"-16,-25 1 0,25-1 15,0 50 17,25-1-32,-25 1 0,0-1 15,0 25-15,0 0 16,0 24-16,0-24 0,-25 24 15,25-24-15,0 0 16,0 0-16,0-1 0,0-23 16,25-1-16,-1 1 0,1-25 15,24 0-15,-1 0 16,1 0-16,0 0 0,24-25 16</inkml:trace>
+  <inkml:trace contextRef="#ctx0" brushRef="#br0" timeOffset="24938">11650 1466 0,'0'-25'0,"0"1"16,0-1-16,0 1 0,0-1 16,0 1-16,0 0 15,-25-1-15,25 1 16,-24 24-16,-1 24 16,25 1-16,-24 23 15,24 1-15,0 0 0,-24 24 16,24-24-16,0 25 0,0-26 15,0 26-15,0-50 16,0 25-16,0-25 0,0 1 16,0-1-16,24-48 31,-24-25-31,0 24 16,0-23-16,24-26 15,1 26-15,-25-26 0,24 1 16,1 0-16,-1-1 15,1 26-15,-1-1 0,-24 24 16,24 1-16,1 24 16,-25 24-1,0 1-15,0 24 0,0-25 16,0 25-16,0-25 16,24 1-16,-24-1 0,0 1 15,0-1-15,25 0 16,-1-24-16,1 0 15,-1 0-15,0-24 0,1 0 16,-1 24-16,1-25 16,-1 1-16,25-1 0,-25 1 15,1 24-15,-1 24 16,-24 1-16,25-1 16,-25 25-16,0-25 0,0 25 15,0 0-15,24 0 16,-24 0-16,0 0 0,24-25 15,-24 0-15,25 1 0</inkml:trace>
+  <inkml:trace contextRef="#ctx0" brushRef="#br0" timeOffset="25285">12627 1368 0,'0'-25'16,"0"1"-16,-25 24 15,1 0 1,-1 0-16,1 0 0,0 0 16,-1 24-16,1 1 0,-1-1 15,1 25-15,-1 0 16,1-25-16,24 25 0,0 0 16,0-24-16,24 23 15,1-23-15,-1-1 0,1 1 16,-1-25-16,1 0 0,23 0 15,-23 0-15,-1-25 16,1 1-16,-1-1 0,-24 1 16,24-25-16,-24 0 15,0 0-15,0-24 0,-24 24 16,24 0-16,-24 25 0,24 0 16,-25-1-16,1 25 15,24 25-15,-25-1 0,1 0 16</inkml:trace>
+  <inkml:trace contextRef="#ctx0" brushRef="#br0" timeOffset="25898">11870 2516 0,'0'-25'0,"0"1"16,0 0-16,0-25 0,0 24 15,0 1 1,0 48-1,-25 1 1,25 24-16,0-1 0,-24 1 16,24 0-16,0 24 0,0-24 15,0 0-15,0 0 16,0 0-16,24 0 0,1-1 16,-25-23-16,24 24 15,-24-25-15</inkml:trace>
+  <inkml:trace contextRef="#ctx0" brushRef="#br0" timeOffset="26215">11821 3076 0,'-25'-24'0,"1"24"0,-25 0 16,25-24-16,-1 24 15,1 0-15,-1 0 0,1-25 16,48 25 0,1-24-16,-1 24 15,1-25-15,23 25 0,1-24 16,24 24-16,-24-24 0,0 24 15,0-25-15,-25 25 16,1 0-16,-50-24 16,1 24-1,-25 0-15,0-25 0,0 1 16,1-1-16,-26 1 16,26 0-16,-1-1 0,0-24 15,24 25-15,1-1 0,0 1 16,24-25-16,24 25 15,0 24-15,1-25 0,24 1 16,0 0-16,-1 24 16,26 0-16,-1 0 0</inkml:trace>
+  <inkml:trace contextRef="#ctx0" brushRef="#br0" timeOffset="26780">12431 2418 0,'0'-24'0,"25"24"15,-25-25 1,0 50 15,0-1-31,0 0 16,-25 1-16,25 24 0,-24 0 15,24-1-15,-25 1 0,25 0 16,-24 0-16,24-25 16,-24 25-16,24-24 0,0-1 15,0 1-15,24-50 32,-24 1-32,24-1 0,-24 1 15,25-25-15,-1 0 16,1-24-16,-25 24 0,24 0 15,0 25-15,-24-25 16,25 24-16,-1 25 16,-24 25-16,0-1 15,0 25-15,25-24 16,-25 23-16,0-23 0,24-1 16,-24 1-16,25-1 15,-1-24-15,0 0 16,1 0-16,-1-24 0,1-1 15,-1 1-15,1-25 16,-1 0-16,-24 0 0,24 0 16,1 1-16,-1-1 15,-24 0-15,25 25 0,-25-1 16,0 50 0,0-1-16,0 25 15,0-25-15,0 25 0</inkml:trace>
+  <inkml:trace contextRef="#ctx0" brushRef="#br0" timeOffset="27308">11796 3688 0,'0'-24'16,"0"-1"0,0 1-16,0-1 15,25 1-15,-25 0 16,0-1-16,0 1 15,0-1-15,0 50 32,-25-1-32,25 1 0,-24-1 15,24 25-15,0 0 0,-25 0 16,1 24-16,24-24 16,0-1-16,0 1 0,0 0 15,0 0-15,24-25 16,1 1-16,-1-1 0,1-24 15,24 0-15,-1-24 0,-23-1 16,24 1-16,-1-49 16,-23-1-16,24 26 0,-25-26 15,1 1-15,-1 0 16,-24 24-16,24 0 0,-24 25 16,0-1-16,0 1 0,0 48 31,0 1-31,0-1 0,0 1 15</inkml:trace>
+  <inkml:trace contextRef="#ctx0" brushRef="#br0" timeOffset="27715">12480 3590 0,'24'-24'0,"1"24"16,-25-24-16,-25 48 46,25 0-46,0 1 16,0-1-16,-24 25 0,24 0 16,0 0-16,0 0 0,-24-1 15,24 1-15,0 0 16,0 0-16,0-25 0,0 1 16,0-1-16,0 1 15,0-50 1,24-24-16,-24 1 15,24-1-15,-24-25 0,25-23 16,-1-1-16,-24 0 0,25 1 16,-1 23-16,-24 1 15,25 24-15,-25 0 0,24 25 16,-24 0-16,24 24 0,-24 24 16,25 0-16,-25 1 15,24-1-15,-24 1 0,0 24 16,0-25-16,0 0 15,-24 1-15,-1-1 0,1 1 16,-25-1-16,0-24 0,0 25 16,1-25-16</inkml:trace>
+  <inkml:trace contextRef="#ctx0" brushRef="#br0" timeOffset="28730">13530 537 0,'-24'-24'0,"-1"-25"0,1 25 16,0-1-16,24-23 15,-25 23-15,25 1 0,25 24 16,-1-25-16,25 25 15,0 0-15,24 0 0,-24 0 16,24 0-16,25 25 0,-25-25 16,0 49-16,-24-25 15,-24 25-15,-1 0 0,-24-1 16,0 26-16,-24-1 16,-25 0-16,-25 1 0,26-1 15,-26 0-15,1 0 16,0 1-16,0 23 0,24-23 15,0-1-15,24 0 0,1 0 16,24 1-16,0 23 0,0-23 16,49-1-16,-25 0 15,25 0-15,24 1 0,-24-1 16,24 0-16,-24-24 16,25 0-16,-26 0 0,-23 0 15,24 0-15,-49-1 0,24-23 16,-24 24-16,-24-1 15,24 1-15,-49-24 0,24 48 16,1-24-16,-25 0 16,0 0-16,25 24 0,-1 0 15,1-24-15,0 24 0,24-24 16,0 24-16,0-24 16,24 0-16,0 24 0,1-24 15,-1 0-15,25 24 16,-24-24-16,-1 24 0,-24-24 15,0 0-15,0 24 0,0-48 16,-24 24-16,24-25 16,-25 0-16,1-24 0,-1 0 15,1-24-15</inkml:trace>
+  <inkml:trace contextRef="#ctx0" brushRef="#br0" timeOffset="29054">14361 2272 0,'0'-25'16,"24"25"-1,0 0-15,25-24 0,0 24 16,24-25-16,1 1 0,23 24 16,1-25-16,-25 25 15,25 0-15,-25-24 0,1 24 16,-26 0-16,-23 0 0,-1-24 16,1 24-16,-50 0 31,25 24-16</inkml:trace>
+  <inkml:trace contextRef="#ctx0" brushRef="#br0" timeOffset="31488">16266 1490 0,'-25'-24'16,"25"-1"-16,-24 1 0,24-1 16,0 1-16,0 48 15,0 25 1,24-24-16,25 23 16,-24 26-16,48-1 15,-24 0-15,24 1 0,0-1 16,-24 0-16,24 0 0,-24-24 15,0 0-15,0 0 16,-25-25-16,1 1 0,-1-1 16,-48-24 15</inkml:trace>
+  <inkml:trace contextRef="#ctx0" brushRef="#br0" timeOffset="31763">16974 1490 0,'0'-24'16,"0"-25"-16,-24 24 15,24 1-15,-25 24 0,1 0 16,-1 24-16,1 1 16,-1-1-16,-23 25 0,-1 0 15,0 24-15,0-24 0,25 24 16,-25 1-16,0-1 15,0 24-15,0-48 0,0 25 16,0-1-16,1-24 0,-1 0 16,24-1-16,1 1 15,-25-24-15,25-1 0,24 0 16,-25-24-16</inkml:trace>
+  <inkml:trace contextRef="#ctx0" brushRef="#br0" timeOffset="32183">17365 538 0,'0'-49'0,"0"24"15,-25 1-15,-24-1 16,-48 25-16,-1 25 0,-24 24 15,0 0-15,-49 24 0,0 24 16,0 1-16,0 24 16,24 0-16,1 25 0,24-1 15,24 1-15,0 0 16,50-1-16,23 1 0,25-1 16,0-24-16,49 0 0,24 0 15,1-24-15,48-25 16,24 25-16,1-49 0,24 0 15,24-25-15,0-24 16,1-24-16,-1-1 0,1-48 16,-25 0-16,-1-49 0,1-49 15,-48 0-15,-1-25 16,-49-23-16,0 23 0,-48-24 16,-50 25-16,-24 0 15,-24 48-15,-49 49 0,-49 25 16,0 24-16,-49 25 0,-24 48 15,0 1-15</inkml:trace>
+</inkml:ink>
+</file>
+
+<file path=ppt/ink/ink96.xml><?xml version="1.0" encoding="utf-8"?>
+<inkml:ink xmlns:inkml="http://www.w3.org/2003/InkML">
+  <inkml:definitions>
+    <inkml:context xml:id="ctx0">
+      <inkml:inkSource xml:id="inkSrc0">
+        <inkml:traceFormat>
+          <inkml:channel name="X" type="integer" max="1920" units="cm"/>
+          <inkml:channel name="Y" type="integer" max="1080" units="cm"/>
+          <inkml:channel name="T" type="integer" max="2.14748E9" units="dev"/>
+        </inkml:traceFormat>
+        <inkml:channelProperties>
+          <inkml:channelProperty channel="X" name="resolution" value="55.81395" units="1/cm"/>
+          <inkml:channelProperty channel="Y" name="resolution" value="55.6701" units="1/cm"/>
+          <inkml:channelProperty channel="T" name="resolution" value="1" units="1/dev"/>
+        </inkml:channelProperties>
+      </inkml:inkSource>
+      <inkml:timestamp xml:id="ts0" timeString="2020-11-20T15:20:16.443"/>
+    </inkml:context>
+    <inkml:brush xml:id="br0">
+      <inkml:brushProperty name="width" value="0.05" units="cm"/>
+      <inkml:brushProperty name="height" value="0.05" units="cm"/>
+      <inkml:brushProperty name="fitToCurve" value="1"/>
+    </inkml:brush>
+  </inkml:definitions>
+  <inkml:trace contextRef="#ctx0" brushRef="#br0">97 170 0,'-24'0'0,"0"0"15,-1 0 1,1 0 0,24-24-16,0 48 31,0 1-15,0-1-16,24 1 15,-24-1-15,0 1 16,0-1-16,0 0 0,0 25 15,0-24-15,25-1 0,-25 25 16,0-25-16,0 25 16,24-24-16,-24-1 0,0 1 15,0-1-15,0 0 16</inkml:trace>
+  <inkml:trace contextRef="#ctx0" brushRef="#br0" timeOffset="415">415 0 0,'0'24'47,"24"-24"-47,1 24 16,-25 1-16,24-1 16,1 1-16,-25-1 15,24 25-15,-24-25 0,24 25 16,-24-24-16,25-1 0,-25 25 15,0-25-15,0 1 16,0 24-16,0-25 0,0 0 16,0 1-16,0 24 15,-25-25-15,25 1 0,-24-1 16,24 0-16,-24 1 0,-1-1 16,25 1-1,-24-25-15</inkml:trace>
+</inkml:ink>
+</file>
+
+<file path=ppt/ink/ink97.xml><?xml version="1.0" encoding="utf-8"?>
+<inkml:ink xmlns:inkml="http://www.w3.org/2003/InkML">
+  <inkml:definitions>
+    <inkml:context xml:id="ctx0">
+      <inkml:inkSource xml:id="inkSrc0">
+        <inkml:traceFormat>
+          <inkml:channel name="X" type="integer" max="1920" units="cm"/>
+          <inkml:channel name="Y" type="integer" max="1080" units="cm"/>
+          <inkml:channel name="T" type="integer" max="2.14748E9" units="dev"/>
+        </inkml:traceFormat>
+        <inkml:channelProperties>
+          <inkml:channelProperty channel="X" name="resolution" value="55.81395" units="1/cm"/>
+          <inkml:channelProperty channel="Y" name="resolution" value="55.6701" units="1/cm"/>
+          <inkml:channelProperty channel="T" name="resolution" value="1" units="1/dev"/>
+        </inkml:channelProperties>
+      </inkml:inkSource>
+      <inkml:timestamp xml:id="ts0" timeString="2020-11-20T15:20:17.639"/>
+    </inkml:context>
+    <inkml:brush xml:id="br0">
+      <inkml:brushProperty name="width" value="0.05" units="cm"/>
+      <inkml:brushProperty name="height" value="0.05" units="cm"/>
+      <inkml:brushProperty name="fitToCurve" value="1"/>
+    </inkml:brush>
+  </inkml:definitions>
+  <inkml:trace contextRef="#ctx0" brushRef="#br0">390 219 0,'25'-24'16,"-1"0"0,1-1 15,-25 1-31,24 24 16,-24-25-16,25 1 15,-25-1 1,-25 25-16,25-24 0,-24 24 15,-1-24-15,1 24 16,-1 0-16,1 0 0,-25 0 16,25 24-16,-1-24 15,1 24-15,24 1 16,-24-1-16,24 25 0,0-24 16,0 23-16,0-23 15,0 24-15,0 0 0,0-1 16,0 1-16,24-24 0,-24 23 15,24 1-15,-24 0 16,0-24-16,25 23 0,-25-23 16,0 24-16,0 0 15,0-25-15,0 25 0,0-25 16,0 1-16,0-1 0,0 0 16,-25 1-16,25-1 15,-24 1-15,0-1 16,-1-24-1,1 0-15,24-24 16,-25-1-16</inkml:trace>
+  <inkml:trace contextRef="#ctx0" brushRef="#br0" timeOffset="287">24 561 0,'-24'0'16,"48"0"15,1 0-15,-1 0 0,0 0-16,25 0 0,-24 0 15,-1 0-15,1 0 16,23 0-16,-23 0 0,-1 0 15,1 0-15,-1 0 0,0-24 16</inkml:trace>
+  <inkml:trace contextRef="#ctx0" brushRef="#br0" timeOffset="719">781 171 0,'0'-25'16,"0"50"46,0-1-46,0 0-1,0 1-15,0-1 0,0 25 16,0-24-16,0 23 0,0-23 16,0 24-16,0-25 15,0 25-15,0-25 0,0 1 16,0-1-16,0 25 0,0-25 16,0 1-16,0-1 15,0 1-15</inkml:trace>
+  <inkml:trace contextRef="#ctx0" brushRef="#br0" timeOffset="1517">1026 415 0,'0'-25'16,"0"50"15,0-1 1,0 1-32,0-1 15,24-24-15,-24 24 16,24 1-16,-24-1 15,25 1-15,-1-25 0,1 24 16,-1-24-16,0 0 16,1 0-16,-1 0 15,1 0 1,-25-24-16,24-1 16,1 1-16,-25-1 15,0 1-15,24 0 16,-24-1-16,0 1 0,0-1 15,0 1-15,0 48 32,0 1-17,0-1-15,-24 1 16,24 23-16,0 1 0,0 0 16,0 24-16,24-24 0,-24 0 15,0 24-15,24 1 16,1-26-16,-25 1 0,24 0 15,-24 0-15,0-25 16,0 25-16,0-24 0,0-1 16,-24 25-16,24-25 15,-25 1-15,1-1 16,0-24-16,-1 0 16,1 0-1,-1-24-15,1-1 0,-1 25 16,1-48-16,-25 23 0,25 1 15,-1-25-15,25 0 16,-24 25-16,24-25 0,0 24 16,24 1-16,-24-1 15,25 1-15,-1 0 0,1 24 16,23-25-16,-23 25 0,24-24 16,-25 24-1,1 0-15,-1 0 0,0 0 16,-24-25 31</inkml:trace>
+  <inkml:trace contextRef="#ctx0" brushRef="#br0" timeOffset="1942">1929 488 0,'-24'0'31,"48"0"-15,1 0-1,-1 0 1,0 0-16,1 0 0,-1 0 15,25 0-15,-24 0 16,23 0-16,-23 0 0,-1 0 16,1 0-16,-1-24 0,0 24 31,-48 0-15,0 0-16</inkml:trace>
+</inkml:ink>
+</file>
+
+<file path=ppt/ink/ink98.xml><?xml version="1.0" encoding="utf-8"?>
+<inkml:ink xmlns:inkml="http://www.w3.org/2003/InkML">
+  <inkml:definitions>
+    <inkml:context xml:id="ctx0">
+      <inkml:inkSource xml:id="inkSrc0">
+        <inkml:traceFormat>
+          <inkml:channel name="X" type="integer" max="1920" units="cm"/>
+          <inkml:channel name="Y" type="integer" max="1080" units="cm"/>
+          <inkml:channel name="T" type="integer" max="2.14748E9" units="dev"/>
+        </inkml:traceFormat>
+        <inkml:channelProperties>
+          <inkml:channelProperty channel="X" name="resolution" value="55.81395" units="1/cm"/>
+          <inkml:channelProperty channel="Y" name="resolution" value="55.6701" units="1/cm"/>
+          <inkml:channelProperty channel="T" name="resolution" value="1" units="1/dev"/>
+        </inkml:channelProperties>
+      </inkml:inkSource>
+      <inkml:timestamp xml:id="ts0" timeString="2020-11-20T15:20:57.704"/>
+    </inkml:context>
+    <inkml:brush xml:id="br0">
+      <inkml:brushProperty name="width" value="0.05" units="cm"/>
+      <inkml:brushProperty name="height" value="0.05" units="cm"/>
+      <inkml:brushProperty name="fitToCurve" value="1"/>
+    </inkml:brush>
+  </inkml:definitions>
+  <inkml:trace contextRef="#ctx0" brushRef="#br0">0 25 0,'25'0'32,"-1"0"-17,1 0 1,-1 0-16,0 0 0,25 0 16,0 0-16,0 0 15,24 0-15,25 0 0,0 0 16,-1 0-16,25 0 0,25 0 15,-1 0-15,1 0 16,0 0-16,-1 0 0,25 0 16,-24 0-16,23 0 15,1 24-15,0-24 0,0 0 16,-24 0-16,-1 0 0,1 0 16,0 0-16,-25 0 15,0 0-15,-25 0 0,1 0 16,0 0-16,0-24 15,-25 24-15,25 0 0,-25 0 16,-24 0-16,24 0 0,-24 0 16,-25 0-16,1 0 15,-1 0-15,-48 0 16,-1 0 0,-24-25-16,0 25 0</inkml:trace>
+</inkml:ink>
+</file>
+
+<file path=ppt/ink/ink99.xml><?xml version="1.0" encoding="utf-8"?>
+<inkml:ink xmlns:inkml="http://www.w3.org/2003/InkML">
+  <inkml:definitions>
+    <inkml:context xml:id="ctx0">
+      <inkml:inkSource xml:id="inkSrc0">
+        <inkml:traceFormat>
+          <inkml:channel name="X" type="integer" max="1920" units="cm"/>
+          <inkml:channel name="Y" type="integer" max="1080" units="cm"/>
+          <inkml:channel name="T" type="integer" max="2.14748E9" units="dev"/>
+        </inkml:traceFormat>
+        <inkml:channelProperties>
+          <inkml:channelProperty channel="X" name="resolution" value="55.81395" units="1/cm"/>
+          <inkml:channelProperty channel="Y" name="resolution" value="55.6701" units="1/cm"/>
+          <inkml:channelProperty channel="T" name="resolution" value="1" units="1/dev"/>
+        </inkml:channelProperties>
+      </inkml:inkSource>
+      <inkml:timestamp xml:id="ts0" timeString="2020-11-20T15:20:58.365"/>
+    </inkml:context>
+    <inkml:brush xml:id="br0">
+      <inkml:brushProperty name="width" value="0.05" units="cm"/>
+      <inkml:brushProperty name="height" value="0.05" units="cm"/>
+      <inkml:brushProperty name="fitToCurve" value="1"/>
+    </inkml:brush>
+  </inkml:definitions>
+  <inkml:trace contextRef="#ctx0" brushRef="#br0">2274 1740 0,'25'0'47,"-1"0"-31,0 0-1,1 0 1,-1 0-16,1 0 16,-1 0-1,1 0 1,-1 0-1</inkml:trace>
+  <inkml:trace contextRef="#ctx0" brushRef="#br0" timeOffset="269">3031 1716 0,'0'24'0,"25"-24"78,-1 0-62,1 0-16,-1 0 15,0 0-15,1 0 16</inkml:trace>
+  <inkml:trace contextRef="#ctx0" brushRef="#br0" timeOffset="533">3715 1765 0,'24'0'15,"1"0"1,-1 0-16,1 0 16,-1 0-16,1 0 0,-1 0 15,0 0 1,1 0-16,-1 0 15,1 0-15,-25-25 16,24 25-16,1 0 0</inkml:trace>
+  <inkml:trace contextRef="#ctx0" brushRef="#br0" timeOffset="767">4570 1740 0,'0'25'0,"24"-25"31,1 0-15,-1 0-16,1 0 15,-1 0 1,0-25-1,1 25-15</inkml:trace>
+  <inkml:trace contextRef="#ctx0" brushRef="#br0" timeOffset="977">5278 1765 0,'25'0'32,"-1"0"-32,0 0 15,1 0-15,-1 0 16,1 0 0,-1 0-1</inkml:trace>
+  <inkml:trace contextRef="#ctx0" brushRef="#br0" timeOffset="1247">5938 1765 0,'24'0'16,"0"0"-1,1 0 1,-1 0-16,1 0 0,-1 0 16,25 0-16,-25 0 0,25 0 15,0 0-15,-24 0 16,23 0-16,-23 0 0,-1 0 16,1 0-16,-1 0 0,0 0 15,1 0 1,-25-25-16</inkml:trace>
+  <inkml:trace contextRef="#ctx0" brushRef="#br0" timeOffset="-3534">467 495 0,'0'-25'0,"24"25"47,1 0-31,-1 0 0,1 0-1,-1 25-15,0-25 16,1 24-16,24 1 15,-25-1-15,25-24 0,0 24 16,-25 1-16,25-1 16,-25 1-16,1-1 0,-1-24 15,1 24-15,-1 1 16,-24-1 0</inkml:trace>
+  <inkml:trace contextRef="#ctx0" brushRef="#br0" timeOffset="-3223">1053 446 0,'0'-25'15,"-24"50"32,-1-25-47,1 24 16,-1-24-16,-24 25 0,25-1 15,-25-24-15,25 24 16,-25 1-16,0-1 0,25 1 16,-1-1-16,1 1 15,-1-1-15,1 0 0,0-24 16,24 25-16,-25-25 0,25 24 15,-24-24 1,24 25-16</inkml:trace>
+  <inkml:trace contextRef="#ctx0" brushRef="#br0" timeOffset="-2444">931 153 0,'-25'0'0,"1"0"16,0 0-16,-1 0 0,-24 0 16,25 0-16,-1 0 15,-23 0-15,-1 0 0,24 24 16,-24-24-16,1 0 16,-1 25-16,0-1 0,0 0 15,0 1-15,0-1 0,25 1 16,-25-1-16,0 1 15,25 23-15,-1-23 0,1 24 16,0-25-16,-1 25 16,1 0-16,24-25 0,0 25 15,0 0-15,0-25 0,24 25 16,-24 0-16,0-25 16,25 25-16,-1-24 0,0-1 15,1 25-15,-1-25 16,1-24-16,24 25 0,-25-1 15,25-24-15,24 0 0,-24 0 16,24 0-16,0 0 16,1-24-16,-1 24 0,0-25 15,1 1-15,-1 0 16,0-25-16,-24 24 0,24 1 16,-24-25-16,0 0 0,0 0 15,-25 0-15,1 1 16,-1-1-16,0 0 0,-24 0 15,0 25-15,0-25 0,0 0 16,0 25-16,-48-50 16,23 50-16,-24-1 15,25 1-15,-25 0 16,0-1-16,0 1 0,1-1 16,-1 25-16,-25-24 0,26 24 15,23-25-15,-24 25 16,0 0-16,1 0 0,23 0 15,1 0-15,-1 0 16,1 0-16,-1 0 0,1 25 16,0-25-16,-1 0 0,25 24 15,-24-24-15</inkml:trace>
+  <inkml:trace contextRef="#ctx0" brushRef="#br0" timeOffset="-1464">2176 1374 0,'-24'0'0,"48"0"47,1 0-31,-1 0-16,1 0 15,24 0-15,-25 0 16,25 0-16,0 0 0,24 0 16,0 0-16,0 0 0,25 0 15,-25 0-15,25 0 16,0 0-16,-1 0 0,26 0 16,-26 0-16,1 0 15,0 0-15,24 0 0,-24 0 16,24 0-16,0 0 0,0 0 15,24 0-15,1 0 16,-1 0-16,1 0 0,0-25 16,24 25-16,-25 0 15,1 0-15,-1-24 0,1 24 16,-1 0-16,1 0 0,-25 0 16,24 0-16,-23 24 15,-26-24-15,1 0 0,0 0 16,-25 0-16,0 0 15,-24 0-15,-25 0 0,1 0 16,-50 0 0</inkml:trace>
+  <inkml:trace contextRef="#ctx0" brushRef="#br0" timeOffset="4908">2567 1032 0,'-24'0'78,"48"0"-31,1 0 0,-1 0-31,-24-24-1,24 24-15,1 0 16,-1 0 0,1-25-16,-1 25 15,1 0 1,-1 0-16,0 0 15,1 25 1,-1-25 15,-24 24-15,25-24-16,-1 0 16,-24 24-1,25-24 1,-1 0-1,0 0-15,-24 25 16,25-25 0,-1 0-1,-24 24 17,25-24-32,-1 0 31,1 0-16,-25 25 1,24-25 0,0 0 15,1 0 16,-1 0-16,-48 0 63,-1 0-79,25 24-15,-24-24 16,0 0-16,-1 25 16,1-25-1,24 24 1,-25-24-16,1 0 16,24 24-1,-25-24 16,1 0 1,0 0-17,-1 0 17,1 0-1,-1 0-16,1 0 1,-1 0 15,1 0-15,0 0 0,-1 0 15,1 0-16,-1 0 32,25-24-15,0 0 93,-24 24-79,24 24-30,-25-24-16,25 24 31,-24 1-15,24-1 15,-24-24 0,24 25-31,-25-25 94,1 0-78,-1 0-1,1 0 17,-1 0-17,1 0-15,0 0 32,-1 0-32,1 0 15,-1 0 1,1 0-1,0 0 17,-1 0 15,1 0-16,24-25 16,-25 25 0,25-24-32,-24 24 1,24-25 15,0 1-15,0 0 15,0-1 0,0 1 94,24 24-125,1 0 31,-1 0-15,1 0 0,-1-25-1,0 25-15,1 0 32,-1 0 61,1 0-61,-25-24-17,0-1 16,0 1 1,0 48 30,24-24-46,0 0-1,-24-24 17</inkml:trace>
+  <inkml:trace contextRef="#ctx0" brushRef="#br0" timeOffset="6179">2518 1008 0,'0'-25'94,"0"1"-63,0-1-15,0 1 0,25 24 77,-1 0-77,1 0 15,-25 24-31,24-24 16,-24 25-16,24-25 16,-24 24-1,0 1 1,0-1 15,-24-24 110,24-24-110,-24 24-31,-1-25 16,1 1 15,-1 24-31,25-25 0,-24 25 15,0 0-15,24-24 16,-25 24-16,1 0 0,-1 0 16,1 0-16,-1 0 0,1 0 15,0 0-15,-1 0 16,1-25-16,-1 25 0,1 0 16,-1 0-1,25 25 188,25-25-203,-25 24 16,24-24 0,-24 25-16,25-1 15,-1 1-15,-24-1 16,25 0-1,-1-24 1,0 0-16,1 0 16,-1 0-1,1 0-15,-1 0 16,1 0-16,-1 0 16</inkml:trace>
+  <inkml:trace contextRef="#ctx0" brushRef="#br0" timeOffset="6911">2640 1227 0,'0'25'32,"-24"-25"-17,24 24-15,0 1 16,-24-1 0,24 0-1,-25 1-15,25-1 16,0 1-16,-24-1 15,24 1-15,0-1 16,-25-24-16,25 24 16,25-24 62,-25-24-78,24 24 15,1-24 1,-1 24 0,0 0-1,1 0 1,-25-25-16,24 25 16,-24-24-1,25 24 1,-25-25-1,0 1-15,0-1 16,0 1 0,-25 0-16,25-1 31,25 25 63</inkml:trace>
+  <inkml:trace contextRef="#ctx0" brushRef="#br0" timeOffset="9653">3105 1227 0,'0'25'47,"24"-25"-32,0 0 1,1 0-16,-25 24 16,24-24-16,1 0 0,-1 0 15,0 0-15,1 0 16,24 0-16,-25 0 16,1 0-16,-1 0 15,0 0-15,1 0 0,-1 0 16,1 0-16,-1 0 0,1 0 15,-1 0-15,0 0 16,1 0-16,-1 0 16,1 0-16,-1 0 15,0 0-15,1 25 16,-1-25 15,1 0-31,-1 0 16,1 0-1,-1 0 1,0 0-16,1 0 16,-1 0-16,1 0 15,-1 0-15,1 0 16,-1 0 0,0 0-16,1 0 15,-1 0-15,1 0 16,-1 0-1,1 0 1,-1 0 0,0 0-16,1 0 15,-1 0-15,1 0 0,-1 0 16,1 0 0,-1 0-16,0 0 15,1 0 16,-1 0-15,1 0 0,-25-25-1,24 25-15,0 0 32,1 0 14,-1 0-14,1 0-1,-1 0-15,1 0 15,-1 0-16,0 0 1,1 0 0,-25-24-16,24 24 15,1 0-15,-1 0 16,1 0-16,-1 0 16,0 0-1,1 0-15,-25-25 16,24 25-16,1 0 15,-1 0 1,-24-24-16,24 24 16,1 0-1,-1-24-15,1 24 16,-1 0 0,1 0-1,-1 0 1,0 0-1,1 0 1,-1-25-16,1 25 16,-1 0-1,1 0-15,-1 0 16,0 0 0,1 0-16,-1-24 15,1 24 1,-1 0-1,1 0 1,-1 0 0,-24-25-16,24 25 0,1 0 15,-1 0-15,1 0 16,-1 0-16,1-24 16,-1 24-16,0 0 15,1 0-15,-1 0 16,1-25-16,-1 25 0,0 0 15,1 0-15,-1-24 16,1 24-16,-1 0 16,1 0-16,-1 0 0,0-24 15,1 24-15,-1 0 0,1 0 16,-1 0-16,-24-25 16,25 25-16,-1 0 0,0 0 15,-24-24-15,25 24 16,-1 0-16,1-25 0,-1 25 15,0 0-15,1 0 16,-1-24-16,1 24 0,-1 0 16,1 0-16,-1 0 0,0-25 15,1 25-15,-1 0 16,1 0-16,-1 0 16,1 0-16,-1 0 0,0 0 15,1 0 1,-1-24-16,1 24 0,-1 0 15,1 0-15,-1 0 16,0 0-16,1-24 16,-1 24-16,1 0 15,-1 0 1,-24-25-16,25 25 16,-1-24-1,0 24 1,1 0-16,-25-25 15,24 25-15,1 0 16,-1 0 0,-24-24-16,24 24 15,1-25-15,-1 25 16,1-24-16,-1 24 16,-24-24-16,25 24 15,-1-25-15,0 25 0,-24-24 16,25 24-16,-1-25 15,1 25-15,-1-24 16,1 24-16,-1-25 0,0 1 16,1 24-1,-1 0-15,1-24 0,-1 24 16,-24-25-16,24 25 16,1 0-16,-25-24 0,24 24 15,1-25 1,-1 25-1,1-24 1,-1 24 0,0-24-16,1 24 15,-1-25 1,1 25 0,-1-24-1,1 24 1,-1-25-1,0 25 1,-24-24-16,25 24 16,-1-25-1,1 25 1,-1-24 0,1 24 15,-25-24-31,0-1 31,24 25-31,-24-24 31,24 24-15,1 0 0,-25-25-16,24 25 15,-24-24 1,25 24-1,-1 0 17,-24-25-32,25 25 31,-1-24 16,-48 24-16</inkml:trace>
+  <inkml:trace contextRef="#ctx0" brushRef="#br0" timeOffset="10780">7818 104 0,'0'-25'78,"25"25"-63,-1 0 1,0 0 0,1 0-16,-1-24 15,1 24-15,-1 0 16,1 0-16,-1-24 16,0 24-16,1 0 15,-1 0 1,1-25-16,-1 25 31,0 0-15,1 0 15,-1 0 0,1 0 0,-1 0 48,-24 25-1,-24-25-63,24 24-15,0 0 16,-25 1 0,25-1-1,0 1-15,0-1 16,0 1-1,-24-25-15,24 24 0,0 0 16,0 1 0,0-1-16,0 1 15,0-1 17,0 1-17,0-1 16</inkml:trace>
 </inkml:ink>
 </file>
 
@@ -3595,7 +5732,7 @@
           <a:p>
             <a:fld id="{AD4B6086-DE88-4563-94A9-781B3B795E0A}" type="datetimeFigureOut">
               <a:rPr lang="en-US" smtClean="0"/>
-              <a:t>11/19/2020</a:t>
+              <a:t>11/20/2020</a:t>
             </a:fld>
             <a:endParaRPr lang="en-US"/>
           </a:p>
@@ -3793,7 +5930,7 @@
           <a:p>
             <a:fld id="{AD4B6086-DE88-4563-94A9-781B3B795E0A}" type="datetimeFigureOut">
               <a:rPr lang="en-US" smtClean="0"/>
-              <a:t>11/19/2020</a:t>
+              <a:t>11/20/2020</a:t>
             </a:fld>
             <a:endParaRPr lang="en-US"/>
           </a:p>
@@ -4001,7 +6138,7 @@
           <a:p>
             <a:fld id="{AD4B6086-DE88-4563-94A9-781B3B795E0A}" type="datetimeFigureOut">
               <a:rPr lang="en-US" smtClean="0"/>
-              <a:t>11/19/2020</a:t>
+              <a:t>11/20/2020</a:t>
             </a:fld>
             <a:endParaRPr lang="en-US"/>
           </a:p>
@@ -4199,7 +6336,7 @@
           <a:p>
             <a:fld id="{AD4B6086-DE88-4563-94A9-781B3B795E0A}" type="datetimeFigureOut">
               <a:rPr lang="en-US" smtClean="0"/>
-              <a:t>11/19/2020</a:t>
+              <a:t>11/20/2020</a:t>
             </a:fld>
             <a:endParaRPr lang="en-US"/>
           </a:p>
@@ -4474,7 +6611,7 @@
           <a:p>
             <a:fld id="{AD4B6086-DE88-4563-94A9-781B3B795E0A}" type="datetimeFigureOut">
               <a:rPr lang="en-US" smtClean="0"/>
-              <a:t>11/19/2020</a:t>
+              <a:t>11/20/2020</a:t>
             </a:fld>
             <a:endParaRPr lang="en-US"/>
           </a:p>
@@ -4739,7 +6876,7 @@
           <a:p>
             <a:fld id="{AD4B6086-DE88-4563-94A9-781B3B795E0A}" type="datetimeFigureOut">
               <a:rPr lang="en-US" smtClean="0"/>
-              <a:t>11/19/2020</a:t>
+              <a:t>11/20/2020</a:t>
             </a:fld>
             <a:endParaRPr lang="en-US"/>
           </a:p>
@@ -5151,7 +7288,7 @@
           <a:p>
             <a:fld id="{AD4B6086-DE88-4563-94A9-781B3B795E0A}" type="datetimeFigureOut">
               <a:rPr lang="en-US" smtClean="0"/>
-              <a:t>11/19/2020</a:t>
+              <a:t>11/20/2020</a:t>
             </a:fld>
             <a:endParaRPr lang="en-US"/>
           </a:p>
@@ -5292,7 +7429,7 @@
           <a:p>
             <a:fld id="{AD4B6086-DE88-4563-94A9-781B3B795E0A}" type="datetimeFigureOut">
               <a:rPr lang="en-US" smtClean="0"/>
-              <a:t>11/19/2020</a:t>
+              <a:t>11/20/2020</a:t>
             </a:fld>
             <a:endParaRPr lang="en-US"/>
           </a:p>
@@ -5405,7 +7542,7 @@
           <a:p>
             <a:fld id="{AD4B6086-DE88-4563-94A9-781B3B795E0A}" type="datetimeFigureOut">
               <a:rPr lang="en-US" smtClean="0"/>
-              <a:t>11/19/2020</a:t>
+              <a:t>11/20/2020</a:t>
             </a:fld>
             <a:endParaRPr lang="en-US"/>
           </a:p>
@@ -5716,7 +7853,7 @@
           <a:p>
             <a:fld id="{AD4B6086-DE88-4563-94A9-781B3B795E0A}" type="datetimeFigureOut">
               <a:rPr lang="en-US" smtClean="0"/>
-              <a:t>11/19/2020</a:t>
+              <a:t>11/20/2020</a:t>
             </a:fld>
             <a:endParaRPr lang="en-US"/>
           </a:p>
@@ -6004,7 +8141,7 @@
           <a:p>
             <a:fld id="{AD4B6086-DE88-4563-94A9-781B3B795E0A}" type="datetimeFigureOut">
               <a:rPr lang="en-US" smtClean="0"/>
-              <a:t>11/19/2020</a:t>
+              <a:t>11/20/2020</a:t>
             </a:fld>
             <a:endParaRPr lang="en-US"/>
           </a:p>
@@ -6245,7 +8382,7 @@
           <a:p>
             <a:fld id="{AD4B6086-DE88-4563-94A9-781B3B795E0A}" type="datetimeFigureOut">
               <a:rPr lang="en-US" smtClean="0"/>
-              <a:t>11/19/2020</a:t>
+              <a:t>11/20/2020</a:t>
             </a:fld>
             <a:endParaRPr lang="en-US"/>
           </a:p>
@@ -6662,8 +8799,8 @@
           <a:chExt cx="0" cy="0"/>
         </a:xfrm>
       </p:grpSpPr>
-      <mc:AlternateContent xmlns:mc="http://schemas.openxmlformats.org/markup-compatibility/2006">
-        <mc:Choice xmlns:p14="http://schemas.microsoft.com/office/powerpoint/2010/main" Requires="p14">
+      <mc:AlternateContent xmlns:mc="http://schemas.openxmlformats.org/markup-compatibility/2006" xmlns:p14="http://schemas.microsoft.com/office/powerpoint/2010/main">
+        <mc:Choice Requires="p14">
           <p:contentPart p14:bwMode="auto" r:id="rId2">
             <p14:nvContentPartPr>
               <p14:cNvPr id="8" name="Ink 7">
@@ -6682,7 +8819,7 @@
             </p14:xfrm>
           </p:contentPart>
         </mc:Choice>
-        <mc:Fallback>
+        <mc:Fallback xmlns="">
           <p:pic>
             <p:nvPicPr>
               <p:cNvPr id="8" name="Ink 7">
@@ -6713,8 +8850,8 @@
           </p:pic>
         </mc:Fallback>
       </mc:AlternateContent>
-      <mc:AlternateContent xmlns:mc="http://schemas.openxmlformats.org/markup-compatibility/2006">
-        <mc:Choice xmlns:p14="http://schemas.microsoft.com/office/powerpoint/2010/main" Requires="p14">
+      <mc:AlternateContent xmlns:mc="http://schemas.openxmlformats.org/markup-compatibility/2006" xmlns:p14="http://schemas.microsoft.com/office/powerpoint/2010/main">
+        <mc:Choice Requires="p14">
           <p:contentPart p14:bwMode="auto" r:id="rId4">
             <p14:nvContentPartPr>
               <p14:cNvPr id="32" name="Ink 31">
@@ -6733,7 +8870,7 @@
             </p14:xfrm>
           </p:contentPart>
         </mc:Choice>
-        <mc:Fallback>
+        <mc:Fallback xmlns="">
           <p:pic>
             <p:nvPicPr>
               <p:cNvPr id="32" name="Ink 31">
@@ -6764,8 +8901,8 @@
           </p:pic>
         </mc:Fallback>
       </mc:AlternateContent>
-      <mc:AlternateContent xmlns:mc="http://schemas.openxmlformats.org/markup-compatibility/2006">
-        <mc:Choice xmlns:p14="http://schemas.microsoft.com/office/powerpoint/2010/main" Requires="p14">
+      <mc:AlternateContent xmlns:mc="http://schemas.openxmlformats.org/markup-compatibility/2006" xmlns:p14="http://schemas.microsoft.com/office/powerpoint/2010/main">
+        <mc:Choice Requires="p14">
           <p:contentPart p14:bwMode="auto" r:id="rId6">
             <p14:nvContentPartPr>
               <p14:cNvPr id="36" name="Ink 35">
@@ -6784,7 +8921,7 @@
             </p14:xfrm>
           </p:contentPart>
         </mc:Choice>
-        <mc:Fallback>
+        <mc:Fallback xmlns="">
           <p:pic>
             <p:nvPicPr>
               <p:cNvPr id="36" name="Ink 35">
@@ -6815,8 +8952,8 @@
           </p:pic>
         </mc:Fallback>
       </mc:AlternateContent>
-      <mc:AlternateContent xmlns:mc="http://schemas.openxmlformats.org/markup-compatibility/2006">
-        <mc:Choice xmlns:p14="http://schemas.microsoft.com/office/powerpoint/2010/main" Requires="p14">
+      <mc:AlternateContent xmlns:mc="http://schemas.openxmlformats.org/markup-compatibility/2006" xmlns:p14="http://schemas.microsoft.com/office/powerpoint/2010/main">
+        <mc:Choice Requires="p14">
           <p:contentPart p14:bwMode="auto" r:id="rId8">
             <p14:nvContentPartPr>
               <p14:cNvPr id="44" name="Ink 43">
@@ -6835,7 +8972,7 @@
             </p14:xfrm>
           </p:contentPart>
         </mc:Choice>
-        <mc:Fallback>
+        <mc:Fallback xmlns="">
           <p:pic>
             <p:nvPicPr>
               <p:cNvPr id="44" name="Ink 43">
@@ -6866,8 +9003,8 @@
           </p:pic>
         </mc:Fallback>
       </mc:AlternateContent>
-      <mc:AlternateContent xmlns:mc="http://schemas.openxmlformats.org/markup-compatibility/2006">
-        <mc:Choice xmlns:p14="http://schemas.microsoft.com/office/powerpoint/2010/main" Requires="p14">
+      <mc:AlternateContent xmlns:mc="http://schemas.openxmlformats.org/markup-compatibility/2006" xmlns:p14="http://schemas.microsoft.com/office/powerpoint/2010/main">
+        <mc:Choice Requires="p14">
           <p:contentPart p14:bwMode="auto" r:id="rId10">
             <p14:nvContentPartPr>
               <p14:cNvPr id="66" name="Ink 65">
@@ -6886,7 +9023,7 @@
             </p14:xfrm>
           </p:contentPart>
         </mc:Choice>
-        <mc:Fallback>
+        <mc:Fallback xmlns="">
           <p:pic>
             <p:nvPicPr>
               <p:cNvPr id="66" name="Ink 65">
@@ -6917,8 +9054,8 @@
           </p:pic>
         </mc:Fallback>
       </mc:AlternateContent>
-      <mc:AlternateContent xmlns:mc="http://schemas.openxmlformats.org/markup-compatibility/2006">
-        <mc:Choice xmlns:p14="http://schemas.microsoft.com/office/powerpoint/2010/main" Requires="p14">
+      <mc:AlternateContent xmlns:mc="http://schemas.openxmlformats.org/markup-compatibility/2006" xmlns:p14="http://schemas.microsoft.com/office/powerpoint/2010/main">
+        <mc:Choice Requires="p14">
           <p:contentPart p14:bwMode="auto" r:id="rId12">
             <p14:nvContentPartPr>
               <p14:cNvPr id="85" name="Ink 84">
@@ -6937,7 +9074,7 @@
             </p14:xfrm>
           </p:contentPart>
         </mc:Choice>
-        <mc:Fallback>
+        <mc:Fallback xmlns="">
           <p:pic>
             <p:nvPicPr>
               <p:cNvPr id="85" name="Ink 84">
@@ -6981,7 +9118,7 @@
 </p:sld>
 </file>
 
-<file path=ppt/slides/slide2.xml><?xml version="1.0" encoding="utf-8"?>
+<file path=ppt/slides/slide10.xml><?xml version="1.0" encoding="utf-8"?>
 <p:sld xmlns:a="http://schemas.openxmlformats.org/drawingml/2006/main" xmlns:r="http://schemas.openxmlformats.org/officeDocument/2006/relationships" xmlns:p="http://schemas.openxmlformats.org/presentationml/2006/main">
   <p:cSld>
     <p:spTree>
@@ -7002,6 +9139,3761 @@
         <mc:Choice xmlns:p14="http://schemas.microsoft.com/office/powerpoint/2010/main" Requires="p14">
           <p:contentPart p14:bwMode="auto" r:id="rId2">
             <p14:nvContentPartPr>
+              <p14:cNvPr id="67" name="Ink 66">
+                <a:extLst>
+                  <a:ext uri="{FF2B5EF4-FFF2-40B4-BE49-F238E27FC236}">
+                    <a16:creationId xmlns:a16="http://schemas.microsoft.com/office/drawing/2014/main" id="{1FE051AB-C298-4DAD-8DFF-7C8861034FEE}"/>
+                  </a:ext>
+                </a:extLst>
+              </p14:cNvPr>
+              <p14:cNvContentPartPr/>
+              <p14:nvPr/>
+            </p14:nvContentPartPr>
+            <p14:xfrm>
+              <a:off x="6093166" y="360651"/>
+              <a:ext cx="212040" cy="272880"/>
+            </p14:xfrm>
+          </p:contentPart>
+        </mc:Choice>
+        <mc:Fallback>
+          <p:pic>
+            <p:nvPicPr>
+              <p:cNvPr id="67" name="Ink 66">
+                <a:extLst>
+                  <a:ext uri="{FF2B5EF4-FFF2-40B4-BE49-F238E27FC236}">
+                    <a16:creationId xmlns:a16="http://schemas.microsoft.com/office/drawing/2014/main" id="{1FE051AB-C298-4DAD-8DFF-7C8861034FEE}"/>
+                  </a:ext>
+                </a:extLst>
+              </p:cNvPr>
+              <p:cNvPicPr/>
+              <p:nvPr/>
+            </p:nvPicPr>
+            <p:blipFill>
+              <a:blip r:embed="rId3"/>
+              <a:stretch>
+                <a:fillRect/>
+              </a:stretch>
+            </p:blipFill>
+            <p:spPr>
+              <a:xfrm>
+                <a:off x="6084166" y="351651"/>
+                <a:ext cx="229680" cy="290520"/>
+              </a:xfrm>
+              <a:prstGeom prst="rect">
+                <a:avLst/>
+              </a:prstGeom>
+            </p:spPr>
+          </p:pic>
+        </mc:Fallback>
+      </mc:AlternateContent>
+      <mc:AlternateContent xmlns:mc="http://schemas.openxmlformats.org/markup-compatibility/2006">
+        <mc:Choice xmlns:p14="http://schemas.microsoft.com/office/powerpoint/2010/main" Requires="p14">
+          <p:contentPart p14:bwMode="auto" r:id="rId4">
+            <p14:nvContentPartPr>
+              <p14:cNvPr id="74" name="Ink 73">
+                <a:extLst>
+                  <a:ext uri="{FF2B5EF4-FFF2-40B4-BE49-F238E27FC236}">
+                    <a16:creationId xmlns:a16="http://schemas.microsoft.com/office/drawing/2014/main" id="{21494A03-9119-468D-8AC2-901BF79A394B}"/>
+                  </a:ext>
+                </a:extLst>
+              </p14:cNvPr>
+              <p14:cNvContentPartPr/>
+              <p14:nvPr/>
+            </p14:nvContentPartPr>
+            <p14:xfrm>
+              <a:off x="6550366" y="299091"/>
+              <a:ext cx="825480" cy="492840"/>
+            </p14:xfrm>
+          </p:contentPart>
+        </mc:Choice>
+        <mc:Fallback>
+          <p:pic>
+            <p:nvPicPr>
+              <p:cNvPr id="74" name="Ink 73">
+                <a:extLst>
+                  <a:ext uri="{FF2B5EF4-FFF2-40B4-BE49-F238E27FC236}">
+                    <a16:creationId xmlns:a16="http://schemas.microsoft.com/office/drawing/2014/main" id="{21494A03-9119-468D-8AC2-901BF79A394B}"/>
+                  </a:ext>
+                </a:extLst>
+              </p:cNvPr>
+              <p:cNvPicPr/>
+              <p:nvPr/>
+            </p:nvPicPr>
+            <p:blipFill>
+              <a:blip r:embed="rId5"/>
+              <a:stretch>
+                <a:fillRect/>
+              </a:stretch>
+            </p:blipFill>
+            <p:spPr>
+              <a:xfrm>
+                <a:off x="6541362" y="290091"/>
+                <a:ext cx="843128" cy="510480"/>
+              </a:xfrm>
+              <a:prstGeom prst="rect">
+                <a:avLst/>
+              </a:prstGeom>
+            </p:spPr>
+          </p:pic>
+        </mc:Fallback>
+      </mc:AlternateContent>
+      <mc:AlternateContent xmlns:mc="http://schemas.openxmlformats.org/markup-compatibility/2006">
+        <mc:Choice xmlns:p14="http://schemas.microsoft.com/office/powerpoint/2010/main" Requires="p14">
+          <p:contentPart p14:bwMode="auto" r:id="rId6">
+            <p14:nvContentPartPr>
+              <p14:cNvPr id="81" name="Ink 80">
+                <a:extLst>
+                  <a:ext uri="{FF2B5EF4-FFF2-40B4-BE49-F238E27FC236}">
+                    <a16:creationId xmlns:a16="http://schemas.microsoft.com/office/drawing/2014/main" id="{49145798-640B-4B2C-AC0D-8E41C9E06F05}"/>
+                  </a:ext>
+                </a:extLst>
+              </p14:cNvPr>
+              <p14:cNvContentPartPr/>
+              <p14:nvPr/>
+            </p14:nvContentPartPr>
+            <p14:xfrm>
+              <a:off x="8493286" y="1002171"/>
+              <a:ext cx="1514880" cy="21600"/>
+            </p14:xfrm>
+          </p:contentPart>
+        </mc:Choice>
+        <mc:Fallback>
+          <p:pic>
+            <p:nvPicPr>
+              <p:cNvPr id="81" name="Ink 80">
+                <a:extLst>
+                  <a:ext uri="{FF2B5EF4-FFF2-40B4-BE49-F238E27FC236}">
+                    <a16:creationId xmlns:a16="http://schemas.microsoft.com/office/drawing/2014/main" id="{49145798-640B-4B2C-AC0D-8E41C9E06F05}"/>
+                  </a:ext>
+                </a:extLst>
+              </p:cNvPr>
+              <p:cNvPicPr/>
+              <p:nvPr/>
+            </p:nvPicPr>
+            <p:blipFill>
+              <a:blip r:embed="rId7"/>
+              <a:stretch>
+                <a:fillRect/>
+              </a:stretch>
+            </p:blipFill>
+            <p:spPr>
+              <a:xfrm>
+                <a:off x="8484286" y="993171"/>
+                <a:ext cx="1532520" cy="39240"/>
+              </a:xfrm>
+              <a:prstGeom prst="rect">
+                <a:avLst/>
+              </a:prstGeom>
+            </p:spPr>
+          </p:pic>
+        </mc:Fallback>
+      </mc:AlternateContent>
+      <mc:AlternateContent xmlns:mc="http://schemas.openxmlformats.org/markup-compatibility/2006">
+        <mc:Choice xmlns:p14="http://schemas.microsoft.com/office/powerpoint/2010/main" Requires="p14">
+          <p:contentPart p14:bwMode="auto" r:id="rId8">
+            <p14:nvContentPartPr>
+              <p14:cNvPr id="99" name="Ink 98">
+                <a:extLst>
+                  <a:ext uri="{FF2B5EF4-FFF2-40B4-BE49-F238E27FC236}">
+                    <a16:creationId xmlns:a16="http://schemas.microsoft.com/office/drawing/2014/main" id="{6AB82050-9DAA-4C42-833C-97BBA0B4FCB5}"/>
+                  </a:ext>
+                </a:extLst>
+              </p14:cNvPr>
+              <p14:cNvContentPartPr/>
+              <p14:nvPr/>
+            </p14:nvContentPartPr>
+            <p14:xfrm>
+              <a:off x="7630726" y="226371"/>
+              <a:ext cx="2981880" cy="640440"/>
+            </p14:xfrm>
+          </p:contentPart>
+        </mc:Choice>
+        <mc:Fallback>
+          <p:pic>
+            <p:nvPicPr>
+              <p:cNvPr id="99" name="Ink 98">
+                <a:extLst>
+                  <a:ext uri="{FF2B5EF4-FFF2-40B4-BE49-F238E27FC236}">
+                    <a16:creationId xmlns:a16="http://schemas.microsoft.com/office/drawing/2014/main" id="{6AB82050-9DAA-4C42-833C-97BBA0B4FCB5}"/>
+                  </a:ext>
+                </a:extLst>
+              </p:cNvPr>
+              <p:cNvPicPr/>
+              <p:nvPr/>
+            </p:nvPicPr>
+            <p:blipFill>
+              <a:blip r:embed="rId9"/>
+              <a:stretch>
+                <a:fillRect/>
+              </a:stretch>
+            </p:blipFill>
+            <p:spPr>
+              <a:xfrm>
+                <a:off x="7621726" y="217371"/>
+                <a:ext cx="2999520" cy="658080"/>
+              </a:xfrm>
+              <a:prstGeom prst="rect">
+                <a:avLst/>
+              </a:prstGeom>
+            </p:spPr>
+          </p:pic>
+        </mc:Fallback>
+      </mc:AlternateContent>
+      <mc:AlternateContent xmlns:mc="http://schemas.openxmlformats.org/markup-compatibility/2006">
+        <mc:Choice xmlns:p14="http://schemas.microsoft.com/office/powerpoint/2010/main" Requires="p14">
+          <p:contentPart p14:bwMode="auto" r:id="rId10">
+            <p14:nvContentPartPr>
+              <p14:cNvPr id="123" name="Ink 122">
+                <a:extLst>
+                  <a:ext uri="{FF2B5EF4-FFF2-40B4-BE49-F238E27FC236}">
+                    <a16:creationId xmlns:a16="http://schemas.microsoft.com/office/drawing/2014/main" id="{25AC33EB-8AD6-436F-8B49-FCF225CE3B8A}"/>
+                  </a:ext>
+                </a:extLst>
+              </p14:cNvPr>
+              <p14:cNvContentPartPr/>
+              <p14:nvPr/>
+            </p14:nvContentPartPr>
+            <p14:xfrm>
+              <a:off x="6117286" y="1239771"/>
+              <a:ext cx="1322280" cy="442440"/>
+            </p14:xfrm>
+          </p:contentPart>
+        </mc:Choice>
+        <mc:Fallback>
+          <p:pic>
+            <p:nvPicPr>
+              <p:cNvPr id="123" name="Ink 122">
+                <a:extLst>
+                  <a:ext uri="{FF2B5EF4-FFF2-40B4-BE49-F238E27FC236}">
+                    <a16:creationId xmlns:a16="http://schemas.microsoft.com/office/drawing/2014/main" id="{25AC33EB-8AD6-436F-8B49-FCF225CE3B8A}"/>
+                  </a:ext>
+                </a:extLst>
+              </p:cNvPr>
+              <p:cNvPicPr/>
+              <p:nvPr/>
+            </p:nvPicPr>
+            <p:blipFill>
+              <a:blip r:embed="rId11"/>
+              <a:stretch>
+                <a:fillRect/>
+              </a:stretch>
+            </p:blipFill>
+            <p:spPr>
+              <a:xfrm>
+                <a:off x="6108286" y="1230771"/>
+                <a:ext cx="1339920" cy="460080"/>
+              </a:xfrm>
+              <a:prstGeom prst="rect">
+                <a:avLst/>
+              </a:prstGeom>
+            </p:spPr>
+          </p:pic>
+        </mc:Fallback>
+      </mc:AlternateContent>
+      <mc:AlternateContent xmlns:mc="http://schemas.openxmlformats.org/markup-compatibility/2006">
+        <mc:Choice xmlns:p14="http://schemas.microsoft.com/office/powerpoint/2010/main" Requires="p14">
+          <p:contentPart p14:bwMode="auto" r:id="rId12">
+            <p14:nvContentPartPr>
+              <p14:cNvPr id="128" name="Ink 127">
+                <a:extLst>
+                  <a:ext uri="{FF2B5EF4-FFF2-40B4-BE49-F238E27FC236}">
+                    <a16:creationId xmlns:a16="http://schemas.microsoft.com/office/drawing/2014/main" id="{95F46221-3A82-42AD-BDED-6602081ACF35}"/>
+                  </a:ext>
+                </a:extLst>
+              </p14:cNvPr>
+              <p14:cNvContentPartPr/>
+              <p14:nvPr/>
+            </p14:nvContentPartPr>
+            <p14:xfrm>
+              <a:off x="6585286" y="1817211"/>
+              <a:ext cx="923760" cy="319680"/>
+            </p14:xfrm>
+          </p:contentPart>
+        </mc:Choice>
+        <mc:Fallback>
+          <p:pic>
+            <p:nvPicPr>
+              <p:cNvPr id="128" name="Ink 127">
+                <a:extLst>
+                  <a:ext uri="{FF2B5EF4-FFF2-40B4-BE49-F238E27FC236}">
+                    <a16:creationId xmlns:a16="http://schemas.microsoft.com/office/drawing/2014/main" id="{95F46221-3A82-42AD-BDED-6602081ACF35}"/>
+                  </a:ext>
+                </a:extLst>
+              </p:cNvPr>
+              <p:cNvPicPr/>
+              <p:nvPr/>
+            </p:nvPicPr>
+            <p:blipFill>
+              <a:blip r:embed="rId13"/>
+              <a:stretch>
+                <a:fillRect/>
+              </a:stretch>
+            </p:blipFill>
+            <p:spPr>
+              <a:xfrm>
+                <a:off x="6576286" y="1808211"/>
+                <a:ext cx="941400" cy="337320"/>
+              </a:xfrm>
+              <a:prstGeom prst="rect">
+                <a:avLst/>
+              </a:prstGeom>
+            </p:spPr>
+          </p:pic>
+        </mc:Fallback>
+      </mc:AlternateContent>
+      <mc:AlternateContent xmlns:mc="http://schemas.openxmlformats.org/markup-compatibility/2006">
+        <mc:Choice xmlns:p14="http://schemas.microsoft.com/office/powerpoint/2010/main" Requires="p14">
+          <p:contentPart p14:bwMode="auto" r:id="rId14">
+            <p14:nvContentPartPr>
+              <p14:cNvPr id="134" name="Ink 133">
+                <a:extLst>
+                  <a:ext uri="{FF2B5EF4-FFF2-40B4-BE49-F238E27FC236}">
+                    <a16:creationId xmlns:a16="http://schemas.microsoft.com/office/drawing/2014/main" id="{18B4CA43-C237-4159-BBE1-4F86E5FB28D6}"/>
+                  </a:ext>
+                </a:extLst>
+              </p14:cNvPr>
+              <p14:cNvContentPartPr/>
+              <p14:nvPr/>
+            </p14:nvContentPartPr>
+            <p14:xfrm>
+              <a:off x="9689206" y="1828011"/>
+              <a:ext cx="1247760" cy="460440"/>
+            </p14:xfrm>
+          </p:contentPart>
+        </mc:Choice>
+        <mc:Fallback>
+          <p:pic>
+            <p:nvPicPr>
+              <p:cNvPr id="134" name="Ink 133">
+                <a:extLst>
+                  <a:ext uri="{FF2B5EF4-FFF2-40B4-BE49-F238E27FC236}">
+                    <a16:creationId xmlns:a16="http://schemas.microsoft.com/office/drawing/2014/main" id="{18B4CA43-C237-4159-BBE1-4F86E5FB28D6}"/>
+                  </a:ext>
+                </a:extLst>
+              </p:cNvPr>
+              <p:cNvPicPr/>
+              <p:nvPr/>
+            </p:nvPicPr>
+            <p:blipFill>
+              <a:blip r:embed="rId15"/>
+              <a:stretch>
+                <a:fillRect/>
+              </a:stretch>
+            </p:blipFill>
+            <p:spPr>
+              <a:xfrm>
+                <a:off x="9680206" y="1819011"/>
+                <a:ext cx="1265400" cy="478080"/>
+              </a:xfrm>
+              <a:prstGeom prst="rect">
+                <a:avLst/>
+              </a:prstGeom>
+            </p:spPr>
+          </p:pic>
+        </mc:Fallback>
+      </mc:AlternateContent>
+      <mc:AlternateContent xmlns:mc="http://schemas.openxmlformats.org/markup-compatibility/2006">
+        <mc:Choice xmlns:p14="http://schemas.microsoft.com/office/powerpoint/2010/main" Requires="p14">
+          <p:contentPart p14:bwMode="auto" r:id="rId16">
+            <p14:nvContentPartPr>
+              <p14:cNvPr id="145" name="Ink 144">
+                <a:extLst>
+                  <a:ext uri="{FF2B5EF4-FFF2-40B4-BE49-F238E27FC236}">
+                    <a16:creationId xmlns:a16="http://schemas.microsoft.com/office/drawing/2014/main" id="{055687F7-F920-428B-A97A-C04528A68FD1}"/>
+                  </a:ext>
+                </a:extLst>
+              </p14:cNvPr>
+              <p14:cNvContentPartPr/>
+              <p14:nvPr/>
+            </p14:nvContentPartPr>
+            <p14:xfrm>
+              <a:off x="6462526" y="2407611"/>
+              <a:ext cx="1187640" cy="443160"/>
+            </p14:xfrm>
+          </p:contentPart>
+        </mc:Choice>
+        <mc:Fallback>
+          <p:pic>
+            <p:nvPicPr>
+              <p:cNvPr id="145" name="Ink 144">
+                <a:extLst>
+                  <a:ext uri="{FF2B5EF4-FFF2-40B4-BE49-F238E27FC236}">
+                    <a16:creationId xmlns:a16="http://schemas.microsoft.com/office/drawing/2014/main" id="{055687F7-F920-428B-A97A-C04528A68FD1}"/>
+                  </a:ext>
+                </a:extLst>
+              </p:cNvPr>
+              <p:cNvPicPr/>
+              <p:nvPr/>
+            </p:nvPicPr>
+            <p:blipFill>
+              <a:blip r:embed="rId17"/>
+              <a:stretch>
+                <a:fillRect/>
+              </a:stretch>
+            </p:blipFill>
+            <p:spPr>
+              <a:xfrm>
+                <a:off x="6453526" y="2398611"/>
+                <a:ext cx="1205280" cy="460800"/>
+              </a:xfrm>
+              <a:prstGeom prst="rect">
+                <a:avLst/>
+              </a:prstGeom>
+            </p:spPr>
+          </p:pic>
+        </mc:Fallback>
+      </mc:AlternateContent>
+      <mc:AlternateContent xmlns:mc="http://schemas.openxmlformats.org/markup-compatibility/2006">
+        <mc:Choice xmlns:p14="http://schemas.microsoft.com/office/powerpoint/2010/main" Requires="p14">
+          <p:contentPart p14:bwMode="auto" r:id="rId18">
+            <p14:nvContentPartPr>
+              <p14:cNvPr id="157" name="Ink 156">
+                <a:extLst>
+                  <a:ext uri="{FF2B5EF4-FFF2-40B4-BE49-F238E27FC236}">
+                    <a16:creationId xmlns:a16="http://schemas.microsoft.com/office/drawing/2014/main" id="{13A7BEE3-681D-4D26-A059-BC8E9832ADD1}"/>
+                  </a:ext>
+                </a:extLst>
+              </p14:cNvPr>
+              <p14:cNvContentPartPr/>
+              <p14:nvPr/>
+            </p14:nvContentPartPr>
+            <p14:xfrm>
+              <a:off x="6515086" y="2970651"/>
+              <a:ext cx="1672920" cy="545400"/>
+            </p14:xfrm>
+          </p:contentPart>
+        </mc:Choice>
+        <mc:Fallback>
+          <p:pic>
+            <p:nvPicPr>
+              <p:cNvPr id="157" name="Ink 156">
+                <a:extLst>
+                  <a:ext uri="{FF2B5EF4-FFF2-40B4-BE49-F238E27FC236}">
+                    <a16:creationId xmlns:a16="http://schemas.microsoft.com/office/drawing/2014/main" id="{13A7BEE3-681D-4D26-A059-BC8E9832ADD1}"/>
+                  </a:ext>
+                </a:extLst>
+              </p:cNvPr>
+              <p:cNvPicPr/>
+              <p:nvPr/>
+            </p:nvPicPr>
+            <p:blipFill>
+              <a:blip r:embed="rId19"/>
+              <a:stretch>
+                <a:fillRect/>
+              </a:stretch>
+            </p:blipFill>
+            <p:spPr>
+              <a:xfrm>
+                <a:off x="6506086" y="2961651"/>
+                <a:ext cx="1690560" cy="563040"/>
+              </a:xfrm>
+              <a:prstGeom prst="rect">
+                <a:avLst/>
+              </a:prstGeom>
+            </p:spPr>
+          </p:pic>
+        </mc:Fallback>
+      </mc:AlternateContent>
+      <mc:AlternateContent xmlns:mc="http://schemas.openxmlformats.org/markup-compatibility/2006">
+        <mc:Choice xmlns:p14="http://schemas.microsoft.com/office/powerpoint/2010/main" Requires="p14">
+          <p:contentPart p14:bwMode="auto" r:id="rId20">
+            <p14:nvContentPartPr>
+              <p14:cNvPr id="172" name="Ink 171">
+                <a:extLst>
+                  <a:ext uri="{FF2B5EF4-FFF2-40B4-BE49-F238E27FC236}">
+                    <a16:creationId xmlns:a16="http://schemas.microsoft.com/office/drawing/2014/main" id="{43D97157-E68F-4DD7-A041-8EA209F6C273}"/>
+                  </a:ext>
+                </a:extLst>
+              </p14:cNvPr>
+              <p14:cNvContentPartPr/>
+              <p14:nvPr/>
+            </p14:nvContentPartPr>
+            <p14:xfrm>
+              <a:off x="9212206" y="2635491"/>
+              <a:ext cx="2459160" cy="684360"/>
+            </p14:xfrm>
+          </p:contentPart>
+        </mc:Choice>
+        <mc:Fallback>
+          <p:pic>
+            <p:nvPicPr>
+              <p:cNvPr id="172" name="Ink 171">
+                <a:extLst>
+                  <a:ext uri="{FF2B5EF4-FFF2-40B4-BE49-F238E27FC236}">
+                    <a16:creationId xmlns:a16="http://schemas.microsoft.com/office/drawing/2014/main" id="{43D97157-E68F-4DD7-A041-8EA209F6C273}"/>
+                  </a:ext>
+                </a:extLst>
+              </p:cNvPr>
+              <p:cNvPicPr/>
+              <p:nvPr/>
+            </p:nvPicPr>
+            <p:blipFill>
+              <a:blip r:embed="rId21"/>
+              <a:stretch>
+                <a:fillRect/>
+              </a:stretch>
+            </p:blipFill>
+            <p:spPr>
+              <a:xfrm>
+                <a:off x="9203206" y="2626491"/>
+                <a:ext cx="2476800" cy="702000"/>
+              </a:xfrm>
+              <a:prstGeom prst="rect">
+                <a:avLst/>
+              </a:prstGeom>
+            </p:spPr>
+          </p:pic>
+        </mc:Fallback>
+      </mc:AlternateContent>
+      <mc:AlternateContent xmlns:mc="http://schemas.openxmlformats.org/markup-compatibility/2006">
+        <mc:Choice xmlns:p14="http://schemas.microsoft.com/office/powerpoint/2010/main" Requires="p14">
+          <p:contentPart p14:bwMode="auto" r:id="rId22">
+            <p14:nvContentPartPr>
+              <p14:cNvPr id="182" name="Ink 181">
+                <a:extLst>
+                  <a:ext uri="{FF2B5EF4-FFF2-40B4-BE49-F238E27FC236}">
+                    <a16:creationId xmlns:a16="http://schemas.microsoft.com/office/drawing/2014/main" id="{34C4599F-CA96-4511-9CDE-01319BB7CA04}"/>
+                  </a:ext>
+                </a:extLst>
+              </p14:cNvPr>
+              <p14:cNvContentPartPr/>
+              <p14:nvPr/>
+            </p14:nvContentPartPr>
+            <p14:xfrm>
+              <a:off x="9759406" y="3279531"/>
+              <a:ext cx="1222560" cy="598320"/>
+            </p14:xfrm>
+          </p:contentPart>
+        </mc:Choice>
+        <mc:Fallback>
+          <p:pic>
+            <p:nvPicPr>
+              <p:cNvPr id="182" name="Ink 181">
+                <a:extLst>
+                  <a:ext uri="{FF2B5EF4-FFF2-40B4-BE49-F238E27FC236}">
+                    <a16:creationId xmlns:a16="http://schemas.microsoft.com/office/drawing/2014/main" id="{34C4599F-CA96-4511-9CDE-01319BB7CA04}"/>
+                  </a:ext>
+                </a:extLst>
+              </p:cNvPr>
+              <p:cNvPicPr/>
+              <p:nvPr/>
+            </p:nvPicPr>
+            <p:blipFill>
+              <a:blip r:embed="rId23"/>
+              <a:stretch>
+                <a:fillRect/>
+              </a:stretch>
+            </p:blipFill>
+            <p:spPr>
+              <a:xfrm>
+                <a:off x="9750406" y="3270531"/>
+                <a:ext cx="1240200" cy="615960"/>
+              </a:xfrm>
+              <a:prstGeom prst="rect">
+                <a:avLst/>
+              </a:prstGeom>
+            </p:spPr>
+          </p:pic>
+        </mc:Fallback>
+      </mc:AlternateContent>
+      <mc:AlternateContent xmlns:mc="http://schemas.openxmlformats.org/markup-compatibility/2006">
+        <mc:Choice xmlns:p14="http://schemas.microsoft.com/office/powerpoint/2010/main" Requires="p14">
+          <p:contentPart p14:bwMode="auto" r:id="rId24">
+            <p14:nvContentPartPr>
+              <p14:cNvPr id="207" name="Ink 206">
+                <a:extLst>
+                  <a:ext uri="{FF2B5EF4-FFF2-40B4-BE49-F238E27FC236}">
+                    <a16:creationId xmlns:a16="http://schemas.microsoft.com/office/drawing/2014/main" id="{CEDBC734-D42A-45E3-AC6D-479320A43566}"/>
+                  </a:ext>
+                </a:extLst>
+              </p14:cNvPr>
+              <p14:cNvContentPartPr/>
+              <p14:nvPr/>
+            </p14:nvContentPartPr>
+            <p14:xfrm>
+              <a:off x="1478326" y="105411"/>
+              <a:ext cx="4456800" cy="4080600"/>
+            </p14:xfrm>
+          </p:contentPart>
+        </mc:Choice>
+        <mc:Fallback>
+          <p:pic>
+            <p:nvPicPr>
+              <p:cNvPr id="207" name="Ink 206">
+                <a:extLst>
+                  <a:ext uri="{FF2B5EF4-FFF2-40B4-BE49-F238E27FC236}">
+                    <a16:creationId xmlns:a16="http://schemas.microsoft.com/office/drawing/2014/main" id="{CEDBC734-D42A-45E3-AC6D-479320A43566}"/>
+                  </a:ext>
+                </a:extLst>
+              </p:cNvPr>
+              <p:cNvPicPr/>
+              <p:nvPr/>
+            </p:nvPicPr>
+            <p:blipFill>
+              <a:blip r:embed="rId25"/>
+              <a:stretch>
+                <a:fillRect/>
+              </a:stretch>
+            </p:blipFill>
+            <p:spPr>
+              <a:xfrm>
+                <a:off x="1469326" y="96411"/>
+                <a:ext cx="4474440" cy="4098240"/>
+              </a:xfrm>
+              <a:prstGeom prst="rect">
+                <a:avLst/>
+              </a:prstGeom>
+            </p:spPr>
+          </p:pic>
+        </mc:Fallback>
+      </mc:AlternateContent>
+      <mc:AlternateContent xmlns:mc="http://schemas.openxmlformats.org/markup-compatibility/2006">
+        <mc:Choice xmlns:p14="http://schemas.microsoft.com/office/powerpoint/2010/main" Requires="p14">
+          <p:contentPart p14:bwMode="auto" r:id="rId26">
+            <p14:nvContentPartPr>
+              <p14:cNvPr id="215" name="Ink 214">
+                <a:extLst>
+                  <a:ext uri="{FF2B5EF4-FFF2-40B4-BE49-F238E27FC236}">
+                    <a16:creationId xmlns:a16="http://schemas.microsoft.com/office/drawing/2014/main" id="{7CBDC1C1-9967-4CB4-88BC-8799950647A1}"/>
+                  </a:ext>
+                </a:extLst>
+              </p14:cNvPr>
+              <p14:cNvContentPartPr/>
+              <p14:nvPr/>
+            </p14:nvContentPartPr>
+            <p14:xfrm>
+              <a:off x="5958886" y="4074411"/>
+              <a:ext cx="1591560" cy="472680"/>
+            </p14:xfrm>
+          </p:contentPart>
+        </mc:Choice>
+        <mc:Fallback>
+          <p:pic>
+            <p:nvPicPr>
+              <p:cNvPr id="215" name="Ink 214">
+                <a:extLst>
+                  <a:ext uri="{FF2B5EF4-FFF2-40B4-BE49-F238E27FC236}">
+                    <a16:creationId xmlns:a16="http://schemas.microsoft.com/office/drawing/2014/main" id="{7CBDC1C1-9967-4CB4-88BC-8799950647A1}"/>
+                  </a:ext>
+                </a:extLst>
+              </p:cNvPr>
+              <p:cNvPicPr/>
+              <p:nvPr/>
+            </p:nvPicPr>
+            <p:blipFill>
+              <a:blip r:embed="rId27"/>
+              <a:stretch>
+                <a:fillRect/>
+              </a:stretch>
+            </p:blipFill>
+            <p:spPr>
+              <a:xfrm>
+                <a:off x="5949886" y="4065411"/>
+                <a:ext cx="1609200" cy="490320"/>
+              </a:xfrm>
+              <a:prstGeom prst="rect">
+                <a:avLst/>
+              </a:prstGeom>
+            </p:spPr>
+          </p:pic>
+        </mc:Fallback>
+      </mc:AlternateContent>
+      <mc:AlternateContent xmlns:mc="http://schemas.openxmlformats.org/markup-compatibility/2006">
+        <mc:Choice xmlns:p14="http://schemas.microsoft.com/office/powerpoint/2010/main" Requires="p14">
+          <p:contentPart p14:bwMode="auto" r:id="rId28">
+            <p14:nvContentPartPr>
+              <p14:cNvPr id="223" name="Ink 222">
+                <a:extLst>
+                  <a:ext uri="{FF2B5EF4-FFF2-40B4-BE49-F238E27FC236}">
+                    <a16:creationId xmlns:a16="http://schemas.microsoft.com/office/drawing/2014/main" id="{8AE21971-0F17-4717-BFB8-03C181A53BE3}"/>
+                  </a:ext>
+                </a:extLst>
+              </p14:cNvPr>
+              <p14:cNvContentPartPr/>
+              <p14:nvPr/>
+            </p14:nvContentPartPr>
+            <p14:xfrm>
+              <a:off x="7859326" y="4051011"/>
+              <a:ext cx="2143800" cy="505440"/>
+            </p14:xfrm>
+          </p:contentPart>
+        </mc:Choice>
+        <mc:Fallback>
+          <p:pic>
+            <p:nvPicPr>
+              <p:cNvPr id="223" name="Ink 222">
+                <a:extLst>
+                  <a:ext uri="{FF2B5EF4-FFF2-40B4-BE49-F238E27FC236}">
+                    <a16:creationId xmlns:a16="http://schemas.microsoft.com/office/drawing/2014/main" id="{8AE21971-0F17-4717-BFB8-03C181A53BE3}"/>
+                  </a:ext>
+                </a:extLst>
+              </p:cNvPr>
+              <p:cNvPicPr/>
+              <p:nvPr/>
+            </p:nvPicPr>
+            <p:blipFill>
+              <a:blip r:embed="rId29"/>
+              <a:stretch>
+                <a:fillRect/>
+              </a:stretch>
+            </p:blipFill>
+            <p:spPr>
+              <a:xfrm>
+                <a:off x="7850326" y="4042011"/>
+                <a:ext cx="2161440" cy="523080"/>
+              </a:xfrm>
+              <a:prstGeom prst="rect">
+                <a:avLst/>
+              </a:prstGeom>
+            </p:spPr>
+          </p:pic>
+        </mc:Fallback>
+      </mc:AlternateContent>
+      <mc:AlternateContent xmlns:mc="http://schemas.openxmlformats.org/markup-compatibility/2006">
+        <mc:Choice xmlns:p14="http://schemas.microsoft.com/office/powerpoint/2010/main" Requires="p14">
+          <p:contentPart p14:bwMode="auto" r:id="rId30">
+            <p14:nvContentPartPr>
+              <p14:cNvPr id="271" name="Ink 270">
+                <a:extLst>
+                  <a:ext uri="{FF2B5EF4-FFF2-40B4-BE49-F238E27FC236}">
+                    <a16:creationId xmlns:a16="http://schemas.microsoft.com/office/drawing/2014/main" id="{C2A2F66A-9E37-499A-AF64-EDBED457F828}"/>
+                  </a:ext>
+                </a:extLst>
+              </p14:cNvPr>
+              <p14:cNvContentPartPr/>
+              <p14:nvPr/>
+            </p14:nvContentPartPr>
+            <p14:xfrm>
+              <a:off x="2092486" y="4059291"/>
+              <a:ext cx="7825680" cy="2044800"/>
+            </p14:xfrm>
+          </p:contentPart>
+        </mc:Choice>
+        <mc:Fallback>
+          <p:pic>
+            <p:nvPicPr>
+              <p:cNvPr id="271" name="Ink 270">
+                <a:extLst>
+                  <a:ext uri="{FF2B5EF4-FFF2-40B4-BE49-F238E27FC236}">
+                    <a16:creationId xmlns:a16="http://schemas.microsoft.com/office/drawing/2014/main" id="{C2A2F66A-9E37-499A-AF64-EDBED457F828}"/>
+                  </a:ext>
+                </a:extLst>
+              </p:cNvPr>
+              <p:cNvPicPr/>
+              <p:nvPr/>
+            </p:nvPicPr>
+            <p:blipFill>
+              <a:blip r:embed="rId31"/>
+              <a:stretch>
+                <a:fillRect/>
+              </a:stretch>
+            </p:blipFill>
+            <p:spPr>
+              <a:xfrm>
+                <a:off x="2083486" y="4050291"/>
+                <a:ext cx="7843320" cy="2062440"/>
+              </a:xfrm>
+              <a:prstGeom prst="rect">
+                <a:avLst/>
+              </a:prstGeom>
+            </p:spPr>
+          </p:pic>
+        </mc:Fallback>
+      </mc:AlternateContent>
+      <mc:AlternateContent xmlns:mc="http://schemas.openxmlformats.org/markup-compatibility/2006">
+        <mc:Choice xmlns:p14="http://schemas.microsoft.com/office/powerpoint/2010/main" Requires="p14">
+          <p:contentPart p14:bwMode="auto" r:id="rId32">
+            <p14:nvContentPartPr>
+              <p14:cNvPr id="272" name="Ink 271">
+                <a:extLst>
+                  <a:ext uri="{FF2B5EF4-FFF2-40B4-BE49-F238E27FC236}">
+                    <a16:creationId xmlns:a16="http://schemas.microsoft.com/office/drawing/2014/main" id="{C2B307CB-8DBB-4B5E-8DC3-1E08824CE7BA}"/>
+                  </a:ext>
+                </a:extLst>
+              </p14:cNvPr>
+              <p14:cNvContentPartPr/>
+              <p14:nvPr/>
+            </p14:nvContentPartPr>
+            <p14:xfrm>
+              <a:off x="4176526" y="2139051"/>
+              <a:ext cx="1159560" cy="428760"/>
+            </p14:xfrm>
+          </p:contentPart>
+        </mc:Choice>
+        <mc:Fallback>
+          <p:pic>
+            <p:nvPicPr>
+              <p:cNvPr id="272" name="Ink 271">
+                <a:extLst>
+                  <a:ext uri="{FF2B5EF4-FFF2-40B4-BE49-F238E27FC236}">
+                    <a16:creationId xmlns:a16="http://schemas.microsoft.com/office/drawing/2014/main" id="{C2B307CB-8DBB-4B5E-8DC3-1E08824CE7BA}"/>
+                  </a:ext>
+                </a:extLst>
+              </p:cNvPr>
+              <p:cNvPicPr/>
+              <p:nvPr/>
+            </p:nvPicPr>
+            <p:blipFill>
+              <a:blip r:embed="rId33"/>
+              <a:stretch>
+                <a:fillRect/>
+              </a:stretch>
+            </p:blipFill>
+            <p:spPr>
+              <a:xfrm>
+                <a:off x="4167526" y="2130051"/>
+                <a:ext cx="1177200" cy="446400"/>
+              </a:xfrm>
+              <a:prstGeom prst="rect">
+                <a:avLst/>
+              </a:prstGeom>
+            </p:spPr>
+          </p:pic>
+        </mc:Fallback>
+      </mc:AlternateContent>
+      <mc:AlternateContent xmlns:mc="http://schemas.openxmlformats.org/markup-compatibility/2006">
+        <mc:Choice xmlns:p14="http://schemas.microsoft.com/office/powerpoint/2010/main" Requires="p14">
+          <p:contentPart p14:bwMode="auto" r:id="rId34">
+            <p14:nvContentPartPr>
+              <p14:cNvPr id="273" name="Ink 272">
+                <a:extLst>
+                  <a:ext uri="{FF2B5EF4-FFF2-40B4-BE49-F238E27FC236}">
+                    <a16:creationId xmlns:a16="http://schemas.microsoft.com/office/drawing/2014/main" id="{D8F57AFE-36AB-414C-B6EF-0A9D3787B079}"/>
+                  </a:ext>
+                </a:extLst>
+              </p14:cNvPr>
+              <p14:cNvContentPartPr/>
+              <p14:nvPr/>
+            </p14:nvContentPartPr>
+            <p14:xfrm>
+              <a:off x="4168606" y="2124651"/>
+              <a:ext cx="1283040" cy="444600"/>
+            </p14:xfrm>
+          </p:contentPart>
+        </mc:Choice>
+        <mc:Fallback>
+          <p:pic>
+            <p:nvPicPr>
+              <p:cNvPr id="273" name="Ink 272">
+                <a:extLst>
+                  <a:ext uri="{FF2B5EF4-FFF2-40B4-BE49-F238E27FC236}">
+                    <a16:creationId xmlns:a16="http://schemas.microsoft.com/office/drawing/2014/main" id="{D8F57AFE-36AB-414C-B6EF-0A9D3787B079}"/>
+                  </a:ext>
+                </a:extLst>
+              </p:cNvPr>
+              <p:cNvPicPr/>
+              <p:nvPr/>
+            </p:nvPicPr>
+            <p:blipFill>
+              <a:blip r:embed="rId35"/>
+              <a:stretch>
+                <a:fillRect/>
+              </a:stretch>
+            </p:blipFill>
+            <p:spPr>
+              <a:xfrm>
+                <a:off x="4159606" y="2115651"/>
+                <a:ext cx="1300680" cy="462240"/>
+              </a:xfrm>
+              <a:prstGeom prst="rect">
+                <a:avLst/>
+              </a:prstGeom>
+            </p:spPr>
+          </p:pic>
+        </mc:Fallback>
+      </mc:AlternateContent>
+      <mc:AlternateContent xmlns:mc="http://schemas.openxmlformats.org/markup-compatibility/2006">
+        <mc:Choice xmlns:p14="http://schemas.microsoft.com/office/powerpoint/2010/main" Requires="p14">
+          <p:contentPart p14:bwMode="auto" r:id="rId36">
+            <p14:nvContentPartPr>
+              <p14:cNvPr id="292" name="Ink 291">
+                <a:extLst>
+                  <a:ext uri="{FF2B5EF4-FFF2-40B4-BE49-F238E27FC236}">
+                    <a16:creationId xmlns:a16="http://schemas.microsoft.com/office/drawing/2014/main" id="{4AE9F218-B3BB-4F7D-B78B-61B23D38CE7B}"/>
+                  </a:ext>
+                </a:extLst>
+              </p14:cNvPr>
+              <p14:cNvContentPartPr/>
+              <p14:nvPr/>
+            </p14:nvContentPartPr>
+            <p14:xfrm>
+              <a:off x="275926" y="1933491"/>
+              <a:ext cx="1747080" cy="1192320"/>
+            </p14:xfrm>
+          </p:contentPart>
+        </mc:Choice>
+        <mc:Fallback>
+          <p:pic>
+            <p:nvPicPr>
+              <p:cNvPr id="292" name="Ink 291">
+                <a:extLst>
+                  <a:ext uri="{FF2B5EF4-FFF2-40B4-BE49-F238E27FC236}">
+                    <a16:creationId xmlns:a16="http://schemas.microsoft.com/office/drawing/2014/main" id="{4AE9F218-B3BB-4F7D-B78B-61B23D38CE7B}"/>
+                  </a:ext>
+                </a:extLst>
+              </p:cNvPr>
+              <p:cNvPicPr/>
+              <p:nvPr/>
+            </p:nvPicPr>
+            <p:blipFill>
+              <a:blip r:embed="rId37"/>
+              <a:stretch>
+                <a:fillRect/>
+              </a:stretch>
+            </p:blipFill>
+            <p:spPr>
+              <a:xfrm>
+                <a:off x="266926" y="1924491"/>
+                <a:ext cx="1764720" cy="1209960"/>
+              </a:xfrm>
+              <a:prstGeom prst="rect">
+                <a:avLst/>
+              </a:prstGeom>
+            </p:spPr>
+          </p:pic>
+        </mc:Fallback>
+      </mc:AlternateContent>
+      <mc:AlternateContent xmlns:mc="http://schemas.openxmlformats.org/markup-compatibility/2006">
+        <mc:Choice xmlns:p14="http://schemas.microsoft.com/office/powerpoint/2010/main" Requires="p14">
+          <p:contentPart p14:bwMode="auto" r:id="rId38">
+            <p14:nvContentPartPr>
+              <p14:cNvPr id="295" name="Ink 294">
+                <a:extLst>
+                  <a:ext uri="{FF2B5EF4-FFF2-40B4-BE49-F238E27FC236}">
+                    <a16:creationId xmlns:a16="http://schemas.microsoft.com/office/drawing/2014/main" id="{55C17698-719F-4F8D-A27E-AA7158DD3412}"/>
+                  </a:ext>
+                </a:extLst>
+              </p14:cNvPr>
+              <p14:cNvContentPartPr/>
+              <p14:nvPr/>
+            </p14:nvContentPartPr>
+            <p14:xfrm>
+              <a:off x="795766" y="3024651"/>
+              <a:ext cx="523440" cy="141120"/>
+            </p14:xfrm>
+          </p:contentPart>
+        </mc:Choice>
+        <mc:Fallback>
+          <p:pic>
+            <p:nvPicPr>
+              <p:cNvPr id="295" name="Ink 294">
+                <a:extLst>
+                  <a:ext uri="{FF2B5EF4-FFF2-40B4-BE49-F238E27FC236}">
+                    <a16:creationId xmlns:a16="http://schemas.microsoft.com/office/drawing/2014/main" id="{55C17698-719F-4F8D-A27E-AA7158DD3412}"/>
+                  </a:ext>
+                </a:extLst>
+              </p:cNvPr>
+              <p:cNvPicPr/>
+              <p:nvPr/>
+            </p:nvPicPr>
+            <p:blipFill>
+              <a:blip r:embed="rId39"/>
+              <a:stretch>
+                <a:fillRect/>
+              </a:stretch>
+            </p:blipFill>
+            <p:spPr>
+              <a:xfrm>
+                <a:off x="786766" y="3015651"/>
+                <a:ext cx="541080" cy="158760"/>
+              </a:xfrm>
+              <a:prstGeom prst="rect">
+                <a:avLst/>
+              </a:prstGeom>
+            </p:spPr>
+          </p:pic>
+        </mc:Fallback>
+      </mc:AlternateContent>
+      <mc:AlternateContent xmlns:mc="http://schemas.openxmlformats.org/markup-compatibility/2006">
+        <mc:Choice xmlns:p14="http://schemas.microsoft.com/office/powerpoint/2010/main" Requires="p14">
+          <p:contentPart p14:bwMode="auto" r:id="rId40">
+            <p14:nvContentPartPr>
+              <p14:cNvPr id="308" name="Ink 307">
+                <a:extLst>
+                  <a:ext uri="{FF2B5EF4-FFF2-40B4-BE49-F238E27FC236}">
+                    <a16:creationId xmlns:a16="http://schemas.microsoft.com/office/drawing/2014/main" id="{94C340DC-44FE-4D61-BA6F-E938751A786A}"/>
+                  </a:ext>
+                </a:extLst>
+              </p14:cNvPr>
+              <p14:cNvContentPartPr/>
+              <p14:nvPr/>
+            </p14:nvContentPartPr>
+            <p14:xfrm>
+              <a:off x="2725726" y="2153811"/>
+              <a:ext cx="1187280" cy="337680"/>
+            </p14:xfrm>
+          </p:contentPart>
+        </mc:Choice>
+        <mc:Fallback>
+          <p:pic>
+            <p:nvPicPr>
+              <p:cNvPr id="308" name="Ink 307">
+                <a:extLst>
+                  <a:ext uri="{FF2B5EF4-FFF2-40B4-BE49-F238E27FC236}">
+                    <a16:creationId xmlns:a16="http://schemas.microsoft.com/office/drawing/2014/main" id="{94C340DC-44FE-4D61-BA6F-E938751A786A}"/>
+                  </a:ext>
+                </a:extLst>
+              </p:cNvPr>
+              <p:cNvPicPr/>
+              <p:nvPr/>
+            </p:nvPicPr>
+            <p:blipFill>
+              <a:blip r:embed="rId41"/>
+              <a:stretch>
+                <a:fillRect/>
+              </a:stretch>
+            </p:blipFill>
+            <p:spPr>
+              <a:xfrm>
+                <a:off x="2716726" y="2144811"/>
+                <a:ext cx="1204920" cy="355320"/>
+              </a:xfrm>
+              <a:prstGeom prst="rect">
+                <a:avLst/>
+              </a:prstGeom>
+            </p:spPr>
+          </p:pic>
+        </mc:Fallback>
+      </mc:AlternateContent>
+      <mc:AlternateContent xmlns:mc="http://schemas.openxmlformats.org/markup-compatibility/2006">
+        <mc:Choice xmlns:p14="http://schemas.microsoft.com/office/powerpoint/2010/main" Requires="p14">
+          <p:contentPart p14:bwMode="auto" r:id="rId42">
+            <p14:nvContentPartPr>
+              <p14:cNvPr id="318" name="Ink 317">
+                <a:extLst>
+                  <a:ext uri="{FF2B5EF4-FFF2-40B4-BE49-F238E27FC236}">
+                    <a16:creationId xmlns:a16="http://schemas.microsoft.com/office/drawing/2014/main" id="{6F4A0BCB-C2AF-4F0A-8C74-6D4AEA79429C}"/>
+                  </a:ext>
+                </a:extLst>
+              </p14:cNvPr>
+              <p14:cNvContentPartPr/>
+              <p14:nvPr/>
+            </p14:nvContentPartPr>
+            <p14:xfrm>
+              <a:off x="930766" y="-128589"/>
+              <a:ext cx="1313280" cy="2045520"/>
+            </p14:xfrm>
+          </p:contentPart>
+        </mc:Choice>
+        <mc:Fallback>
+          <p:pic>
+            <p:nvPicPr>
+              <p:cNvPr id="318" name="Ink 317">
+                <a:extLst>
+                  <a:ext uri="{FF2B5EF4-FFF2-40B4-BE49-F238E27FC236}">
+                    <a16:creationId xmlns:a16="http://schemas.microsoft.com/office/drawing/2014/main" id="{6F4A0BCB-C2AF-4F0A-8C74-6D4AEA79429C}"/>
+                  </a:ext>
+                </a:extLst>
+              </p:cNvPr>
+              <p:cNvPicPr/>
+              <p:nvPr/>
+            </p:nvPicPr>
+            <p:blipFill>
+              <a:blip r:embed="rId43"/>
+              <a:stretch>
+                <a:fillRect/>
+              </a:stretch>
+            </p:blipFill>
+            <p:spPr>
+              <a:xfrm>
+                <a:off x="921766" y="-137589"/>
+                <a:ext cx="1330920" cy="2063160"/>
+              </a:xfrm>
+              <a:prstGeom prst="rect">
+                <a:avLst/>
+              </a:prstGeom>
+            </p:spPr>
+          </p:pic>
+        </mc:Fallback>
+      </mc:AlternateContent>
+    </p:spTree>
+    <p:extLst>
+      <p:ext uri="{BB962C8B-B14F-4D97-AF65-F5344CB8AC3E}">
+        <p14:creationId xmlns:p14="http://schemas.microsoft.com/office/powerpoint/2010/main" val="1783121507"/>
+      </p:ext>
+    </p:extLst>
+  </p:cSld>
+  <p:clrMapOvr>
+    <a:masterClrMapping/>
+  </p:clrMapOvr>
+</p:sld>
+</file>
+
+<file path=ppt/slides/slide11.xml><?xml version="1.0" encoding="utf-8"?>
+<p:sld xmlns:a="http://schemas.openxmlformats.org/drawingml/2006/main" xmlns:r="http://schemas.openxmlformats.org/officeDocument/2006/relationships" xmlns:p="http://schemas.openxmlformats.org/presentationml/2006/main">
+  <p:cSld>
+    <p:spTree>
+      <p:nvGrpSpPr>
+        <p:cNvPr id="1" name=""/>
+        <p:cNvGrpSpPr/>
+        <p:nvPr/>
+      </p:nvGrpSpPr>
+      <p:grpSpPr>
+        <a:xfrm>
+          <a:off x="0" y="0"/>
+          <a:ext cx="0" cy="0"/>
+          <a:chOff x="0" y="0"/>
+          <a:chExt cx="0" cy="0"/>
+        </a:xfrm>
+      </p:grpSpPr>
+      <mc:AlternateContent xmlns:mc="http://schemas.openxmlformats.org/markup-compatibility/2006">
+        <mc:Choice xmlns:p14="http://schemas.microsoft.com/office/powerpoint/2010/main" Requires="p14">
+          <p:contentPart p14:bwMode="auto" r:id="rId2">
+            <p14:nvContentPartPr>
+              <p14:cNvPr id="42" name="Ink 41">
+                <a:extLst>
+                  <a:ext uri="{FF2B5EF4-FFF2-40B4-BE49-F238E27FC236}">
+                    <a16:creationId xmlns:a16="http://schemas.microsoft.com/office/drawing/2014/main" id="{46799071-7265-4792-8BDF-73E8B680306D}"/>
+                  </a:ext>
+                </a:extLst>
+              </p14:cNvPr>
+              <p14:cNvContentPartPr/>
+              <p14:nvPr/>
+            </p14:nvContentPartPr>
+            <p14:xfrm>
+              <a:off x="5697526" y="1995771"/>
+              <a:ext cx="1374120" cy="1328040"/>
+            </p14:xfrm>
+          </p:contentPart>
+        </mc:Choice>
+        <mc:Fallback>
+          <p:pic>
+            <p:nvPicPr>
+              <p:cNvPr id="42" name="Ink 41">
+                <a:extLst>
+                  <a:ext uri="{FF2B5EF4-FFF2-40B4-BE49-F238E27FC236}">
+                    <a16:creationId xmlns:a16="http://schemas.microsoft.com/office/drawing/2014/main" id="{46799071-7265-4792-8BDF-73E8B680306D}"/>
+                  </a:ext>
+                </a:extLst>
+              </p:cNvPr>
+              <p:cNvPicPr/>
+              <p:nvPr/>
+            </p:nvPicPr>
+            <p:blipFill>
+              <a:blip r:embed="rId3"/>
+              <a:stretch>
+                <a:fillRect/>
+              </a:stretch>
+            </p:blipFill>
+            <p:spPr>
+              <a:xfrm>
+                <a:off x="5688526" y="1986771"/>
+                <a:ext cx="1391760" cy="1345680"/>
+              </a:xfrm>
+              <a:prstGeom prst="rect">
+                <a:avLst/>
+              </a:prstGeom>
+            </p:spPr>
+          </p:pic>
+        </mc:Fallback>
+      </mc:AlternateContent>
+      <mc:AlternateContent xmlns:mc="http://schemas.openxmlformats.org/markup-compatibility/2006">
+        <mc:Choice xmlns:p14="http://schemas.microsoft.com/office/powerpoint/2010/main" Requires="p14">
+          <p:contentPart p14:bwMode="auto" r:id="rId4">
+            <p14:nvContentPartPr>
+              <p14:cNvPr id="45" name="Ink 44">
+                <a:extLst>
+                  <a:ext uri="{FF2B5EF4-FFF2-40B4-BE49-F238E27FC236}">
+                    <a16:creationId xmlns:a16="http://schemas.microsoft.com/office/drawing/2014/main" id="{11182F90-51C3-4618-9B7D-66EE3EEBB0B2}"/>
+                  </a:ext>
+                </a:extLst>
+              </p14:cNvPr>
+              <p14:cNvContentPartPr/>
+              <p14:nvPr/>
+            </p14:nvContentPartPr>
+            <p14:xfrm>
+              <a:off x="5178766" y="1195851"/>
+              <a:ext cx="580680" cy="193680"/>
+            </p14:xfrm>
+          </p:contentPart>
+        </mc:Choice>
+        <mc:Fallback>
+          <p:pic>
+            <p:nvPicPr>
+              <p:cNvPr id="45" name="Ink 44">
+                <a:extLst>
+                  <a:ext uri="{FF2B5EF4-FFF2-40B4-BE49-F238E27FC236}">
+                    <a16:creationId xmlns:a16="http://schemas.microsoft.com/office/drawing/2014/main" id="{11182F90-51C3-4618-9B7D-66EE3EEBB0B2}"/>
+                  </a:ext>
+                </a:extLst>
+              </p:cNvPr>
+              <p:cNvPicPr/>
+              <p:nvPr/>
+            </p:nvPicPr>
+            <p:blipFill>
+              <a:blip r:embed="rId5"/>
+              <a:stretch>
+                <a:fillRect/>
+              </a:stretch>
+            </p:blipFill>
+            <p:spPr>
+              <a:xfrm>
+                <a:off x="5169766" y="1186851"/>
+                <a:ext cx="598320" cy="211320"/>
+              </a:xfrm>
+              <a:prstGeom prst="rect">
+                <a:avLst/>
+              </a:prstGeom>
+            </p:spPr>
+          </p:pic>
+        </mc:Fallback>
+      </mc:AlternateContent>
+      <mc:AlternateContent xmlns:mc="http://schemas.openxmlformats.org/markup-compatibility/2006">
+        <mc:Choice xmlns:p14="http://schemas.microsoft.com/office/powerpoint/2010/main" Requires="p14">
+          <p:contentPart p14:bwMode="auto" r:id="rId6">
+            <p14:nvContentPartPr>
+              <p14:cNvPr id="60" name="Ink 59">
+                <a:extLst>
+                  <a:ext uri="{FF2B5EF4-FFF2-40B4-BE49-F238E27FC236}">
+                    <a16:creationId xmlns:a16="http://schemas.microsoft.com/office/drawing/2014/main" id="{068BCF90-2E1E-45AF-915C-51EF0BE2D04E}"/>
+                  </a:ext>
+                </a:extLst>
+              </p14:cNvPr>
+              <p14:cNvContentPartPr/>
+              <p14:nvPr/>
+            </p14:nvContentPartPr>
+            <p14:xfrm>
+              <a:off x="1088446" y="597171"/>
+              <a:ext cx="6510600" cy="4247640"/>
+            </p14:xfrm>
+          </p:contentPart>
+        </mc:Choice>
+        <mc:Fallback>
+          <p:pic>
+            <p:nvPicPr>
+              <p:cNvPr id="60" name="Ink 59">
+                <a:extLst>
+                  <a:ext uri="{FF2B5EF4-FFF2-40B4-BE49-F238E27FC236}">
+                    <a16:creationId xmlns:a16="http://schemas.microsoft.com/office/drawing/2014/main" id="{068BCF90-2E1E-45AF-915C-51EF0BE2D04E}"/>
+                  </a:ext>
+                </a:extLst>
+              </p:cNvPr>
+              <p:cNvPicPr/>
+              <p:nvPr/>
+            </p:nvPicPr>
+            <p:blipFill>
+              <a:blip r:embed="rId7"/>
+              <a:stretch>
+                <a:fillRect/>
+              </a:stretch>
+            </p:blipFill>
+            <p:spPr>
+              <a:xfrm>
+                <a:off x="1079446" y="588171"/>
+                <a:ext cx="6528240" cy="4265280"/>
+              </a:xfrm>
+              <a:prstGeom prst="rect">
+                <a:avLst/>
+              </a:prstGeom>
+            </p:spPr>
+          </p:pic>
+        </mc:Fallback>
+      </mc:AlternateContent>
+      <mc:AlternateContent xmlns:mc="http://schemas.openxmlformats.org/markup-compatibility/2006">
+        <mc:Choice xmlns:p14="http://schemas.microsoft.com/office/powerpoint/2010/main" Requires="p14">
+          <p:contentPart p14:bwMode="auto" r:id="rId8">
+            <p14:nvContentPartPr>
+              <p14:cNvPr id="65" name="Ink 64">
+                <a:extLst>
+                  <a:ext uri="{FF2B5EF4-FFF2-40B4-BE49-F238E27FC236}">
+                    <a16:creationId xmlns:a16="http://schemas.microsoft.com/office/drawing/2014/main" id="{7E2E371F-4B5A-45A2-8622-61DF10A75EB8}"/>
+                  </a:ext>
+                </a:extLst>
+              </p14:cNvPr>
+              <p14:cNvContentPartPr/>
+              <p14:nvPr/>
+            </p14:nvContentPartPr>
+            <p14:xfrm>
+              <a:off x="8352166" y="544251"/>
+              <a:ext cx="1222920" cy="380160"/>
+            </p14:xfrm>
+          </p:contentPart>
+        </mc:Choice>
+        <mc:Fallback>
+          <p:pic>
+            <p:nvPicPr>
+              <p:cNvPr id="65" name="Ink 64">
+                <a:extLst>
+                  <a:ext uri="{FF2B5EF4-FFF2-40B4-BE49-F238E27FC236}">
+                    <a16:creationId xmlns:a16="http://schemas.microsoft.com/office/drawing/2014/main" id="{7E2E371F-4B5A-45A2-8622-61DF10A75EB8}"/>
+                  </a:ext>
+                </a:extLst>
+              </p:cNvPr>
+              <p:cNvPicPr/>
+              <p:nvPr/>
+            </p:nvPicPr>
+            <p:blipFill>
+              <a:blip r:embed="rId9"/>
+              <a:stretch>
+                <a:fillRect/>
+              </a:stretch>
+            </p:blipFill>
+            <p:spPr>
+              <a:xfrm>
+                <a:off x="8343166" y="535251"/>
+                <a:ext cx="1240560" cy="397800"/>
+              </a:xfrm>
+              <a:prstGeom prst="rect">
+                <a:avLst/>
+              </a:prstGeom>
+            </p:spPr>
+          </p:pic>
+        </mc:Fallback>
+      </mc:AlternateContent>
+      <mc:AlternateContent xmlns:mc="http://schemas.openxmlformats.org/markup-compatibility/2006">
+        <mc:Choice xmlns:p14="http://schemas.microsoft.com/office/powerpoint/2010/main" Requires="p14">
+          <p:contentPart p14:bwMode="auto" r:id="rId10">
+            <p14:nvContentPartPr>
+              <p14:cNvPr id="70" name="Ink 69">
+                <a:extLst>
+                  <a:ext uri="{FF2B5EF4-FFF2-40B4-BE49-F238E27FC236}">
+                    <a16:creationId xmlns:a16="http://schemas.microsoft.com/office/drawing/2014/main" id="{1E0A1966-9BFC-40F6-BE0E-AAC9AC6CA001}"/>
+                  </a:ext>
+                </a:extLst>
+              </p14:cNvPr>
+              <p14:cNvContentPartPr/>
+              <p14:nvPr/>
+            </p14:nvContentPartPr>
+            <p14:xfrm>
+              <a:off x="8335246" y="1538571"/>
+              <a:ext cx="1328400" cy="468360"/>
+            </p14:xfrm>
+          </p:contentPart>
+        </mc:Choice>
+        <mc:Fallback>
+          <p:pic>
+            <p:nvPicPr>
+              <p:cNvPr id="70" name="Ink 69">
+                <a:extLst>
+                  <a:ext uri="{FF2B5EF4-FFF2-40B4-BE49-F238E27FC236}">
+                    <a16:creationId xmlns:a16="http://schemas.microsoft.com/office/drawing/2014/main" id="{1E0A1966-9BFC-40F6-BE0E-AAC9AC6CA001}"/>
+                  </a:ext>
+                </a:extLst>
+              </p:cNvPr>
+              <p:cNvPicPr/>
+              <p:nvPr/>
+            </p:nvPicPr>
+            <p:blipFill>
+              <a:blip r:embed="rId11"/>
+              <a:stretch>
+                <a:fillRect/>
+              </a:stretch>
+            </p:blipFill>
+            <p:spPr>
+              <a:xfrm>
+                <a:off x="8326246" y="1529571"/>
+                <a:ext cx="1346040" cy="486000"/>
+              </a:xfrm>
+              <a:prstGeom prst="rect">
+                <a:avLst/>
+              </a:prstGeom>
+            </p:spPr>
+          </p:pic>
+        </mc:Fallback>
+      </mc:AlternateContent>
+      <mc:AlternateContent xmlns:mc="http://schemas.openxmlformats.org/markup-compatibility/2006">
+        <mc:Choice xmlns:p14="http://schemas.microsoft.com/office/powerpoint/2010/main" Requires="p14">
+          <p:contentPart p14:bwMode="auto" r:id="rId12">
+            <p14:nvContentPartPr>
+              <p14:cNvPr id="71" name="Ink 70">
+                <a:extLst>
+                  <a:ext uri="{FF2B5EF4-FFF2-40B4-BE49-F238E27FC236}">
+                    <a16:creationId xmlns:a16="http://schemas.microsoft.com/office/drawing/2014/main" id="{48567B3D-900D-4F0A-9A48-C789B86418F4}"/>
+                  </a:ext>
+                </a:extLst>
+              </p14:cNvPr>
+              <p14:cNvContentPartPr/>
+              <p14:nvPr/>
+            </p14:nvContentPartPr>
+            <p14:xfrm>
+              <a:off x="9187726" y="1502931"/>
+              <a:ext cx="704160" cy="608400"/>
+            </p14:xfrm>
+          </p:contentPart>
+        </mc:Choice>
+        <mc:Fallback>
+          <p:pic>
+            <p:nvPicPr>
+              <p:cNvPr id="71" name="Ink 70">
+                <a:extLst>
+                  <a:ext uri="{FF2B5EF4-FFF2-40B4-BE49-F238E27FC236}">
+                    <a16:creationId xmlns:a16="http://schemas.microsoft.com/office/drawing/2014/main" id="{48567B3D-900D-4F0A-9A48-C789B86418F4}"/>
+                  </a:ext>
+                </a:extLst>
+              </p:cNvPr>
+              <p:cNvPicPr/>
+              <p:nvPr/>
+            </p:nvPicPr>
+            <p:blipFill>
+              <a:blip r:embed="rId13"/>
+              <a:stretch>
+                <a:fillRect/>
+              </a:stretch>
+            </p:blipFill>
+            <p:spPr>
+              <a:xfrm>
+                <a:off x="9178726" y="1493931"/>
+                <a:ext cx="721800" cy="626040"/>
+              </a:xfrm>
+              <a:prstGeom prst="rect">
+                <a:avLst/>
+              </a:prstGeom>
+            </p:spPr>
+          </p:pic>
+        </mc:Fallback>
+      </mc:AlternateContent>
+      <mc:AlternateContent xmlns:mc="http://schemas.openxmlformats.org/markup-compatibility/2006">
+        <mc:Choice xmlns:p14="http://schemas.microsoft.com/office/powerpoint/2010/main" Requires="p14">
+          <p:contentPart p14:bwMode="auto" r:id="rId14">
+            <p14:nvContentPartPr>
+              <p14:cNvPr id="72" name="Ink 71">
+                <a:extLst>
+                  <a:ext uri="{FF2B5EF4-FFF2-40B4-BE49-F238E27FC236}">
+                    <a16:creationId xmlns:a16="http://schemas.microsoft.com/office/drawing/2014/main" id="{F39A377C-8879-4241-B891-4AE809231B8B}"/>
+                  </a:ext>
+                </a:extLst>
+              </p14:cNvPr>
+              <p14:cNvContentPartPr/>
+              <p14:nvPr/>
+            </p14:nvContentPartPr>
+            <p14:xfrm>
+              <a:off x="9071086" y="456051"/>
+              <a:ext cx="742680" cy="600120"/>
+            </p14:xfrm>
+          </p:contentPart>
+        </mc:Choice>
+        <mc:Fallback>
+          <p:pic>
+            <p:nvPicPr>
+              <p:cNvPr id="72" name="Ink 71">
+                <a:extLst>
+                  <a:ext uri="{FF2B5EF4-FFF2-40B4-BE49-F238E27FC236}">
+                    <a16:creationId xmlns:a16="http://schemas.microsoft.com/office/drawing/2014/main" id="{F39A377C-8879-4241-B891-4AE809231B8B}"/>
+                  </a:ext>
+                </a:extLst>
+              </p:cNvPr>
+              <p:cNvPicPr/>
+              <p:nvPr/>
+            </p:nvPicPr>
+            <p:blipFill>
+              <a:blip r:embed="rId15"/>
+              <a:stretch>
+                <a:fillRect/>
+              </a:stretch>
+            </p:blipFill>
+            <p:spPr>
+              <a:xfrm>
+                <a:off x="9062086" y="447051"/>
+                <a:ext cx="760320" cy="617760"/>
+              </a:xfrm>
+              <a:prstGeom prst="rect">
+                <a:avLst/>
+              </a:prstGeom>
+            </p:spPr>
+          </p:pic>
+        </mc:Fallback>
+      </mc:AlternateContent>
+      <mc:AlternateContent xmlns:mc="http://schemas.openxmlformats.org/markup-compatibility/2006">
+        <mc:Choice xmlns:p14="http://schemas.microsoft.com/office/powerpoint/2010/main" Requires="p14">
+          <p:contentPart p14:bwMode="auto" r:id="rId16">
+            <p14:nvContentPartPr>
+              <p14:cNvPr id="84" name="Ink 83">
+                <a:extLst>
+                  <a:ext uri="{FF2B5EF4-FFF2-40B4-BE49-F238E27FC236}">
+                    <a16:creationId xmlns:a16="http://schemas.microsoft.com/office/drawing/2014/main" id="{AC1F4FD1-FBE7-4A59-ABA9-59856B49A3D4}"/>
+                  </a:ext>
+                </a:extLst>
+              </p14:cNvPr>
+              <p14:cNvContentPartPr/>
+              <p14:nvPr/>
+            </p14:nvContentPartPr>
+            <p14:xfrm>
+              <a:off x="8334526" y="2716851"/>
+              <a:ext cx="2014200" cy="501480"/>
+            </p14:xfrm>
+          </p:contentPart>
+        </mc:Choice>
+        <mc:Fallback>
+          <p:pic>
+            <p:nvPicPr>
+              <p:cNvPr id="84" name="Ink 83">
+                <a:extLst>
+                  <a:ext uri="{FF2B5EF4-FFF2-40B4-BE49-F238E27FC236}">
+                    <a16:creationId xmlns:a16="http://schemas.microsoft.com/office/drawing/2014/main" id="{AC1F4FD1-FBE7-4A59-ABA9-59856B49A3D4}"/>
+                  </a:ext>
+                </a:extLst>
+              </p:cNvPr>
+              <p:cNvPicPr/>
+              <p:nvPr/>
+            </p:nvPicPr>
+            <p:blipFill>
+              <a:blip r:embed="rId17"/>
+              <a:stretch>
+                <a:fillRect/>
+              </a:stretch>
+            </p:blipFill>
+            <p:spPr>
+              <a:xfrm>
+                <a:off x="8325526" y="2707851"/>
+                <a:ext cx="2031840" cy="519120"/>
+              </a:xfrm>
+              <a:prstGeom prst="rect">
+                <a:avLst/>
+              </a:prstGeom>
+            </p:spPr>
+          </p:pic>
+        </mc:Fallback>
+      </mc:AlternateContent>
+      <mc:AlternateContent xmlns:mc="http://schemas.openxmlformats.org/markup-compatibility/2006">
+        <mc:Choice xmlns:p14="http://schemas.microsoft.com/office/powerpoint/2010/main" Requires="p14">
+          <p:contentPart p14:bwMode="auto" r:id="rId18">
+            <p14:nvContentPartPr>
+              <p14:cNvPr id="88" name="Ink 87">
+                <a:extLst>
+                  <a:ext uri="{FF2B5EF4-FFF2-40B4-BE49-F238E27FC236}">
+                    <a16:creationId xmlns:a16="http://schemas.microsoft.com/office/drawing/2014/main" id="{5F873722-07FB-4730-8BA3-986D13ADCD9B}"/>
+                  </a:ext>
+                </a:extLst>
+              </p14:cNvPr>
+              <p14:cNvContentPartPr/>
+              <p14:nvPr/>
+            </p14:nvContentPartPr>
+            <p14:xfrm>
+              <a:off x="8493286" y="3780291"/>
+              <a:ext cx="659880" cy="126360"/>
+            </p14:xfrm>
+          </p:contentPart>
+        </mc:Choice>
+        <mc:Fallback>
+          <p:pic>
+            <p:nvPicPr>
+              <p:cNvPr id="88" name="Ink 87">
+                <a:extLst>
+                  <a:ext uri="{FF2B5EF4-FFF2-40B4-BE49-F238E27FC236}">
+                    <a16:creationId xmlns:a16="http://schemas.microsoft.com/office/drawing/2014/main" id="{5F873722-07FB-4730-8BA3-986D13ADCD9B}"/>
+                  </a:ext>
+                </a:extLst>
+              </p:cNvPr>
+              <p:cNvPicPr/>
+              <p:nvPr/>
+            </p:nvPicPr>
+            <p:blipFill>
+              <a:blip r:embed="rId19"/>
+              <a:stretch>
+                <a:fillRect/>
+              </a:stretch>
+            </p:blipFill>
+            <p:spPr>
+              <a:xfrm>
+                <a:off x="8484286" y="3771291"/>
+                <a:ext cx="677520" cy="144000"/>
+              </a:xfrm>
+              <a:prstGeom prst="rect">
+                <a:avLst/>
+              </a:prstGeom>
+            </p:spPr>
+          </p:pic>
+        </mc:Fallback>
+      </mc:AlternateContent>
+      <mc:AlternateContent xmlns:mc="http://schemas.openxmlformats.org/markup-compatibility/2006">
+        <mc:Choice xmlns:p14="http://schemas.microsoft.com/office/powerpoint/2010/main" Requires="p14">
+          <p:contentPart p14:bwMode="auto" r:id="rId20">
+            <p14:nvContentPartPr>
+              <p14:cNvPr id="96" name="Ink 95">
+                <a:extLst>
+                  <a:ext uri="{FF2B5EF4-FFF2-40B4-BE49-F238E27FC236}">
+                    <a16:creationId xmlns:a16="http://schemas.microsoft.com/office/drawing/2014/main" id="{20B09E8B-FD70-4043-B444-E2EDAEB0B050}"/>
+                  </a:ext>
+                </a:extLst>
+              </p14:cNvPr>
+              <p14:cNvContentPartPr/>
+              <p14:nvPr/>
+            </p14:nvContentPartPr>
+            <p14:xfrm>
+              <a:off x="8528566" y="3329931"/>
+              <a:ext cx="281520" cy="301680"/>
+            </p14:xfrm>
+          </p:contentPart>
+        </mc:Choice>
+        <mc:Fallback>
+          <p:pic>
+            <p:nvPicPr>
+              <p:cNvPr id="96" name="Ink 95">
+                <a:extLst>
+                  <a:ext uri="{FF2B5EF4-FFF2-40B4-BE49-F238E27FC236}">
+                    <a16:creationId xmlns:a16="http://schemas.microsoft.com/office/drawing/2014/main" id="{20B09E8B-FD70-4043-B444-E2EDAEB0B050}"/>
+                  </a:ext>
+                </a:extLst>
+              </p:cNvPr>
+              <p:cNvPicPr/>
+              <p:nvPr/>
+            </p:nvPicPr>
+            <p:blipFill>
+              <a:blip r:embed="rId21"/>
+              <a:stretch>
+                <a:fillRect/>
+              </a:stretch>
+            </p:blipFill>
+            <p:spPr>
+              <a:xfrm>
+                <a:off x="8519566" y="3320931"/>
+                <a:ext cx="299160" cy="319320"/>
+              </a:xfrm>
+              <a:prstGeom prst="rect">
+                <a:avLst/>
+              </a:prstGeom>
+            </p:spPr>
+          </p:pic>
+        </mc:Fallback>
+      </mc:AlternateContent>
+      <mc:AlternateContent xmlns:mc="http://schemas.openxmlformats.org/markup-compatibility/2006">
+        <mc:Choice xmlns:p14="http://schemas.microsoft.com/office/powerpoint/2010/main" Requires="p14">
+          <p:contentPart p14:bwMode="auto" r:id="rId22">
+            <p14:nvContentPartPr>
+              <p14:cNvPr id="97" name="Ink 96">
+                <a:extLst>
+                  <a:ext uri="{FF2B5EF4-FFF2-40B4-BE49-F238E27FC236}">
+                    <a16:creationId xmlns:a16="http://schemas.microsoft.com/office/drawing/2014/main" id="{7CF1A9DF-2D4E-4224-82F2-2256110CF1DD}"/>
+                  </a:ext>
+                </a:extLst>
+              </p14:cNvPr>
+              <p14:cNvContentPartPr/>
+              <p14:nvPr/>
+            </p14:nvContentPartPr>
+            <p14:xfrm>
+              <a:off x="8651686" y="4150011"/>
+              <a:ext cx="556560" cy="264600"/>
+            </p14:xfrm>
+          </p:contentPart>
+        </mc:Choice>
+        <mc:Fallback>
+          <p:pic>
+            <p:nvPicPr>
+              <p:cNvPr id="97" name="Ink 96">
+                <a:extLst>
+                  <a:ext uri="{FF2B5EF4-FFF2-40B4-BE49-F238E27FC236}">
+                    <a16:creationId xmlns:a16="http://schemas.microsoft.com/office/drawing/2014/main" id="{7CF1A9DF-2D4E-4224-82F2-2256110CF1DD}"/>
+                  </a:ext>
+                </a:extLst>
+              </p:cNvPr>
+              <p:cNvPicPr/>
+              <p:nvPr/>
+            </p:nvPicPr>
+            <p:blipFill>
+              <a:blip r:embed="rId23"/>
+              <a:stretch>
+                <a:fillRect/>
+              </a:stretch>
+            </p:blipFill>
+            <p:spPr>
+              <a:xfrm>
+                <a:off x="8642686" y="4141011"/>
+                <a:ext cx="574200" cy="282240"/>
+              </a:xfrm>
+              <a:prstGeom prst="rect">
+                <a:avLst/>
+              </a:prstGeom>
+            </p:spPr>
+          </p:pic>
+        </mc:Fallback>
+      </mc:AlternateContent>
+      <mc:AlternateContent xmlns:mc="http://schemas.openxmlformats.org/markup-compatibility/2006">
+        <mc:Choice xmlns:p14="http://schemas.microsoft.com/office/powerpoint/2010/main" Requires="p14">
+          <p:contentPart p14:bwMode="auto" r:id="rId24">
+            <p14:nvContentPartPr>
+              <p14:cNvPr id="102" name="Ink 101">
+                <a:extLst>
+                  <a:ext uri="{FF2B5EF4-FFF2-40B4-BE49-F238E27FC236}">
+                    <a16:creationId xmlns:a16="http://schemas.microsoft.com/office/drawing/2014/main" id="{803AE286-13BB-41BD-87D8-B99AB64B7B36}"/>
+                  </a:ext>
+                </a:extLst>
+              </p14:cNvPr>
+              <p14:cNvContentPartPr/>
+              <p14:nvPr/>
+            </p14:nvContentPartPr>
+            <p14:xfrm>
+              <a:off x="8659966" y="4791531"/>
+              <a:ext cx="273240" cy="343440"/>
+            </p14:xfrm>
+          </p:contentPart>
+        </mc:Choice>
+        <mc:Fallback>
+          <p:pic>
+            <p:nvPicPr>
+              <p:cNvPr id="102" name="Ink 101">
+                <a:extLst>
+                  <a:ext uri="{FF2B5EF4-FFF2-40B4-BE49-F238E27FC236}">
+                    <a16:creationId xmlns:a16="http://schemas.microsoft.com/office/drawing/2014/main" id="{803AE286-13BB-41BD-87D8-B99AB64B7B36}"/>
+                  </a:ext>
+                </a:extLst>
+              </p:cNvPr>
+              <p:cNvPicPr/>
+              <p:nvPr/>
+            </p:nvPicPr>
+            <p:blipFill>
+              <a:blip r:embed="rId25"/>
+              <a:stretch>
+                <a:fillRect/>
+              </a:stretch>
+            </p:blipFill>
+            <p:spPr>
+              <a:xfrm>
+                <a:off x="8650966" y="4782531"/>
+                <a:ext cx="290880" cy="361080"/>
+              </a:xfrm>
+              <a:prstGeom prst="rect">
+                <a:avLst/>
+              </a:prstGeom>
+            </p:spPr>
+          </p:pic>
+        </mc:Fallback>
+      </mc:AlternateContent>
+      <mc:AlternateContent xmlns:mc="http://schemas.openxmlformats.org/markup-compatibility/2006">
+        <mc:Choice xmlns:p14="http://schemas.microsoft.com/office/powerpoint/2010/main" Requires="p14">
+          <p:contentPart p14:bwMode="auto" r:id="rId26">
+            <p14:nvContentPartPr>
+              <p14:cNvPr id="107" name="Ink 106">
+                <a:extLst>
+                  <a:ext uri="{FF2B5EF4-FFF2-40B4-BE49-F238E27FC236}">
+                    <a16:creationId xmlns:a16="http://schemas.microsoft.com/office/drawing/2014/main" id="{0D32EDC4-9E29-47CA-B37B-B2AC54D14696}"/>
+                  </a:ext>
+                </a:extLst>
+              </p14:cNvPr>
+              <p14:cNvContentPartPr/>
+              <p14:nvPr/>
+            </p14:nvContentPartPr>
+            <p14:xfrm>
+              <a:off x="8695606" y="5609091"/>
+              <a:ext cx="246600" cy="273240"/>
+            </p14:xfrm>
+          </p:contentPart>
+        </mc:Choice>
+        <mc:Fallback>
+          <p:pic>
+            <p:nvPicPr>
+              <p:cNvPr id="107" name="Ink 106">
+                <a:extLst>
+                  <a:ext uri="{FF2B5EF4-FFF2-40B4-BE49-F238E27FC236}">
+                    <a16:creationId xmlns:a16="http://schemas.microsoft.com/office/drawing/2014/main" id="{0D32EDC4-9E29-47CA-B37B-B2AC54D14696}"/>
+                  </a:ext>
+                </a:extLst>
+              </p:cNvPr>
+              <p:cNvPicPr/>
+              <p:nvPr/>
+            </p:nvPicPr>
+            <p:blipFill>
+              <a:blip r:embed="rId27"/>
+              <a:stretch>
+                <a:fillRect/>
+              </a:stretch>
+            </p:blipFill>
+            <p:spPr>
+              <a:xfrm>
+                <a:off x="8686606" y="5600091"/>
+                <a:ext cx="264240" cy="290880"/>
+              </a:xfrm>
+              <a:prstGeom prst="rect">
+                <a:avLst/>
+              </a:prstGeom>
+            </p:spPr>
+          </p:pic>
+        </mc:Fallback>
+      </mc:AlternateContent>
+      <mc:AlternateContent xmlns:mc="http://schemas.openxmlformats.org/markup-compatibility/2006">
+        <mc:Choice xmlns:p14="http://schemas.microsoft.com/office/powerpoint/2010/main" Requires="p14">
+          <p:contentPart p14:bwMode="auto" r:id="rId28">
+            <p14:nvContentPartPr>
+              <p14:cNvPr id="111" name="Ink 110">
+                <a:extLst>
+                  <a:ext uri="{FF2B5EF4-FFF2-40B4-BE49-F238E27FC236}">
+                    <a16:creationId xmlns:a16="http://schemas.microsoft.com/office/drawing/2014/main" id="{DA385349-C6C9-48BE-A8ED-E3343B8621AA}"/>
+                  </a:ext>
+                </a:extLst>
+              </p14:cNvPr>
+              <p14:cNvContentPartPr/>
+              <p14:nvPr/>
+            </p14:nvContentPartPr>
+            <p14:xfrm>
+              <a:off x="9003406" y="5073051"/>
+              <a:ext cx="501480" cy="167400"/>
+            </p14:xfrm>
+          </p:contentPart>
+        </mc:Choice>
+        <mc:Fallback>
+          <p:pic>
+            <p:nvPicPr>
+              <p:cNvPr id="111" name="Ink 110">
+                <a:extLst>
+                  <a:ext uri="{FF2B5EF4-FFF2-40B4-BE49-F238E27FC236}">
+                    <a16:creationId xmlns:a16="http://schemas.microsoft.com/office/drawing/2014/main" id="{DA385349-C6C9-48BE-A8ED-E3343B8621AA}"/>
+                  </a:ext>
+                </a:extLst>
+              </p:cNvPr>
+              <p:cNvPicPr/>
+              <p:nvPr/>
+            </p:nvPicPr>
+            <p:blipFill>
+              <a:blip r:embed="rId29"/>
+              <a:stretch>
+                <a:fillRect/>
+              </a:stretch>
+            </p:blipFill>
+            <p:spPr>
+              <a:xfrm>
+                <a:off x="8994400" y="5064051"/>
+                <a:ext cx="519133" cy="185040"/>
+              </a:xfrm>
+              <a:prstGeom prst="rect">
+                <a:avLst/>
+              </a:prstGeom>
+            </p:spPr>
+          </p:pic>
+        </mc:Fallback>
+      </mc:AlternateContent>
+      <mc:AlternateContent xmlns:mc="http://schemas.openxmlformats.org/markup-compatibility/2006">
+        <mc:Choice xmlns:p14="http://schemas.microsoft.com/office/powerpoint/2010/main" Requires="p14">
+          <p:contentPart p14:bwMode="auto" r:id="rId30">
+            <p14:nvContentPartPr>
+              <p14:cNvPr id="115" name="Ink 114">
+                <a:extLst>
+                  <a:ext uri="{FF2B5EF4-FFF2-40B4-BE49-F238E27FC236}">
+                    <a16:creationId xmlns:a16="http://schemas.microsoft.com/office/drawing/2014/main" id="{D8CEA609-00F6-459C-A545-BC9AC0C589B8}"/>
+                  </a:ext>
+                </a:extLst>
+              </p14:cNvPr>
+              <p14:cNvContentPartPr/>
+              <p14:nvPr/>
+            </p14:nvContentPartPr>
+            <p14:xfrm>
+              <a:off x="9144166" y="5336931"/>
+              <a:ext cx="475920" cy="223920"/>
+            </p14:xfrm>
+          </p:contentPart>
+        </mc:Choice>
+        <mc:Fallback>
+          <p:pic>
+            <p:nvPicPr>
+              <p:cNvPr id="115" name="Ink 114">
+                <a:extLst>
+                  <a:ext uri="{FF2B5EF4-FFF2-40B4-BE49-F238E27FC236}">
+                    <a16:creationId xmlns:a16="http://schemas.microsoft.com/office/drawing/2014/main" id="{D8CEA609-00F6-459C-A545-BC9AC0C589B8}"/>
+                  </a:ext>
+                </a:extLst>
+              </p:cNvPr>
+              <p:cNvPicPr/>
+              <p:nvPr/>
+            </p:nvPicPr>
+            <p:blipFill>
+              <a:blip r:embed="rId31"/>
+              <a:stretch>
+                <a:fillRect/>
+              </a:stretch>
+            </p:blipFill>
+            <p:spPr>
+              <a:xfrm>
+                <a:off x="9135166" y="5327931"/>
+                <a:ext cx="493560" cy="241560"/>
+              </a:xfrm>
+              <a:prstGeom prst="rect">
+                <a:avLst/>
+              </a:prstGeom>
+            </p:spPr>
+          </p:pic>
+        </mc:Fallback>
+      </mc:AlternateContent>
+      <mc:AlternateContent xmlns:mc="http://schemas.openxmlformats.org/markup-compatibility/2006">
+        <mc:Choice xmlns:p14="http://schemas.microsoft.com/office/powerpoint/2010/main" Requires="p14">
+          <p:contentPart p14:bwMode="auto" r:id="rId32">
+            <p14:nvContentPartPr>
+              <p14:cNvPr id="118" name="Ink 117">
+                <a:extLst>
+                  <a:ext uri="{FF2B5EF4-FFF2-40B4-BE49-F238E27FC236}">
+                    <a16:creationId xmlns:a16="http://schemas.microsoft.com/office/drawing/2014/main" id="{729C21BB-F074-4F12-B089-64753C525EB1}"/>
+                  </a:ext>
+                </a:extLst>
+              </p14:cNvPr>
+              <p14:cNvContentPartPr/>
+              <p14:nvPr/>
+            </p14:nvContentPartPr>
+            <p14:xfrm>
+              <a:off x="9187366" y="5951811"/>
+              <a:ext cx="431640" cy="141480"/>
+            </p14:xfrm>
+          </p:contentPart>
+        </mc:Choice>
+        <mc:Fallback>
+          <p:pic>
+            <p:nvPicPr>
+              <p:cNvPr id="118" name="Ink 117">
+                <a:extLst>
+                  <a:ext uri="{FF2B5EF4-FFF2-40B4-BE49-F238E27FC236}">
+                    <a16:creationId xmlns:a16="http://schemas.microsoft.com/office/drawing/2014/main" id="{729C21BB-F074-4F12-B089-64753C525EB1}"/>
+                  </a:ext>
+                </a:extLst>
+              </p:cNvPr>
+              <p:cNvPicPr/>
+              <p:nvPr/>
+            </p:nvPicPr>
+            <p:blipFill>
+              <a:blip r:embed="rId33"/>
+              <a:stretch>
+                <a:fillRect/>
+              </a:stretch>
+            </p:blipFill>
+            <p:spPr>
+              <a:xfrm>
+                <a:off x="9178366" y="5942811"/>
+                <a:ext cx="449280" cy="159120"/>
+              </a:xfrm>
+              <a:prstGeom prst="rect">
+                <a:avLst/>
+              </a:prstGeom>
+            </p:spPr>
+          </p:pic>
+        </mc:Fallback>
+      </mc:AlternateContent>
+      <mc:AlternateContent xmlns:mc="http://schemas.openxmlformats.org/markup-compatibility/2006">
+        <mc:Choice xmlns:p14="http://schemas.microsoft.com/office/powerpoint/2010/main" Requires="p14">
+          <p:contentPart p14:bwMode="auto" r:id="rId34">
+            <p14:nvContentPartPr>
+              <p14:cNvPr id="121" name="Ink 120">
+                <a:extLst>
+                  <a:ext uri="{FF2B5EF4-FFF2-40B4-BE49-F238E27FC236}">
+                    <a16:creationId xmlns:a16="http://schemas.microsoft.com/office/drawing/2014/main" id="{C862AFDE-967F-45B2-BA0A-8A13E4300B21}"/>
+                  </a:ext>
+                </a:extLst>
+              </p14:cNvPr>
+              <p14:cNvContentPartPr/>
+              <p14:nvPr/>
+            </p14:nvContentPartPr>
+            <p14:xfrm>
+              <a:off x="9205726" y="6294171"/>
+              <a:ext cx="485640" cy="239760"/>
+            </p14:xfrm>
+          </p:contentPart>
+        </mc:Choice>
+        <mc:Fallback>
+          <p:pic>
+            <p:nvPicPr>
+              <p:cNvPr id="121" name="Ink 120">
+                <a:extLst>
+                  <a:ext uri="{FF2B5EF4-FFF2-40B4-BE49-F238E27FC236}">
+                    <a16:creationId xmlns:a16="http://schemas.microsoft.com/office/drawing/2014/main" id="{C862AFDE-967F-45B2-BA0A-8A13E4300B21}"/>
+                  </a:ext>
+                </a:extLst>
+              </p:cNvPr>
+              <p:cNvPicPr/>
+              <p:nvPr/>
+            </p:nvPicPr>
+            <p:blipFill>
+              <a:blip r:embed="rId35"/>
+              <a:stretch>
+                <a:fillRect/>
+              </a:stretch>
+            </p:blipFill>
+            <p:spPr>
+              <a:xfrm>
+                <a:off x="9196726" y="6285171"/>
+                <a:ext cx="503280" cy="257400"/>
+              </a:xfrm>
+              <a:prstGeom prst="rect">
+                <a:avLst/>
+              </a:prstGeom>
+            </p:spPr>
+          </p:pic>
+        </mc:Fallback>
+      </mc:AlternateContent>
+      <mc:AlternateContent xmlns:mc="http://schemas.openxmlformats.org/markup-compatibility/2006">
+        <mc:Choice xmlns:p14="http://schemas.microsoft.com/office/powerpoint/2010/main" Requires="p14">
+          <p:contentPart p14:bwMode="auto" r:id="rId36">
+            <p14:nvContentPartPr>
+              <p14:cNvPr id="122" name="Ink 121">
+                <a:extLst>
+                  <a:ext uri="{FF2B5EF4-FFF2-40B4-BE49-F238E27FC236}">
+                    <a16:creationId xmlns:a16="http://schemas.microsoft.com/office/drawing/2014/main" id="{1BFE3F5B-9A21-4CF9-8DC2-2AF66416AB7A}"/>
+                  </a:ext>
+                </a:extLst>
+              </p14:cNvPr>
+              <p14:cNvContentPartPr/>
+              <p14:nvPr/>
+            </p14:nvContentPartPr>
+            <p14:xfrm>
+              <a:off x="8695606" y="5943531"/>
+              <a:ext cx="158760" cy="35640"/>
+            </p14:xfrm>
+          </p:contentPart>
+        </mc:Choice>
+        <mc:Fallback>
+          <p:pic>
+            <p:nvPicPr>
+              <p:cNvPr id="122" name="Ink 121">
+                <a:extLst>
+                  <a:ext uri="{FF2B5EF4-FFF2-40B4-BE49-F238E27FC236}">
+                    <a16:creationId xmlns:a16="http://schemas.microsoft.com/office/drawing/2014/main" id="{1BFE3F5B-9A21-4CF9-8DC2-2AF66416AB7A}"/>
+                  </a:ext>
+                </a:extLst>
+              </p:cNvPr>
+              <p:cNvPicPr/>
+              <p:nvPr/>
+            </p:nvPicPr>
+            <p:blipFill>
+              <a:blip r:embed="rId37"/>
+              <a:stretch>
+                <a:fillRect/>
+              </a:stretch>
+            </p:blipFill>
+            <p:spPr>
+              <a:xfrm>
+                <a:off x="8686606" y="5934531"/>
+                <a:ext cx="176400" cy="53280"/>
+              </a:xfrm>
+              <a:prstGeom prst="rect">
+                <a:avLst/>
+              </a:prstGeom>
+            </p:spPr>
+          </p:pic>
+        </mc:Fallback>
+      </mc:AlternateContent>
+      <mc:AlternateContent xmlns:mc="http://schemas.openxmlformats.org/markup-compatibility/2006">
+        <mc:Choice xmlns:p14="http://schemas.microsoft.com/office/powerpoint/2010/main" Requires="p14">
+          <p:contentPart p14:bwMode="auto" r:id="rId38">
+            <p14:nvContentPartPr>
+              <p14:cNvPr id="123" name="Ink 122">
+                <a:extLst>
+                  <a:ext uri="{FF2B5EF4-FFF2-40B4-BE49-F238E27FC236}">
+                    <a16:creationId xmlns:a16="http://schemas.microsoft.com/office/drawing/2014/main" id="{C503316A-C42C-45C6-8177-8848CC608917}"/>
+                  </a:ext>
+                </a:extLst>
+              </p14:cNvPr>
+              <p14:cNvContentPartPr/>
+              <p14:nvPr/>
+            </p14:nvContentPartPr>
+            <p14:xfrm>
+              <a:off x="8686966" y="5196171"/>
+              <a:ext cx="123120" cy="18000"/>
+            </p14:xfrm>
+          </p:contentPart>
+        </mc:Choice>
+        <mc:Fallback>
+          <p:pic>
+            <p:nvPicPr>
+              <p:cNvPr id="123" name="Ink 122">
+                <a:extLst>
+                  <a:ext uri="{FF2B5EF4-FFF2-40B4-BE49-F238E27FC236}">
+                    <a16:creationId xmlns:a16="http://schemas.microsoft.com/office/drawing/2014/main" id="{C503316A-C42C-45C6-8177-8848CC608917}"/>
+                  </a:ext>
+                </a:extLst>
+              </p:cNvPr>
+              <p:cNvPicPr/>
+              <p:nvPr/>
+            </p:nvPicPr>
+            <p:blipFill>
+              <a:blip r:embed="rId39"/>
+              <a:stretch>
+                <a:fillRect/>
+              </a:stretch>
+            </p:blipFill>
+            <p:spPr>
+              <a:xfrm>
+                <a:off x="8677966" y="5187171"/>
+                <a:ext cx="140760" cy="35640"/>
+              </a:xfrm>
+              <a:prstGeom prst="rect">
+                <a:avLst/>
+              </a:prstGeom>
+            </p:spPr>
+          </p:pic>
+        </mc:Fallback>
+      </mc:AlternateContent>
+      <mc:AlternateContent xmlns:mc="http://schemas.openxmlformats.org/markup-compatibility/2006">
+        <mc:Choice xmlns:p14="http://schemas.microsoft.com/office/powerpoint/2010/main" Requires="p14">
+          <p:contentPart p14:bwMode="auto" r:id="rId40">
+            <p14:nvContentPartPr>
+              <p14:cNvPr id="124" name="Ink 123">
+                <a:extLst>
+                  <a:ext uri="{FF2B5EF4-FFF2-40B4-BE49-F238E27FC236}">
+                    <a16:creationId xmlns:a16="http://schemas.microsoft.com/office/drawing/2014/main" id="{718F7FF5-011F-4F19-8B68-710CA4DB28DC}"/>
+                  </a:ext>
+                </a:extLst>
+              </p14:cNvPr>
+              <p14:cNvContentPartPr/>
+              <p14:nvPr/>
+            </p14:nvContentPartPr>
+            <p14:xfrm>
+              <a:off x="8528566" y="3682371"/>
+              <a:ext cx="158760" cy="11160"/>
+            </p14:xfrm>
+          </p:contentPart>
+        </mc:Choice>
+        <mc:Fallback>
+          <p:pic>
+            <p:nvPicPr>
+              <p:cNvPr id="124" name="Ink 123">
+                <a:extLst>
+                  <a:ext uri="{FF2B5EF4-FFF2-40B4-BE49-F238E27FC236}">
+                    <a16:creationId xmlns:a16="http://schemas.microsoft.com/office/drawing/2014/main" id="{718F7FF5-011F-4F19-8B68-710CA4DB28DC}"/>
+                  </a:ext>
+                </a:extLst>
+              </p:cNvPr>
+              <p:cNvPicPr/>
+              <p:nvPr/>
+            </p:nvPicPr>
+            <p:blipFill>
+              <a:blip r:embed="rId41"/>
+              <a:stretch>
+                <a:fillRect/>
+              </a:stretch>
+            </p:blipFill>
+            <p:spPr>
+              <a:xfrm>
+                <a:off x="8519566" y="3673371"/>
+                <a:ext cx="176400" cy="28800"/>
+              </a:xfrm>
+              <a:prstGeom prst="rect">
+                <a:avLst/>
+              </a:prstGeom>
+            </p:spPr>
+          </p:pic>
+        </mc:Fallback>
+      </mc:AlternateContent>
+    </p:spTree>
+    <p:extLst>
+      <p:ext uri="{BB962C8B-B14F-4D97-AF65-F5344CB8AC3E}">
+        <p14:creationId xmlns:p14="http://schemas.microsoft.com/office/powerpoint/2010/main" val="91057571"/>
+      </p:ext>
+    </p:extLst>
+  </p:cSld>
+  <p:clrMapOvr>
+    <a:masterClrMapping/>
+  </p:clrMapOvr>
+</p:sld>
+</file>
+
+<file path=ppt/slides/slide12.xml><?xml version="1.0" encoding="utf-8"?>
+<p:sld xmlns:a="http://schemas.openxmlformats.org/drawingml/2006/main" xmlns:r="http://schemas.openxmlformats.org/officeDocument/2006/relationships" xmlns:p="http://schemas.openxmlformats.org/presentationml/2006/main">
+  <p:cSld>
+    <p:spTree>
+      <p:nvGrpSpPr>
+        <p:cNvPr id="1" name=""/>
+        <p:cNvGrpSpPr/>
+        <p:nvPr/>
+      </p:nvGrpSpPr>
+      <p:grpSpPr>
+        <a:xfrm>
+          <a:off x="0" y="0"/>
+          <a:ext cx="0" cy="0"/>
+          <a:chOff x="0" y="0"/>
+          <a:chExt cx="0" cy="0"/>
+        </a:xfrm>
+      </p:grpSpPr>
+      <p:sp>
+        <p:nvSpPr>
+          <p:cNvPr id="2" name="TextBox 1">
+            <a:extLst>
+              <a:ext uri="{FF2B5EF4-FFF2-40B4-BE49-F238E27FC236}">
+                <a16:creationId xmlns:a16="http://schemas.microsoft.com/office/drawing/2014/main" id="{67537EB1-CF36-436D-9F2A-285A00A71238}"/>
+              </a:ext>
+            </a:extLst>
+          </p:cNvPr>
+          <p:cNvSpPr txBox="1"/>
+          <p:nvPr/>
+        </p:nvSpPr>
+        <p:spPr>
+          <a:xfrm>
+            <a:off x="131885" y="211015"/>
+            <a:ext cx="11561884" cy="5878532"/>
+          </a:xfrm>
+          <a:prstGeom prst="rect">
+            <a:avLst/>
+          </a:prstGeom>
+          <a:noFill/>
+        </p:spPr>
+        <p:txBody>
+          <a:bodyPr wrap="square" rtlCol="0">
+            <a:spAutoFit/>
+          </a:bodyPr>
+          <a:lstStyle/>
+          <a:p>
+            <a:pPr marL="342900" indent="-342900">
+              <a:buAutoNum type="arabicPeriod"/>
+            </a:pPr>
+            <a:r>
+              <a:rPr lang="en-US" dirty="0"/>
+              <a:t>Create a new class called factory ZCL_XX_FACTORY</a:t>
+            </a:r>
+          </a:p>
+          <a:p>
+            <a:pPr marL="342900" indent="-342900">
+              <a:buAutoNum type="arabicPeriod"/>
+            </a:pPr>
+            <a:r>
+              <a:rPr lang="en-US" dirty="0"/>
+              <a:t>Add a method call GET_INSTANCE </a:t>
+            </a:r>
+            <a:r>
+              <a:rPr lang="en-US" b="1" dirty="0"/>
+              <a:t>as Static method Public</a:t>
+            </a:r>
+          </a:p>
+          <a:p>
+            <a:pPr marL="342900" indent="-342900">
+              <a:buAutoNum type="arabicPeriod"/>
+            </a:pPr>
+            <a:r>
+              <a:rPr lang="en-US" dirty="0"/>
+              <a:t>Add parameters</a:t>
+            </a:r>
+          </a:p>
+          <a:p>
+            <a:pPr lvl="1"/>
+            <a:r>
+              <a:rPr lang="en-US" dirty="0"/>
+              <a:t>I_TYPE	importing		TYPE 		CHAR1</a:t>
+            </a:r>
+          </a:p>
+          <a:p>
+            <a:pPr lvl="1"/>
+            <a:r>
+              <a:rPr lang="en-US" dirty="0"/>
+              <a:t>EO_PLANE	exporting		TYPE REF TO	ZIF_XX_PLANE</a:t>
+            </a:r>
+          </a:p>
+          <a:p>
+            <a:r>
+              <a:rPr lang="en-US" dirty="0"/>
+              <a:t>4. Move our if condition inside the GET_INSTANCE</a:t>
+            </a:r>
+          </a:p>
+          <a:p>
+            <a:r>
+              <a:rPr lang="en-US" sz="1200" dirty="0">
+                <a:solidFill>
+                  <a:srgbClr val="000000"/>
+                </a:solidFill>
+                <a:effectLst/>
+                <a:latin typeface="Courier New" panose="02070309020205020404" pitchFamily="49" charset="0"/>
+              </a:rPr>
+              <a:t>    </a:t>
+            </a:r>
+            <a:r>
+              <a:rPr lang="en-US" sz="1200" dirty="0">
+                <a:solidFill>
+                  <a:srgbClr val="0000FF"/>
+                </a:solidFill>
+                <a:effectLst/>
+                <a:latin typeface="Courier New" panose="02070309020205020404" pitchFamily="49" charset="0"/>
+              </a:rPr>
+              <a:t>data</a:t>
+            </a:r>
+            <a:r>
+              <a:rPr lang="en-US" sz="1200" dirty="0">
+                <a:solidFill>
+                  <a:srgbClr val="800080"/>
+                </a:solidFill>
+                <a:effectLst/>
+                <a:latin typeface="Courier New" panose="02070309020205020404" pitchFamily="49" charset="0"/>
+              </a:rPr>
+              <a:t>: </a:t>
+            </a:r>
+            <a:r>
+              <a:rPr lang="en-US" sz="1200" dirty="0" err="1">
+                <a:solidFill>
+                  <a:srgbClr val="000000"/>
+                </a:solidFill>
+                <a:effectLst/>
+                <a:latin typeface="Courier New" panose="02070309020205020404" pitchFamily="49" charset="0"/>
+              </a:rPr>
+              <a:t>lo_pass_plane</a:t>
+            </a:r>
+            <a:r>
+              <a:rPr lang="en-US" sz="1200" dirty="0">
+                <a:solidFill>
+                  <a:srgbClr val="000000"/>
+                </a:solidFill>
+                <a:effectLst/>
+                <a:latin typeface="Courier New" panose="02070309020205020404" pitchFamily="49" charset="0"/>
+              </a:rPr>
+              <a:t>  </a:t>
+            </a:r>
+            <a:r>
+              <a:rPr lang="en-US" sz="1200" dirty="0">
+                <a:solidFill>
+                  <a:srgbClr val="0000FF"/>
+                </a:solidFill>
+                <a:effectLst/>
+                <a:latin typeface="Courier New" panose="02070309020205020404" pitchFamily="49" charset="0"/>
+              </a:rPr>
+              <a:t>type ref to </a:t>
+            </a:r>
+            <a:r>
+              <a:rPr lang="en-US" sz="1200" dirty="0" err="1">
+                <a:solidFill>
+                  <a:srgbClr val="000000"/>
+                </a:solidFill>
+                <a:effectLst/>
+                <a:latin typeface="Courier New" panose="02070309020205020404" pitchFamily="49" charset="0"/>
+              </a:rPr>
+              <a:t>zcl_xx_pass_plane</a:t>
+            </a:r>
+            <a:r>
+              <a:rPr lang="en-US" sz="1200" dirty="0">
+                <a:solidFill>
+                  <a:srgbClr val="800080"/>
+                </a:solidFill>
+                <a:effectLst/>
+                <a:latin typeface="Courier New" panose="02070309020205020404" pitchFamily="49" charset="0"/>
+              </a:rPr>
+              <a:t>,</a:t>
+            </a:r>
+            <a:br>
+              <a:rPr lang="en-US" sz="1200" dirty="0">
+                <a:solidFill>
+                  <a:srgbClr val="000000"/>
+                </a:solidFill>
+                <a:effectLst/>
+                <a:latin typeface="Courier New" panose="02070309020205020404" pitchFamily="49" charset="0"/>
+              </a:rPr>
+            </a:br>
+            <a:r>
+              <a:rPr lang="en-US" sz="1200" dirty="0">
+                <a:solidFill>
+                  <a:srgbClr val="000000"/>
+                </a:solidFill>
+                <a:effectLst/>
+                <a:latin typeface="Courier New" panose="02070309020205020404" pitchFamily="49" charset="0"/>
+              </a:rPr>
+              <a:t>          </a:t>
+            </a:r>
+            <a:r>
+              <a:rPr lang="en-US" sz="1200" dirty="0" err="1">
+                <a:solidFill>
+                  <a:srgbClr val="000000"/>
+                </a:solidFill>
+                <a:effectLst/>
+                <a:latin typeface="Courier New" panose="02070309020205020404" pitchFamily="49" charset="0"/>
+              </a:rPr>
+              <a:t>lo_cargo_plane</a:t>
+            </a:r>
+            <a:r>
+              <a:rPr lang="en-US" sz="1200" dirty="0">
+                <a:solidFill>
+                  <a:srgbClr val="000000"/>
+                </a:solidFill>
+                <a:effectLst/>
+                <a:latin typeface="Courier New" panose="02070309020205020404" pitchFamily="49" charset="0"/>
+              </a:rPr>
+              <a:t> </a:t>
+            </a:r>
+            <a:r>
+              <a:rPr lang="en-US" sz="1200" dirty="0">
+                <a:solidFill>
+                  <a:srgbClr val="0000FF"/>
+                </a:solidFill>
+                <a:effectLst/>
+                <a:latin typeface="Courier New" panose="02070309020205020404" pitchFamily="49" charset="0"/>
+              </a:rPr>
+              <a:t>type ref to </a:t>
+            </a:r>
+            <a:r>
+              <a:rPr lang="en-US" sz="1200" dirty="0" err="1">
+                <a:solidFill>
+                  <a:srgbClr val="000000"/>
+                </a:solidFill>
+                <a:effectLst/>
+                <a:latin typeface="Courier New" panose="02070309020205020404" pitchFamily="49" charset="0"/>
+              </a:rPr>
+              <a:t>zcl_xx_cargo_plane</a:t>
+            </a:r>
+            <a:r>
+              <a:rPr lang="en-US" sz="1200" dirty="0">
+                <a:solidFill>
+                  <a:srgbClr val="800080"/>
+                </a:solidFill>
+                <a:effectLst/>
+                <a:latin typeface="Courier New" panose="02070309020205020404" pitchFamily="49" charset="0"/>
+              </a:rPr>
+              <a:t>.</a:t>
+            </a:r>
+            <a:br>
+              <a:rPr lang="en-US" sz="1200" dirty="0">
+                <a:solidFill>
+                  <a:srgbClr val="000000"/>
+                </a:solidFill>
+                <a:effectLst/>
+                <a:latin typeface="Courier New" panose="02070309020205020404" pitchFamily="49" charset="0"/>
+              </a:rPr>
+            </a:br>
+            <a:br>
+              <a:rPr lang="en-US" sz="1200" dirty="0">
+                <a:solidFill>
+                  <a:srgbClr val="000000"/>
+                </a:solidFill>
+                <a:effectLst/>
+                <a:latin typeface="Courier New" panose="02070309020205020404" pitchFamily="49" charset="0"/>
+              </a:rPr>
+            </a:br>
+            <a:r>
+              <a:rPr lang="en-US" sz="1200" dirty="0">
+                <a:solidFill>
+                  <a:srgbClr val="000000"/>
+                </a:solidFill>
+                <a:effectLst/>
+                <a:latin typeface="Courier New" panose="02070309020205020404" pitchFamily="49" charset="0"/>
+              </a:rPr>
+              <a:t>    </a:t>
+            </a:r>
+            <a:r>
+              <a:rPr lang="en-US" sz="1200" dirty="0">
+                <a:solidFill>
+                  <a:srgbClr val="0000FF"/>
+                </a:solidFill>
+                <a:effectLst/>
+                <a:latin typeface="Courier New" panose="02070309020205020404" pitchFamily="49" charset="0"/>
+              </a:rPr>
+              <a:t>if </a:t>
+            </a:r>
+            <a:r>
+              <a:rPr lang="en-US" sz="1200" dirty="0" err="1">
+                <a:solidFill>
+                  <a:srgbClr val="000000"/>
+                </a:solidFill>
+                <a:effectLst/>
+                <a:latin typeface="Courier New" panose="02070309020205020404" pitchFamily="49" charset="0"/>
+              </a:rPr>
+              <a:t>i_ptype</a:t>
+            </a:r>
+            <a:r>
+              <a:rPr lang="en-US" sz="1200" dirty="0">
+                <a:solidFill>
+                  <a:srgbClr val="000000"/>
+                </a:solidFill>
+                <a:effectLst/>
+                <a:latin typeface="Courier New" panose="02070309020205020404" pitchFamily="49" charset="0"/>
+              </a:rPr>
+              <a:t> </a:t>
+            </a:r>
+            <a:r>
+              <a:rPr lang="en-US" sz="1200" dirty="0">
+                <a:solidFill>
+                  <a:srgbClr val="800080"/>
+                </a:solidFill>
+                <a:effectLst/>
+                <a:latin typeface="Courier New" panose="02070309020205020404" pitchFamily="49" charset="0"/>
+              </a:rPr>
+              <a:t>= </a:t>
+            </a:r>
+            <a:r>
+              <a:rPr lang="en-US" sz="1200" dirty="0">
+                <a:solidFill>
+                  <a:srgbClr val="4DA619"/>
+                </a:solidFill>
+                <a:effectLst/>
+                <a:latin typeface="Courier New" panose="02070309020205020404" pitchFamily="49" charset="0"/>
+              </a:rPr>
+              <a:t>'P'</a:t>
+            </a:r>
+            <a:r>
+              <a:rPr lang="en-US" sz="1200" dirty="0">
+                <a:solidFill>
+                  <a:srgbClr val="800080"/>
+                </a:solidFill>
+                <a:effectLst/>
+                <a:latin typeface="Courier New" panose="02070309020205020404" pitchFamily="49" charset="0"/>
+              </a:rPr>
+              <a:t>.</a:t>
+            </a:r>
+            <a:br>
+              <a:rPr lang="en-US" sz="1200" dirty="0">
+                <a:solidFill>
+                  <a:srgbClr val="000000"/>
+                </a:solidFill>
+                <a:effectLst/>
+                <a:latin typeface="Courier New" panose="02070309020205020404" pitchFamily="49" charset="0"/>
+              </a:rPr>
+            </a:br>
+            <a:r>
+              <a:rPr lang="en-US" sz="1200" dirty="0">
+                <a:solidFill>
+                  <a:srgbClr val="000000"/>
+                </a:solidFill>
+                <a:effectLst/>
+                <a:latin typeface="Courier New" panose="02070309020205020404" pitchFamily="49" charset="0"/>
+              </a:rPr>
+              <a:t>      </a:t>
+            </a:r>
+            <a:r>
+              <a:rPr lang="en-US" sz="1200" dirty="0">
+                <a:solidFill>
+                  <a:srgbClr val="0000FF"/>
+                </a:solidFill>
+                <a:effectLst/>
+                <a:latin typeface="Courier New" panose="02070309020205020404" pitchFamily="49" charset="0"/>
+              </a:rPr>
+              <a:t>create </a:t>
+            </a:r>
+            <a:r>
+              <a:rPr lang="en-US" sz="1200" dirty="0">
+                <a:solidFill>
+                  <a:srgbClr val="000000"/>
+                </a:solidFill>
+                <a:effectLst/>
+                <a:latin typeface="Courier New" panose="02070309020205020404" pitchFamily="49" charset="0"/>
+              </a:rPr>
+              <a:t>object </a:t>
+            </a:r>
+            <a:r>
+              <a:rPr lang="en-US" sz="1200" dirty="0">
+                <a:solidFill>
+                  <a:srgbClr val="800080"/>
+                </a:solidFill>
+                <a:effectLst/>
+                <a:latin typeface="Courier New" panose="02070309020205020404" pitchFamily="49" charset="0"/>
+              </a:rPr>
+              <a:t>: </a:t>
+            </a:r>
+            <a:r>
+              <a:rPr lang="en-US" sz="1200" dirty="0" err="1">
+                <a:solidFill>
+                  <a:srgbClr val="000000"/>
+                </a:solidFill>
+                <a:effectLst/>
+                <a:latin typeface="Courier New" panose="02070309020205020404" pitchFamily="49" charset="0"/>
+              </a:rPr>
+              <a:t>lo_pass_plane</a:t>
+            </a:r>
+            <a:r>
+              <a:rPr lang="en-US" sz="1200" dirty="0">
+                <a:solidFill>
+                  <a:srgbClr val="800080"/>
+                </a:solidFill>
+                <a:effectLst/>
+                <a:latin typeface="Courier New" panose="02070309020205020404" pitchFamily="49" charset="0"/>
+              </a:rPr>
+              <a:t>.</a:t>
+            </a:r>
+            <a:br>
+              <a:rPr lang="en-US" sz="1200" dirty="0">
+                <a:solidFill>
+                  <a:srgbClr val="000000"/>
+                </a:solidFill>
+                <a:effectLst/>
+                <a:latin typeface="Courier New" panose="02070309020205020404" pitchFamily="49" charset="0"/>
+              </a:rPr>
+            </a:br>
+            <a:r>
+              <a:rPr lang="en-US" sz="1200" dirty="0">
+                <a:solidFill>
+                  <a:srgbClr val="000000"/>
+                </a:solidFill>
+                <a:effectLst/>
+                <a:latin typeface="Courier New" panose="02070309020205020404" pitchFamily="49" charset="0"/>
+              </a:rPr>
+              <a:t>      </a:t>
+            </a:r>
+            <a:r>
+              <a:rPr lang="en-US" sz="1200" dirty="0" err="1">
+                <a:solidFill>
+                  <a:srgbClr val="000000"/>
+                </a:solidFill>
+                <a:effectLst/>
+                <a:latin typeface="Courier New" panose="02070309020205020404" pitchFamily="49" charset="0"/>
+              </a:rPr>
+              <a:t>eo_plane</a:t>
+            </a:r>
+            <a:r>
+              <a:rPr lang="en-US" sz="1200" dirty="0">
+                <a:solidFill>
+                  <a:srgbClr val="000000"/>
+                </a:solidFill>
+                <a:effectLst/>
+                <a:latin typeface="Courier New" panose="02070309020205020404" pitchFamily="49" charset="0"/>
+              </a:rPr>
+              <a:t> </a:t>
+            </a:r>
+            <a:r>
+              <a:rPr lang="en-US" sz="1200" dirty="0">
+                <a:solidFill>
+                  <a:srgbClr val="800080"/>
+                </a:solidFill>
+                <a:effectLst/>
+                <a:latin typeface="Courier New" panose="02070309020205020404" pitchFamily="49" charset="0"/>
+              </a:rPr>
+              <a:t>= </a:t>
+            </a:r>
+            <a:r>
+              <a:rPr lang="en-US" sz="1200" dirty="0" err="1">
+                <a:solidFill>
+                  <a:srgbClr val="000000"/>
+                </a:solidFill>
+                <a:effectLst/>
+                <a:latin typeface="Courier New" panose="02070309020205020404" pitchFamily="49" charset="0"/>
+              </a:rPr>
+              <a:t>lo_pass_plane</a:t>
+            </a:r>
+            <a:r>
+              <a:rPr lang="en-US" sz="1200" dirty="0">
+                <a:solidFill>
+                  <a:srgbClr val="800080"/>
+                </a:solidFill>
+                <a:effectLst/>
+                <a:latin typeface="Courier New" panose="02070309020205020404" pitchFamily="49" charset="0"/>
+              </a:rPr>
+              <a:t>.</a:t>
+            </a:r>
+            <a:br>
+              <a:rPr lang="en-US" sz="1200" dirty="0">
+                <a:solidFill>
+                  <a:srgbClr val="000000"/>
+                </a:solidFill>
+                <a:effectLst/>
+                <a:latin typeface="Courier New" panose="02070309020205020404" pitchFamily="49" charset="0"/>
+              </a:rPr>
+            </a:br>
+            <a:r>
+              <a:rPr lang="en-US" sz="1200" dirty="0">
+                <a:solidFill>
+                  <a:srgbClr val="000000"/>
+                </a:solidFill>
+                <a:effectLst/>
+                <a:latin typeface="Courier New" panose="02070309020205020404" pitchFamily="49" charset="0"/>
+              </a:rPr>
+              <a:t>    </a:t>
+            </a:r>
+            <a:r>
+              <a:rPr lang="en-US" sz="1200" dirty="0">
+                <a:solidFill>
+                  <a:srgbClr val="0000FF"/>
+                </a:solidFill>
+                <a:effectLst/>
+                <a:latin typeface="Courier New" panose="02070309020205020404" pitchFamily="49" charset="0"/>
+              </a:rPr>
+              <a:t>elseif </a:t>
+            </a:r>
+            <a:r>
+              <a:rPr lang="en-US" sz="1200" dirty="0" err="1">
+                <a:solidFill>
+                  <a:srgbClr val="000000"/>
+                </a:solidFill>
+                <a:effectLst/>
+                <a:latin typeface="Courier New" panose="02070309020205020404" pitchFamily="49" charset="0"/>
+              </a:rPr>
+              <a:t>i_ptype</a:t>
+            </a:r>
+            <a:r>
+              <a:rPr lang="en-US" sz="1200" dirty="0">
+                <a:solidFill>
+                  <a:srgbClr val="000000"/>
+                </a:solidFill>
+                <a:effectLst/>
+                <a:latin typeface="Courier New" panose="02070309020205020404" pitchFamily="49" charset="0"/>
+              </a:rPr>
+              <a:t> </a:t>
+            </a:r>
+            <a:r>
+              <a:rPr lang="en-US" sz="1200" dirty="0">
+                <a:solidFill>
+                  <a:srgbClr val="800080"/>
+                </a:solidFill>
+                <a:effectLst/>
+                <a:latin typeface="Courier New" panose="02070309020205020404" pitchFamily="49" charset="0"/>
+              </a:rPr>
+              <a:t>= </a:t>
+            </a:r>
+            <a:r>
+              <a:rPr lang="en-US" sz="1200" dirty="0">
+                <a:solidFill>
+                  <a:srgbClr val="4DA619"/>
+                </a:solidFill>
+                <a:effectLst/>
+                <a:latin typeface="Courier New" panose="02070309020205020404" pitchFamily="49" charset="0"/>
+              </a:rPr>
+              <a:t>'C'</a:t>
+            </a:r>
+            <a:r>
+              <a:rPr lang="en-US" sz="1200" dirty="0">
+                <a:solidFill>
+                  <a:srgbClr val="800080"/>
+                </a:solidFill>
+                <a:effectLst/>
+                <a:latin typeface="Courier New" panose="02070309020205020404" pitchFamily="49" charset="0"/>
+              </a:rPr>
+              <a:t>.</a:t>
+            </a:r>
+            <a:br>
+              <a:rPr lang="en-US" sz="1200" dirty="0">
+                <a:solidFill>
+                  <a:srgbClr val="000000"/>
+                </a:solidFill>
+                <a:effectLst/>
+                <a:latin typeface="Courier New" panose="02070309020205020404" pitchFamily="49" charset="0"/>
+              </a:rPr>
+            </a:br>
+            <a:r>
+              <a:rPr lang="en-US" sz="1200" dirty="0">
+                <a:solidFill>
+                  <a:srgbClr val="000000"/>
+                </a:solidFill>
+                <a:effectLst/>
+                <a:latin typeface="Courier New" panose="02070309020205020404" pitchFamily="49" charset="0"/>
+              </a:rPr>
+              <a:t>      </a:t>
+            </a:r>
+            <a:r>
+              <a:rPr lang="en-US" sz="1200" dirty="0">
+                <a:solidFill>
+                  <a:srgbClr val="0000FF"/>
+                </a:solidFill>
+                <a:effectLst/>
+                <a:latin typeface="Courier New" panose="02070309020205020404" pitchFamily="49" charset="0"/>
+              </a:rPr>
+              <a:t>create </a:t>
+            </a:r>
+            <a:r>
+              <a:rPr lang="en-US" sz="1200" dirty="0">
+                <a:solidFill>
+                  <a:srgbClr val="000000"/>
+                </a:solidFill>
+                <a:effectLst/>
+                <a:latin typeface="Courier New" panose="02070309020205020404" pitchFamily="49" charset="0"/>
+              </a:rPr>
+              <a:t>object </a:t>
+            </a:r>
+            <a:r>
+              <a:rPr lang="en-US" sz="1200" dirty="0">
+                <a:solidFill>
+                  <a:srgbClr val="800080"/>
+                </a:solidFill>
+                <a:effectLst/>
+                <a:latin typeface="Courier New" panose="02070309020205020404" pitchFamily="49" charset="0"/>
+              </a:rPr>
+              <a:t>: </a:t>
+            </a:r>
+            <a:r>
+              <a:rPr lang="en-US" sz="1200" dirty="0" err="1">
+                <a:solidFill>
+                  <a:srgbClr val="000000"/>
+                </a:solidFill>
+                <a:effectLst/>
+                <a:latin typeface="Courier New" panose="02070309020205020404" pitchFamily="49" charset="0"/>
+              </a:rPr>
+              <a:t>lo_cargo_plane</a:t>
+            </a:r>
+            <a:r>
+              <a:rPr lang="en-US" sz="1200" dirty="0">
+                <a:solidFill>
+                  <a:srgbClr val="800080"/>
+                </a:solidFill>
+                <a:effectLst/>
+                <a:latin typeface="Courier New" panose="02070309020205020404" pitchFamily="49" charset="0"/>
+              </a:rPr>
+              <a:t>.</a:t>
+            </a:r>
+            <a:br>
+              <a:rPr lang="en-US" sz="1200" dirty="0">
+                <a:solidFill>
+                  <a:srgbClr val="000000"/>
+                </a:solidFill>
+                <a:effectLst/>
+                <a:latin typeface="Courier New" panose="02070309020205020404" pitchFamily="49" charset="0"/>
+              </a:rPr>
+            </a:br>
+            <a:r>
+              <a:rPr lang="en-US" sz="1200" dirty="0">
+                <a:solidFill>
+                  <a:srgbClr val="000000"/>
+                </a:solidFill>
+                <a:effectLst/>
+                <a:latin typeface="Courier New" panose="02070309020205020404" pitchFamily="49" charset="0"/>
+              </a:rPr>
+              <a:t>      </a:t>
+            </a:r>
+            <a:r>
+              <a:rPr lang="en-US" sz="1200" dirty="0" err="1">
+                <a:solidFill>
+                  <a:srgbClr val="000000"/>
+                </a:solidFill>
+                <a:effectLst/>
+                <a:latin typeface="Courier New" panose="02070309020205020404" pitchFamily="49" charset="0"/>
+              </a:rPr>
+              <a:t>eo_plane</a:t>
+            </a:r>
+            <a:r>
+              <a:rPr lang="en-US" sz="1200" dirty="0">
+                <a:solidFill>
+                  <a:srgbClr val="000000"/>
+                </a:solidFill>
+                <a:effectLst/>
+                <a:latin typeface="Courier New" panose="02070309020205020404" pitchFamily="49" charset="0"/>
+              </a:rPr>
+              <a:t> </a:t>
+            </a:r>
+            <a:r>
+              <a:rPr lang="en-US" sz="1200" dirty="0">
+                <a:solidFill>
+                  <a:srgbClr val="800080"/>
+                </a:solidFill>
+                <a:effectLst/>
+                <a:latin typeface="Courier New" panose="02070309020205020404" pitchFamily="49" charset="0"/>
+              </a:rPr>
+              <a:t>= </a:t>
+            </a:r>
+            <a:r>
+              <a:rPr lang="en-US" sz="1200" dirty="0" err="1">
+                <a:solidFill>
+                  <a:srgbClr val="000000"/>
+                </a:solidFill>
+                <a:effectLst/>
+                <a:latin typeface="Courier New" panose="02070309020205020404" pitchFamily="49" charset="0"/>
+              </a:rPr>
+              <a:t>lo_cargo_plane</a:t>
+            </a:r>
+            <a:r>
+              <a:rPr lang="en-US" sz="1200" dirty="0">
+                <a:solidFill>
+                  <a:srgbClr val="800080"/>
+                </a:solidFill>
+                <a:effectLst/>
+                <a:latin typeface="Courier New" panose="02070309020205020404" pitchFamily="49" charset="0"/>
+              </a:rPr>
+              <a:t>. </a:t>
+            </a:r>
+            <a:r>
+              <a:rPr lang="en-US" sz="1200" i="1" dirty="0">
+                <a:solidFill>
+                  <a:srgbClr val="808080"/>
+                </a:solidFill>
+                <a:effectLst/>
+                <a:latin typeface="Courier New" panose="02070309020205020404" pitchFamily="49" charset="0"/>
+              </a:rPr>
+              <a:t>""child object to parent - widening cast</a:t>
+            </a:r>
+            <a:br>
+              <a:rPr lang="en-US" sz="1200" dirty="0">
+                <a:solidFill>
+                  <a:srgbClr val="000000"/>
+                </a:solidFill>
+                <a:effectLst/>
+                <a:latin typeface="Courier New" panose="02070309020205020404" pitchFamily="49" charset="0"/>
+              </a:rPr>
+            </a:br>
+            <a:r>
+              <a:rPr lang="en-US" sz="1200" dirty="0">
+                <a:solidFill>
+                  <a:srgbClr val="000000"/>
+                </a:solidFill>
+                <a:effectLst/>
+                <a:latin typeface="Courier New" panose="02070309020205020404" pitchFamily="49" charset="0"/>
+              </a:rPr>
+              <a:t>    </a:t>
+            </a:r>
+            <a:r>
+              <a:rPr lang="en-US" sz="1200" dirty="0">
+                <a:solidFill>
+                  <a:srgbClr val="0000FF"/>
+                </a:solidFill>
+                <a:effectLst/>
+                <a:latin typeface="Courier New" panose="02070309020205020404" pitchFamily="49" charset="0"/>
+              </a:rPr>
+              <a:t>else</a:t>
+            </a:r>
+            <a:r>
+              <a:rPr lang="en-US" sz="1200" dirty="0">
+                <a:solidFill>
+                  <a:srgbClr val="800080"/>
+                </a:solidFill>
+                <a:effectLst/>
+                <a:latin typeface="Courier New" panose="02070309020205020404" pitchFamily="49" charset="0"/>
+              </a:rPr>
+              <a:t>.</a:t>
+            </a:r>
+            <a:br>
+              <a:rPr lang="en-US" sz="1200" dirty="0">
+                <a:solidFill>
+                  <a:srgbClr val="000000"/>
+                </a:solidFill>
+                <a:effectLst/>
+                <a:latin typeface="Courier New" panose="02070309020205020404" pitchFamily="49" charset="0"/>
+              </a:rPr>
+            </a:br>
+            <a:r>
+              <a:rPr lang="en-US" sz="1200" dirty="0">
+                <a:solidFill>
+                  <a:srgbClr val="000000"/>
+                </a:solidFill>
+                <a:effectLst/>
+                <a:latin typeface="Courier New" panose="02070309020205020404" pitchFamily="49" charset="0"/>
+              </a:rPr>
+              <a:t>      </a:t>
+            </a:r>
+            <a:r>
+              <a:rPr lang="en-US" sz="1200" dirty="0">
+                <a:solidFill>
+                  <a:srgbClr val="0000FF"/>
+                </a:solidFill>
+                <a:effectLst/>
+                <a:latin typeface="Courier New" panose="02070309020205020404" pitchFamily="49" charset="0"/>
+              </a:rPr>
+              <a:t>message </a:t>
+            </a:r>
+            <a:r>
+              <a:rPr lang="en-US" sz="1200" dirty="0">
+                <a:solidFill>
+                  <a:srgbClr val="4DA619"/>
+                </a:solidFill>
+                <a:effectLst/>
+                <a:latin typeface="Courier New" panose="02070309020205020404" pitchFamily="49" charset="0"/>
+              </a:rPr>
+              <a:t>'plane not supported' </a:t>
+            </a:r>
+            <a:r>
+              <a:rPr lang="en-US" sz="1200" dirty="0">
+                <a:solidFill>
+                  <a:srgbClr val="0000FF"/>
+                </a:solidFill>
+                <a:effectLst/>
+                <a:latin typeface="Courier New" panose="02070309020205020404" pitchFamily="49" charset="0"/>
+              </a:rPr>
+              <a:t>type </a:t>
+            </a:r>
+            <a:r>
+              <a:rPr lang="en-US" sz="1200" dirty="0">
+                <a:solidFill>
+                  <a:srgbClr val="4DA619"/>
+                </a:solidFill>
+                <a:effectLst/>
+                <a:latin typeface="Courier New" panose="02070309020205020404" pitchFamily="49" charset="0"/>
+              </a:rPr>
+              <a:t>'E'</a:t>
+            </a:r>
+            <a:r>
+              <a:rPr lang="en-US" sz="1200" dirty="0">
+                <a:solidFill>
+                  <a:srgbClr val="800080"/>
+                </a:solidFill>
+                <a:effectLst/>
+                <a:latin typeface="Courier New" panose="02070309020205020404" pitchFamily="49" charset="0"/>
+              </a:rPr>
+              <a:t>.</a:t>
+            </a:r>
+            <a:br>
+              <a:rPr lang="en-US" sz="1200" dirty="0">
+                <a:solidFill>
+                  <a:srgbClr val="000000"/>
+                </a:solidFill>
+                <a:effectLst/>
+                <a:latin typeface="Courier New" panose="02070309020205020404" pitchFamily="49" charset="0"/>
+              </a:rPr>
+            </a:br>
+            <a:r>
+              <a:rPr lang="en-US" sz="1200" dirty="0">
+                <a:solidFill>
+                  <a:srgbClr val="000000"/>
+                </a:solidFill>
+                <a:effectLst/>
+                <a:latin typeface="Courier New" panose="02070309020205020404" pitchFamily="49" charset="0"/>
+              </a:rPr>
+              <a:t>    </a:t>
+            </a:r>
+            <a:r>
+              <a:rPr lang="en-US" sz="1200" dirty="0">
+                <a:solidFill>
+                  <a:srgbClr val="0000FF"/>
+                </a:solidFill>
+                <a:effectLst/>
+                <a:latin typeface="Courier New" panose="02070309020205020404" pitchFamily="49" charset="0"/>
+              </a:rPr>
+              <a:t>endif</a:t>
+            </a:r>
+            <a:r>
+              <a:rPr lang="en-US" sz="1200" dirty="0">
+                <a:solidFill>
+                  <a:srgbClr val="800080"/>
+                </a:solidFill>
+                <a:effectLst/>
+                <a:latin typeface="Courier New" panose="02070309020205020404" pitchFamily="49" charset="0"/>
+              </a:rPr>
+              <a:t>.</a:t>
+            </a:r>
+            <a:r>
+              <a:rPr lang="en-US" sz="1200" dirty="0"/>
+              <a:t> </a:t>
+            </a:r>
+          </a:p>
+          <a:p>
+            <a:r>
+              <a:rPr lang="en-US" sz="1600" dirty="0"/>
+              <a:t>5. Come back to the report and just call the factory class and pass our type and receive interface object – in call class report</a:t>
+            </a:r>
+          </a:p>
+          <a:p>
+            <a:r>
+              <a:rPr lang="en-US" sz="1800" dirty="0">
+                <a:solidFill>
+                  <a:srgbClr val="000000"/>
+                </a:solidFill>
+                <a:effectLst/>
+                <a:latin typeface="Courier New" panose="02070309020205020404" pitchFamily="49" charset="0"/>
+              </a:rPr>
+              <a:t>ZCL_XX_FACTORY</a:t>
+            </a:r>
+            <a:r>
+              <a:rPr lang="en-US" sz="1800" dirty="0">
+                <a:solidFill>
+                  <a:srgbClr val="808080"/>
+                </a:solidFill>
+                <a:effectLst/>
+                <a:latin typeface="Courier New" panose="02070309020205020404" pitchFamily="49" charset="0"/>
+              </a:rPr>
+              <a:t>=&gt;</a:t>
+            </a:r>
+            <a:r>
+              <a:rPr lang="en-US" sz="1800" dirty="0" err="1">
+                <a:solidFill>
+                  <a:srgbClr val="000000"/>
+                </a:solidFill>
+                <a:effectLst/>
+                <a:latin typeface="Courier New" panose="02070309020205020404" pitchFamily="49" charset="0"/>
+              </a:rPr>
+              <a:t>get_instance</a:t>
+            </a:r>
+            <a:r>
+              <a:rPr lang="en-US" sz="1800" dirty="0">
+                <a:solidFill>
+                  <a:srgbClr val="800080"/>
+                </a:solidFill>
+                <a:effectLst/>
+                <a:latin typeface="Courier New" panose="02070309020205020404" pitchFamily="49" charset="0"/>
+              </a:rPr>
+              <a:t>(</a:t>
+            </a:r>
+            <a:br>
+              <a:rPr lang="en-US" sz="1800" dirty="0">
+                <a:solidFill>
+                  <a:srgbClr val="000000"/>
+                </a:solidFill>
+                <a:effectLst/>
+                <a:latin typeface="Courier New" panose="02070309020205020404" pitchFamily="49" charset="0"/>
+              </a:rPr>
+            </a:br>
+            <a:r>
+              <a:rPr lang="en-US" sz="1800" dirty="0">
+                <a:solidFill>
+                  <a:srgbClr val="000000"/>
+                </a:solidFill>
+                <a:effectLst/>
+                <a:latin typeface="Courier New" panose="02070309020205020404" pitchFamily="49" charset="0"/>
+              </a:rPr>
+              <a:t>  </a:t>
+            </a:r>
+            <a:r>
+              <a:rPr lang="en-US" sz="1800" dirty="0">
+                <a:solidFill>
+                  <a:srgbClr val="0000FF"/>
+                </a:solidFill>
+                <a:effectLst/>
+                <a:latin typeface="Courier New" panose="02070309020205020404" pitchFamily="49" charset="0"/>
+              </a:rPr>
+              <a:t>exporting</a:t>
+            </a:r>
+            <a:br>
+              <a:rPr lang="en-US" sz="1800" dirty="0">
+                <a:solidFill>
+                  <a:srgbClr val="000000"/>
+                </a:solidFill>
+                <a:effectLst/>
+                <a:latin typeface="Courier New" panose="02070309020205020404" pitchFamily="49" charset="0"/>
+              </a:rPr>
+            </a:br>
+            <a:r>
+              <a:rPr lang="en-US" sz="1800" dirty="0">
+                <a:solidFill>
+                  <a:srgbClr val="000000"/>
+                </a:solidFill>
+                <a:effectLst/>
+                <a:latin typeface="Courier New" panose="02070309020205020404" pitchFamily="49" charset="0"/>
+              </a:rPr>
+              <a:t>    </a:t>
+            </a:r>
+            <a:r>
+              <a:rPr lang="en-US" sz="1800" dirty="0" err="1">
+                <a:solidFill>
+                  <a:srgbClr val="000000"/>
+                </a:solidFill>
+                <a:effectLst/>
+                <a:latin typeface="Courier New" panose="02070309020205020404" pitchFamily="49" charset="0"/>
+              </a:rPr>
+              <a:t>i_ptype</a:t>
+            </a:r>
+            <a:r>
+              <a:rPr lang="en-US" sz="1800" dirty="0">
+                <a:solidFill>
+                  <a:srgbClr val="000000"/>
+                </a:solidFill>
+                <a:effectLst/>
+                <a:latin typeface="Courier New" panose="02070309020205020404" pitchFamily="49" charset="0"/>
+              </a:rPr>
+              <a:t>  </a:t>
+            </a:r>
+            <a:r>
+              <a:rPr lang="en-US" sz="1800" dirty="0">
+                <a:solidFill>
+                  <a:srgbClr val="800080"/>
+                </a:solidFill>
+                <a:effectLst/>
+                <a:latin typeface="Courier New" panose="02070309020205020404" pitchFamily="49" charset="0"/>
+              </a:rPr>
+              <a:t>= </a:t>
+            </a:r>
+            <a:r>
+              <a:rPr lang="en-US" sz="1800" dirty="0" err="1">
+                <a:solidFill>
+                  <a:srgbClr val="000000"/>
+                </a:solidFill>
+                <a:effectLst/>
+                <a:latin typeface="Courier New" panose="02070309020205020404" pitchFamily="49" charset="0"/>
+              </a:rPr>
+              <a:t>ptyp</a:t>
+            </a:r>
+            <a:r>
+              <a:rPr lang="en-US" sz="1800" dirty="0">
+                <a:solidFill>
+                  <a:srgbClr val="000000"/>
+                </a:solidFill>
+                <a:effectLst/>
+                <a:latin typeface="Courier New" panose="02070309020205020404" pitchFamily="49" charset="0"/>
+              </a:rPr>
+              <a:t>                 </a:t>
+            </a:r>
+            <a:r>
+              <a:rPr lang="en-US" sz="1800" i="1" dirty="0">
+                <a:solidFill>
+                  <a:srgbClr val="808080"/>
+                </a:solidFill>
+                <a:effectLst/>
+                <a:latin typeface="Courier New" panose="02070309020205020404" pitchFamily="49" charset="0"/>
+              </a:rPr>
+              <a:t>" Single-Character Flag</a:t>
+            </a:r>
+            <a:br>
+              <a:rPr lang="en-US" sz="1800" dirty="0">
+                <a:solidFill>
+                  <a:srgbClr val="000000"/>
+                </a:solidFill>
+                <a:effectLst/>
+                <a:latin typeface="Courier New" panose="02070309020205020404" pitchFamily="49" charset="0"/>
+              </a:rPr>
+            </a:br>
+            <a:r>
+              <a:rPr lang="en-US" sz="1800" dirty="0">
+                <a:solidFill>
+                  <a:srgbClr val="000000"/>
+                </a:solidFill>
+                <a:effectLst/>
+                <a:latin typeface="Courier New" panose="02070309020205020404" pitchFamily="49" charset="0"/>
+              </a:rPr>
+              <a:t>  </a:t>
+            </a:r>
+            <a:r>
+              <a:rPr lang="en-US" sz="1800" dirty="0">
+                <a:solidFill>
+                  <a:srgbClr val="0000FF"/>
+                </a:solidFill>
+                <a:effectLst/>
+                <a:latin typeface="Courier New" panose="02070309020205020404" pitchFamily="49" charset="0"/>
+              </a:rPr>
+              <a:t>importing</a:t>
+            </a:r>
+            <a:br>
+              <a:rPr lang="en-US" sz="1800" dirty="0">
+                <a:solidFill>
+                  <a:srgbClr val="000000"/>
+                </a:solidFill>
+                <a:effectLst/>
+                <a:latin typeface="Courier New" panose="02070309020205020404" pitchFamily="49" charset="0"/>
+              </a:rPr>
+            </a:br>
+            <a:r>
+              <a:rPr lang="en-US" sz="1800" dirty="0">
+                <a:solidFill>
+                  <a:srgbClr val="000000"/>
+                </a:solidFill>
+                <a:effectLst/>
+                <a:latin typeface="Courier New" panose="02070309020205020404" pitchFamily="49" charset="0"/>
+              </a:rPr>
+              <a:t>    </a:t>
+            </a:r>
+            <a:r>
+              <a:rPr lang="en-US" sz="1800" dirty="0" err="1">
+                <a:solidFill>
+                  <a:srgbClr val="000000"/>
+                </a:solidFill>
+                <a:effectLst/>
+                <a:latin typeface="Courier New" panose="02070309020205020404" pitchFamily="49" charset="0"/>
+              </a:rPr>
+              <a:t>eo_plane</a:t>
+            </a:r>
+            <a:r>
+              <a:rPr lang="en-US" sz="1800" dirty="0">
+                <a:solidFill>
+                  <a:srgbClr val="000000"/>
+                </a:solidFill>
+                <a:effectLst/>
+                <a:latin typeface="Courier New" panose="02070309020205020404" pitchFamily="49" charset="0"/>
+              </a:rPr>
+              <a:t> </a:t>
+            </a:r>
+            <a:r>
+              <a:rPr lang="en-US" sz="1800" dirty="0">
+                <a:solidFill>
+                  <a:srgbClr val="800080"/>
+                </a:solidFill>
+                <a:effectLst/>
+                <a:latin typeface="Courier New" panose="02070309020205020404" pitchFamily="49" charset="0"/>
+              </a:rPr>
+              <a:t>= </a:t>
+            </a:r>
+            <a:r>
+              <a:rPr lang="en-US" sz="1800" dirty="0" err="1">
+                <a:solidFill>
+                  <a:srgbClr val="000000"/>
+                </a:solidFill>
+                <a:effectLst/>
+                <a:latin typeface="Courier New" panose="02070309020205020404" pitchFamily="49" charset="0"/>
+              </a:rPr>
+              <a:t>lo_if_plane</a:t>
+            </a:r>
+            <a:r>
+              <a:rPr lang="en-US" sz="1800" dirty="0">
+                <a:solidFill>
+                  <a:srgbClr val="000000"/>
+                </a:solidFill>
+                <a:effectLst/>
+                <a:latin typeface="Courier New" panose="02070309020205020404" pitchFamily="49" charset="0"/>
+              </a:rPr>
+              <a:t>                 </a:t>
+            </a:r>
+            <a:r>
+              <a:rPr lang="en-US" sz="1800" i="1" dirty="0">
+                <a:solidFill>
+                  <a:srgbClr val="808080"/>
+                </a:solidFill>
+                <a:effectLst/>
+                <a:latin typeface="Courier New" panose="02070309020205020404" pitchFamily="49" charset="0"/>
+              </a:rPr>
+              <a:t>" Airplane Interface</a:t>
+            </a:r>
+            <a:br>
+              <a:rPr lang="en-US" sz="1800" dirty="0">
+                <a:solidFill>
+                  <a:srgbClr val="000000"/>
+                </a:solidFill>
+                <a:effectLst/>
+                <a:latin typeface="Courier New" panose="02070309020205020404" pitchFamily="49" charset="0"/>
+              </a:rPr>
+            </a:br>
+            <a:r>
+              <a:rPr lang="en-US" sz="1800" dirty="0">
+                <a:solidFill>
+                  <a:srgbClr val="800080"/>
+                </a:solidFill>
+                <a:effectLst/>
+                <a:latin typeface="Courier New" panose="02070309020205020404" pitchFamily="49" charset="0"/>
+              </a:rPr>
+              <a:t>).</a:t>
+            </a:r>
+            <a:r>
+              <a:rPr lang="en-US" sz="1600" dirty="0"/>
+              <a:t> </a:t>
+            </a:r>
+          </a:p>
+        </p:txBody>
+      </p:sp>
+    </p:spTree>
+    <p:extLst>
+      <p:ext uri="{BB962C8B-B14F-4D97-AF65-F5344CB8AC3E}">
+        <p14:creationId xmlns:p14="http://schemas.microsoft.com/office/powerpoint/2010/main" val="3039107748"/>
+      </p:ext>
+    </p:extLst>
+  </p:cSld>
+  <p:clrMapOvr>
+    <a:masterClrMapping/>
+  </p:clrMapOvr>
+</p:sld>
+</file>
+
+<file path=ppt/slides/slide13.xml><?xml version="1.0" encoding="utf-8"?>
+<p:sld xmlns:a="http://schemas.openxmlformats.org/drawingml/2006/main" xmlns:r="http://schemas.openxmlformats.org/officeDocument/2006/relationships" xmlns:p="http://schemas.openxmlformats.org/presentationml/2006/main">
+  <p:cSld>
+    <p:spTree>
+      <p:nvGrpSpPr>
+        <p:cNvPr id="1" name=""/>
+        <p:cNvGrpSpPr/>
+        <p:nvPr/>
+      </p:nvGrpSpPr>
+      <p:grpSpPr>
+        <a:xfrm>
+          <a:off x="0" y="0"/>
+          <a:ext cx="0" cy="0"/>
+          <a:chOff x="0" y="0"/>
+          <a:chExt cx="0" cy="0"/>
+        </a:xfrm>
+      </p:grpSpPr>
+      <mc:AlternateContent xmlns:mc="http://schemas.openxmlformats.org/markup-compatibility/2006">
+        <mc:Choice xmlns:p14="http://schemas.microsoft.com/office/powerpoint/2010/main" Requires="p14">
+          <p:contentPart p14:bwMode="auto" r:id="rId2">
+            <p14:nvContentPartPr>
+              <p14:cNvPr id="22" name="Ink 21">
+                <a:extLst>
+                  <a:ext uri="{FF2B5EF4-FFF2-40B4-BE49-F238E27FC236}">
+                    <a16:creationId xmlns:a16="http://schemas.microsoft.com/office/drawing/2014/main" id="{B4CC3E9F-8FC1-4BC4-A5FB-42B35E20764A}"/>
+                  </a:ext>
+                </a:extLst>
+              </p14:cNvPr>
+              <p14:cNvContentPartPr/>
+              <p14:nvPr/>
+            </p14:nvContentPartPr>
+            <p14:xfrm>
+              <a:off x="447286" y="193251"/>
+              <a:ext cx="1998000" cy="464400"/>
+            </p14:xfrm>
+          </p:contentPart>
+        </mc:Choice>
+        <mc:Fallback>
+          <p:pic>
+            <p:nvPicPr>
+              <p:cNvPr id="22" name="Ink 21">
+                <a:extLst>
+                  <a:ext uri="{FF2B5EF4-FFF2-40B4-BE49-F238E27FC236}">
+                    <a16:creationId xmlns:a16="http://schemas.microsoft.com/office/drawing/2014/main" id="{B4CC3E9F-8FC1-4BC4-A5FB-42B35E20764A}"/>
+                  </a:ext>
+                </a:extLst>
+              </p:cNvPr>
+              <p:cNvPicPr/>
+              <p:nvPr/>
+            </p:nvPicPr>
+            <p:blipFill>
+              <a:blip r:embed="rId3"/>
+              <a:stretch>
+                <a:fillRect/>
+              </a:stretch>
+            </p:blipFill>
+            <p:spPr>
+              <a:xfrm>
+                <a:off x="438286" y="184258"/>
+                <a:ext cx="2015640" cy="482026"/>
+              </a:xfrm>
+              <a:prstGeom prst="rect">
+                <a:avLst/>
+              </a:prstGeom>
+            </p:spPr>
+          </p:pic>
+        </mc:Fallback>
+      </mc:AlternateContent>
+      <mc:AlternateContent xmlns:mc="http://schemas.openxmlformats.org/markup-compatibility/2006">
+        <mc:Choice xmlns:p14="http://schemas.microsoft.com/office/powerpoint/2010/main" Requires="p14">
+          <p:contentPart p14:bwMode="auto" r:id="rId4">
+            <p14:nvContentPartPr>
+              <p14:cNvPr id="24" name="Ink 23">
+                <a:extLst>
+                  <a:ext uri="{FF2B5EF4-FFF2-40B4-BE49-F238E27FC236}">
+                    <a16:creationId xmlns:a16="http://schemas.microsoft.com/office/drawing/2014/main" id="{57A2BC11-C8FB-4EB6-BD5A-4633640C7751}"/>
+                  </a:ext>
+                </a:extLst>
+              </p14:cNvPr>
+              <p14:cNvContentPartPr/>
+              <p14:nvPr/>
+            </p14:nvContentPartPr>
+            <p14:xfrm>
+              <a:off x="2760646" y="149331"/>
+              <a:ext cx="1815840" cy="680040"/>
+            </p14:xfrm>
+          </p:contentPart>
+        </mc:Choice>
+        <mc:Fallback>
+          <p:pic>
+            <p:nvPicPr>
+              <p:cNvPr id="24" name="Ink 23">
+                <a:extLst>
+                  <a:ext uri="{FF2B5EF4-FFF2-40B4-BE49-F238E27FC236}">
+                    <a16:creationId xmlns:a16="http://schemas.microsoft.com/office/drawing/2014/main" id="{57A2BC11-C8FB-4EB6-BD5A-4633640C7751}"/>
+                  </a:ext>
+                </a:extLst>
+              </p:cNvPr>
+              <p:cNvPicPr/>
+              <p:nvPr/>
+            </p:nvPicPr>
+            <p:blipFill>
+              <a:blip r:embed="rId5"/>
+              <a:stretch>
+                <a:fillRect/>
+              </a:stretch>
+            </p:blipFill>
+            <p:spPr>
+              <a:xfrm>
+                <a:off x="2751646" y="140331"/>
+                <a:ext cx="1833480" cy="697680"/>
+              </a:xfrm>
+              <a:prstGeom prst="rect">
+                <a:avLst/>
+              </a:prstGeom>
+            </p:spPr>
+          </p:pic>
+        </mc:Fallback>
+      </mc:AlternateContent>
+      <mc:AlternateContent xmlns:mc="http://schemas.openxmlformats.org/markup-compatibility/2006">
+        <mc:Choice xmlns:p14="http://schemas.microsoft.com/office/powerpoint/2010/main" Requires="p14">
+          <p:contentPart p14:bwMode="auto" r:id="rId6">
+            <p14:nvContentPartPr>
+              <p14:cNvPr id="49" name="Ink 48">
+                <a:extLst>
+                  <a:ext uri="{FF2B5EF4-FFF2-40B4-BE49-F238E27FC236}">
+                    <a16:creationId xmlns:a16="http://schemas.microsoft.com/office/drawing/2014/main" id="{A1B88BDD-3BB6-4795-99A2-7911425B88F9}"/>
+                  </a:ext>
+                </a:extLst>
+              </p14:cNvPr>
+              <p14:cNvContentPartPr/>
+              <p14:nvPr/>
+            </p14:nvContentPartPr>
+            <p14:xfrm>
+              <a:off x="2875126" y="808851"/>
+              <a:ext cx="6427440" cy="1222560"/>
+            </p14:xfrm>
+          </p:contentPart>
+        </mc:Choice>
+        <mc:Fallback>
+          <p:pic>
+            <p:nvPicPr>
+              <p:cNvPr id="49" name="Ink 48">
+                <a:extLst>
+                  <a:ext uri="{FF2B5EF4-FFF2-40B4-BE49-F238E27FC236}">
+                    <a16:creationId xmlns:a16="http://schemas.microsoft.com/office/drawing/2014/main" id="{A1B88BDD-3BB6-4795-99A2-7911425B88F9}"/>
+                  </a:ext>
+                </a:extLst>
+              </p:cNvPr>
+              <p:cNvPicPr/>
+              <p:nvPr/>
+            </p:nvPicPr>
+            <p:blipFill>
+              <a:blip r:embed="rId7"/>
+              <a:stretch>
+                <a:fillRect/>
+              </a:stretch>
+            </p:blipFill>
+            <p:spPr>
+              <a:xfrm>
+                <a:off x="2866126" y="799851"/>
+                <a:ext cx="6445080" cy="1240200"/>
+              </a:xfrm>
+              <a:prstGeom prst="rect">
+                <a:avLst/>
+              </a:prstGeom>
+            </p:spPr>
+          </p:pic>
+        </mc:Fallback>
+      </mc:AlternateContent>
+      <mc:AlternateContent xmlns:mc="http://schemas.openxmlformats.org/markup-compatibility/2006">
+        <mc:Choice xmlns:p14="http://schemas.microsoft.com/office/powerpoint/2010/main" Requires="p14">
+          <p:contentPart p14:bwMode="auto" r:id="rId8">
+            <p14:nvContentPartPr>
+              <p14:cNvPr id="52" name="Ink 51">
+                <a:extLst>
+                  <a:ext uri="{FF2B5EF4-FFF2-40B4-BE49-F238E27FC236}">
+                    <a16:creationId xmlns:a16="http://schemas.microsoft.com/office/drawing/2014/main" id="{7B054116-8A3E-49A7-876C-C3270E6E66CF}"/>
+                  </a:ext>
+                </a:extLst>
+              </p14:cNvPr>
+              <p14:cNvContentPartPr/>
+              <p14:nvPr/>
+            </p14:nvContentPartPr>
+            <p14:xfrm>
+              <a:off x="3630046" y="1679331"/>
+              <a:ext cx="5501520" cy="774360"/>
+            </p14:xfrm>
+          </p:contentPart>
+        </mc:Choice>
+        <mc:Fallback>
+          <p:pic>
+            <p:nvPicPr>
+              <p:cNvPr id="52" name="Ink 51">
+                <a:extLst>
+                  <a:ext uri="{FF2B5EF4-FFF2-40B4-BE49-F238E27FC236}">
+                    <a16:creationId xmlns:a16="http://schemas.microsoft.com/office/drawing/2014/main" id="{7B054116-8A3E-49A7-876C-C3270E6E66CF}"/>
+                  </a:ext>
+                </a:extLst>
+              </p:cNvPr>
+              <p:cNvPicPr/>
+              <p:nvPr/>
+            </p:nvPicPr>
+            <p:blipFill>
+              <a:blip r:embed="rId9"/>
+              <a:stretch>
+                <a:fillRect/>
+              </a:stretch>
+            </p:blipFill>
+            <p:spPr>
+              <a:xfrm>
+                <a:off x="3621046" y="1670331"/>
+                <a:ext cx="5519160" cy="792000"/>
+              </a:xfrm>
+              <a:prstGeom prst="rect">
+                <a:avLst/>
+              </a:prstGeom>
+            </p:spPr>
+          </p:pic>
+        </mc:Fallback>
+      </mc:AlternateContent>
+      <mc:AlternateContent xmlns:mc="http://schemas.openxmlformats.org/markup-compatibility/2006">
+        <mc:Choice xmlns:p14="http://schemas.microsoft.com/office/powerpoint/2010/main" Requires="p14">
+          <p:contentPart p14:bwMode="auto" r:id="rId10">
+            <p14:nvContentPartPr>
+              <p14:cNvPr id="61" name="Ink 60">
+                <a:extLst>
+                  <a:ext uri="{FF2B5EF4-FFF2-40B4-BE49-F238E27FC236}">
+                    <a16:creationId xmlns:a16="http://schemas.microsoft.com/office/drawing/2014/main" id="{92482FE8-2892-4E0A-9B91-AE9CB2D852AA}"/>
+                  </a:ext>
+                </a:extLst>
+              </p14:cNvPr>
+              <p14:cNvContentPartPr/>
+              <p14:nvPr/>
+            </p14:nvContentPartPr>
+            <p14:xfrm>
+              <a:off x="378166" y="2646651"/>
+              <a:ext cx="759240" cy="231480"/>
+            </p14:xfrm>
+          </p:contentPart>
+        </mc:Choice>
+        <mc:Fallback>
+          <p:pic>
+            <p:nvPicPr>
+              <p:cNvPr id="61" name="Ink 60">
+                <a:extLst>
+                  <a:ext uri="{FF2B5EF4-FFF2-40B4-BE49-F238E27FC236}">
+                    <a16:creationId xmlns:a16="http://schemas.microsoft.com/office/drawing/2014/main" id="{92482FE8-2892-4E0A-9B91-AE9CB2D852AA}"/>
+                  </a:ext>
+                </a:extLst>
+              </p:cNvPr>
+              <p:cNvPicPr/>
+              <p:nvPr/>
+            </p:nvPicPr>
+            <p:blipFill>
+              <a:blip r:embed="rId11"/>
+              <a:stretch>
+                <a:fillRect/>
+              </a:stretch>
+            </p:blipFill>
+            <p:spPr>
+              <a:xfrm>
+                <a:off x="369166" y="2637651"/>
+                <a:ext cx="776880" cy="249120"/>
+              </a:xfrm>
+              <a:prstGeom prst="rect">
+                <a:avLst/>
+              </a:prstGeom>
+            </p:spPr>
+          </p:pic>
+        </mc:Fallback>
+      </mc:AlternateContent>
+      <mc:AlternateContent xmlns:mc="http://schemas.openxmlformats.org/markup-compatibility/2006">
+        <mc:Choice xmlns:p14="http://schemas.microsoft.com/office/powerpoint/2010/main" Requires="p14">
+          <p:contentPart p14:bwMode="auto" r:id="rId12">
+            <p14:nvContentPartPr>
+              <p14:cNvPr id="64" name="Ink 63">
+                <a:extLst>
+                  <a:ext uri="{FF2B5EF4-FFF2-40B4-BE49-F238E27FC236}">
+                    <a16:creationId xmlns:a16="http://schemas.microsoft.com/office/drawing/2014/main" id="{255497BC-A5C4-41C1-B8A5-8C56A1BD8128}"/>
+                  </a:ext>
+                </a:extLst>
+              </p14:cNvPr>
+              <p14:cNvContentPartPr/>
+              <p14:nvPr/>
+            </p14:nvContentPartPr>
+            <p14:xfrm>
+              <a:off x="756166" y="2127891"/>
+              <a:ext cx="159480" cy="387000"/>
+            </p14:xfrm>
+          </p:contentPart>
+        </mc:Choice>
+        <mc:Fallback>
+          <p:pic>
+            <p:nvPicPr>
+              <p:cNvPr id="64" name="Ink 63">
+                <a:extLst>
+                  <a:ext uri="{FF2B5EF4-FFF2-40B4-BE49-F238E27FC236}">
+                    <a16:creationId xmlns:a16="http://schemas.microsoft.com/office/drawing/2014/main" id="{255497BC-A5C4-41C1-B8A5-8C56A1BD8128}"/>
+                  </a:ext>
+                </a:extLst>
+              </p:cNvPr>
+              <p:cNvPicPr/>
+              <p:nvPr/>
+            </p:nvPicPr>
+            <p:blipFill>
+              <a:blip r:embed="rId13"/>
+              <a:stretch>
+                <a:fillRect/>
+              </a:stretch>
+            </p:blipFill>
+            <p:spPr>
+              <a:xfrm>
+                <a:off x="747166" y="2118891"/>
+                <a:ext cx="177120" cy="404640"/>
+              </a:xfrm>
+              <a:prstGeom prst="rect">
+                <a:avLst/>
+              </a:prstGeom>
+            </p:spPr>
+          </p:pic>
+        </mc:Fallback>
+      </mc:AlternateContent>
+      <mc:AlternateContent xmlns:mc="http://schemas.openxmlformats.org/markup-compatibility/2006">
+        <mc:Choice xmlns:p14="http://schemas.microsoft.com/office/powerpoint/2010/main" Requires="p14">
+          <p:contentPart p14:bwMode="auto" r:id="rId14">
+            <p14:nvContentPartPr>
+              <p14:cNvPr id="82" name="Ink 81">
+                <a:extLst>
+                  <a:ext uri="{FF2B5EF4-FFF2-40B4-BE49-F238E27FC236}">
+                    <a16:creationId xmlns:a16="http://schemas.microsoft.com/office/drawing/2014/main" id="{E3DD622E-C1B1-45A8-BA15-044AA1A9E297}"/>
+                  </a:ext>
+                </a:extLst>
+              </p14:cNvPr>
+              <p14:cNvContentPartPr/>
+              <p14:nvPr/>
+            </p14:nvContentPartPr>
+            <p14:xfrm>
+              <a:off x="351526" y="1484931"/>
+              <a:ext cx="2163600" cy="432360"/>
+            </p14:xfrm>
+          </p:contentPart>
+        </mc:Choice>
+        <mc:Fallback>
+          <p:pic>
+            <p:nvPicPr>
+              <p:cNvPr id="82" name="Ink 81">
+                <a:extLst>
+                  <a:ext uri="{FF2B5EF4-FFF2-40B4-BE49-F238E27FC236}">
+                    <a16:creationId xmlns:a16="http://schemas.microsoft.com/office/drawing/2014/main" id="{E3DD622E-C1B1-45A8-BA15-044AA1A9E297}"/>
+                  </a:ext>
+                </a:extLst>
+              </p:cNvPr>
+              <p:cNvPicPr/>
+              <p:nvPr/>
+            </p:nvPicPr>
+            <p:blipFill>
+              <a:blip r:embed="rId15"/>
+              <a:stretch>
+                <a:fillRect/>
+              </a:stretch>
+            </p:blipFill>
+            <p:spPr>
+              <a:xfrm>
+                <a:off x="342526" y="1475931"/>
+                <a:ext cx="2181240" cy="450000"/>
+              </a:xfrm>
+              <a:prstGeom prst="rect">
+                <a:avLst/>
+              </a:prstGeom>
+            </p:spPr>
+          </p:pic>
+        </mc:Fallback>
+      </mc:AlternateContent>
+      <p:sp>
+        <p:nvSpPr>
+          <p:cNvPr id="101" name="TextBox 100">
+            <a:extLst>
+              <a:ext uri="{FF2B5EF4-FFF2-40B4-BE49-F238E27FC236}">
+                <a16:creationId xmlns:a16="http://schemas.microsoft.com/office/drawing/2014/main" id="{95BF2D5F-F4C9-4BCE-95CA-AC67CCED8342}"/>
+              </a:ext>
+            </a:extLst>
+          </p:cNvPr>
+          <p:cNvSpPr txBox="1"/>
+          <p:nvPr/>
+        </p:nvSpPr>
+        <p:spPr>
+          <a:xfrm>
+            <a:off x="351526" y="3253154"/>
+            <a:ext cx="11667559" cy="830997"/>
+          </a:xfrm>
+          <a:prstGeom prst="rect">
+            <a:avLst/>
+          </a:prstGeom>
+          <a:noFill/>
+        </p:spPr>
+        <p:txBody>
+          <a:bodyPr wrap="square" rtlCol="0">
+            <a:spAutoFit/>
+          </a:bodyPr>
+          <a:lstStyle/>
+          <a:p>
+            <a:r>
+              <a:rPr lang="en-US" sz="2400" dirty="0"/>
+              <a:t>While I on-boarding my flight, if I detect a corona positive passenger, I need to cancel the on-boarding ASAP to avoid risk of an outbreak.</a:t>
+            </a:r>
+          </a:p>
+        </p:txBody>
+      </p:sp>
+    </p:spTree>
+    <p:extLst>
+      <p:ext uri="{BB962C8B-B14F-4D97-AF65-F5344CB8AC3E}">
+        <p14:creationId xmlns:p14="http://schemas.microsoft.com/office/powerpoint/2010/main" val="2029243283"/>
+      </p:ext>
+    </p:extLst>
+  </p:cSld>
+  <p:clrMapOvr>
+    <a:masterClrMapping/>
+  </p:clrMapOvr>
+</p:sld>
+</file>
+
+<file path=ppt/slides/slide14.xml><?xml version="1.0" encoding="utf-8"?>
+<p:sld xmlns:a="http://schemas.openxmlformats.org/drawingml/2006/main" xmlns:r="http://schemas.openxmlformats.org/officeDocument/2006/relationships" xmlns:p="http://schemas.openxmlformats.org/presentationml/2006/main">
+  <p:cSld>
+    <p:spTree>
+      <p:nvGrpSpPr>
+        <p:cNvPr id="1" name=""/>
+        <p:cNvGrpSpPr/>
+        <p:nvPr/>
+      </p:nvGrpSpPr>
+      <p:grpSpPr>
+        <a:xfrm>
+          <a:off x="0" y="0"/>
+          <a:ext cx="0" cy="0"/>
+          <a:chOff x="0" y="0"/>
+          <a:chExt cx="0" cy="0"/>
+        </a:xfrm>
+      </p:grpSpPr>
+    </p:spTree>
+    <p:extLst>
+      <p:ext uri="{BB962C8B-B14F-4D97-AF65-F5344CB8AC3E}">
+        <p14:creationId xmlns:p14="http://schemas.microsoft.com/office/powerpoint/2010/main" val="2336906607"/>
+      </p:ext>
+    </p:extLst>
+  </p:cSld>
+  <p:clrMapOvr>
+    <a:masterClrMapping/>
+  </p:clrMapOvr>
+</p:sld>
+</file>
+
+<file path=ppt/slides/slide2.xml><?xml version="1.0" encoding="utf-8"?>
+<p:sld xmlns:a="http://schemas.openxmlformats.org/drawingml/2006/main" xmlns:r="http://schemas.openxmlformats.org/officeDocument/2006/relationships" xmlns:p="http://schemas.openxmlformats.org/presentationml/2006/main">
+  <p:cSld>
+    <p:spTree>
+      <p:nvGrpSpPr>
+        <p:cNvPr id="1" name=""/>
+        <p:cNvGrpSpPr/>
+        <p:nvPr/>
+      </p:nvGrpSpPr>
+      <p:grpSpPr>
+        <a:xfrm>
+          <a:off x="0" y="0"/>
+          <a:ext cx="0" cy="0"/>
+          <a:chOff x="0" y="0"/>
+          <a:chExt cx="0" cy="0"/>
+        </a:xfrm>
+      </p:grpSpPr>
+      <mc:AlternateContent xmlns:mc="http://schemas.openxmlformats.org/markup-compatibility/2006" xmlns:p14="http://schemas.microsoft.com/office/powerpoint/2010/main">
+        <mc:Choice Requires="p14">
+          <p:contentPart p14:bwMode="auto" r:id="rId2">
+            <p14:nvContentPartPr>
               <p14:cNvPr id="71" name="Ink 70">
                 <a:extLst>
                   <a:ext uri="{FF2B5EF4-FFF2-40B4-BE49-F238E27FC236}">
@@ -7018,7 +12910,7 @@
             </p14:xfrm>
           </p:contentPart>
         </mc:Choice>
-        <mc:Fallback>
+        <mc:Fallback xmlns="">
           <p:pic>
             <p:nvPicPr>
               <p:cNvPr id="71" name="Ink 70">
@@ -7049,8 +12941,8 @@
           </p:pic>
         </mc:Fallback>
       </mc:AlternateContent>
-      <mc:AlternateContent xmlns:mc="http://schemas.openxmlformats.org/markup-compatibility/2006">
-        <mc:Choice xmlns:p14="http://schemas.microsoft.com/office/powerpoint/2010/main" Requires="p14">
+      <mc:AlternateContent xmlns:mc="http://schemas.openxmlformats.org/markup-compatibility/2006" xmlns:p14="http://schemas.microsoft.com/office/powerpoint/2010/main">
+        <mc:Choice Requires="p14">
           <p:contentPart p14:bwMode="auto" r:id="rId4">
             <p14:nvContentPartPr>
               <p14:cNvPr id="78" name="Ink 77">
@@ -7069,7 +12961,7 @@
             </p14:xfrm>
           </p:contentPart>
         </mc:Choice>
-        <mc:Fallback>
+        <mc:Fallback xmlns="">
           <p:pic>
             <p:nvPicPr>
               <p:cNvPr id="78" name="Ink 77">
@@ -7100,8 +12992,8 @@
           </p:pic>
         </mc:Fallback>
       </mc:AlternateContent>
-      <mc:AlternateContent xmlns:mc="http://schemas.openxmlformats.org/markup-compatibility/2006">
-        <mc:Choice xmlns:p14="http://schemas.microsoft.com/office/powerpoint/2010/main" Requires="p14">
+      <mc:AlternateContent xmlns:mc="http://schemas.openxmlformats.org/markup-compatibility/2006" xmlns:p14="http://schemas.microsoft.com/office/powerpoint/2010/main">
+        <mc:Choice Requires="p14">
           <p:contentPart p14:bwMode="auto" r:id="rId6">
             <p14:nvContentPartPr>
               <p14:cNvPr id="131" name="Ink 130">
@@ -7120,7 +13012,7 @@
             </p14:xfrm>
           </p:contentPart>
         </mc:Choice>
-        <mc:Fallback>
+        <mc:Fallback xmlns="">
           <p:pic>
             <p:nvPicPr>
               <p:cNvPr id="131" name="Ink 130">
@@ -7151,8 +13043,8 @@
           </p:pic>
         </mc:Fallback>
       </mc:AlternateContent>
-      <mc:AlternateContent xmlns:mc="http://schemas.openxmlformats.org/markup-compatibility/2006">
-        <mc:Choice xmlns:p14="http://schemas.microsoft.com/office/powerpoint/2010/main" Requires="p14">
+      <mc:AlternateContent xmlns:mc="http://schemas.openxmlformats.org/markup-compatibility/2006" xmlns:p14="http://schemas.microsoft.com/office/powerpoint/2010/main">
+        <mc:Choice Requires="p14">
           <p:contentPart p14:bwMode="auto" r:id="rId8">
             <p14:nvContentPartPr>
               <p14:cNvPr id="139" name="Ink 138">
@@ -7171,7 +13063,7 @@
             </p14:xfrm>
           </p:contentPart>
         </mc:Choice>
-        <mc:Fallback>
+        <mc:Fallback xmlns="">
           <p:pic>
             <p:nvPicPr>
               <p:cNvPr id="139" name="Ink 138">
@@ -7202,8 +13094,8 @@
           </p:pic>
         </mc:Fallback>
       </mc:AlternateContent>
-      <mc:AlternateContent xmlns:mc="http://schemas.openxmlformats.org/markup-compatibility/2006">
-        <mc:Choice xmlns:p14="http://schemas.microsoft.com/office/powerpoint/2010/main" Requires="p14">
+      <mc:AlternateContent xmlns:mc="http://schemas.openxmlformats.org/markup-compatibility/2006" xmlns:p14="http://schemas.microsoft.com/office/powerpoint/2010/main">
+        <mc:Choice Requires="p14">
           <p:contentPart p14:bwMode="auto" r:id="rId10">
             <p14:nvContentPartPr>
               <p14:cNvPr id="167" name="Ink 166">
@@ -7222,7 +13114,7 @@
             </p14:xfrm>
           </p:contentPart>
         </mc:Choice>
-        <mc:Fallback>
+        <mc:Fallback xmlns="">
           <p:pic>
             <p:nvPicPr>
               <p:cNvPr id="167" name="Ink 166">
@@ -7253,8 +13145,8 @@
           </p:pic>
         </mc:Fallback>
       </mc:AlternateContent>
-      <mc:AlternateContent xmlns:mc="http://schemas.openxmlformats.org/markup-compatibility/2006">
-        <mc:Choice xmlns:p14="http://schemas.microsoft.com/office/powerpoint/2010/main" Requires="p14">
+      <mc:AlternateContent xmlns:mc="http://schemas.openxmlformats.org/markup-compatibility/2006" xmlns:p14="http://schemas.microsoft.com/office/powerpoint/2010/main">
+        <mc:Choice Requires="p14">
           <p:contentPart p14:bwMode="auto" r:id="rId12">
             <p14:nvContentPartPr>
               <p14:cNvPr id="172" name="Ink 171">
@@ -7273,7 +13165,7 @@
             </p14:xfrm>
           </p:contentPart>
         </mc:Choice>
-        <mc:Fallback>
+        <mc:Fallback xmlns="">
           <p:pic>
             <p:nvPicPr>
               <p:cNvPr id="172" name="Ink 171">
@@ -7304,8 +13196,8 @@
           </p:pic>
         </mc:Fallback>
       </mc:AlternateContent>
-      <mc:AlternateContent xmlns:mc="http://schemas.openxmlformats.org/markup-compatibility/2006">
-        <mc:Choice xmlns:p14="http://schemas.microsoft.com/office/powerpoint/2010/main" Requires="p14">
+      <mc:AlternateContent xmlns:mc="http://schemas.openxmlformats.org/markup-compatibility/2006" xmlns:p14="http://schemas.microsoft.com/office/powerpoint/2010/main">
+        <mc:Choice Requires="p14">
           <p:contentPart p14:bwMode="auto" r:id="rId14">
             <p14:nvContentPartPr>
               <p14:cNvPr id="177" name="Ink 176">
@@ -7324,7 +13216,7 @@
             </p14:xfrm>
           </p:contentPart>
         </mc:Choice>
-        <mc:Fallback>
+        <mc:Fallback xmlns="">
           <p:pic>
             <p:nvPicPr>
               <p:cNvPr id="177" name="Ink 176">
@@ -7355,8 +13247,8 @@
           </p:pic>
         </mc:Fallback>
       </mc:AlternateContent>
-      <mc:AlternateContent xmlns:mc="http://schemas.openxmlformats.org/markup-compatibility/2006">
-        <mc:Choice xmlns:p14="http://schemas.microsoft.com/office/powerpoint/2010/main" Requires="p14">
+      <mc:AlternateContent xmlns:mc="http://schemas.openxmlformats.org/markup-compatibility/2006" xmlns:p14="http://schemas.microsoft.com/office/powerpoint/2010/main">
+        <mc:Choice Requires="p14">
           <p:contentPart p14:bwMode="auto" r:id="rId16">
             <p14:nvContentPartPr>
               <p14:cNvPr id="181" name="Ink 180">
@@ -7375,7 +13267,7 @@
             </p14:xfrm>
           </p:contentPart>
         </mc:Choice>
-        <mc:Fallback>
+        <mc:Fallback xmlns="">
           <p:pic>
             <p:nvPicPr>
               <p:cNvPr id="181" name="Ink 180">
@@ -7406,8 +13298,8 @@
           </p:pic>
         </mc:Fallback>
       </mc:AlternateContent>
-      <mc:AlternateContent xmlns:mc="http://schemas.openxmlformats.org/markup-compatibility/2006">
-        <mc:Choice xmlns:p14="http://schemas.microsoft.com/office/powerpoint/2010/main" Requires="p14">
+      <mc:AlternateContent xmlns:mc="http://schemas.openxmlformats.org/markup-compatibility/2006" xmlns:p14="http://schemas.microsoft.com/office/powerpoint/2010/main">
+        <mc:Choice Requires="p14">
           <p:contentPart p14:bwMode="auto" r:id="rId18">
             <p14:nvContentPartPr>
               <p14:cNvPr id="192" name="Ink 191">
@@ -7426,7 +13318,7 @@
             </p14:xfrm>
           </p:contentPart>
         </mc:Choice>
-        <mc:Fallback>
+        <mc:Fallback xmlns="">
           <p:pic>
             <p:nvPicPr>
               <p:cNvPr id="192" name="Ink 191">
@@ -7457,8 +13349,8 @@
           </p:pic>
         </mc:Fallback>
       </mc:AlternateContent>
-      <mc:AlternateContent xmlns:mc="http://schemas.openxmlformats.org/markup-compatibility/2006">
-        <mc:Choice xmlns:p14="http://schemas.microsoft.com/office/powerpoint/2010/main" Requires="p14">
+      <mc:AlternateContent xmlns:mc="http://schemas.openxmlformats.org/markup-compatibility/2006" xmlns:p14="http://schemas.microsoft.com/office/powerpoint/2010/main">
+        <mc:Choice Requires="p14">
           <p:contentPart p14:bwMode="auto" r:id="rId20">
             <p14:nvContentPartPr>
               <p14:cNvPr id="208" name="Ink 207">
@@ -7477,7 +13369,7 @@
             </p14:xfrm>
           </p:contentPart>
         </mc:Choice>
-        <mc:Fallback>
+        <mc:Fallback xmlns="">
           <p:pic>
             <p:nvPicPr>
               <p:cNvPr id="208" name="Ink 207">
@@ -7508,8 +13400,8 @@
           </p:pic>
         </mc:Fallback>
       </mc:AlternateContent>
-      <mc:AlternateContent xmlns:mc="http://schemas.openxmlformats.org/markup-compatibility/2006">
-        <mc:Choice xmlns:p14="http://schemas.microsoft.com/office/powerpoint/2010/main" Requires="p14">
+      <mc:AlternateContent xmlns:mc="http://schemas.openxmlformats.org/markup-compatibility/2006" xmlns:p14="http://schemas.microsoft.com/office/powerpoint/2010/main">
+        <mc:Choice Requires="p14">
           <p:contentPart p14:bwMode="auto" r:id="rId22">
             <p14:nvContentPartPr>
               <p14:cNvPr id="209" name="Ink 208">
@@ -7528,7 +13420,7 @@
             </p14:xfrm>
           </p:contentPart>
         </mc:Choice>
-        <mc:Fallback>
+        <mc:Fallback xmlns="">
           <p:pic>
             <p:nvPicPr>
               <p:cNvPr id="209" name="Ink 208">
@@ -7559,8 +13451,8 @@
           </p:pic>
         </mc:Fallback>
       </mc:AlternateContent>
-      <mc:AlternateContent xmlns:mc="http://schemas.openxmlformats.org/markup-compatibility/2006">
-        <mc:Choice xmlns:p14="http://schemas.microsoft.com/office/powerpoint/2010/main" Requires="p14">
+      <mc:AlternateContent xmlns:mc="http://schemas.openxmlformats.org/markup-compatibility/2006" xmlns:p14="http://schemas.microsoft.com/office/powerpoint/2010/main">
+        <mc:Choice Requires="p14">
           <p:contentPart p14:bwMode="auto" r:id="rId24">
             <p14:nvContentPartPr>
               <p14:cNvPr id="224" name="Ink 223">
@@ -7579,7 +13471,7 @@
             </p14:xfrm>
           </p:contentPart>
         </mc:Choice>
-        <mc:Fallback>
+        <mc:Fallback xmlns="">
           <p:pic>
             <p:nvPicPr>
               <p:cNvPr id="224" name="Ink 223">
@@ -7610,8 +13502,8 @@
           </p:pic>
         </mc:Fallback>
       </mc:AlternateContent>
-      <mc:AlternateContent xmlns:mc="http://schemas.openxmlformats.org/markup-compatibility/2006">
-        <mc:Choice xmlns:p14="http://schemas.microsoft.com/office/powerpoint/2010/main" Requires="p14">
+      <mc:AlternateContent xmlns:mc="http://schemas.openxmlformats.org/markup-compatibility/2006" xmlns:p14="http://schemas.microsoft.com/office/powerpoint/2010/main">
+        <mc:Choice Requires="p14">
           <p:contentPart p14:bwMode="auto" r:id="rId26">
             <p14:nvContentPartPr>
               <p14:cNvPr id="234" name="Ink 233">
@@ -7630,7 +13522,7 @@
             </p14:xfrm>
           </p:contentPart>
         </mc:Choice>
-        <mc:Fallback>
+        <mc:Fallback xmlns="">
           <p:pic>
             <p:nvPicPr>
               <p:cNvPr id="234" name="Ink 233">
@@ -7661,8 +13553,8 @@
           </p:pic>
         </mc:Fallback>
       </mc:AlternateContent>
-      <mc:AlternateContent xmlns:mc="http://schemas.openxmlformats.org/markup-compatibility/2006">
-        <mc:Choice xmlns:p14="http://schemas.microsoft.com/office/powerpoint/2010/main" Requires="p14">
+      <mc:AlternateContent xmlns:mc="http://schemas.openxmlformats.org/markup-compatibility/2006" xmlns:p14="http://schemas.microsoft.com/office/powerpoint/2010/main">
+        <mc:Choice Requires="p14">
           <p:contentPart p14:bwMode="auto" r:id="rId28">
             <p14:nvContentPartPr>
               <p14:cNvPr id="240" name="Ink 239">
@@ -7681,7 +13573,7 @@
             </p14:xfrm>
           </p:contentPart>
         </mc:Choice>
-        <mc:Fallback>
+        <mc:Fallback xmlns="">
           <p:pic>
             <p:nvPicPr>
               <p:cNvPr id="240" name="Ink 239">
@@ -7712,8 +13604,8 @@
           </p:pic>
         </mc:Fallback>
       </mc:AlternateContent>
-      <mc:AlternateContent xmlns:mc="http://schemas.openxmlformats.org/markup-compatibility/2006">
-        <mc:Choice xmlns:p14="http://schemas.microsoft.com/office/powerpoint/2010/main" Requires="p14">
+      <mc:AlternateContent xmlns:mc="http://schemas.openxmlformats.org/markup-compatibility/2006" xmlns:p14="http://schemas.microsoft.com/office/powerpoint/2010/main">
+        <mc:Choice Requires="p14">
           <p:contentPart p14:bwMode="auto" r:id="rId30">
             <p14:nvContentPartPr>
               <p14:cNvPr id="247" name="Ink 246">
@@ -7732,7 +13624,7 @@
             </p14:xfrm>
           </p:contentPart>
         </mc:Choice>
-        <mc:Fallback>
+        <mc:Fallback xmlns="">
           <p:pic>
             <p:nvPicPr>
               <p:cNvPr id="247" name="Ink 246">
@@ -7763,8 +13655,8 @@
           </p:pic>
         </mc:Fallback>
       </mc:AlternateContent>
-      <mc:AlternateContent xmlns:mc="http://schemas.openxmlformats.org/markup-compatibility/2006">
-        <mc:Choice xmlns:p14="http://schemas.microsoft.com/office/powerpoint/2010/main" Requires="p14">
+      <mc:AlternateContent xmlns:mc="http://schemas.openxmlformats.org/markup-compatibility/2006" xmlns:p14="http://schemas.microsoft.com/office/powerpoint/2010/main">
+        <mc:Choice Requires="p14">
           <p:contentPart p14:bwMode="auto" r:id="rId32">
             <p14:nvContentPartPr>
               <p14:cNvPr id="271" name="Ink 270">
@@ -7783,7 +13675,7 @@
             </p14:xfrm>
           </p:contentPart>
         </mc:Choice>
-        <mc:Fallback>
+        <mc:Fallback xmlns="">
           <p:pic>
             <p:nvPicPr>
               <p:cNvPr id="271" name="Ink 270">
@@ -7814,8 +13706,8 @@
           </p:pic>
         </mc:Fallback>
       </mc:AlternateContent>
-      <mc:AlternateContent xmlns:mc="http://schemas.openxmlformats.org/markup-compatibility/2006">
-        <mc:Choice xmlns:p14="http://schemas.microsoft.com/office/powerpoint/2010/main" Requires="p14">
+      <mc:AlternateContent xmlns:mc="http://schemas.openxmlformats.org/markup-compatibility/2006" xmlns:p14="http://schemas.microsoft.com/office/powerpoint/2010/main">
+        <mc:Choice Requires="p14">
           <p:contentPart p14:bwMode="auto" r:id="rId34">
             <p14:nvContentPartPr>
               <p14:cNvPr id="283" name="Ink 282">
@@ -7834,7 +13726,7 @@
             </p14:xfrm>
           </p:contentPart>
         </mc:Choice>
-        <mc:Fallback>
+        <mc:Fallback xmlns="">
           <p:pic>
             <p:nvPicPr>
               <p:cNvPr id="283" name="Ink 282">
@@ -7865,8 +13757,8 @@
           </p:pic>
         </mc:Fallback>
       </mc:AlternateContent>
-      <mc:AlternateContent xmlns:mc="http://schemas.openxmlformats.org/markup-compatibility/2006">
-        <mc:Choice xmlns:p14="http://schemas.microsoft.com/office/powerpoint/2010/main" Requires="p14">
+      <mc:AlternateContent xmlns:mc="http://schemas.openxmlformats.org/markup-compatibility/2006" xmlns:p14="http://schemas.microsoft.com/office/powerpoint/2010/main">
+        <mc:Choice Requires="p14">
           <p:contentPart p14:bwMode="auto" r:id="rId36">
             <p14:nvContentPartPr>
               <p14:cNvPr id="287" name="Ink 286">
@@ -7885,7 +13777,7 @@
             </p14:xfrm>
           </p:contentPart>
         </mc:Choice>
-        <mc:Fallback>
+        <mc:Fallback xmlns="">
           <p:pic>
             <p:nvPicPr>
               <p:cNvPr id="287" name="Ink 286">
@@ -7916,8 +13808,8 @@
           </p:pic>
         </mc:Fallback>
       </mc:AlternateContent>
-      <mc:AlternateContent xmlns:mc="http://schemas.openxmlformats.org/markup-compatibility/2006">
-        <mc:Choice xmlns:p14="http://schemas.microsoft.com/office/powerpoint/2010/main" Requires="p14">
+      <mc:AlternateContent xmlns:mc="http://schemas.openxmlformats.org/markup-compatibility/2006" xmlns:p14="http://schemas.microsoft.com/office/powerpoint/2010/main">
+        <mc:Choice Requires="p14">
           <p:contentPart p14:bwMode="auto" r:id="rId38">
             <p14:nvContentPartPr>
               <p14:cNvPr id="296" name="Ink 295">
@@ -7936,7 +13828,7 @@
             </p14:xfrm>
           </p:contentPart>
         </mc:Choice>
-        <mc:Fallback>
+        <mc:Fallback xmlns="">
           <p:pic>
             <p:nvPicPr>
               <p:cNvPr id="296" name="Ink 295">
@@ -8703,8 +14595,8 @@
           <a:chExt cx="0" cy="0"/>
         </a:xfrm>
       </p:grpSpPr>
-      <mc:AlternateContent xmlns:mc="http://schemas.openxmlformats.org/markup-compatibility/2006">
-        <mc:Choice xmlns:p14="http://schemas.microsoft.com/office/powerpoint/2010/main" Requires="p14">
+      <mc:AlternateContent xmlns:mc="http://schemas.openxmlformats.org/markup-compatibility/2006" xmlns:p14="http://schemas.microsoft.com/office/powerpoint/2010/main">
+        <mc:Choice Requires="p14">
           <p:contentPart p14:bwMode="auto" r:id="rId2">
             <p14:nvContentPartPr>
               <p14:cNvPr id="39" name="Ink 38">
@@ -8723,7 +14615,7 @@
             </p14:xfrm>
           </p:contentPart>
         </mc:Choice>
-        <mc:Fallback>
+        <mc:Fallback xmlns="">
           <p:pic>
             <p:nvPicPr>
               <p:cNvPr id="39" name="Ink 38">
@@ -8754,8 +14646,8 @@
           </p:pic>
         </mc:Fallback>
       </mc:AlternateContent>
-      <mc:AlternateContent xmlns:mc="http://schemas.openxmlformats.org/markup-compatibility/2006">
-        <mc:Choice xmlns:p14="http://schemas.microsoft.com/office/powerpoint/2010/main" Requires="p14">
+      <mc:AlternateContent xmlns:mc="http://schemas.openxmlformats.org/markup-compatibility/2006" xmlns:p14="http://schemas.microsoft.com/office/powerpoint/2010/main">
+        <mc:Choice Requires="p14">
           <p:contentPart p14:bwMode="auto" r:id="rId4">
             <p14:nvContentPartPr>
               <p14:cNvPr id="47" name="Ink 46">
@@ -8774,7 +14666,7 @@
             </p14:xfrm>
           </p:contentPart>
         </mc:Choice>
-        <mc:Fallback>
+        <mc:Fallback xmlns="">
           <p:pic>
             <p:nvPicPr>
               <p:cNvPr id="47" name="Ink 46">
@@ -8805,8 +14697,8 @@
           </p:pic>
         </mc:Fallback>
       </mc:AlternateContent>
-      <mc:AlternateContent xmlns:mc="http://schemas.openxmlformats.org/markup-compatibility/2006">
-        <mc:Choice xmlns:p14="http://schemas.microsoft.com/office/powerpoint/2010/main" Requires="p14">
+      <mc:AlternateContent xmlns:mc="http://schemas.openxmlformats.org/markup-compatibility/2006" xmlns:p14="http://schemas.microsoft.com/office/powerpoint/2010/main">
+        <mc:Choice Requires="p14">
           <p:contentPart p14:bwMode="auto" r:id="rId6">
             <p14:nvContentPartPr>
               <p14:cNvPr id="124" name="Ink 123">
@@ -8825,7 +14717,7 @@
             </p14:xfrm>
           </p:contentPart>
         </mc:Choice>
-        <mc:Fallback>
+        <mc:Fallback xmlns="">
           <p:pic>
             <p:nvPicPr>
               <p:cNvPr id="124" name="Ink 123">
@@ -8856,8 +14748,8 @@
           </p:pic>
         </mc:Fallback>
       </mc:AlternateContent>
-      <mc:AlternateContent xmlns:mc="http://schemas.openxmlformats.org/markup-compatibility/2006">
-        <mc:Choice xmlns:p14="http://schemas.microsoft.com/office/powerpoint/2010/main" Requires="p14">
+      <mc:AlternateContent xmlns:mc="http://schemas.openxmlformats.org/markup-compatibility/2006" xmlns:p14="http://schemas.microsoft.com/office/powerpoint/2010/main">
+        <mc:Choice Requires="p14">
           <p:contentPart p14:bwMode="auto" r:id="rId8">
             <p14:nvContentPartPr>
               <p14:cNvPr id="140" name="Ink 139">
@@ -8876,7 +14768,7 @@
             </p14:xfrm>
           </p:contentPart>
         </mc:Choice>
-        <mc:Fallback>
+        <mc:Fallback xmlns="">
           <p:pic>
             <p:nvPicPr>
               <p:cNvPr id="140" name="Ink 139">
@@ -8907,8 +14799,8 @@
           </p:pic>
         </mc:Fallback>
       </mc:AlternateContent>
-      <mc:AlternateContent xmlns:mc="http://schemas.openxmlformats.org/markup-compatibility/2006">
-        <mc:Choice xmlns:p14="http://schemas.microsoft.com/office/powerpoint/2010/main" Requires="p14">
+      <mc:AlternateContent xmlns:mc="http://schemas.openxmlformats.org/markup-compatibility/2006" xmlns:p14="http://schemas.microsoft.com/office/powerpoint/2010/main">
+        <mc:Choice Requires="p14">
           <p:contentPart p14:bwMode="auto" r:id="rId10">
             <p14:nvContentPartPr>
               <p14:cNvPr id="184" name="Ink 183">
@@ -8927,7 +14819,7 @@
             </p14:xfrm>
           </p:contentPart>
         </mc:Choice>
-        <mc:Fallback>
+        <mc:Fallback xmlns="">
           <p:pic>
             <p:nvPicPr>
               <p:cNvPr id="184" name="Ink 183">
@@ -8958,8 +14850,8 @@
           </p:pic>
         </mc:Fallback>
       </mc:AlternateContent>
-      <mc:AlternateContent xmlns:mc="http://schemas.openxmlformats.org/markup-compatibility/2006">
-        <mc:Choice xmlns:p14="http://schemas.microsoft.com/office/powerpoint/2010/main" Requires="p14">
+      <mc:AlternateContent xmlns:mc="http://schemas.openxmlformats.org/markup-compatibility/2006" xmlns:p14="http://schemas.microsoft.com/office/powerpoint/2010/main">
+        <mc:Choice Requires="p14">
           <p:contentPart p14:bwMode="auto" r:id="rId12">
             <p14:nvContentPartPr>
               <p14:cNvPr id="197" name="Ink 196">
@@ -8978,7 +14870,7 @@
             </p14:xfrm>
           </p:contentPart>
         </mc:Choice>
-        <mc:Fallback>
+        <mc:Fallback xmlns="">
           <p:pic>
             <p:nvPicPr>
               <p:cNvPr id="197" name="Ink 196">
@@ -9009,8 +14901,8 @@
           </p:pic>
         </mc:Fallback>
       </mc:AlternateContent>
-      <mc:AlternateContent xmlns:mc="http://schemas.openxmlformats.org/markup-compatibility/2006">
-        <mc:Choice xmlns:p14="http://schemas.microsoft.com/office/powerpoint/2010/main" Requires="p14">
+      <mc:AlternateContent xmlns:mc="http://schemas.openxmlformats.org/markup-compatibility/2006" xmlns:p14="http://schemas.microsoft.com/office/powerpoint/2010/main">
+        <mc:Choice Requires="p14">
           <p:contentPart p14:bwMode="auto" r:id="rId14">
             <p14:nvContentPartPr>
               <p14:cNvPr id="198" name="Ink 197">
@@ -9029,7 +14921,7 @@
             </p14:xfrm>
           </p:contentPart>
         </mc:Choice>
-        <mc:Fallback>
+        <mc:Fallback xmlns="">
           <p:pic>
             <p:nvPicPr>
               <p:cNvPr id="198" name="Ink 197">
@@ -9060,8 +14952,8 @@
           </p:pic>
         </mc:Fallback>
       </mc:AlternateContent>
-      <mc:AlternateContent xmlns:mc="http://schemas.openxmlformats.org/markup-compatibility/2006">
-        <mc:Choice xmlns:p14="http://schemas.microsoft.com/office/powerpoint/2010/main" Requires="p14">
+      <mc:AlternateContent xmlns:mc="http://schemas.openxmlformats.org/markup-compatibility/2006" xmlns:p14="http://schemas.microsoft.com/office/powerpoint/2010/main">
+        <mc:Choice Requires="p14">
           <p:contentPart p14:bwMode="auto" r:id="rId16">
             <p14:nvContentPartPr>
               <p14:cNvPr id="214" name="Ink 213">
@@ -9080,7 +14972,7 @@
             </p14:xfrm>
           </p:contentPart>
         </mc:Choice>
-        <mc:Fallback>
+        <mc:Fallback xmlns="">
           <p:pic>
             <p:nvPicPr>
               <p:cNvPr id="214" name="Ink 213">
@@ -9111,8 +15003,8 @@
           </p:pic>
         </mc:Fallback>
       </mc:AlternateContent>
-      <mc:AlternateContent xmlns:mc="http://schemas.openxmlformats.org/markup-compatibility/2006">
-        <mc:Choice xmlns:p14="http://schemas.microsoft.com/office/powerpoint/2010/main" Requires="p14">
+      <mc:AlternateContent xmlns:mc="http://schemas.openxmlformats.org/markup-compatibility/2006" xmlns:p14="http://schemas.microsoft.com/office/powerpoint/2010/main">
+        <mc:Choice Requires="p14">
           <p:contentPart p14:bwMode="auto" r:id="rId18">
             <p14:nvContentPartPr>
               <p14:cNvPr id="215" name="Ink 214">
@@ -9131,7 +15023,7 @@
             </p14:xfrm>
           </p:contentPart>
         </mc:Choice>
-        <mc:Fallback>
+        <mc:Fallback xmlns="">
           <p:pic>
             <p:nvPicPr>
               <p:cNvPr id="215" name="Ink 214">
@@ -9162,8 +15054,8 @@
           </p:pic>
         </mc:Fallback>
       </mc:AlternateContent>
-      <mc:AlternateContent xmlns:mc="http://schemas.openxmlformats.org/markup-compatibility/2006">
-        <mc:Choice xmlns:p14="http://schemas.microsoft.com/office/powerpoint/2010/main" Requires="p14">
+      <mc:AlternateContent xmlns:mc="http://schemas.openxmlformats.org/markup-compatibility/2006" xmlns:p14="http://schemas.microsoft.com/office/powerpoint/2010/main">
+        <mc:Choice Requires="p14">
           <p:contentPart p14:bwMode="auto" r:id="rId20">
             <p14:nvContentPartPr>
               <p14:cNvPr id="225" name="Ink 224">
@@ -9182,7 +15074,7 @@
             </p14:xfrm>
           </p:contentPart>
         </mc:Choice>
-        <mc:Fallback>
+        <mc:Fallback xmlns="">
           <p:pic>
             <p:nvPicPr>
               <p:cNvPr id="225" name="Ink 224">
@@ -9213,8 +15105,8 @@
           </p:pic>
         </mc:Fallback>
       </mc:AlternateContent>
-      <mc:AlternateContent xmlns:mc="http://schemas.openxmlformats.org/markup-compatibility/2006">
-        <mc:Choice xmlns:p14="http://schemas.microsoft.com/office/powerpoint/2010/main" Requires="p14">
+      <mc:AlternateContent xmlns:mc="http://schemas.openxmlformats.org/markup-compatibility/2006" xmlns:p14="http://schemas.microsoft.com/office/powerpoint/2010/main">
+        <mc:Choice Requires="p14">
           <p:contentPart p14:bwMode="auto" r:id="rId22">
             <p14:nvContentPartPr>
               <p14:cNvPr id="228" name="Ink 227">
@@ -9233,7 +15125,7 @@
             </p14:xfrm>
           </p:contentPart>
         </mc:Choice>
-        <mc:Fallback>
+        <mc:Fallback xmlns="">
           <p:pic>
             <p:nvPicPr>
               <p:cNvPr id="228" name="Ink 227">
@@ -9264,8 +15156,8 @@
           </p:pic>
         </mc:Fallback>
       </mc:AlternateContent>
-      <mc:AlternateContent xmlns:mc="http://schemas.openxmlformats.org/markup-compatibility/2006">
-        <mc:Choice xmlns:p14="http://schemas.microsoft.com/office/powerpoint/2010/main" Requires="p14">
+      <mc:AlternateContent xmlns:mc="http://schemas.openxmlformats.org/markup-compatibility/2006" xmlns:p14="http://schemas.microsoft.com/office/powerpoint/2010/main">
+        <mc:Choice Requires="p14">
           <p:contentPart p14:bwMode="auto" r:id="rId24">
             <p14:nvContentPartPr>
               <p14:cNvPr id="252" name="Ink 251">
@@ -9284,7 +15176,7 @@
             </p14:xfrm>
           </p:contentPart>
         </mc:Choice>
-        <mc:Fallback>
+        <mc:Fallback xmlns="">
           <p:pic>
             <p:nvPicPr>
               <p:cNvPr id="252" name="Ink 251">
@@ -9315,8 +15207,8 @@
           </p:pic>
         </mc:Fallback>
       </mc:AlternateContent>
-      <mc:AlternateContent xmlns:mc="http://schemas.openxmlformats.org/markup-compatibility/2006">
-        <mc:Choice xmlns:p14="http://schemas.microsoft.com/office/powerpoint/2010/main" Requires="p14">
+      <mc:AlternateContent xmlns:mc="http://schemas.openxmlformats.org/markup-compatibility/2006" xmlns:p14="http://schemas.microsoft.com/office/powerpoint/2010/main">
+        <mc:Choice Requires="p14">
           <p:contentPart p14:bwMode="auto" r:id="rId26">
             <p14:nvContentPartPr>
               <p14:cNvPr id="253" name="Ink 252">
@@ -9335,7 +15227,7 @@
             </p14:xfrm>
           </p:contentPart>
         </mc:Choice>
-        <mc:Fallback>
+        <mc:Fallback xmlns="">
           <p:pic>
             <p:nvPicPr>
               <p:cNvPr id="253" name="Ink 252">
@@ -9366,8 +15258,8 @@
           </p:pic>
         </mc:Fallback>
       </mc:AlternateContent>
-      <mc:AlternateContent xmlns:mc="http://schemas.openxmlformats.org/markup-compatibility/2006">
-        <mc:Choice xmlns:p14="http://schemas.microsoft.com/office/powerpoint/2010/main" Requires="p14">
+      <mc:AlternateContent xmlns:mc="http://schemas.openxmlformats.org/markup-compatibility/2006" xmlns:p14="http://schemas.microsoft.com/office/powerpoint/2010/main">
+        <mc:Choice Requires="p14">
           <p:contentPart p14:bwMode="auto" r:id="rId28">
             <p14:nvContentPartPr>
               <p14:cNvPr id="254" name="Ink 253">
@@ -9386,7 +15278,7 @@
             </p14:xfrm>
           </p:contentPart>
         </mc:Choice>
-        <mc:Fallback>
+        <mc:Fallback xmlns="">
           <p:pic>
             <p:nvPicPr>
               <p:cNvPr id="254" name="Ink 253">
@@ -9417,8 +15309,8 @@
           </p:pic>
         </mc:Fallback>
       </mc:AlternateContent>
-      <mc:AlternateContent xmlns:mc="http://schemas.openxmlformats.org/markup-compatibility/2006">
-        <mc:Choice xmlns:p14="http://schemas.microsoft.com/office/powerpoint/2010/main" Requires="p14">
+      <mc:AlternateContent xmlns:mc="http://schemas.openxmlformats.org/markup-compatibility/2006" xmlns:p14="http://schemas.microsoft.com/office/powerpoint/2010/main">
+        <mc:Choice Requires="p14">
           <p:contentPart p14:bwMode="auto" r:id="rId30">
             <p14:nvContentPartPr>
               <p14:cNvPr id="264" name="Ink 263">
@@ -9437,7 +15329,7 @@
             </p14:xfrm>
           </p:contentPart>
         </mc:Choice>
-        <mc:Fallback>
+        <mc:Fallback xmlns="">
           <p:pic>
             <p:nvPicPr>
               <p:cNvPr id="264" name="Ink 263">
@@ -9468,8 +15360,8 @@
           </p:pic>
         </mc:Fallback>
       </mc:AlternateContent>
-      <mc:AlternateContent xmlns:mc="http://schemas.openxmlformats.org/markup-compatibility/2006">
-        <mc:Choice xmlns:p14="http://schemas.microsoft.com/office/powerpoint/2010/main" Requires="p14">
+      <mc:AlternateContent xmlns:mc="http://schemas.openxmlformats.org/markup-compatibility/2006" xmlns:p14="http://schemas.microsoft.com/office/powerpoint/2010/main">
+        <mc:Choice Requires="p14">
           <p:contentPart p14:bwMode="auto" r:id="rId32">
             <p14:nvContentPartPr>
               <p14:cNvPr id="265" name="Ink 264">
@@ -9488,7 +15380,7 @@
             </p14:xfrm>
           </p:contentPart>
         </mc:Choice>
-        <mc:Fallback>
+        <mc:Fallback xmlns="">
           <p:pic>
             <p:nvPicPr>
               <p:cNvPr id="265" name="Ink 264">
@@ -9519,8 +15411,8 @@
           </p:pic>
         </mc:Fallback>
       </mc:AlternateContent>
-      <mc:AlternateContent xmlns:mc="http://schemas.openxmlformats.org/markup-compatibility/2006">
-        <mc:Choice xmlns:p14="http://schemas.microsoft.com/office/powerpoint/2010/main" Requires="p14">
+      <mc:AlternateContent xmlns:mc="http://schemas.openxmlformats.org/markup-compatibility/2006" xmlns:p14="http://schemas.microsoft.com/office/powerpoint/2010/main">
+        <mc:Choice Requires="p14">
           <p:contentPart p14:bwMode="auto" r:id="rId34">
             <p14:nvContentPartPr>
               <p14:cNvPr id="266" name="Ink 265">
@@ -9539,7 +15431,7 @@
             </p14:xfrm>
           </p:contentPart>
         </mc:Choice>
-        <mc:Fallback>
+        <mc:Fallback xmlns="">
           <p:pic>
             <p:nvPicPr>
               <p:cNvPr id="266" name="Ink 265">
@@ -9570,8 +15462,8 @@
           </p:pic>
         </mc:Fallback>
       </mc:AlternateContent>
-      <mc:AlternateContent xmlns:mc="http://schemas.openxmlformats.org/markup-compatibility/2006">
-        <mc:Choice xmlns:p14="http://schemas.microsoft.com/office/powerpoint/2010/main" Requires="p14">
+      <mc:AlternateContent xmlns:mc="http://schemas.openxmlformats.org/markup-compatibility/2006" xmlns:p14="http://schemas.microsoft.com/office/powerpoint/2010/main">
+        <mc:Choice Requires="p14">
           <p:contentPart p14:bwMode="auto" r:id="rId36">
             <p14:nvContentPartPr>
               <p14:cNvPr id="267" name="Ink 266">
@@ -9590,7 +15482,7 @@
             </p14:xfrm>
           </p:contentPart>
         </mc:Choice>
-        <mc:Fallback>
+        <mc:Fallback xmlns="">
           <p:pic>
             <p:nvPicPr>
               <p:cNvPr id="267" name="Ink 266">
@@ -9621,8 +15513,8 @@
           </p:pic>
         </mc:Fallback>
       </mc:AlternateContent>
-      <mc:AlternateContent xmlns:mc="http://schemas.openxmlformats.org/markup-compatibility/2006">
-        <mc:Choice xmlns:p14="http://schemas.microsoft.com/office/powerpoint/2010/main" Requires="p14">
+      <mc:AlternateContent xmlns:mc="http://schemas.openxmlformats.org/markup-compatibility/2006" xmlns:p14="http://schemas.microsoft.com/office/powerpoint/2010/main">
+        <mc:Choice Requires="p14">
           <p:contentPart p14:bwMode="auto" r:id="rId38">
             <p14:nvContentPartPr>
               <p14:cNvPr id="276" name="Ink 275">
@@ -9641,7 +15533,7 @@
             </p14:xfrm>
           </p:contentPart>
         </mc:Choice>
-        <mc:Fallback>
+        <mc:Fallback xmlns="">
           <p:pic>
             <p:nvPicPr>
               <p:cNvPr id="276" name="Ink 275">
@@ -9672,8 +15564,8 @@
           </p:pic>
         </mc:Fallback>
       </mc:AlternateContent>
-      <mc:AlternateContent xmlns:mc="http://schemas.openxmlformats.org/markup-compatibility/2006">
-        <mc:Choice xmlns:p14="http://schemas.microsoft.com/office/powerpoint/2010/main" Requires="p14">
+      <mc:AlternateContent xmlns:mc="http://schemas.openxmlformats.org/markup-compatibility/2006" xmlns:p14="http://schemas.microsoft.com/office/powerpoint/2010/main">
+        <mc:Choice Requires="p14">
           <p:contentPart p14:bwMode="auto" r:id="rId40">
             <p14:nvContentPartPr>
               <p14:cNvPr id="280" name="Ink 279">
@@ -9692,7 +15584,7 @@
             </p14:xfrm>
           </p:contentPart>
         </mc:Choice>
-        <mc:Fallback>
+        <mc:Fallback xmlns="">
           <p:pic>
             <p:nvPicPr>
               <p:cNvPr id="280" name="Ink 279">
@@ -9723,8 +15615,8 @@
           </p:pic>
         </mc:Fallback>
       </mc:AlternateContent>
-      <mc:AlternateContent xmlns:mc="http://schemas.openxmlformats.org/markup-compatibility/2006">
-        <mc:Choice xmlns:p14="http://schemas.microsoft.com/office/powerpoint/2010/main" Requires="p14">
+      <mc:AlternateContent xmlns:mc="http://schemas.openxmlformats.org/markup-compatibility/2006" xmlns:p14="http://schemas.microsoft.com/office/powerpoint/2010/main">
+        <mc:Choice Requires="p14">
           <p:contentPart p14:bwMode="auto" r:id="rId42">
             <p14:nvContentPartPr>
               <p14:cNvPr id="288" name="Ink 287">
@@ -9743,7 +15635,7 @@
             </p14:xfrm>
           </p:contentPart>
         </mc:Choice>
-        <mc:Fallback>
+        <mc:Fallback xmlns="">
           <p:pic>
             <p:nvPicPr>
               <p:cNvPr id="288" name="Ink 287">
@@ -9774,8 +15666,8 @@
           </p:pic>
         </mc:Fallback>
       </mc:AlternateContent>
-      <mc:AlternateContent xmlns:mc="http://schemas.openxmlformats.org/markup-compatibility/2006">
-        <mc:Choice xmlns:p14="http://schemas.microsoft.com/office/powerpoint/2010/main" Requires="p14">
+      <mc:AlternateContent xmlns:mc="http://schemas.openxmlformats.org/markup-compatibility/2006" xmlns:p14="http://schemas.microsoft.com/office/powerpoint/2010/main">
+        <mc:Choice Requires="p14">
           <p:contentPart p14:bwMode="auto" r:id="rId44">
             <p14:nvContentPartPr>
               <p14:cNvPr id="306" name="Ink 305">
@@ -9794,7 +15686,7 @@
             </p14:xfrm>
           </p:contentPart>
         </mc:Choice>
-        <mc:Fallback>
+        <mc:Fallback xmlns="">
           <p:pic>
             <p:nvPicPr>
               <p:cNvPr id="306" name="Ink 305">
@@ -9825,8 +15717,8 @@
           </p:pic>
         </mc:Fallback>
       </mc:AlternateContent>
-      <mc:AlternateContent xmlns:mc="http://schemas.openxmlformats.org/markup-compatibility/2006">
-        <mc:Choice xmlns:p14="http://schemas.microsoft.com/office/powerpoint/2010/main" Requires="p14">
+      <mc:AlternateContent xmlns:mc="http://schemas.openxmlformats.org/markup-compatibility/2006" xmlns:p14="http://schemas.microsoft.com/office/powerpoint/2010/main">
+        <mc:Choice Requires="p14">
           <p:contentPart p14:bwMode="auto" r:id="rId46">
             <p14:nvContentPartPr>
               <p14:cNvPr id="309" name="Ink 308">
@@ -9845,7 +15737,7 @@
             </p14:xfrm>
           </p:contentPart>
         </mc:Choice>
-        <mc:Fallback>
+        <mc:Fallback xmlns="">
           <p:pic>
             <p:nvPicPr>
               <p:cNvPr id="309" name="Ink 308">
@@ -9876,8 +15768,8 @@
           </p:pic>
         </mc:Fallback>
       </mc:AlternateContent>
-      <mc:AlternateContent xmlns:mc="http://schemas.openxmlformats.org/markup-compatibility/2006">
-        <mc:Choice xmlns:p14="http://schemas.microsoft.com/office/powerpoint/2010/main" Requires="p14">
+      <mc:AlternateContent xmlns:mc="http://schemas.openxmlformats.org/markup-compatibility/2006" xmlns:p14="http://schemas.microsoft.com/office/powerpoint/2010/main">
+        <mc:Choice Requires="p14">
           <p:contentPart p14:bwMode="auto" r:id="rId48">
             <p14:nvContentPartPr>
               <p14:cNvPr id="313" name="Ink 312">
@@ -9896,7 +15788,7 @@
             </p14:xfrm>
           </p:contentPart>
         </mc:Choice>
-        <mc:Fallback>
+        <mc:Fallback xmlns="">
           <p:pic>
             <p:nvPicPr>
               <p:cNvPr id="313" name="Ink 312">
@@ -9927,8 +15819,8 @@
           </p:pic>
         </mc:Fallback>
       </mc:AlternateContent>
-      <mc:AlternateContent xmlns:mc="http://schemas.openxmlformats.org/markup-compatibility/2006">
-        <mc:Choice xmlns:p14="http://schemas.microsoft.com/office/powerpoint/2010/main" Requires="p14">
+      <mc:AlternateContent xmlns:mc="http://schemas.openxmlformats.org/markup-compatibility/2006" xmlns:p14="http://schemas.microsoft.com/office/powerpoint/2010/main">
+        <mc:Choice Requires="p14">
           <p:contentPart p14:bwMode="auto" r:id="rId50">
             <p14:nvContentPartPr>
               <p14:cNvPr id="314" name="Ink 313">
@@ -9947,7 +15839,7 @@
             </p14:xfrm>
           </p:contentPart>
         </mc:Choice>
-        <mc:Fallback>
+        <mc:Fallback xmlns="">
           <p:pic>
             <p:nvPicPr>
               <p:cNvPr id="314" name="Ink 313">
@@ -9978,8 +15870,8 @@
           </p:pic>
         </mc:Fallback>
       </mc:AlternateContent>
-      <mc:AlternateContent xmlns:mc="http://schemas.openxmlformats.org/markup-compatibility/2006">
-        <mc:Choice xmlns:p14="http://schemas.microsoft.com/office/powerpoint/2010/main" Requires="p14">
+      <mc:AlternateContent xmlns:mc="http://schemas.openxmlformats.org/markup-compatibility/2006" xmlns:p14="http://schemas.microsoft.com/office/powerpoint/2010/main">
+        <mc:Choice Requires="p14">
           <p:contentPart p14:bwMode="auto" r:id="rId52">
             <p14:nvContentPartPr>
               <p14:cNvPr id="324" name="Ink 323">
@@ -9998,7 +15890,7 @@
             </p14:xfrm>
           </p:contentPart>
         </mc:Choice>
-        <mc:Fallback>
+        <mc:Fallback xmlns="">
           <p:pic>
             <p:nvPicPr>
               <p:cNvPr id="324" name="Ink 323">
@@ -10029,8 +15921,8 @@
           </p:pic>
         </mc:Fallback>
       </mc:AlternateContent>
-      <mc:AlternateContent xmlns:mc="http://schemas.openxmlformats.org/markup-compatibility/2006">
-        <mc:Choice xmlns:p14="http://schemas.microsoft.com/office/powerpoint/2010/main" Requires="p14">
+      <mc:AlternateContent xmlns:mc="http://schemas.openxmlformats.org/markup-compatibility/2006" xmlns:p14="http://schemas.microsoft.com/office/powerpoint/2010/main">
+        <mc:Choice Requires="p14">
           <p:contentPart p14:bwMode="auto" r:id="rId54">
             <p14:nvContentPartPr>
               <p14:cNvPr id="325" name="Ink 324">
@@ -10049,7 +15941,7 @@
             </p14:xfrm>
           </p:contentPart>
         </mc:Choice>
-        <mc:Fallback>
+        <mc:Fallback xmlns="">
           <p:pic>
             <p:nvPicPr>
               <p:cNvPr id="325" name="Ink 324">
@@ -10080,8 +15972,8 @@
           </p:pic>
         </mc:Fallback>
       </mc:AlternateContent>
-      <mc:AlternateContent xmlns:mc="http://schemas.openxmlformats.org/markup-compatibility/2006">
-        <mc:Choice xmlns:p14="http://schemas.microsoft.com/office/powerpoint/2010/main" Requires="p14">
+      <mc:AlternateContent xmlns:mc="http://schemas.openxmlformats.org/markup-compatibility/2006" xmlns:p14="http://schemas.microsoft.com/office/powerpoint/2010/main">
+        <mc:Choice Requires="p14">
           <p:contentPart p14:bwMode="auto" r:id="rId56">
             <p14:nvContentPartPr>
               <p14:cNvPr id="360" name="Ink 359">
@@ -10100,7 +15992,7 @@
             </p14:xfrm>
           </p:contentPart>
         </mc:Choice>
-        <mc:Fallback>
+        <mc:Fallback xmlns="">
           <p:pic>
             <p:nvPicPr>
               <p:cNvPr id="360" name="Ink 359">
@@ -10131,8 +16023,8 @@
           </p:pic>
         </mc:Fallback>
       </mc:AlternateContent>
-      <mc:AlternateContent xmlns:mc="http://schemas.openxmlformats.org/markup-compatibility/2006">
-        <mc:Choice xmlns:p14="http://schemas.microsoft.com/office/powerpoint/2010/main" Requires="p14">
+      <mc:AlternateContent xmlns:mc="http://schemas.openxmlformats.org/markup-compatibility/2006" xmlns:p14="http://schemas.microsoft.com/office/powerpoint/2010/main">
+        <mc:Choice Requires="p14">
           <p:contentPart p14:bwMode="auto" r:id="rId58">
             <p14:nvContentPartPr>
               <p14:cNvPr id="363" name="Ink 362">
@@ -10151,7 +16043,7 @@
             </p14:xfrm>
           </p:contentPart>
         </mc:Choice>
-        <mc:Fallback>
+        <mc:Fallback xmlns="">
           <p:pic>
             <p:nvPicPr>
               <p:cNvPr id="363" name="Ink 362">
@@ -10212,8 +16104,8 @@
           <a:chExt cx="0" cy="0"/>
         </a:xfrm>
       </p:grpSpPr>
-      <mc:AlternateContent xmlns:mc="http://schemas.openxmlformats.org/markup-compatibility/2006">
-        <mc:Choice xmlns:p14="http://schemas.microsoft.com/office/powerpoint/2010/main" Requires="p14">
+      <mc:AlternateContent xmlns:mc="http://schemas.openxmlformats.org/markup-compatibility/2006" xmlns:p14="http://schemas.microsoft.com/office/powerpoint/2010/main">
+        <mc:Choice Requires="p14">
           <p:contentPart p14:bwMode="auto" r:id="rId2">
             <p14:nvContentPartPr>
               <p14:cNvPr id="21" name="Ink 20">
@@ -10232,7 +16124,7 @@
             </p14:xfrm>
           </p:contentPart>
         </mc:Choice>
-        <mc:Fallback>
+        <mc:Fallback xmlns="">
           <p:pic>
             <p:nvPicPr>
               <p:cNvPr id="21" name="Ink 20">
@@ -10263,8 +16155,8 @@
           </p:pic>
         </mc:Fallback>
       </mc:AlternateContent>
-      <mc:AlternateContent xmlns:mc="http://schemas.openxmlformats.org/markup-compatibility/2006">
-        <mc:Choice xmlns:p14="http://schemas.microsoft.com/office/powerpoint/2010/main" Requires="p14">
+      <mc:AlternateContent xmlns:mc="http://schemas.openxmlformats.org/markup-compatibility/2006" xmlns:p14="http://schemas.microsoft.com/office/powerpoint/2010/main">
+        <mc:Choice Requires="p14">
           <p:contentPart p14:bwMode="auto" r:id="rId4">
             <p14:nvContentPartPr>
               <p14:cNvPr id="22" name="Ink 21">
@@ -10283,7 +16175,7 @@
             </p14:xfrm>
           </p:contentPart>
         </mc:Choice>
-        <mc:Fallback>
+        <mc:Fallback xmlns="">
           <p:pic>
             <p:nvPicPr>
               <p:cNvPr id="22" name="Ink 21">
@@ -10314,8 +16206,8 @@
           </p:pic>
         </mc:Fallback>
       </mc:AlternateContent>
-      <mc:AlternateContent xmlns:mc="http://schemas.openxmlformats.org/markup-compatibility/2006">
-        <mc:Choice xmlns:p14="http://schemas.microsoft.com/office/powerpoint/2010/main" Requires="p14">
+      <mc:AlternateContent xmlns:mc="http://schemas.openxmlformats.org/markup-compatibility/2006" xmlns:p14="http://schemas.microsoft.com/office/powerpoint/2010/main">
+        <mc:Choice Requires="p14">
           <p:contentPart p14:bwMode="auto" r:id="rId6">
             <p14:nvContentPartPr>
               <p14:cNvPr id="23" name="Ink 22">
@@ -10334,7 +16226,7 @@
             </p14:xfrm>
           </p:contentPart>
         </mc:Choice>
-        <mc:Fallback>
+        <mc:Fallback xmlns="">
           <p:pic>
             <p:nvPicPr>
               <p:cNvPr id="23" name="Ink 22">
@@ -10365,8 +16257,8 @@
           </p:pic>
         </mc:Fallback>
       </mc:AlternateContent>
-      <mc:AlternateContent xmlns:mc="http://schemas.openxmlformats.org/markup-compatibility/2006">
-        <mc:Choice xmlns:p14="http://schemas.microsoft.com/office/powerpoint/2010/main" Requires="p14">
+      <mc:AlternateContent xmlns:mc="http://schemas.openxmlformats.org/markup-compatibility/2006" xmlns:p14="http://schemas.microsoft.com/office/powerpoint/2010/main">
+        <mc:Choice Requires="p14">
           <p:contentPart p14:bwMode="auto" r:id="rId8">
             <p14:nvContentPartPr>
               <p14:cNvPr id="37" name="Ink 36">
@@ -10385,7 +16277,7 @@
             </p14:xfrm>
           </p:contentPart>
         </mc:Choice>
-        <mc:Fallback>
+        <mc:Fallback xmlns="">
           <p:pic>
             <p:nvPicPr>
               <p:cNvPr id="37" name="Ink 36">
@@ -10416,8 +16308,8 @@
           </p:pic>
         </mc:Fallback>
       </mc:AlternateContent>
-      <mc:AlternateContent xmlns:mc="http://schemas.openxmlformats.org/markup-compatibility/2006">
-        <mc:Choice xmlns:p14="http://schemas.microsoft.com/office/powerpoint/2010/main" Requires="p14">
+      <mc:AlternateContent xmlns:mc="http://schemas.openxmlformats.org/markup-compatibility/2006" xmlns:p14="http://schemas.microsoft.com/office/powerpoint/2010/main">
+        <mc:Choice Requires="p14">
           <p:contentPart p14:bwMode="auto" r:id="rId10">
             <p14:nvContentPartPr>
               <p14:cNvPr id="64" name="Ink 63">
@@ -10436,7 +16328,7 @@
             </p14:xfrm>
           </p:contentPart>
         </mc:Choice>
-        <mc:Fallback>
+        <mc:Fallback xmlns="">
           <p:pic>
             <p:nvPicPr>
               <p:cNvPr id="64" name="Ink 63">
@@ -10467,8 +16359,8 @@
           </p:pic>
         </mc:Fallback>
       </mc:AlternateContent>
-      <mc:AlternateContent xmlns:mc="http://schemas.openxmlformats.org/markup-compatibility/2006">
-        <mc:Choice xmlns:p14="http://schemas.microsoft.com/office/powerpoint/2010/main" Requires="p14">
+      <mc:AlternateContent xmlns:mc="http://schemas.openxmlformats.org/markup-compatibility/2006" xmlns:p14="http://schemas.microsoft.com/office/powerpoint/2010/main">
+        <mc:Choice Requires="p14">
           <p:contentPart p14:bwMode="auto" r:id="rId12">
             <p14:nvContentPartPr>
               <p14:cNvPr id="74" name="Ink 73">
@@ -10487,7 +16379,7 @@
             </p14:xfrm>
           </p:contentPart>
         </mc:Choice>
-        <mc:Fallback>
+        <mc:Fallback xmlns="">
           <p:pic>
             <p:nvPicPr>
               <p:cNvPr id="74" name="Ink 73">
@@ -10518,8 +16410,8 @@
           </p:pic>
         </mc:Fallback>
       </mc:AlternateContent>
-      <mc:AlternateContent xmlns:mc="http://schemas.openxmlformats.org/markup-compatibility/2006">
-        <mc:Choice xmlns:p14="http://schemas.microsoft.com/office/powerpoint/2010/main" Requires="p14">
+      <mc:AlternateContent xmlns:mc="http://schemas.openxmlformats.org/markup-compatibility/2006" xmlns:p14="http://schemas.microsoft.com/office/powerpoint/2010/main">
+        <mc:Choice Requires="p14">
           <p:contentPart p14:bwMode="auto" r:id="rId14">
             <p14:nvContentPartPr>
               <p14:cNvPr id="75" name="Ink 74">
@@ -10538,7 +16430,7 @@
             </p14:xfrm>
           </p:contentPart>
         </mc:Choice>
-        <mc:Fallback>
+        <mc:Fallback xmlns="">
           <p:pic>
             <p:nvPicPr>
               <p:cNvPr id="75" name="Ink 74">
@@ -10569,8 +16461,8 @@
           </p:pic>
         </mc:Fallback>
       </mc:AlternateContent>
-      <mc:AlternateContent xmlns:mc="http://schemas.openxmlformats.org/markup-compatibility/2006">
-        <mc:Choice xmlns:p14="http://schemas.microsoft.com/office/powerpoint/2010/main" Requires="p14">
+      <mc:AlternateContent xmlns:mc="http://schemas.openxmlformats.org/markup-compatibility/2006" xmlns:p14="http://schemas.microsoft.com/office/powerpoint/2010/main">
+        <mc:Choice Requires="p14">
           <p:contentPart p14:bwMode="auto" r:id="rId16">
             <p14:nvContentPartPr>
               <p14:cNvPr id="115" name="Ink 114">
@@ -10589,7 +16481,7 @@
             </p14:xfrm>
           </p:contentPart>
         </mc:Choice>
-        <mc:Fallback>
+        <mc:Fallback xmlns="">
           <p:pic>
             <p:nvPicPr>
               <p:cNvPr id="115" name="Ink 114">
@@ -10650,8 +16542,8 @@
           <a:chExt cx="0" cy="0"/>
         </a:xfrm>
       </p:grpSpPr>
-      <mc:AlternateContent xmlns:mc="http://schemas.openxmlformats.org/markup-compatibility/2006">
-        <mc:Choice xmlns:p14="http://schemas.microsoft.com/office/powerpoint/2010/main" Requires="p14">
+      <mc:AlternateContent xmlns:mc="http://schemas.openxmlformats.org/markup-compatibility/2006" xmlns:p14="http://schemas.microsoft.com/office/powerpoint/2010/main">
+        <mc:Choice Requires="p14">
           <p:contentPart p14:bwMode="auto" r:id="rId2">
             <p14:nvContentPartPr>
               <p14:cNvPr id="4" name="Ink 3">
@@ -10670,7 +16562,7 @@
             </p14:xfrm>
           </p:contentPart>
         </mc:Choice>
-        <mc:Fallback>
+        <mc:Fallback xmlns="">
           <p:pic>
             <p:nvPicPr>
               <p:cNvPr id="4" name="Ink 3">
@@ -10701,8 +16593,8 @@
           </p:pic>
         </mc:Fallback>
       </mc:AlternateContent>
-      <mc:AlternateContent xmlns:mc="http://schemas.openxmlformats.org/markup-compatibility/2006">
-        <mc:Choice xmlns:p14="http://schemas.microsoft.com/office/powerpoint/2010/main" Requires="p14">
+      <mc:AlternateContent xmlns:mc="http://schemas.openxmlformats.org/markup-compatibility/2006" xmlns:p14="http://schemas.microsoft.com/office/powerpoint/2010/main">
+        <mc:Choice Requires="p14">
           <p:contentPart p14:bwMode="auto" r:id="rId4">
             <p14:nvContentPartPr>
               <p14:cNvPr id="26" name="Ink 25">
@@ -10721,7 +16613,7 @@
             </p14:xfrm>
           </p:contentPart>
         </mc:Choice>
-        <mc:Fallback>
+        <mc:Fallback xmlns="">
           <p:pic>
             <p:nvPicPr>
               <p:cNvPr id="26" name="Ink 25">
@@ -10752,8 +16644,8 @@
           </p:pic>
         </mc:Fallback>
       </mc:AlternateContent>
-      <mc:AlternateContent xmlns:mc="http://schemas.openxmlformats.org/markup-compatibility/2006">
-        <mc:Choice xmlns:p14="http://schemas.microsoft.com/office/powerpoint/2010/main" Requires="p14">
+      <mc:AlternateContent xmlns:mc="http://schemas.openxmlformats.org/markup-compatibility/2006" xmlns:p14="http://schemas.microsoft.com/office/powerpoint/2010/main">
+        <mc:Choice Requires="p14">
           <p:contentPart p14:bwMode="auto" r:id="rId6">
             <p14:nvContentPartPr>
               <p14:cNvPr id="113" name="Ink 112">
@@ -10772,7 +16664,7 @@
             </p14:xfrm>
           </p:contentPart>
         </mc:Choice>
-        <mc:Fallback>
+        <mc:Fallback xmlns="">
           <p:pic>
             <p:nvPicPr>
               <p:cNvPr id="113" name="Ink 112">
@@ -10803,8 +16695,8 @@
           </p:pic>
         </mc:Fallback>
       </mc:AlternateContent>
-      <mc:AlternateContent xmlns:mc="http://schemas.openxmlformats.org/markup-compatibility/2006">
-        <mc:Choice xmlns:p14="http://schemas.microsoft.com/office/powerpoint/2010/main" Requires="p14">
+      <mc:AlternateContent xmlns:mc="http://schemas.openxmlformats.org/markup-compatibility/2006" xmlns:p14="http://schemas.microsoft.com/office/powerpoint/2010/main">
+        <mc:Choice Requires="p14">
           <p:contentPart p14:bwMode="auto" r:id="rId8">
             <p14:nvContentPartPr>
               <p14:cNvPr id="127" name="Ink 126">
@@ -10823,7 +16715,7 @@
             </p14:xfrm>
           </p:contentPart>
         </mc:Choice>
-        <mc:Fallback>
+        <mc:Fallback xmlns="">
           <p:pic>
             <p:nvPicPr>
               <p:cNvPr id="127" name="Ink 126">
@@ -10854,8 +16746,8 @@
           </p:pic>
         </mc:Fallback>
       </mc:AlternateContent>
-      <mc:AlternateContent xmlns:mc="http://schemas.openxmlformats.org/markup-compatibility/2006">
-        <mc:Choice xmlns:p14="http://schemas.microsoft.com/office/powerpoint/2010/main" Requires="p14">
+      <mc:AlternateContent xmlns:mc="http://schemas.openxmlformats.org/markup-compatibility/2006" xmlns:p14="http://schemas.microsoft.com/office/powerpoint/2010/main">
+        <mc:Choice Requires="p14">
           <p:contentPart p14:bwMode="auto" r:id="rId10">
             <p14:nvContentPartPr>
               <p14:cNvPr id="158" name="Ink 157">
@@ -10874,7 +16766,7 @@
             </p14:xfrm>
           </p:contentPart>
         </mc:Choice>
-        <mc:Fallback>
+        <mc:Fallback xmlns="">
           <p:pic>
             <p:nvPicPr>
               <p:cNvPr id="158" name="Ink 157">
@@ -10905,8 +16797,8 @@
           </p:pic>
         </mc:Fallback>
       </mc:AlternateContent>
-      <mc:AlternateContent xmlns:mc="http://schemas.openxmlformats.org/markup-compatibility/2006">
-        <mc:Choice xmlns:p14="http://schemas.microsoft.com/office/powerpoint/2010/main" Requires="p14">
+      <mc:AlternateContent xmlns:mc="http://schemas.openxmlformats.org/markup-compatibility/2006" xmlns:p14="http://schemas.microsoft.com/office/powerpoint/2010/main">
+        <mc:Choice Requires="p14">
           <p:contentPart p14:bwMode="auto" r:id="rId12">
             <p14:nvContentPartPr>
               <p14:cNvPr id="166" name="Ink 165">
@@ -10925,7 +16817,7 @@
             </p14:xfrm>
           </p:contentPart>
         </mc:Choice>
-        <mc:Fallback>
+        <mc:Fallback xmlns="">
           <p:pic>
             <p:nvPicPr>
               <p:cNvPr id="166" name="Ink 165">
@@ -10956,8 +16848,8 @@
           </p:pic>
         </mc:Fallback>
       </mc:AlternateContent>
-      <mc:AlternateContent xmlns:mc="http://schemas.openxmlformats.org/markup-compatibility/2006">
-        <mc:Choice xmlns:p14="http://schemas.microsoft.com/office/powerpoint/2010/main" Requires="p14">
+      <mc:AlternateContent xmlns:mc="http://schemas.openxmlformats.org/markup-compatibility/2006" xmlns:p14="http://schemas.microsoft.com/office/powerpoint/2010/main">
+        <mc:Choice Requires="p14">
           <p:contentPart p14:bwMode="auto" r:id="rId14">
             <p14:nvContentPartPr>
               <p14:cNvPr id="209" name="Ink 208">
@@ -10976,7 +16868,7 @@
             </p14:xfrm>
           </p:contentPart>
         </mc:Choice>
-        <mc:Fallback>
+        <mc:Fallback xmlns="">
           <p:pic>
             <p:nvPicPr>
               <p:cNvPr id="209" name="Ink 208">
@@ -11007,8 +16899,8 @@
           </p:pic>
         </mc:Fallback>
       </mc:AlternateContent>
-      <mc:AlternateContent xmlns:mc="http://schemas.openxmlformats.org/markup-compatibility/2006">
-        <mc:Choice xmlns:p14="http://schemas.microsoft.com/office/powerpoint/2010/main" Requires="p14">
+      <mc:AlternateContent xmlns:mc="http://schemas.openxmlformats.org/markup-compatibility/2006" xmlns:p14="http://schemas.microsoft.com/office/powerpoint/2010/main">
+        <mc:Choice Requires="p14">
           <p:contentPart p14:bwMode="auto" r:id="rId16">
             <p14:nvContentPartPr>
               <p14:cNvPr id="229" name="Ink 228">
@@ -11027,7 +16919,7 @@
             </p14:xfrm>
           </p:contentPart>
         </mc:Choice>
-        <mc:Fallback>
+        <mc:Fallback xmlns="">
           <p:pic>
             <p:nvPicPr>
               <p:cNvPr id="229" name="Ink 228">
@@ -11058,8 +16950,8 @@
           </p:pic>
         </mc:Fallback>
       </mc:AlternateContent>
-      <mc:AlternateContent xmlns:mc="http://schemas.openxmlformats.org/markup-compatibility/2006">
-        <mc:Choice xmlns:p14="http://schemas.microsoft.com/office/powerpoint/2010/main" Requires="p14">
+      <mc:AlternateContent xmlns:mc="http://schemas.openxmlformats.org/markup-compatibility/2006" xmlns:p14="http://schemas.microsoft.com/office/powerpoint/2010/main">
+        <mc:Choice Requires="p14">
           <p:contentPart p14:bwMode="auto" r:id="rId18">
             <p14:nvContentPartPr>
               <p14:cNvPr id="236" name="Ink 235">
@@ -11078,7 +16970,7 @@
             </p14:xfrm>
           </p:contentPart>
         </mc:Choice>
-        <mc:Fallback>
+        <mc:Fallback xmlns="">
           <p:pic>
             <p:nvPicPr>
               <p:cNvPr id="236" name="Ink 235">
@@ -11109,8 +17001,8 @@
           </p:pic>
         </mc:Fallback>
       </mc:AlternateContent>
-      <mc:AlternateContent xmlns:mc="http://schemas.openxmlformats.org/markup-compatibility/2006">
-        <mc:Choice xmlns:p14="http://schemas.microsoft.com/office/powerpoint/2010/main" Requires="p14">
+      <mc:AlternateContent xmlns:mc="http://schemas.openxmlformats.org/markup-compatibility/2006" xmlns:p14="http://schemas.microsoft.com/office/powerpoint/2010/main">
+        <mc:Choice Requires="p14">
           <p:contentPart p14:bwMode="auto" r:id="rId20">
             <p14:nvContentPartPr>
               <p14:cNvPr id="265" name="Ink 264">
@@ -11129,7 +17021,7 @@
             </p14:xfrm>
           </p:contentPart>
         </mc:Choice>
-        <mc:Fallback>
+        <mc:Fallback xmlns="">
           <p:pic>
             <p:nvPicPr>
               <p:cNvPr id="265" name="Ink 264">
@@ -11190,8 +17082,8 @@
           <a:chExt cx="0" cy="0"/>
         </a:xfrm>
       </p:grpSpPr>
-      <mc:AlternateContent xmlns:mc="http://schemas.openxmlformats.org/markup-compatibility/2006">
-        <mc:Choice xmlns:p14="http://schemas.microsoft.com/office/powerpoint/2010/main" Requires="p14">
+      <mc:AlternateContent xmlns:mc="http://schemas.openxmlformats.org/markup-compatibility/2006" xmlns:p14="http://schemas.microsoft.com/office/powerpoint/2010/main">
+        <mc:Choice Requires="p14">
           <p:contentPart p14:bwMode="auto" r:id="rId2">
             <p14:nvContentPartPr>
               <p14:cNvPr id="11" name="Ink 10">
@@ -11210,7 +17102,7 @@
             </p14:xfrm>
           </p:contentPart>
         </mc:Choice>
-        <mc:Fallback>
+        <mc:Fallback xmlns="">
           <p:pic>
             <p:nvPicPr>
               <p:cNvPr id="11" name="Ink 10">
@@ -11241,8 +17133,8 @@
           </p:pic>
         </mc:Fallback>
       </mc:AlternateContent>
-      <mc:AlternateContent xmlns:mc="http://schemas.openxmlformats.org/markup-compatibility/2006">
-        <mc:Choice xmlns:p14="http://schemas.microsoft.com/office/powerpoint/2010/main" Requires="p14">
+      <mc:AlternateContent xmlns:mc="http://schemas.openxmlformats.org/markup-compatibility/2006" xmlns:p14="http://schemas.microsoft.com/office/powerpoint/2010/main">
+        <mc:Choice Requires="p14">
           <p:contentPart p14:bwMode="auto" r:id="rId4">
             <p14:nvContentPartPr>
               <p14:cNvPr id="60" name="Ink 59">
@@ -11261,7 +17153,7 @@
             </p14:xfrm>
           </p:contentPart>
         </mc:Choice>
-        <mc:Fallback>
+        <mc:Fallback xmlns="">
           <p:pic>
             <p:nvPicPr>
               <p:cNvPr id="60" name="Ink 59">
@@ -11292,8 +17184,8 @@
           </p:pic>
         </mc:Fallback>
       </mc:AlternateContent>
-      <mc:AlternateContent xmlns:mc="http://schemas.openxmlformats.org/markup-compatibility/2006">
-        <mc:Choice xmlns:p14="http://schemas.microsoft.com/office/powerpoint/2010/main" Requires="p14">
+      <mc:AlternateContent xmlns:mc="http://schemas.openxmlformats.org/markup-compatibility/2006" xmlns:p14="http://schemas.microsoft.com/office/powerpoint/2010/main">
+        <mc:Choice Requires="p14">
           <p:contentPart p14:bwMode="auto" r:id="rId6">
             <p14:nvContentPartPr>
               <p14:cNvPr id="76" name="Ink 75">
@@ -11312,7 +17204,7 @@
             </p14:xfrm>
           </p:contentPart>
         </mc:Choice>
-        <mc:Fallback>
+        <mc:Fallback xmlns="">
           <p:pic>
             <p:nvPicPr>
               <p:cNvPr id="76" name="Ink 75">
@@ -11343,8 +17235,8 @@
           </p:pic>
         </mc:Fallback>
       </mc:AlternateContent>
-      <mc:AlternateContent xmlns:mc="http://schemas.openxmlformats.org/markup-compatibility/2006">
-        <mc:Choice xmlns:p14="http://schemas.microsoft.com/office/powerpoint/2010/main" Requires="p14">
+      <mc:AlternateContent xmlns:mc="http://schemas.openxmlformats.org/markup-compatibility/2006" xmlns:p14="http://schemas.microsoft.com/office/powerpoint/2010/main">
+        <mc:Choice Requires="p14">
           <p:contentPart p14:bwMode="auto" r:id="rId8">
             <p14:nvContentPartPr>
               <p14:cNvPr id="98" name="Ink 97">
@@ -11363,7 +17255,7 @@
             </p14:xfrm>
           </p:contentPart>
         </mc:Choice>
-        <mc:Fallback>
+        <mc:Fallback xmlns="">
           <p:pic>
             <p:nvPicPr>
               <p:cNvPr id="98" name="Ink 97">
@@ -11394,8 +17286,8 @@
           </p:pic>
         </mc:Fallback>
       </mc:AlternateContent>
-      <mc:AlternateContent xmlns:mc="http://schemas.openxmlformats.org/markup-compatibility/2006">
-        <mc:Choice xmlns:p14="http://schemas.microsoft.com/office/powerpoint/2010/main" Requires="p14">
+      <mc:AlternateContent xmlns:mc="http://schemas.openxmlformats.org/markup-compatibility/2006" xmlns:p14="http://schemas.microsoft.com/office/powerpoint/2010/main">
+        <mc:Choice Requires="p14">
           <p:contentPart p14:bwMode="auto" r:id="rId10">
             <p14:nvContentPartPr>
               <p14:cNvPr id="133" name="Ink 132">
@@ -11414,7 +17306,7 @@
             </p14:xfrm>
           </p:contentPart>
         </mc:Choice>
-        <mc:Fallback>
+        <mc:Fallback xmlns="">
           <p:pic>
             <p:nvPicPr>
               <p:cNvPr id="133" name="Ink 132">
@@ -11445,8 +17337,8 @@
           </p:pic>
         </mc:Fallback>
       </mc:AlternateContent>
-      <mc:AlternateContent xmlns:mc="http://schemas.openxmlformats.org/markup-compatibility/2006">
-        <mc:Choice xmlns:p14="http://schemas.microsoft.com/office/powerpoint/2010/main" Requires="p14">
+      <mc:AlternateContent xmlns:mc="http://schemas.openxmlformats.org/markup-compatibility/2006" xmlns:p14="http://schemas.microsoft.com/office/powerpoint/2010/main">
+        <mc:Choice Requires="p14">
           <p:contentPart p14:bwMode="auto" r:id="rId12">
             <p14:nvContentPartPr>
               <p14:cNvPr id="188" name="Ink 187">
@@ -11465,7 +17357,7 @@
             </p14:xfrm>
           </p:contentPart>
         </mc:Choice>
-        <mc:Fallback>
+        <mc:Fallback xmlns="">
           <p:pic>
             <p:nvPicPr>
               <p:cNvPr id="188" name="Ink 187">
@@ -11496,8 +17388,8 @@
           </p:pic>
         </mc:Fallback>
       </mc:AlternateContent>
-      <mc:AlternateContent xmlns:mc="http://schemas.openxmlformats.org/markup-compatibility/2006">
-        <mc:Choice xmlns:p14="http://schemas.microsoft.com/office/powerpoint/2010/main" Requires="p14">
+      <mc:AlternateContent xmlns:mc="http://schemas.openxmlformats.org/markup-compatibility/2006" xmlns:p14="http://schemas.microsoft.com/office/powerpoint/2010/main">
+        <mc:Choice Requires="p14">
           <p:contentPart p14:bwMode="auto" r:id="rId14">
             <p14:nvContentPartPr>
               <p14:cNvPr id="193" name="Ink 192">
@@ -11516,7 +17408,7 @@
             </p14:xfrm>
           </p:contentPart>
         </mc:Choice>
-        <mc:Fallback>
+        <mc:Fallback xmlns="">
           <p:pic>
             <p:nvPicPr>
               <p:cNvPr id="193" name="Ink 192">
@@ -11547,8 +17439,8 @@
           </p:pic>
         </mc:Fallback>
       </mc:AlternateContent>
-      <mc:AlternateContent xmlns:mc="http://schemas.openxmlformats.org/markup-compatibility/2006">
-        <mc:Choice xmlns:p14="http://schemas.microsoft.com/office/powerpoint/2010/main" Requires="p14">
+      <mc:AlternateContent xmlns:mc="http://schemas.openxmlformats.org/markup-compatibility/2006" xmlns:p14="http://schemas.microsoft.com/office/powerpoint/2010/main">
+        <mc:Choice Requires="p14">
           <p:contentPart p14:bwMode="auto" r:id="rId16">
             <p14:nvContentPartPr>
               <p14:cNvPr id="204" name="Ink 203">
@@ -11567,7 +17459,7 @@
             </p14:xfrm>
           </p:contentPart>
         </mc:Choice>
-        <mc:Fallback>
+        <mc:Fallback xmlns="">
           <p:pic>
             <p:nvPicPr>
               <p:cNvPr id="204" name="Ink 203">
@@ -11598,8 +17490,8 @@
           </p:pic>
         </mc:Fallback>
       </mc:AlternateContent>
-      <mc:AlternateContent xmlns:mc="http://schemas.openxmlformats.org/markup-compatibility/2006">
-        <mc:Choice xmlns:p14="http://schemas.microsoft.com/office/powerpoint/2010/main" Requires="p14">
+      <mc:AlternateContent xmlns:mc="http://schemas.openxmlformats.org/markup-compatibility/2006" xmlns:p14="http://schemas.microsoft.com/office/powerpoint/2010/main">
+        <mc:Choice Requires="p14">
           <p:contentPart p14:bwMode="auto" r:id="rId18">
             <p14:nvContentPartPr>
               <p14:cNvPr id="205" name="Ink 204">
@@ -11618,7 +17510,7 @@
             </p14:xfrm>
           </p:contentPart>
         </mc:Choice>
-        <mc:Fallback>
+        <mc:Fallback xmlns="">
           <p:pic>
             <p:nvPicPr>
               <p:cNvPr id="205" name="Ink 204">
@@ -11649,8 +17541,8 @@
           </p:pic>
         </mc:Fallback>
       </mc:AlternateContent>
-      <mc:AlternateContent xmlns:mc="http://schemas.openxmlformats.org/markup-compatibility/2006">
-        <mc:Choice xmlns:p14="http://schemas.microsoft.com/office/powerpoint/2010/main" Requires="p14">
+      <mc:AlternateContent xmlns:mc="http://schemas.openxmlformats.org/markup-compatibility/2006" xmlns:p14="http://schemas.microsoft.com/office/powerpoint/2010/main">
+        <mc:Choice Requires="p14">
           <p:contentPart p14:bwMode="auto" r:id="rId20">
             <p14:nvContentPartPr>
               <p14:cNvPr id="206" name="Ink 205">
@@ -11669,7 +17561,7 @@
             </p14:xfrm>
           </p:contentPart>
         </mc:Choice>
-        <mc:Fallback>
+        <mc:Fallback xmlns="">
           <p:pic>
             <p:nvPicPr>
               <p:cNvPr id="206" name="Ink 205">
@@ -11700,8 +17592,8 @@
           </p:pic>
         </mc:Fallback>
       </mc:AlternateContent>
-      <mc:AlternateContent xmlns:mc="http://schemas.openxmlformats.org/markup-compatibility/2006">
-        <mc:Choice xmlns:p14="http://schemas.microsoft.com/office/powerpoint/2010/main" Requires="p14">
+      <mc:AlternateContent xmlns:mc="http://schemas.openxmlformats.org/markup-compatibility/2006" xmlns:p14="http://schemas.microsoft.com/office/powerpoint/2010/main">
+        <mc:Choice Requires="p14">
           <p:contentPart p14:bwMode="auto" r:id="rId22">
             <p14:nvContentPartPr>
               <p14:cNvPr id="207" name="Ink 206">
@@ -11720,7 +17612,7 @@
             </p14:xfrm>
           </p:contentPart>
         </mc:Choice>
-        <mc:Fallback>
+        <mc:Fallback xmlns="">
           <p:pic>
             <p:nvPicPr>
               <p:cNvPr id="207" name="Ink 206">
@@ -11751,8 +17643,8 @@
           </p:pic>
         </mc:Fallback>
       </mc:AlternateContent>
-      <mc:AlternateContent xmlns:mc="http://schemas.openxmlformats.org/markup-compatibility/2006">
-        <mc:Choice xmlns:p14="http://schemas.microsoft.com/office/powerpoint/2010/main" Requires="p14">
+      <mc:AlternateContent xmlns:mc="http://schemas.openxmlformats.org/markup-compatibility/2006" xmlns:p14="http://schemas.microsoft.com/office/powerpoint/2010/main">
+        <mc:Choice Requires="p14">
           <p:contentPart p14:bwMode="auto" r:id="rId24">
             <p14:nvContentPartPr>
               <p14:cNvPr id="208" name="Ink 207">
@@ -11771,7 +17663,7 @@
             </p14:xfrm>
           </p:contentPart>
         </mc:Choice>
-        <mc:Fallback>
+        <mc:Fallback xmlns="">
           <p:pic>
             <p:nvPicPr>
               <p:cNvPr id="208" name="Ink 207">
@@ -11802,8 +17694,8 @@
           </p:pic>
         </mc:Fallback>
       </mc:AlternateContent>
-      <mc:AlternateContent xmlns:mc="http://schemas.openxmlformats.org/markup-compatibility/2006">
-        <mc:Choice xmlns:p14="http://schemas.microsoft.com/office/powerpoint/2010/main" Requires="p14">
+      <mc:AlternateContent xmlns:mc="http://schemas.openxmlformats.org/markup-compatibility/2006" xmlns:p14="http://schemas.microsoft.com/office/powerpoint/2010/main">
+        <mc:Choice Requires="p14">
           <p:contentPart p14:bwMode="auto" r:id="rId26">
             <p14:nvContentPartPr>
               <p14:cNvPr id="209" name="Ink 208">
@@ -11822,7 +17714,7 @@
             </p14:xfrm>
           </p:contentPart>
         </mc:Choice>
-        <mc:Fallback>
+        <mc:Fallback xmlns="">
           <p:pic>
             <p:nvPicPr>
               <p:cNvPr id="209" name="Ink 208">
@@ -12536,6 +18428,546 @@
     <p:extLst>
       <p:ext uri="{BB962C8B-B14F-4D97-AF65-F5344CB8AC3E}">
         <p14:creationId xmlns:p14="http://schemas.microsoft.com/office/powerpoint/2010/main" val="3782057441"/>
+      </p:ext>
+    </p:extLst>
+  </p:cSld>
+  <p:clrMapOvr>
+    <a:masterClrMapping/>
+  </p:clrMapOvr>
+</p:sld>
+</file>
+
+<file path=ppt/slides/slide9.xml><?xml version="1.0" encoding="utf-8"?>
+<p:sld xmlns:a="http://schemas.openxmlformats.org/drawingml/2006/main" xmlns:r="http://schemas.openxmlformats.org/officeDocument/2006/relationships" xmlns:p="http://schemas.openxmlformats.org/presentationml/2006/main">
+  <p:cSld>
+    <p:spTree>
+      <p:nvGrpSpPr>
+        <p:cNvPr id="1" name=""/>
+        <p:cNvGrpSpPr/>
+        <p:nvPr/>
+      </p:nvGrpSpPr>
+      <p:grpSpPr>
+        <a:xfrm>
+          <a:off x="0" y="0"/>
+          <a:ext cx="0" cy="0"/>
+          <a:chOff x="0" y="0"/>
+          <a:chExt cx="0" cy="0"/>
+        </a:xfrm>
+      </p:grpSpPr>
+      <mc:AlternateContent xmlns:mc="http://schemas.openxmlformats.org/markup-compatibility/2006">
+        <mc:Choice xmlns:p14="http://schemas.microsoft.com/office/powerpoint/2010/main" Requires="p14">
+          <p:contentPart p14:bwMode="auto" r:id="rId2">
+            <p14:nvContentPartPr>
+              <p14:cNvPr id="137" name="Ink 136">
+                <a:extLst>
+                  <a:ext uri="{FF2B5EF4-FFF2-40B4-BE49-F238E27FC236}">
+                    <a16:creationId xmlns:a16="http://schemas.microsoft.com/office/drawing/2014/main" id="{7D3FB79F-E9AA-4A3E-B46E-61F7E551C99D}"/>
+                  </a:ext>
+                </a:extLst>
+              </p14:cNvPr>
+              <p14:cNvContentPartPr/>
+              <p14:nvPr/>
+            </p14:nvContentPartPr>
+            <p14:xfrm>
+              <a:off x="263326" y="3946971"/>
+              <a:ext cx="397080" cy="730800"/>
+            </p14:xfrm>
+          </p:contentPart>
+        </mc:Choice>
+        <mc:Fallback>
+          <p:pic>
+            <p:nvPicPr>
+              <p:cNvPr id="137" name="Ink 136">
+                <a:extLst>
+                  <a:ext uri="{FF2B5EF4-FFF2-40B4-BE49-F238E27FC236}">
+                    <a16:creationId xmlns:a16="http://schemas.microsoft.com/office/drawing/2014/main" id="{7D3FB79F-E9AA-4A3E-B46E-61F7E551C99D}"/>
+                  </a:ext>
+                </a:extLst>
+              </p:cNvPr>
+              <p:cNvPicPr/>
+              <p:nvPr/>
+            </p:nvPicPr>
+            <p:blipFill>
+              <a:blip r:embed="rId3"/>
+              <a:stretch>
+                <a:fillRect/>
+              </a:stretch>
+            </p:blipFill>
+            <p:spPr>
+              <a:xfrm>
+                <a:off x="254326" y="3937971"/>
+                <a:ext cx="414720" cy="748440"/>
+              </a:xfrm>
+              <a:prstGeom prst="rect">
+                <a:avLst/>
+              </a:prstGeom>
+            </p:spPr>
+          </p:pic>
+        </mc:Fallback>
+      </mc:AlternateContent>
+      <mc:AlternateContent xmlns:mc="http://schemas.openxmlformats.org/markup-compatibility/2006">
+        <mc:Choice xmlns:p14="http://schemas.microsoft.com/office/powerpoint/2010/main" Requires="p14">
+          <p:contentPart p14:bwMode="auto" r:id="rId4">
+            <p14:nvContentPartPr>
+              <p14:cNvPr id="140" name="Ink 139">
+                <a:extLst>
+                  <a:ext uri="{FF2B5EF4-FFF2-40B4-BE49-F238E27FC236}">
+                    <a16:creationId xmlns:a16="http://schemas.microsoft.com/office/drawing/2014/main" id="{B2AF7F83-9A91-419A-B238-9CCB67B91A59}"/>
+                  </a:ext>
+                </a:extLst>
+              </p14:cNvPr>
+              <p14:cNvContentPartPr/>
+              <p14:nvPr/>
+            </p14:nvContentPartPr>
+            <p14:xfrm>
+              <a:off x="360526" y="4097091"/>
+              <a:ext cx="396360" cy="520200"/>
+            </p14:xfrm>
+          </p:contentPart>
+        </mc:Choice>
+        <mc:Fallback>
+          <p:pic>
+            <p:nvPicPr>
+              <p:cNvPr id="140" name="Ink 139">
+                <a:extLst>
+                  <a:ext uri="{FF2B5EF4-FFF2-40B4-BE49-F238E27FC236}">
+                    <a16:creationId xmlns:a16="http://schemas.microsoft.com/office/drawing/2014/main" id="{B2AF7F83-9A91-419A-B238-9CCB67B91A59}"/>
+                  </a:ext>
+                </a:extLst>
+              </p:cNvPr>
+              <p:cNvPicPr/>
+              <p:nvPr/>
+            </p:nvPicPr>
+            <p:blipFill>
+              <a:blip r:embed="rId5"/>
+              <a:stretch>
+                <a:fillRect/>
+              </a:stretch>
+            </p:blipFill>
+            <p:spPr>
+              <a:xfrm>
+                <a:off x="351526" y="4088091"/>
+                <a:ext cx="414000" cy="537840"/>
+              </a:xfrm>
+              <a:prstGeom prst="rect">
+                <a:avLst/>
+              </a:prstGeom>
+            </p:spPr>
+          </p:pic>
+        </mc:Fallback>
+      </mc:AlternateContent>
+      <mc:AlternateContent xmlns:mc="http://schemas.openxmlformats.org/markup-compatibility/2006">
+        <mc:Choice xmlns:p14="http://schemas.microsoft.com/office/powerpoint/2010/main" Requires="p14">
+          <p:contentPart p14:bwMode="auto" r:id="rId6">
+            <p14:nvContentPartPr>
+              <p14:cNvPr id="143" name="Ink 142">
+                <a:extLst>
+                  <a:ext uri="{FF2B5EF4-FFF2-40B4-BE49-F238E27FC236}">
+                    <a16:creationId xmlns:a16="http://schemas.microsoft.com/office/drawing/2014/main" id="{A69C31ED-BFD5-4F87-9F2C-2E0F9063664E}"/>
+                  </a:ext>
+                </a:extLst>
+              </p14:cNvPr>
+              <p14:cNvContentPartPr/>
+              <p14:nvPr/>
+            </p14:nvContentPartPr>
+            <p14:xfrm>
+              <a:off x="808726" y="5903571"/>
+              <a:ext cx="387360" cy="49320"/>
+            </p14:xfrm>
+          </p:contentPart>
+        </mc:Choice>
+        <mc:Fallback>
+          <p:pic>
+            <p:nvPicPr>
+              <p:cNvPr id="143" name="Ink 142">
+                <a:extLst>
+                  <a:ext uri="{FF2B5EF4-FFF2-40B4-BE49-F238E27FC236}">
+                    <a16:creationId xmlns:a16="http://schemas.microsoft.com/office/drawing/2014/main" id="{A69C31ED-BFD5-4F87-9F2C-2E0F9063664E}"/>
+                  </a:ext>
+                </a:extLst>
+              </p:cNvPr>
+              <p:cNvPicPr/>
+              <p:nvPr/>
+            </p:nvPicPr>
+            <p:blipFill>
+              <a:blip r:embed="rId7"/>
+              <a:stretch>
+                <a:fillRect/>
+              </a:stretch>
+            </p:blipFill>
+            <p:spPr>
+              <a:xfrm>
+                <a:off x="799726" y="5894571"/>
+                <a:ext cx="405000" cy="66960"/>
+              </a:xfrm>
+              <a:prstGeom prst="rect">
+                <a:avLst/>
+              </a:prstGeom>
+            </p:spPr>
+          </p:pic>
+        </mc:Fallback>
+      </mc:AlternateContent>
+      <mc:AlternateContent xmlns:mc="http://schemas.openxmlformats.org/markup-compatibility/2006">
+        <mc:Choice xmlns:p14="http://schemas.microsoft.com/office/powerpoint/2010/main" Requires="p14">
+          <p:contentPart p14:bwMode="auto" r:id="rId8">
+            <p14:nvContentPartPr>
+              <p14:cNvPr id="147" name="Ink 146">
+                <a:extLst>
+                  <a:ext uri="{FF2B5EF4-FFF2-40B4-BE49-F238E27FC236}">
+                    <a16:creationId xmlns:a16="http://schemas.microsoft.com/office/drawing/2014/main" id="{3BC50262-F9AB-4C43-82A2-8AA5DD8B03B6}"/>
+                  </a:ext>
+                </a:extLst>
+              </p14:cNvPr>
+              <p14:cNvContentPartPr/>
+              <p14:nvPr/>
+            </p14:nvContentPartPr>
+            <p14:xfrm>
+              <a:off x="7533886" y="3279531"/>
+              <a:ext cx="986400" cy="361800"/>
+            </p14:xfrm>
+          </p:contentPart>
+        </mc:Choice>
+        <mc:Fallback>
+          <p:pic>
+            <p:nvPicPr>
+              <p:cNvPr id="147" name="Ink 146">
+                <a:extLst>
+                  <a:ext uri="{FF2B5EF4-FFF2-40B4-BE49-F238E27FC236}">
+                    <a16:creationId xmlns:a16="http://schemas.microsoft.com/office/drawing/2014/main" id="{3BC50262-F9AB-4C43-82A2-8AA5DD8B03B6}"/>
+                  </a:ext>
+                </a:extLst>
+              </p:cNvPr>
+              <p:cNvPicPr/>
+              <p:nvPr/>
+            </p:nvPicPr>
+            <p:blipFill>
+              <a:blip r:embed="rId9"/>
+              <a:stretch>
+                <a:fillRect/>
+              </a:stretch>
+            </p:blipFill>
+            <p:spPr>
+              <a:xfrm>
+                <a:off x="7524886" y="3270531"/>
+                <a:ext cx="1004040" cy="379440"/>
+              </a:xfrm>
+              <a:prstGeom prst="rect">
+                <a:avLst/>
+              </a:prstGeom>
+            </p:spPr>
+          </p:pic>
+        </mc:Fallback>
+      </mc:AlternateContent>
+      <mc:AlternateContent xmlns:mc="http://schemas.openxmlformats.org/markup-compatibility/2006">
+        <mc:Choice xmlns:p14="http://schemas.microsoft.com/office/powerpoint/2010/main" Requires="p14">
+          <p:contentPart p14:bwMode="auto" r:id="rId10">
+            <p14:nvContentPartPr>
+              <p14:cNvPr id="150" name="Ink 149">
+                <a:extLst>
+                  <a:ext uri="{FF2B5EF4-FFF2-40B4-BE49-F238E27FC236}">
+                    <a16:creationId xmlns:a16="http://schemas.microsoft.com/office/drawing/2014/main" id="{06DB9E8C-DC80-4494-A636-09A4AC94F817}"/>
+                  </a:ext>
+                </a:extLst>
+              </p14:cNvPr>
+              <p14:cNvContentPartPr/>
+              <p14:nvPr/>
+            </p14:nvContentPartPr>
+            <p14:xfrm>
+              <a:off x="7631806" y="3824571"/>
+              <a:ext cx="1076400" cy="132480"/>
+            </p14:xfrm>
+          </p:contentPart>
+        </mc:Choice>
+        <mc:Fallback>
+          <p:pic>
+            <p:nvPicPr>
+              <p:cNvPr id="150" name="Ink 149">
+                <a:extLst>
+                  <a:ext uri="{FF2B5EF4-FFF2-40B4-BE49-F238E27FC236}">
+                    <a16:creationId xmlns:a16="http://schemas.microsoft.com/office/drawing/2014/main" id="{06DB9E8C-DC80-4494-A636-09A4AC94F817}"/>
+                  </a:ext>
+                </a:extLst>
+              </p:cNvPr>
+              <p:cNvPicPr/>
+              <p:nvPr/>
+            </p:nvPicPr>
+            <p:blipFill>
+              <a:blip r:embed="rId11"/>
+              <a:stretch>
+                <a:fillRect/>
+              </a:stretch>
+            </p:blipFill>
+            <p:spPr>
+              <a:xfrm>
+                <a:off x="7622806" y="3815571"/>
+                <a:ext cx="1094040" cy="150120"/>
+              </a:xfrm>
+              <a:prstGeom prst="rect">
+                <a:avLst/>
+              </a:prstGeom>
+            </p:spPr>
+          </p:pic>
+        </mc:Fallback>
+      </mc:AlternateContent>
+      <mc:AlternateContent xmlns:mc="http://schemas.openxmlformats.org/markup-compatibility/2006">
+        <mc:Choice xmlns:p14="http://schemas.microsoft.com/office/powerpoint/2010/main" Requires="p14">
+          <p:contentPart p14:bwMode="auto" r:id="rId12">
+            <p14:nvContentPartPr>
+              <p14:cNvPr id="168" name="Ink 167">
+                <a:extLst>
+                  <a:ext uri="{FF2B5EF4-FFF2-40B4-BE49-F238E27FC236}">
+                    <a16:creationId xmlns:a16="http://schemas.microsoft.com/office/drawing/2014/main" id="{FDE69037-5358-45B2-9DCE-F728FAA0556A}"/>
+                  </a:ext>
+                </a:extLst>
+              </p14:cNvPr>
+              <p14:cNvContentPartPr/>
+              <p14:nvPr/>
+            </p14:nvContentPartPr>
+            <p14:xfrm>
+              <a:off x="773806" y="492051"/>
+              <a:ext cx="10393920" cy="5373360"/>
+            </p14:xfrm>
+          </p:contentPart>
+        </mc:Choice>
+        <mc:Fallback>
+          <p:pic>
+            <p:nvPicPr>
+              <p:cNvPr id="168" name="Ink 167">
+                <a:extLst>
+                  <a:ext uri="{FF2B5EF4-FFF2-40B4-BE49-F238E27FC236}">
+                    <a16:creationId xmlns:a16="http://schemas.microsoft.com/office/drawing/2014/main" id="{FDE69037-5358-45B2-9DCE-F728FAA0556A}"/>
+                  </a:ext>
+                </a:extLst>
+              </p:cNvPr>
+              <p:cNvPicPr/>
+              <p:nvPr/>
+            </p:nvPicPr>
+            <p:blipFill>
+              <a:blip r:embed="rId13"/>
+              <a:stretch>
+                <a:fillRect/>
+              </a:stretch>
+            </p:blipFill>
+            <p:spPr>
+              <a:xfrm>
+                <a:off x="764806" y="483051"/>
+                <a:ext cx="10411560" cy="5391000"/>
+              </a:xfrm>
+              <a:prstGeom prst="rect">
+                <a:avLst/>
+              </a:prstGeom>
+            </p:spPr>
+          </p:pic>
+        </mc:Fallback>
+      </mc:AlternateContent>
+      <mc:AlternateContent xmlns:mc="http://schemas.openxmlformats.org/markup-compatibility/2006">
+        <mc:Choice xmlns:p14="http://schemas.microsoft.com/office/powerpoint/2010/main" Requires="p14">
+          <p:contentPart p14:bwMode="auto" r:id="rId14">
+            <p14:nvContentPartPr>
+              <p14:cNvPr id="171" name="Ink 170">
+                <a:extLst>
+                  <a:ext uri="{FF2B5EF4-FFF2-40B4-BE49-F238E27FC236}">
+                    <a16:creationId xmlns:a16="http://schemas.microsoft.com/office/drawing/2014/main" id="{3609A4CE-5F84-4C93-804F-CFD21B16E5BC}"/>
+                  </a:ext>
+                </a:extLst>
+              </p14:cNvPr>
+              <p14:cNvContentPartPr/>
+              <p14:nvPr/>
+            </p14:nvContentPartPr>
+            <p14:xfrm>
+              <a:off x="1556086" y="5671011"/>
+              <a:ext cx="237960" cy="202680"/>
+            </p14:xfrm>
+          </p:contentPart>
+        </mc:Choice>
+        <mc:Fallback>
+          <p:pic>
+            <p:nvPicPr>
+              <p:cNvPr id="171" name="Ink 170">
+                <a:extLst>
+                  <a:ext uri="{FF2B5EF4-FFF2-40B4-BE49-F238E27FC236}">
+                    <a16:creationId xmlns:a16="http://schemas.microsoft.com/office/drawing/2014/main" id="{3609A4CE-5F84-4C93-804F-CFD21B16E5BC}"/>
+                  </a:ext>
+                </a:extLst>
+              </p:cNvPr>
+              <p:cNvPicPr/>
+              <p:nvPr/>
+            </p:nvPicPr>
+            <p:blipFill>
+              <a:blip r:embed="rId15"/>
+              <a:stretch>
+                <a:fillRect/>
+              </a:stretch>
+            </p:blipFill>
+            <p:spPr>
+              <a:xfrm>
+                <a:off x="1547086" y="5662011"/>
+                <a:ext cx="255600" cy="220320"/>
+              </a:xfrm>
+              <a:prstGeom prst="rect">
+                <a:avLst/>
+              </a:prstGeom>
+            </p:spPr>
+          </p:pic>
+        </mc:Fallback>
+      </mc:AlternateContent>
+      <mc:AlternateContent xmlns:mc="http://schemas.openxmlformats.org/markup-compatibility/2006">
+        <mc:Choice xmlns:p14="http://schemas.microsoft.com/office/powerpoint/2010/main" Requires="p14">
+          <p:contentPart p14:bwMode="auto" r:id="rId16">
+            <p14:nvContentPartPr>
+              <p14:cNvPr id="172" name="Ink 171">
+                <a:extLst>
+                  <a:ext uri="{FF2B5EF4-FFF2-40B4-BE49-F238E27FC236}">
+                    <a16:creationId xmlns:a16="http://schemas.microsoft.com/office/drawing/2014/main" id="{39355132-BDC1-455E-A416-C5332606E048}"/>
+                  </a:ext>
+                </a:extLst>
+              </p14:cNvPr>
+              <p14:cNvContentPartPr/>
+              <p14:nvPr/>
+            </p14:nvContentPartPr>
+            <p14:xfrm>
+              <a:off x="1371046" y="5623851"/>
+              <a:ext cx="757080" cy="593280"/>
+            </p14:xfrm>
+          </p:contentPart>
+        </mc:Choice>
+        <mc:Fallback>
+          <p:pic>
+            <p:nvPicPr>
+              <p:cNvPr id="172" name="Ink 171">
+                <a:extLst>
+                  <a:ext uri="{FF2B5EF4-FFF2-40B4-BE49-F238E27FC236}">
+                    <a16:creationId xmlns:a16="http://schemas.microsoft.com/office/drawing/2014/main" id="{39355132-BDC1-455E-A416-C5332606E048}"/>
+                  </a:ext>
+                </a:extLst>
+              </p:cNvPr>
+              <p:cNvPicPr/>
+              <p:nvPr/>
+            </p:nvPicPr>
+            <p:blipFill>
+              <a:blip r:embed="rId17"/>
+              <a:stretch>
+                <a:fillRect/>
+              </a:stretch>
+            </p:blipFill>
+            <p:spPr>
+              <a:xfrm>
+                <a:off x="1362046" y="5614851"/>
+                <a:ext cx="774720" cy="610920"/>
+              </a:xfrm>
+              <a:prstGeom prst="rect">
+                <a:avLst/>
+              </a:prstGeom>
+            </p:spPr>
+          </p:pic>
+        </mc:Fallback>
+      </mc:AlternateContent>
+      <mc:AlternateContent xmlns:mc="http://schemas.openxmlformats.org/markup-compatibility/2006">
+        <mc:Choice xmlns:p14="http://schemas.microsoft.com/office/powerpoint/2010/main" Requires="p14">
+          <p:contentPart p14:bwMode="auto" r:id="rId18">
+            <p14:nvContentPartPr>
+              <p14:cNvPr id="201" name="Ink 200">
+                <a:extLst>
+                  <a:ext uri="{FF2B5EF4-FFF2-40B4-BE49-F238E27FC236}">
+                    <a16:creationId xmlns:a16="http://schemas.microsoft.com/office/drawing/2014/main" id="{98BDC024-C7C1-4417-9203-97D995011151}"/>
+                  </a:ext>
+                </a:extLst>
+              </p14:cNvPr>
+              <p14:cNvContentPartPr/>
+              <p14:nvPr/>
+            </p14:nvContentPartPr>
+            <p14:xfrm>
+              <a:off x="2732206" y="3435411"/>
+              <a:ext cx="939960" cy="178560"/>
+            </p14:xfrm>
+          </p:contentPart>
+        </mc:Choice>
+        <mc:Fallback>
+          <p:pic>
+            <p:nvPicPr>
+              <p:cNvPr id="201" name="Ink 200">
+                <a:extLst>
+                  <a:ext uri="{FF2B5EF4-FFF2-40B4-BE49-F238E27FC236}">
+                    <a16:creationId xmlns:a16="http://schemas.microsoft.com/office/drawing/2014/main" id="{98BDC024-C7C1-4417-9203-97D995011151}"/>
+                  </a:ext>
+                </a:extLst>
+              </p:cNvPr>
+              <p:cNvPicPr/>
+              <p:nvPr/>
+            </p:nvPicPr>
+            <p:blipFill>
+              <a:blip r:embed="rId19"/>
+              <a:stretch>
+                <a:fillRect/>
+              </a:stretch>
+            </p:blipFill>
+            <p:spPr>
+              <a:xfrm>
+                <a:off x="2723206" y="3426411"/>
+                <a:ext cx="957600" cy="196200"/>
+              </a:xfrm>
+              <a:prstGeom prst="rect">
+                <a:avLst/>
+              </a:prstGeom>
+            </p:spPr>
+          </p:pic>
+        </mc:Fallback>
+      </mc:AlternateContent>
+      <mc:AlternateContent xmlns:mc="http://schemas.openxmlformats.org/markup-compatibility/2006">
+        <mc:Choice xmlns:p14="http://schemas.microsoft.com/office/powerpoint/2010/main" Requires="p14">
+          <p:contentPart p14:bwMode="auto" r:id="rId20">
+            <p14:nvContentPartPr>
+              <p14:cNvPr id="223" name="Ink 222">
+                <a:extLst>
+                  <a:ext uri="{FF2B5EF4-FFF2-40B4-BE49-F238E27FC236}">
+                    <a16:creationId xmlns:a16="http://schemas.microsoft.com/office/drawing/2014/main" id="{DF97D40D-8F56-4D2F-B40F-FD07A65FEC74}"/>
+                  </a:ext>
+                </a:extLst>
+              </p14:cNvPr>
+              <p14:cNvContentPartPr/>
+              <p14:nvPr/>
+            </p14:nvContentPartPr>
+            <p14:xfrm>
+              <a:off x="2189326" y="4800531"/>
+              <a:ext cx="6541920" cy="1482120"/>
+            </p14:xfrm>
+          </p:contentPart>
+        </mc:Choice>
+        <mc:Fallback>
+          <p:pic>
+            <p:nvPicPr>
+              <p:cNvPr id="223" name="Ink 222">
+                <a:extLst>
+                  <a:ext uri="{FF2B5EF4-FFF2-40B4-BE49-F238E27FC236}">
+                    <a16:creationId xmlns:a16="http://schemas.microsoft.com/office/drawing/2014/main" id="{DF97D40D-8F56-4D2F-B40F-FD07A65FEC74}"/>
+                  </a:ext>
+                </a:extLst>
+              </p:cNvPr>
+              <p:cNvPicPr/>
+              <p:nvPr/>
+            </p:nvPicPr>
+            <p:blipFill>
+              <a:blip r:embed="rId21"/>
+              <a:stretch>
+                <a:fillRect/>
+              </a:stretch>
+            </p:blipFill>
+            <p:spPr>
+              <a:xfrm>
+                <a:off x="2180326" y="4791531"/>
+                <a:ext cx="6559560" cy="1499760"/>
+              </a:xfrm>
+              <a:prstGeom prst="rect">
+                <a:avLst/>
+              </a:prstGeom>
+            </p:spPr>
+          </p:pic>
+        </mc:Fallback>
+      </mc:AlternateContent>
+    </p:spTree>
+    <p:extLst>
+      <p:ext uri="{BB962C8B-B14F-4D97-AF65-F5344CB8AC3E}">
+        <p14:creationId xmlns:p14="http://schemas.microsoft.com/office/powerpoint/2010/main" val="1443624196"/>
       </p:ext>
     </p:extLst>
   </p:cSld>
